--- a/CYBER360-6.2-ODBC.pptx
+++ b/CYBER360-6.2-ODBC.pptx
@@ -139,6 +139,435 @@
 <file path=ppt/changesInfos/changesInfo1.xml><?xml version="1.0" encoding="utf-8"?>
 <pc:chgInfo xmlns:a="http://schemas.openxmlformats.org/drawingml/2006/main" xmlns:r="http://schemas.openxmlformats.org/officeDocument/2006/relationships" xmlns:ac="http://schemas.microsoft.com/office/drawing/2013/main/command" xmlns:pc="http://schemas.microsoft.com/office/powerpoint/2013/main/command">
   <pc:docChgLst>
+    <pc:chgData name="Gibbons, Carl" userId="d2b037bc-8fb4-4222-845c-61440543a456" providerId="ADAL" clId="{6DFE05B7-7BB4-417C-8826-34A6C37E3109}"/>
+    <pc:docChg chg="custSel modSld">
+      <pc:chgData name="Gibbons, Carl" userId="d2b037bc-8fb4-4222-845c-61440543a456" providerId="ADAL" clId="{6DFE05B7-7BB4-417C-8826-34A6C37E3109}" dt="2024-02-20T15:40:11.315" v="2156" actId="1076"/>
+      <pc:docMkLst>
+        <pc:docMk/>
+      </pc:docMkLst>
+      <pc:sldChg chg="modSp mod">
+        <pc:chgData name="Gibbons, Carl" userId="d2b037bc-8fb4-4222-845c-61440543a456" providerId="ADAL" clId="{6DFE05B7-7BB4-417C-8826-34A6C37E3109}" dt="2024-02-10T23:25:06.485" v="25" actId="20577"/>
+        <pc:sldMkLst>
+          <pc:docMk/>
+          <pc:sldMk cId="3308175748" sldId="256"/>
+        </pc:sldMkLst>
+        <pc:spChg chg="mod">
+          <ac:chgData name="Gibbons, Carl" userId="d2b037bc-8fb4-4222-845c-61440543a456" providerId="ADAL" clId="{6DFE05B7-7BB4-417C-8826-34A6C37E3109}" dt="2024-02-10T23:25:06.485" v="25" actId="20577"/>
+          <ac:spMkLst>
+            <pc:docMk/>
+            <pc:sldMk cId="3308175748" sldId="256"/>
+            <ac:spMk id="3" creationId="{EEC4D41B-E776-05F2-BE0B-89BB339485AB}"/>
+          </ac:spMkLst>
+        </pc:spChg>
+      </pc:sldChg>
+      <pc:sldChg chg="addSp delSp modSp mod">
+        <pc:chgData name="Gibbons, Carl" userId="d2b037bc-8fb4-4222-845c-61440543a456" providerId="ADAL" clId="{6DFE05B7-7BB4-417C-8826-34A6C37E3109}" dt="2024-02-10T23:47:50.077" v="678" actId="1076"/>
+        <pc:sldMkLst>
+          <pc:docMk/>
+          <pc:sldMk cId="2312486803" sldId="261"/>
+        </pc:sldMkLst>
+        <pc:spChg chg="mod">
+          <ac:chgData name="Gibbons, Carl" userId="d2b037bc-8fb4-4222-845c-61440543a456" providerId="ADAL" clId="{6DFE05B7-7BB4-417C-8826-34A6C37E3109}" dt="2024-02-10T23:25:43.747" v="72" actId="20577"/>
+          <ac:spMkLst>
+            <pc:docMk/>
+            <pc:sldMk cId="2312486803" sldId="261"/>
+            <ac:spMk id="2" creationId="{31B75992-5098-A283-4925-2CCEBB801DC5}"/>
+          </ac:spMkLst>
+        </pc:spChg>
+        <pc:spChg chg="del mod">
+          <ac:chgData name="Gibbons, Carl" userId="d2b037bc-8fb4-4222-845c-61440543a456" providerId="ADAL" clId="{6DFE05B7-7BB4-417C-8826-34A6C37E3109}" dt="2024-02-10T23:35:03.418" v="416"/>
+          <ac:spMkLst>
+            <pc:docMk/>
+            <pc:sldMk cId="2312486803" sldId="261"/>
+            <ac:spMk id="3" creationId="{B5924E0F-A977-1710-779D-EEB74261AF34}"/>
+          </ac:spMkLst>
+        </pc:spChg>
+        <pc:spChg chg="add del mod">
+          <ac:chgData name="Gibbons, Carl" userId="d2b037bc-8fb4-4222-845c-61440543a456" providerId="ADAL" clId="{6DFE05B7-7BB4-417C-8826-34A6C37E3109}" dt="2024-02-10T23:35:18.368" v="421"/>
+          <ac:spMkLst>
+            <pc:docMk/>
+            <pc:sldMk cId="2312486803" sldId="261"/>
+            <ac:spMk id="5" creationId="{5E1F0042-F2D7-082C-DE33-6A607ADAA329}"/>
+          </ac:spMkLst>
+        </pc:spChg>
+        <pc:spChg chg="add mod">
+          <ac:chgData name="Gibbons, Carl" userId="d2b037bc-8fb4-4222-845c-61440543a456" providerId="ADAL" clId="{6DFE05B7-7BB4-417C-8826-34A6C37E3109}" dt="2024-02-10T23:47:50.077" v="678" actId="1076"/>
+          <ac:spMkLst>
+            <pc:docMk/>
+            <pc:sldMk cId="2312486803" sldId="261"/>
+            <ac:spMk id="7" creationId="{F19E524F-C936-E6CE-A06A-9068EF0D1C67}"/>
+          </ac:spMkLst>
+        </pc:spChg>
+        <pc:picChg chg="add mod">
+          <ac:chgData name="Gibbons, Carl" userId="d2b037bc-8fb4-4222-845c-61440543a456" providerId="ADAL" clId="{6DFE05B7-7BB4-417C-8826-34A6C37E3109}" dt="2024-02-10T23:35:03.411" v="414"/>
+          <ac:picMkLst>
+            <pc:docMk/>
+            <pc:sldMk cId="2312486803" sldId="261"/>
+            <ac:picMk id="4" creationId="{96BD58E6-1F26-880B-6B7D-26B06301A218}"/>
+          </ac:picMkLst>
+        </pc:picChg>
+        <pc:picChg chg="add mod">
+          <ac:chgData name="Gibbons, Carl" userId="d2b037bc-8fb4-4222-845c-61440543a456" providerId="ADAL" clId="{6DFE05B7-7BB4-417C-8826-34A6C37E3109}" dt="2024-02-10T23:35:42.045" v="423" actId="1076"/>
+          <ac:picMkLst>
+            <pc:docMk/>
+            <pc:sldMk cId="2312486803" sldId="261"/>
+            <ac:picMk id="6" creationId="{EC52FD38-E213-5177-DDDA-7287F93BD393}"/>
+          </ac:picMkLst>
+        </pc:picChg>
+      </pc:sldChg>
+      <pc:sldChg chg="modSp mod">
+        <pc:chgData name="Gibbons, Carl" userId="d2b037bc-8fb4-4222-845c-61440543a456" providerId="ADAL" clId="{6DFE05B7-7BB4-417C-8826-34A6C37E3109}" dt="2024-02-11T00:43:14.770" v="2154" actId="20577"/>
+        <pc:sldMkLst>
+          <pc:docMk/>
+          <pc:sldMk cId="3885141102" sldId="262"/>
+        </pc:sldMkLst>
+        <pc:spChg chg="mod">
+          <ac:chgData name="Gibbons, Carl" userId="d2b037bc-8fb4-4222-845c-61440543a456" providerId="ADAL" clId="{6DFE05B7-7BB4-417C-8826-34A6C37E3109}" dt="2024-02-11T00:43:14.770" v="2154" actId="20577"/>
+          <ac:spMkLst>
+            <pc:docMk/>
+            <pc:sldMk cId="3885141102" sldId="262"/>
+            <ac:spMk id="3" creationId="{B5924E0F-A977-1710-779D-EEB74261AF34}"/>
+          </ac:spMkLst>
+        </pc:spChg>
+      </pc:sldChg>
+      <pc:sldChg chg="delSp modSp mod">
+        <pc:chgData name="Gibbons, Carl" userId="d2b037bc-8fb4-4222-845c-61440543a456" providerId="ADAL" clId="{6DFE05B7-7BB4-417C-8826-34A6C37E3109}" dt="2024-02-20T15:40:11.315" v="2156" actId="1076"/>
+        <pc:sldMkLst>
+          <pc:docMk/>
+          <pc:sldMk cId="538849350" sldId="263"/>
+        </pc:sldMkLst>
+        <pc:spChg chg="mod">
+          <ac:chgData name="Gibbons, Carl" userId="d2b037bc-8fb4-4222-845c-61440543a456" providerId="ADAL" clId="{6DFE05B7-7BB4-417C-8826-34A6C37E3109}" dt="2024-02-10T23:49:58.261" v="728" actId="20577"/>
+          <ac:spMkLst>
+            <pc:docMk/>
+            <pc:sldMk cId="538849350" sldId="263"/>
+            <ac:spMk id="2" creationId="{3D63CD28-05F6-EAAC-4E88-DBFBCF6B207B}"/>
+          </ac:spMkLst>
+        </pc:spChg>
+        <pc:spChg chg="mod">
+          <ac:chgData name="Gibbons, Carl" userId="d2b037bc-8fb4-4222-845c-61440543a456" providerId="ADAL" clId="{6DFE05B7-7BB4-417C-8826-34A6C37E3109}" dt="2024-02-20T15:40:11.315" v="2156" actId="1076"/>
+          <ac:spMkLst>
+            <pc:docMk/>
+            <pc:sldMk cId="538849350" sldId="263"/>
+            <ac:spMk id="7" creationId="{729440C3-A558-AF83-79BF-585206231CA4}"/>
+          </ac:spMkLst>
+        </pc:spChg>
+        <pc:picChg chg="del">
+          <ac:chgData name="Gibbons, Carl" userId="d2b037bc-8fb4-4222-845c-61440543a456" providerId="ADAL" clId="{6DFE05B7-7BB4-417C-8826-34A6C37E3109}" dt="2024-02-10T23:49:25.054" v="679" actId="478"/>
+          <ac:picMkLst>
+            <pc:docMk/>
+            <pc:sldMk cId="538849350" sldId="263"/>
+            <ac:picMk id="6" creationId="{D4950415-3AFA-6AEB-D962-FC2F30B31239}"/>
+          </ac:picMkLst>
+        </pc:picChg>
+      </pc:sldChg>
+      <pc:sldChg chg="modSp mod">
+        <pc:chgData name="Gibbons, Carl" userId="d2b037bc-8fb4-4222-845c-61440543a456" providerId="ADAL" clId="{6DFE05B7-7BB4-417C-8826-34A6C37E3109}" dt="2024-02-11T00:42:04.856" v="2084" actId="20577"/>
+        <pc:sldMkLst>
+          <pc:docMk/>
+          <pc:sldMk cId="1196559129" sldId="264"/>
+        </pc:sldMkLst>
+        <pc:spChg chg="mod">
+          <ac:chgData name="Gibbons, Carl" userId="d2b037bc-8fb4-4222-845c-61440543a456" providerId="ADAL" clId="{6DFE05B7-7BB4-417C-8826-34A6C37E3109}" dt="2024-02-11T00:28:46.758" v="1489" actId="20577"/>
+          <ac:spMkLst>
+            <pc:docMk/>
+            <pc:sldMk cId="1196559129" sldId="264"/>
+            <ac:spMk id="2" creationId="{0E6A2DEF-4501-FAEA-A31C-4FDCBD076712}"/>
+          </ac:spMkLst>
+        </pc:spChg>
+        <pc:spChg chg="mod">
+          <ac:chgData name="Gibbons, Carl" userId="d2b037bc-8fb4-4222-845c-61440543a456" providerId="ADAL" clId="{6DFE05B7-7BB4-417C-8826-34A6C37E3109}" dt="2024-02-11T00:42:04.856" v="2084" actId="20577"/>
+          <ac:spMkLst>
+            <pc:docMk/>
+            <pc:sldMk cId="1196559129" sldId="264"/>
+            <ac:spMk id="7" creationId="{4247D23F-F3F9-676F-BDEB-E69E1F0AB32C}"/>
+          </ac:spMkLst>
+        </pc:spChg>
+      </pc:sldChg>
+    </pc:docChg>
+  </pc:docChgLst>
+  <pc:docChgLst>
+    <pc:chgData name="Gibbons, Carl" userId="d2b037bc-8fb4-4222-845c-61440543a456" providerId="ADAL" clId="{5B3FBBC5-B788-4A9E-9FD4-842EBD374311}"/>
+    <pc:docChg chg="custSel addSld delSld modSld sldOrd">
+      <pc:chgData name="Gibbons, Carl" userId="d2b037bc-8fb4-4222-845c-61440543a456" providerId="ADAL" clId="{5B3FBBC5-B788-4A9E-9FD4-842EBD374311}" dt="2024-02-20T16:44:24.138" v="4925" actId="20577"/>
+      <pc:docMkLst>
+        <pc:docMk/>
+      </pc:docMkLst>
+      <pc:sldChg chg="modSp mod">
+        <pc:chgData name="Gibbons, Carl" userId="d2b037bc-8fb4-4222-845c-61440543a456" providerId="ADAL" clId="{5B3FBBC5-B788-4A9E-9FD4-842EBD374311}" dt="2024-02-20T15:42:03.020" v="12" actId="20577"/>
+        <pc:sldMkLst>
+          <pc:docMk/>
+          <pc:sldMk cId="3308175748" sldId="256"/>
+        </pc:sldMkLst>
+        <pc:spChg chg="mod">
+          <ac:chgData name="Gibbons, Carl" userId="d2b037bc-8fb4-4222-845c-61440543a456" providerId="ADAL" clId="{5B3FBBC5-B788-4A9E-9FD4-842EBD374311}" dt="2024-02-20T15:42:03.020" v="12" actId="20577"/>
+          <ac:spMkLst>
+            <pc:docMk/>
+            <pc:sldMk cId="3308175748" sldId="256"/>
+            <ac:spMk id="3" creationId="{EEC4D41B-E776-05F2-BE0B-89BB339485AB}"/>
+          </ac:spMkLst>
+        </pc:spChg>
+      </pc:sldChg>
+      <pc:sldChg chg="addSp delSp modSp mod">
+        <pc:chgData name="Gibbons, Carl" userId="d2b037bc-8fb4-4222-845c-61440543a456" providerId="ADAL" clId="{5B3FBBC5-B788-4A9E-9FD4-842EBD374311}" dt="2024-02-20T15:44:52.354" v="158" actId="20577"/>
+        <pc:sldMkLst>
+          <pc:docMk/>
+          <pc:sldMk cId="2312486803" sldId="261"/>
+        </pc:sldMkLst>
+        <pc:spChg chg="mod">
+          <ac:chgData name="Gibbons, Carl" userId="d2b037bc-8fb4-4222-845c-61440543a456" providerId="ADAL" clId="{5B3FBBC5-B788-4A9E-9FD4-842EBD374311}" dt="2024-02-20T15:44:52.354" v="158" actId="20577"/>
+          <ac:spMkLst>
+            <pc:docMk/>
+            <pc:sldMk cId="2312486803" sldId="261"/>
+            <ac:spMk id="2" creationId="{31B75992-5098-A283-4925-2CCEBB801DC5}"/>
+          </ac:spMkLst>
+        </pc:spChg>
+        <pc:spChg chg="del mod">
+          <ac:chgData name="Gibbons, Carl" userId="d2b037bc-8fb4-4222-845c-61440543a456" providerId="ADAL" clId="{5B3FBBC5-B788-4A9E-9FD4-842EBD374311}" dt="2024-02-20T15:44:35.866" v="139" actId="478"/>
+          <ac:spMkLst>
+            <pc:docMk/>
+            <pc:sldMk cId="2312486803" sldId="261"/>
+            <ac:spMk id="7" creationId="{F19E524F-C936-E6CE-A06A-9068EF0D1C67}"/>
+          </ac:spMkLst>
+        </pc:spChg>
+        <pc:picChg chg="add mod">
+          <ac:chgData name="Gibbons, Carl" userId="d2b037bc-8fb4-4222-845c-61440543a456" providerId="ADAL" clId="{5B3FBBC5-B788-4A9E-9FD4-842EBD374311}" dt="2024-02-20T15:44:30.929" v="138" actId="1076"/>
+          <ac:picMkLst>
+            <pc:docMk/>
+            <pc:sldMk cId="2312486803" sldId="261"/>
+            <ac:picMk id="3" creationId="{18F1AD7D-9AA4-CABA-2192-FD95BCEAD031}"/>
+          </ac:picMkLst>
+        </pc:picChg>
+        <pc:picChg chg="del">
+          <ac:chgData name="Gibbons, Carl" userId="d2b037bc-8fb4-4222-845c-61440543a456" providerId="ADAL" clId="{5B3FBBC5-B788-4A9E-9FD4-842EBD374311}" dt="2024-02-20T15:43:38.898" v="35" actId="478"/>
+          <ac:picMkLst>
+            <pc:docMk/>
+            <pc:sldMk cId="2312486803" sldId="261"/>
+            <ac:picMk id="6" creationId="{EC52FD38-E213-5177-DDDA-7287F93BD393}"/>
+          </ac:picMkLst>
+        </pc:picChg>
+      </pc:sldChg>
+      <pc:sldChg chg="modSp mod">
+        <pc:chgData name="Gibbons, Carl" userId="d2b037bc-8fb4-4222-845c-61440543a456" providerId="ADAL" clId="{5B3FBBC5-B788-4A9E-9FD4-842EBD374311}" dt="2024-02-20T16:44:24.138" v="4925" actId="20577"/>
+        <pc:sldMkLst>
+          <pc:docMk/>
+          <pc:sldMk cId="3885141102" sldId="262"/>
+        </pc:sldMkLst>
+        <pc:spChg chg="mod">
+          <ac:chgData name="Gibbons, Carl" userId="d2b037bc-8fb4-4222-845c-61440543a456" providerId="ADAL" clId="{5B3FBBC5-B788-4A9E-9FD4-842EBD374311}" dt="2024-02-20T16:44:24.138" v="4925" actId="20577"/>
+          <ac:spMkLst>
+            <pc:docMk/>
+            <pc:sldMk cId="3885141102" sldId="262"/>
+            <ac:spMk id="3" creationId="{B5924E0F-A977-1710-779D-EEB74261AF34}"/>
+          </ac:spMkLst>
+        </pc:spChg>
+      </pc:sldChg>
+      <pc:sldChg chg="modSp mod">
+        <pc:chgData name="Gibbons, Carl" userId="d2b037bc-8fb4-4222-845c-61440543a456" providerId="ADAL" clId="{5B3FBBC5-B788-4A9E-9FD4-842EBD374311}" dt="2024-02-20T16:02:51.350" v="1842" actId="20577"/>
+        <pc:sldMkLst>
+          <pc:docMk/>
+          <pc:sldMk cId="538849350" sldId="263"/>
+        </pc:sldMkLst>
+        <pc:spChg chg="mod">
+          <ac:chgData name="Gibbons, Carl" userId="d2b037bc-8fb4-4222-845c-61440543a456" providerId="ADAL" clId="{5B3FBBC5-B788-4A9E-9FD4-842EBD374311}" dt="2024-02-20T15:46:18.746" v="223" actId="113"/>
+          <ac:spMkLst>
+            <pc:docMk/>
+            <pc:sldMk cId="538849350" sldId="263"/>
+            <ac:spMk id="2" creationId="{3D63CD28-05F6-EAAC-4E88-DBFBCF6B207B}"/>
+          </ac:spMkLst>
+        </pc:spChg>
+        <pc:spChg chg="mod">
+          <ac:chgData name="Gibbons, Carl" userId="d2b037bc-8fb4-4222-845c-61440543a456" providerId="ADAL" clId="{5B3FBBC5-B788-4A9E-9FD4-842EBD374311}" dt="2024-02-20T16:02:51.350" v="1842" actId="20577"/>
+          <ac:spMkLst>
+            <pc:docMk/>
+            <pc:sldMk cId="538849350" sldId="263"/>
+            <ac:spMk id="7" creationId="{729440C3-A558-AF83-79BF-585206231CA4}"/>
+          </ac:spMkLst>
+        </pc:spChg>
+      </pc:sldChg>
+      <pc:sldChg chg="modSp mod ord">
+        <pc:chgData name="Gibbons, Carl" userId="d2b037bc-8fb4-4222-845c-61440543a456" providerId="ADAL" clId="{5B3FBBC5-B788-4A9E-9FD4-842EBD374311}" dt="2024-02-20T16:40:03.954" v="4664" actId="1076"/>
+        <pc:sldMkLst>
+          <pc:docMk/>
+          <pc:sldMk cId="1196559129" sldId="264"/>
+        </pc:sldMkLst>
+        <pc:spChg chg="mod">
+          <ac:chgData name="Gibbons, Carl" userId="d2b037bc-8fb4-4222-845c-61440543a456" providerId="ADAL" clId="{5B3FBBC5-B788-4A9E-9FD4-842EBD374311}" dt="2024-02-20T16:39:10.385" v="4639" actId="20577"/>
+          <ac:spMkLst>
+            <pc:docMk/>
+            <pc:sldMk cId="1196559129" sldId="264"/>
+            <ac:spMk id="2" creationId="{0E6A2DEF-4501-FAEA-A31C-4FDCBD076712}"/>
+          </ac:spMkLst>
+        </pc:spChg>
+        <pc:spChg chg="mod">
+          <ac:chgData name="Gibbons, Carl" userId="d2b037bc-8fb4-4222-845c-61440543a456" providerId="ADAL" clId="{5B3FBBC5-B788-4A9E-9FD4-842EBD374311}" dt="2024-02-20T16:40:03.954" v="4664" actId="1076"/>
+          <ac:spMkLst>
+            <pc:docMk/>
+            <pc:sldMk cId="1196559129" sldId="264"/>
+            <ac:spMk id="7" creationId="{4247D23F-F3F9-676F-BDEB-E69E1F0AB32C}"/>
+          </ac:spMkLst>
+        </pc:spChg>
+      </pc:sldChg>
+      <pc:sldChg chg="modSp add mod">
+        <pc:chgData name="Gibbons, Carl" userId="d2b037bc-8fb4-4222-845c-61440543a456" providerId="ADAL" clId="{5B3FBBC5-B788-4A9E-9FD4-842EBD374311}" dt="2024-02-20T16:40:54.353" v="4684" actId="1076"/>
+        <pc:sldMkLst>
+          <pc:docMk/>
+          <pc:sldMk cId="1400208519" sldId="265"/>
+        </pc:sldMkLst>
+        <pc:spChg chg="mod">
+          <ac:chgData name="Gibbons, Carl" userId="d2b037bc-8fb4-4222-845c-61440543a456" providerId="ADAL" clId="{5B3FBBC5-B788-4A9E-9FD4-842EBD374311}" dt="2024-02-20T16:40:15.735" v="4677" actId="20577"/>
+          <ac:spMkLst>
+            <pc:docMk/>
+            <pc:sldMk cId="1400208519" sldId="265"/>
+            <ac:spMk id="2" creationId="{832B45BA-6309-D8F6-D552-10D836B4EB21}"/>
+          </ac:spMkLst>
+        </pc:spChg>
+        <pc:spChg chg="mod">
+          <ac:chgData name="Gibbons, Carl" userId="d2b037bc-8fb4-4222-845c-61440543a456" providerId="ADAL" clId="{5B3FBBC5-B788-4A9E-9FD4-842EBD374311}" dt="2024-02-20T16:40:54.353" v="4684" actId="1076"/>
+          <ac:spMkLst>
+            <pc:docMk/>
+            <pc:sldMk cId="1400208519" sldId="265"/>
+            <ac:spMk id="7" creationId="{3CE889EF-4605-DB73-C7B2-D7E3C4957F48}"/>
+          </ac:spMkLst>
+        </pc:spChg>
+      </pc:sldChg>
+      <pc:sldChg chg="add del">
+        <pc:chgData name="Gibbons, Carl" userId="d2b037bc-8fb4-4222-845c-61440543a456" providerId="ADAL" clId="{5B3FBBC5-B788-4A9E-9FD4-842EBD374311}" dt="2024-02-20T16:38:39.593" v="4610" actId="47"/>
+        <pc:sldMkLst>
+          <pc:docMk/>
+          <pc:sldMk cId="312768879" sldId="266"/>
+        </pc:sldMkLst>
+      </pc:sldChg>
+      <pc:sldChg chg="modSp add mod">
+        <pc:chgData name="Gibbons, Carl" userId="d2b037bc-8fb4-4222-845c-61440543a456" providerId="ADAL" clId="{5B3FBBC5-B788-4A9E-9FD4-842EBD374311}" dt="2024-02-20T16:42:04.124" v="4740" actId="20577"/>
+        <pc:sldMkLst>
+          <pc:docMk/>
+          <pc:sldMk cId="1959728496" sldId="266"/>
+        </pc:sldMkLst>
+        <pc:spChg chg="mod">
+          <ac:chgData name="Gibbons, Carl" userId="d2b037bc-8fb4-4222-845c-61440543a456" providerId="ADAL" clId="{5B3FBBC5-B788-4A9E-9FD4-842EBD374311}" dt="2024-02-20T16:41:09.733" v="4697" actId="20577"/>
+          <ac:spMkLst>
+            <pc:docMk/>
+            <pc:sldMk cId="1959728496" sldId="266"/>
+            <ac:spMk id="2" creationId="{CE563C74-E990-3B77-1F46-668B8C1F1663}"/>
+          </ac:spMkLst>
+        </pc:spChg>
+        <pc:spChg chg="mod">
+          <ac:chgData name="Gibbons, Carl" userId="d2b037bc-8fb4-4222-845c-61440543a456" providerId="ADAL" clId="{5B3FBBC5-B788-4A9E-9FD4-842EBD374311}" dt="2024-02-20T16:42:04.124" v="4740" actId="20577"/>
+          <ac:spMkLst>
+            <pc:docMk/>
+            <pc:sldMk cId="1959728496" sldId="266"/>
+            <ac:spMk id="7" creationId="{90027281-906B-E8EC-9F0D-DB9DF0665C9C}"/>
+          </ac:spMkLst>
+        </pc:spChg>
+      </pc:sldChg>
+      <pc:sldChg chg="add del">
+        <pc:chgData name="Gibbons, Carl" userId="d2b037bc-8fb4-4222-845c-61440543a456" providerId="ADAL" clId="{5B3FBBC5-B788-4A9E-9FD4-842EBD374311}" dt="2024-02-20T16:43:04.289" v="4742" actId="2696"/>
+        <pc:sldMkLst>
+          <pc:docMk/>
+          <pc:sldMk cId="2838032763" sldId="267"/>
+        </pc:sldMkLst>
+      </pc:sldChg>
+    </pc:docChg>
+  </pc:docChgLst>
+  <pc:docChgLst>
+    <pc:chgData name="Gibbons, Carl" userId="d2b037bc-8fb4-4222-845c-61440543a456" providerId="ADAL" clId="{930742B8-5264-4285-844A-779DDFAABB41}"/>
+    <pc:docChg chg="custSel delSld modSld">
+      <pc:chgData name="Gibbons, Carl" userId="d2b037bc-8fb4-4222-845c-61440543a456" providerId="ADAL" clId="{930742B8-5264-4285-844A-779DDFAABB41}" dt="2024-02-04T07:28:09.926" v="804" actId="2711"/>
+      <pc:docMkLst>
+        <pc:docMk/>
+      </pc:docMkLst>
+      <pc:sldChg chg="modSp mod">
+        <pc:chgData name="Gibbons, Carl" userId="d2b037bc-8fb4-4222-845c-61440543a456" providerId="ADAL" clId="{930742B8-5264-4285-844A-779DDFAABB41}" dt="2024-02-04T07:19:09.277" v="12" actId="20577"/>
+        <pc:sldMkLst>
+          <pc:docMk/>
+          <pc:sldMk cId="3308175748" sldId="256"/>
+        </pc:sldMkLst>
+        <pc:spChg chg="mod">
+          <ac:chgData name="Gibbons, Carl" userId="d2b037bc-8fb4-4222-845c-61440543a456" providerId="ADAL" clId="{930742B8-5264-4285-844A-779DDFAABB41}" dt="2024-02-04T07:19:09.277" v="12" actId="20577"/>
+          <ac:spMkLst>
+            <pc:docMk/>
+            <pc:sldMk cId="3308175748" sldId="256"/>
+            <ac:spMk id="3" creationId="{EEC4D41B-E776-05F2-BE0B-89BB339485AB}"/>
+          </ac:spMkLst>
+        </pc:spChg>
+      </pc:sldChg>
+      <pc:sldChg chg="modSp mod">
+        <pc:chgData name="Gibbons, Carl" userId="d2b037bc-8fb4-4222-845c-61440543a456" providerId="ADAL" clId="{930742B8-5264-4285-844A-779DDFAABB41}" dt="2024-02-04T07:28:09.926" v="804" actId="2711"/>
+        <pc:sldMkLst>
+          <pc:docMk/>
+          <pc:sldMk cId="2312486803" sldId="261"/>
+        </pc:sldMkLst>
+        <pc:spChg chg="mod">
+          <ac:chgData name="Gibbons, Carl" userId="d2b037bc-8fb4-4222-845c-61440543a456" providerId="ADAL" clId="{930742B8-5264-4285-844A-779DDFAABB41}" dt="2024-02-04T07:19:25.889" v="43" actId="20577"/>
+          <ac:spMkLst>
+            <pc:docMk/>
+            <pc:sldMk cId="2312486803" sldId="261"/>
+            <ac:spMk id="2" creationId="{31B75992-5098-A283-4925-2CCEBB801DC5}"/>
+          </ac:spMkLst>
+        </pc:spChg>
+        <pc:spChg chg="mod">
+          <ac:chgData name="Gibbons, Carl" userId="d2b037bc-8fb4-4222-845c-61440543a456" providerId="ADAL" clId="{930742B8-5264-4285-844A-779DDFAABB41}" dt="2024-02-04T07:28:09.926" v="804" actId="2711"/>
+          <ac:spMkLst>
+            <pc:docMk/>
+            <pc:sldMk cId="2312486803" sldId="261"/>
+            <ac:spMk id="3" creationId="{B5924E0F-A977-1710-779D-EEB74261AF34}"/>
+          </ac:spMkLst>
+        </pc:spChg>
+      </pc:sldChg>
+      <pc:sldChg chg="modSp mod">
+        <pc:chgData name="Gibbons, Carl" userId="d2b037bc-8fb4-4222-845c-61440543a456" providerId="ADAL" clId="{930742B8-5264-4285-844A-779DDFAABB41}" dt="2024-02-04T07:21:38.166" v="247" actId="20577"/>
+        <pc:sldMkLst>
+          <pc:docMk/>
+          <pc:sldMk cId="3885141102" sldId="262"/>
+        </pc:sldMkLst>
+        <pc:spChg chg="mod">
+          <ac:chgData name="Gibbons, Carl" userId="d2b037bc-8fb4-4222-845c-61440543a456" providerId="ADAL" clId="{930742B8-5264-4285-844A-779DDFAABB41}" dt="2024-02-04T07:21:38.166" v="247" actId="20577"/>
+          <ac:spMkLst>
+            <pc:docMk/>
+            <pc:sldMk cId="3885141102" sldId="262"/>
+            <ac:spMk id="3" creationId="{B5924E0F-A977-1710-779D-EEB74261AF34}"/>
+          </ac:spMkLst>
+        </pc:spChg>
+      </pc:sldChg>
+      <pc:sldChg chg="del">
+        <pc:chgData name="Gibbons, Carl" userId="d2b037bc-8fb4-4222-845c-61440543a456" providerId="ADAL" clId="{930742B8-5264-4285-844A-779DDFAABB41}" dt="2024-02-04T07:21:17.454" v="192" actId="2696"/>
+        <pc:sldMkLst>
+          <pc:docMk/>
+          <pc:sldMk cId="2993794741" sldId="265"/>
+        </pc:sldMkLst>
+      </pc:sldChg>
+      <pc:sldChg chg="del">
+        <pc:chgData name="Gibbons, Carl" userId="d2b037bc-8fb4-4222-845c-61440543a456" providerId="ADAL" clId="{930742B8-5264-4285-844A-779DDFAABB41}" dt="2024-02-04T07:21:17.454" v="192" actId="2696"/>
+        <pc:sldMkLst>
+          <pc:docMk/>
+          <pc:sldMk cId="1337022352" sldId="266"/>
+        </pc:sldMkLst>
+      </pc:sldChg>
+      <pc:sldChg chg="del">
+        <pc:chgData name="Gibbons, Carl" userId="d2b037bc-8fb4-4222-845c-61440543a456" providerId="ADAL" clId="{930742B8-5264-4285-844A-779DDFAABB41}" dt="2024-02-04T07:21:17.454" v="192" actId="2696"/>
+        <pc:sldMkLst>
+          <pc:docMk/>
+          <pc:sldMk cId="3576168196" sldId="267"/>
+        </pc:sldMkLst>
+      </pc:sldChg>
+      <pc:sldChg chg="del">
+        <pc:chgData name="Gibbons, Carl" userId="d2b037bc-8fb4-4222-845c-61440543a456" providerId="ADAL" clId="{930742B8-5264-4285-844A-779DDFAABB41}" dt="2024-02-04T07:21:17.454" v="192" actId="2696"/>
+        <pc:sldMkLst>
+          <pc:docMk/>
+          <pc:sldMk cId="1066671753" sldId="268"/>
+        </pc:sldMkLst>
+      </pc:sldChg>
+      <pc:sldChg chg="del">
+        <pc:chgData name="Gibbons, Carl" userId="d2b037bc-8fb4-4222-845c-61440543a456" providerId="ADAL" clId="{930742B8-5264-4285-844A-779DDFAABB41}" dt="2024-02-04T07:21:17.454" v="192" actId="2696"/>
+        <pc:sldMkLst>
+          <pc:docMk/>
+          <pc:sldMk cId="465083765" sldId="269"/>
+        </pc:sldMkLst>
+      </pc:sldChg>
+    </pc:docChg>
+  </pc:docChgLst>
+  <pc:docChgLst>
     <pc:chgData name="Gibbons, Carl" userId="d2b037bc-8fb4-4222-845c-61440543a456" providerId="ADAL" clId="{3CE3119B-1917-4F7B-A5AD-6C146E3F914B}"/>
     <pc:docChg chg="undo custSel addSld delSld modSld sldOrd">
       <pc:chgData name="Gibbons, Carl" userId="d2b037bc-8fb4-4222-845c-61440543a456" providerId="ADAL" clId="{3CE3119B-1917-4F7B-A5AD-6C146E3F914B}" dt="2023-12-28T21:57:42.900" v="13126" actId="20577"/>
@@ -595,6 +1024,901 @@
           </pc:sldLayoutMkLst>
         </pc:sldLayoutChg>
       </pc:sldMasterChg>
+    </pc:docChg>
+  </pc:docChgLst>
+  <pc:docChgLst>
+    <pc:chgData name="Gibbons, Carl" userId="d2b037bc-8fb4-4222-845c-61440543a456" providerId="ADAL" clId="{B22431BF-FF40-422E-84B9-DE35C0B96CC3}"/>
+    <pc:docChg chg="undo custSel delSld modSld">
+      <pc:chgData name="Gibbons, Carl" userId="d2b037bc-8fb4-4222-845c-61440543a456" providerId="ADAL" clId="{B22431BF-FF40-422E-84B9-DE35C0B96CC3}" dt="2024-01-04T23:02:20.392" v="6116" actId="20577"/>
+      <pc:docMkLst>
+        <pc:docMk/>
+      </pc:docMkLst>
+      <pc:sldChg chg="modSp mod">
+        <pc:chgData name="Gibbons, Carl" userId="d2b037bc-8fb4-4222-845c-61440543a456" providerId="ADAL" clId="{B22431BF-FF40-422E-84B9-DE35C0B96CC3}" dt="2023-12-29T21:56:55.022" v="36" actId="20577"/>
+        <pc:sldMkLst>
+          <pc:docMk/>
+          <pc:sldMk cId="3308175748" sldId="256"/>
+        </pc:sldMkLst>
+        <pc:spChg chg="mod">
+          <ac:chgData name="Gibbons, Carl" userId="d2b037bc-8fb4-4222-845c-61440543a456" providerId="ADAL" clId="{B22431BF-FF40-422E-84B9-DE35C0B96CC3}" dt="2023-12-29T21:56:55.022" v="36" actId="20577"/>
+          <ac:spMkLst>
+            <pc:docMk/>
+            <pc:sldMk cId="3308175748" sldId="256"/>
+            <ac:spMk id="3" creationId="{EEC4D41B-E776-05F2-BE0B-89BB339485AB}"/>
+          </ac:spMkLst>
+        </pc:spChg>
+      </pc:sldChg>
+      <pc:sldChg chg="modSp mod">
+        <pc:chgData name="Gibbons, Carl" userId="d2b037bc-8fb4-4222-845c-61440543a456" providerId="ADAL" clId="{B22431BF-FF40-422E-84B9-DE35C0B96CC3}" dt="2024-01-04T23:00:14.898" v="6013" actId="20577"/>
+        <pc:sldMkLst>
+          <pc:docMk/>
+          <pc:sldMk cId="2312486803" sldId="261"/>
+        </pc:sldMkLst>
+        <pc:spChg chg="mod">
+          <ac:chgData name="Gibbons, Carl" userId="d2b037bc-8fb4-4222-845c-61440543a456" providerId="ADAL" clId="{B22431BF-FF40-422E-84B9-DE35C0B96CC3}" dt="2023-12-29T22:08:30.114" v="43" actId="20577"/>
+          <ac:spMkLst>
+            <pc:docMk/>
+            <pc:sldMk cId="2312486803" sldId="261"/>
+            <ac:spMk id="2" creationId="{31B75992-5098-A283-4925-2CCEBB801DC5}"/>
+          </ac:spMkLst>
+        </pc:spChg>
+        <pc:spChg chg="mod">
+          <ac:chgData name="Gibbons, Carl" userId="d2b037bc-8fb4-4222-845c-61440543a456" providerId="ADAL" clId="{B22431BF-FF40-422E-84B9-DE35C0B96CC3}" dt="2024-01-04T23:00:14.898" v="6013" actId="20577"/>
+          <ac:spMkLst>
+            <pc:docMk/>
+            <pc:sldMk cId="2312486803" sldId="261"/>
+            <ac:spMk id="3" creationId="{B5924E0F-A977-1710-779D-EEB74261AF34}"/>
+          </ac:spMkLst>
+        </pc:spChg>
+      </pc:sldChg>
+      <pc:sldChg chg="del">
+        <pc:chgData name="Gibbons, Carl" userId="d2b037bc-8fb4-4222-845c-61440543a456" providerId="ADAL" clId="{B22431BF-FF40-422E-84B9-DE35C0B96CC3}" dt="2023-12-30T00:06:35.373" v="5939" actId="47"/>
+        <pc:sldMkLst>
+          <pc:docMk/>
+          <pc:sldMk cId="657795359" sldId="277"/>
+        </pc:sldMkLst>
+      </pc:sldChg>
+      <pc:sldChg chg="modSp mod">
+        <pc:chgData name="Gibbons, Carl" userId="d2b037bc-8fb4-4222-845c-61440543a456" providerId="ADAL" clId="{B22431BF-FF40-422E-84B9-DE35C0B96CC3}" dt="2023-12-29T22:43:19.687" v="2380" actId="20577"/>
+        <pc:sldMkLst>
+          <pc:docMk/>
+          <pc:sldMk cId="3989541258" sldId="278"/>
+        </pc:sldMkLst>
+        <pc:spChg chg="mod">
+          <ac:chgData name="Gibbons, Carl" userId="d2b037bc-8fb4-4222-845c-61440543a456" providerId="ADAL" clId="{B22431BF-FF40-422E-84B9-DE35C0B96CC3}" dt="2023-12-29T22:43:19.687" v="2380" actId="20577"/>
+          <ac:spMkLst>
+            <pc:docMk/>
+            <pc:sldMk cId="3989541258" sldId="278"/>
+            <ac:spMk id="2" creationId="{31B75992-5098-A283-4925-2CCEBB801DC5}"/>
+          </ac:spMkLst>
+        </pc:spChg>
+        <pc:spChg chg="mod">
+          <ac:chgData name="Gibbons, Carl" userId="d2b037bc-8fb4-4222-845c-61440543a456" providerId="ADAL" clId="{B22431BF-FF40-422E-84B9-DE35C0B96CC3}" dt="2023-12-29T22:42:57.446" v="2316" actId="21"/>
+          <ac:spMkLst>
+            <pc:docMk/>
+            <pc:sldMk cId="3989541258" sldId="278"/>
+            <ac:spMk id="3" creationId="{B5924E0F-A977-1710-779D-EEB74261AF34}"/>
+          </ac:spMkLst>
+        </pc:spChg>
+      </pc:sldChg>
+      <pc:sldChg chg="modSp mod">
+        <pc:chgData name="Gibbons, Carl" userId="d2b037bc-8fb4-4222-845c-61440543a456" providerId="ADAL" clId="{B22431BF-FF40-422E-84B9-DE35C0B96CC3}" dt="2024-01-04T23:02:20.392" v="6116" actId="20577"/>
+        <pc:sldMkLst>
+          <pc:docMk/>
+          <pc:sldMk cId="1861646120" sldId="293"/>
+        </pc:sldMkLst>
+        <pc:spChg chg="mod">
+          <ac:chgData name="Gibbons, Carl" userId="d2b037bc-8fb4-4222-845c-61440543a456" providerId="ADAL" clId="{B22431BF-FF40-422E-84B9-DE35C0B96CC3}" dt="2023-12-29T22:43:38.151" v="2422" actId="20577"/>
+          <ac:spMkLst>
+            <pc:docMk/>
+            <pc:sldMk cId="1861646120" sldId="293"/>
+            <ac:spMk id="2" creationId="{31B75992-5098-A283-4925-2CCEBB801DC5}"/>
+          </ac:spMkLst>
+        </pc:spChg>
+        <pc:spChg chg="mod">
+          <ac:chgData name="Gibbons, Carl" userId="d2b037bc-8fb4-4222-845c-61440543a456" providerId="ADAL" clId="{B22431BF-FF40-422E-84B9-DE35C0B96CC3}" dt="2024-01-04T23:02:20.392" v="6116" actId="20577"/>
+          <ac:spMkLst>
+            <pc:docMk/>
+            <pc:sldMk cId="1861646120" sldId="293"/>
+            <ac:spMk id="3" creationId="{B5924E0F-A977-1710-779D-EEB74261AF34}"/>
+          </ac:spMkLst>
+        </pc:spChg>
+      </pc:sldChg>
+      <pc:sldChg chg="modSp mod">
+        <pc:chgData name="Gibbons, Carl" userId="d2b037bc-8fb4-4222-845c-61440543a456" providerId="ADAL" clId="{B22431BF-FF40-422E-84B9-DE35C0B96CC3}" dt="2023-12-30T00:07:46.447" v="5951" actId="20577"/>
+        <pc:sldMkLst>
+          <pc:docMk/>
+          <pc:sldMk cId="2232562783" sldId="294"/>
+        </pc:sldMkLst>
+        <pc:spChg chg="mod">
+          <ac:chgData name="Gibbons, Carl" userId="d2b037bc-8fb4-4222-845c-61440543a456" providerId="ADAL" clId="{B22431BF-FF40-422E-84B9-DE35C0B96CC3}" dt="2023-12-30T00:07:46.447" v="5951" actId="20577"/>
+          <ac:spMkLst>
+            <pc:docMk/>
+            <pc:sldMk cId="2232562783" sldId="294"/>
+            <ac:spMk id="2" creationId="{31B75992-5098-A283-4925-2CCEBB801DC5}"/>
+          </ac:spMkLst>
+        </pc:spChg>
+        <pc:spChg chg="mod">
+          <ac:chgData name="Gibbons, Carl" userId="d2b037bc-8fb4-4222-845c-61440543a456" providerId="ADAL" clId="{B22431BF-FF40-422E-84B9-DE35C0B96CC3}" dt="2023-12-29T23:10:49.132" v="4131" actId="20577"/>
+          <ac:spMkLst>
+            <pc:docMk/>
+            <pc:sldMk cId="2232562783" sldId="294"/>
+            <ac:spMk id="3" creationId="{B5924E0F-A977-1710-779D-EEB74261AF34}"/>
+          </ac:spMkLst>
+        </pc:spChg>
+      </pc:sldChg>
+      <pc:sldChg chg="modSp del mod">
+        <pc:chgData name="Gibbons, Carl" userId="d2b037bc-8fb4-4222-845c-61440543a456" providerId="ADAL" clId="{B22431BF-FF40-422E-84B9-DE35C0B96CC3}" dt="2023-12-30T00:06:31.761" v="5934" actId="47"/>
+        <pc:sldMkLst>
+          <pc:docMk/>
+          <pc:sldMk cId="806767687" sldId="295"/>
+        </pc:sldMkLst>
+        <pc:spChg chg="mod">
+          <ac:chgData name="Gibbons, Carl" userId="d2b037bc-8fb4-4222-845c-61440543a456" providerId="ADAL" clId="{B22431BF-FF40-422E-84B9-DE35C0B96CC3}" dt="2023-12-29T23:17:23.085" v="4333" actId="20577"/>
+          <ac:spMkLst>
+            <pc:docMk/>
+            <pc:sldMk cId="806767687" sldId="295"/>
+            <ac:spMk id="3" creationId="{B5924E0F-A977-1710-779D-EEB74261AF34}"/>
+          </ac:spMkLst>
+        </pc:spChg>
+      </pc:sldChg>
+      <pc:sldChg chg="del">
+        <pc:chgData name="Gibbons, Carl" userId="d2b037bc-8fb4-4222-845c-61440543a456" providerId="ADAL" clId="{B22431BF-FF40-422E-84B9-DE35C0B96CC3}" dt="2023-12-30T00:06:32.570" v="5935" actId="47"/>
+        <pc:sldMkLst>
+          <pc:docMk/>
+          <pc:sldMk cId="3145157247" sldId="296"/>
+        </pc:sldMkLst>
+      </pc:sldChg>
+      <pc:sldChg chg="del">
+        <pc:chgData name="Gibbons, Carl" userId="d2b037bc-8fb4-4222-845c-61440543a456" providerId="ADAL" clId="{B22431BF-FF40-422E-84B9-DE35C0B96CC3}" dt="2023-12-30T00:06:33.242" v="5936" actId="47"/>
+        <pc:sldMkLst>
+          <pc:docMk/>
+          <pc:sldMk cId="2424714671" sldId="297"/>
+        </pc:sldMkLst>
+      </pc:sldChg>
+      <pc:sldChg chg="del">
+        <pc:chgData name="Gibbons, Carl" userId="d2b037bc-8fb4-4222-845c-61440543a456" providerId="ADAL" clId="{B22431BF-FF40-422E-84B9-DE35C0B96CC3}" dt="2023-12-30T00:06:33.834" v="5937" actId="47"/>
+        <pc:sldMkLst>
+          <pc:docMk/>
+          <pc:sldMk cId="3450195044" sldId="298"/>
+        </pc:sldMkLst>
+      </pc:sldChg>
+      <pc:sldChg chg="del">
+        <pc:chgData name="Gibbons, Carl" userId="d2b037bc-8fb4-4222-845c-61440543a456" providerId="ADAL" clId="{B22431BF-FF40-422E-84B9-DE35C0B96CC3}" dt="2023-12-30T00:06:34.432" v="5938" actId="47"/>
+        <pc:sldMkLst>
+          <pc:docMk/>
+          <pc:sldMk cId="3633122843" sldId="299"/>
+        </pc:sldMkLst>
+      </pc:sldChg>
+      <pc:sldChg chg="modSp mod">
+        <pc:chgData name="Gibbons, Carl" userId="d2b037bc-8fb4-4222-845c-61440543a456" providerId="ADAL" clId="{B22431BF-FF40-422E-84B9-DE35C0B96CC3}" dt="2023-12-30T00:07:51.836" v="5963" actId="20577"/>
+        <pc:sldMkLst>
+          <pc:docMk/>
+          <pc:sldMk cId="845747584" sldId="300"/>
+        </pc:sldMkLst>
+        <pc:spChg chg="mod">
+          <ac:chgData name="Gibbons, Carl" userId="d2b037bc-8fb4-4222-845c-61440543a456" providerId="ADAL" clId="{B22431BF-FF40-422E-84B9-DE35C0B96CC3}" dt="2023-12-30T00:07:51.836" v="5963" actId="20577"/>
+          <ac:spMkLst>
+            <pc:docMk/>
+            <pc:sldMk cId="845747584" sldId="300"/>
+            <ac:spMk id="2" creationId="{31B75992-5098-A283-4925-2CCEBB801DC5}"/>
+          </ac:spMkLst>
+        </pc:spChg>
+        <pc:spChg chg="mod">
+          <ac:chgData name="Gibbons, Carl" userId="d2b037bc-8fb4-4222-845c-61440543a456" providerId="ADAL" clId="{B22431BF-FF40-422E-84B9-DE35C0B96CC3}" dt="2023-12-29T23:21:57.151" v="4600" actId="20577"/>
+          <ac:spMkLst>
+            <pc:docMk/>
+            <pc:sldMk cId="845747584" sldId="300"/>
+            <ac:spMk id="3" creationId="{B5924E0F-A977-1710-779D-EEB74261AF34}"/>
+          </ac:spMkLst>
+        </pc:spChg>
+      </pc:sldChg>
+      <pc:sldChg chg="modSp mod">
+        <pc:chgData name="Gibbons, Carl" userId="d2b037bc-8fb4-4222-845c-61440543a456" providerId="ADAL" clId="{B22431BF-FF40-422E-84B9-DE35C0B96CC3}" dt="2023-12-30T00:07:56.869" v="5975" actId="20577"/>
+        <pc:sldMkLst>
+          <pc:docMk/>
+          <pc:sldMk cId="3372579319" sldId="301"/>
+        </pc:sldMkLst>
+        <pc:spChg chg="mod">
+          <ac:chgData name="Gibbons, Carl" userId="d2b037bc-8fb4-4222-845c-61440543a456" providerId="ADAL" clId="{B22431BF-FF40-422E-84B9-DE35C0B96CC3}" dt="2023-12-30T00:07:56.869" v="5975" actId="20577"/>
+          <ac:spMkLst>
+            <pc:docMk/>
+            <pc:sldMk cId="3372579319" sldId="301"/>
+            <ac:spMk id="2" creationId="{31B75992-5098-A283-4925-2CCEBB801DC5}"/>
+          </ac:spMkLst>
+        </pc:spChg>
+        <pc:spChg chg="mod">
+          <ac:chgData name="Gibbons, Carl" userId="d2b037bc-8fb4-4222-845c-61440543a456" providerId="ADAL" clId="{B22431BF-FF40-422E-84B9-DE35C0B96CC3}" dt="2023-12-30T00:06:13.959" v="5932" actId="20577"/>
+          <ac:spMkLst>
+            <pc:docMk/>
+            <pc:sldMk cId="3372579319" sldId="301"/>
+            <ac:spMk id="3" creationId="{B5924E0F-A977-1710-779D-EEB74261AF34}"/>
+          </ac:spMkLst>
+        </pc:spChg>
+      </pc:sldChg>
+      <pc:sldChg chg="modSp del mod">
+        <pc:chgData name="Gibbons, Carl" userId="d2b037bc-8fb4-4222-845c-61440543a456" providerId="ADAL" clId="{B22431BF-FF40-422E-84B9-DE35C0B96CC3}" dt="2023-12-30T00:06:30.511" v="5933" actId="47"/>
+        <pc:sldMkLst>
+          <pc:docMk/>
+          <pc:sldMk cId="3488854045" sldId="302"/>
+        </pc:sldMkLst>
+        <pc:spChg chg="mod">
+          <ac:chgData name="Gibbons, Carl" userId="d2b037bc-8fb4-4222-845c-61440543a456" providerId="ADAL" clId="{B22431BF-FF40-422E-84B9-DE35C0B96CC3}" dt="2023-12-29T23:32:30.137" v="5532" actId="20577"/>
+          <ac:spMkLst>
+            <pc:docMk/>
+            <pc:sldMk cId="3488854045" sldId="302"/>
+            <ac:spMk id="2" creationId="{31B75992-5098-A283-4925-2CCEBB801DC5}"/>
+          </ac:spMkLst>
+        </pc:spChg>
+        <pc:spChg chg="mod">
+          <ac:chgData name="Gibbons, Carl" userId="d2b037bc-8fb4-4222-845c-61440543a456" providerId="ADAL" clId="{B22431BF-FF40-422E-84B9-DE35C0B96CC3}" dt="2023-12-29T23:35:41.617" v="5912" actId="20577"/>
+          <ac:spMkLst>
+            <pc:docMk/>
+            <pc:sldMk cId="3488854045" sldId="302"/>
+            <ac:spMk id="3" creationId="{B5924E0F-A977-1710-779D-EEB74261AF34}"/>
+          </ac:spMkLst>
+        </pc:spChg>
+      </pc:sldChg>
+    </pc:docChg>
+  </pc:docChgLst>
+  <pc:docChgLst>
+    <pc:chgData name="Gibbons, Carl" userId="d2b037bc-8fb4-4222-845c-61440543a456" providerId="ADAL" clId="{14F797DE-E75B-4062-A6FB-AA9F07155580}"/>
+    <pc:docChg chg="undo custSel addSld modSld">
+      <pc:chgData name="Gibbons, Carl" userId="d2b037bc-8fb4-4222-845c-61440543a456" providerId="ADAL" clId="{14F797DE-E75B-4062-A6FB-AA9F07155580}" dt="2023-12-29T21:55:15.574" v="6853" actId="255"/>
+      <pc:docMkLst>
+        <pc:docMk/>
+      </pc:docMkLst>
+      <pc:sldChg chg="modSp mod">
+        <pc:chgData name="Gibbons, Carl" userId="d2b037bc-8fb4-4222-845c-61440543a456" providerId="ADAL" clId="{14F797DE-E75B-4062-A6FB-AA9F07155580}" dt="2023-12-29T17:10:38.181" v="10" actId="20577"/>
+        <pc:sldMkLst>
+          <pc:docMk/>
+          <pc:sldMk cId="3308175748" sldId="256"/>
+        </pc:sldMkLst>
+        <pc:spChg chg="mod">
+          <ac:chgData name="Gibbons, Carl" userId="d2b037bc-8fb4-4222-845c-61440543a456" providerId="ADAL" clId="{14F797DE-E75B-4062-A6FB-AA9F07155580}" dt="2023-12-29T17:10:38.181" v="10" actId="20577"/>
+          <ac:spMkLst>
+            <pc:docMk/>
+            <pc:sldMk cId="3308175748" sldId="256"/>
+            <ac:spMk id="3" creationId="{EEC4D41B-E776-05F2-BE0B-89BB339485AB}"/>
+          </ac:spMkLst>
+        </pc:spChg>
+      </pc:sldChg>
+      <pc:sldChg chg="modSp mod">
+        <pc:chgData name="Gibbons, Carl" userId="d2b037bc-8fb4-4222-845c-61440543a456" providerId="ADAL" clId="{14F797DE-E75B-4062-A6FB-AA9F07155580}" dt="2023-12-29T17:51:52.012" v="2089" actId="20577"/>
+        <pc:sldMkLst>
+          <pc:docMk/>
+          <pc:sldMk cId="2312486803" sldId="261"/>
+        </pc:sldMkLst>
+        <pc:spChg chg="mod">
+          <ac:chgData name="Gibbons, Carl" userId="d2b037bc-8fb4-4222-845c-61440543a456" providerId="ADAL" clId="{14F797DE-E75B-4062-A6FB-AA9F07155580}" dt="2023-12-29T17:23:59.510" v="341" actId="20577"/>
+          <ac:spMkLst>
+            <pc:docMk/>
+            <pc:sldMk cId="2312486803" sldId="261"/>
+            <ac:spMk id="2" creationId="{31B75992-5098-A283-4925-2CCEBB801DC5}"/>
+          </ac:spMkLst>
+        </pc:spChg>
+        <pc:spChg chg="mod">
+          <ac:chgData name="Gibbons, Carl" userId="d2b037bc-8fb4-4222-845c-61440543a456" providerId="ADAL" clId="{14F797DE-E75B-4062-A6FB-AA9F07155580}" dt="2023-12-29T17:51:52.012" v="2089" actId="20577"/>
+          <ac:spMkLst>
+            <pc:docMk/>
+            <pc:sldMk cId="2312486803" sldId="261"/>
+            <ac:spMk id="3" creationId="{B5924E0F-A977-1710-779D-EEB74261AF34}"/>
+          </ac:spMkLst>
+        </pc:spChg>
+      </pc:sldChg>
+      <pc:sldChg chg="addSp modSp mod">
+        <pc:chgData name="Gibbons, Carl" userId="d2b037bc-8fb4-4222-845c-61440543a456" providerId="ADAL" clId="{14F797DE-E75B-4062-A6FB-AA9F07155580}" dt="2023-12-29T21:53:53.831" v="6845" actId="20577"/>
+        <pc:sldMkLst>
+          <pc:docMk/>
+          <pc:sldMk cId="657795359" sldId="277"/>
+        </pc:sldMkLst>
+        <pc:spChg chg="mod">
+          <ac:chgData name="Gibbons, Carl" userId="d2b037bc-8fb4-4222-845c-61440543a456" providerId="ADAL" clId="{14F797DE-E75B-4062-A6FB-AA9F07155580}" dt="2023-12-29T21:45:47.422" v="6393" actId="20577"/>
+          <ac:spMkLst>
+            <pc:docMk/>
+            <pc:sldMk cId="657795359" sldId="277"/>
+            <ac:spMk id="2" creationId="{1862E903-3C56-BB42-2361-009F2336475A}"/>
+          </ac:spMkLst>
+        </pc:spChg>
+        <pc:spChg chg="add mod">
+          <ac:chgData name="Gibbons, Carl" userId="d2b037bc-8fb4-4222-845c-61440543a456" providerId="ADAL" clId="{14F797DE-E75B-4062-A6FB-AA9F07155580}" dt="2023-12-29T21:53:53.831" v="6845" actId="20577"/>
+          <ac:spMkLst>
+            <pc:docMk/>
+            <pc:sldMk cId="657795359" sldId="277"/>
+            <ac:spMk id="3" creationId="{D9D594D6-F4EE-B0AB-C128-26D2D32F8E21}"/>
+          </ac:spMkLst>
+        </pc:spChg>
+      </pc:sldChg>
+      <pc:sldChg chg="modSp mod">
+        <pc:chgData name="Gibbons, Carl" userId="d2b037bc-8fb4-4222-845c-61440543a456" providerId="ADAL" clId="{14F797DE-E75B-4062-A6FB-AA9F07155580}" dt="2023-12-29T18:26:31.431" v="3669" actId="20577"/>
+        <pc:sldMkLst>
+          <pc:docMk/>
+          <pc:sldMk cId="3989541258" sldId="278"/>
+        </pc:sldMkLst>
+        <pc:spChg chg="mod">
+          <ac:chgData name="Gibbons, Carl" userId="d2b037bc-8fb4-4222-845c-61440543a456" providerId="ADAL" clId="{14F797DE-E75B-4062-A6FB-AA9F07155580}" dt="2023-12-29T17:53:20.837" v="2147" actId="20577"/>
+          <ac:spMkLst>
+            <pc:docMk/>
+            <pc:sldMk cId="3989541258" sldId="278"/>
+            <ac:spMk id="2" creationId="{31B75992-5098-A283-4925-2CCEBB801DC5}"/>
+          </ac:spMkLst>
+        </pc:spChg>
+        <pc:spChg chg="mod">
+          <ac:chgData name="Gibbons, Carl" userId="d2b037bc-8fb4-4222-845c-61440543a456" providerId="ADAL" clId="{14F797DE-E75B-4062-A6FB-AA9F07155580}" dt="2023-12-29T18:26:31.431" v="3669" actId="20577"/>
+          <ac:spMkLst>
+            <pc:docMk/>
+            <pc:sldMk cId="3989541258" sldId="278"/>
+            <ac:spMk id="3" creationId="{B5924E0F-A977-1710-779D-EEB74261AF34}"/>
+          </ac:spMkLst>
+        </pc:spChg>
+      </pc:sldChg>
+      <pc:sldChg chg="modSp mod">
+        <pc:chgData name="Gibbons, Carl" userId="d2b037bc-8fb4-4222-845c-61440543a456" providerId="ADAL" clId="{14F797DE-E75B-4062-A6FB-AA9F07155580}" dt="2023-12-29T21:55:15.574" v="6853" actId="255"/>
+        <pc:sldMkLst>
+          <pc:docMk/>
+          <pc:sldMk cId="1861646120" sldId="293"/>
+        </pc:sldMkLst>
+        <pc:spChg chg="mod">
+          <ac:chgData name="Gibbons, Carl" userId="d2b037bc-8fb4-4222-845c-61440543a456" providerId="ADAL" clId="{14F797DE-E75B-4062-A6FB-AA9F07155580}" dt="2023-12-29T18:01:10.039" v="2767" actId="20577"/>
+          <ac:spMkLst>
+            <pc:docMk/>
+            <pc:sldMk cId="1861646120" sldId="293"/>
+            <ac:spMk id="2" creationId="{31B75992-5098-A283-4925-2CCEBB801DC5}"/>
+          </ac:spMkLst>
+        </pc:spChg>
+        <pc:spChg chg="mod">
+          <ac:chgData name="Gibbons, Carl" userId="d2b037bc-8fb4-4222-845c-61440543a456" providerId="ADAL" clId="{14F797DE-E75B-4062-A6FB-AA9F07155580}" dt="2023-12-29T21:55:15.574" v="6853" actId="255"/>
+          <ac:spMkLst>
+            <pc:docMk/>
+            <pc:sldMk cId="1861646120" sldId="293"/>
+            <ac:spMk id="3" creationId="{B5924E0F-A977-1710-779D-EEB74261AF34}"/>
+          </ac:spMkLst>
+        </pc:spChg>
+      </pc:sldChg>
+      <pc:sldChg chg="modSp mod">
+        <pc:chgData name="Gibbons, Carl" userId="d2b037bc-8fb4-4222-845c-61440543a456" providerId="ADAL" clId="{14F797DE-E75B-4062-A6FB-AA9F07155580}" dt="2023-12-29T21:55:08.313" v="6852" actId="255"/>
+        <pc:sldMkLst>
+          <pc:docMk/>
+          <pc:sldMk cId="2232562783" sldId="294"/>
+        </pc:sldMkLst>
+        <pc:spChg chg="mod">
+          <ac:chgData name="Gibbons, Carl" userId="d2b037bc-8fb4-4222-845c-61440543a456" providerId="ADAL" clId="{14F797DE-E75B-4062-A6FB-AA9F07155580}" dt="2023-12-29T18:24:14.937" v="3546" actId="20577"/>
+          <ac:spMkLst>
+            <pc:docMk/>
+            <pc:sldMk cId="2232562783" sldId="294"/>
+            <ac:spMk id="2" creationId="{31B75992-5098-A283-4925-2CCEBB801DC5}"/>
+          </ac:spMkLst>
+        </pc:spChg>
+        <pc:spChg chg="mod">
+          <ac:chgData name="Gibbons, Carl" userId="d2b037bc-8fb4-4222-845c-61440543a456" providerId="ADAL" clId="{14F797DE-E75B-4062-A6FB-AA9F07155580}" dt="2023-12-29T21:55:08.313" v="6852" actId="255"/>
+          <ac:spMkLst>
+            <pc:docMk/>
+            <pc:sldMk cId="2232562783" sldId="294"/>
+            <ac:spMk id="3" creationId="{B5924E0F-A977-1710-779D-EEB74261AF34}"/>
+          </ac:spMkLst>
+        </pc:spChg>
+      </pc:sldChg>
+      <pc:sldChg chg="modSp add mod">
+        <pc:chgData name="Gibbons, Carl" userId="d2b037bc-8fb4-4222-845c-61440543a456" providerId="ADAL" clId="{14F797DE-E75B-4062-A6FB-AA9F07155580}" dt="2023-12-29T21:55:02.689" v="6851" actId="255"/>
+        <pc:sldMkLst>
+          <pc:docMk/>
+          <pc:sldMk cId="806767687" sldId="295"/>
+        </pc:sldMkLst>
+        <pc:spChg chg="mod">
+          <ac:chgData name="Gibbons, Carl" userId="d2b037bc-8fb4-4222-845c-61440543a456" providerId="ADAL" clId="{14F797DE-E75B-4062-A6FB-AA9F07155580}" dt="2023-12-29T18:50:33.208" v="4036" actId="113"/>
+          <ac:spMkLst>
+            <pc:docMk/>
+            <pc:sldMk cId="806767687" sldId="295"/>
+            <ac:spMk id="2" creationId="{31B75992-5098-A283-4925-2CCEBB801DC5}"/>
+          </ac:spMkLst>
+        </pc:spChg>
+        <pc:spChg chg="mod">
+          <ac:chgData name="Gibbons, Carl" userId="d2b037bc-8fb4-4222-845c-61440543a456" providerId="ADAL" clId="{14F797DE-E75B-4062-A6FB-AA9F07155580}" dt="2023-12-29T21:55:02.689" v="6851" actId="255"/>
+          <ac:spMkLst>
+            <pc:docMk/>
+            <pc:sldMk cId="806767687" sldId="295"/>
+            <ac:spMk id="3" creationId="{B5924E0F-A977-1710-779D-EEB74261AF34}"/>
+          </ac:spMkLst>
+        </pc:spChg>
+      </pc:sldChg>
+      <pc:sldChg chg="modSp mod">
+        <pc:chgData name="Gibbons, Carl" userId="d2b037bc-8fb4-4222-845c-61440543a456" providerId="ADAL" clId="{14F797DE-E75B-4062-A6FB-AA9F07155580}" dt="2023-12-29T21:54:48.370" v="6850" actId="255"/>
+        <pc:sldMkLst>
+          <pc:docMk/>
+          <pc:sldMk cId="3145157247" sldId="296"/>
+        </pc:sldMkLst>
+        <pc:spChg chg="mod">
+          <ac:chgData name="Gibbons, Carl" userId="d2b037bc-8fb4-4222-845c-61440543a456" providerId="ADAL" clId="{14F797DE-E75B-4062-A6FB-AA9F07155580}" dt="2023-12-29T21:07:20.782" v="4695" actId="20577"/>
+          <ac:spMkLst>
+            <pc:docMk/>
+            <pc:sldMk cId="3145157247" sldId="296"/>
+            <ac:spMk id="2" creationId="{31B75992-5098-A283-4925-2CCEBB801DC5}"/>
+          </ac:spMkLst>
+        </pc:spChg>
+        <pc:spChg chg="mod">
+          <ac:chgData name="Gibbons, Carl" userId="d2b037bc-8fb4-4222-845c-61440543a456" providerId="ADAL" clId="{14F797DE-E75B-4062-A6FB-AA9F07155580}" dt="2023-12-29T21:54:48.370" v="6850" actId="255"/>
+          <ac:spMkLst>
+            <pc:docMk/>
+            <pc:sldMk cId="3145157247" sldId="296"/>
+            <ac:spMk id="3" creationId="{B5924E0F-A977-1710-779D-EEB74261AF34}"/>
+          </ac:spMkLst>
+        </pc:spChg>
+      </pc:sldChg>
+      <pc:sldChg chg="modSp mod">
+        <pc:chgData name="Gibbons, Carl" userId="d2b037bc-8fb4-4222-845c-61440543a456" providerId="ADAL" clId="{14F797DE-E75B-4062-A6FB-AA9F07155580}" dt="2023-12-29T21:54:42.630" v="6849" actId="255"/>
+        <pc:sldMkLst>
+          <pc:docMk/>
+          <pc:sldMk cId="2424714671" sldId="297"/>
+        </pc:sldMkLst>
+        <pc:spChg chg="mod">
+          <ac:chgData name="Gibbons, Carl" userId="d2b037bc-8fb4-4222-845c-61440543a456" providerId="ADAL" clId="{14F797DE-E75B-4062-A6FB-AA9F07155580}" dt="2023-12-29T21:07:54.964" v="4712" actId="20577"/>
+          <ac:spMkLst>
+            <pc:docMk/>
+            <pc:sldMk cId="2424714671" sldId="297"/>
+            <ac:spMk id="2" creationId="{31B75992-5098-A283-4925-2CCEBB801DC5}"/>
+          </ac:spMkLst>
+        </pc:spChg>
+        <pc:spChg chg="mod">
+          <ac:chgData name="Gibbons, Carl" userId="d2b037bc-8fb4-4222-845c-61440543a456" providerId="ADAL" clId="{14F797DE-E75B-4062-A6FB-AA9F07155580}" dt="2023-12-29T21:54:42.630" v="6849" actId="255"/>
+          <ac:spMkLst>
+            <pc:docMk/>
+            <pc:sldMk cId="2424714671" sldId="297"/>
+            <ac:spMk id="3" creationId="{B5924E0F-A977-1710-779D-EEB74261AF34}"/>
+          </ac:spMkLst>
+        </pc:spChg>
+      </pc:sldChg>
+      <pc:sldChg chg="modSp mod">
+        <pc:chgData name="Gibbons, Carl" userId="d2b037bc-8fb4-4222-845c-61440543a456" providerId="ADAL" clId="{14F797DE-E75B-4062-A6FB-AA9F07155580}" dt="2023-12-29T21:54:28.975" v="6848" actId="255"/>
+        <pc:sldMkLst>
+          <pc:docMk/>
+          <pc:sldMk cId="3450195044" sldId="298"/>
+        </pc:sldMkLst>
+        <pc:spChg chg="mod">
+          <ac:chgData name="Gibbons, Carl" userId="d2b037bc-8fb4-4222-845c-61440543a456" providerId="ADAL" clId="{14F797DE-E75B-4062-A6FB-AA9F07155580}" dt="2023-12-29T21:23:42.216" v="5202" actId="20577"/>
+          <ac:spMkLst>
+            <pc:docMk/>
+            <pc:sldMk cId="3450195044" sldId="298"/>
+            <ac:spMk id="2" creationId="{31B75992-5098-A283-4925-2CCEBB801DC5}"/>
+          </ac:spMkLst>
+        </pc:spChg>
+        <pc:spChg chg="mod">
+          <ac:chgData name="Gibbons, Carl" userId="d2b037bc-8fb4-4222-845c-61440543a456" providerId="ADAL" clId="{14F797DE-E75B-4062-A6FB-AA9F07155580}" dt="2023-12-29T21:54:28.975" v="6848" actId="255"/>
+          <ac:spMkLst>
+            <pc:docMk/>
+            <pc:sldMk cId="3450195044" sldId="298"/>
+            <ac:spMk id="3" creationId="{B5924E0F-A977-1710-779D-EEB74261AF34}"/>
+          </ac:spMkLst>
+        </pc:spChg>
+      </pc:sldChg>
+      <pc:sldChg chg="modSp mod">
+        <pc:chgData name="Gibbons, Carl" userId="d2b037bc-8fb4-4222-845c-61440543a456" providerId="ADAL" clId="{14F797DE-E75B-4062-A6FB-AA9F07155580}" dt="2023-12-29T21:54:18.720" v="6846" actId="255"/>
+        <pc:sldMkLst>
+          <pc:docMk/>
+          <pc:sldMk cId="3633122843" sldId="299"/>
+        </pc:sldMkLst>
+        <pc:spChg chg="mod">
+          <ac:chgData name="Gibbons, Carl" userId="d2b037bc-8fb4-4222-845c-61440543a456" providerId="ADAL" clId="{14F797DE-E75B-4062-A6FB-AA9F07155580}" dt="2023-12-29T21:31:23.761" v="5684" actId="20577"/>
+          <ac:spMkLst>
+            <pc:docMk/>
+            <pc:sldMk cId="3633122843" sldId="299"/>
+            <ac:spMk id="2" creationId="{31B75992-5098-A283-4925-2CCEBB801DC5}"/>
+          </ac:spMkLst>
+        </pc:spChg>
+        <pc:spChg chg="mod">
+          <ac:chgData name="Gibbons, Carl" userId="d2b037bc-8fb4-4222-845c-61440543a456" providerId="ADAL" clId="{14F797DE-E75B-4062-A6FB-AA9F07155580}" dt="2023-12-29T21:54:18.720" v="6846" actId="255"/>
+          <ac:spMkLst>
+            <pc:docMk/>
+            <pc:sldMk cId="3633122843" sldId="299"/>
+            <ac:spMk id="3" creationId="{B5924E0F-A977-1710-779D-EEB74261AF34}"/>
+          </ac:spMkLst>
+        </pc:spChg>
+      </pc:sldChg>
+    </pc:docChg>
+  </pc:docChgLst>
+  <pc:docChgLst>
+    <pc:chgData name="Gibbons, Carl" userId="d2b037bc-8fb4-4222-845c-61440543a456" providerId="ADAL" clId="{3110A27C-34DA-4160-871C-1CFB075CC37D}"/>
+    <pc:docChg chg="undo redo custSel addSld delSld modSld">
+      <pc:chgData name="Gibbons, Carl" userId="d2b037bc-8fb4-4222-845c-61440543a456" providerId="ADAL" clId="{3110A27C-34DA-4160-871C-1CFB075CC37D}" dt="2024-06-13T03:20:28.659" v="5787" actId="20577"/>
+      <pc:docMkLst>
+        <pc:docMk/>
+      </pc:docMkLst>
+      <pc:sldChg chg="modSp mod">
+        <pc:chgData name="Gibbons, Carl" userId="d2b037bc-8fb4-4222-845c-61440543a456" providerId="ADAL" clId="{3110A27C-34DA-4160-871C-1CFB075CC37D}" dt="2024-05-23T20:42:36.825" v="15" actId="20577"/>
+        <pc:sldMkLst>
+          <pc:docMk/>
+          <pc:sldMk cId="3308175748" sldId="256"/>
+        </pc:sldMkLst>
+        <pc:spChg chg="mod">
+          <ac:chgData name="Gibbons, Carl" userId="d2b037bc-8fb4-4222-845c-61440543a456" providerId="ADAL" clId="{3110A27C-34DA-4160-871C-1CFB075CC37D}" dt="2024-05-23T20:42:36.825" v="15" actId="20577"/>
+          <ac:spMkLst>
+            <pc:docMk/>
+            <pc:sldMk cId="3308175748" sldId="256"/>
+            <ac:spMk id="3" creationId="{EEC4D41B-E776-05F2-BE0B-89BB339485AB}"/>
+          </ac:spMkLst>
+        </pc:spChg>
+      </pc:sldChg>
+      <pc:sldChg chg="modSp mod">
+        <pc:chgData name="Gibbons, Carl" userId="d2b037bc-8fb4-4222-845c-61440543a456" providerId="ADAL" clId="{3110A27C-34DA-4160-871C-1CFB075CC37D}" dt="2024-05-23T22:44:10.396" v="5777" actId="20577"/>
+        <pc:sldMkLst>
+          <pc:docMk/>
+          <pc:sldMk cId="3885141102" sldId="262"/>
+        </pc:sldMkLst>
+        <pc:spChg chg="mod">
+          <ac:chgData name="Gibbons, Carl" userId="d2b037bc-8fb4-4222-845c-61440543a456" providerId="ADAL" clId="{3110A27C-34DA-4160-871C-1CFB075CC37D}" dt="2024-05-23T22:44:10.396" v="5777" actId="20577"/>
+          <ac:spMkLst>
+            <pc:docMk/>
+            <pc:sldMk cId="3885141102" sldId="262"/>
+            <ac:spMk id="3" creationId="{B5924E0F-A977-1710-779D-EEB74261AF34}"/>
+          </ac:spMkLst>
+        </pc:spChg>
+      </pc:sldChg>
+      <pc:sldChg chg="modSp mod">
+        <pc:chgData name="Gibbons, Carl" userId="d2b037bc-8fb4-4222-845c-61440543a456" providerId="ADAL" clId="{3110A27C-34DA-4160-871C-1CFB075CC37D}" dt="2024-05-23T22:49:28.918" v="5783" actId="20577"/>
+        <pc:sldMkLst>
+          <pc:docMk/>
+          <pc:sldMk cId="1196559129" sldId="264"/>
+        </pc:sldMkLst>
+        <pc:spChg chg="mod">
+          <ac:chgData name="Gibbons, Carl" userId="d2b037bc-8fb4-4222-845c-61440543a456" providerId="ADAL" clId="{3110A27C-34DA-4160-871C-1CFB075CC37D}" dt="2024-05-23T22:49:28.918" v="5783" actId="20577"/>
+          <ac:spMkLst>
+            <pc:docMk/>
+            <pc:sldMk cId="1196559129" sldId="264"/>
+            <ac:spMk id="2" creationId="{0E6A2DEF-4501-FAEA-A31C-4FDCBD076712}"/>
+          </ac:spMkLst>
+        </pc:spChg>
+        <pc:spChg chg="mod">
+          <ac:chgData name="Gibbons, Carl" userId="d2b037bc-8fb4-4222-845c-61440543a456" providerId="ADAL" clId="{3110A27C-34DA-4160-871C-1CFB075CC37D}" dt="2024-05-23T21:30:33.443" v="2846" actId="20577"/>
+          <ac:spMkLst>
+            <pc:docMk/>
+            <pc:sldMk cId="1196559129" sldId="264"/>
+            <ac:spMk id="4" creationId="{5F95AB98-4F6F-01E3-47E3-C88B1F1E9664}"/>
+          </ac:spMkLst>
+        </pc:spChg>
+      </pc:sldChg>
+      <pc:sldChg chg="modSp mod">
+        <pc:chgData name="Gibbons, Carl" userId="d2b037bc-8fb4-4222-845c-61440543a456" providerId="ADAL" clId="{3110A27C-34DA-4160-871C-1CFB075CC37D}" dt="2024-05-23T21:28:58.051" v="2806" actId="20577"/>
+        <pc:sldMkLst>
+          <pc:docMk/>
+          <pc:sldMk cId="1400208519" sldId="265"/>
+        </pc:sldMkLst>
+        <pc:spChg chg="mod">
+          <ac:chgData name="Gibbons, Carl" userId="d2b037bc-8fb4-4222-845c-61440543a456" providerId="ADAL" clId="{3110A27C-34DA-4160-871C-1CFB075CC37D}" dt="2024-05-23T21:19:00.555" v="1947" actId="20577"/>
+          <ac:spMkLst>
+            <pc:docMk/>
+            <pc:sldMk cId="1400208519" sldId="265"/>
+            <ac:spMk id="2" creationId="{832B45BA-6309-D8F6-D552-10D836B4EB21}"/>
+          </ac:spMkLst>
+        </pc:spChg>
+        <pc:spChg chg="mod">
+          <ac:chgData name="Gibbons, Carl" userId="d2b037bc-8fb4-4222-845c-61440543a456" providerId="ADAL" clId="{3110A27C-34DA-4160-871C-1CFB075CC37D}" dt="2024-05-23T21:28:58.051" v="2806" actId="20577"/>
+          <ac:spMkLst>
+            <pc:docMk/>
+            <pc:sldMk cId="1400208519" sldId="265"/>
+            <ac:spMk id="7" creationId="{3CE889EF-4605-DB73-C7B2-D7E3C4957F48}"/>
+          </ac:spMkLst>
+        </pc:spChg>
+      </pc:sldChg>
+      <pc:sldChg chg="addSp delSp modSp mod">
+        <pc:chgData name="Gibbons, Carl" userId="d2b037bc-8fb4-4222-845c-61440543a456" providerId="ADAL" clId="{3110A27C-34DA-4160-871C-1CFB075CC37D}" dt="2024-05-23T21:23:54.641" v="2459" actId="1076"/>
+        <pc:sldMkLst>
+          <pc:docMk/>
+          <pc:sldMk cId="1467586035" sldId="266"/>
+        </pc:sldMkLst>
+        <pc:spChg chg="mod">
+          <ac:chgData name="Gibbons, Carl" userId="d2b037bc-8fb4-4222-845c-61440543a456" providerId="ADAL" clId="{3110A27C-34DA-4160-871C-1CFB075CC37D}" dt="2024-05-23T21:19:52.813" v="1993" actId="20577"/>
+          <ac:spMkLst>
+            <pc:docMk/>
+            <pc:sldMk cId="1467586035" sldId="266"/>
+            <ac:spMk id="2" creationId="{F5533765-AE4D-3586-BFF0-C73FF51C6B9B}"/>
+          </ac:spMkLst>
+        </pc:spChg>
+        <pc:spChg chg="del mod">
+          <ac:chgData name="Gibbons, Carl" userId="d2b037bc-8fb4-4222-845c-61440543a456" providerId="ADAL" clId="{3110A27C-34DA-4160-871C-1CFB075CC37D}" dt="2024-05-23T21:20:06.938" v="1995" actId="478"/>
+          <ac:spMkLst>
+            <pc:docMk/>
+            <pc:sldMk cId="1467586035" sldId="266"/>
+            <ac:spMk id="7" creationId="{56F98B9D-53CB-0D01-51DD-F6B452AAB6C5}"/>
+          </ac:spMkLst>
+        </pc:spChg>
+        <pc:picChg chg="add mod">
+          <ac:chgData name="Gibbons, Carl" userId="d2b037bc-8fb4-4222-845c-61440543a456" providerId="ADAL" clId="{3110A27C-34DA-4160-871C-1CFB075CC37D}" dt="2024-05-23T21:23:54.641" v="2459" actId="1076"/>
+          <ac:picMkLst>
+            <pc:docMk/>
+            <pc:sldMk cId="1467586035" sldId="266"/>
+            <ac:picMk id="3" creationId="{6363E06A-3129-8B12-96E1-89E6A8EEC730}"/>
+          </ac:picMkLst>
+        </pc:picChg>
+      </pc:sldChg>
+      <pc:sldChg chg="modSp mod">
+        <pc:chgData name="Gibbons, Carl" userId="d2b037bc-8fb4-4222-845c-61440543a456" providerId="ADAL" clId="{3110A27C-34DA-4160-871C-1CFB075CC37D}" dt="2024-05-23T21:13:57.322" v="1512" actId="20577"/>
+        <pc:sldMkLst>
+          <pc:docMk/>
+          <pc:sldMk cId="2729151594" sldId="267"/>
+        </pc:sldMkLst>
+        <pc:spChg chg="mod">
+          <ac:chgData name="Gibbons, Carl" userId="d2b037bc-8fb4-4222-845c-61440543a456" providerId="ADAL" clId="{3110A27C-34DA-4160-871C-1CFB075CC37D}" dt="2024-05-23T20:43:49.464" v="69" actId="20577"/>
+          <ac:spMkLst>
+            <pc:docMk/>
+            <pc:sldMk cId="2729151594" sldId="267"/>
+            <ac:spMk id="2" creationId="{0E6A2DEF-4501-FAEA-A31C-4FDCBD076712}"/>
+          </ac:spMkLst>
+        </pc:spChg>
+        <pc:spChg chg="mod">
+          <ac:chgData name="Gibbons, Carl" userId="d2b037bc-8fb4-4222-845c-61440543a456" providerId="ADAL" clId="{3110A27C-34DA-4160-871C-1CFB075CC37D}" dt="2024-05-23T21:13:57.322" v="1512" actId="20577"/>
+          <ac:spMkLst>
+            <pc:docMk/>
+            <pc:sldMk cId="2729151594" sldId="267"/>
+            <ac:spMk id="7" creationId="{4247D23F-F3F9-676F-BDEB-E69E1F0AB32C}"/>
+          </ac:spMkLst>
+        </pc:spChg>
+      </pc:sldChg>
+      <pc:sldChg chg="modSp mod">
+        <pc:chgData name="Gibbons, Carl" userId="d2b037bc-8fb4-4222-845c-61440543a456" providerId="ADAL" clId="{3110A27C-34DA-4160-871C-1CFB075CC37D}" dt="2024-05-23T21:33:19.793" v="2891" actId="20577"/>
+        <pc:sldMkLst>
+          <pc:docMk/>
+          <pc:sldMk cId="2582251905" sldId="268"/>
+        </pc:sldMkLst>
+        <pc:spChg chg="mod">
+          <ac:chgData name="Gibbons, Carl" userId="d2b037bc-8fb4-4222-845c-61440543a456" providerId="ADAL" clId="{3110A27C-34DA-4160-871C-1CFB075CC37D}" dt="2024-05-23T21:29:21.877" v="2821" actId="20577"/>
+          <ac:spMkLst>
+            <pc:docMk/>
+            <pc:sldMk cId="2582251905" sldId="268"/>
+            <ac:spMk id="2" creationId="{832B45BA-6309-D8F6-D552-10D836B4EB21}"/>
+          </ac:spMkLst>
+        </pc:spChg>
+        <pc:spChg chg="mod">
+          <ac:chgData name="Gibbons, Carl" userId="d2b037bc-8fb4-4222-845c-61440543a456" providerId="ADAL" clId="{3110A27C-34DA-4160-871C-1CFB075CC37D}" dt="2024-05-23T21:33:19.793" v="2891" actId="20577"/>
+          <ac:spMkLst>
+            <pc:docMk/>
+            <pc:sldMk cId="2582251905" sldId="268"/>
+            <ac:spMk id="7" creationId="{3CE889EF-4605-DB73-C7B2-D7E3C4957F48}"/>
+          </ac:spMkLst>
+        </pc:spChg>
+      </pc:sldChg>
+      <pc:sldChg chg="modSp add mod">
+        <pc:chgData name="Gibbons, Carl" userId="d2b037bc-8fb4-4222-845c-61440543a456" providerId="ADAL" clId="{3110A27C-34DA-4160-871C-1CFB075CC37D}" dt="2024-05-23T22:00:01.206" v="3839" actId="5793"/>
+        <pc:sldMkLst>
+          <pc:docMk/>
+          <pc:sldMk cId="3170323588" sldId="269"/>
+        </pc:sldMkLst>
+        <pc:spChg chg="mod">
+          <ac:chgData name="Gibbons, Carl" userId="d2b037bc-8fb4-4222-845c-61440543a456" providerId="ADAL" clId="{3110A27C-34DA-4160-871C-1CFB075CC37D}" dt="2024-05-23T21:45:58.697" v="3267" actId="20577"/>
+          <ac:spMkLst>
+            <pc:docMk/>
+            <pc:sldMk cId="3170323588" sldId="269"/>
+            <ac:spMk id="2" creationId="{0E6A2DEF-4501-FAEA-A31C-4FDCBD076712}"/>
+          </ac:spMkLst>
+        </pc:spChg>
+        <pc:spChg chg="mod">
+          <ac:chgData name="Gibbons, Carl" userId="d2b037bc-8fb4-4222-845c-61440543a456" providerId="ADAL" clId="{3110A27C-34DA-4160-871C-1CFB075CC37D}" dt="2024-05-23T22:00:01.206" v="3839" actId="5793"/>
+          <ac:spMkLst>
+            <pc:docMk/>
+            <pc:sldMk cId="3170323588" sldId="269"/>
+            <ac:spMk id="7" creationId="{4247D23F-F3F9-676F-BDEB-E69E1F0AB32C}"/>
+          </ac:spMkLst>
+        </pc:spChg>
+      </pc:sldChg>
+      <pc:sldChg chg="modSp add mod">
+        <pc:chgData name="Gibbons, Carl" userId="d2b037bc-8fb4-4222-845c-61440543a456" providerId="ADAL" clId="{3110A27C-34DA-4160-871C-1CFB075CC37D}" dt="2024-05-23T21:45:30.113" v="3259" actId="20577"/>
+        <pc:sldMkLst>
+          <pc:docMk/>
+          <pc:sldMk cId="1864855120" sldId="270"/>
+        </pc:sldMkLst>
+        <pc:spChg chg="mod">
+          <ac:chgData name="Gibbons, Carl" userId="d2b037bc-8fb4-4222-845c-61440543a456" providerId="ADAL" clId="{3110A27C-34DA-4160-871C-1CFB075CC37D}" dt="2024-05-23T21:45:30.113" v="3259" actId="20577"/>
+          <ac:spMkLst>
+            <pc:docMk/>
+            <pc:sldMk cId="1864855120" sldId="270"/>
+            <ac:spMk id="2" creationId="{0E6A2DEF-4501-FAEA-A31C-4FDCBD076712}"/>
+          </ac:spMkLst>
+        </pc:spChg>
+        <pc:spChg chg="mod">
+          <ac:chgData name="Gibbons, Carl" userId="d2b037bc-8fb4-4222-845c-61440543a456" providerId="ADAL" clId="{3110A27C-34DA-4160-871C-1CFB075CC37D}" dt="2024-05-23T21:44:57.919" v="3248" actId="20577"/>
+          <ac:spMkLst>
+            <pc:docMk/>
+            <pc:sldMk cId="1864855120" sldId="270"/>
+            <ac:spMk id="7" creationId="{4247D23F-F3F9-676F-BDEB-E69E1F0AB32C}"/>
+          </ac:spMkLst>
+        </pc:spChg>
+      </pc:sldChg>
+      <pc:sldChg chg="modSp mod">
+        <pc:chgData name="Gibbons, Carl" userId="d2b037bc-8fb4-4222-845c-61440543a456" providerId="ADAL" clId="{3110A27C-34DA-4160-871C-1CFB075CC37D}" dt="2024-06-13T03:20:28.659" v="5787" actId="20577"/>
+        <pc:sldMkLst>
+          <pc:docMk/>
+          <pc:sldMk cId="2735391745" sldId="271"/>
+        </pc:sldMkLst>
+        <pc:spChg chg="mod">
+          <ac:chgData name="Gibbons, Carl" userId="d2b037bc-8fb4-4222-845c-61440543a456" providerId="ADAL" clId="{3110A27C-34DA-4160-871C-1CFB075CC37D}" dt="2024-05-23T21:46:10.731" v="3283" actId="20577"/>
+          <ac:spMkLst>
+            <pc:docMk/>
+            <pc:sldMk cId="2735391745" sldId="271"/>
+            <ac:spMk id="2" creationId="{0E6A2DEF-4501-FAEA-A31C-4FDCBD076712}"/>
+          </ac:spMkLst>
+        </pc:spChg>
+        <pc:spChg chg="mod">
+          <ac:chgData name="Gibbons, Carl" userId="d2b037bc-8fb4-4222-845c-61440543a456" providerId="ADAL" clId="{3110A27C-34DA-4160-871C-1CFB075CC37D}" dt="2024-06-13T03:20:28.659" v="5787" actId="20577"/>
+          <ac:spMkLst>
+            <pc:docMk/>
+            <pc:sldMk cId="2735391745" sldId="271"/>
+            <ac:spMk id="7" creationId="{4247D23F-F3F9-676F-BDEB-E69E1F0AB32C}"/>
+          </ac:spMkLst>
+        </pc:spChg>
+      </pc:sldChg>
+      <pc:sldChg chg="modSp mod">
+        <pc:chgData name="Gibbons, Carl" userId="d2b037bc-8fb4-4222-845c-61440543a456" providerId="ADAL" clId="{3110A27C-34DA-4160-871C-1CFB075CC37D}" dt="2024-05-23T22:04:04.511" v="3904" actId="20577"/>
+        <pc:sldMkLst>
+          <pc:docMk/>
+          <pc:sldMk cId="1484174322" sldId="272"/>
+        </pc:sldMkLst>
+        <pc:spChg chg="mod">
+          <ac:chgData name="Gibbons, Carl" userId="d2b037bc-8fb4-4222-845c-61440543a456" providerId="ADAL" clId="{3110A27C-34DA-4160-871C-1CFB075CC37D}" dt="2024-05-23T22:01:32.098" v="3872" actId="20577"/>
+          <ac:spMkLst>
+            <pc:docMk/>
+            <pc:sldMk cId="1484174322" sldId="272"/>
+            <ac:spMk id="2" creationId="{0E6A2DEF-4501-FAEA-A31C-4FDCBD076712}"/>
+          </ac:spMkLst>
+        </pc:spChg>
+        <pc:spChg chg="mod">
+          <ac:chgData name="Gibbons, Carl" userId="d2b037bc-8fb4-4222-845c-61440543a456" providerId="ADAL" clId="{3110A27C-34DA-4160-871C-1CFB075CC37D}" dt="2024-05-23T22:04:04.511" v="3904" actId="20577"/>
+          <ac:spMkLst>
+            <pc:docMk/>
+            <pc:sldMk cId="1484174322" sldId="272"/>
+            <ac:spMk id="7" creationId="{4247D23F-F3F9-676F-BDEB-E69E1F0AB32C}"/>
+          </ac:spMkLst>
+        </pc:spChg>
+      </pc:sldChg>
+      <pc:sldChg chg="modSp mod">
+        <pc:chgData name="Gibbons, Carl" userId="d2b037bc-8fb4-4222-845c-61440543a456" providerId="ADAL" clId="{3110A27C-34DA-4160-871C-1CFB075CC37D}" dt="2024-05-23T22:06:00.849" v="3958"/>
+        <pc:sldMkLst>
+          <pc:docMk/>
+          <pc:sldMk cId="1004317559" sldId="273"/>
+        </pc:sldMkLst>
+        <pc:spChg chg="mod">
+          <ac:chgData name="Gibbons, Carl" userId="d2b037bc-8fb4-4222-845c-61440543a456" providerId="ADAL" clId="{3110A27C-34DA-4160-871C-1CFB075CC37D}" dt="2024-05-23T22:05:01.682" v="3951" actId="20577"/>
+          <ac:spMkLst>
+            <pc:docMk/>
+            <pc:sldMk cId="1004317559" sldId="273"/>
+            <ac:spMk id="2" creationId="{0E6A2DEF-4501-FAEA-A31C-4FDCBD076712}"/>
+          </ac:spMkLst>
+        </pc:spChg>
+        <pc:spChg chg="mod">
+          <ac:chgData name="Gibbons, Carl" userId="d2b037bc-8fb4-4222-845c-61440543a456" providerId="ADAL" clId="{3110A27C-34DA-4160-871C-1CFB075CC37D}" dt="2024-05-23T22:06:00.849" v="3958"/>
+          <ac:spMkLst>
+            <pc:docMk/>
+            <pc:sldMk cId="1004317559" sldId="273"/>
+            <ac:spMk id="7" creationId="{4247D23F-F3F9-676F-BDEB-E69E1F0AB32C}"/>
+          </ac:spMkLst>
+        </pc:spChg>
+      </pc:sldChg>
+      <pc:sldChg chg="modSp mod">
+        <pc:chgData name="Gibbons, Carl" userId="d2b037bc-8fb4-4222-845c-61440543a456" providerId="ADAL" clId="{3110A27C-34DA-4160-871C-1CFB075CC37D}" dt="2024-05-23T22:09:40.592" v="4067" actId="20577"/>
+        <pc:sldMkLst>
+          <pc:docMk/>
+          <pc:sldMk cId="663954130" sldId="274"/>
+        </pc:sldMkLst>
+        <pc:spChg chg="mod">
+          <ac:chgData name="Gibbons, Carl" userId="d2b037bc-8fb4-4222-845c-61440543a456" providerId="ADAL" clId="{3110A27C-34DA-4160-871C-1CFB075CC37D}" dt="2024-05-23T22:07:13.209" v="3987" actId="27636"/>
+          <ac:spMkLst>
+            <pc:docMk/>
+            <pc:sldMk cId="663954130" sldId="274"/>
+            <ac:spMk id="2" creationId="{0E6A2DEF-4501-FAEA-A31C-4FDCBD076712}"/>
+          </ac:spMkLst>
+        </pc:spChg>
+        <pc:spChg chg="mod">
+          <ac:chgData name="Gibbons, Carl" userId="d2b037bc-8fb4-4222-845c-61440543a456" providerId="ADAL" clId="{3110A27C-34DA-4160-871C-1CFB075CC37D}" dt="2024-05-23T22:09:40.592" v="4067" actId="20577"/>
+          <ac:spMkLst>
+            <pc:docMk/>
+            <pc:sldMk cId="663954130" sldId="274"/>
+            <ac:spMk id="7" creationId="{4247D23F-F3F9-676F-BDEB-E69E1F0AB32C}"/>
+          </ac:spMkLst>
+        </pc:spChg>
+      </pc:sldChg>
+      <pc:sldChg chg="modSp mod">
+        <pc:chgData name="Gibbons, Carl" userId="d2b037bc-8fb4-4222-845c-61440543a456" providerId="ADAL" clId="{3110A27C-34DA-4160-871C-1CFB075CC37D}" dt="2024-05-23T22:22:23.746" v="4737" actId="20577"/>
+        <pc:sldMkLst>
+          <pc:docMk/>
+          <pc:sldMk cId="2536563193" sldId="275"/>
+        </pc:sldMkLst>
+        <pc:spChg chg="mod">
+          <ac:chgData name="Gibbons, Carl" userId="d2b037bc-8fb4-4222-845c-61440543a456" providerId="ADAL" clId="{3110A27C-34DA-4160-871C-1CFB075CC37D}" dt="2024-05-23T22:11:33.666" v="4091" actId="20577"/>
+          <ac:spMkLst>
+            <pc:docMk/>
+            <pc:sldMk cId="2536563193" sldId="275"/>
+            <ac:spMk id="2" creationId="{0E6A2DEF-4501-FAEA-A31C-4FDCBD076712}"/>
+          </ac:spMkLst>
+        </pc:spChg>
+        <pc:spChg chg="mod">
+          <ac:chgData name="Gibbons, Carl" userId="d2b037bc-8fb4-4222-845c-61440543a456" providerId="ADAL" clId="{3110A27C-34DA-4160-871C-1CFB075CC37D}" dt="2024-05-23T22:22:23.746" v="4737" actId="20577"/>
+          <ac:spMkLst>
+            <pc:docMk/>
+            <pc:sldMk cId="2536563193" sldId="275"/>
+            <ac:spMk id="7" creationId="{4247D23F-F3F9-676F-BDEB-E69E1F0AB32C}"/>
+          </ac:spMkLst>
+        </pc:spChg>
+      </pc:sldChg>
+      <pc:sldChg chg="modSp mod">
+        <pc:chgData name="Gibbons, Carl" userId="d2b037bc-8fb4-4222-845c-61440543a456" providerId="ADAL" clId="{3110A27C-34DA-4160-871C-1CFB075CC37D}" dt="2024-05-23T22:33:54.493" v="5089" actId="20577"/>
+        <pc:sldMkLst>
+          <pc:docMk/>
+          <pc:sldMk cId="885063229" sldId="276"/>
+        </pc:sldMkLst>
+        <pc:spChg chg="mod">
+          <ac:chgData name="Gibbons, Carl" userId="d2b037bc-8fb4-4222-845c-61440543a456" providerId="ADAL" clId="{3110A27C-34DA-4160-871C-1CFB075CC37D}" dt="2024-05-23T22:23:56.169" v="4802" actId="20577"/>
+          <ac:spMkLst>
+            <pc:docMk/>
+            <pc:sldMk cId="885063229" sldId="276"/>
+            <ac:spMk id="2" creationId="{0E6A2DEF-4501-FAEA-A31C-4FDCBD076712}"/>
+          </ac:spMkLst>
+        </pc:spChg>
+        <pc:spChg chg="mod">
+          <ac:chgData name="Gibbons, Carl" userId="d2b037bc-8fb4-4222-845c-61440543a456" providerId="ADAL" clId="{3110A27C-34DA-4160-871C-1CFB075CC37D}" dt="2024-05-23T22:33:54.493" v="5089" actId="20577"/>
+          <ac:spMkLst>
+            <pc:docMk/>
+            <pc:sldMk cId="885063229" sldId="276"/>
+            <ac:spMk id="7" creationId="{4247D23F-F3F9-676F-BDEB-E69E1F0AB32C}"/>
+          </ac:spMkLst>
+        </pc:spChg>
+      </pc:sldChg>
+      <pc:sldChg chg="modSp add mod">
+        <pc:chgData name="Gibbons, Carl" userId="d2b037bc-8fb4-4222-845c-61440543a456" providerId="ADAL" clId="{3110A27C-34DA-4160-871C-1CFB075CC37D}" dt="2024-05-23T22:37:43.712" v="5197" actId="20577"/>
+        <pc:sldMkLst>
+          <pc:docMk/>
+          <pc:sldMk cId="3170433335" sldId="277"/>
+        </pc:sldMkLst>
+        <pc:spChg chg="mod">
+          <ac:chgData name="Gibbons, Carl" userId="d2b037bc-8fb4-4222-845c-61440543a456" providerId="ADAL" clId="{3110A27C-34DA-4160-871C-1CFB075CC37D}" dt="2024-05-23T22:37:43.712" v="5197" actId="20577"/>
+          <ac:spMkLst>
+            <pc:docMk/>
+            <pc:sldMk cId="3170433335" sldId="277"/>
+            <ac:spMk id="2" creationId="{0E6A2DEF-4501-FAEA-A31C-4FDCBD076712}"/>
+          </ac:spMkLst>
+        </pc:spChg>
+        <pc:spChg chg="mod">
+          <ac:chgData name="Gibbons, Carl" userId="d2b037bc-8fb4-4222-845c-61440543a456" providerId="ADAL" clId="{3110A27C-34DA-4160-871C-1CFB075CC37D}" dt="2024-05-23T22:36:02.152" v="5192" actId="20577"/>
+          <ac:spMkLst>
+            <pc:docMk/>
+            <pc:sldMk cId="3170433335" sldId="277"/>
+            <ac:spMk id="7" creationId="{4247D23F-F3F9-676F-BDEB-E69E1F0AB32C}"/>
+          </ac:spMkLst>
+        </pc:spChg>
+      </pc:sldChg>
+      <pc:sldChg chg="modSp add mod">
+        <pc:chgData name="Gibbons, Carl" userId="d2b037bc-8fb4-4222-845c-61440543a456" providerId="ADAL" clId="{3110A27C-34DA-4160-871C-1CFB075CC37D}" dt="2024-05-23T22:41:27.692" v="5446" actId="20577"/>
+        <pc:sldMkLst>
+          <pc:docMk/>
+          <pc:sldMk cId="3410531135" sldId="278"/>
+        </pc:sldMkLst>
+        <pc:spChg chg="mod">
+          <ac:chgData name="Gibbons, Carl" userId="d2b037bc-8fb4-4222-845c-61440543a456" providerId="ADAL" clId="{3110A27C-34DA-4160-871C-1CFB075CC37D}" dt="2024-05-23T22:41:27.692" v="5446" actId="20577"/>
+          <ac:spMkLst>
+            <pc:docMk/>
+            <pc:sldMk cId="3410531135" sldId="278"/>
+            <ac:spMk id="2" creationId="{0E6A2DEF-4501-FAEA-A31C-4FDCBD076712}"/>
+          </ac:spMkLst>
+        </pc:spChg>
+        <pc:spChg chg="mod">
+          <ac:chgData name="Gibbons, Carl" userId="d2b037bc-8fb4-4222-845c-61440543a456" providerId="ADAL" clId="{3110A27C-34DA-4160-871C-1CFB075CC37D}" dt="2024-05-23T22:40:31.905" v="5297" actId="20577"/>
+          <ac:spMkLst>
+            <pc:docMk/>
+            <pc:sldMk cId="3410531135" sldId="278"/>
+            <ac:spMk id="7" creationId="{4247D23F-F3F9-676F-BDEB-E69E1F0AB32C}"/>
+          </ac:spMkLst>
+        </pc:spChg>
+      </pc:sldChg>
+      <pc:sldChg chg="add del">
+        <pc:chgData name="Gibbons, Carl" userId="d2b037bc-8fb4-4222-845c-61440543a456" providerId="ADAL" clId="{3110A27C-34DA-4160-871C-1CFB075CC37D}" dt="2024-05-23T22:28:04.159" v="4847" actId="47"/>
+        <pc:sldMkLst>
+          <pc:docMk/>
+          <pc:sldMk cId="3985654615" sldId="278"/>
+        </pc:sldMkLst>
+      </pc:sldChg>
+      <pc:sldChg chg="add del">
+        <pc:chgData name="Gibbons, Carl" userId="d2b037bc-8fb4-4222-845c-61440543a456" providerId="ADAL" clId="{3110A27C-34DA-4160-871C-1CFB075CC37D}" dt="2024-05-23T22:38:00.598" v="5199" actId="2696"/>
+        <pc:sldMkLst>
+          <pc:docMk/>
+          <pc:sldMk cId="2517179178" sldId="279"/>
+        </pc:sldMkLst>
+      </pc:sldChg>
     </pc:docChg>
   </pc:docChgLst>
   <pc:docChgLst>
@@ -775,6 +2099,717 @@
     </pc:docChg>
   </pc:docChgLst>
   <pc:docChgLst>
+    <pc:chgData name="Gibbons, Carl" userId="d2b037bc-8fb4-4222-845c-61440543a456" providerId="ADAL" clId="{4505F98C-4CC4-4983-9729-597D2A150C85}"/>
+    <pc:docChg chg="undo custSel addSld delSld modSld">
+      <pc:chgData name="Gibbons, Carl" userId="d2b037bc-8fb4-4222-845c-61440543a456" providerId="ADAL" clId="{4505F98C-4CC4-4983-9729-597D2A150C85}" dt="2023-12-29T02:21:47.448" v="17685" actId="20577"/>
+      <pc:docMkLst>
+        <pc:docMk/>
+      </pc:docMkLst>
+      <pc:sldChg chg="modSp mod">
+        <pc:chgData name="Gibbons, Carl" userId="d2b037bc-8fb4-4222-845c-61440543a456" providerId="ADAL" clId="{4505F98C-4CC4-4983-9729-597D2A150C85}" dt="2023-12-28T22:02:31.848" v="28" actId="20577"/>
+        <pc:sldMkLst>
+          <pc:docMk/>
+          <pc:sldMk cId="3308175748" sldId="256"/>
+        </pc:sldMkLst>
+        <pc:spChg chg="mod">
+          <ac:chgData name="Gibbons, Carl" userId="d2b037bc-8fb4-4222-845c-61440543a456" providerId="ADAL" clId="{4505F98C-4CC4-4983-9729-597D2A150C85}" dt="2023-12-28T22:02:31.848" v="28" actId="20577"/>
+          <ac:spMkLst>
+            <pc:docMk/>
+            <pc:sldMk cId="3308175748" sldId="256"/>
+            <ac:spMk id="3" creationId="{EEC4D41B-E776-05F2-BE0B-89BB339485AB}"/>
+          </ac:spMkLst>
+        </pc:spChg>
+      </pc:sldChg>
+      <pc:sldChg chg="modSp mod">
+        <pc:chgData name="Gibbons, Carl" userId="d2b037bc-8fb4-4222-845c-61440543a456" providerId="ADAL" clId="{4505F98C-4CC4-4983-9729-597D2A150C85}" dt="2023-12-28T22:45:53.299" v="4302" actId="20577"/>
+        <pc:sldMkLst>
+          <pc:docMk/>
+          <pc:sldMk cId="2312486803" sldId="261"/>
+        </pc:sldMkLst>
+        <pc:spChg chg="mod">
+          <ac:chgData name="Gibbons, Carl" userId="d2b037bc-8fb4-4222-845c-61440543a456" providerId="ADAL" clId="{4505F98C-4CC4-4983-9729-597D2A150C85}" dt="2023-12-28T22:02:40.492" v="50" actId="20577"/>
+          <ac:spMkLst>
+            <pc:docMk/>
+            <pc:sldMk cId="2312486803" sldId="261"/>
+            <ac:spMk id="2" creationId="{31B75992-5098-A283-4925-2CCEBB801DC5}"/>
+          </ac:spMkLst>
+        </pc:spChg>
+        <pc:spChg chg="mod">
+          <ac:chgData name="Gibbons, Carl" userId="d2b037bc-8fb4-4222-845c-61440543a456" providerId="ADAL" clId="{4505F98C-4CC4-4983-9729-597D2A150C85}" dt="2023-12-28T22:45:53.299" v="4302" actId="20577"/>
+          <ac:spMkLst>
+            <pc:docMk/>
+            <pc:sldMk cId="2312486803" sldId="261"/>
+            <ac:spMk id="3" creationId="{B5924E0F-A977-1710-779D-EEB74261AF34}"/>
+          </ac:spMkLst>
+        </pc:spChg>
+      </pc:sldChg>
+      <pc:sldChg chg="modSp mod">
+        <pc:chgData name="Gibbons, Carl" userId="d2b037bc-8fb4-4222-845c-61440543a456" providerId="ADAL" clId="{4505F98C-4CC4-4983-9729-597D2A150C85}" dt="2023-12-29T02:18:39.170" v="17623" actId="20577"/>
+        <pc:sldMkLst>
+          <pc:docMk/>
+          <pc:sldMk cId="657795359" sldId="277"/>
+        </pc:sldMkLst>
+        <pc:spChg chg="mod">
+          <ac:chgData name="Gibbons, Carl" userId="d2b037bc-8fb4-4222-845c-61440543a456" providerId="ADAL" clId="{4505F98C-4CC4-4983-9729-597D2A150C85}" dt="2023-12-29T02:18:39.170" v="17623" actId="20577"/>
+          <ac:spMkLst>
+            <pc:docMk/>
+            <pc:sldMk cId="657795359" sldId="277"/>
+            <ac:spMk id="3" creationId="{90179172-96B3-95D0-A137-257770BE7642}"/>
+          </ac:spMkLst>
+        </pc:spChg>
+      </pc:sldChg>
+      <pc:sldChg chg="modSp mod">
+        <pc:chgData name="Gibbons, Carl" userId="d2b037bc-8fb4-4222-845c-61440543a456" providerId="ADAL" clId="{4505F98C-4CC4-4983-9729-597D2A150C85}" dt="2023-12-29T02:21:47.448" v="17685" actId="20577"/>
+        <pc:sldMkLst>
+          <pc:docMk/>
+          <pc:sldMk cId="3989541258" sldId="278"/>
+        </pc:sldMkLst>
+        <pc:spChg chg="mod">
+          <ac:chgData name="Gibbons, Carl" userId="d2b037bc-8fb4-4222-845c-61440543a456" providerId="ADAL" clId="{4505F98C-4CC4-4983-9729-597D2A150C85}" dt="2023-12-28T22:23:56.363" v="2262" actId="20577"/>
+          <ac:spMkLst>
+            <pc:docMk/>
+            <pc:sldMk cId="3989541258" sldId="278"/>
+            <ac:spMk id="2" creationId="{31B75992-5098-A283-4925-2CCEBB801DC5}"/>
+          </ac:spMkLst>
+        </pc:spChg>
+        <pc:spChg chg="mod">
+          <ac:chgData name="Gibbons, Carl" userId="d2b037bc-8fb4-4222-845c-61440543a456" providerId="ADAL" clId="{4505F98C-4CC4-4983-9729-597D2A150C85}" dt="2023-12-29T02:21:47.448" v="17685" actId="20577"/>
+          <ac:spMkLst>
+            <pc:docMk/>
+            <pc:sldMk cId="3989541258" sldId="278"/>
+            <ac:spMk id="3" creationId="{B5924E0F-A977-1710-779D-EEB74261AF34}"/>
+          </ac:spMkLst>
+        </pc:spChg>
+      </pc:sldChg>
+      <pc:sldChg chg="modSp mod">
+        <pc:chgData name="Gibbons, Carl" userId="d2b037bc-8fb4-4222-845c-61440543a456" providerId="ADAL" clId="{4505F98C-4CC4-4983-9729-597D2A150C85}" dt="2023-12-29T00:21:55.646" v="8344" actId="20577"/>
+        <pc:sldMkLst>
+          <pc:docMk/>
+          <pc:sldMk cId="2335633195" sldId="279"/>
+        </pc:sldMkLst>
+        <pc:spChg chg="mod">
+          <ac:chgData name="Gibbons, Carl" userId="d2b037bc-8fb4-4222-845c-61440543a456" providerId="ADAL" clId="{4505F98C-4CC4-4983-9729-597D2A150C85}" dt="2023-12-29T00:21:55.646" v="8344" actId="20577"/>
+          <ac:spMkLst>
+            <pc:docMk/>
+            <pc:sldMk cId="2335633195" sldId="279"/>
+            <ac:spMk id="2" creationId="{31B75992-5098-A283-4925-2CCEBB801DC5}"/>
+          </ac:spMkLst>
+        </pc:spChg>
+        <pc:spChg chg="mod">
+          <ac:chgData name="Gibbons, Carl" userId="d2b037bc-8fb4-4222-845c-61440543a456" providerId="ADAL" clId="{4505F98C-4CC4-4983-9729-597D2A150C85}" dt="2023-12-28T22:56:22.080" v="4730" actId="20577"/>
+          <ac:spMkLst>
+            <pc:docMk/>
+            <pc:sldMk cId="2335633195" sldId="279"/>
+            <ac:spMk id="3" creationId="{B5924E0F-A977-1710-779D-EEB74261AF34}"/>
+          </ac:spMkLst>
+        </pc:spChg>
+      </pc:sldChg>
+      <pc:sldChg chg="modSp add mod">
+        <pc:chgData name="Gibbons, Carl" userId="d2b037bc-8fb4-4222-845c-61440543a456" providerId="ADAL" clId="{4505F98C-4CC4-4983-9729-597D2A150C85}" dt="2023-12-28T23:39:19.135" v="5592" actId="20577"/>
+        <pc:sldMkLst>
+          <pc:docMk/>
+          <pc:sldMk cId="1284534978" sldId="280"/>
+        </pc:sldMkLst>
+        <pc:spChg chg="mod">
+          <ac:chgData name="Gibbons, Carl" userId="d2b037bc-8fb4-4222-845c-61440543a456" providerId="ADAL" clId="{4505F98C-4CC4-4983-9729-597D2A150C85}" dt="2023-12-28T23:26:13.166" v="4743" actId="20577"/>
+          <ac:spMkLst>
+            <pc:docMk/>
+            <pc:sldMk cId="1284534978" sldId="280"/>
+            <ac:spMk id="2" creationId="{31B75992-5098-A283-4925-2CCEBB801DC5}"/>
+          </ac:spMkLst>
+        </pc:spChg>
+        <pc:spChg chg="mod">
+          <ac:chgData name="Gibbons, Carl" userId="d2b037bc-8fb4-4222-845c-61440543a456" providerId="ADAL" clId="{4505F98C-4CC4-4983-9729-597D2A150C85}" dt="2023-12-28T23:39:19.135" v="5592" actId="20577"/>
+          <ac:spMkLst>
+            <pc:docMk/>
+            <pc:sldMk cId="1284534978" sldId="280"/>
+            <ac:spMk id="3" creationId="{B5924E0F-A977-1710-779D-EEB74261AF34}"/>
+          </ac:spMkLst>
+        </pc:spChg>
+      </pc:sldChg>
+      <pc:sldChg chg="modSp mod">
+        <pc:chgData name="Gibbons, Carl" userId="d2b037bc-8fb4-4222-845c-61440543a456" providerId="ADAL" clId="{4505F98C-4CC4-4983-9729-597D2A150C85}" dt="2023-12-28T23:42:19.634" v="5967" actId="20577"/>
+        <pc:sldMkLst>
+          <pc:docMk/>
+          <pc:sldMk cId="1802585387" sldId="281"/>
+        </pc:sldMkLst>
+        <pc:spChg chg="mod">
+          <ac:chgData name="Gibbons, Carl" userId="d2b037bc-8fb4-4222-845c-61440543a456" providerId="ADAL" clId="{4505F98C-4CC4-4983-9729-597D2A150C85}" dt="2023-12-28T23:34:47.360" v="5351" actId="20577"/>
+          <ac:spMkLst>
+            <pc:docMk/>
+            <pc:sldMk cId="1802585387" sldId="281"/>
+            <ac:spMk id="2" creationId="{31B75992-5098-A283-4925-2CCEBB801DC5}"/>
+          </ac:spMkLst>
+        </pc:spChg>
+        <pc:spChg chg="mod">
+          <ac:chgData name="Gibbons, Carl" userId="d2b037bc-8fb4-4222-845c-61440543a456" providerId="ADAL" clId="{4505F98C-4CC4-4983-9729-597D2A150C85}" dt="2023-12-28T23:42:19.634" v="5967" actId="20577"/>
+          <ac:spMkLst>
+            <pc:docMk/>
+            <pc:sldMk cId="1802585387" sldId="281"/>
+            <ac:spMk id="3" creationId="{B5924E0F-A977-1710-779D-EEB74261AF34}"/>
+          </ac:spMkLst>
+        </pc:spChg>
+      </pc:sldChg>
+      <pc:sldChg chg="modSp mod">
+        <pc:chgData name="Gibbons, Carl" userId="d2b037bc-8fb4-4222-845c-61440543a456" providerId="ADAL" clId="{4505F98C-4CC4-4983-9729-597D2A150C85}" dt="2023-12-28T23:54:03.356" v="6623"/>
+        <pc:sldMkLst>
+          <pc:docMk/>
+          <pc:sldMk cId="724803187" sldId="282"/>
+        </pc:sldMkLst>
+        <pc:spChg chg="mod">
+          <ac:chgData name="Gibbons, Carl" userId="d2b037bc-8fb4-4222-845c-61440543a456" providerId="ADAL" clId="{4505F98C-4CC4-4983-9729-597D2A150C85}" dt="2023-12-28T23:39:52.399" v="5606" actId="20577"/>
+          <ac:spMkLst>
+            <pc:docMk/>
+            <pc:sldMk cId="724803187" sldId="282"/>
+            <ac:spMk id="2" creationId="{31B75992-5098-A283-4925-2CCEBB801DC5}"/>
+          </ac:spMkLst>
+        </pc:spChg>
+        <pc:spChg chg="mod">
+          <ac:chgData name="Gibbons, Carl" userId="d2b037bc-8fb4-4222-845c-61440543a456" providerId="ADAL" clId="{4505F98C-4CC4-4983-9729-597D2A150C85}" dt="2023-12-28T23:54:03.356" v="6623"/>
+          <ac:spMkLst>
+            <pc:docMk/>
+            <pc:sldMk cId="724803187" sldId="282"/>
+            <ac:spMk id="3" creationId="{B5924E0F-A977-1710-779D-EEB74261AF34}"/>
+          </ac:spMkLst>
+        </pc:spChg>
+      </pc:sldChg>
+      <pc:sldChg chg="modSp mod">
+        <pc:chgData name="Gibbons, Carl" userId="d2b037bc-8fb4-4222-845c-61440543a456" providerId="ADAL" clId="{4505F98C-4CC4-4983-9729-597D2A150C85}" dt="2023-12-29T02:19:53.158" v="17637" actId="20577"/>
+        <pc:sldMkLst>
+          <pc:docMk/>
+          <pc:sldMk cId="1926009205" sldId="283"/>
+        </pc:sldMkLst>
+        <pc:spChg chg="mod">
+          <ac:chgData name="Gibbons, Carl" userId="d2b037bc-8fb4-4222-845c-61440543a456" providerId="ADAL" clId="{4505F98C-4CC4-4983-9729-597D2A150C85}" dt="2023-12-29T00:22:07.704" v="8354" actId="20577"/>
+          <ac:spMkLst>
+            <pc:docMk/>
+            <pc:sldMk cId="1926009205" sldId="283"/>
+            <ac:spMk id="2" creationId="{31B75992-5098-A283-4925-2CCEBB801DC5}"/>
+          </ac:spMkLst>
+        </pc:spChg>
+        <pc:spChg chg="mod">
+          <ac:chgData name="Gibbons, Carl" userId="d2b037bc-8fb4-4222-845c-61440543a456" providerId="ADAL" clId="{4505F98C-4CC4-4983-9729-597D2A150C85}" dt="2023-12-29T02:19:53.158" v="17637" actId="20577"/>
+          <ac:spMkLst>
+            <pc:docMk/>
+            <pc:sldMk cId="1926009205" sldId="283"/>
+            <ac:spMk id="3" creationId="{B5924E0F-A977-1710-779D-EEB74261AF34}"/>
+          </ac:spMkLst>
+        </pc:spChg>
+      </pc:sldChg>
+      <pc:sldChg chg="del">
+        <pc:chgData name="Gibbons, Carl" userId="d2b037bc-8fb4-4222-845c-61440543a456" providerId="ADAL" clId="{4505F98C-4CC4-4983-9729-597D2A150C85}" dt="2023-12-28T22:17:09.732" v="1699" actId="47"/>
+        <pc:sldMkLst>
+          <pc:docMk/>
+          <pc:sldMk cId="2959024232" sldId="283"/>
+        </pc:sldMkLst>
+      </pc:sldChg>
+      <pc:sldChg chg="modSp mod">
+        <pc:chgData name="Gibbons, Carl" userId="d2b037bc-8fb4-4222-845c-61440543a456" providerId="ADAL" clId="{4505F98C-4CC4-4983-9729-597D2A150C85}" dt="2023-12-29T00:22:15.499" v="8364" actId="20577"/>
+        <pc:sldMkLst>
+          <pc:docMk/>
+          <pc:sldMk cId="2366216895" sldId="284"/>
+        </pc:sldMkLst>
+        <pc:spChg chg="mod">
+          <ac:chgData name="Gibbons, Carl" userId="d2b037bc-8fb4-4222-845c-61440543a456" providerId="ADAL" clId="{4505F98C-4CC4-4983-9729-597D2A150C85}" dt="2023-12-29T00:22:15.499" v="8364" actId="20577"/>
+          <ac:spMkLst>
+            <pc:docMk/>
+            <pc:sldMk cId="2366216895" sldId="284"/>
+            <ac:spMk id="2" creationId="{31B75992-5098-A283-4925-2CCEBB801DC5}"/>
+          </ac:spMkLst>
+        </pc:spChg>
+        <pc:spChg chg="mod">
+          <ac:chgData name="Gibbons, Carl" userId="d2b037bc-8fb4-4222-845c-61440543a456" providerId="ADAL" clId="{4505F98C-4CC4-4983-9729-597D2A150C85}" dt="2023-12-29T00:20:51.612" v="8260" actId="20577"/>
+          <ac:spMkLst>
+            <pc:docMk/>
+            <pc:sldMk cId="2366216895" sldId="284"/>
+            <ac:spMk id="3" creationId="{B5924E0F-A977-1710-779D-EEB74261AF34}"/>
+          </ac:spMkLst>
+        </pc:spChg>
+      </pc:sldChg>
+      <pc:sldChg chg="del">
+        <pc:chgData name="Gibbons, Carl" userId="d2b037bc-8fb4-4222-845c-61440543a456" providerId="ADAL" clId="{4505F98C-4CC4-4983-9729-597D2A150C85}" dt="2023-12-28T22:17:08.965" v="1698" actId="47"/>
+        <pc:sldMkLst>
+          <pc:docMk/>
+          <pc:sldMk cId="3114675387" sldId="284"/>
+        </pc:sldMkLst>
+      </pc:sldChg>
+      <pc:sldChg chg="del">
+        <pc:chgData name="Gibbons, Carl" userId="d2b037bc-8fb4-4222-845c-61440543a456" providerId="ADAL" clId="{4505F98C-4CC4-4983-9729-597D2A150C85}" dt="2023-12-28T22:17:08.106" v="1697" actId="47"/>
+        <pc:sldMkLst>
+          <pc:docMk/>
+          <pc:sldMk cId="1243134729" sldId="285"/>
+        </pc:sldMkLst>
+      </pc:sldChg>
+      <pc:sldChg chg="modSp mod">
+        <pc:chgData name="Gibbons, Carl" userId="d2b037bc-8fb4-4222-845c-61440543a456" providerId="ADAL" clId="{4505F98C-4CC4-4983-9729-597D2A150C85}" dt="2023-12-29T01:14:23.500" v="12327" actId="20577"/>
+        <pc:sldMkLst>
+          <pc:docMk/>
+          <pc:sldMk cId="3371896289" sldId="285"/>
+        </pc:sldMkLst>
+        <pc:spChg chg="mod">
+          <ac:chgData name="Gibbons, Carl" userId="d2b037bc-8fb4-4222-845c-61440543a456" providerId="ADAL" clId="{4505F98C-4CC4-4983-9729-597D2A150C85}" dt="2023-12-29T00:22:25.432" v="8374" actId="20577"/>
+          <ac:spMkLst>
+            <pc:docMk/>
+            <pc:sldMk cId="3371896289" sldId="285"/>
+            <ac:spMk id="2" creationId="{31B75992-5098-A283-4925-2CCEBB801DC5}"/>
+          </ac:spMkLst>
+        </pc:spChg>
+        <pc:spChg chg="mod">
+          <ac:chgData name="Gibbons, Carl" userId="d2b037bc-8fb4-4222-845c-61440543a456" providerId="ADAL" clId="{4505F98C-4CC4-4983-9729-597D2A150C85}" dt="2023-12-29T01:14:23.500" v="12327" actId="20577"/>
+          <ac:spMkLst>
+            <pc:docMk/>
+            <pc:sldMk cId="3371896289" sldId="285"/>
+            <ac:spMk id="3" creationId="{B5924E0F-A977-1710-779D-EEB74261AF34}"/>
+          </ac:spMkLst>
+        </pc:spChg>
+      </pc:sldChg>
+      <pc:sldChg chg="add del">
+        <pc:chgData name="Gibbons, Carl" userId="d2b037bc-8fb4-4222-845c-61440543a456" providerId="ADAL" clId="{4505F98C-4CC4-4983-9729-597D2A150C85}" dt="2023-12-29T00:13:59.438" v="7954" actId="2696"/>
+        <pc:sldMkLst>
+          <pc:docMk/>
+          <pc:sldMk cId="3635199420" sldId="285"/>
+        </pc:sldMkLst>
+      </pc:sldChg>
+      <pc:sldChg chg="del">
+        <pc:chgData name="Gibbons, Carl" userId="d2b037bc-8fb4-4222-845c-61440543a456" providerId="ADAL" clId="{4505F98C-4CC4-4983-9729-597D2A150C85}" dt="2023-12-28T22:17:10.620" v="1700" actId="47"/>
+        <pc:sldMkLst>
+          <pc:docMk/>
+          <pc:sldMk cId="954591853" sldId="286"/>
+        </pc:sldMkLst>
+      </pc:sldChg>
+      <pc:sldChg chg="modSp mod">
+        <pc:chgData name="Gibbons, Carl" userId="d2b037bc-8fb4-4222-845c-61440543a456" providerId="ADAL" clId="{4505F98C-4CC4-4983-9729-597D2A150C85}" dt="2023-12-29T01:14:14.317" v="12318" actId="20577"/>
+        <pc:sldMkLst>
+          <pc:docMk/>
+          <pc:sldMk cId="3193160409" sldId="286"/>
+        </pc:sldMkLst>
+        <pc:spChg chg="mod">
+          <ac:chgData name="Gibbons, Carl" userId="d2b037bc-8fb4-4222-845c-61440543a456" providerId="ADAL" clId="{4505F98C-4CC4-4983-9729-597D2A150C85}" dt="2023-12-29T00:33:44.511" v="9517" actId="20577"/>
+          <ac:spMkLst>
+            <pc:docMk/>
+            <pc:sldMk cId="3193160409" sldId="286"/>
+            <ac:spMk id="2" creationId="{31B75992-5098-A283-4925-2CCEBB801DC5}"/>
+          </ac:spMkLst>
+        </pc:spChg>
+        <pc:spChg chg="mod">
+          <ac:chgData name="Gibbons, Carl" userId="d2b037bc-8fb4-4222-845c-61440543a456" providerId="ADAL" clId="{4505F98C-4CC4-4983-9729-597D2A150C85}" dt="2023-12-29T01:14:14.317" v="12318" actId="20577"/>
+          <ac:spMkLst>
+            <pc:docMk/>
+            <pc:sldMk cId="3193160409" sldId="286"/>
+            <ac:spMk id="3" creationId="{B5924E0F-A977-1710-779D-EEB74261AF34}"/>
+          </ac:spMkLst>
+        </pc:spChg>
+      </pc:sldChg>
+      <pc:sldChg chg="del">
+        <pc:chgData name="Gibbons, Carl" userId="d2b037bc-8fb4-4222-845c-61440543a456" providerId="ADAL" clId="{4505F98C-4CC4-4983-9729-597D2A150C85}" dt="2023-12-28T22:17:12.413" v="1702" actId="47"/>
+        <pc:sldMkLst>
+          <pc:docMk/>
+          <pc:sldMk cId="2614091779" sldId="287"/>
+        </pc:sldMkLst>
+      </pc:sldChg>
+      <pc:sldChg chg="modSp mod">
+        <pc:chgData name="Gibbons, Carl" userId="d2b037bc-8fb4-4222-845c-61440543a456" providerId="ADAL" clId="{4505F98C-4CC4-4983-9729-597D2A150C85}" dt="2023-12-29T02:19:05.385" v="17624"/>
+        <pc:sldMkLst>
+          <pc:docMk/>
+          <pc:sldMk cId="2688338374" sldId="287"/>
+        </pc:sldMkLst>
+        <pc:spChg chg="mod">
+          <ac:chgData name="Gibbons, Carl" userId="d2b037bc-8fb4-4222-845c-61440543a456" providerId="ADAL" clId="{4505F98C-4CC4-4983-9729-597D2A150C85}" dt="2023-12-29T00:41:11.438" v="10364" actId="20577"/>
+          <ac:spMkLst>
+            <pc:docMk/>
+            <pc:sldMk cId="2688338374" sldId="287"/>
+            <ac:spMk id="2" creationId="{31B75992-5098-A283-4925-2CCEBB801DC5}"/>
+          </ac:spMkLst>
+        </pc:spChg>
+        <pc:spChg chg="mod">
+          <ac:chgData name="Gibbons, Carl" userId="d2b037bc-8fb4-4222-845c-61440543a456" providerId="ADAL" clId="{4505F98C-4CC4-4983-9729-597D2A150C85}" dt="2023-12-29T02:19:05.385" v="17624"/>
+          <ac:spMkLst>
+            <pc:docMk/>
+            <pc:sldMk cId="2688338374" sldId="287"/>
+            <ac:spMk id="3" creationId="{B5924E0F-A977-1710-779D-EEB74261AF34}"/>
+          </ac:spMkLst>
+        </pc:spChg>
+      </pc:sldChg>
+      <pc:sldChg chg="del">
+        <pc:chgData name="Gibbons, Carl" userId="d2b037bc-8fb4-4222-845c-61440543a456" providerId="ADAL" clId="{4505F98C-4CC4-4983-9729-597D2A150C85}" dt="2023-12-28T22:17:11.407" v="1701" actId="47"/>
+        <pc:sldMkLst>
+          <pc:docMk/>
+          <pc:sldMk cId="1341659426" sldId="288"/>
+        </pc:sldMkLst>
+      </pc:sldChg>
+      <pc:sldChg chg="modSp add mod">
+        <pc:chgData name="Gibbons, Carl" userId="d2b037bc-8fb4-4222-845c-61440543a456" providerId="ADAL" clId="{4505F98C-4CC4-4983-9729-597D2A150C85}" dt="2023-12-29T01:45:37.293" v="15006"/>
+        <pc:sldMkLst>
+          <pc:docMk/>
+          <pc:sldMk cId="2142935017" sldId="288"/>
+        </pc:sldMkLst>
+        <pc:spChg chg="mod">
+          <ac:chgData name="Gibbons, Carl" userId="d2b037bc-8fb4-4222-845c-61440543a456" providerId="ADAL" clId="{4505F98C-4CC4-4983-9729-597D2A150C85}" dt="2023-12-29T01:16:27.501" v="12383" actId="20577"/>
+          <ac:spMkLst>
+            <pc:docMk/>
+            <pc:sldMk cId="2142935017" sldId="288"/>
+            <ac:spMk id="2" creationId="{31B75992-5098-A283-4925-2CCEBB801DC5}"/>
+          </ac:spMkLst>
+        </pc:spChg>
+        <pc:spChg chg="mod">
+          <ac:chgData name="Gibbons, Carl" userId="d2b037bc-8fb4-4222-845c-61440543a456" providerId="ADAL" clId="{4505F98C-4CC4-4983-9729-597D2A150C85}" dt="2023-12-29T01:45:37.293" v="15006"/>
+          <ac:spMkLst>
+            <pc:docMk/>
+            <pc:sldMk cId="2142935017" sldId="288"/>
+            <ac:spMk id="3" creationId="{B5924E0F-A977-1710-779D-EEB74261AF34}"/>
+          </ac:spMkLst>
+        </pc:spChg>
+      </pc:sldChg>
+      <pc:sldChg chg="modSp mod">
+        <pc:chgData name="Gibbons, Carl" userId="d2b037bc-8fb4-4222-845c-61440543a456" providerId="ADAL" clId="{4505F98C-4CC4-4983-9729-597D2A150C85}" dt="2023-12-29T01:50:54.342" v="15124" actId="20577"/>
+        <pc:sldMkLst>
+          <pc:docMk/>
+          <pc:sldMk cId="2784625941" sldId="289"/>
+        </pc:sldMkLst>
+        <pc:spChg chg="mod">
+          <ac:chgData name="Gibbons, Carl" userId="d2b037bc-8fb4-4222-845c-61440543a456" providerId="ADAL" clId="{4505F98C-4CC4-4983-9729-597D2A150C85}" dt="2023-12-29T01:23:40.688" v="13177" actId="20577"/>
+          <ac:spMkLst>
+            <pc:docMk/>
+            <pc:sldMk cId="2784625941" sldId="289"/>
+            <ac:spMk id="2" creationId="{31B75992-5098-A283-4925-2CCEBB801DC5}"/>
+          </ac:spMkLst>
+        </pc:spChg>
+        <pc:spChg chg="mod">
+          <ac:chgData name="Gibbons, Carl" userId="d2b037bc-8fb4-4222-845c-61440543a456" providerId="ADAL" clId="{4505F98C-4CC4-4983-9729-597D2A150C85}" dt="2023-12-29T01:50:54.342" v="15124" actId="20577"/>
+          <ac:spMkLst>
+            <pc:docMk/>
+            <pc:sldMk cId="2784625941" sldId="289"/>
+            <ac:spMk id="3" creationId="{B5924E0F-A977-1710-779D-EEB74261AF34}"/>
+          </ac:spMkLst>
+        </pc:spChg>
+      </pc:sldChg>
+      <pc:sldChg chg="del">
+        <pc:chgData name="Gibbons, Carl" userId="d2b037bc-8fb4-4222-845c-61440543a456" providerId="ADAL" clId="{4505F98C-4CC4-4983-9729-597D2A150C85}" dt="2023-12-28T22:17:05.773" v="1696" actId="47"/>
+        <pc:sldMkLst>
+          <pc:docMk/>
+          <pc:sldMk cId="2966054478" sldId="289"/>
+        </pc:sldMkLst>
+      </pc:sldChg>
+      <pc:sldChg chg="del">
+        <pc:chgData name="Gibbons, Carl" userId="d2b037bc-8fb4-4222-845c-61440543a456" providerId="ADAL" clId="{4505F98C-4CC4-4983-9729-597D2A150C85}" dt="2023-12-28T22:17:13.315" v="1703" actId="47"/>
+        <pc:sldMkLst>
+          <pc:docMk/>
+          <pc:sldMk cId="1014272238" sldId="290"/>
+        </pc:sldMkLst>
+      </pc:sldChg>
+      <pc:sldChg chg="modSp add mod">
+        <pc:chgData name="Gibbons, Carl" userId="d2b037bc-8fb4-4222-845c-61440543a456" providerId="ADAL" clId="{4505F98C-4CC4-4983-9729-597D2A150C85}" dt="2023-12-29T01:50:36.539" v="15123" actId="20577"/>
+        <pc:sldMkLst>
+          <pc:docMk/>
+          <pc:sldMk cId="1677974689" sldId="290"/>
+        </pc:sldMkLst>
+        <pc:spChg chg="mod">
+          <ac:chgData name="Gibbons, Carl" userId="d2b037bc-8fb4-4222-845c-61440543a456" providerId="ADAL" clId="{4505F98C-4CC4-4983-9729-597D2A150C85}" dt="2023-12-29T01:37:36.931" v="14365" actId="20577"/>
+          <ac:spMkLst>
+            <pc:docMk/>
+            <pc:sldMk cId="1677974689" sldId="290"/>
+            <ac:spMk id="2" creationId="{31B75992-5098-A283-4925-2CCEBB801DC5}"/>
+          </ac:spMkLst>
+        </pc:spChg>
+        <pc:spChg chg="mod">
+          <ac:chgData name="Gibbons, Carl" userId="d2b037bc-8fb4-4222-845c-61440543a456" providerId="ADAL" clId="{4505F98C-4CC4-4983-9729-597D2A150C85}" dt="2023-12-29T01:50:36.539" v="15123" actId="20577"/>
+          <ac:spMkLst>
+            <pc:docMk/>
+            <pc:sldMk cId="1677974689" sldId="290"/>
+            <ac:spMk id="3" creationId="{B5924E0F-A977-1710-779D-EEB74261AF34}"/>
+          </ac:spMkLst>
+        </pc:spChg>
+      </pc:sldChg>
+      <pc:sldChg chg="del">
+        <pc:chgData name="Gibbons, Carl" userId="d2b037bc-8fb4-4222-845c-61440543a456" providerId="ADAL" clId="{4505F98C-4CC4-4983-9729-597D2A150C85}" dt="2023-12-28T22:17:05.079" v="1695" actId="47"/>
+        <pc:sldMkLst>
+          <pc:docMk/>
+          <pc:sldMk cId="3689580349" sldId="291"/>
+        </pc:sldMkLst>
+      </pc:sldChg>
+      <pc:sldChg chg="modSp add mod">
+        <pc:chgData name="Gibbons, Carl" userId="d2b037bc-8fb4-4222-845c-61440543a456" providerId="ADAL" clId="{4505F98C-4CC4-4983-9729-597D2A150C85}" dt="2023-12-29T02:03:57.372" v="16335" actId="20577"/>
+        <pc:sldMkLst>
+          <pc:docMk/>
+          <pc:sldMk cId="4219326696" sldId="291"/>
+        </pc:sldMkLst>
+        <pc:spChg chg="mod">
+          <ac:chgData name="Gibbons, Carl" userId="d2b037bc-8fb4-4222-845c-61440543a456" providerId="ADAL" clId="{4505F98C-4CC4-4983-9729-597D2A150C85}" dt="2023-12-29T01:51:52.820" v="15161" actId="20577"/>
+          <ac:spMkLst>
+            <pc:docMk/>
+            <pc:sldMk cId="4219326696" sldId="291"/>
+            <ac:spMk id="2" creationId="{31B75992-5098-A283-4925-2CCEBB801DC5}"/>
+          </ac:spMkLst>
+        </pc:spChg>
+        <pc:spChg chg="mod">
+          <ac:chgData name="Gibbons, Carl" userId="d2b037bc-8fb4-4222-845c-61440543a456" providerId="ADAL" clId="{4505F98C-4CC4-4983-9729-597D2A150C85}" dt="2023-12-29T02:03:57.372" v="16335" actId="20577"/>
+          <ac:spMkLst>
+            <pc:docMk/>
+            <pc:sldMk cId="4219326696" sldId="291"/>
+            <ac:spMk id="3" creationId="{B5924E0F-A977-1710-779D-EEB74261AF34}"/>
+          </ac:spMkLst>
+        </pc:spChg>
+      </pc:sldChg>
+      <pc:sldChg chg="modSp add mod">
+        <pc:chgData name="Gibbons, Carl" userId="d2b037bc-8fb4-4222-845c-61440543a456" providerId="ADAL" clId="{4505F98C-4CC4-4983-9729-597D2A150C85}" dt="2023-12-29T02:16:48.887" v="17543" actId="20577"/>
+        <pc:sldMkLst>
+          <pc:docMk/>
+          <pc:sldMk cId="33911121" sldId="292"/>
+        </pc:sldMkLst>
+        <pc:spChg chg="mod">
+          <ac:chgData name="Gibbons, Carl" userId="d2b037bc-8fb4-4222-845c-61440543a456" providerId="ADAL" clId="{4505F98C-4CC4-4983-9729-597D2A150C85}" dt="2023-12-29T02:06:26.879" v="16405" actId="20577"/>
+          <ac:spMkLst>
+            <pc:docMk/>
+            <pc:sldMk cId="33911121" sldId="292"/>
+            <ac:spMk id="2" creationId="{1862E903-3C56-BB42-2361-009F2336475A}"/>
+          </ac:spMkLst>
+        </pc:spChg>
+        <pc:spChg chg="mod">
+          <ac:chgData name="Gibbons, Carl" userId="d2b037bc-8fb4-4222-845c-61440543a456" providerId="ADAL" clId="{4505F98C-4CC4-4983-9729-597D2A150C85}" dt="2023-12-29T02:16:48.887" v="17543" actId="20577"/>
+          <ac:spMkLst>
+            <pc:docMk/>
+            <pc:sldMk cId="33911121" sldId="292"/>
+            <ac:spMk id="3" creationId="{90179172-96B3-95D0-A137-257770BE7642}"/>
+          </ac:spMkLst>
+        </pc:spChg>
+      </pc:sldChg>
+      <pc:sldChg chg="del">
+        <pc:chgData name="Gibbons, Carl" userId="d2b037bc-8fb4-4222-845c-61440543a456" providerId="ADAL" clId="{4505F98C-4CC4-4983-9729-597D2A150C85}" dt="2023-12-28T22:17:14.720" v="1704" actId="47"/>
+        <pc:sldMkLst>
+          <pc:docMk/>
+          <pc:sldMk cId="2738411615" sldId="292"/>
+        </pc:sldMkLst>
+      </pc:sldChg>
+      <pc:sldChg chg="del">
+        <pc:chgData name="Gibbons, Carl" userId="d2b037bc-8fb4-4222-845c-61440543a456" providerId="ADAL" clId="{4505F98C-4CC4-4983-9729-597D2A150C85}" dt="2023-12-28T22:17:04.103" v="1694" actId="47"/>
+        <pc:sldMkLst>
+          <pc:docMk/>
+          <pc:sldMk cId="852415543" sldId="293"/>
+        </pc:sldMkLst>
+      </pc:sldChg>
+    </pc:docChg>
+  </pc:docChgLst>
+  <pc:docChgLst>
+    <pc:chgData name="Gibbons, Carl" userId="d2b037bc-8fb4-4222-845c-61440543a456" providerId="ADAL" clId="{6BB3E98D-F381-4EFF-81EB-11D831A89BCC}"/>
+    <pc:docChg chg="undo redo custSel addSld modSld">
+      <pc:chgData name="Gibbons, Carl" userId="d2b037bc-8fb4-4222-845c-61440543a456" providerId="ADAL" clId="{6BB3E98D-F381-4EFF-81EB-11D831A89BCC}" dt="2024-02-20T18:56:54.558" v="3667" actId="20577"/>
+      <pc:docMkLst>
+        <pc:docMk/>
+      </pc:docMkLst>
+      <pc:sldChg chg="modSp mod">
+        <pc:chgData name="Gibbons, Carl" userId="d2b037bc-8fb4-4222-845c-61440543a456" providerId="ADAL" clId="{6BB3E98D-F381-4EFF-81EB-11D831A89BCC}" dt="2024-02-20T18:19:38.071" v="41" actId="20577"/>
+        <pc:sldMkLst>
+          <pc:docMk/>
+          <pc:sldMk cId="3308175748" sldId="256"/>
+        </pc:sldMkLst>
+        <pc:spChg chg="mod">
+          <ac:chgData name="Gibbons, Carl" userId="d2b037bc-8fb4-4222-845c-61440543a456" providerId="ADAL" clId="{6BB3E98D-F381-4EFF-81EB-11D831A89BCC}" dt="2024-02-20T18:19:38.071" v="41" actId="20577"/>
+          <ac:spMkLst>
+            <pc:docMk/>
+            <pc:sldMk cId="3308175748" sldId="256"/>
+            <ac:spMk id="3" creationId="{EEC4D41B-E776-05F2-BE0B-89BB339485AB}"/>
+          </ac:spMkLst>
+        </pc:spChg>
+      </pc:sldChg>
+      <pc:sldChg chg="modSp mod">
+        <pc:chgData name="Gibbons, Carl" userId="d2b037bc-8fb4-4222-845c-61440543a456" providerId="ADAL" clId="{6BB3E98D-F381-4EFF-81EB-11D831A89BCC}" dt="2024-02-20T18:56:54.558" v="3667" actId="20577"/>
+        <pc:sldMkLst>
+          <pc:docMk/>
+          <pc:sldMk cId="3885141102" sldId="262"/>
+        </pc:sldMkLst>
+        <pc:spChg chg="mod">
+          <ac:chgData name="Gibbons, Carl" userId="d2b037bc-8fb4-4222-845c-61440543a456" providerId="ADAL" clId="{6BB3E98D-F381-4EFF-81EB-11D831A89BCC}" dt="2024-02-20T18:56:54.558" v="3667" actId="20577"/>
+          <ac:spMkLst>
+            <pc:docMk/>
+            <pc:sldMk cId="3885141102" sldId="262"/>
+            <ac:spMk id="3" creationId="{B5924E0F-A977-1710-779D-EEB74261AF34}"/>
+          </ac:spMkLst>
+        </pc:spChg>
+      </pc:sldChg>
+      <pc:sldChg chg="modSp mod">
+        <pc:chgData name="Gibbons, Carl" userId="d2b037bc-8fb4-4222-845c-61440543a456" providerId="ADAL" clId="{6BB3E98D-F381-4EFF-81EB-11D831A89BCC}" dt="2024-02-20T18:31:47.994" v="1288" actId="20577"/>
+        <pc:sldMkLst>
+          <pc:docMk/>
+          <pc:sldMk cId="1196559129" sldId="264"/>
+        </pc:sldMkLst>
+        <pc:spChg chg="mod">
+          <ac:chgData name="Gibbons, Carl" userId="d2b037bc-8fb4-4222-845c-61440543a456" providerId="ADAL" clId="{6BB3E98D-F381-4EFF-81EB-11D831A89BCC}" dt="2024-02-20T18:24:05.868" v="485" actId="20577"/>
+          <ac:spMkLst>
+            <pc:docMk/>
+            <pc:sldMk cId="1196559129" sldId="264"/>
+            <ac:spMk id="2" creationId="{0E6A2DEF-4501-FAEA-A31C-4FDCBD076712}"/>
+          </ac:spMkLst>
+        </pc:spChg>
+        <pc:spChg chg="mod">
+          <ac:chgData name="Gibbons, Carl" userId="d2b037bc-8fb4-4222-845c-61440543a456" providerId="ADAL" clId="{6BB3E98D-F381-4EFF-81EB-11D831A89BCC}" dt="2024-02-20T18:31:47.994" v="1288" actId="20577"/>
+          <ac:spMkLst>
+            <pc:docMk/>
+            <pc:sldMk cId="1196559129" sldId="264"/>
+            <ac:spMk id="7" creationId="{4247D23F-F3F9-676F-BDEB-E69E1F0AB32C}"/>
+          </ac:spMkLst>
+        </pc:spChg>
+      </pc:sldChg>
+      <pc:sldChg chg="modSp mod">
+        <pc:chgData name="Gibbons, Carl" userId="d2b037bc-8fb4-4222-845c-61440543a456" providerId="ADAL" clId="{6BB3E98D-F381-4EFF-81EB-11D831A89BCC}" dt="2024-02-20T18:43:59.847" v="2393" actId="1076"/>
+        <pc:sldMkLst>
+          <pc:docMk/>
+          <pc:sldMk cId="1400208519" sldId="265"/>
+        </pc:sldMkLst>
+        <pc:spChg chg="mod">
+          <ac:chgData name="Gibbons, Carl" userId="d2b037bc-8fb4-4222-845c-61440543a456" providerId="ADAL" clId="{6BB3E98D-F381-4EFF-81EB-11D831A89BCC}" dt="2024-02-20T18:43:25.492" v="2389" actId="20577"/>
+          <ac:spMkLst>
+            <pc:docMk/>
+            <pc:sldMk cId="1400208519" sldId="265"/>
+            <ac:spMk id="2" creationId="{832B45BA-6309-D8F6-D552-10D836B4EB21}"/>
+          </ac:spMkLst>
+        </pc:spChg>
+        <pc:spChg chg="mod">
+          <ac:chgData name="Gibbons, Carl" userId="d2b037bc-8fb4-4222-845c-61440543a456" providerId="ADAL" clId="{6BB3E98D-F381-4EFF-81EB-11D831A89BCC}" dt="2024-02-20T18:43:59.847" v="2393" actId="1076"/>
+          <ac:spMkLst>
+            <pc:docMk/>
+            <pc:sldMk cId="1400208519" sldId="265"/>
+            <ac:spMk id="7" creationId="{3CE889EF-4605-DB73-C7B2-D7E3C4957F48}"/>
+          </ac:spMkLst>
+        </pc:spChg>
+      </pc:sldChg>
+      <pc:sldChg chg="modSp add mod">
+        <pc:chgData name="Gibbons, Carl" userId="d2b037bc-8fb4-4222-845c-61440543a456" providerId="ADAL" clId="{6BB3E98D-F381-4EFF-81EB-11D831A89BCC}" dt="2024-02-20T18:54:58.017" v="3521" actId="20577"/>
+        <pc:sldMkLst>
+          <pc:docMk/>
+          <pc:sldMk cId="1467586035" sldId="266"/>
+        </pc:sldMkLst>
+        <pc:spChg chg="mod">
+          <ac:chgData name="Gibbons, Carl" userId="d2b037bc-8fb4-4222-845c-61440543a456" providerId="ADAL" clId="{6BB3E98D-F381-4EFF-81EB-11D831A89BCC}" dt="2024-02-20T18:49:47.829" v="3239" actId="20577"/>
+          <ac:spMkLst>
+            <pc:docMk/>
+            <pc:sldMk cId="1467586035" sldId="266"/>
+            <ac:spMk id="2" creationId="{F5533765-AE4D-3586-BFF0-C73FF51C6B9B}"/>
+          </ac:spMkLst>
+        </pc:spChg>
+        <pc:spChg chg="mod">
+          <ac:chgData name="Gibbons, Carl" userId="d2b037bc-8fb4-4222-845c-61440543a456" providerId="ADAL" clId="{6BB3E98D-F381-4EFF-81EB-11D831A89BCC}" dt="2024-02-20T18:54:58.017" v="3521" actId="20577"/>
+          <ac:spMkLst>
+            <pc:docMk/>
+            <pc:sldMk cId="1467586035" sldId="266"/>
+            <ac:spMk id="7" creationId="{56F98B9D-53CB-0D01-51DD-F6B452AAB6C5}"/>
+          </ac:spMkLst>
+        </pc:spChg>
+      </pc:sldChg>
+    </pc:docChg>
+  </pc:docChgLst>
+  <pc:docChgLst>
+    <pc:chgData name="Gibbons, Carl" userId="d2b037bc-8fb4-4222-845c-61440543a456" providerId="ADAL" clId="{8B117223-2596-4D61-9C62-CC9BD4B9A421}"/>
+    <pc:docChg chg="custSel addSld delSld modSld">
+      <pc:chgData name="Gibbons, Carl" userId="d2b037bc-8fb4-4222-845c-61440543a456" providerId="ADAL" clId="{8B117223-2596-4D61-9C62-CC9BD4B9A421}" dt="2024-01-24T22:00:55.310" v="2286" actId="20577"/>
+      <pc:docMkLst>
+        <pc:docMk/>
+      </pc:docMkLst>
+      <pc:sldChg chg="modSp mod">
+        <pc:chgData name="Gibbons, Carl" userId="d2b037bc-8fb4-4222-845c-61440543a456" providerId="ADAL" clId="{8B117223-2596-4D61-9C62-CC9BD4B9A421}" dt="2024-01-16T00:57:55.449" v="2005" actId="20577"/>
+        <pc:sldMkLst>
+          <pc:docMk/>
+          <pc:sldMk cId="3308175748" sldId="256"/>
+        </pc:sldMkLst>
+        <pc:spChg chg="mod">
+          <ac:chgData name="Gibbons, Carl" userId="d2b037bc-8fb4-4222-845c-61440543a456" providerId="ADAL" clId="{8B117223-2596-4D61-9C62-CC9BD4B9A421}" dt="2024-01-16T00:57:55.449" v="2005" actId="20577"/>
+          <ac:spMkLst>
+            <pc:docMk/>
+            <pc:sldMk cId="3308175748" sldId="256"/>
+            <ac:spMk id="3" creationId="{EEC4D41B-E776-05F2-BE0B-89BB339485AB}"/>
+          </ac:spMkLst>
+        </pc:spChg>
+      </pc:sldChg>
+      <pc:sldChg chg="modSp mod">
+        <pc:chgData name="Gibbons, Carl" userId="d2b037bc-8fb4-4222-845c-61440543a456" providerId="ADAL" clId="{8B117223-2596-4D61-9C62-CC9BD4B9A421}" dt="2024-01-24T22:00:55.310" v="2286" actId="20577"/>
+        <pc:sldMkLst>
+          <pc:docMk/>
+          <pc:sldMk cId="2312486803" sldId="261"/>
+        </pc:sldMkLst>
+        <pc:spChg chg="mod">
+          <ac:chgData name="Gibbons, Carl" userId="d2b037bc-8fb4-4222-845c-61440543a456" providerId="ADAL" clId="{8B117223-2596-4D61-9C62-CC9BD4B9A421}" dt="2024-01-16T00:15:29.289" v="286" actId="20577"/>
+          <ac:spMkLst>
+            <pc:docMk/>
+            <pc:sldMk cId="2312486803" sldId="261"/>
+            <ac:spMk id="2" creationId="{31B75992-5098-A283-4925-2CCEBB801DC5}"/>
+          </ac:spMkLst>
+        </pc:spChg>
+        <pc:spChg chg="mod">
+          <ac:chgData name="Gibbons, Carl" userId="d2b037bc-8fb4-4222-845c-61440543a456" providerId="ADAL" clId="{8B117223-2596-4D61-9C62-CC9BD4B9A421}" dt="2024-01-24T22:00:55.310" v="2286" actId="20577"/>
+          <ac:spMkLst>
+            <pc:docMk/>
+            <pc:sldMk cId="2312486803" sldId="261"/>
+            <ac:spMk id="3" creationId="{B5924E0F-A977-1710-779D-EEB74261AF34}"/>
+          </ac:spMkLst>
+        </pc:spChg>
+      </pc:sldChg>
+      <pc:sldChg chg="modSp add mod">
+        <pc:chgData name="Gibbons, Carl" userId="d2b037bc-8fb4-4222-845c-61440543a456" providerId="ADAL" clId="{8B117223-2596-4D61-9C62-CC9BD4B9A421}" dt="2024-01-16T01:00:51.762" v="2281" actId="313"/>
+        <pc:sldMkLst>
+          <pc:docMk/>
+          <pc:sldMk cId="3885141102" sldId="262"/>
+        </pc:sldMkLst>
+        <pc:spChg chg="mod">
+          <ac:chgData name="Gibbons, Carl" userId="d2b037bc-8fb4-4222-845c-61440543a456" providerId="ADAL" clId="{8B117223-2596-4D61-9C62-CC9BD4B9A421}" dt="2024-01-16T00:42:42.463" v="1503" actId="20577"/>
+          <ac:spMkLst>
+            <pc:docMk/>
+            <pc:sldMk cId="3885141102" sldId="262"/>
+            <ac:spMk id="2" creationId="{31B75992-5098-A283-4925-2CCEBB801DC5}"/>
+          </ac:spMkLst>
+        </pc:spChg>
+        <pc:spChg chg="mod">
+          <ac:chgData name="Gibbons, Carl" userId="d2b037bc-8fb4-4222-845c-61440543a456" providerId="ADAL" clId="{8B117223-2596-4D61-9C62-CC9BD4B9A421}" dt="2024-01-16T01:00:51.762" v="2281" actId="313"/>
+          <ac:spMkLst>
+            <pc:docMk/>
+            <pc:sldMk cId="3885141102" sldId="262"/>
+            <ac:spMk id="3" creationId="{B5924E0F-A977-1710-779D-EEB74261AF34}"/>
+          </ac:spMkLst>
+        </pc:spChg>
+      </pc:sldChg>
+      <pc:sldChg chg="add">
+        <pc:chgData name="Gibbons, Carl" userId="d2b037bc-8fb4-4222-845c-61440543a456" providerId="ADAL" clId="{8B117223-2596-4D61-9C62-CC9BD4B9A421}" dt="2024-01-16T00:58:20.162" v="2006"/>
+        <pc:sldMkLst>
+          <pc:docMk/>
+          <pc:sldMk cId="1719402288" sldId="263"/>
+        </pc:sldMkLst>
+      </pc:sldChg>
+      <pc:sldChg chg="del">
+        <pc:chgData name="Gibbons, Carl" userId="d2b037bc-8fb4-4222-845c-61440543a456" providerId="ADAL" clId="{8B117223-2596-4D61-9C62-CC9BD4B9A421}" dt="2024-01-16T00:11:26.015" v="227" actId="47"/>
+        <pc:sldMkLst>
+          <pc:docMk/>
+          <pc:sldMk cId="3989541258" sldId="278"/>
+        </pc:sldMkLst>
+      </pc:sldChg>
+      <pc:sldChg chg="del">
+        <pc:chgData name="Gibbons, Carl" userId="d2b037bc-8fb4-4222-845c-61440543a456" providerId="ADAL" clId="{8B117223-2596-4D61-9C62-CC9BD4B9A421}" dt="2024-01-16T00:11:26.575" v="228" actId="47"/>
+        <pc:sldMkLst>
+          <pc:docMk/>
+          <pc:sldMk cId="1861646120" sldId="293"/>
+        </pc:sldMkLst>
+      </pc:sldChg>
+      <pc:sldChg chg="del">
+        <pc:chgData name="Gibbons, Carl" userId="d2b037bc-8fb4-4222-845c-61440543a456" providerId="ADAL" clId="{8B117223-2596-4D61-9C62-CC9BD4B9A421}" dt="2024-01-16T00:11:27.206" v="229" actId="47"/>
+        <pc:sldMkLst>
+          <pc:docMk/>
+          <pc:sldMk cId="2232562783" sldId="294"/>
+        </pc:sldMkLst>
+      </pc:sldChg>
+      <pc:sldChg chg="del">
+        <pc:chgData name="Gibbons, Carl" userId="d2b037bc-8fb4-4222-845c-61440543a456" providerId="ADAL" clId="{8B117223-2596-4D61-9C62-CC9BD4B9A421}" dt="2024-01-16T00:11:27.766" v="230" actId="47"/>
+        <pc:sldMkLst>
+          <pc:docMk/>
+          <pc:sldMk cId="845747584" sldId="300"/>
+        </pc:sldMkLst>
+      </pc:sldChg>
+      <pc:sldChg chg="del">
+        <pc:chgData name="Gibbons, Carl" userId="d2b037bc-8fb4-4222-845c-61440543a456" providerId="ADAL" clId="{8B117223-2596-4D61-9C62-CC9BD4B9A421}" dt="2024-01-16T00:11:30.314" v="231" actId="47"/>
+        <pc:sldMkLst>
+          <pc:docMk/>
+          <pc:sldMk cId="3372579319" sldId="301"/>
+        </pc:sldMkLst>
+      </pc:sldChg>
+    </pc:docChg>
+  </pc:docChgLst>
+  <pc:docChgLst>
     <pc:chgData name="Gibbons, Carl" userId="d2b037bc-8fb4-4222-845c-61440543a456" providerId="ADAL" clId="{0E0ED151-5F6D-4269-8E91-753BA0E65D54}"/>
     <pc:docChg chg="undo redo custSel addSld delSld modSld">
       <pc:chgData name="Gibbons, Carl" userId="d2b037bc-8fb4-4222-845c-61440543a456" providerId="ADAL" clId="{0E0ED151-5F6D-4269-8E91-753BA0E65D54}" dt="2024-02-20T17:52:12.549" v="3818" actId="20577"/>
@@ -1122,6 +3157,644 @@
             <pc:docMk/>
             <pc:sldMk cId="1959728496" sldId="266"/>
             <ac:spMk id="7" creationId="{90027281-906B-E8EC-9F0D-DB9DF0665C9C}"/>
+          </ac:spMkLst>
+        </pc:spChg>
+      </pc:sldChg>
+    </pc:docChg>
+  </pc:docChgLst>
+  <pc:docChgLst>
+    <pc:chgData name="Gibbons, Carl" userId="d2b037bc-8fb4-4222-845c-61440543a456" providerId="ADAL" clId="{C1E6ABF6-BAED-4B26-97DB-20A1E8B7A1A4}"/>
+    <pc:docChg chg="custSel modSld">
+      <pc:chgData name="Gibbons, Carl" userId="d2b037bc-8fb4-4222-845c-61440543a456" providerId="ADAL" clId="{C1E6ABF6-BAED-4B26-97DB-20A1E8B7A1A4}" dt="2023-12-06T02:23:48.337" v="274" actId="20577"/>
+      <pc:docMkLst>
+        <pc:docMk/>
+      </pc:docMkLst>
+      <pc:sldChg chg="modSp mod">
+        <pc:chgData name="Gibbons, Carl" userId="d2b037bc-8fb4-4222-845c-61440543a456" providerId="ADAL" clId="{C1E6ABF6-BAED-4B26-97DB-20A1E8B7A1A4}" dt="2023-11-21T16:22:17.597" v="97" actId="20577"/>
+        <pc:sldMkLst>
+          <pc:docMk/>
+          <pc:sldMk cId="3308175748" sldId="256"/>
+        </pc:sldMkLst>
+        <pc:spChg chg="mod">
+          <ac:chgData name="Gibbons, Carl" userId="d2b037bc-8fb4-4222-845c-61440543a456" providerId="ADAL" clId="{C1E6ABF6-BAED-4B26-97DB-20A1E8B7A1A4}" dt="2023-11-21T05:49:34.464" v="2"/>
+          <ac:spMkLst>
+            <pc:docMk/>
+            <pc:sldMk cId="3308175748" sldId="256"/>
+            <ac:spMk id="2" creationId="{ACEA2649-DC6B-3373-A7E6-7F0E103D8B8B}"/>
+          </ac:spMkLst>
+        </pc:spChg>
+        <pc:spChg chg="mod">
+          <ac:chgData name="Gibbons, Carl" userId="d2b037bc-8fb4-4222-845c-61440543a456" providerId="ADAL" clId="{C1E6ABF6-BAED-4B26-97DB-20A1E8B7A1A4}" dt="2023-11-21T16:22:17.597" v="97" actId="20577"/>
+          <ac:spMkLst>
+            <pc:docMk/>
+            <pc:sldMk cId="3308175748" sldId="256"/>
+            <ac:spMk id="3" creationId="{EEC4D41B-E776-05F2-BE0B-89BB339485AB}"/>
+          </ac:spMkLst>
+        </pc:spChg>
+        <pc:spChg chg="mod">
+          <ac:chgData name="Gibbons, Carl" userId="d2b037bc-8fb4-4222-845c-61440543a456" providerId="ADAL" clId="{C1E6ABF6-BAED-4B26-97DB-20A1E8B7A1A4}" dt="2023-11-21T05:49:34.464" v="2"/>
+          <ac:spMkLst>
+            <pc:docMk/>
+            <pc:sldMk cId="3308175748" sldId="256"/>
+            <ac:spMk id="4" creationId="{4664ABB7-0B55-0242-2E51-B3286EE7B5EB}"/>
+          </ac:spMkLst>
+        </pc:spChg>
+      </pc:sldChg>
+      <pc:sldChg chg="modSp">
+        <pc:chgData name="Gibbons, Carl" userId="d2b037bc-8fb4-4222-845c-61440543a456" providerId="ADAL" clId="{C1E6ABF6-BAED-4B26-97DB-20A1E8B7A1A4}" dt="2023-11-21T05:49:34.464" v="2"/>
+        <pc:sldMkLst>
+          <pc:docMk/>
+          <pc:sldMk cId="2312486803" sldId="261"/>
+        </pc:sldMkLst>
+        <pc:spChg chg="mod">
+          <ac:chgData name="Gibbons, Carl" userId="d2b037bc-8fb4-4222-845c-61440543a456" providerId="ADAL" clId="{C1E6ABF6-BAED-4B26-97DB-20A1E8B7A1A4}" dt="2023-11-21T05:49:34.464" v="2"/>
+          <ac:spMkLst>
+            <pc:docMk/>
+            <pc:sldMk cId="2312486803" sldId="261"/>
+            <ac:spMk id="2" creationId="{31B75992-5098-A283-4925-2CCEBB801DC5}"/>
+          </ac:spMkLst>
+        </pc:spChg>
+      </pc:sldChg>
+      <pc:sldChg chg="modSp mod">
+        <pc:chgData name="Gibbons, Carl" userId="d2b037bc-8fb4-4222-845c-61440543a456" providerId="ADAL" clId="{C1E6ABF6-BAED-4B26-97DB-20A1E8B7A1A4}" dt="2023-11-21T07:48:19.790" v="77" actId="20577"/>
+        <pc:sldMkLst>
+          <pc:docMk/>
+          <pc:sldMk cId="378743348" sldId="270"/>
+        </pc:sldMkLst>
+        <pc:spChg chg="mod">
+          <ac:chgData name="Gibbons, Carl" userId="d2b037bc-8fb4-4222-845c-61440543a456" providerId="ADAL" clId="{C1E6ABF6-BAED-4B26-97DB-20A1E8B7A1A4}" dt="2023-11-21T07:48:19.790" v="77" actId="20577"/>
+          <ac:spMkLst>
+            <pc:docMk/>
+            <pc:sldMk cId="378743348" sldId="270"/>
+            <ac:spMk id="3" creationId="{80041865-9773-290D-EB35-F8AF8BFC505C}"/>
+          </ac:spMkLst>
+        </pc:spChg>
+      </pc:sldChg>
+      <pc:sldChg chg="modSp mod">
+        <pc:chgData name="Gibbons, Carl" userId="d2b037bc-8fb4-4222-845c-61440543a456" providerId="ADAL" clId="{C1E6ABF6-BAED-4B26-97DB-20A1E8B7A1A4}" dt="2023-12-06T02:23:48.337" v="274" actId="20577"/>
+        <pc:sldMkLst>
+          <pc:docMk/>
+          <pc:sldMk cId="657795359" sldId="277"/>
+        </pc:sldMkLst>
+        <pc:spChg chg="mod">
+          <ac:chgData name="Gibbons, Carl" userId="d2b037bc-8fb4-4222-845c-61440543a456" providerId="ADAL" clId="{C1E6ABF6-BAED-4B26-97DB-20A1E8B7A1A4}" dt="2023-11-21T05:49:34.464" v="2"/>
+          <ac:spMkLst>
+            <pc:docMk/>
+            <pc:sldMk cId="657795359" sldId="277"/>
+            <ac:spMk id="2" creationId="{1862E903-3C56-BB42-2361-009F2336475A}"/>
+          </ac:spMkLst>
+        </pc:spChg>
+        <pc:spChg chg="mod">
+          <ac:chgData name="Gibbons, Carl" userId="d2b037bc-8fb4-4222-845c-61440543a456" providerId="ADAL" clId="{C1E6ABF6-BAED-4B26-97DB-20A1E8B7A1A4}" dt="2023-12-06T02:23:48.337" v="274" actId="20577"/>
+          <ac:spMkLst>
+            <pc:docMk/>
+            <pc:sldMk cId="657795359" sldId="277"/>
+            <ac:spMk id="3" creationId="{90179172-96B3-95D0-A137-257770BE7642}"/>
+          </ac:spMkLst>
+        </pc:spChg>
+      </pc:sldChg>
+    </pc:docChg>
+  </pc:docChgLst>
+  <pc:docChgLst>
+    <pc:chgData name="Gibbons, Carl" userId="d2b037bc-8fb4-4222-845c-61440543a456" providerId="ADAL" clId="{AA20781C-E693-4A15-9A9D-8345B65B3F1D}"/>
+    <pc:docChg chg="undo redo custSel modSld">
+      <pc:chgData name="Gibbons, Carl" userId="d2b037bc-8fb4-4222-845c-61440543a456" providerId="ADAL" clId="{AA20781C-E693-4A15-9A9D-8345B65B3F1D}" dt="2024-05-23T20:24:35.054" v="4771" actId="20577"/>
+      <pc:docMkLst>
+        <pc:docMk/>
+      </pc:docMkLst>
+      <pc:sldChg chg="modSp mod">
+        <pc:chgData name="Gibbons, Carl" userId="d2b037bc-8fb4-4222-845c-61440543a456" providerId="ADAL" clId="{AA20781C-E693-4A15-9A9D-8345B65B3F1D}" dt="2024-05-23T18:19:28.406" v="19" actId="20577"/>
+        <pc:sldMkLst>
+          <pc:docMk/>
+          <pc:sldMk cId="3308175748" sldId="256"/>
+        </pc:sldMkLst>
+        <pc:spChg chg="mod">
+          <ac:chgData name="Gibbons, Carl" userId="d2b037bc-8fb4-4222-845c-61440543a456" providerId="ADAL" clId="{AA20781C-E693-4A15-9A9D-8345B65B3F1D}" dt="2024-05-23T18:19:28.406" v="19" actId="20577"/>
+          <ac:spMkLst>
+            <pc:docMk/>
+            <pc:sldMk cId="3308175748" sldId="256"/>
+            <ac:spMk id="3" creationId="{EEC4D41B-E776-05F2-BE0B-89BB339485AB}"/>
+          </ac:spMkLst>
+        </pc:spChg>
+      </pc:sldChg>
+      <pc:sldChg chg="modSp mod">
+        <pc:chgData name="Gibbons, Carl" userId="d2b037bc-8fb4-4222-845c-61440543a456" providerId="ADAL" clId="{AA20781C-E693-4A15-9A9D-8345B65B3F1D}" dt="2024-05-23T20:24:35.054" v="4771" actId="20577"/>
+        <pc:sldMkLst>
+          <pc:docMk/>
+          <pc:sldMk cId="3885141102" sldId="262"/>
+        </pc:sldMkLst>
+        <pc:spChg chg="mod">
+          <ac:chgData name="Gibbons, Carl" userId="d2b037bc-8fb4-4222-845c-61440543a456" providerId="ADAL" clId="{AA20781C-E693-4A15-9A9D-8345B65B3F1D}" dt="2024-05-23T20:24:35.054" v="4771" actId="20577"/>
+          <ac:spMkLst>
+            <pc:docMk/>
+            <pc:sldMk cId="3885141102" sldId="262"/>
+            <ac:spMk id="3" creationId="{B5924E0F-A977-1710-779D-EEB74261AF34}"/>
+          </ac:spMkLst>
+        </pc:spChg>
+      </pc:sldChg>
+      <pc:sldChg chg="addSp modSp mod">
+        <pc:chgData name="Gibbons, Carl" userId="d2b037bc-8fb4-4222-845c-61440543a456" providerId="ADAL" clId="{AA20781C-E693-4A15-9A9D-8345B65B3F1D}" dt="2024-05-23T20:04:53.835" v="3941" actId="20577"/>
+        <pc:sldMkLst>
+          <pc:docMk/>
+          <pc:sldMk cId="1196559129" sldId="264"/>
+        </pc:sldMkLst>
+        <pc:spChg chg="mod">
+          <ac:chgData name="Gibbons, Carl" userId="d2b037bc-8fb4-4222-845c-61440543a456" providerId="ADAL" clId="{AA20781C-E693-4A15-9A9D-8345B65B3F1D}" dt="2024-05-23T19:41:13.692" v="2966" actId="20577"/>
+          <ac:spMkLst>
+            <pc:docMk/>
+            <pc:sldMk cId="1196559129" sldId="264"/>
+            <ac:spMk id="2" creationId="{0E6A2DEF-4501-FAEA-A31C-4FDCBD076712}"/>
+          </ac:spMkLst>
+        </pc:spChg>
+        <pc:spChg chg="add mod">
+          <ac:chgData name="Gibbons, Carl" userId="d2b037bc-8fb4-4222-845c-61440543a456" providerId="ADAL" clId="{AA20781C-E693-4A15-9A9D-8345B65B3F1D}" dt="2024-05-23T20:01:54.455" v="3649" actId="15"/>
+          <ac:spMkLst>
+            <pc:docMk/>
+            <pc:sldMk cId="1196559129" sldId="264"/>
+            <ac:spMk id="3" creationId="{6DB565A6-DDA9-BD81-B7C7-3069323CA90A}"/>
+          </ac:spMkLst>
+        </pc:spChg>
+        <pc:spChg chg="add mod">
+          <ac:chgData name="Gibbons, Carl" userId="d2b037bc-8fb4-4222-845c-61440543a456" providerId="ADAL" clId="{AA20781C-E693-4A15-9A9D-8345B65B3F1D}" dt="2024-05-23T20:04:53.835" v="3941" actId="20577"/>
+          <ac:spMkLst>
+            <pc:docMk/>
+            <pc:sldMk cId="1196559129" sldId="264"/>
+            <ac:spMk id="4" creationId="{5F95AB98-4F6F-01E3-47E3-C88B1F1E9664}"/>
+          </ac:spMkLst>
+        </pc:spChg>
+        <pc:spChg chg="mod">
+          <ac:chgData name="Gibbons, Carl" userId="d2b037bc-8fb4-4222-845c-61440543a456" providerId="ADAL" clId="{AA20781C-E693-4A15-9A9D-8345B65B3F1D}" dt="2024-05-23T20:01:46.060" v="3645" actId="15"/>
+          <ac:spMkLst>
+            <pc:docMk/>
+            <pc:sldMk cId="1196559129" sldId="264"/>
+            <ac:spMk id="7" creationId="{4247D23F-F3F9-676F-BDEB-E69E1F0AB32C}"/>
+          </ac:spMkLst>
+        </pc:spChg>
+      </pc:sldChg>
+      <pc:sldChg chg="modSp mod">
+        <pc:chgData name="Gibbons, Carl" userId="d2b037bc-8fb4-4222-845c-61440543a456" providerId="ADAL" clId="{AA20781C-E693-4A15-9A9D-8345B65B3F1D}" dt="2024-05-23T19:39:33.179" v="2853" actId="2711"/>
+        <pc:sldMkLst>
+          <pc:docMk/>
+          <pc:sldMk cId="1400208519" sldId="265"/>
+        </pc:sldMkLst>
+        <pc:spChg chg="mod">
+          <ac:chgData name="Gibbons, Carl" userId="d2b037bc-8fb4-4222-845c-61440543a456" providerId="ADAL" clId="{AA20781C-E693-4A15-9A9D-8345B65B3F1D}" dt="2024-05-23T19:01:29.624" v="970" actId="20577"/>
+          <ac:spMkLst>
+            <pc:docMk/>
+            <pc:sldMk cId="1400208519" sldId="265"/>
+            <ac:spMk id="2" creationId="{832B45BA-6309-D8F6-D552-10D836B4EB21}"/>
+          </ac:spMkLst>
+        </pc:spChg>
+        <pc:spChg chg="mod">
+          <ac:chgData name="Gibbons, Carl" userId="d2b037bc-8fb4-4222-845c-61440543a456" providerId="ADAL" clId="{AA20781C-E693-4A15-9A9D-8345B65B3F1D}" dt="2024-05-23T19:39:33.179" v="2853" actId="2711"/>
+          <ac:spMkLst>
+            <pc:docMk/>
+            <pc:sldMk cId="1400208519" sldId="265"/>
+            <ac:spMk id="7" creationId="{3CE889EF-4605-DB73-C7B2-D7E3C4957F48}"/>
+          </ac:spMkLst>
+        </pc:spChg>
+      </pc:sldChg>
+      <pc:sldChg chg="modSp mod">
+        <pc:chgData name="Gibbons, Carl" userId="d2b037bc-8fb4-4222-845c-61440543a456" providerId="ADAL" clId="{AA20781C-E693-4A15-9A9D-8345B65B3F1D}" dt="2024-05-23T20:21:13.456" v="4392" actId="20577"/>
+        <pc:sldMkLst>
+          <pc:docMk/>
+          <pc:sldMk cId="1467586035" sldId="266"/>
+        </pc:sldMkLst>
+        <pc:spChg chg="mod">
+          <ac:chgData name="Gibbons, Carl" userId="d2b037bc-8fb4-4222-845c-61440543a456" providerId="ADAL" clId="{AA20781C-E693-4A15-9A9D-8345B65B3F1D}" dt="2024-05-23T20:06:18.037" v="3951" actId="20577"/>
+          <ac:spMkLst>
+            <pc:docMk/>
+            <pc:sldMk cId="1467586035" sldId="266"/>
+            <ac:spMk id="2" creationId="{F5533765-AE4D-3586-BFF0-C73FF51C6B9B}"/>
+          </ac:spMkLst>
+        </pc:spChg>
+        <pc:spChg chg="mod">
+          <ac:chgData name="Gibbons, Carl" userId="d2b037bc-8fb4-4222-845c-61440543a456" providerId="ADAL" clId="{AA20781C-E693-4A15-9A9D-8345B65B3F1D}" dt="2024-05-23T20:21:13.456" v="4392" actId="20577"/>
+          <ac:spMkLst>
+            <pc:docMk/>
+            <pc:sldMk cId="1467586035" sldId="266"/>
+            <ac:spMk id="7" creationId="{56F98B9D-53CB-0D01-51DD-F6B452AAB6C5}"/>
+          </ac:spMkLst>
+        </pc:spChg>
+      </pc:sldChg>
+    </pc:docChg>
+  </pc:docChgLst>
+  <pc:docChgLst>
+    <pc:chgData name="Gibbons, Carl" userId="d2b037bc-8fb4-4222-845c-61440543a456" providerId="ADAL" clId="{CE68D2EA-6C33-4320-B171-B4C637EE57D5}"/>
+    <pc:docChg chg="undo custSel delSld modSld">
+      <pc:chgData name="Gibbons, Carl" userId="d2b037bc-8fb4-4222-845c-61440543a456" providerId="ADAL" clId="{CE68D2EA-6C33-4320-B171-B4C637EE57D5}" dt="2024-02-04T05:12:30.446" v="2225" actId="5793"/>
+      <pc:docMkLst>
+        <pc:docMk/>
+      </pc:docMkLst>
+      <pc:sldChg chg="modSp mod">
+        <pc:chgData name="Gibbons, Carl" userId="d2b037bc-8fb4-4222-845c-61440543a456" providerId="ADAL" clId="{CE68D2EA-6C33-4320-B171-B4C637EE57D5}" dt="2024-02-04T04:34:37.470" v="1" actId="20577"/>
+        <pc:sldMkLst>
+          <pc:docMk/>
+          <pc:sldMk cId="3308175748" sldId="256"/>
+        </pc:sldMkLst>
+        <pc:spChg chg="mod">
+          <ac:chgData name="Gibbons, Carl" userId="d2b037bc-8fb4-4222-845c-61440543a456" providerId="ADAL" clId="{CE68D2EA-6C33-4320-B171-B4C637EE57D5}" dt="2024-02-04T04:34:37.470" v="1" actId="20577"/>
+          <ac:spMkLst>
+            <pc:docMk/>
+            <pc:sldMk cId="3308175748" sldId="256"/>
+            <ac:spMk id="3" creationId="{EEC4D41B-E776-05F2-BE0B-89BB339485AB}"/>
+          </ac:spMkLst>
+        </pc:spChg>
+      </pc:sldChg>
+      <pc:sldChg chg="modSp mod">
+        <pc:chgData name="Gibbons, Carl" userId="d2b037bc-8fb4-4222-845c-61440543a456" providerId="ADAL" clId="{CE68D2EA-6C33-4320-B171-B4C637EE57D5}" dt="2024-02-04T04:45:39.551" v="829" actId="20577"/>
+        <pc:sldMkLst>
+          <pc:docMk/>
+          <pc:sldMk cId="2312486803" sldId="261"/>
+        </pc:sldMkLst>
+        <pc:spChg chg="mod">
+          <ac:chgData name="Gibbons, Carl" userId="d2b037bc-8fb4-4222-845c-61440543a456" providerId="ADAL" clId="{CE68D2EA-6C33-4320-B171-B4C637EE57D5}" dt="2024-02-04T04:35:06.801" v="27" actId="20577"/>
+          <ac:spMkLst>
+            <pc:docMk/>
+            <pc:sldMk cId="2312486803" sldId="261"/>
+            <ac:spMk id="2" creationId="{31B75992-5098-A283-4925-2CCEBB801DC5}"/>
+          </ac:spMkLst>
+        </pc:spChg>
+        <pc:spChg chg="mod">
+          <ac:chgData name="Gibbons, Carl" userId="d2b037bc-8fb4-4222-845c-61440543a456" providerId="ADAL" clId="{CE68D2EA-6C33-4320-B171-B4C637EE57D5}" dt="2024-02-04T04:45:39.551" v="829" actId="20577"/>
+          <ac:spMkLst>
+            <pc:docMk/>
+            <pc:sldMk cId="2312486803" sldId="261"/>
+            <ac:spMk id="3" creationId="{B5924E0F-A977-1710-779D-EEB74261AF34}"/>
+          </ac:spMkLst>
+        </pc:spChg>
+      </pc:sldChg>
+      <pc:sldChg chg="modSp mod">
+        <pc:chgData name="Gibbons, Carl" userId="d2b037bc-8fb4-4222-845c-61440543a456" providerId="ADAL" clId="{CE68D2EA-6C33-4320-B171-B4C637EE57D5}" dt="2024-02-04T05:12:30.446" v="2225" actId="5793"/>
+        <pc:sldMkLst>
+          <pc:docMk/>
+          <pc:sldMk cId="3885141102" sldId="262"/>
+        </pc:sldMkLst>
+        <pc:spChg chg="mod">
+          <ac:chgData name="Gibbons, Carl" userId="d2b037bc-8fb4-4222-845c-61440543a456" providerId="ADAL" clId="{CE68D2EA-6C33-4320-B171-B4C637EE57D5}" dt="2024-02-04T05:12:30.446" v="2225" actId="5793"/>
+          <ac:spMkLst>
+            <pc:docMk/>
+            <pc:sldMk cId="3885141102" sldId="262"/>
+            <ac:spMk id="3" creationId="{B5924E0F-A977-1710-779D-EEB74261AF34}"/>
+          </ac:spMkLst>
+        </pc:spChg>
+      </pc:sldChg>
+      <pc:sldChg chg="del">
+        <pc:chgData name="Gibbons, Carl" userId="d2b037bc-8fb4-4222-845c-61440543a456" providerId="ADAL" clId="{CE68D2EA-6C33-4320-B171-B4C637EE57D5}" dt="2024-02-04T05:02:32.591" v="1790" actId="2696"/>
+        <pc:sldMkLst>
+          <pc:docMk/>
+          <pc:sldMk cId="1719402288" sldId="263"/>
+        </pc:sldMkLst>
+      </pc:sldChg>
+      <pc:sldChg chg="modSp mod">
+        <pc:chgData name="Gibbons, Carl" userId="d2b037bc-8fb4-4222-845c-61440543a456" providerId="ADAL" clId="{CE68D2EA-6C33-4320-B171-B4C637EE57D5}" dt="2024-02-04T05:01:45.101" v="1789" actId="2711"/>
+        <pc:sldMkLst>
+          <pc:docMk/>
+          <pc:sldMk cId="2993794741" sldId="265"/>
+        </pc:sldMkLst>
+        <pc:spChg chg="mod">
+          <ac:chgData name="Gibbons, Carl" userId="d2b037bc-8fb4-4222-845c-61440543a456" providerId="ADAL" clId="{CE68D2EA-6C33-4320-B171-B4C637EE57D5}" dt="2024-02-04T04:46:22.730" v="881" actId="20577"/>
+          <ac:spMkLst>
+            <pc:docMk/>
+            <pc:sldMk cId="2993794741" sldId="265"/>
+            <ac:spMk id="2" creationId="{31B75992-5098-A283-4925-2CCEBB801DC5}"/>
+          </ac:spMkLst>
+        </pc:spChg>
+        <pc:spChg chg="mod">
+          <ac:chgData name="Gibbons, Carl" userId="d2b037bc-8fb4-4222-845c-61440543a456" providerId="ADAL" clId="{CE68D2EA-6C33-4320-B171-B4C637EE57D5}" dt="2024-02-04T05:01:45.101" v="1789" actId="2711"/>
+          <ac:spMkLst>
+            <pc:docMk/>
+            <pc:sldMk cId="2993794741" sldId="265"/>
+            <ac:spMk id="3" creationId="{B5924E0F-A977-1710-779D-EEB74261AF34}"/>
+          </ac:spMkLst>
+        </pc:spChg>
+      </pc:sldChg>
+    </pc:docChg>
+  </pc:docChgLst>
+  <pc:docChgLst>
+    <pc:chgData name="Gibbons, Carl" userId="d2b037bc-8fb4-4222-845c-61440543a456" providerId="ADAL" clId="{3F16957D-3CF8-4F94-B0D9-126F32AD7D53}"/>
+    <pc:docChg chg="custSel delSld modSld">
+      <pc:chgData name="Gibbons, Carl" userId="d2b037bc-8fb4-4222-845c-61440543a456" providerId="ADAL" clId="{3F16957D-3CF8-4F94-B0D9-126F32AD7D53}" dt="2024-02-20T18:17:07.896" v="2268" actId="20577"/>
+      <pc:docMkLst>
+        <pc:docMk/>
+      </pc:docMkLst>
+      <pc:sldChg chg="modSp mod">
+        <pc:chgData name="Gibbons, Carl" userId="d2b037bc-8fb4-4222-845c-61440543a456" providerId="ADAL" clId="{3F16957D-3CF8-4F94-B0D9-126F32AD7D53}" dt="2024-02-20T17:54:02.532" v="23" actId="20577"/>
+        <pc:sldMkLst>
+          <pc:docMk/>
+          <pc:sldMk cId="3308175748" sldId="256"/>
+        </pc:sldMkLst>
+        <pc:spChg chg="mod">
+          <ac:chgData name="Gibbons, Carl" userId="d2b037bc-8fb4-4222-845c-61440543a456" providerId="ADAL" clId="{3F16957D-3CF8-4F94-B0D9-126F32AD7D53}" dt="2024-02-20T17:54:02.532" v="23" actId="20577"/>
+          <ac:spMkLst>
+            <pc:docMk/>
+            <pc:sldMk cId="3308175748" sldId="256"/>
+            <ac:spMk id="3" creationId="{EEC4D41B-E776-05F2-BE0B-89BB339485AB}"/>
+          </ac:spMkLst>
+        </pc:spChg>
+      </pc:sldChg>
+      <pc:sldChg chg="del">
+        <pc:chgData name="Gibbons, Carl" userId="d2b037bc-8fb4-4222-845c-61440543a456" providerId="ADAL" clId="{3F16957D-3CF8-4F94-B0D9-126F32AD7D53}" dt="2024-02-20T17:54:06.303" v="24" actId="47"/>
+        <pc:sldMkLst>
+          <pc:docMk/>
+          <pc:sldMk cId="3979649407" sldId="259"/>
+        </pc:sldMkLst>
+      </pc:sldChg>
+      <pc:sldChg chg="modSp mod">
+        <pc:chgData name="Gibbons, Carl" userId="d2b037bc-8fb4-4222-845c-61440543a456" providerId="ADAL" clId="{3F16957D-3CF8-4F94-B0D9-126F32AD7D53}" dt="2024-02-20T18:06:52.868" v="1177" actId="313"/>
+        <pc:sldMkLst>
+          <pc:docMk/>
+          <pc:sldMk cId="3885141102" sldId="262"/>
+        </pc:sldMkLst>
+        <pc:spChg chg="mod">
+          <ac:chgData name="Gibbons, Carl" userId="d2b037bc-8fb4-4222-845c-61440543a456" providerId="ADAL" clId="{3F16957D-3CF8-4F94-B0D9-126F32AD7D53}" dt="2024-02-20T18:06:52.868" v="1177" actId="313"/>
+          <ac:spMkLst>
+            <pc:docMk/>
+            <pc:sldMk cId="3885141102" sldId="262"/>
+            <ac:spMk id="3" creationId="{B5924E0F-A977-1710-779D-EEB74261AF34}"/>
+          </ac:spMkLst>
+        </pc:spChg>
+      </pc:sldChg>
+      <pc:sldChg chg="delSp modSp mod">
+        <pc:chgData name="Gibbons, Carl" userId="d2b037bc-8fb4-4222-845c-61440543a456" providerId="ADAL" clId="{3F16957D-3CF8-4F94-B0D9-126F32AD7D53}" dt="2024-02-20T18:04:22.967" v="1114" actId="20577"/>
+        <pc:sldMkLst>
+          <pc:docMk/>
+          <pc:sldMk cId="1196559129" sldId="264"/>
+        </pc:sldMkLst>
+        <pc:spChg chg="mod">
+          <ac:chgData name="Gibbons, Carl" userId="d2b037bc-8fb4-4222-845c-61440543a456" providerId="ADAL" clId="{3F16957D-3CF8-4F94-B0D9-126F32AD7D53}" dt="2024-02-20T17:54:51.385" v="108" actId="20577"/>
+          <ac:spMkLst>
+            <pc:docMk/>
+            <pc:sldMk cId="1196559129" sldId="264"/>
+            <ac:spMk id="2" creationId="{0E6A2DEF-4501-FAEA-A31C-4FDCBD076712}"/>
+          </ac:spMkLst>
+        </pc:spChg>
+        <pc:spChg chg="del">
+          <ac:chgData name="Gibbons, Carl" userId="d2b037bc-8fb4-4222-845c-61440543a456" providerId="ADAL" clId="{3F16957D-3CF8-4F94-B0D9-126F32AD7D53}" dt="2024-02-20T17:55:30.328" v="123" actId="478"/>
+          <ac:spMkLst>
+            <pc:docMk/>
+            <pc:sldMk cId="1196559129" sldId="264"/>
+            <ac:spMk id="3" creationId="{3D14E407-E782-7E7A-34C1-5C9B517D7996}"/>
+          </ac:spMkLst>
+        </pc:spChg>
+        <pc:spChg chg="del">
+          <ac:chgData name="Gibbons, Carl" userId="d2b037bc-8fb4-4222-845c-61440543a456" providerId="ADAL" clId="{3F16957D-3CF8-4F94-B0D9-126F32AD7D53}" dt="2024-02-20T17:55:35.116" v="124" actId="478"/>
+          <ac:spMkLst>
+            <pc:docMk/>
+            <pc:sldMk cId="1196559129" sldId="264"/>
+            <ac:spMk id="4" creationId="{A5C2117C-95FD-BD27-85E2-3A7873734773}"/>
+          </ac:spMkLst>
+        </pc:spChg>
+        <pc:spChg chg="mod">
+          <ac:chgData name="Gibbons, Carl" userId="d2b037bc-8fb4-4222-845c-61440543a456" providerId="ADAL" clId="{3F16957D-3CF8-4F94-B0D9-126F32AD7D53}" dt="2024-02-20T18:04:22.967" v="1114" actId="20577"/>
+          <ac:spMkLst>
+            <pc:docMk/>
+            <pc:sldMk cId="1196559129" sldId="264"/>
+            <ac:spMk id="7" creationId="{4247D23F-F3F9-676F-BDEB-E69E1F0AB32C}"/>
+          </ac:spMkLst>
+        </pc:spChg>
+      </pc:sldChg>
+      <pc:sldChg chg="modSp mod">
+        <pc:chgData name="Gibbons, Carl" userId="d2b037bc-8fb4-4222-845c-61440543a456" providerId="ADAL" clId="{3F16957D-3CF8-4F94-B0D9-126F32AD7D53}" dt="2024-02-20T18:17:07.896" v="2268" actId="20577"/>
+        <pc:sldMkLst>
+          <pc:docMk/>
+          <pc:sldMk cId="1400208519" sldId="265"/>
+        </pc:sldMkLst>
+        <pc:spChg chg="mod">
+          <ac:chgData name="Gibbons, Carl" userId="d2b037bc-8fb4-4222-845c-61440543a456" providerId="ADAL" clId="{3F16957D-3CF8-4F94-B0D9-126F32AD7D53}" dt="2024-02-20T18:06:08.798" v="1133" actId="20577"/>
+          <ac:spMkLst>
+            <pc:docMk/>
+            <pc:sldMk cId="1400208519" sldId="265"/>
+            <ac:spMk id="2" creationId="{832B45BA-6309-D8F6-D552-10D836B4EB21}"/>
+          </ac:spMkLst>
+        </pc:spChg>
+        <pc:spChg chg="mod">
+          <ac:chgData name="Gibbons, Carl" userId="d2b037bc-8fb4-4222-845c-61440543a456" providerId="ADAL" clId="{3F16957D-3CF8-4F94-B0D9-126F32AD7D53}" dt="2024-02-20T18:17:07.896" v="2268" actId="20577"/>
+          <ac:spMkLst>
+            <pc:docMk/>
+            <pc:sldMk cId="1400208519" sldId="265"/>
+            <ac:spMk id="7" creationId="{3CE889EF-4605-DB73-C7B2-D7E3C4957F48}"/>
+          </ac:spMkLst>
+        </pc:spChg>
+      </pc:sldChg>
+      <pc:sldChg chg="del">
+        <pc:chgData name="Gibbons, Carl" userId="d2b037bc-8fb4-4222-845c-61440543a456" providerId="ADAL" clId="{3F16957D-3CF8-4F94-B0D9-126F32AD7D53}" dt="2024-02-20T18:06:16.494" v="1134" actId="2696"/>
+        <pc:sldMkLst>
+          <pc:docMk/>
+          <pc:sldMk cId="1959728496" sldId="266"/>
+        </pc:sldMkLst>
+      </pc:sldChg>
+    </pc:docChg>
+  </pc:docChgLst>
+  <pc:docChgLst>
+    <pc:chgData name="Gibbons, Carl" userId="d2b037bc-8fb4-4222-845c-61440543a456" providerId="ADAL" clId="{8C497311-FA0D-4174-880A-DAA4EEB2BF3B}"/>
+    <pc:docChg chg="custSel delSld modSld">
+      <pc:chgData name="Gibbons, Carl" userId="d2b037bc-8fb4-4222-845c-61440543a456" providerId="ADAL" clId="{8C497311-FA0D-4174-880A-DAA4EEB2BF3B}" dt="2023-12-29T17:07:57.293" v="7187" actId="20577"/>
+      <pc:docMkLst>
+        <pc:docMk/>
+      </pc:docMkLst>
+      <pc:sldChg chg="modSp mod">
+        <pc:chgData name="Gibbons, Carl" userId="d2b037bc-8fb4-4222-845c-61440543a456" providerId="ADAL" clId="{8C497311-FA0D-4174-880A-DAA4EEB2BF3B}" dt="2023-12-29T17:06:57.427" v="7098" actId="20577"/>
+        <pc:sldMkLst>
+          <pc:docMk/>
+          <pc:sldMk cId="3308175748" sldId="256"/>
+        </pc:sldMkLst>
+        <pc:spChg chg="mod">
+          <ac:chgData name="Gibbons, Carl" userId="d2b037bc-8fb4-4222-845c-61440543a456" providerId="ADAL" clId="{8C497311-FA0D-4174-880A-DAA4EEB2BF3B}" dt="2023-12-29T17:06:57.427" v="7098" actId="20577"/>
+          <ac:spMkLst>
+            <pc:docMk/>
+            <pc:sldMk cId="3308175748" sldId="256"/>
+            <ac:spMk id="3" creationId="{EEC4D41B-E776-05F2-BE0B-89BB339485AB}"/>
+          </ac:spMkLst>
+        </pc:spChg>
+      </pc:sldChg>
+      <pc:sldChg chg="modSp mod">
+        <pc:chgData name="Gibbons, Carl" userId="d2b037bc-8fb4-4222-845c-61440543a456" providerId="ADAL" clId="{8C497311-FA0D-4174-880A-DAA4EEB2BF3B}" dt="2023-12-29T15:08:44.674" v="3403" actId="20577"/>
+        <pc:sldMkLst>
+          <pc:docMk/>
+          <pc:sldMk cId="2312486803" sldId="261"/>
+        </pc:sldMkLst>
+        <pc:spChg chg="mod">
+          <ac:chgData name="Gibbons, Carl" userId="d2b037bc-8fb4-4222-845c-61440543a456" providerId="ADAL" clId="{8C497311-FA0D-4174-880A-DAA4EEB2BF3B}" dt="2023-12-29T14:20:41.496" v="51" actId="20577"/>
+          <ac:spMkLst>
+            <pc:docMk/>
+            <pc:sldMk cId="2312486803" sldId="261"/>
+            <ac:spMk id="2" creationId="{31B75992-5098-A283-4925-2CCEBB801DC5}"/>
+          </ac:spMkLst>
+        </pc:spChg>
+        <pc:spChg chg="mod">
+          <ac:chgData name="Gibbons, Carl" userId="d2b037bc-8fb4-4222-845c-61440543a456" providerId="ADAL" clId="{8C497311-FA0D-4174-880A-DAA4EEB2BF3B}" dt="2023-12-29T15:08:44.674" v="3403" actId="20577"/>
+          <ac:spMkLst>
+            <pc:docMk/>
+            <pc:sldMk cId="2312486803" sldId="261"/>
+            <ac:spMk id="3" creationId="{B5924E0F-A977-1710-779D-EEB74261AF34}"/>
+          </ac:spMkLst>
+        </pc:spChg>
+      </pc:sldChg>
+      <pc:sldChg chg="delSp modSp mod">
+        <pc:chgData name="Gibbons, Carl" userId="d2b037bc-8fb4-4222-845c-61440543a456" providerId="ADAL" clId="{8C497311-FA0D-4174-880A-DAA4EEB2BF3B}" dt="2023-12-29T17:07:57.293" v="7187" actId="20577"/>
+        <pc:sldMkLst>
+          <pc:docMk/>
+          <pc:sldMk cId="657795359" sldId="277"/>
+        </pc:sldMkLst>
+        <pc:spChg chg="mod">
+          <ac:chgData name="Gibbons, Carl" userId="d2b037bc-8fb4-4222-845c-61440543a456" providerId="ADAL" clId="{8C497311-FA0D-4174-880A-DAA4EEB2BF3B}" dt="2023-12-29T17:07:57.293" v="7187" actId="20577"/>
+          <ac:spMkLst>
+            <pc:docMk/>
+            <pc:sldMk cId="657795359" sldId="277"/>
+            <ac:spMk id="2" creationId="{1862E903-3C56-BB42-2361-009F2336475A}"/>
+          </ac:spMkLst>
+        </pc:spChg>
+        <pc:spChg chg="del mod">
+          <ac:chgData name="Gibbons, Carl" userId="d2b037bc-8fb4-4222-845c-61440543a456" providerId="ADAL" clId="{8C497311-FA0D-4174-880A-DAA4EEB2BF3B}" dt="2023-12-29T17:07:50.480" v="7185"/>
+          <ac:spMkLst>
+            <pc:docMk/>
+            <pc:sldMk cId="657795359" sldId="277"/>
+            <ac:spMk id="3" creationId="{90179172-96B3-95D0-A137-257770BE7642}"/>
+          </ac:spMkLst>
+        </pc:spChg>
+      </pc:sldChg>
+      <pc:sldChg chg="modSp mod">
+        <pc:chgData name="Gibbons, Carl" userId="d2b037bc-8fb4-4222-845c-61440543a456" providerId="ADAL" clId="{8C497311-FA0D-4174-880A-DAA4EEB2BF3B}" dt="2023-12-29T15:35:37.192" v="6042" actId="5793"/>
+        <pc:sldMkLst>
+          <pc:docMk/>
+          <pc:sldMk cId="3989541258" sldId="278"/>
+        </pc:sldMkLst>
+        <pc:spChg chg="mod">
+          <ac:chgData name="Gibbons, Carl" userId="d2b037bc-8fb4-4222-845c-61440543a456" providerId="ADAL" clId="{8C497311-FA0D-4174-880A-DAA4EEB2BF3B}" dt="2023-12-29T15:09:22.213" v="3411" actId="20577"/>
+          <ac:spMkLst>
+            <pc:docMk/>
+            <pc:sldMk cId="3989541258" sldId="278"/>
+            <ac:spMk id="2" creationId="{31B75992-5098-A283-4925-2CCEBB801DC5}"/>
+          </ac:spMkLst>
+        </pc:spChg>
+        <pc:spChg chg="mod">
+          <ac:chgData name="Gibbons, Carl" userId="d2b037bc-8fb4-4222-845c-61440543a456" providerId="ADAL" clId="{8C497311-FA0D-4174-880A-DAA4EEB2BF3B}" dt="2023-12-29T15:35:37.192" v="6042" actId="5793"/>
+          <ac:spMkLst>
+            <pc:docMk/>
+            <pc:sldMk cId="3989541258" sldId="278"/>
+            <ac:spMk id="3" creationId="{B5924E0F-A977-1710-779D-EEB74261AF34}"/>
+          </ac:spMkLst>
+        </pc:spChg>
+      </pc:sldChg>
+      <pc:sldChg chg="del">
+        <pc:chgData name="Gibbons, Carl" userId="d2b037bc-8fb4-4222-845c-61440543a456" providerId="ADAL" clId="{8C497311-FA0D-4174-880A-DAA4EEB2BF3B}" dt="2023-12-29T17:07:06.467" v="7099" actId="47"/>
+        <pc:sldMkLst>
+          <pc:docMk/>
+          <pc:sldMk cId="2335633195" sldId="279"/>
+        </pc:sldMkLst>
+      </pc:sldChg>
+      <pc:sldChg chg="del">
+        <pc:chgData name="Gibbons, Carl" userId="d2b037bc-8fb4-4222-845c-61440543a456" providerId="ADAL" clId="{8C497311-FA0D-4174-880A-DAA4EEB2BF3B}" dt="2023-12-29T17:07:07.395" v="7100" actId="47"/>
+        <pc:sldMkLst>
+          <pc:docMk/>
+          <pc:sldMk cId="1284534978" sldId="280"/>
+        </pc:sldMkLst>
+      </pc:sldChg>
+      <pc:sldChg chg="del">
+        <pc:chgData name="Gibbons, Carl" userId="d2b037bc-8fb4-4222-845c-61440543a456" providerId="ADAL" clId="{8C497311-FA0D-4174-880A-DAA4EEB2BF3B}" dt="2023-12-29T17:07:07.895" v="7101" actId="47"/>
+        <pc:sldMkLst>
+          <pc:docMk/>
+          <pc:sldMk cId="1802585387" sldId="281"/>
+        </pc:sldMkLst>
+      </pc:sldChg>
+      <pc:sldChg chg="del">
+        <pc:chgData name="Gibbons, Carl" userId="d2b037bc-8fb4-4222-845c-61440543a456" providerId="ADAL" clId="{8C497311-FA0D-4174-880A-DAA4EEB2BF3B}" dt="2023-12-29T17:07:08.365" v="7102" actId="47"/>
+        <pc:sldMkLst>
+          <pc:docMk/>
+          <pc:sldMk cId="724803187" sldId="282"/>
+        </pc:sldMkLst>
+      </pc:sldChg>
+      <pc:sldChg chg="del">
+        <pc:chgData name="Gibbons, Carl" userId="d2b037bc-8fb4-4222-845c-61440543a456" providerId="ADAL" clId="{8C497311-FA0D-4174-880A-DAA4EEB2BF3B}" dt="2023-12-29T17:07:08.842" v="7103" actId="47"/>
+        <pc:sldMkLst>
+          <pc:docMk/>
+          <pc:sldMk cId="1926009205" sldId="283"/>
+        </pc:sldMkLst>
+      </pc:sldChg>
+      <pc:sldChg chg="del">
+        <pc:chgData name="Gibbons, Carl" userId="d2b037bc-8fb4-4222-845c-61440543a456" providerId="ADAL" clId="{8C497311-FA0D-4174-880A-DAA4EEB2BF3B}" dt="2023-12-29T17:07:09.362" v="7104" actId="47"/>
+        <pc:sldMkLst>
+          <pc:docMk/>
+          <pc:sldMk cId="2366216895" sldId="284"/>
+        </pc:sldMkLst>
+      </pc:sldChg>
+      <pc:sldChg chg="del">
+        <pc:chgData name="Gibbons, Carl" userId="d2b037bc-8fb4-4222-845c-61440543a456" providerId="ADAL" clId="{8C497311-FA0D-4174-880A-DAA4EEB2BF3B}" dt="2023-12-29T17:07:09.925" v="7105" actId="47"/>
+        <pc:sldMkLst>
+          <pc:docMk/>
+          <pc:sldMk cId="3371896289" sldId="285"/>
+        </pc:sldMkLst>
+      </pc:sldChg>
+      <pc:sldChg chg="del">
+        <pc:chgData name="Gibbons, Carl" userId="d2b037bc-8fb4-4222-845c-61440543a456" providerId="ADAL" clId="{8C497311-FA0D-4174-880A-DAA4EEB2BF3B}" dt="2023-12-29T17:07:10.474" v="7106" actId="47"/>
+        <pc:sldMkLst>
+          <pc:docMk/>
+          <pc:sldMk cId="3193160409" sldId="286"/>
+        </pc:sldMkLst>
+      </pc:sldChg>
+      <pc:sldChg chg="del">
+        <pc:chgData name="Gibbons, Carl" userId="d2b037bc-8fb4-4222-845c-61440543a456" providerId="ADAL" clId="{8C497311-FA0D-4174-880A-DAA4EEB2BF3B}" dt="2023-12-29T17:07:11.056" v="7107" actId="47"/>
+        <pc:sldMkLst>
+          <pc:docMk/>
+          <pc:sldMk cId="2688338374" sldId="287"/>
+        </pc:sldMkLst>
+      </pc:sldChg>
+      <pc:sldChg chg="del">
+        <pc:chgData name="Gibbons, Carl" userId="d2b037bc-8fb4-4222-845c-61440543a456" providerId="ADAL" clId="{8C497311-FA0D-4174-880A-DAA4EEB2BF3B}" dt="2023-12-29T17:07:11.624" v="7108" actId="47"/>
+        <pc:sldMkLst>
+          <pc:docMk/>
+          <pc:sldMk cId="2142935017" sldId="288"/>
+        </pc:sldMkLst>
+      </pc:sldChg>
+      <pc:sldChg chg="del">
+        <pc:chgData name="Gibbons, Carl" userId="d2b037bc-8fb4-4222-845c-61440543a456" providerId="ADAL" clId="{8C497311-FA0D-4174-880A-DAA4EEB2BF3B}" dt="2023-12-29T17:07:12.218" v="7109" actId="47"/>
+        <pc:sldMkLst>
+          <pc:docMk/>
+          <pc:sldMk cId="2784625941" sldId="289"/>
+        </pc:sldMkLst>
+      </pc:sldChg>
+      <pc:sldChg chg="del">
+        <pc:chgData name="Gibbons, Carl" userId="d2b037bc-8fb4-4222-845c-61440543a456" providerId="ADAL" clId="{8C497311-FA0D-4174-880A-DAA4EEB2BF3B}" dt="2023-12-29T17:07:12.802" v="7110" actId="47"/>
+        <pc:sldMkLst>
+          <pc:docMk/>
+          <pc:sldMk cId="1677974689" sldId="290"/>
+        </pc:sldMkLst>
+      </pc:sldChg>
+      <pc:sldChg chg="del">
+        <pc:chgData name="Gibbons, Carl" userId="d2b037bc-8fb4-4222-845c-61440543a456" providerId="ADAL" clId="{8C497311-FA0D-4174-880A-DAA4EEB2BF3B}" dt="2023-12-29T17:07:13.420" v="7111" actId="47"/>
+        <pc:sldMkLst>
+          <pc:docMk/>
+          <pc:sldMk cId="4219326696" sldId="291"/>
+        </pc:sldMkLst>
+      </pc:sldChg>
+      <pc:sldChg chg="del">
+        <pc:chgData name="Gibbons, Carl" userId="d2b037bc-8fb4-4222-845c-61440543a456" providerId="ADAL" clId="{8C497311-FA0D-4174-880A-DAA4EEB2BF3B}" dt="2023-12-29T17:07:14.054" v="7112" actId="47"/>
+        <pc:sldMkLst>
+          <pc:docMk/>
+          <pc:sldMk cId="33911121" sldId="292"/>
+        </pc:sldMkLst>
+      </pc:sldChg>
+      <pc:sldChg chg="modSp mod">
+        <pc:chgData name="Gibbons, Carl" userId="d2b037bc-8fb4-4222-845c-61440543a456" providerId="ADAL" clId="{8C497311-FA0D-4174-880A-DAA4EEB2BF3B}" dt="2023-12-29T15:43:57.081" v="7062" actId="20577"/>
+        <pc:sldMkLst>
+          <pc:docMk/>
+          <pc:sldMk cId="1861646120" sldId="293"/>
+        </pc:sldMkLst>
+        <pc:spChg chg="mod">
+          <ac:chgData name="Gibbons, Carl" userId="d2b037bc-8fb4-4222-845c-61440543a456" providerId="ADAL" clId="{8C497311-FA0D-4174-880A-DAA4EEB2BF3B}" dt="2023-12-29T15:36:21.703" v="6112" actId="20577"/>
+          <ac:spMkLst>
+            <pc:docMk/>
+            <pc:sldMk cId="1861646120" sldId="293"/>
+            <ac:spMk id="2" creationId="{31B75992-5098-A283-4925-2CCEBB801DC5}"/>
+          </ac:spMkLst>
+        </pc:spChg>
+        <pc:spChg chg="mod">
+          <ac:chgData name="Gibbons, Carl" userId="d2b037bc-8fb4-4222-845c-61440543a456" providerId="ADAL" clId="{8C497311-FA0D-4174-880A-DAA4EEB2BF3B}" dt="2023-12-29T15:43:57.081" v="7062" actId="20577"/>
+          <ac:spMkLst>
+            <pc:docMk/>
+            <pc:sldMk cId="1861646120" sldId="293"/>
+            <ac:spMk id="3" creationId="{B5924E0F-A977-1710-779D-EEB74261AF34}"/>
           </ac:spMkLst>
         </pc:spChg>
       </pc:sldChg>
@@ -1251,556 +3924,6 @@
     </pc:docChg>
   </pc:docChgLst>
   <pc:docChgLst>
-    <pc:chgData name="Gibbons, Carl" userId="d2b037bc-8fb4-4222-845c-61440543a456" providerId="ADAL" clId="{14F797DE-E75B-4062-A6FB-AA9F07155580}"/>
-    <pc:docChg chg="undo custSel addSld modSld">
-      <pc:chgData name="Gibbons, Carl" userId="d2b037bc-8fb4-4222-845c-61440543a456" providerId="ADAL" clId="{14F797DE-E75B-4062-A6FB-AA9F07155580}" dt="2023-12-29T21:55:15.574" v="6853" actId="255"/>
-      <pc:docMkLst>
-        <pc:docMk/>
-      </pc:docMkLst>
-      <pc:sldChg chg="modSp mod">
-        <pc:chgData name="Gibbons, Carl" userId="d2b037bc-8fb4-4222-845c-61440543a456" providerId="ADAL" clId="{14F797DE-E75B-4062-A6FB-AA9F07155580}" dt="2023-12-29T17:10:38.181" v="10" actId="20577"/>
-        <pc:sldMkLst>
-          <pc:docMk/>
-          <pc:sldMk cId="3308175748" sldId="256"/>
-        </pc:sldMkLst>
-        <pc:spChg chg="mod">
-          <ac:chgData name="Gibbons, Carl" userId="d2b037bc-8fb4-4222-845c-61440543a456" providerId="ADAL" clId="{14F797DE-E75B-4062-A6FB-AA9F07155580}" dt="2023-12-29T17:10:38.181" v="10" actId="20577"/>
-          <ac:spMkLst>
-            <pc:docMk/>
-            <pc:sldMk cId="3308175748" sldId="256"/>
-            <ac:spMk id="3" creationId="{EEC4D41B-E776-05F2-BE0B-89BB339485AB}"/>
-          </ac:spMkLst>
-        </pc:spChg>
-      </pc:sldChg>
-      <pc:sldChg chg="modSp mod">
-        <pc:chgData name="Gibbons, Carl" userId="d2b037bc-8fb4-4222-845c-61440543a456" providerId="ADAL" clId="{14F797DE-E75B-4062-A6FB-AA9F07155580}" dt="2023-12-29T17:51:52.012" v="2089" actId="20577"/>
-        <pc:sldMkLst>
-          <pc:docMk/>
-          <pc:sldMk cId="2312486803" sldId="261"/>
-        </pc:sldMkLst>
-        <pc:spChg chg="mod">
-          <ac:chgData name="Gibbons, Carl" userId="d2b037bc-8fb4-4222-845c-61440543a456" providerId="ADAL" clId="{14F797DE-E75B-4062-A6FB-AA9F07155580}" dt="2023-12-29T17:23:59.510" v="341" actId="20577"/>
-          <ac:spMkLst>
-            <pc:docMk/>
-            <pc:sldMk cId="2312486803" sldId="261"/>
-            <ac:spMk id="2" creationId="{31B75992-5098-A283-4925-2CCEBB801DC5}"/>
-          </ac:spMkLst>
-        </pc:spChg>
-        <pc:spChg chg="mod">
-          <ac:chgData name="Gibbons, Carl" userId="d2b037bc-8fb4-4222-845c-61440543a456" providerId="ADAL" clId="{14F797DE-E75B-4062-A6FB-AA9F07155580}" dt="2023-12-29T17:51:52.012" v="2089" actId="20577"/>
-          <ac:spMkLst>
-            <pc:docMk/>
-            <pc:sldMk cId="2312486803" sldId="261"/>
-            <ac:spMk id="3" creationId="{B5924E0F-A977-1710-779D-EEB74261AF34}"/>
-          </ac:spMkLst>
-        </pc:spChg>
-      </pc:sldChg>
-      <pc:sldChg chg="addSp modSp mod">
-        <pc:chgData name="Gibbons, Carl" userId="d2b037bc-8fb4-4222-845c-61440543a456" providerId="ADAL" clId="{14F797DE-E75B-4062-A6FB-AA9F07155580}" dt="2023-12-29T21:53:53.831" v="6845" actId="20577"/>
-        <pc:sldMkLst>
-          <pc:docMk/>
-          <pc:sldMk cId="657795359" sldId="277"/>
-        </pc:sldMkLst>
-        <pc:spChg chg="mod">
-          <ac:chgData name="Gibbons, Carl" userId="d2b037bc-8fb4-4222-845c-61440543a456" providerId="ADAL" clId="{14F797DE-E75B-4062-A6FB-AA9F07155580}" dt="2023-12-29T21:45:47.422" v="6393" actId="20577"/>
-          <ac:spMkLst>
-            <pc:docMk/>
-            <pc:sldMk cId="657795359" sldId="277"/>
-            <ac:spMk id="2" creationId="{1862E903-3C56-BB42-2361-009F2336475A}"/>
-          </ac:spMkLst>
-        </pc:spChg>
-        <pc:spChg chg="add mod">
-          <ac:chgData name="Gibbons, Carl" userId="d2b037bc-8fb4-4222-845c-61440543a456" providerId="ADAL" clId="{14F797DE-E75B-4062-A6FB-AA9F07155580}" dt="2023-12-29T21:53:53.831" v="6845" actId="20577"/>
-          <ac:spMkLst>
-            <pc:docMk/>
-            <pc:sldMk cId="657795359" sldId="277"/>
-            <ac:spMk id="3" creationId="{D9D594D6-F4EE-B0AB-C128-26D2D32F8E21}"/>
-          </ac:spMkLst>
-        </pc:spChg>
-      </pc:sldChg>
-      <pc:sldChg chg="modSp mod">
-        <pc:chgData name="Gibbons, Carl" userId="d2b037bc-8fb4-4222-845c-61440543a456" providerId="ADAL" clId="{14F797DE-E75B-4062-A6FB-AA9F07155580}" dt="2023-12-29T18:26:31.431" v="3669" actId="20577"/>
-        <pc:sldMkLst>
-          <pc:docMk/>
-          <pc:sldMk cId="3989541258" sldId="278"/>
-        </pc:sldMkLst>
-        <pc:spChg chg="mod">
-          <ac:chgData name="Gibbons, Carl" userId="d2b037bc-8fb4-4222-845c-61440543a456" providerId="ADAL" clId="{14F797DE-E75B-4062-A6FB-AA9F07155580}" dt="2023-12-29T17:53:20.837" v="2147" actId="20577"/>
-          <ac:spMkLst>
-            <pc:docMk/>
-            <pc:sldMk cId="3989541258" sldId="278"/>
-            <ac:spMk id="2" creationId="{31B75992-5098-A283-4925-2CCEBB801DC5}"/>
-          </ac:spMkLst>
-        </pc:spChg>
-        <pc:spChg chg="mod">
-          <ac:chgData name="Gibbons, Carl" userId="d2b037bc-8fb4-4222-845c-61440543a456" providerId="ADAL" clId="{14F797DE-E75B-4062-A6FB-AA9F07155580}" dt="2023-12-29T18:26:31.431" v="3669" actId="20577"/>
-          <ac:spMkLst>
-            <pc:docMk/>
-            <pc:sldMk cId="3989541258" sldId="278"/>
-            <ac:spMk id="3" creationId="{B5924E0F-A977-1710-779D-EEB74261AF34}"/>
-          </ac:spMkLst>
-        </pc:spChg>
-      </pc:sldChg>
-      <pc:sldChg chg="modSp mod">
-        <pc:chgData name="Gibbons, Carl" userId="d2b037bc-8fb4-4222-845c-61440543a456" providerId="ADAL" clId="{14F797DE-E75B-4062-A6FB-AA9F07155580}" dt="2023-12-29T21:55:15.574" v="6853" actId="255"/>
-        <pc:sldMkLst>
-          <pc:docMk/>
-          <pc:sldMk cId="1861646120" sldId="293"/>
-        </pc:sldMkLst>
-        <pc:spChg chg="mod">
-          <ac:chgData name="Gibbons, Carl" userId="d2b037bc-8fb4-4222-845c-61440543a456" providerId="ADAL" clId="{14F797DE-E75B-4062-A6FB-AA9F07155580}" dt="2023-12-29T18:01:10.039" v="2767" actId="20577"/>
-          <ac:spMkLst>
-            <pc:docMk/>
-            <pc:sldMk cId="1861646120" sldId="293"/>
-            <ac:spMk id="2" creationId="{31B75992-5098-A283-4925-2CCEBB801DC5}"/>
-          </ac:spMkLst>
-        </pc:spChg>
-        <pc:spChg chg="mod">
-          <ac:chgData name="Gibbons, Carl" userId="d2b037bc-8fb4-4222-845c-61440543a456" providerId="ADAL" clId="{14F797DE-E75B-4062-A6FB-AA9F07155580}" dt="2023-12-29T21:55:15.574" v="6853" actId="255"/>
-          <ac:spMkLst>
-            <pc:docMk/>
-            <pc:sldMk cId="1861646120" sldId="293"/>
-            <ac:spMk id="3" creationId="{B5924E0F-A977-1710-779D-EEB74261AF34}"/>
-          </ac:spMkLst>
-        </pc:spChg>
-      </pc:sldChg>
-      <pc:sldChg chg="modSp mod">
-        <pc:chgData name="Gibbons, Carl" userId="d2b037bc-8fb4-4222-845c-61440543a456" providerId="ADAL" clId="{14F797DE-E75B-4062-A6FB-AA9F07155580}" dt="2023-12-29T21:55:08.313" v="6852" actId="255"/>
-        <pc:sldMkLst>
-          <pc:docMk/>
-          <pc:sldMk cId="2232562783" sldId="294"/>
-        </pc:sldMkLst>
-        <pc:spChg chg="mod">
-          <ac:chgData name="Gibbons, Carl" userId="d2b037bc-8fb4-4222-845c-61440543a456" providerId="ADAL" clId="{14F797DE-E75B-4062-A6FB-AA9F07155580}" dt="2023-12-29T18:24:14.937" v="3546" actId="20577"/>
-          <ac:spMkLst>
-            <pc:docMk/>
-            <pc:sldMk cId="2232562783" sldId="294"/>
-            <ac:spMk id="2" creationId="{31B75992-5098-A283-4925-2CCEBB801DC5}"/>
-          </ac:spMkLst>
-        </pc:spChg>
-        <pc:spChg chg="mod">
-          <ac:chgData name="Gibbons, Carl" userId="d2b037bc-8fb4-4222-845c-61440543a456" providerId="ADAL" clId="{14F797DE-E75B-4062-A6FB-AA9F07155580}" dt="2023-12-29T21:55:08.313" v="6852" actId="255"/>
-          <ac:spMkLst>
-            <pc:docMk/>
-            <pc:sldMk cId="2232562783" sldId="294"/>
-            <ac:spMk id="3" creationId="{B5924E0F-A977-1710-779D-EEB74261AF34}"/>
-          </ac:spMkLst>
-        </pc:spChg>
-      </pc:sldChg>
-      <pc:sldChg chg="modSp add mod">
-        <pc:chgData name="Gibbons, Carl" userId="d2b037bc-8fb4-4222-845c-61440543a456" providerId="ADAL" clId="{14F797DE-E75B-4062-A6FB-AA9F07155580}" dt="2023-12-29T21:55:02.689" v="6851" actId="255"/>
-        <pc:sldMkLst>
-          <pc:docMk/>
-          <pc:sldMk cId="806767687" sldId="295"/>
-        </pc:sldMkLst>
-        <pc:spChg chg="mod">
-          <ac:chgData name="Gibbons, Carl" userId="d2b037bc-8fb4-4222-845c-61440543a456" providerId="ADAL" clId="{14F797DE-E75B-4062-A6FB-AA9F07155580}" dt="2023-12-29T18:50:33.208" v="4036" actId="113"/>
-          <ac:spMkLst>
-            <pc:docMk/>
-            <pc:sldMk cId="806767687" sldId="295"/>
-            <ac:spMk id="2" creationId="{31B75992-5098-A283-4925-2CCEBB801DC5}"/>
-          </ac:spMkLst>
-        </pc:spChg>
-        <pc:spChg chg="mod">
-          <ac:chgData name="Gibbons, Carl" userId="d2b037bc-8fb4-4222-845c-61440543a456" providerId="ADAL" clId="{14F797DE-E75B-4062-A6FB-AA9F07155580}" dt="2023-12-29T21:55:02.689" v="6851" actId="255"/>
-          <ac:spMkLst>
-            <pc:docMk/>
-            <pc:sldMk cId="806767687" sldId="295"/>
-            <ac:spMk id="3" creationId="{B5924E0F-A977-1710-779D-EEB74261AF34}"/>
-          </ac:spMkLst>
-        </pc:spChg>
-      </pc:sldChg>
-      <pc:sldChg chg="modSp mod">
-        <pc:chgData name="Gibbons, Carl" userId="d2b037bc-8fb4-4222-845c-61440543a456" providerId="ADAL" clId="{14F797DE-E75B-4062-A6FB-AA9F07155580}" dt="2023-12-29T21:54:48.370" v="6850" actId="255"/>
-        <pc:sldMkLst>
-          <pc:docMk/>
-          <pc:sldMk cId="3145157247" sldId="296"/>
-        </pc:sldMkLst>
-        <pc:spChg chg="mod">
-          <ac:chgData name="Gibbons, Carl" userId="d2b037bc-8fb4-4222-845c-61440543a456" providerId="ADAL" clId="{14F797DE-E75B-4062-A6FB-AA9F07155580}" dt="2023-12-29T21:07:20.782" v="4695" actId="20577"/>
-          <ac:spMkLst>
-            <pc:docMk/>
-            <pc:sldMk cId="3145157247" sldId="296"/>
-            <ac:spMk id="2" creationId="{31B75992-5098-A283-4925-2CCEBB801DC5}"/>
-          </ac:spMkLst>
-        </pc:spChg>
-        <pc:spChg chg="mod">
-          <ac:chgData name="Gibbons, Carl" userId="d2b037bc-8fb4-4222-845c-61440543a456" providerId="ADAL" clId="{14F797DE-E75B-4062-A6FB-AA9F07155580}" dt="2023-12-29T21:54:48.370" v="6850" actId="255"/>
-          <ac:spMkLst>
-            <pc:docMk/>
-            <pc:sldMk cId="3145157247" sldId="296"/>
-            <ac:spMk id="3" creationId="{B5924E0F-A977-1710-779D-EEB74261AF34}"/>
-          </ac:spMkLst>
-        </pc:spChg>
-      </pc:sldChg>
-      <pc:sldChg chg="modSp mod">
-        <pc:chgData name="Gibbons, Carl" userId="d2b037bc-8fb4-4222-845c-61440543a456" providerId="ADAL" clId="{14F797DE-E75B-4062-A6FB-AA9F07155580}" dt="2023-12-29T21:54:42.630" v="6849" actId="255"/>
-        <pc:sldMkLst>
-          <pc:docMk/>
-          <pc:sldMk cId="2424714671" sldId="297"/>
-        </pc:sldMkLst>
-        <pc:spChg chg="mod">
-          <ac:chgData name="Gibbons, Carl" userId="d2b037bc-8fb4-4222-845c-61440543a456" providerId="ADAL" clId="{14F797DE-E75B-4062-A6FB-AA9F07155580}" dt="2023-12-29T21:07:54.964" v="4712" actId="20577"/>
-          <ac:spMkLst>
-            <pc:docMk/>
-            <pc:sldMk cId="2424714671" sldId="297"/>
-            <ac:spMk id="2" creationId="{31B75992-5098-A283-4925-2CCEBB801DC5}"/>
-          </ac:spMkLst>
-        </pc:spChg>
-        <pc:spChg chg="mod">
-          <ac:chgData name="Gibbons, Carl" userId="d2b037bc-8fb4-4222-845c-61440543a456" providerId="ADAL" clId="{14F797DE-E75B-4062-A6FB-AA9F07155580}" dt="2023-12-29T21:54:42.630" v="6849" actId="255"/>
-          <ac:spMkLst>
-            <pc:docMk/>
-            <pc:sldMk cId="2424714671" sldId="297"/>
-            <ac:spMk id="3" creationId="{B5924E0F-A977-1710-779D-EEB74261AF34}"/>
-          </ac:spMkLst>
-        </pc:spChg>
-      </pc:sldChg>
-      <pc:sldChg chg="modSp mod">
-        <pc:chgData name="Gibbons, Carl" userId="d2b037bc-8fb4-4222-845c-61440543a456" providerId="ADAL" clId="{14F797DE-E75B-4062-A6FB-AA9F07155580}" dt="2023-12-29T21:54:28.975" v="6848" actId="255"/>
-        <pc:sldMkLst>
-          <pc:docMk/>
-          <pc:sldMk cId="3450195044" sldId="298"/>
-        </pc:sldMkLst>
-        <pc:spChg chg="mod">
-          <ac:chgData name="Gibbons, Carl" userId="d2b037bc-8fb4-4222-845c-61440543a456" providerId="ADAL" clId="{14F797DE-E75B-4062-A6FB-AA9F07155580}" dt="2023-12-29T21:23:42.216" v="5202" actId="20577"/>
-          <ac:spMkLst>
-            <pc:docMk/>
-            <pc:sldMk cId="3450195044" sldId="298"/>
-            <ac:spMk id="2" creationId="{31B75992-5098-A283-4925-2CCEBB801DC5}"/>
-          </ac:spMkLst>
-        </pc:spChg>
-        <pc:spChg chg="mod">
-          <ac:chgData name="Gibbons, Carl" userId="d2b037bc-8fb4-4222-845c-61440543a456" providerId="ADAL" clId="{14F797DE-E75B-4062-A6FB-AA9F07155580}" dt="2023-12-29T21:54:28.975" v="6848" actId="255"/>
-          <ac:spMkLst>
-            <pc:docMk/>
-            <pc:sldMk cId="3450195044" sldId="298"/>
-            <ac:spMk id="3" creationId="{B5924E0F-A977-1710-779D-EEB74261AF34}"/>
-          </ac:spMkLst>
-        </pc:spChg>
-      </pc:sldChg>
-      <pc:sldChg chg="modSp mod">
-        <pc:chgData name="Gibbons, Carl" userId="d2b037bc-8fb4-4222-845c-61440543a456" providerId="ADAL" clId="{14F797DE-E75B-4062-A6FB-AA9F07155580}" dt="2023-12-29T21:54:18.720" v="6846" actId="255"/>
-        <pc:sldMkLst>
-          <pc:docMk/>
-          <pc:sldMk cId="3633122843" sldId="299"/>
-        </pc:sldMkLst>
-        <pc:spChg chg="mod">
-          <ac:chgData name="Gibbons, Carl" userId="d2b037bc-8fb4-4222-845c-61440543a456" providerId="ADAL" clId="{14F797DE-E75B-4062-A6FB-AA9F07155580}" dt="2023-12-29T21:31:23.761" v="5684" actId="20577"/>
-          <ac:spMkLst>
-            <pc:docMk/>
-            <pc:sldMk cId="3633122843" sldId="299"/>
-            <ac:spMk id="2" creationId="{31B75992-5098-A283-4925-2CCEBB801DC5}"/>
-          </ac:spMkLst>
-        </pc:spChg>
-        <pc:spChg chg="mod">
-          <ac:chgData name="Gibbons, Carl" userId="d2b037bc-8fb4-4222-845c-61440543a456" providerId="ADAL" clId="{14F797DE-E75B-4062-A6FB-AA9F07155580}" dt="2023-12-29T21:54:18.720" v="6846" actId="255"/>
-          <ac:spMkLst>
-            <pc:docMk/>
-            <pc:sldMk cId="3633122843" sldId="299"/>
-            <ac:spMk id="3" creationId="{B5924E0F-A977-1710-779D-EEB74261AF34}"/>
-          </ac:spMkLst>
-        </pc:spChg>
-      </pc:sldChg>
-    </pc:docChg>
-  </pc:docChgLst>
-  <pc:docChgLst>
-    <pc:chgData name="Gibbons, Carl" userId="d2b037bc-8fb4-4222-845c-61440543a456" providerId="ADAL" clId="{8B117223-2596-4D61-9C62-CC9BD4B9A421}"/>
-    <pc:docChg chg="custSel addSld delSld modSld">
-      <pc:chgData name="Gibbons, Carl" userId="d2b037bc-8fb4-4222-845c-61440543a456" providerId="ADAL" clId="{8B117223-2596-4D61-9C62-CC9BD4B9A421}" dt="2024-01-24T22:00:55.310" v="2286" actId="20577"/>
-      <pc:docMkLst>
-        <pc:docMk/>
-      </pc:docMkLst>
-      <pc:sldChg chg="modSp mod">
-        <pc:chgData name="Gibbons, Carl" userId="d2b037bc-8fb4-4222-845c-61440543a456" providerId="ADAL" clId="{8B117223-2596-4D61-9C62-CC9BD4B9A421}" dt="2024-01-16T00:57:55.449" v="2005" actId="20577"/>
-        <pc:sldMkLst>
-          <pc:docMk/>
-          <pc:sldMk cId="3308175748" sldId="256"/>
-        </pc:sldMkLst>
-        <pc:spChg chg="mod">
-          <ac:chgData name="Gibbons, Carl" userId="d2b037bc-8fb4-4222-845c-61440543a456" providerId="ADAL" clId="{8B117223-2596-4D61-9C62-CC9BD4B9A421}" dt="2024-01-16T00:57:55.449" v="2005" actId="20577"/>
-          <ac:spMkLst>
-            <pc:docMk/>
-            <pc:sldMk cId="3308175748" sldId="256"/>
-            <ac:spMk id="3" creationId="{EEC4D41B-E776-05F2-BE0B-89BB339485AB}"/>
-          </ac:spMkLst>
-        </pc:spChg>
-      </pc:sldChg>
-      <pc:sldChg chg="modSp mod">
-        <pc:chgData name="Gibbons, Carl" userId="d2b037bc-8fb4-4222-845c-61440543a456" providerId="ADAL" clId="{8B117223-2596-4D61-9C62-CC9BD4B9A421}" dt="2024-01-24T22:00:55.310" v="2286" actId="20577"/>
-        <pc:sldMkLst>
-          <pc:docMk/>
-          <pc:sldMk cId="2312486803" sldId="261"/>
-        </pc:sldMkLst>
-        <pc:spChg chg="mod">
-          <ac:chgData name="Gibbons, Carl" userId="d2b037bc-8fb4-4222-845c-61440543a456" providerId="ADAL" clId="{8B117223-2596-4D61-9C62-CC9BD4B9A421}" dt="2024-01-16T00:15:29.289" v="286" actId="20577"/>
-          <ac:spMkLst>
-            <pc:docMk/>
-            <pc:sldMk cId="2312486803" sldId="261"/>
-            <ac:spMk id="2" creationId="{31B75992-5098-A283-4925-2CCEBB801DC5}"/>
-          </ac:spMkLst>
-        </pc:spChg>
-        <pc:spChg chg="mod">
-          <ac:chgData name="Gibbons, Carl" userId="d2b037bc-8fb4-4222-845c-61440543a456" providerId="ADAL" clId="{8B117223-2596-4D61-9C62-CC9BD4B9A421}" dt="2024-01-24T22:00:55.310" v="2286" actId="20577"/>
-          <ac:spMkLst>
-            <pc:docMk/>
-            <pc:sldMk cId="2312486803" sldId="261"/>
-            <ac:spMk id="3" creationId="{B5924E0F-A977-1710-779D-EEB74261AF34}"/>
-          </ac:spMkLst>
-        </pc:spChg>
-      </pc:sldChg>
-      <pc:sldChg chg="modSp add mod">
-        <pc:chgData name="Gibbons, Carl" userId="d2b037bc-8fb4-4222-845c-61440543a456" providerId="ADAL" clId="{8B117223-2596-4D61-9C62-CC9BD4B9A421}" dt="2024-01-16T01:00:51.762" v="2281" actId="313"/>
-        <pc:sldMkLst>
-          <pc:docMk/>
-          <pc:sldMk cId="3885141102" sldId="262"/>
-        </pc:sldMkLst>
-        <pc:spChg chg="mod">
-          <ac:chgData name="Gibbons, Carl" userId="d2b037bc-8fb4-4222-845c-61440543a456" providerId="ADAL" clId="{8B117223-2596-4D61-9C62-CC9BD4B9A421}" dt="2024-01-16T00:42:42.463" v="1503" actId="20577"/>
-          <ac:spMkLst>
-            <pc:docMk/>
-            <pc:sldMk cId="3885141102" sldId="262"/>
-            <ac:spMk id="2" creationId="{31B75992-5098-A283-4925-2CCEBB801DC5}"/>
-          </ac:spMkLst>
-        </pc:spChg>
-        <pc:spChg chg="mod">
-          <ac:chgData name="Gibbons, Carl" userId="d2b037bc-8fb4-4222-845c-61440543a456" providerId="ADAL" clId="{8B117223-2596-4D61-9C62-CC9BD4B9A421}" dt="2024-01-16T01:00:51.762" v="2281" actId="313"/>
-          <ac:spMkLst>
-            <pc:docMk/>
-            <pc:sldMk cId="3885141102" sldId="262"/>
-            <ac:spMk id="3" creationId="{B5924E0F-A977-1710-779D-EEB74261AF34}"/>
-          </ac:spMkLst>
-        </pc:spChg>
-      </pc:sldChg>
-      <pc:sldChg chg="add">
-        <pc:chgData name="Gibbons, Carl" userId="d2b037bc-8fb4-4222-845c-61440543a456" providerId="ADAL" clId="{8B117223-2596-4D61-9C62-CC9BD4B9A421}" dt="2024-01-16T00:58:20.162" v="2006"/>
-        <pc:sldMkLst>
-          <pc:docMk/>
-          <pc:sldMk cId="1719402288" sldId="263"/>
-        </pc:sldMkLst>
-      </pc:sldChg>
-      <pc:sldChg chg="del">
-        <pc:chgData name="Gibbons, Carl" userId="d2b037bc-8fb4-4222-845c-61440543a456" providerId="ADAL" clId="{8B117223-2596-4D61-9C62-CC9BD4B9A421}" dt="2024-01-16T00:11:26.015" v="227" actId="47"/>
-        <pc:sldMkLst>
-          <pc:docMk/>
-          <pc:sldMk cId="3989541258" sldId="278"/>
-        </pc:sldMkLst>
-      </pc:sldChg>
-      <pc:sldChg chg="del">
-        <pc:chgData name="Gibbons, Carl" userId="d2b037bc-8fb4-4222-845c-61440543a456" providerId="ADAL" clId="{8B117223-2596-4D61-9C62-CC9BD4B9A421}" dt="2024-01-16T00:11:26.575" v="228" actId="47"/>
-        <pc:sldMkLst>
-          <pc:docMk/>
-          <pc:sldMk cId="1861646120" sldId="293"/>
-        </pc:sldMkLst>
-      </pc:sldChg>
-      <pc:sldChg chg="del">
-        <pc:chgData name="Gibbons, Carl" userId="d2b037bc-8fb4-4222-845c-61440543a456" providerId="ADAL" clId="{8B117223-2596-4D61-9C62-CC9BD4B9A421}" dt="2024-01-16T00:11:27.206" v="229" actId="47"/>
-        <pc:sldMkLst>
-          <pc:docMk/>
-          <pc:sldMk cId="2232562783" sldId="294"/>
-        </pc:sldMkLst>
-      </pc:sldChg>
-      <pc:sldChg chg="del">
-        <pc:chgData name="Gibbons, Carl" userId="d2b037bc-8fb4-4222-845c-61440543a456" providerId="ADAL" clId="{8B117223-2596-4D61-9C62-CC9BD4B9A421}" dt="2024-01-16T00:11:27.766" v="230" actId="47"/>
-        <pc:sldMkLst>
-          <pc:docMk/>
-          <pc:sldMk cId="845747584" sldId="300"/>
-        </pc:sldMkLst>
-      </pc:sldChg>
-      <pc:sldChg chg="del">
-        <pc:chgData name="Gibbons, Carl" userId="d2b037bc-8fb4-4222-845c-61440543a456" providerId="ADAL" clId="{8B117223-2596-4D61-9C62-CC9BD4B9A421}" dt="2024-01-16T00:11:30.314" v="231" actId="47"/>
-        <pc:sldMkLst>
-          <pc:docMk/>
-          <pc:sldMk cId="3372579319" sldId="301"/>
-        </pc:sldMkLst>
-      </pc:sldChg>
-    </pc:docChg>
-  </pc:docChgLst>
-  <pc:docChgLst>
-    <pc:chgData name="Gibbons, Carl" userId="d2b037bc-8fb4-4222-845c-61440543a456" providerId="ADAL" clId="{5B3FBBC5-B788-4A9E-9FD4-842EBD374311}"/>
-    <pc:docChg chg="custSel addSld delSld modSld sldOrd">
-      <pc:chgData name="Gibbons, Carl" userId="d2b037bc-8fb4-4222-845c-61440543a456" providerId="ADAL" clId="{5B3FBBC5-B788-4A9E-9FD4-842EBD374311}" dt="2024-02-20T16:44:24.138" v="4925" actId="20577"/>
-      <pc:docMkLst>
-        <pc:docMk/>
-      </pc:docMkLst>
-      <pc:sldChg chg="modSp mod">
-        <pc:chgData name="Gibbons, Carl" userId="d2b037bc-8fb4-4222-845c-61440543a456" providerId="ADAL" clId="{5B3FBBC5-B788-4A9E-9FD4-842EBD374311}" dt="2024-02-20T15:42:03.020" v="12" actId="20577"/>
-        <pc:sldMkLst>
-          <pc:docMk/>
-          <pc:sldMk cId="3308175748" sldId="256"/>
-        </pc:sldMkLst>
-        <pc:spChg chg="mod">
-          <ac:chgData name="Gibbons, Carl" userId="d2b037bc-8fb4-4222-845c-61440543a456" providerId="ADAL" clId="{5B3FBBC5-B788-4A9E-9FD4-842EBD374311}" dt="2024-02-20T15:42:03.020" v="12" actId="20577"/>
-          <ac:spMkLst>
-            <pc:docMk/>
-            <pc:sldMk cId="3308175748" sldId="256"/>
-            <ac:spMk id="3" creationId="{EEC4D41B-E776-05F2-BE0B-89BB339485AB}"/>
-          </ac:spMkLst>
-        </pc:spChg>
-      </pc:sldChg>
-      <pc:sldChg chg="addSp delSp modSp mod">
-        <pc:chgData name="Gibbons, Carl" userId="d2b037bc-8fb4-4222-845c-61440543a456" providerId="ADAL" clId="{5B3FBBC5-B788-4A9E-9FD4-842EBD374311}" dt="2024-02-20T15:44:52.354" v="158" actId="20577"/>
-        <pc:sldMkLst>
-          <pc:docMk/>
-          <pc:sldMk cId="2312486803" sldId="261"/>
-        </pc:sldMkLst>
-        <pc:spChg chg="mod">
-          <ac:chgData name="Gibbons, Carl" userId="d2b037bc-8fb4-4222-845c-61440543a456" providerId="ADAL" clId="{5B3FBBC5-B788-4A9E-9FD4-842EBD374311}" dt="2024-02-20T15:44:52.354" v="158" actId="20577"/>
-          <ac:spMkLst>
-            <pc:docMk/>
-            <pc:sldMk cId="2312486803" sldId="261"/>
-            <ac:spMk id="2" creationId="{31B75992-5098-A283-4925-2CCEBB801DC5}"/>
-          </ac:spMkLst>
-        </pc:spChg>
-        <pc:spChg chg="del mod">
-          <ac:chgData name="Gibbons, Carl" userId="d2b037bc-8fb4-4222-845c-61440543a456" providerId="ADAL" clId="{5B3FBBC5-B788-4A9E-9FD4-842EBD374311}" dt="2024-02-20T15:44:35.866" v="139" actId="478"/>
-          <ac:spMkLst>
-            <pc:docMk/>
-            <pc:sldMk cId="2312486803" sldId="261"/>
-            <ac:spMk id="7" creationId="{F19E524F-C936-E6CE-A06A-9068EF0D1C67}"/>
-          </ac:spMkLst>
-        </pc:spChg>
-        <pc:picChg chg="add mod">
-          <ac:chgData name="Gibbons, Carl" userId="d2b037bc-8fb4-4222-845c-61440543a456" providerId="ADAL" clId="{5B3FBBC5-B788-4A9E-9FD4-842EBD374311}" dt="2024-02-20T15:44:30.929" v="138" actId="1076"/>
-          <ac:picMkLst>
-            <pc:docMk/>
-            <pc:sldMk cId="2312486803" sldId="261"/>
-            <ac:picMk id="3" creationId="{18F1AD7D-9AA4-CABA-2192-FD95BCEAD031}"/>
-          </ac:picMkLst>
-        </pc:picChg>
-        <pc:picChg chg="del">
-          <ac:chgData name="Gibbons, Carl" userId="d2b037bc-8fb4-4222-845c-61440543a456" providerId="ADAL" clId="{5B3FBBC5-B788-4A9E-9FD4-842EBD374311}" dt="2024-02-20T15:43:38.898" v="35" actId="478"/>
-          <ac:picMkLst>
-            <pc:docMk/>
-            <pc:sldMk cId="2312486803" sldId="261"/>
-            <ac:picMk id="6" creationId="{EC52FD38-E213-5177-DDDA-7287F93BD393}"/>
-          </ac:picMkLst>
-        </pc:picChg>
-      </pc:sldChg>
-      <pc:sldChg chg="modSp mod">
-        <pc:chgData name="Gibbons, Carl" userId="d2b037bc-8fb4-4222-845c-61440543a456" providerId="ADAL" clId="{5B3FBBC5-B788-4A9E-9FD4-842EBD374311}" dt="2024-02-20T16:44:24.138" v="4925" actId="20577"/>
-        <pc:sldMkLst>
-          <pc:docMk/>
-          <pc:sldMk cId="3885141102" sldId="262"/>
-        </pc:sldMkLst>
-        <pc:spChg chg="mod">
-          <ac:chgData name="Gibbons, Carl" userId="d2b037bc-8fb4-4222-845c-61440543a456" providerId="ADAL" clId="{5B3FBBC5-B788-4A9E-9FD4-842EBD374311}" dt="2024-02-20T16:44:24.138" v="4925" actId="20577"/>
-          <ac:spMkLst>
-            <pc:docMk/>
-            <pc:sldMk cId="3885141102" sldId="262"/>
-            <ac:spMk id="3" creationId="{B5924E0F-A977-1710-779D-EEB74261AF34}"/>
-          </ac:spMkLst>
-        </pc:spChg>
-      </pc:sldChg>
-      <pc:sldChg chg="modSp mod">
-        <pc:chgData name="Gibbons, Carl" userId="d2b037bc-8fb4-4222-845c-61440543a456" providerId="ADAL" clId="{5B3FBBC5-B788-4A9E-9FD4-842EBD374311}" dt="2024-02-20T16:02:51.350" v="1842" actId="20577"/>
-        <pc:sldMkLst>
-          <pc:docMk/>
-          <pc:sldMk cId="538849350" sldId="263"/>
-        </pc:sldMkLst>
-        <pc:spChg chg="mod">
-          <ac:chgData name="Gibbons, Carl" userId="d2b037bc-8fb4-4222-845c-61440543a456" providerId="ADAL" clId="{5B3FBBC5-B788-4A9E-9FD4-842EBD374311}" dt="2024-02-20T15:46:18.746" v="223" actId="113"/>
-          <ac:spMkLst>
-            <pc:docMk/>
-            <pc:sldMk cId="538849350" sldId="263"/>
-            <ac:spMk id="2" creationId="{3D63CD28-05F6-EAAC-4E88-DBFBCF6B207B}"/>
-          </ac:spMkLst>
-        </pc:spChg>
-        <pc:spChg chg="mod">
-          <ac:chgData name="Gibbons, Carl" userId="d2b037bc-8fb4-4222-845c-61440543a456" providerId="ADAL" clId="{5B3FBBC5-B788-4A9E-9FD4-842EBD374311}" dt="2024-02-20T16:02:51.350" v="1842" actId="20577"/>
-          <ac:spMkLst>
-            <pc:docMk/>
-            <pc:sldMk cId="538849350" sldId="263"/>
-            <ac:spMk id="7" creationId="{729440C3-A558-AF83-79BF-585206231CA4}"/>
-          </ac:spMkLst>
-        </pc:spChg>
-      </pc:sldChg>
-      <pc:sldChg chg="modSp mod ord">
-        <pc:chgData name="Gibbons, Carl" userId="d2b037bc-8fb4-4222-845c-61440543a456" providerId="ADAL" clId="{5B3FBBC5-B788-4A9E-9FD4-842EBD374311}" dt="2024-02-20T16:40:03.954" v="4664" actId="1076"/>
-        <pc:sldMkLst>
-          <pc:docMk/>
-          <pc:sldMk cId="1196559129" sldId="264"/>
-        </pc:sldMkLst>
-        <pc:spChg chg="mod">
-          <ac:chgData name="Gibbons, Carl" userId="d2b037bc-8fb4-4222-845c-61440543a456" providerId="ADAL" clId="{5B3FBBC5-B788-4A9E-9FD4-842EBD374311}" dt="2024-02-20T16:39:10.385" v="4639" actId="20577"/>
-          <ac:spMkLst>
-            <pc:docMk/>
-            <pc:sldMk cId="1196559129" sldId="264"/>
-            <ac:spMk id="2" creationId="{0E6A2DEF-4501-FAEA-A31C-4FDCBD076712}"/>
-          </ac:spMkLst>
-        </pc:spChg>
-        <pc:spChg chg="mod">
-          <ac:chgData name="Gibbons, Carl" userId="d2b037bc-8fb4-4222-845c-61440543a456" providerId="ADAL" clId="{5B3FBBC5-B788-4A9E-9FD4-842EBD374311}" dt="2024-02-20T16:40:03.954" v="4664" actId="1076"/>
-          <ac:spMkLst>
-            <pc:docMk/>
-            <pc:sldMk cId="1196559129" sldId="264"/>
-            <ac:spMk id="7" creationId="{4247D23F-F3F9-676F-BDEB-E69E1F0AB32C}"/>
-          </ac:spMkLst>
-        </pc:spChg>
-      </pc:sldChg>
-      <pc:sldChg chg="modSp add mod">
-        <pc:chgData name="Gibbons, Carl" userId="d2b037bc-8fb4-4222-845c-61440543a456" providerId="ADAL" clId="{5B3FBBC5-B788-4A9E-9FD4-842EBD374311}" dt="2024-02-20T16:40:54.353" v="4684" actId="1076"/>
-        <pc:sldMkLst>
-          <pc:docMk/>
-          <pc:sldMk cId="1400208519" sldId="265"/>
-        </pc:sldMkLst>
-        <pc:spChg chg="mod">
-          <ac:chgData name="Gibbons, Carl" userId="d2b037bc-8fb4-4222-845c-61440543a456" providerId="ADAL" clId="{5B3FBBC5-B788-4A9E-9FD4-842EBD374311}" dt="2024-02-20T16:40:15.735" v="4677" actId="20577"/>
-          <ac:spMkLst>
-            <pc:docMk/>
-            <pc:sldMk cId="1400208519" sldId="265"/>
-            <ac:spMk id="2" creationId="{832B45BA-6309-D8F6-D552-10D836B4EB21}"/>
-          </ac:spMkLst>
-        </pc:spChg>
-        <pc:spChg chg="mod">
-          <ac:chgData name="Gibbons, Carl" userId="d2b037bc-8fb4-4222-845c-61440543a456" providerId="ADAL" clId="{5B3FBBC5-B788-4A9E-9FD4-842EBD374311}" dt="2024-02-20T16:40:54.353" v="4684" actId="1076"/>
-          <ac:spMkLst>
-            <pc:docMk/>
-            <pc:sldMk cId="1400208519" sldId="265"/>
-            <ac:spMk id="7" creationId="{3CE889EF-4605-DB73-C7B2-D7E3C4957F48}"/>
-          </ac:spMkLst>
-        </pc:spChg>
-      </pc:sldChg>
-      <pc:sldChg chg="add del">
-        <pc:chgData name="Gibbons, Carl" userId="d2b037bc-8fb4-4222-845c-61440543a456" providerId="ADAL" clId="{5B3FBBC5-B788-4A9E-9FD4-842EBD374311}" dt="2024-02-20T16:38:39.593" v="4610" actId="47"/>
-        <pc:sldMkLst>
-          <pc:docMk/>
-          <pc:sldMk cId="312768879" sldId="266"/>
-        </pc:sldMkLst>
-      </pc:sldChg>
-      <pc:sldChg chg="modSp add mod">
-        <pc:chgData name="Gibbons, Carl" userId="d2b037bc-8fb4-4222-845c-61440543a456" providerId="ADAL" clId="{5B3FBBC5-B788-4A9E-9FD4-842EBD374311}" dt="2024-02-20T16:42:04.124" v="4740" actId="20577"/>
-        <pc:sldMkLst>
-          <pc:docMk/>
-          <pc:sldMk cId="1959728496" sldId="266"/>
-        </pc:sldMkLst>
-        <pc:spChg chg="mod">
-          <ac:chgData name="Gibbons, Carl" userId="d2b037bc-8fb4-4222-845c-61440543a456" providerId="ADAL" clId="{5B3FBBC5-B788-4A9E-9FD4-842EBD374311}" dt="2024-02-20T16:41:09.733" v="4697" actId="20577"/>
-          <ac:spMkLst>
-            <pc:docMk/>
-            <pc:sldMk cId="1959728496" sldId="266"/>
-            <ac:spMk id="2" creationId="{CE563C74-E990-3B77-1F46-668B8C1F1663}"/>
-          </ac:spMkLst>
-        </pc:spChg>
-        <pc:spChg chg="mod">
-          <ac:chgData name="Gibbons, Carl" userId="d2b037bc-8fb4-4222-845c-61440543a456" providerId="ADAL" clId="{5B3FBBC5-B788-4A9E-9FD4-842EBD374311}" dt="2024-02-20T16:42:04.124" v="4740" actId="20577"/>
-          <ac:spMkLst>
-            <pc:docMk/>
-            <pc:sldMk cId="1959728496" sldId="266"/>
-            <ac:spMk id="7" creationId="{90027281-906B-E8EC-9F0D-DB9DF0665C9C}"/>
-          </ac:spMkLst>
-        </pc:spChg>
-      </pc:sldChg>
-      <pc:sldChg chg="add del">
-        <pc:chgData name="Gibbons, Carl" userId="d2b037bc-8fb4-4222-845c-61440543a456" providerId="ADAL" clId="{5B3FBBC5-B788-4A9E-9FD4-842EBD374311}" dt="2024-02-20T16:43:04.289" v="4742" actId="2696"/>
-        <pc:sldMkLst>
-          <pc:docMk/>
-          <pc:sldMk cId="2838032763" sldId="267"/>
-        </pc:sldMkLst>
-      </pc:sldChg>
-    </pc:docChg>
-  </pc:docChgLst>
-  <pc:docChgLst>
     <pc:chgData name="Gibbons, Carl" userId="d2b037bc-8fb4-4222-845c-61440543a456" providerId="ADAL" clId="{3D73FC3D-A932-426E-A7E0-475220CAB957}"/>
     <pc:docChg chg="undo redo custSel addSld delSld modSld">
       <pc:chgData name="Gibbons, Carl" userId="d2b037bc-8fb4-4222-845c-61440543a456" providerId="ADAL" clId="{3D73FC3D-A932-426E-A7E0-475220CAB957}" dt="2023-12-24T03:24:28.415" v="11663" actId="20577"/>
@@ -2051,2129 +4174,6 @@
             <ac:spMk id="3" creationId="{17D02A72-79B4-B4A1-5F2B-4922B2F25909}"/>
           </ac:spMkLst>
         </pc:spChg>
-      </pc:sldChg>
-    </pc:docChg>
-  </pc:docChgLst>
-  <pc:docChgLst>
-    <pc:chgData name="Gibbons, Carl" userId="d2b037bc-8fb4-4222-845c-61440543a456" providerId="ADAL" clId="{6BB3E98D-F381-4EFF-81EB-11D831A89BCC}"/>
-    <pc:docChg chg="undo redo custSel addSld modSld">
-      <pc:chgData name="Gibbons, Carl" userId="d2b037bc-8fb4-4222-845c-61440543a456" providerId="ADAL" clId="{6BB3E98D-F381-4EFF-81EB-11D831A89BCC}" dt="2024-02-20T18:56:54.558" v="3667" actId="20577"/>
-      <pc:docMkLst>
-        <pc:docMk/>
-      </pc:docMkLst>
-      <pc:sldChg chg="modSp mod">
-        <pc:chgData name="Gibbons, Carl" userId="d2b037bc-8fb4-4222-845c-61440543a456" providerId="ADAL" clId="{6BB3E98D-F381-4EFF-81EB-11D831A89BCC}" dt="2024-02-20T18:19:38.071" v="41" actId="20577"/>
-        <pc:sldMkLst>
-          <pc:docMk/>
-          <pc:sldMk cId="3308175748" sldId="256"/>
-        </pc:sldMkLst>
-        <pc:spChg chg="mod">
-          <ac:chgData name="Gibbons, Carl" userId="d2b037bc-8fb4-4222-845c-61440543a456" providerId="ADAL" clId="{6BB3E98D-F381-4EFF-81EB-11D831A89BCC}" dt="2024-02-20T18:19:38.071" v="41" actId="20577"/>
-          <ac:spMkLst>
-            <pc:docMk/>
-            <pc:sldMk cId="3308175748" sldId="256"/>
-            <ac:spMk id="3" creationId="{EEC4D41B-E776-05F2-BE0B-89BB339485AB}"/>
-          </ac:spMkLst>
-        </pc:spChg>
-      </pc:sldChg>
-      <pc:sldChg chg="modSp mod">
-        <pc:chgData name="Gibbons, Carl" userId="d2b037bc-8fb4-4222-845c-61440543a456" providerId="ADAL" clId="{6BB3E98D-F381-4EFF-81EB-11D831A89BCC}" dt="2024-02-20T18:56:54.558" v="3667" actId="20577"/>
-        <pc:sldMkLst>
-          <pc:docMk/>
-          <pc:sldMk cId="3885141102" sldId="262"/>
-        </pc:sldMkLst>
-        <pc:spChg chg="mod">
-          <ac:chgData name="Gibbons, Carl" userId="d2b037bc-8fb4-4222-845c-61440543a456" providerId="ADAL" clId="{6BB3E98D-F381-4EFF-81EB-11D831A89BCC}" dt="2024-02-20T18:56:54.558" v="3667" actId="20577"/>
-          <ac:spMkLst>
-            <pc:docMk/>
-            <pc:sldMk cId="3885141102" sldId="262"/>
-            <ac:spMk id="3" creationId="{B5924E0F-A977-1710-779D-EEB74261AF34}"/>
-          </ac:spMkLst>
-        </pc:spChg>
-      </pc:sldChg>
-      <pc:sldChg chg="modSp mod">
-        <pc:chgData name="Gibbons, Carl" userId="d2b037bc-8fb4-4222-845c-61440543a456" providerId="ADAL" clId="{6BB3E98D-F381-4EFF-81EB-11D831A89BCC}" dt="2024-02-20T18:31:47.994" v="1288" actId="20577"/>
-        <pc:sldMkLst>
-          <pc:docMk/>
-          <pc:sldMk cId="1196559129" sldId="264"/>
-        </pc:sldMkLst>
-        <pc:spChg chg="mod">
-          <ac:chgData name="Gibbons, Carl" userId="d2b037bc-8fb4-4222-845c-61440543a456" providerId="ADAL" clId="{6BB3E98D-F381-4EFF-81EB-11D831A89BCC}" dt="2024-02-20T18:24:05.868" v="485" actId="20577"/>
-          <ac:spMkLst>
-            <pc:docMk/>
-            <pc:sldMk cId="1196559129" sldId="264"/>
-            <ac:spMk id="2" creationId="{0E6A2DEF-4501-FAEA-A31C-4FDCBD076712}"/>
-          </ac:spMkLst>
-        </pc:spChg>
-        <pc:spChg chg="mod">
-          <ac:chgData name="Gibbons, Carl" userId="d2b037bc-8fb4-4222-845c-61440543a456" providerId="ADAL" clId="{6BB3E98D-F381-4EFF-81EB-11D831A89BCC}" dt="2024-02-20T18:31:47.994" v="1288" actId="20577"/>
-          <ac:spMkLst>
-            <pc:docMk/>
-            <pc:sldMk cId="1196559129" sldId="264"/>
-            <ac:spMk id="7" creationId="{4247D23F-F3F9-676F-BDEB-E69E1F0AB32C}"/>
-          </ac:spMkLst>
-        </pc:spChg>
-      </pc:sldChg>
-      <pc:sldChg chg="modSp mod">
-        <pc:chgData name="Gibbons, Carl" userId="d2b037bc-8fb4-4222-845c-61440543a456" providerId="ADAL" clId="{6BB3E98D-F381-4EFF-81EB-11D831A89BCC}" dt="2024-02-20T18:43:59.847" v="2393" actId="1076"/>
-        <pc:sldMkLst>
-          <pc:docMk/>
-          <pc:sldMk cId="1400208519" sldId="265"/>
-        </pc:sldMkLst>
-        <pc:spChg chg="mod">
-          <ac:chgData name="Gibbons, Carl" userId="d2b037bc-8fb4-4222-845c-61440543a456" providerId="ADAL" clId="{6BB3E98D-F381-4EFF-81EB-11D831A89BCC}" dt="2024-02-20T18:43:25.492" v="2389" actId="20577"/>
-          <ac:spMkLst>
-            <pc:docMk/>
-            <pc:sldMk cId="1400208519" sldId="265"/>
-            <ac:spMk id="2" creationId="{832B45BA-6309-D8F6-D552-10D836B4EB21}"/>
-          </ac:spMkLst>
-        </pc:spChg>
-        <pc:spChg chg="mod">
-          <ac:chgData name="Gibbons, Carl" userId="d2b037bc-8fb4-4222-845c-61440543a456" providerId="ADAL" clId="{6BB3E98D-F381-4EFF-81EB-11D831A89BCC}" dt="2024-02-20T18:43:59.847" v="2393" actId="1076"/>
-          <ac:spMkLst>
-            <pc:docMk/>
-            <pc:sldMk cId="1400208519" sldId="265"/>
-            <ac:spMk id="7" creationId="{3CE889EF-4605-DB73-C7B2-D7E3C4957F48}"/>
-          </ac:spMkLst>
-        </pc:spChg>
-      </pc:sldChg>
-      <pc:sldChg chg="modSp add mod">
-        <pc:chgData name="Gibbons, Carl" userId="d2b037bc-8fb4-4222-845c-61440543a456" providerId="ADAL" clId="{6BB3E98D-F381-4EFF-81EB-11D831A89BCC}" dt="2024-02-20T18:54:58.017" v="3521" actId="20577"/>
-        <pc:sldMkLst>
-          <pc:docMk/>
-          <pc:sldMk cId="1467586035" sldId="266"/>
-        </pc:sldMkLst>
-        <pc:spChg chg="mod">
-          <ac:chgData name="Gibbons, Carl" userId="d2b037bc-8fb4-4222-845c-61440543a456" providerId="ADAL" clId="{6BB3E98D-F381-4EFF-81EB-11D831A89BCC}" dt="2024-02-20T18:49:47.829" v="3239" actId="20577"/>
-          <ac:spMkLst>
-            <pc:docMk/>
-            <pc:sldMk cId="1467586035" sldId="266"/>
-            <ac:spMk id="2" creationId="{F5533765-AE4D-3586-BFF0-C73FF51C6B9B}"/>
-          </ac:spMkLst>
-        </pc:spChg>
-        <pc:spChg chg="mod">
-          <ac:chgData name="Gibbons, Carl" userId="d2b037bc-8fb4-4222-845c-61440543a456" providerId="ADAL" clId="{6BB3E98D-F381-4EFF-81EB-11D831A89BCC}" dt="2024-02-20T18:54:58.017" v="3521" actId="20577"/>
-          <ac:spMkLst>
-            <pc:docMk/>
-            <pc:sldMk cId="1467586035" sldId="266"/>
-            <ac:spMk id="7" creationId="{56F98B9D-53CB-0D01-51DD-F6B452AAB6C5}"/>
-          </ac:spMkLst>
-        </pc:spChg>
-      </pc:sldChg>
-    </pc:docChg>
-  </pc:docChgLst>
-  <pc:docChgLst>
-    <pc:chgData name="Gibbons, Carl" userId="d2b037bc-8fb4-4222-845c-61440543a456" providerId="ADAL" clId="{6DFE05B7-7BB4-417C-8826-34A6C37E3109}"/>
-    <pc:docChg chg="custSel modSld">
-      <pc:chgData name="Gibbons, Carl" userId="d2b037bc-8fb4-4222-845c-61440543a456" providerId="ADAL" clId="{6DFE05B7-7BB4-417C-8826-34A6C37E3109}" dt="2024-02-20T15:40:11.315" v="2156" actId="1076"/>
-      <pc:docMkLst>
-        <pc:docMk/>
-      </pc:docMkLst>
-      <pc:sldChg chg="modSp mod">
-        <pc:chgData name="Gibbons, Carl" userId="d2b037bc-8fb4-4222-845c-61440543a456" providerId="ADAL" clId="{6DFE05B7-7BB4-417C-8826-34A6C37E3109}" dt="2024-02-10T23:25:06.485" v="25" actId="20577"/>
-        <pc:sldMkLst>
-          <pc:docMk/>
-          <pc:sldMk cId="3308175748" sldId="256"/>
-        </pc:sldMkLst>
-        <pc:spChg chg="mod">
-          <ac:chgData name="Gibbons, Carl" userId="d2b037bc-8fb4-4222-845c-61440543a456" providerId="ADAL" clId="{6DFE05B7-7BB4-417C-8826-34A6C37E3109}" dt="2024-02-10T23:25:06.485" v="25" actId="20577"/>
-          <ac:spMkLst>
-            <pc:docMk/>
-            <pc:sldMk cId="3308175748" sldId="256"/>
-            <ac:spMk id="3" creationId="{EEC4D41B-E776-05F2-BE0B-89BB339485AB}"/>
-          </ac:spMkLst>
-        </pc:spChg>
-      </pc:sldChg>
-      <pc:sldChg chg="addSp delSp modSp mod">
-        <pc:chgData name="Gibbons, Carl" userId="d2b037bc-8fb4-4222-845c-61440543a456" providerId="ADAL" clId="{6DFE05B7-7BB4-417C-8826-34A6C37E3109}" dt="2024-02-10T23:47:50.077" v="678" actId="1076"/>
-        <pc:sldMkLst>
-          <pc:docMk/>
-          <pc:sldMk cId="2312486803" sldId="261"/>
-        </pc:sldMkLst>
-        <pc:spChg chg="mod">
-          <ac:chgData name="Gibbons, Carl" userId="d2b037bc-8fb4-4222-845c-61440543a456" providerId="ADAL" clId="{6DFE05B7-7BB4-417C-8826-34A6C37E3109}" dt="2024-02-10T23:25:43.747" v="72" actId="20577"/>
-          <ac:spMkLst>
-            <pc:docMk/>
-            <pc:sldMk cId="2312486803" sldId="261"/>
-            <ac:spMk id="2" creationId="{31B75992-5098-A283-4925-2CCEBB801DC5}"/>
-          </ac:spMkLst>
-        </pc:spChg>
-        <pc:spChg chg="del mod">
-          <ac:chgData name="Gibbons, Carl" userId="d2b037bc-8fb4-4222-845c-61440543a456" providerId="ADAL" clId="{6DFE05B7-7BB4-417C-8826-34A6C37E3109}" dt="2024-02-10T23:35:03.418" v="416"/>
-          <ac:spMkLst>
-            <pc:docMk/>
-            <pc:sldMk cId="2312486803" sldId="261"/>
-            <ac:spMk id="3" creationId="{B5924E0F-A977-1710-779D-EEB74261AF34}"/>
-          </ac:spMkLst>
-        </pc:spChg>
-        <pc:spChg chg="add del mod">
-          <ac:chgData name="Gibbons, Carl" userId="d2b037bc-8fb4-4222-845c-61440543a456" providerId="ADAL" clId="{6DFE05B7-7BB4-417C-8826-34A6C37E3109}" dt="2024-02-10T23:35:18.368" v="421"/>
-          <ac:spMkLst>
-            <pc:docMk/>
-            <pc:sldMk cId="2312486803" sldId="261"/>
-            <ac:spMk id="5" creationId="{5E1F0042-F2D7-082C-DE33-6A607ADAA329}"/>
-          </ac:spMkLst>
-        </pc:spChg>
-        <pc:spChg chg="add mod">
-          <ac:chgData name="Gibbons, Carl" userId="d2b037bc-8fb4-4222-845c-61440543a456" providerId="ADAL" clId="{6DFE05B7-7BB4-417C-8826-34A6C37E3109}" dt="2024-02-10T23:47:50.077" v="678" actId="1076"/>
-          <ac:spMkLst>
-            <pc:docMk/>
-            <pc:sldMk cId="2312486803" sldId="261"/>
-            <ac:spMk id="7" creationId="{F19E524F-C936-E6CE-A06A-9068EF0D1C67}"/>
-          </ac:spMkLst>
-        </pc:spChg>
-        <pc:picChg chg="add mod">
-          <ac:chgData name="Gibbons, Carl" userId="d2b037bc-8fb4-4222-845c-61440543a456" providerId="ADAL" clId="{6DFE05B7-7BB4-417C-8826-34A6C37E3109}" dt="2024-02-10T23:35:03.411" v="414"/>
-          <ac:picMkLst>
-            <pc:docMk/>
-            <pc:sldMk cId="2312486803" sldId="261"/>
-            <ac:picMk id="4" creationId="{96BD58E6-1F26-880B-6B7D-26B06301A218}"/>
-          </ac:picMkLst>
-        </pc:picChg>
-        <pc:picChg chg="add mod">
-          <ac:chgData name="Gibbons, Carl" userId="d2b037bc-8fb4-4222-845c-61440543a456" providerId="ADAL" clId="{6DFE05B7-7BB4-417C-8826-34A6C37E3109}" dt="2024-02-10T23:35:42.045" v="423" actId="1076"/>
-          <ac:picMkLst>
-            <pc:docMk/>
-            <pc:sldMk cId="2312486803" sldId="261"/>
-            <ac:picMk id="6" creationId="{EC52FD38-E213-5177-DDDA-7287F93BD393}"/>
-          </ac:picMkLst>
-        </pc:picChg>
-      </pc:sldChg>
-      <pc:sldChg chg="modSp mod">
-        <pc:chgData name="Gibbons, Carl" userId="d2b037bc-8fb4-4222-845c-61440543a456" providerId="ADAL" clId="{6DFE05B7-7BB4-417C-8826-34A6C37E3109}" dt="2024-02-11T00:43:14.770" v="2154" actId="20577"/>
-        <pc:sldMkLst>
-          <pc:docMk/>
-          <pc:sldMk cId="3885141102" sldId="262"/>
-        </pc:sldMkLst>
-        <pc:spChg chg="mod">
-          <ac:chgData name="Gibbons, Carl" userId="d2b037bc-8fb4-4222-845c-61440543a456" providerId="ADAL" clId="{6DFE05B7-7BB4-417C-8826-34A6C37E3109}" dt="2024-02-11T00:43:14.770" v="2154" actId="20577"/>
-          <ac:spMkLst>
-            <pc:docMk/>
-            <pc:sldMk cId="3885141102" sldId="262"/>
-            <ac:spMk id="3" creationId="{B5924E0F-A977-1710-779D-EEB74261AF34}"/>
-          </ac:spMkLst>
-        </pc:spChg>
-      </pc:sldChg>
-      <pc:sldChg chg="delSp modSp mod">
-        <pc:chgData name="Gibbons, Carl" userId="d2b037bc-8fb4-4222-845c-61440543a456" providerId="ADAL" clId="{6DFE05B7-7BB4-417C-8826-34A6C37E3109}" dt="2024-02-20T15:40:11.315" v="2156" actId="1076"/>
-        <pc:sldMkLst>
-          <pc:docMk/>
-          <pc:sldMk cId="538849350" sldId="263"/>
-        </pc:sldMkLst>
-        <pc:spChg chg="mod">
-          <ac:chgData name="Gibbons, Carl" userId="d2b037bc-8fb4-4222-845c-61440543a456" providerId="ADAL" clId="{6DFE05B7-7BB4-417C-8826-34A6C37E3109}" dt="2024-02-10T23:49:58.261" v="728" actId="20577"/>
-          <ac:spMkLst>
-            <pc:docMk/>
-            <pc:sldMk cId="538849350" sldId="263"/>
-            <ac:spMk id="2" creationId="{3D63CD28-05F6-EAAC-4E88-DBFBCF6B207B}"/>
-          </ac:spMkLst>
-        </pc:spChg>
-        <pc:spChg chg="mod">
-          <ac:chgData name="Gibbons, Carl" userId="d2b037bc-8fb4-4222-845c-61440543a456" providerId="ADAL" clId="{6DFE05B7-7BB4-417C-8826-34A6C37E3109}" dt="2024-02-20T15:40:11.315" v="2156" actId="1076"/>
-          <ac:spMkLst>
-            <pc:docMk/>
-            <pc:sldMk cId="538849350" sldId="263"/>
-            <ac:spMk id="7" creationId="{729440C3-A558-AF83-79BF-585206231CA4}"/>
-          </ac:spMkLst>
-        </pc:spChg>
-        <pc:picChg chg="del">
-          <ac:chgData name="Gibbons, Carl" userId="d2b037bc-8fb4-4222-845c-61440543a456" providerId="ADAL" clId="{6DFE05B7-7BB4-417C-8826-34A6C37E3109}" dt="2024-02-10T23:49:25.054" v="679" actId="478"/>
-          <ac:picMkLst>
-            <pc:docMk/>
-            <pc:sldMk cId="538849350" sldId="263"/>
-            <ac:picMk id="6" creationId="{D4950415-3AFA-6AEB-D962-FC2F30B31239}"/>
-          </ac:picMkLst>
-        </pc:picChg>
-      </pc:sldChg>
-      <pc:sldChg chg="modSp mod">
-        <pc:chgData name="Gibbons, Carl" userId="d2b037bc-8fb4-4222-845c-61440543a456" providerId="ADAL" clId="{6DFE05B7-7BB4-417C-8826-34A6C37E3109}" dt="2024-02-11T00:42:04.856" v="2084" actId="20577"/>
-        <pc:sldMkLst>
-          <pc:docMk/>
-          <pc:sldMk cId="1196559129" sldId="264"/>
-        </pc:sldMkLst>
-        <pc:spChg chg="mod">
-          <ac:chgData name="Gibbons, Carl" userId="d2b037bc-8fb4-4222-845c-61440543a456" providerId="ADAL" clId="{6DFE05B7-7BB4-417C-8826-34A6C37E3109}" dt="2024-02-11T00:28:46.758" v="1489" actId="20577"/>
-          <ac:spMkLst>
-            <pc:docMk/>
-            <pc:sldMk cId="1196559129" sldId="264"/>
-            <ac:spMk id="2" creationId="{0E6A2DEF-4501-FAEA-A31C-4FDCBD076712}"/>
-          </ac:spMkLst>
-        </pc:spChg>
-        <pc:spChg chg="mod">
-          <ac:chgData name="Gibbons, Carl" userId="d2b037bc-8fb4-4222-845c-61440543a456" providerId="ADAL" clId="{6DFE05B7-7BB4-417C-8826-34A6C37E3109}" dt="2024-02-11T00:42:04.856" v="2084" actId="20577"/>
-          <ac:spMkLst>
-            <pc:docMk/>
-            <pc:sldMk cId="1196559129" sldId="264"/>
-            <ac:spMk id="7" creationId="{4247D23F-F3F9-676F-BDEB-E69E1F0AB32C}"/>
-          </ac:spMkLst>
-        </pc:spChg>
-      </pc:sldChg>
-    </pc:docChg>
-  </pc:docChgLst>
-  <pc:docChgLst>
-    <pc:chgData name="Gibbons, Carl" userId="d2b037bc-8fb4-4222-845c-61440543a456" providerId="ADAL" clId="{930742B8-5264-4285-844A-779DDFAABB41}"/>
-    <pc:docChg chg="custSel delSld modSld">
-      <pc:chgData name="Gibbons, Carl" userId="d2b037bc-8fb4-4222-845c-61440543a456" providerId="ADAL" clId="{930742B8-5264-4285-844A-779DDFAABB41}" dt="2024-02-04T07:28:09.926" v="804" actId="2711"/>
-      <pc:docMkLst>
-        <pc:docMk/>
-      </pc:docMkLst>
-      <pc:sldChg chg="modSp mod">
-        <pc:chgData name="Gibbons, Carl" userId="d2b037bc-8fb4-4222-845c-61440543a456" providerId="ADAL" clId="{930742B8-5264-4285-844A-779DDFAABB41}" dt="2024-02-04T07:19:09.277" v="12" actId="20577"/>
-        <pc:sldMkLst>
-          <pc:docMk/>
-          <pc:sldMk cId="3308175748" sldId="256"/>
-        </pc:sldMkLst>
-        <pc:spChg chg="mod">
-          <ac:chgData name="Gibbons, Carl" userId="d2b037bc-8fb4-4222-845c-61440543a456" providerId="ADAL" clId="{930742B8-5264-4285-844A-779DDFAABB41}" dt="2024-02-04T07:19:09.277" v="12" actId="20577"/>
-          <ac:spMkLst>
-            <pc:docMk/>
-            <pc:sldMk cId="3308175748" sldId="256"/>
-            <ac:spMk id="3" creationId="{EEC4D41B-E776-05F2-BE0B-89BB339485AB}"/>
-          </ac:spMkLst>
-        </pc:spChg>
-      </pc:sldChg>
-      <pc:sldChg chg="modSp mod">
-        <pc:chgData name="Gibbons, Carl" userId="d2b037bc-8fb4-4222-845c-61440543a456" providerId="ADAL" clId="{930742B8-5264-4285-844A-779DDFAABB41}" dt="2024-02-04T07:28:09.926" v="804" actId="2711"/>
-        <pc:sldMkLst>
-          <pc:docMk/>
-          <pc:sldMk cId="2312486803" sldId="261"/>
-        </pc:sldMkLst>
-        <pc:spChg chg="mod">
-          <ac:chgData name="Gibbons, Carl" userId="d2b037bc-8fb4-4222-845c-61440543a456" providerId="ADAL" clId="{930742B8-5264-4285-844A-779DDFAABB41}" dt="2024-02-04T07:19:25.889" v="43" actId="20577"/>
-          <ac:spMkLst>
-            <pc:docMk/>
-            <pc:sldMk cId="2312486803" sldId="261"/>
-            <ac:spMk id="2" creationId="{31B75992-5098-A283-4925-2CCEBB801DC5}"/>
-          </ac:spMkLst>
-        </pc:spChg>
-        <pc:spChg chg="mod">
-          <ac:chgData name="Gibbons, Carl" userId="d2b037bc-8fb4-4222-845c-61440543a456" providerId="ADAL" clId="{930742B8-5264-4285-844A-779DDFAABB41}" dt="2024-02-04T07:28:09.926" v="804" actId="2711"/>
-          <ac:spMkLst>
-            <pc:docMk/>
-            <pc:sldMk cId="2312486803" sldId="261"/>
-            <ac:spMk id="3" creationId="{B5924E0F-A977-1710-779D-EEB74261AF34}"/>
-          </ac:spMkLst>
-        </pc:spChg>
-      </pc:sldChg>
-      <pc:sldChg chg="modSp mod">
-        <pc:chgData name="Gibbons, Carl" userId="d2b037bc-8fb4-4222-845c-61440543a456" providerId="ADAL" clId="{930742B8-5264-4285-844A-779DDFAABB41}" dt="2024-02-04T07:21:38.166" v="247" actId="20577"/>
-        <pc:sldMkLst>
-          <pc:docMk/>
-          <pc:sldMk cId="3885141102" sldId="262"/>
-        </pc:sldMkLst>
-        <pc:spChg chg="mod">
-          <ac:chgData name="Gibbons, Carl" userId="d2b037bc-8fb4-4222-845c-61440543a456" providerId="ADAL" clId="{930742B8-5264-4285-844A-779DDFAABB41}" dt="2024-02-04T07:21:38.166" v="247" actId="20577"/>
-          <ac:spMkLst>
-            <pc:docMk/>
-            <pc:sldMk cId="3885141102" sldId="262"/>
-            <ac:spMk id="3" creationId="{B5924E0F-A977-1710-779D-EEB74261AF34}"/>
-          </ac:spMkLst>
-        </pc:spChg>
-      </pc:sldChg>
-      <pc:sldChg chg="del">
-        <pc:chgData name="Gibbons, Carl" userId="d2b037bc-8fb4-4222-845c-61440543a456" providerId="ADAL" clId="{930742B8-5264-4285-844A-779DDFAABB41}" dt="2024-02-04T07:21:17.454" v="192" actId="2696"/>
-        <pc:sldMkLst>
-          <pc:docMk/>
-          <pc:sldMk cId="2993794741" sldId="265"/>
-        </pc:sldMkLst>
-      </pc:sldChg>
-      <pc:sldChg chg="del">
-        <pc:chgData name="Gibbons, Carl" userId="d2b037bc-8fb4-4222-845c-61440543a456" providerId="ADAL" clId="{930742B8-5264-4285-844A-779DDFAABB41}" dt="2024-02-04T07:21:17.454" v="192" actId="2696"/>
-        <pc:sldMkLst>
-          <pc:docMk/>
-          <pc:sldMk cId="1337022352" sldId="266"/>
-        </pc:sldMkLst>
-      </pc:sldChg>
-      <pc:sldChg chg="del">
-        <pc:chgData name="Gibbons, Carl" userId="d2b037bc-8fb4-4222-845c-61440543a456" providerId="ADAL" clId="{930742B8-5264-4285-844A-779DDFAABB41}" dt="2024-02-04T07:21:17.454" v="192" actId="2696"/>
-        <pc:sldMkLst>
-          <pc:docMk/>
-          <pc:sldMk cId="3576168196" sldId="267"/>
-        </pc:sldMkLst>
-      </pc:sldChg>
-      <pc:sldChg chg="del">
-        <pc:chgData name="Gibbons, Carl" userId="d2b037bc-8fb4-4222-845c-61440543a456" providerId="ADAL" clId="{930742B8-5264-4285-844A-779DDFAABB41}" dt="2024-02-04T07:21:17.454" v="192" actId="2696"/>
-        <pc:sldMkLst>
-          <pc:docMk/>
-          <pc:sldMk cId="1066671753" sldId="268"/>
-        </pc:sldMkLst>
-      </pc:sldChg>
-      <pc:sldChg chg="del">
-        <pc:chgData name="Gibbons, Carl" userId="d2b037bc-8fb4-4222-845c-61440543a456" providerId="ADAL" clId="{930742B8-5264-4285-844A-779DDFAABB41}" dt="2024-02-04T07:21:17.454" v="192" actId="2696"/>
-        <pc:sldMkLst>
-          <pc:docMk/>
-          <pc:sldMk cId="465083765" sldId="269"/>
-        </pc:sldMkLst>
-      </pc:sldChg>
-    </pc:docChg>
-  </pc:docChgLst>
-  <pc:docChgLst>
-    <pc:chgData name="Gibbons, Carl" userId="d2b037bc-8fb4-4222-845c-61440543a456" providerId="ADAL" clId="{CE68D2EA-6C33-4320-B171-B4C637EE57D5}"/>
-    <pc:docChg chg="undo custSel delSld modSld">
-      <pc:chgData name="Gibbons, Carl" userId="d2b037bc-8fb4-4222-845c-61440543a456" providerId="ADAL" clId="{CE68D2EA-6C33-4320-B171-B4C637EE57D5}" dt="2024-02-04T05:12:30.446" v="2225" actId="5793"/>
-      <pc:docMkLst>
-        <pc:docMk/>
-      </pc:docMkLst>
-      <pc:sldChg chg="modSp mod">
-        <pc:chgData name="Gibbons, Carl" userId="d2b037bc-8fb4-4222-845c-61440543a456" providerId="ADAL" clId="{CE68D2EA-6C33-4320-B171-B4C637EE57D5}" dt="2024-02-04T04:34:37.470" v="1" actId="20577"/>
-        <pc:sldMkLst>
-          <pc:docMk/>
-          <pc:sldMk cId="3308175748" sldId="256"/>
-        </pc:sldMkLst>
-        <pc:spChg chg="mod">
-          <ac:chgData name="Gibbons, Carl" userId="d2b037bc-8fb4-4222-845c-61440543a456" providerId="ADAL" clId="{CE68D2EA-6C33-4320-B171-B4C637EE57D5}" dt="2024-02-04T04:34:37.470" v="1" actId="20577"/>
-          <ac:spMkLst>
-            <pc:docMk/>
-            <pc:sldMk cId="3308175748" sldId="256"/>
-            <ac:spMk id="3" creationId="{EEC4D41B-E776-05F2-BE0B-89BB339485AB}"/>
-          </ac:spMkLst>
-        </pc:spChg>
-      </pc:sldChg>
-      <pc:sldChg chg="modSp mod">
-        <pc:chgData name="Gibbons, Carl" userId="d2b037bc-8fb4-4222-845c-61440543a456" providerId="ADAL" clId="{CE68D2EA-6C33-4320-B171-B4C637EE57D5}" dt="2024-02-04T04:45:39.551" v="829" actId="20577"/>
-        <pc:sldMkLst>
-          <pc:docMk/>
-          <pc:sldMk cId="2312486803" sldId="261"/>
-        </pc:sldMkLst>
-        <pc:spChg chg="mod">
-          <ac:chgData name="Gibbons, Carl" userId="d2b037bc-8fb4-4222-845c-61440543a456" providerId="ADAL" clId="{CE68D2EA-6C33-4320-B171-B4C637EE57D5}" dt="2024-02-04T04:35:06.801" v="27" actId="20577"/>
-          <ac:spMkLst>
-            <pc:docMk/>
-            <pc:sldMk cId="2312486803" sldId="261"/>
-            <ac:spMk id="2" creationId="{31B75992-5098-A283-4925-2CCEBB801DC5}"/>
-          </ac:spMkLst>
-        </pc:spChg>
-        <pc:spChg chg="mod">
-          <ac:chgData name="Gibbons, Carl" userId="d2b037bc-8fb4-4222-845c-61440543a456" providerId="ADAL" clId="{CE68D2EA-6C33-4320-B171-B4C637EE57D5}" dt="2024-02-04T04:45:39.551" v="829" actId="20577"/>
-          <ac:spMkLst>
-            <pc:docMk/>
-            <pc:sldMk cId="2312486803" sldId="261"/>
-            <ac:spMk id="3" creationId="{B5924E0F-A977-1710-779D-EEB74261AF34}"/>
-          </ac:spMkLst>
-        </pc:spChg>
-      </pc:sldChg>
-      <pc:sldChg chg="modSp mod">
-        <pc:chgData name="Gibbons, Carl" userId="d2b037bc-8fb4-4222-845c-61440543a456" providerId="ADAL" clId="{CE68D2EA-6C33-4320-B171-B4C637EE57D5}" dt="2024-02-04T05:12:30.446" v="2225" actId="5793"/>
-        <pc:sldMkLst>
-          <pc:docMk/>
-          <pc:sldMk cId="3885141102" sldId="262"/>
-        </pc:sldMkLst>
-        <pc:spChg chg="mod">
-          <ac:chgData name="Gibbons, Carl" userId="d2b037bc-8fb4-4222-845c-61440543a456" providerId="ADAL" clId="{CE68D2EA-6C33-4320-B171-B4C637EE57D5}" dt="2024-02-04T05:12:30.446" v="2225" actId="5793"/>
-          <ac:spMkLst>
-            <pc:docMk/>
-            <pc:sldMk cId="3885141102" sldId="262"/>
-            <ac:spMk id="3" creationId="{B5924E0F-A977-1710-779D-EEB74261AF34}"/>
-          </ac:spMkLst>
-        </pc:spChg>
-      </pc:sldChg>
-      <pc:sldChg chg="del">
-        <pc:chgData name="Gibbons, Carl" userId="d2b037bc-8fb4-4222-845c-61440543a456" providerId="ADAL" clId="{CE68D2EA-6C33-4320-B171-B4C637EE57D5}" dt="2024-02-04T05:02:32.591" v="1790" actId="2696"/>
-        <pc:sldMkLst>
-          <pc:docMk/>
-          <pc:sldMk cId="1719402288" sldId="263"/>
-        </pc:sldMkLst>
-      </pc:sldChg>
-      <pc:sldChg chg="modSp mod">
-        <pc:chgData name="Gibbons, Carl" userId="d2b037bc-8fb4-4222-845c-61440543a456" providerId="ADAL" clId="{CE68D2EA-6C33-4320-B171-B4C637EE57D5}" dt="2024-02-04T05:01:45.101" v="1789" actId="2711"/>
-        <pc:sldMkLst>
-          <pc:docMk/>
-          <pc:sldMk cId="2993794741" sldId="265"/>
-        </pc:sldMkLst>
-        <pc:spChg chg="mod">
-          <ac:chgData name="Gibbons, Carl" userId="d2b037bc-8fb4-4222-845c-61440543a456" providerId="ADAL" clId="{CE68D2EA-6C33-4320-B171-B4C637EE57D5}" dt="2024-02-04T04:46:22.730" v="881" actId="20577"/>
-          <ac:spMkLst>
-            <pc:docMk/>
-            <pc:sldMk cId="2993794741" sldId="265"/>
-            <ac:spMk id="2" creationId="{31B75992-5098-A283-4925-2CCEBB801DC5}"/>
-          </ac:spMkLst>
-        </pc:spChg>
-        <pc:spChg chg="mod">
-          <ac:chgData name="Gibbons, Carl" userId="d2b037bc-8fb4-4222-845c-61440543a456" providerId="ADAL" clId="{CE68D2EA-6C33-4320-B171-B4C637EE57D5}" dt="2024-02-04T05:01:45.101" v="1789" actId="2711"/>
-          <ac:spMkLst>
-            <pc:docMk/>
-            <pc:sldMk cId="2993794741" sldId="265"/>
-            <ac:spMk id="3" creationId="{B5924E0F-A977-1710-779D-EEB74261AF34}"/>
-          </ac:spMkLst>
-        </pc:spChg>
-      </pc:sldChg>
-    </pc:docChg>
-  </pc:docChgLst>
-  <pc:docChgLst>
-    <pc:chgData name="Gibbons, Carl" userId="d2b037bc-8fb4-4222-845c-61440543a456" providerId="ADAL" clId="{B22431BF-FF40-422E-84B9-DE35C0B96CC3}"/>
-    <pc:docChg chg="undo custSel delSld modSld">
-      <pc:chgData name="Gibbons, Carl" userId="d2b037bc-8fb4-4222-845c-61440543a456" providerId="ADAL" clId="{B22431BF-FF40-422E-84B9-DE35C0B96CC3}" dt="2024-01-04T23:02:20.392" v="6116" actId="20577"/>
-      <pc:docMkLst>
-        <pc:docMk/>
-      </pc:docMkLst>
-      <pc:sldChg chg="modSp mod">
-        <pc:chgData name="Gibbons, Carl" userId="d2b037bc-8fb4-4222-845c-61440543a456" providerId="ADAL" clId="{B22431BF-FF40-422E-84B9-DE35C0B96CC3}" dt="2023-12-29T21:56:55.022" v="36" actId="20577"/>
-        <pc:sldMkLst>
-          <pc:docMk/>
-          <pc:sldMk cId="3308175748" sldId="256"/>
-        </pc:sldMkLst>
-        <pc:spChg chg="mod">
-          <ac:chgData name="Gibbons, Carl" userId="d2b037bc-8fb4-4222-845c-61440543a456" providerId="ADAL" clId="{B22431BF-FF40-422E-84B9-DE35C0B96CC3}" dt="2023-12-29T21:56:55.022" v="36" actId="20577"/>
-          <ac:spMkLst>
-            <pc:docMk/>
-            <pc:sldMk cId="3308175748" sldId="256"/>
-            <ac:spMk id="3" creationId="{EEC4D41B-E776-05F2-BE0B-89BB339485AB}"/>
-          </ac:spMkLst>
-        </pc:spChg>
-      </pc:sldChg>
-      <pc:sldChg chg="modSp mod">
-        <pc:chgData name="Gibbons, Carl" userId="d2b037bc-8fb4-4222-845c-61440543a456" providerId="ADAL" clId="{B22431BF-FF40-422E-84B9-DE35C0B96CC3}" dt="2024-01-04T23:00:14.898" v="6013" actId="20577"/>
-        <pc:sldMkLst>
-          <pc:docMk/>
-          <pc:sldMk cId="2312486803" sldId="261"/>
-        </pc:sldMkLst>
-        <pc:spChg chg="mod">
-          <ac:chgData name="Gibbons, Carl" userId="d2b037bc-8fb4-4222-845c-61440543a456" providerId="ADAL" clId="{B22431BF-FF40-422E-84B9-DE35C0B96CC3}" dt="2023-12-29T22:08:30.114" v="43" actId="20577"/>
-          <ac:spMkLst>
-            <pc:docMk/>
-            <pc:sldMk cId="2312486803" sldId="261"/>
-            <ac:spMk id="2" creationId="{31B75992-5098-A283-4925-2CCEBB801DC5}"/>
-          </ac:spMkLst>
-        </pc:spChg>
-        <pc:spChg chg="mod">
-          <ac:chgData name="Gibbons, Carl" userId="d2b037bc-8fb4-4222-845c-61440543a456" providerId="ADAL" clId="{B22431BF-FF40-422E-84B9-DE35C0B96CC3}" dt="2024-01-04T23:00:14.898" v="6013" actId="20577"/>
-          <ac:spMkLst>
-            <pc:docMk/>
-            <pc:sldMk cId="2312486803" sldId="261"/>
-            <ac:spMk id="3" creationId="{B5924E0F-A977-1710-779D-EEB74261AF34}"/>
-          </ac:spMkLst>
-        </pc:spChg>
-      </pc:sldChg>
-      <pc:sldChg chg="del">
-        <pc:chgData name="Gibbons, Carl" userId="d2b037bc-8fb4-4222-845c-61440543a456" providerId="ADAL" clId="{B22431BF-FF40-422E-84B9-DE35C0B96CC3}" dt="2023-12-30T00:06:35.373" v="5939" actId="47"/>
-        <pc:sldMkLst>
-          <pc:docMk/>
-          <pc:sldMk cId="657795359" sldId="277"/>
-        </pc:sldMkLst>
-      </pc:sldChg>
-      <pc:sldChg chg="modSp mod">
-        <pc:chgData name="Gibbons, Carl" userId="d2b037bc-8fb4-4222-845c-61440543a456" providerId="ADAL" clId="{B22431BF-FF40-422E-84B9-DE35C0B96CC3}" dt="2023-12-29T22:43:19.687" v="2380" actId="20577"/>
-        <pc:sldMkLst>
-          <pc:docMk/>
-          <pc:sldMk cId="3989541258" sldId="278"/>
-        </pc:sldMkLst>
-        <pc:spChg chg="mod">
-          <ac:chgData name="Gibbons, Carl" userId="d2b037bc-8fb4-4222-845c-61440543a456" providerId="ADAL" clId="{B22431BF-FF40-422E-84B9-DE35C0B96CC3}" dt="2023-12-29T22:43:19.687" v="2380" actId="20577"/>
-          <ac:spMkLst>
-            <pc:docMk/>
-            <pc:sldMk cId="3989541258" sldId="278"/>
-            <ac:spMk id="2" creationId="{31B75992-5098-A283-4925-2CCEBB801DC5}"/>
-          </ac:spMkLst>
-        </pc:spChg>
-        <pc:spChg chg="mod">
-          <ac:chgData name="Gibbons, Carl" userId="d2b037bc-8fb4-4222-845c-61440543a456" providerId="ADAL" clId="{B22431BF-FF40-422E-84B9-DE35C0B96CC3}" dt="2023-12-29T22:42:57.446" v="2316" actId="21"/>
-          <ac:spMkLst>
-            <pc:docMk/>
-            <pc:sldMk cId="3989541258" sldId="278"/>
-            <ac:spMk id="3" creationId="{B5924E0F-A977-1710-779D-EEB74261AF34}"/>
-          </ac:spMkLst>
-        </pc:spChg>
-      </pc:sldChg>
-      <pc:sldChg chg="modSp mod">
-        <pc:chgData name="Gibbons, Carl" userId="d2b037bc-8fb4-4222-845c-61440543a456" providerId="ADAL" clId="{B22431BF-FF40-422E-84B9-DE35C0B96CC3}" dt="2024-01-04T23:02:20.392" v="6116" actId="20577"/>
-        <pc:sldMkLst>
-          <pc:docMk/>
-          <pc:sldMk cId="1861646120" sldId="293"/>
-        </pc:sldMkLst>
-        <pc:spChg chg="mod">
-          <ac:chgData name="Gibbons, Carl" userId="d2b037bc-8fb4-4222-845c-61440543a456" providerId="ADAL" clId="{B22431BF-FF40-422E-84B9-DE35C0B96CC3}" dt="2023-12-29T22:43:38.151" v="2422" actId="20577"/>
-          <ac:spMkLst>
-            <pc:docMk/>
-            <pc:sldMk cId="1861646120" sldId="293"/>
-            <ac:spMk id="2" creationId="{31B75992-5098-A283-4925-2CCEBB801DC5}"/>
-          </ac:spMkLst>
-        </pc:spChg>
-        <pc:spChg chg="mod">
-          <ac:chgData name="Gibbons, Carl" userId="d2b037bc-8fb4-4222-845c-61440543a456" providerId="ADAL" clId="{B22431BF-FF40-422E-84B9-DE35C0B96CC3}" dt="2024-01-04T23:02:20.392" v="6116" actId="20577"/>
-          <ac:spMkLst>
-            <pc:docMk/>
-            <pc:sldMk cId="1861646120" sldId="293"/>
-            <ac:spMk id="3" creationId="{B5924E0F-A977-1710-779D-EEB74261AF34}"/>
-          </ac:spMkLst>
-        </pc:spChg>
-      </pc:sldChg>
-      <pc:sldChg chg="modSp mod">
-        <pc:chgData name="Gibbons, Carl" userId="d2b037bc-8fb4-4222-845c-61440543a456" providerId="ADAL" clId="{B22431BF-FF40-422E-84B9-DE35C0B96CC3}" dt="2023-12-30T00:07:46.447" v="5951" actId="20577"/>
-        <pc:sldMkLst>
-          <pc:docMk/>
-          <pc:sldMk cId="2232562783" sldId="294"/>
-        </pc:sldMkLst>
-        <pc:spChg chg="mod">
-          <ac:chgData name="Gibbons, Carl" userId="d2b037bc-8fb4-4222-845c-61440543a456" providerId="ADAL" clId="{B22431BF-FF40-422E-84B9-DE35C0B96CC3}" dt="2023-12-30T00:07:46.447" v="5951" actId="20577"/>
-          <ac:spMkLst>
-            <pc:docMk/>
-            <pc:sldMk cId="2232562783" sldId="294"/>
-            <ac:spMk id="2" creationId="{31B75992-5098-A283-4925-2CCEBB801DC5}"/>
-          </ac:spMkLst>
-        </pc:spChg>
-        <pc:spChg chg="mod">
-          <ac:chgData name="Gibbons, Carl" userId="d2b037bc-8fb4-4222-845c-61440543a456" providerId="ADAL" clId="{B22431BF-FF40-422E-84B9-DE35C0B96CC3}" dt="2023-12-29T23:10:49.132" v="4131" actId="20577"/>
-          <ac:spMkLst>
-            <pc:docMk/>
-            <pc:sldMk cId="2232562783" sldId="294"/>
-            <ac:spMk id="3" creationId="{B5924E0F-A977-1710-779D-EEB74261AF34}"/>
-          </ac:spMkLst>
-        </pc:spChg>
-      </pc:sldChg>
-      <pc:sldChg chg="modSp del mod">
-        <pc:chgData name="Gibbons, Carl" userId="d2b037bc-8fb4-4222-845c-61440543a456" providerId="ADAL" clId="{B22431BF-FF40-422E-84B9-DE35C0B96CC3}" dt="2023-12-30T00:06:31.761" v="5934" actId="47"/>
-        <pc:sldMkLst>
-          <pc:docMk/>
-          <pc:sldMk cId="806767687" sldId="295"/>
-        </pc:sldMkLst>
-        <pc:spChg chg="mod">
-          <ac:chgData name="Gibbons, Carl" userId="d2b037bc-8fb4-4222-845c-61440543a456" providerId="ADAL" clId="{B22431BF-FF40-422E-84B9-DE35C0B96CC3}" dt="2023-12-29T23:17:23.085" v="4333" actId="20577"/>
-          <ac:spMkLst>
-            <pc:docMk/>
-            <pc:sldMk cId="806767687" sldId="295"/>
-            <ac:spMk id="3" creationId="{B5924E0F-A977-1710-779D-EEB74261AF34}"/>
-          </ac:spMkLst>
-        </pc:spChg>
-      </pc:sldChg>
-      <pc:sldChg chg="del">
-        <pc:chgData name="Gibbons, Carl" userId="d2b037bc-8fb4-4222-845c-61440543a456" providerId="ADAL" clId="{B22431BF-FF40-422E-84B9-DE35C0B96CC3}" dt="2023-12-30T00:06:32.570" v="5935" actId="47"/>
-        <pc:sldMkLst>
-          <pc:docMk/>
-          <pc:sldMk cId="3145157247" sldId="296"/>
-        </pc:sldMkLst>
-      </pc:sldChg>
-      <pc:sldChg chg="del">
-        <pc:chgData name="Gibbons, Carl" userId="d2b037bc-8fb4-4222-845c-61440543a456" providerId="ADAL" clId="{B22431BF-FF40-422E-84B9-DE35C0B96CC3}" dt="2023-12-30T00:06:33.242" v="5936" actId="47"/>
-        <pc:sldMkLst>
-          <pc:docMk/>
-          <pc:sldMk cId="2424714671" sldId="297"/>
-        </pc:sldMkLst>
-      </pc:sldChg>
-      <pc:sldChg chg="del">
-        <pc:chgData name="Gibbons, Carl" userId="d2b037bc-8fb4-4222-845c-61440543a456" providerId="ADAL" clId="{B22431BF-FF40-422E-84B9-DE35C0B96CC3}" dt="2023-12-30T00:06:33.834" v="5937" actId="47"/>
-        <pc:sldMkLst>
-          <pc:docMk/>
-          <pc:sldMk cId="3450195044" sldId="298"/>
-        </pc:sldMkLst>
-      </pc:sldChg>
-      <pc:sldChg chg="del">
-        <pc:chgData name="Gibbons, Carl" userId="d2b037bc-8fb4-4222-845c-61440543a456" providerId="ADAL" clId="{B22431BF-FF40-422E-84B9-DE35C0B96CC3}" dt="2023-12-30T00:06:34.432" v="5938" actId="47"/>
-        <pc:sldMkLst>
-          <pc:docMk/>
-          <pc:sldMk cId="3633122843" sldId="299"/>
-        </pc:sldMkLst>
-      </pc:sldChg>
-      <pc:sldChg chg="modSp mod">
-        <pc:chgData name="Gibbons, Carl" userId="d2b037bc-8fb4-4222-845c-61440543a456" providerId="ADAL" clId="{B22431BF-FF40-422E-84B9-DE35C0B96CC3}" dt="2023-12-30T00:07:51.836" v="5963" actId="20577"/>
-        <pc:sldMkLst>
-          <pc:docMk/>
-          <pc:sldMk cId="845747584" sldId="300"/>
-        </pc:sldMkLst>
-        <pc:spChg chg="mod">
-          <ac:chgData name="Gibbons, Carl" userId="d2b037bc-8fb4-4222-845c-61440543a456" providerId="ADAL" clId="{B22431BF-FF40-422E-84B9-DE35C0B96CC3}" dt="2023-12-30T00:07:51.836" v="5963" actId="20577"/>
-          <ac:spMkLst>
-            <pc:docMk/>
-            <pc:sldMk cId="845747584" sldId="300"/>
-            <ac:spMk id="2" creationId="{31B75992-5098-A283-4925-2CCEBB801DC5}"/>
-          </ac:spMkLst>
-        </pc:spChg>
-        <pc:spChg chg="mod">
-          <ac:chgData name="Gibbons, Carl" userId="d2b037bc-8fb4-4222-845c-61440543a456" providerId="ADAL" clId="{B22431BF-FF40-422E-84B9-DE35C0B96CC3}" dt="2023-12-29T23:21:57.151" v="4600" actId="20577"/>
-          <ac:spMkLst>
-            <pc:docMk/>
-            <pc:sldMk cId="845747584" sldId="300"/>
-            <ac:spMk id="3" creationId="{B5924E0F-A977-1710-779D-EEB74261AF34}"/>
-          </ac:spMkLst>
-        </pc:spChg>
-      </pc:sldChg>
-      <pc:sldChg chg="modSp mod">
-        <pc:chgData name="Gibbons, Carl" userId="d2b037bc-8fb4-4222-845c-61440543a456" providerId="ADAL" clId="{B22431BF-FF40-422E-84B9-DE35C0B96CC3}" dt="2023-12-30T00:07:56.869" v="5975" actId="20577"/>
-        <pc:sldMkLst>
-          <pc:docMk/>
-          <pc:sldMk cId="3372579319" sldId="301"/>
-        </pc:sldMkLst>
-        <pc:spChg chg="mod">
-          <ac:chgData name="Gibbons, Carl" userId="d2b037bc-8fb4-4222-845c-61440543a456" providerId="ADAL" clId="{B22431BF-FF40-422E-84B9-DE35C0B96CC3}" dt="2023-12-30T00:07:56.869" v="5975" actId="20577"/>
-          <ac:spMkLst>
-            <pc:docMk/>
-            <pc:sldMk cId="3372579319" sldId="301"/>
-            <ac:spMk id="2" creationId="{31B75992-5098-A283-4925-2CCEBB801DC5}"/>
-          </ac:spMkLst>
-        </pc:spChg>
-        <pc:spChg chg="mod">
-          <ac:chgData name="Gibbons, Carl" userId="d2b037bc-8fb4-4222-845c-61440543a456" providerId="ADAL" clId="{B22431BF-FF40-422E-84B9-DE35C0B96CC3}" dt="2023-12-30T00:06:13.959" v="5932" actId="20577"/>
-          <ac:spMkLst>
-            <pc:docMk/>
-            <pc:sldMk cId="3372579319" sldId="301"/>
-            <ac:spMk id="3" creationId="{B5924E0F-A977-1710-779D-EEB74261AF34}"/>
-          </ac:spMkLst>
-        </pc:spChg>
-      </pc:sldChg>
-      <pc:sldChg chg="modSp del mod">
-        <pc:chgData name="Gibbons, Carl" userId="d2b037bc-8fb4-4222-845c-61440543a456" providerId="ADAL" clId="{B22431BF-FF40-422E-84B9-DE35C0B96CC3}" dt="2023-12-30T00:06:30.511" v="5933" actId="47"/>
-        <pc:sldMkLst>
-          <pc:docMk/>
-          <pc:sldMk cId="3488854045" sldId="302"/>
-        </pc:sldMkLst>
-        <pc:spChg chg="mod">
-          <ac:chgData name="Gibbons, Carl" userId="d2b037bc-8fb4-4222-845c-61440543a456" providerId="ADAL" clId="{B22431BF-FF40-422E-84B9-DE35C0B96CC3}" dt="2023-12-29T23:32:30.137" v="5532" actId="20577"/>
-          <ac:spMkLst>
-            <pc:docMk/>
-            <pc:sldMk cId="3488854045" sldId="302"/>
-            <ac:spMk id="2" creationId="{31B75992-5098-A283-4925-2CCEBB801DC5}"/>
-          </ac:spMkLst>
-        </pc:spChg>
-        <pc:spChg chg="mod">
-          <ac:chgData name="Gibbons, Carl" userId="d2b037bc-8fb4-4222-845c-61440543a456" providerId="ADAL" clId="{B22431BF-FF40-422E-84B9-DE35C0B96CC3}" dt="2023-12-29T23:35:41.617" v="5912" actId="20577"/>
-          <ac:spMkLst>
-            <pc:docMk/>
-            <pc:sldMk cId="3488854045" sldId="302"/>
-            <ac:spMk id="3" creationId="{B5924E0F-A977-1710-779D-EEB74261AF34}"/>
-          </ac:spMkLst>
-        </pc:spChg>
-      </pc:sldChg>
-    </pc:docChg>
-  </pc:docChgLst>
-  <pc:docChgLst>
-    <pc:chgData name="Gibbons, Carl" userId="d2b037bc-8fb4-4222-845c-61440543a456" providerId="ADAL" clId="{C1E6ABF6-BAED-4B26-97DB-20A1E8B7A1A4}"/>
-    <pc:docChg chg="custSel modSld">
-      <pc:chgData name="Gibbons, Carl" userId="d2b037bc-8fb4-4222-845c-61440543a456" providerId="ADAL" clId="{C1E6ABF6-BAED-4B26-97DB-20A1E8B7A1A4}" dt="2023-12-06T02:23:48.337" v="274" actId="20577"/>
-      <pc:docMkLst>
-        <pc:docMk/>
-      </pc:docMkLst>
-      <pc:sldChg chg="modSp mod">
-        <pc:chgData name="Gibbons, Carl" userId="d2b037bc-8fb4-4222-845c-61440543a456" providerId="ADAL" clId="{C1E6ABF6-BAED-4B26-97DB-20A1E8B7A1A4}" dt="2023-11-21T16:22:17.597" v="97" actId="20577"/>
-        <pc:sldMkLst>
-          <pc:docMk/>
-          <pc:sldMk cId="3308175748" sldId="256"/>
-        </pc:sldMkLst>
-        <pc:spChg chg="mod">
-          <ac:chgData name="Gibbons, Carl" userId="d2b037bc-8fb4-4222-845c-61440543a456" providerId="ADAL" clId="{C1E6ABF6-BAED-4B26-97DB-20A1E8B7A1A4}" dt="2023-11-21T05:49:34.464" v="2"/>
-          <ac:spMkLst>
-            <pc:docMk/>
-            <pc:sldMk cId="3308175748" sldId="256"/>
-            <ac:spMk id="2" creationId="{ACEA2649-DC6B-3373-A7E6-7F0E103D8B8B}"/>
-          </ac:spMkLst>
-        </pc:spChg>
-        <pc:spChg chg="mod">
-          <ac:chgData name="Gibbons, Carl" userId="d2b037bc-8fb4-4222-845c-61440543a456" providerId="ADAL" clId="{C1E6ABF6-BAED-4B26-97DB-20A1E8B7A1A4}" dt="2023-11-21T16:22:17.597" v="97" actId="20577"/>
-          <ac:spMkLst>
-            <pc:docMk/>
-            <pc:sldMk cId="3308175748" sldId="256"/>
-            <ac:spMk id="3" creationId="{EEC4D41B-E776-05F2-BE0B-89BB339485AB}"/>
-          </ac:spMkLst>
-        </pc:spChg>
-        <pc:spChg chg="mod">
-          <ac:chgData name="Gibbons, Carl" userId="d2b037bc-8fb4-4222-845c-61440543a456" providerId="ADAL" clId="{C1E6ABF6-BAED-4B26-97DB-20A1E8B7A1A4}" dt="2023-11-21T05:49:34.464" v="2"/>
-          <ac:spMkLst>
-            <pc:docMk/>
-            <pc:sldMk cId="3308175748" sldId="256"/>
-            <ac:spMk id="4" creationId="{4664ABB7-0B55-0242-2E51-B3286EE7B5EB}"/>
-          </ac:spMkLst>
-        </pc:spChg>
-      </pc:sldChg>
-      <pc:sldChg chg="modSp">
-        <pc:chgData name="Gibbons, Carl" userId="d2b037bc-8fb4-4222-845c-61440543a456" providerId="ADAL" clId="{C1E6ABF6-BAED-4B26-97DB-20A1E8B7A1A4}" dt="2023-11-21T05:49:34.464" v="2"/>
-        <pc:sldMkLst>
-          <pc:docMk/>
-          <pc:sldMk cId="2312486803" sldId="261"/>
-        </pc:sldMkLst>
-        <pc:spChg chg="mod">
-          <ac:chgData name="Gibbons, Carl" userId="d2b037bc-8fb4-4222-845c-61440543a456" providerId="ADAL" clId="{C1E6ABF6-BAED-4B26-97DB-20A1E8B7A1A4}" dt="2023-11-21T05:49:34.464" v="2"/>
-          <ac:spMkLst>
-            <pc:docMk/>
-            <pc:sldMk cId="2312486803" sldId="261"/>
-            <ac:spMk id="2" creationId="{31B75992-5098-A283-4925-2CCEBB801DC5}"/>
-          </ac:spMkLst>
-        </pc:spChg>
-      </pc:sldChg>
-      <pc:sldChg chg="modSp mod">
-        <pc:chgData name="Gibbons, Carl" userId="d2b037bc-8fb4-4222-845c-61440543a456" providerId="ADAL" clId="{C1E6ABF6-BAED-4B26-97DB-20A1E8B7A1A4}" dt="2023-11-21T07:48:19.790" v="77" actId="20577"/>
-        <pc:sldMkLst>
-          <pc:docMk/>
-          <pc:sldMk cId="378743348" sldId="270"/>
-        </pc:sldMkLst>
-        <pc:spChg chg="mod">
-          <ac:chgData name="Gibbons, Carl" userId="d2b037bc-8fb4-4222-845c-61440543a456" providerId="ADAL" clId="{C1E6ABF6-BAED-4B26-97DB-20A1E8B7A1A4}" dt="2023-11-21T07:48:19.790" v="77" actId="20577"/>
-          <ac:spMkLst>
-            <pc:docMk/>
-            <pc:sldMk cId="378743348" sldId="270"/>
-            <ac:spMk id="3" creationId="{80041865-9773-290D-EB35-F8AF8BFC505C}"/>
-          </ac:spMkLst>
-        </pc:spChg>
-      </pc:sldChg>
-      <pc:sldChg chg="modSp mod">
-        <pc:chgData name="Gibbons, Carl" userId="d2b037bc-8fb4-4222-845c-61440543a456" providerId="ADAL" clId="{C1E6ABF6-BAED-4B26-97DB-20A1E8B7A1A4}" dt="2023-12-06T02:23:48.337" v="274" actId="20577"/>
-        <pc:sldMkLst>
-          <pc:docMk/>
-          <pc:sldMk cId="657795359" sldId="277"/>
-        </pc:sldMkLst>
-        <pc:spChg chg="mod">
-          <ac:chgData name="Gibbons, Carl" userId="d2b037bc-8fb4-4222-845c-61440543a456" providerId="ADAL" clId="{C1E6ABF6-BAED-4B26-97DB-20A1E8B7A1A4}" dt="2023-11-21T05:49:34.464" v="2"/>
-          <ac:spMkLst>
-            <pc:docMk/>
-            <pc:sldMk cId="657795359" sldId="277"/>
-            <ac:spMk id="2" creationId="{1862E903-3C56-BB42-2361-009F2336475A}"/>
-          </ac:spMkLst>
-        </pc:spChg>
-        <pc:spChg chg="mod">
-          <ac:chgData name="Gibbons, Carl" userId="d2b037bc-8fb4-4222-845c-61440543a456" providerId="ADAL" clId="{C1E6ABF6-BAED-4B26-97DB-20A1E8B7A1A4}" dt="2023-12-06T02:23:48.337" v="274" actId="20577"/>
-          <ac:spMkLst>
-            <pc:docMk/>
-            <pc:sldMk cId="657795359" sldId="277"/>
-            <ac:spMk id="3" creationId="{90179172-96B3-95D0-A137-257770BE7642}"/>
-          </ac:spMkLst>
-        </pc:spChg>
-      </pc:sldChg>
-    </pc:docChg>
-  </pc:docChgLst>
-  <pc:docChgLst>
-    <pc:chgData name="Gibbons, Carl" userId="d2b037bc-8fb4-4222-845c-61440543a456" providerId="ADAL" clId="{AA20781C-E693-4A15-9A9D-8345B65B3F1D}"/>
-    <pc:docChg chg="undo redo custSel modSld">
-      <pc:chgData name="Gibbons, Carl" userId="d2b037bc-8fb4-4222-845c-61440543a456" providerId="ADAL" clId="{AA20781C-E693-4A15-9A9D-8345B65B3F1D}" dt="2024-05-23T20:24:35.054" v="4771" actId="20577"/>
-      <pc:docMkLst>
-        <pc:docMk/>
-      </pc:docMkLst>
-      <pc:sldChg chg="modSp mod">
-        <pc:chgData name="Gibbons, Carl" userId="d2b037bc-8fb4-4222-845c-61440543a456" providerId="ADAL" clId="{AA20781C-E693-4A15-9A9D-8345B65B3F1D}" dt="2024-05-23T18:19:28.406" v="19" actId="20577"/>
-        <pc:sldMkLst>
-          <pc:docMk/>
-          <pc:sldMk cId="3308175748" sldId="256"/>
-        </pc:sldMkLst>
-        <pc:spChg chg="mod">
-          <ac:chgData name="Gibbons, Carl" userId="d2b037bc-8fb4-4222-845c-61440543a456" providerId="ADAL" clId="{AA20781C-E693-4A15-9A9D-8345B65B3F1D}" dt="2024-05-23T18:19:28.406" v="19" actId="20577"/>
-          <ac:spMkLst>
-            <pc:docMk/>
-            <pc:sldMk cId="3308175748" sldId="256"/>
-            <ac:spMk id="3" creationId="{EEC4D41B-E776-05F2-BE0B-89BB339485AB}"/>
-          </ac:spMkLst>
-        </pc:spChg>
-      </pc:sldChg>
-      <pc:sldChg chg="modSp mod">
-        <pc:chgData name="Gibbons, Carl" userId="d2b037bc-8fb4-4222-845c-61440543a456" providerId="ADAL" clId="{AA20781C-E693-4A15-9A9D-8345B65B3F1D}" dt="2024-05-23T20:24:35.054" v="4771" actId="20577"/>
-        <pc:sldMkLst>
-          <pc:docMk/>
-          <pc:sldMk cId="3885141102" sldId="262"/>
-        </pc:sldMkLst>
-        <pc:spChg chg="mod">
-          <ac:chgData name="Gibbons, Carl" userId="d2b037bc-8fb4-4222-845c-61440543a456" providerId="ADAL" clId="{AA20781C-E693-4A15-9A9D-8345B65B3F1D}" dt="2024-05-23T20:24:35.054" v="4771" actId="20577"/>
-          <ac:spMkLst>
-            <pc:docMk/>
-            <pc:sldMk cId="3885141102" sldId="262"/>
-            <ac:spMk id="3" creationId="{B5924E0F-A977-1710-779D-EEB74261AF34}"/>
-          </ac:spMkLst>
-        </pc:spChg>
-      </pc:sldChg>
-      <pc:sldChg chg="addSp modSp mod">
-        <pc:chgData name="Gibbons, Carl" userId="d2b037bc-8fb4-4222-845c-61440543a456" providerId="ADAL" clId="{AA20781C-E693-4A15-9A9D-8345B65B3F1D}" dt="2024-05-23T20:04:53.835" v="3941" actId="20577"/>
-        <pc:sldMkLst>
-          <pc:docMk/>
-          <pc:sldMk cId="1196559129" sldId="264"/>
-        </pc:sldMkLst>
-        <pc:spChg chg="mod">
-          <ac:chgData name="Gibbons, Carl" userId="d2b037bc-8fb4-4222-845c-61440543a456" providerId="ADAL" clId="{AA20781C-E693-4A15-9A9D-8345B65B3F1D}" dt="2024-05-23T19:41:13.692" v="2966" actId="20577"/>
-          <ac:spMkLst>
-            <pc:docMk/>
-            <pc:sldMk cId="1196559129" sldId="264"/>
-            <ac:spMk id="2" creationId="{0E6A2DEF-4501-FAEA-A31C-4FDCBD076712}"/>
-          </ac:spMkLst>
-        </pc:spChg>
-        <pc:spChg chg="add mod">
-          <ac:chgData name="Gibbons, Carl" userId="d2b037bc-8fb4-4222-845c-61440543a456" providerId="ADAL" clId="{AA20781C-E693-4A15-9A9D-8345B65B3F1D}" dt="2024-05-23T20:01:54.455" v="3649" actId="15"/>
-          <ac:spMkLst>
-            <pc:docMk/>
-            <pc:sldMk cId="1196559129" sldId="264"/>
-            <ac:spMk id="3" creationId="{6DB565A6-DDA9-BD81-B7C7-3069323CA90A}"/>
-          </ac:spMkLst>
-        </pc:spChg>
-        <pc:spChg chg="add mod">
-          <ac:chgData name="Gibbons, Carl" userId="d2b037bc-8fb4-4222-845c-61440543a456" providerId="ADAL" clId="{AA20781C-E693-4A15-9A9D-8345B65B3F1D}" dt="2024-05-23T20:04:53.835" v="3941" actId="20577"/>
-          <ac:spMkLst>
-            <pc:docMk/>
-            <pc:sldMk cId="1196559129" sldId="264"/>
-            <ac:spMk id="4" creationId="{5F95AB98-4F6F-01E3-47E3-C88B1F1E9664}"/>
-          </ac:spMkLst>
-        </pc:spChg>
-        <pc:spChg chg="mod">
-          <ac:chgData name="Gibbons, Carl" userId="d2b037bc-8fb4-4222-845c-61440543a456" providerId="ADAL" clId="{AA20781C-E693-4A15-9A9D-8345B65B3F1D}" dt="2024-05-23T20:01:46.060" v="3645" actId="15"/>
-          <ac:spMkLst>
-            <pc:docMk/>
-            <pc:sldMk cId="1196559129" sldId="264"/>
-            <ac:spMk id="7" creationId="{4247D23F-F3F9-676F-BDEB-E69E1F0AB32C}"/>
-          </ac:spMkLst>
-        </pc:spChg>
-      </pc:sldChg>
-      <pc:sldChg chg="modSp mod">
-        <pc:chgData name="Gibbons, Carl" userId="d2b037bc-8fb4-4222-845c-61440543a456" providerId="ADAL" clId="{AA20781C-E693-4A15-9A9D-8345B65B3F1D}" dt="2024-05-23T19:39:33.179" v="2853" actId="2711"/>
-        <pc:sldMkLst>
-          <pc:docMk/>
-          <pc:sldMk cId="1400208519" sldId="265"/>
-        </pc:sldMkLst>
-        <pc:spChg chg="mod">
-          <ac:chgData name="Gibbons, Carl" userId="d2b037bc-8fb4-4222-845c-61440543a456" providerId="ADAL" clId="{AA20781C-E693-4A15-9A9D-8345B65B3F1D}" dt="2024-05-23T19:01:29.624" v="970" actId="20577"/>
-          <ac:spMkLst>
-            <pc:docMk/>
-            <pc:sldMk cId="1400208519" sldId="265"/>
-            <ac:spMk id="2" creationId="{832B45BA-6309-D8F6-D552-10D836B4EB21}"/>
-          </ac:spMkLst>
-        </pc:spChg>
-        <pc:spChg chg="mod">
-          <ac:chgData name="Gibbons, Carl" userId="d2b037bc-8fb4-4222-845c-61440543a456" providerId="ADAL" clId="{AA20781C-E693-4A15-9A9D-8345B65B3F1D}" dt="2024-05-23T19:39:33.179" v="2853" actId="2711"/>
-          <ac:spMkLst>
-            <pc:docMk/>
-            <pc:sldMk cId="1400208519" sldId="265"/>
-            <ac:spMk id="7" creationId="{3CE889EF-4605-DB73-C7B2-D7E3C4957F48}"/>
-          </ac:spMkLst>
-        </pc:spChg>
-      </pc:sldChg>
-      <pc:sldChg chg="modSp mod">
-        <pc:chgData name="Gibbons, Carl" userId="d2b037bc-8fb4-4222-845c-61440543a456" providerId="ADAL" clId="{AA20781C-E693-4A15-9A9D-8345B65B3F1D}" dt="2024-05-23T20:21:13.456" v="4392" actId="20577"/>
-        <pc:sldMkLst>
-          <pc:docMk/>
-          <pc:sldMk cId="1467586035" sldId="266"/>
-        </pc:sldMkLst>
-        <pc:spChg chg="mod">
-          <ac:chgData name="Gibbons, Carl" userId="d2b037bc-8fb4-4222-845c-61440543a456" providerId="ADAL" clId="{AA20781C-E693-4A15-9A9D-8345B65B3F1D}" dt="2024-05-23T20:06:18.037" v="3951" actId="20577"/>
-          <ac:spMkLst>
-            <pc:docMk/>
-            <pc:sldMk cId="1467586035" sldId="266"/>
-            <ac:spMk id="2" creationId="{F5533765-AE4D-3586-BFF0-C73FF51C6B9B}"/>
-          </ac:spMkLst>
-        </pc:spChg>
-        <pc:spChg chg="mod">
-          <ac:chgData name="Gibbons, Carl" userId="d2b037bc-8fb4-4222-845c-61440543a456" providerId="ADAL" clId="{AA20781C-E693-4A15-9A9D-8345B65B3F1D}" dt="2024-05-23T20:21:13.456" v="4392" actId="20577"/>
-          <ac:spMkLst>
-            <pc:docMk/>
-            <pc:sldMk cId="1467586035" sldId="266"/>
-            <ac:spMk id="7" creationId="{56F98B9D-53CB-0D01-51DD-F6B452AAB6C5}"/>
-          </ac:spMkLst>
-        </pc:spChg>
-      </pc:sldChg>
-    </pc:docChg>
-  </pc:docChgLst>
-  <pc:docChgLst>
-    <pc:chgData name="Gibbons, Carl" userId="d2b037bc-8fb4-4222-845c-61440543a456" providerId="ADAL" clId="{3F16957D-3CF8-4F94-B0D9-126F32AD7D53}"/>
-    <pc:docChg chg="custSel delSld modSld">
-      <pc:chgData name="Gibbons, Carl" userId="d2b037bc-8fb4-4222-845c-61440543a456" providerId="ADAL" clId="{3F16957D-3CF8-4F94-B0D9-126F32AD7D53}" dt="2024-02-20T18:17:07.896" v="2268" actId="20577"/>
-      <pc:docMkLst>
-        <pc:docMk/>
-      </pc:docMkLst>
-      <pc:sldChg chg="modSp mod">
-        <pc:chgData name="Gibbons, Carl" userId="d2b037bc-8fb4-4222-845c-61440543a456" providerId="ADAL" clId="{3F16957D-3CF8-4F94-B0D9-126F32AD7D53}" dt="2024-02-20T17:54:02.532" v="23" actId="20577"/>
-        <pc:sldMkLst>
-          <pc:docMk/>
-          <pc:sldMk cId="3308175748" sldId="256"/>
-        </pc:sldMkLst>
-        <pc:spChg chg="mod">
-          <ac:chgData name="Gibbons, Carl" userId="d2b037bc-8fb4-4222-845c-61440543a456" providerId="ADAL" clId="{3F16957D-3CF8-4F94-B0D9-126F32AD7D53}" dt="2024-02-20T17:54:02.532" v="23" actId="20577"/>
-          <ac:spMkLst>
-            <pc:docMk/>
-            <pc:sldMk cId="3308175748" sldId="256"/>
-            <ac:spMk id="3" creationId="{EEC4D41B-E776-05F2-BE0B-89BB339485AB}"/>
-          </ac:spMkLst>
-        </pc:spChg>
-      </pc:sldChg>
-      <pc:sldChg chg="del">
-        <pc:chgData name="Gibbons, Carl" userId="d2b037bc-8fb4-4222-845c-61440543a456" providerId="ADAL" clId="{3F16957D-3CF8-4F94-B0D9-126F32AD7D53}" dt="2024-02-20T17:54:06.303" v="24" actId="47"/>
-        <pc:sldMkLst>
-          <pc:docMk/>
-          <pc:sldMk cId="3979649407" sldId="259"/>
-        </pc:sldMkLst>
-      </pc:sldChg>
-      <pc:sldChg chg="modSp mod">
-        <pc:chgData name="Gibbons, Carl" userId="d2b037bc-8fb4-4222-845c-61440543a456" providerId="ADAL" clId="{3F16957D-3CF8-4F94-B0D9-126F32AD7D53}" dt="2024-02-20T18:06:52.868" v="1177" actId="313"/>
-        <pc:sldMkLst>
-          <pc:docMk/>
-          <pc:sldMk cId="3885141102" sldId="262"/>
-        </pc:sldMkLst>
-        <pc:spChg chg="mod">
-          <ac:chgData name="Gibbons, Carl" userId="d2b037bc-8fb4-4222-845c-61440543a456" providerId="ADAL" clId="{3F16957D-3CF8-4F94-B0D9-126F32AD7D53}" dt="2024-02-20T18:06:52.868" v="1177" actId="313"/>
-          <ac:spMkLst>
-            <pc:docMk/>
-            <pc:sldMk cId="3885141102" sldId="262"/>
-            <ac:spMk id="3" creationId="{B5924E0F-A977-1710-779D-EEB74261AF34}"/>
-          </ac:spMkLst>
-        </pc:spChg>
-      </pc:sldChg>
-      <pc:sldChg chg="delSp modSp mod">
-        <pc:chgData name="Gibbons, Carl" userId="d2b037bc-8fb4-4222-845c-61440543a456" providerId="ADAL" clId="{3F16957D-3CF8-4F94-B0D9-126F32AD7D53}" dt="2024-02-20T18:04:22.967" v="1114" actId="20577"/>
-        <pc:sldMkLst>
-          <pc:docMk/>
-          <pc:sldMk cId="1196559129" sldId="264"/>
-        </pc:sldMkLst>
-        <pc:spChg chg="mod">
-          <ac:chgData name="Gibbons, Carl" userId="d2b037bc-8fb4-4222-845c-61440543a456" providerId="ADAL" clId="{3F16957D-3CF8-4F94-B0D9-126F32AD7D53}" dt="2024-02-20T17:54:51.385" v="108" actId="20577"/>
-          <ac:spMkLst>
-            <pc:docMk/>
-            <pc:sldMk cId="1196559129" sldId="264"/>
-            <ac:spMk id="2" creationId="{0E6A2DEF-4501-FAEA-A31C-4FDCBD076712}"/>
-          </ac:spMkLst>
-        </pc:spChg>
-        <pc:spChg chg="del">
-          <ac:chgData name="Gibbons, Carl" userId="d2b037bc-8fb4-4222-845c-61440543a456" providerId="ADAL" clId="{3F16957D-3CF8-4F94-B0D9-126F32AD7D53}" dt="2024-02-20T17:55:30.328" v="123" actId="478"/>
-          <ac:spMkLst>
-            <pc:docMk/>
-            <pc:sldMk cId="1196559129" sldId="264"/>
-            <ac:spMk id="3" creationId="{3D14E407-E782-7E7A-34C1-5C9B517D7996}"/>
-          </ac:spMkLst>
-        </pc:spChg>
-        <pc:spChg chg="del">
-          <ac:chgData name="Gibbons, Carl" userId="d2b037bc-8fb4-4222-845c-61440543a456" providerId="ADAL" clId="{3F16957D-3CF8-4F94-B0D9-126F32AD7D53}" dt="2024-02-20T17:55:35.116" v="124" actId="478"/>
-          <ac:spMkLst>
-            <pc:docMk/>
-            <pc:sldMk cId="1196559129" sldId="264"/>
-            <ac:spMk id="4" creationId="{A5C2117C-95FD-BD27-85E2-3A7873734773}"/>
-          </ac:spMkLst>
-        </pc:spChg>
-        <pc:spChg chg="mod">
-          <ac:chgData name="Gibbons, Carl" userId="d2b037bc-8fb4-4222-845c-61440543a456" providerId="ADAL" clId="{3F16957D-3CF8-4F94-B0D9-126F32AD7D53}" dt="2024-02-20T18:04:22.967" v="1114" actId="20577"/>
-          <ac:spMkLst>
-            <pc:docMk/>
-            <pc:sldMk cId="1196559129" sldId="264"/>
-            <ac:spMk id="7" creationId="{4247D23F-F3F9-676F-BDEB-E69E1F0AB32C}"/>
-          </ac:spMkLst>
-        </pc:spChg>
-      </pc:sldChg>
-      <pc:sldChg chg="modSp mod">
-        <pc:chgData name="Gibbons, Carl" userId="d2b037bc-8fb4-4222-845c-61440543a456" providerId="ADAL" clId="{3F16957D-3CF8-4F94-B0D9-126F32AD7D53}" dt="2024-02-20T18:17:07.896" v="2268" actId="20577"/>
-        <pc:sldMkLst>
-          <pc:docMk/>
-          <pc:sldMk cId="1400208519" sldId="265"/>
-        </pc:sldMkLst>
-        <pc:spChg chg="mod">
-          <ac:chgData name="Gibbons, Carl" userId="d2b037bc-8fb4-4222-845c-61440543a456" providerId="ADAL" clId="{3F16957D-3CF8-4F94-B0D9-126F32AD7D53}" dt="2024-02-20T18:06:08.798" v="1133" actId="20577"/>
-          <ac:spMkLst>
-            <pc:docMk/>
-            <pc:sldMk cId="1400208519" sldId="265"/>
-            <ac:spMk id="2" creationId="{832B45BA-6309-D8F6-D552-10D836B4EB21}"/>
-          </ac:spMkLst>
-        </pc:spChg>
-        <pc:spChg chg="mod">
-          <ac:chgData name="Gibbons, Carl" userId="d2b037bc-8fb4-4222-845c-61440543a456" providerId="ADAL" clId="{3F16957D-3CF8-4F94-B0D9-126F32AD7D53}" dt="2024-02-20T18:17:07.896" v="2268" actId="20577"/>
-          <ac:spMkLst>
-            <pc:docMk/>
-            <pc:sldMk cId="1400208519" sldId="265"/>
-            <ac:spMk id="7" creationId="{3CE889EF-4605-DB73-C7B2-D7E3C4957F48}"/>
-          </ac:spMkLst>
-        </pc:spChg>
-      </pc:sldChg>
-      <pc:sldChg chg="del">
-        <pc:chgData name="Gibbons, Carl" userId="d2b037bc-8fb4-4222-845c-61440543a456" providerId="ADAL" clId="{3F16957D-3CF8-4F94-B0D9-126F32AD7D53}" dt="2024-02-20T18:06:16.494" v="1134" actId="2696"/>
-        <pc:sldMkLst>
-          <pc:docMk/>
-          <pc:sldMk cId="1959728496" sldId="266"/>
-        </pc:sldMkLst>
-      </pc:sldChg>
-    </pc:docChg>
-  </pc:docChgLst>
-  <pc:docChgLst>
-    <pc:chgData name="Gibbons, Carl" userId="d2b037bc-8fb4-4222-845c-61440543a456" providerId="ADAL" clId="{3110A27C-34DA-4160-871C-1CFB075CC37D}"/>
-    <pc:docChg chg="undo redo custSel addSld delSld modSld">
-      <pc:chgData name="Gibbons, Carl" userId="d2b037bc-8fb4-4222-845c-61440543a456" providerId="ADAL" clId="{3110A27C-34DA-4160-871C-1CFB075CC37D}" dt="2024-06-13T03:20:28.659" v="5787" actId="20577"/>
-      <pc:docMkLst>
-        <pc:docMk/>
-      </pc:docMkLst>
-      <pc:sldChg chg="modSp mod">
-        <pc:chgData name="Gibbons, Carl" userId="d2b037bc-8fb4-4222-845c-61440543a456" providerId="ADAL" clId="{3110A27C-34DA-4160-871C-1CFB075CC37D}" dt="2024-05-23T20:42:36.825" v="15" actId="20577"/>
-        <pc:sldMkLst>
-          <pc:docMk/>
-          <pc:sldMk cId="3308175748" sldId="256"/>
-        </pc:sldMkLst>
-        <pc:spChg chg="mod">
-          <ac:chgData name="Gibbons, Carl" userId="d2b037bc-8fb4-4222-845c-61440543a456" providerId="ADAL" clId="{3110A27C-34DA-4160-871C-1CFB075CC37D}" dt="2024-05-23T20:42:36.825" v="15" actId="20577"/>
-          <ac:spMkLst>
-            <pc:docMk/>
-            <pc:sldMk cId="3308175748" sldId="256"/>
-            <ac:spMk id="3" creationId="{EEC4D41B-E776-05F2-BE0B-89BB339485AB}"/>
-          </ac:spMkLst>
-        </pc:spChg>
-      </pc:sldChg>
-      <pc:sldChg chg="modSp mod">
-        <pc:chgData name="Gibbons, Carl" userId="d2b037bc-8fb4-4222-845c-61440543a456" providerId="ADAL" clId="{3110A27C-34DA-4160-871C-1CFB075CC37D}" dt="2024-05-23T22:44:10.396" v="5777" actId="20577"/>
-        <pc:sldMkLst>
-          <pc:docMk/>
-          <pc:sldMk cId="3885141102" sldId="262"/>
-        </pc:sldMkLst>
-        <pc:spChg chg="mod">
-          <ac:chgData name="Gibbons, Carl" userId="d2b037bc-8fb4-4222-845c-61440543a456" providerId="ADAL" clId="{3110A27C-34DA-4160-871C-1CFB075CC37D}" dt="2024-05-23T22:44:10.396" v="5777" actId="20577"/>
-          <ac:spMkLst>
-            <pc:docMk/>
-            <pc:sldMk cId="3885141102" sldId="262"/>
-            <ac:spMk id="3" creationId="{B5924E0F-A977-1710-779D-EEB74261AF34}"/>
-          </ac:spMkLst>
-        </pc:spChg>
-      </pc:sldChg>
-      <pc:sldChg chg="modSp mod">
-        <pc:chgData name="Gibbons, Carl" userId="d2b037bc-8fb4-4222-845c-61440543a456" providerId="ADAL" clId="{3110A27C-34DA-4160-871C-1CFB075CC37D}" dt="2024-05-23T22:49:28.918" v="5783" actId="20577"/>
-        <pc:sldMkLst>
-          <pc:docMk/>
-          <pc:sldMk cId="1196559129" sldId="264"/>
-        </pc:sldMkLst>
-        <pc:spChg chg="mod">
-          <ac:chgData name="Gibbons, Carl" userId="d2b037bc-8fb4-4222-845c-61440543a456" providerId="ADAL" clId="{3110A27C-34DA-4160-871C-1CFB075CC37D}" dt="2024-05-23T22:49:28.918" v="5783" actId="20577"/>
-          <ac:spMkLst>
-            <pc:docMk/>
-            <pc:sldMk cId="1196559129" sldId="264"/>
-            <ac:spMk id="2" creationId="{0E6A2DEF-4501-FAEA-A31C-4FDCBD076712}"/>
-          </ac:spMkLst>
-        </pc:spChg>
-        <pc:spChg chg="mod">
-          <ac:chgData name="Gibbons, Carl" userId="d2b037bc-8fb4-4222-845c-61440543a456" providerId="ADAL" clId="{3110A27C-34DA-4160-871C-1CFB075CC37D}" dt="2024-05-23T21:30:33.443" v="2846" actId="20577"/>
-          <ac:spMkLst>
-            <pc:docMk/>
-            <pc:sldMk cId="1196559129" sldId="264"/>
-            <ac:spMk id="4" creationId="{5F95AB98-4F6F-01E3-47E3-C88B1F1E9664}"/>
-          </ac:spMkLst>
-        </pc:spChg>
-      </pc:sldChg>
-      <pc:sldChg chg="modSp mod">
-        <pc:chgData name="Gibbons, Carl" userId="d2b037bc-8fb4-4222-845c-61440543a456" providerId="ADAL" clId="{3110A27C-34DA-4160-871C-1CFB075CC37D}" dt="2024-05-23T21:28:58.051" v="2806" actId="20577"/>
-        <pc:sldMkLst>
-          <pc:docMk/>
-          <pc:sldMk cId="1400208519" sldId="265"/>
-        </pc:sldMkLst>
-        <pc:spChg chg="mod">
-          <ac:chgData name="Gibbons, Carl" userId="d2b037bc-8fb4-4222-845c-61440543a456" providerId="ADAL" clId="{3110A27C-34DA-4160-871C-1CFB075CC37D}" dt="2024-05-23T21:19:00.555" v="1947" actId="20577"/>
-          <ac:spMkLst>
-            <pc:docMk/>
-            <pc:sldMk cId="1400208519" sldId="265"/>
-            <ac:spMk id="2" creationId="{832B45BA-6309-D8F6-D552-10D836B4EB21}"/>
-          </ac:spMkLst>
-        </pc:spChg>
-        <pc:spChg chg="mod">
-          <ac:chgData name="Gibbons, Carl" userId="d2b037bc-8fb4-4222-845c-61440543a456" providerId="ADAL" clId="{3110A27C-34DA-4160-871C-1CFB075CC37D}" dt="2024-05-23T21:28:58.051" v="2806" actId="20577"/>
-          <ac:spMkLst>
-            <pc:docMk/>
-            <pc:sldMk cId="1400208519" sldId="265"/>
-            <ac:spMk id="7" creationId="{3CE889EF-4605-DB73-C7B2-D7E3C4957F48}"/>
-          </ac:spMkLst>
-        </pc:spChg>
-      </pc:sldChg>
-      <pc:sldChg chg="addSp delSp modSp mod">
-        <pc:chgData name="Gibbons, Carl" userId="d2b037bc-8fb4-4222-845c-61440543a456" providerId="ADAL" clId="{3110A27C-34DA-4160-871C-1CFB075CC37D}" dt="2024-05-23T21:23:54.641" v="2459" actId="1076"/>
-        <pc:sldMkLst>
-          <pc:docMk/>
-          <pc:sldMk cId="1467586035" sldId="266"/>
-        </pc:sldMkLst>
-        <pc:spChg chg="mod">
-          <ac:chgData name="Gibbons, Carl" userId="d2b037bc-8fb4-4222-845c-61440543a456" providerId="ADAL" clId="{3110A27C-34DA-4160-871C-1CFB075CC37D}" dt="2024-05-23T21:19:52.813" v="1993" actId="20577"/>
-          <ac:spMkLst>
-            <pc:docMk/>
-            <pc:sldMk cId="1467586035" sldId="266"/>
-            <ac:spMk id="2" creationId="{F5533765-AE4D-3586-BFF0-C73FF51C6B9B}"/>
-          </ac:spMkLst>
-        </pc:spChg>
-        <pc:spChg chg="del mod">
-          <ac:chgData name="Gibbons, Carl" userId="d2b037bc-8fb4-4222-845c-61440543a456" providerId="ADAL" clId="{3110A27C-34DA-4160-871C-1CFB075CC37D}" dt="2024-05-23T21:20:06.938" v="1995" actId="478"/>
-          <ac:spMkLst>
-            <pc:docMk/>
-            <pc:sldMk cId="1467586035" sldId="266"/>
-            <ac:spMk id="7" creationId="{56F98B9D-53CB-0D01-51DD-F6B452AAB6C5}"/>
-          </ac:spMkLst>
-        </pc:spChg>
-        <pc:picChg chg="add mod">
-          <ac:chgData name="Gibbons, Carl" userId="d2b037bc-8fb4-4222-845c-61440543a456" providerId="ADAL" clId="{3110A27C-34DA-4160-871C-1CFB075CC37D}" dt="2024-05-23T21:23:54.641" v="2459" actId="1076"/>
-          <ac:picMkLst>
-            <pc:docMk/>
-            <pc:sldMk cId="1467586035" sldId="266"/>
-            <ac:picMk id="3" creationId="{6363E06A-3129-8B12-96E1-89E6A8EEC730}"/>
-          </ac:picMkLst>
-        </pc:picChg>
-      </pc:sldChg>
-      <pc:sldChg chg="modSp mod">
-        <pc:chgData name="Gibbons, Carl" userId="d2b037bc-8fb4-4222-845c-61440543a456" providerId="ADAL" clId="{3110A27C-34DA-4160-871C-1CFB075CC37D}" dt="2024-05-23T21:13:57.322" v="1512" actId="20577"/>
-        <pc:sldMkLst>
-          <pc:docMk/>
-          <pc:sldMk cId="2729151594" sldId="267"/>
-        </pc:sldMkLst>
-        <pc:spChg chg="mod">
-          <ac:chgData name="Gibbons, Carl" userId="d2b037bc-8fb4-4222-845c-61440543a456" providerId="ADAL" clId="{3110A27C-34DA-4160-871C-1CFB075CC37D}" dt="2024-05-23T20:43:49.464" v="69" actId="20577"/>
-          <ac:spMkLst>
-            <pc:docMk/>
-            <pc:sldMk cId="2729151594" sldId="267"/>
-            <ac:spMk id="2" creationId="{0E6A2DEF-4501-FAEA-A31C-4FDCBD076712}"/>
-          </ac:spMkLst>
-        </pc:spChg>
-        <pc:spChg chg="mod">
-          <ac:chgData name="Gibbons, Carl" userId="d2b037bc-8fb4-4222-845c-61440543a456" providerId="ADAL" clId="{3110A27C-34DA-4160-871C-1CFB075CC37D}" dt="2024-05-23T21:13:57.322" v="1512" actId="20577"/>
-          <ac:spMkLst>
-            <pc:docMk/>
-            <pc:sldMk cId="2729151594" sldId="267"/>
-            <ac:spMk id="7" creationId="{4247D23F-F3F9-676F-BDEB-E69E1F0AB32C}"/>
-          </ac:spMkLst>
-        </pc:spChg>
-      </pc:sldChg>
-      <pc:sldChg chg="modSp mod">
-        <pc:chgData name="Gibbons, Carl" userId="d2b037bc-8fb4-4222-845c-61440543a456" providerId="ADAL" clId="{3110A27C-34DA-4160-871C-1CFB075CC37D}" dt="2024-05-23T21:33:19.793" v="2891" actId="20577"/>
-        <pc:sldMkLst>
-          <pc:docMk/>
-          <pc:sldMk cId="2582251905" sldId="268"/>
-        </pc:sldMkLst>
-        <pc:spChg chg="mod">
-          <ac:chgData name="Gibbons, Carl" userId="d2b037bc-8fb4-4222-845c-61440543a456" providerId="ADAL" clId="{3110A27C-34DA-4160-871C-1CFB075CC37D}" dt="2024-05-23T21:29:21.877" v="2821" actId="20577"/>
-          <ac:spMkLst>
-            <pc:docMk/>
-            <pc:sldMk cId="2582251905" sldId="268"/>
-            <ac:spMk id="2" creationId="{832B45BA-6309-D8F6-D552-10D836B4EB21}"/>
-          </ac:spMkLst>
-        </pc:spChg>
-        <pc:spChg chg="mod">
-          <ac:chgData name="Gibbons, Carl" userId="d2b037bc-8fb4-4222-845c-61440543a456" providerId="ADAL" clId="{3110A27C-34DA-4160-871C-1CFB075CC37D}" dt="2024-05-23T21:33:19.793" v="2891" actId="20577"/>
-          <ac:spMkLst>
-            <pc:docMk/>
-            <pc:sldMk cId="2582251905" sldId="268"/>
-            <ac:spMk id="7" creationId="{3CE889EF-4605-DB73-C7B2-D7E3C4957F48}"/>
-          </ac:spMkLst>
-        </pc:spChg>
-      </pc:sldChg>
-      <pc:sldChg chg="modSp add mod">
-        <pc:chgData name="Gibbons, Carl" userId="d2b037bc-8fb4-4222-845c-61440543a456" providerId="ADAL" clId="{3110A27C-34DA-4160-871C-1CFB075CC37D}" dt="2024-05-23T22:00:01.206" v="3839" actId="5793"/>
-        <pc:sldMkLst>
-          <pc:docMk/>
-          <pc:sldMk cId="3170323588" sldId="269"/>
-        </pc:sldMkLst>
-        <pc:spChg chg="mod">
-          <ac:chgData name="Gibbons, Carl" userId="d2b037bc-8fb4-4222-845c-61440543a456" providerId="ADAL" clId="{3110A27C-34DA-4160-871C-1CFB075CC37D}" dt="2024-05-23T21:45:58.697" v="3267" actId="20577"/>
-          <ac:spMkLst>
-            <pc:docMk/>
-            <pc:sldMk cId="3170323588" sldId="269"/>
-            <ac:spMk id="2" creationId="{0E6A2DEF-4501-FAEA-A31C-4FDCBD076712}"/>
-          </ac:spMkLst>
-        </pc:spChg>
-        <pc:spChg chg="mod">
-          <ac:chgData name="Gibbons, Carl" userId="d2b037bc-8fb4-4222-845c-61440543a456" providerId="ADAL" clId="{3110A27C-34DA-4160-871C-1CFB075CC37D}" dt="2024-05-23T22:00:01.206" v="3839" actId="5793"/>
-          <ac:spMkLst>
-            <pc:docMk/>
-            <pc:sldMk cId="3170323588" sldId="269"/>
-            <ac:spMk id="7" creationId="{4247D23F-F3F9-676F-BDEB-E69E1F0AB32C}"/>
-          </ac:spMkLst>
-        </pc:spChg>
-      </pc:sldChg>
-      <pc:sldChg chg="modSp add mod">
-        <pc:chgData name="Gibbons, Carl" userId="d2b037bc-8fb4-4222-845c-61440543a456" providerId="ADAL" clId="{3110A27C-34DA-4160-871C-1CFB075CC37D}" dt="2024-05-23T21:45:30.113" v="3259" actId="20577"/>
-        <pc:sldMkLst>
-          <pc:docMk/>
-          <pc:sldMk cId="1864855120" sldId="270"/>
-        </pc:sldMkLst>
-        <pc:spChg chg="mod">
-          <ac:chgData name="Gibbons, Carl" userId="d2b037bc-8fb4-4222-845c-61440543a456" providerId="ADAL" clId="{3110A27C-34DA-4160-871C-1CFB075CC37D}" dt="2024-05-23T21:45:30.113" v="3259" actId="20577"/>
-          <ac:spMkLst>
-            <pc:docMk/>
-            <pc:sldMk cId="1864855120" sldId="270"/>
-            <ac:spMk id="2" creationId="{0E6A2DEF-4501-FAEA-A31C-4FDCBD076712}"/>
-          </ac:spMkLst>
-        </pc:spChg>
-        <pc:spChg chg="mod">
-          <ac:chgData name="Gibbons, Carl" userId="d2b037bc-8fb4-4222-845c-61440543a456" providerId="ADAL" clId="{3110A27C-34DA-4160-871C-1CFB075CC37D}" dt="2024-05-23T21:44:57.919" v="3248" actId="20577"/>
-          <ac:spMkLst>
-            <pc:docMk/>
-            <pc:sldMk cId="1864855120" sldId="270"/>
-            <ac:spMk id="7" creationId="{4247D23F-F3F9-676F-BDEB-E69E1F0AB32C}"/>
-          </ac:spMkLst>
-        </pc:spChg>
-      </pc:sldChg>
-      <pc:sldChg chg="modSp mod">
-        <pc:chgData name="Gibbons, Carl" userId="d2b037bc-8fb4-4222-845c-61440543a456" providerId="ADAL" clId="{3110A27C-34DA-4160-871C-1CFB075CC37D}" dt="2024-06-13T03:20:28.659" v="5787" actId="20577"/>
-        <pc:sldMkLst>
-          <pc:docMk/>
-          <pc:sldMk cId="2735391745" sldId="271"/>
-        </pc:sldMkLst>
-        <pc:spChg chg="mod">
-          <ac:chgData name="Gibbons, Carl" userId="d2b037bc-8fb4-4222-845c-61440543a456" providerId="ADAL" clId="{3110A27C-34DA-4160-871C-1CFB075CC37D}" dt="2024-05-23T21:46:10.731" v="3283" actId="20577"/>
-          <ac:spMkLst>
-            <pc:docMk/>
-            <pc:sldMk cId="2735391745" sldId="271"/>
-            <ac:spMk id="2" creationId="{0E6A2DEF-4501-FAEA-A31C-4FDCBD076712}"/>
-          </ac:spMkLst>
-        </pc:spChg>
-        <pc:spChg chg="mod">
-          <ac:chgData name="Gibbons, Carl" userId="d2b037bc-8fb4-4222-845c-61440543a456" providerId="ADAL" clId="{3110A27C-34DA-4160-871C-1CFB075CC37D}" dt="2024-06-13T03:20:28.659" v="5787" actId="20577"/>
-          <ac:spMkLst>
-            <pc:docMk/>
-            <pc:sldMk cId="2735391745" sldId="271"/>
-            <ac:spMk id="7" creationId="{4247D23F-F3F9-676F-BDEB-E69E1F0AB32C}"/>
-          </ac:spMkLst>
-        </pc:spChg>
-      </pc:sldChg>
-      <pc:sldChg chg="modSp mod">
-        <pc:chgData name="Gibbons, Carl" userId="d2b037bc-8fb4-4222-845c-61440543a456" providerId="ADAL" clId="{3110A27C-34DA-4160-871C-1CFB075CC37D}" dt="2024-05-23T22:04:04.511" v="3904" actId="20577"/>
-        <pc:sldMkLst>
-          <pc:docMk/>
-          <pc:sldMk cId="1484174322" sldId="272"/>
-        </pc:sldMkLst>
-        <pc:spChg chg="mod">
-          <ac:chgData name="Gibbons, Carl" userId="d2b037bc-8fb4-4222-845c-61440543a456" providerId="ADAL" clId="{3110A27C-34DA-4160-871C-1CFB075CC37D}" dt="2024-05-23T22:01:32.098" v="3872" actId="20577"/>
-          <ac:spMkLst>
-            <pc:docMk/>
-            <pc:sldMk cId="1484174322" sldId="272"/>
-            <ac:spMk id="2" creationId="{0E6A2DEF-4501-FAEA-A31C-4FDCBD076712}"/>
-          </ac:spMkLst>
-        </pc:spChg>
-        <pc:spChg chg="mod">
-          <ac:chgData name="Gibbons, Carl" userId="d2b037bc-8fb4-4222-845c-61440543a456" providerId="ADAL" clId="{3110A27C-34DA-4160-871C-1CFB075CC37D}" dt="2024-05-23T22:04:04.511" v="3904" actId="20577"/>
-          <ac:spMkLst>
-            <pc:docMk/>
-            <pc:sldMk cId="1484174322" sldId="272"/>
-            <ac:spMk id="7" creationId="{4247D23F-F3F9-676F-BDEB-E69E1F0AB32C}"/>
-          </ac:spMkLst>
-        </pc:spChg>
-      </pc:sldChg>
-      <pc:sldChg chg="modSp mod">
-        <pc:chgData name="Gibbons, Carl" userId="d2b037bc-8fb4-4222-845c-61440543a456" providerId="ADAL" clId="{3110A27C-34DA-4160-871C-1CFB075CC37D}" dt="2024-05-23T22:06:00.849" v="3958"/>
-        <pc:sldMkLst>
-          <pc:docMk/>
-          <pc:sldMk cId="1004317559" sldId="273"/>
-        </pc:sldMkLst>
-        <pc:spChg chg="mod">
-          <ac:chgData name="Gibbons, Carl" userId="d2b037bc-8fb4-4222-845c-61440543a456" providerId="ADAL" clId="{3110A27C-34DA-4160-871C-1CFB075CC37D}" dt="2024-05-23T22:05:01.682" v="3951" actId="20577"/>
-          <ac:spMkLst>
-            <pc:docMk/>
-            <pc:sldMk cId="1004317559" sldId="273"/>
-            <ac:spMk id="2" creationId="{0E6A2DEF-4501-FAEA-A31C-4FDCBD076712}"/>
-          </ac:spMkLst>
-        </pc:spChg>
-        <pc:spChg chg="mod">
-          <ac:chgData name="Gibbons, Carl" userId="d2b037bc-8fb4-4222-845c-61440543a456" providerId="ADAL" clId="{3110A27C-34DA-4160-871C-1CFB075CC37D}" dt="2024-05-23T22:06:00.849" v="3958"/>
-          <ac:spMkLst>
-            <pc:docMk/>
-            <pc:sldMk cId="1004317559" sldId="273"/>
-            <ac:spMk id="7" creationId="{4247D23F-F3F9-676F-BDEB-E69E1F0AB32C}"/>
-          </ac:spMkLst>
-        </pc:spChg>
-      </pc:sldChg>
-      <pc:sldChg chg="modSp mod">
-        <pc:chgData name="Gibbons, Carl" userId="d2b037bc-8fb4-4222-845c-61440543a456" providerId="ADAL" clId="{3110A27C-34DA-4160-871C-1CFB075CC37D}" dt="2024-05-23T22:09:40.592" v="4067" actId="20577"/>
-        <pc:sldMkLst>
-          <pc:docMk/>
-          <pc:sldMk cId="663954130" sldId="274"/>
-        </pc:sldMkLst>
-        <pc:spChg chg="mod">
-          <ac:chgData name="Gibbons, Carl" userId="d2b037bc-8fb4-4222-845c-61440543a456" providerId="ADAL" clId="{3110A27C-34DA-4160-871C-1CFB075CC37D}" dt="2024-05-23T22:07:13.209" v="3987" actId="27636"/>
-          <ac:spMkLst>
-            <pc:docMk/>
-            <pc:sldMk cId="663954130" sldId="274"/>
-            <ac:spMk id="2" creationId="{0E6A2DEF-4501-FAEA-A31C-4FDCBD076712}"/>
-          </ac:spMkLst>
-        </pc:spChg>
-        <pc:spChg chg="mod">
-          <ac:chgData name="Gibbons, Carl" userId="d2b037bc-8fb4-4222-845c-61440543a456" providerId="ADAL" clId="{3110A27C-34DA-4160-871C-1CFB075CC37D}" dt="2024-05-23T22:09:40.592" v="4067" actId="20577"/>
-          <ac:spMkLst>
-            <pc:docMk/>
-            <pc:sldMk cId="663954130" sldId="274"/>
-            <ac:spMk id="7" creationId="{4247D23F-F3F9-676F-BDEB-E69E1F0AB32C}"/>
-          </ac:spMkLst>
-        </pc:spChg>
-      </pc:sldChg>
-      <pc:sldChg chg="modSp mod">
-        <pc:chgData name="Gibbons, Carl" userId="d2b037bc-8fb4-4222-845c-61440543a456" providerId="ADAL" clId="{3110A27C-34DA-4160-871C-1CFB075CC37D}" dt="2024-05-23T22:22:23.746" v="4737" actId="20577"/>
-        <pc:sldMkLst>
-          <pc:docMk/>
-          <pc:sldMk cId="2536563193" sldId="275"/>
-        </pc:sldMkLst>
-        <pc:spChg chg="mod">
-          <ac:chgData name="Gibbons, Carl" userId="d2b037bc-8fb4-4222-845c-61440543a456" providerId="ADAL" clId="{3110A27C-34DA-4160-871C-1CFB075CC37D}" dt="2024-05-23T22:11:33.666" v="4091" actId="20577"/>
-          <ac:spMkLst>
-            <pc:docMk/>
-            <pc:sldMk cId="2536563193" sldId="275"/>
-            <ac:spMk id="2" creationId="{0E6A2DEF-4501-FAEA-A31C-4FDCBD076712}"/>
-          </ac:spMkLst>
-        </pc:spChg>
-        <pc:spChg chg="mod">
-          <ac:chgData name="Gibbons, Carl" userId="d2b037bc-8fb4-4222-845c-61440543a456" providerId="ADAL" clId="{3110A27C-34DA-4160-871C-1CFB075CC37D}" dt="2024-05-23T22:22:23.746" v="4737" actId="20577"/>
-          <ac:spMkLst>
-            <pc:docMk/>
-            <pc:sldMk cId="2536563193" sldId="275"/>
-            <ac:spMk id="7" creationId="{4247D23F-F3F9-676F-BDEB-E69E1F0AB32C}"/>
-          </ac:spMkLst>
-        </pc:spChg>
-      </pc:sldChg>
-      <pc:sldChg chg="modSp mod">
-        <pc:chgData name="Gibbons, Carl" userId="d2b037bc-8fb4-4222-845c-61440543a456" providerId="ADAL" clId="{3110A27C-34DA-4160-871C-1CFB075CC37D}" dt="2024-05-23T22:33:54.493" v="5089" actId="20577"/>
-        <pc:sldMkLst>
-          <pc:docMk/>
-          <pc:sldMk cId="885063229" sldId="276"/>
-        </pc:sldMkLst>
-        <pc:spChg chg="mod">
-          <ac:chgData name="Gibbons, Carl" userId="d2b037bc-8fb4-4222-845c-61440543a456" providerId="ADAL" clId="{3110A27C-34DA-4160-871C-1CFB075CC37D}" dt="2024-05-23T22:23:56.169" v="4802" actId="20577"/>
-          <ac:spMkLst>
-            <pc:docMk/>
-            <pc:sldMk cId="885063229" sldId="276"/>
-            <ac:spMk id="2" creationId="{0E6A2DEF-4501-FAEA-A31C-4FDCBD076712}"/>
-          </ac:spMkLst>
-        </pc:spChg>
-        <pc:spChg chg="mod">
-          <ac:chgData name="Gibbons, Carl" userId="d2b037bc-8fb4-4222-845c-61440543a456" providerId="ADAL" clId="{3110A27C-34DA-4160-871C-1CFB075CC37D}" dt="2024-05-23T22:33:54.493" v="5089" actId="20577"/>
-          <ac:spMkLst>
-            <pc:docMk/>
-            <pc:sldMk cId="885063229" sldId="276"/>
-            <ac:spMk id="7" creationId="{4247D23F-F3F9-676F-BDEB-E69E1F0AB32C}"/>
-          </ac:spMkLst>
-        </pc:spChg>
-      </pc:sldChg>
-      <pc:sldChg chg="modSp add mod">
-        <pc:chgData name="Gibbons, Carl" userId="d2b037bc-8fb4-4222-845c-61440543a456" providerId="ADAL" clId="{3110A27C-34DA-4160-871C-1CFB075CC37D}" dt="2024-05-23T22:37:43.712" v="5197" actId="20577"/>
-        <pc:sldMkLst>
-          <pc:docMk/>
-          <pc:sldMk cId="3170433335" sldId="277"/>
-        </pc:sldMkLst>
-        <pc:spChg chg="mod">
-          <ac:chgData name="Gibbons, Carl" userId="d2b037bc-8fb4-4222-845c-61440543a456" providerId="ADAL" clId="{3110A27C-34DA-4160-871C-1CFB075CC37D}" dt="2024-05-23T22:37:43.712" v="5197" actId="20577"/>
-          <ac:spMkLst>
-            <pc:docMk/>
-            <pc:sldMk cId="3170433335" sldId="277"/>
-            <ac:spMk id="2" creationId="{0E6A2DEF-4501-FAEA-A31C-4FDCBD076712}"/>
-          </ac:spMkLst>
-        </pc:spChg>
-        <pc:spChg chg="mod">
-          <ac:chgData name="Gibbons, Carl" userId="d2b037bc-8fb4-4222-845c-61440543a456" providerId="ADAL" clId="{3110A27C-34DA-4160-871C-1CFB075CC37D}" dt="2024-05-23T22:36:02.152" v="5192" actId="20577"/>
-          <ac:spMkLst>
-            <pc:docMk/>
-            <pc:sldMk cId="3170433335" sldId="277"/>
-            <ac:spMk id="7" creationId="{4247D23F-F3F9-676F-BDEB-E69E1F0AB32C}"/>
-          </ac:spMkLst>
-        </pc:spChg>
-      </pc:sldChg>
-      <pc:sldChg chg="modSp add mod">
-        <pc:chgData name="Gibbons, Carl" userId="d2b037bc-8fb4-4222-845c-61440543a456" providerId="ADAL" clId="{3110A27C-34DA-4160-871C-1CFB075CC37D}" dt="2024-05-23T22:41:27.692" v="5446" actId="20577"/>
-        <pc:sldMkLst>
-          <pc:docMk/>
-          <pc:sldMk cId="3410531135" sldId="278"/>
-        </pc:sldMkLst>
-        <pc:spChg chg="mod">
-          <ac:chgData name="Gibbons, Carl" userId="d2b037bc-8fb4-4222-845c-61440543a456" providerId="ADAL" clId="{3110A27C-34DA-4160-871C-1CFB075CC37D}" dt="2024-05-23T22:41:27.692" v="5446" actId="20577"/>
-          <ac:spMkLst>
-            <pc:docMk/>
-            <pc:sldMk cId="3410531135" sldId="278"/>
-            <ac:spMk id="2" creationId="{0E6A2DEF-4501-FAEA-A31C-4FDCBD076712}"/>
-          </ac:spMkLst>
-        </pc:spChg>
-        <pc:spChg chg="mod">
-          <ac:chgData name="Gibbons, Carl" userId="d2b037bc-8fb4-4222-845c-61440543a456" providerId="ADAL" clId="{3110A27C-34DA-4160-871C-1CFB075CC37D}" dt="2024-05-23T22:40:31.905" v="5297" actId="20577"/>
-          <ac:spMkLst>
-            <pc:docMk/>
-            <pc:sldMk cId="3410531135" sldId="278"/>
-            <ac:spMk id="7" creationId="{4247D23F-F3F9-676F-BDEB-E69E1F0AB32C}"/>
-          </ac:spMkLst>
-        </pc:spChg>
-      </pc:sldChg>
-      <pc:sldChg chg="add del">
-        <pc:chgData name="Gibbons, Carl" userId="d2b037bc-8fb4-4222-845c-61440543a456" providerId="ADAL" clId="{3110A27C-34DA-4160-871C-1CFB075CC37D}" dt="2024-05-23T22:28:04.159" v="4847" actId="47"/>
-        <pc:sldMkLst>
-          <pc:docMk/>
-          <pc:sldMk cId="3985654615" sldId="278"/>
-        </pc:sldMkLst>
-      </pc:sldChg>
-      <pc:sldChg chg="add del">
-        <pc:chgData name="Gibbons, Carl" userId="d2b037bc-8fb4-4222-845c-61440543a456" providerId="ADAL" clId="{3110A27C-34DA-4160-871C-1CFB075CC37D}" dt="2024-05-23T22:38:00.598" v="5199" actId="2696"/>
-        <pc:sldMkLst>
-          <pc:docMk/>
-          <pc:sldMk cId="2517179178" sldId="279"/>
-        </pc:sldMkLst>
-      </pc:sldChg>
-    </pc:docChg>
-  </pc:docChgLst>
-  <pc:docChgLst>
-    <pc:chgData name="Gibbons, Carl" userId="d2b037bc-8fb4-4222-845c-61440543a456" providerId="ADAL" clId="{8C497311-FA0D-4174-880A-DAA4EEB2BF3B}"/>
-    <pc:docChg chg="custSel delSld modSld">
-      <pc:chgData name="Gibbons, Carl" userId="d2b037bc-8fb4-4222-845c-61440543a456" providerId="ADAL" clId="{8C497311-FA0D-4174-880A-DAA4EEB2BF3B}" dt="2023-12-29T17:07:57.293" v="7187" actId="20577"/>
-      <pc:docMkLst>
-        <pc:docMk/>
-      </pc:docMkLst>
-      <pc:sldChg chg="modSp mod">
-        <pc:chgData name="Gibbons, Carl" userId="d2b037bc-8fb4-4222-845c-61440543a456" providerId="ADAL" clId="{8C497311-FA0D-4174-880A-DAA4EEB2BF3B}" dt="2023-12-29T17:06:57.427" v="7098" actId="20577"/>
-        <pc:sldMkLst>
-          <pc:docMk/>
-          <pc:sldMk cId="3308175748" sldId="256"/>
-        </pc:sldMkLst>
-        <pc:spChg chg="mod">
-          <ac:chgData name="Gibbons, Carl" userId="d2b037bc-8fb4-4222-845c-61440543a456" providerId="ADAL" clId="{8C497311-FA0D-4174-880A-DAA4EEB2BF3B}" dt="2023-12-29T17:06:57.427" v="7098" actId="20577"/>
-          <ac:spMkLst>
-            <pc:docMk/>
-            <pc:sldMk cId="3308175748" sldId="256"/>
-            <ac:spMk id="3" creationId="{EEC4D41B-E776-05F2-BE0B-89BB339485AB}"/>
-          </ac:spMkLst>
-        </pc:spChg>
-      </pc:sldChg>
-      <pc:sldChg chg="modSp mod">
-        <pc:chgData name="Gibbons, Carl" userId="d2b037bc-8fb4-4222-845c-61440543a456" providerId="ADAL" clId="{8C497311-FA0D-4174-880A-DAA4EEB2BF3B}" dt="2023-12-29T15:08:44.674" v="3403" actId="20577"/>
-        <pc:sldMkLst>
-          <pc:docMk/>
-          <pc:sldMk cId="2312486803" sldId="261"/>
-        </pc:sldMkLst>
-        <pc:spChg chg="mod">
-          <ac:chgData name="Gibbons, Carl" userId="d2b037bc-8fb4-4222-845c-61440543a456" providerId="ADAL" clId="{8C497311-FA0D-4174-880A-DAA4EEB2BF3B}" dt="2023-12-29T14:20:41.496" v="51" actId="20577"/>
-          <ac:spMkLst>
-            <pc:docMk/>
-            <pc:sldMk cId="2312486803" sldId="261"/>
-            <ac:spMk id="2" creationId="{31B75992-5098-A283-4925-2CCEBB801DC5}"/>
-          </ac:spMkLst>
-        </pc:spChg>
-        <pc:spChg chg="mod">
-          <ac:chgData name="Gibbons, Carl" userId="d2b037bc-8fb4-4222-845c-61440543a456" providerId="ADAL" clId="{8C497311-FA0D-4174-880A-DAA4EEB2BF3B}" dt="2023-12-29T15:08:44.674" v="3403" actId="20577"/>
-          <ac:spMkLst>
-            <pc:docMk/>
-            <pc:sldMk cId="2312486803" sldId="261"/>
-            <ac:spMk id="3" creationId="{B5924E0F-A977-1710-779D-EEB74261AF34}"/>
-          </ac:spMkLst>
-        </pc:spChg>
-      </pc:sldChg>
-      <pc:sldChg chg="delSp modSp mod">
-        <pc:chgData name="Gibbons, Carl" userId="d2b037bc-8fb4-4222-845c-61440543a456" providerId="ADAL" clId="{8C497311-FA0D-4174-880A-DAA4EEB2BF3B}" dt="2023-12-29T17:07:57.293" v="7187" actId="20577"/>
-        <pc:sldMkLst>
-          <pc:docMk/>
-          <pc:sldMk cId="657795359" sldId="277"/>
-        </pc:sldMkLst>
-        <pc:spChg chg="mod">
-          <ac:chgData name="Gibbons, Carl" userId="d2b037bc-8fb4-4222-845c-61440543a456" providerId="ADAL" clId="{8C497311-FA0D-4174-880A-DAA4EEB2BF3B}" dt="2023-12-29T17:07:57.293" v="7187" actId="20577"/>
-          <ac:spMkLst>
-            <pc:docMk/>
-            <pc:sldMk cId="657795359" sldId="277"/>
-            <ac:spMk id="2" creationId="{1862E903-3C56-BB42-2361-009F2336475A}"/>
-          </ac:spMkLst>
-        </pc:spChg>
-        <pc:spChg chg="del mod">
-          <ac:chgData name="Gibbons, Carl" userId="d2b037bc-8fb4-4222-845c-61440543a456" providerId="ADAL" clId="{8C497311-FA0D-4174-880A-DAA4EEB2BF3B}" dt="2023-12-29T17:07:50.480" v="7185"/>
-          <ac:spMkLst>
-            <pc:docMk/>
-            <pc:sldMk cId="657795359" sldId="277"/>
-            <ac:spMk id="3" creationId="{90179172-96B3-95D0-A137-257770BE7642}"/>
-          </ac:spMkLst>
-        </pc:spChg>
-      </pc:sldChg>
-      <pc:sldChg chg="modSp mod">
-        <pc:chgData name="Gibbons, Carl" userId="d2b037bc-8fb4-4222-845c-61440543a456" providerId="ADAL" clId="{8C497311-FA0D-4174-880A-DAA4EEB2BF3B}" dt="2023-12-29T15:35:37.192" v="6042" actId="5793"/>
-        <pc:sldMkLst>
-          <pc:docMk/>
-          <pc:sldMk cId="3989541258" sldId="278"/>
-        </pc:sldMkLst>
-        <pc:spChg chg="mod">
-          <ac:chgData name="Gibbons, Carl" userId="d2b037bc-8fb4-4222-845c-61440543a456" providerId="ADAL" clId="{8C497311-FA0D-4174-880A-DAA4EEB2BF3B}" dt="2023-12-29T15:09:22.213" v="3411" actId="20577"/>
-          <ac:spMkLst>
-            <pc:docMk/>
-            <pc:sldMk cId="3989541258" sldId="278"/>
-            <ac:spMk id="2" creationId="{31B75992-5098-A283-4925-2CCEBB801DC5}"/>
-          </ac:spMkLst>
-        </pc:spChg>
-        <pc:spChg chg="mod">
-          <ac:chgData name="Gibbons, Carl" userId="d2b037bc-8fb4-4222-845c-61440543a456" providerId="ADAL" clId="{8C497311-FA0D-4174-880A-DAA4EEB2BF3B}" dt="2023-12-29T15:35:37.192" v="6042" actId="5793"/>
-          <ac:spMkLst>
-            <pc:docMk/>
-            <pc:sldMk cId="3989541258" sldId="278"/>
-            <ac:spMk id="3" creationId="{B5924E0F-A977-1710-779D-EEB74261AF34}"/>
-          </ac:spMkLst>
-        </pc:spChg>
-      </pc:sldChg>
-      <pc:sldChg chg="del">
-        <pc:chgData name="Gibbons, Carl" userId="d2b037bc-8fb4-4222-845c-61440543a456" providerId="ADAL" clId="{8C497311-FA0D-4174-880A-DAA4EEB2BF3B}" dt="2023-12-29T17:07:06.467" v="7099" actId="47"/>
-        <pc:sldMkLst>
-          <pc:docMk/>
-          <pc:sldMk cId="2335633195" sldId="279"/>
-        </pc:sldMkLst>
-      </pc:sldChg>
-      <pc:sldChg chg="del">
-        <pc:chgData name="Gibbons, Carl" userId="d2b037bc-8fb4-4222-845c-61440543a456" providerId="ADAL" clId="{8C497311-FA0D-4174-880A-DAA4EEB2BF3B}" dt="2023-12-29T17:07:07.395" v="7100" actId="47"/>
-        <pc:sldMkLst>
-          <pc:docMk/>
-          <pc:sldMk cId="1284534978" sldId="280"/>
-        </pc:sldMkLst>
-      </pc:sldChg>
-      <pc:sldChg chg="del">
-        <pc:chgData name="Gibbons, Carl" userId="d2b037bc-8fb4-4222-845c-61440543a456" providerId="ADAL" clId="{8C497311-FA0D-4174-880A-DAA4EEB2BF3B}" dt="2023-12-29T17:07:07.895" v="7101" actId="47"/>
-        <pc:sldMkLst>
-          <pc:docMk/>
-          <pc:sldMk cId="1802585387" sldId="281"/>
-        </pc:sldMkLst>
-      </pc:sldChg>
-      <pc:sldChg chg="del">
-        <pc:chgData name="Gibbons, Carl" userId="d2b037bc-8fb4-4222-845c-61440543a456" providerId="ADAL" clId="{8C497311-FA0D-4174-880A-DAA4EEB2BF3B}" dt="2023-12-29T17:07:08.365" v="7102" actId="47"/>
-        <pc:sldMkLst>
-          <pc:docMk/>
-          <pc:sldMk cId="724803187" sldId="282"/>
-        </pc:sldMkLst>
-      </pc:sldChg>
-      <pc:sldChg chg="del">
-        <pc:chgData name="Gibbons, Carl" userId="d2b037bc-8fb4-4222-845c-61440543a456" providerId="ADAL" clId="{8C497311-FA0D-4174-880A-DAA4EEB2BF3B}" dt="2023-12-29T17:07:08.842" v="7103" actId="47"/>
-        <pc:sldMkLst>
-          <pc:docMk/>
-          <pc:sldMk cId="1926009205" sldId="283"/>
-        </pc:sldMkLst>
-      </pc:sldChg>
-      <pc:sldChg chg="del">
-        <pc:chgData name="Gibbons, Carl" userId="d2b037bc-8fb4-4222-845c-61440543a456" providerId="ADAL" clId="{8C497311-FA0D-4174-880A-DAA4EEB2BF3B}" dt="2023-12-29T17:07:09.362" v="7104" actId="47"/>
-        <pc:sldMkLst>
-          <pc:docMk/>
-          <pc:sldMk cId="2366216895" sldId="284"/>
-        </pc:sldMkLst>
-      </pc:sldChg>
-      <pc:sldChg chg="del">
-        <pc:chgData name="Gibbons, Carl" userId="d2b037bc-8fb4-4222-845c-61440543a456" providerId="ADAL" clId="{8C497311-FA0D-4174-880A-DAA4EEB2BF3B}" dt="2023-12-29T17:07:09.925" v="7105" actId="47"/>
-        <pc:sldMkLst>
-          <pc:docMk/>
-          <pc:sldMk cId="3371896289" sldId="285"/>
-        </pc:sldMkLst>
-      </pc:sldChg>
-      <pc:sldChg chg="del">
-        <pc:chgData name="Gibbons, Carl" userId="d2b037bc-8fb4-4222-845c-61440543a456" providerId="ADAL" clId="{8C497311-FA0D-4174-880A-DAA4EEB2BF3B}" dt="2023-12-29T17:07:10.474" v="7106" actId="47"/>
-        <pc:sldMkLst>
-          <pc:docMk/>
-          <pc:sldMk cId="3193160409" sldId="286"/>
-        </pc:sldMkLst>
-      </pc:sldChg>
-      <pc:sldChg chg="del">
-        <pc:chgData name="Gibbons, Carl" userId="d2b037bc-8fb4-4222-845c-61440543a456" providerId="ADAL" clId="{8C497311-FA0D-4174-880A-DAA4EEB2BF3B}" dt="2023-12-29T17:07:11.056" v="7107" actId="47"/>
-        <pc:sldMkLst>
-          <pc:docMk/>
-          <pc:sldMk cId="2688338374" sldId="287"/>
-        </pc:sldMkLst>
-      </pc:sldChg>
-      <pc:sldChg chg="del">
-        <pc:chgData name="Gibbons, Carl" userId="d2b037bc-8fb4-4222-845c-61440543a456" providerId="ADAL" clId="{8C497311-FA0D-4174-880A-DAA4EEB2BF3B}" dt="2023-12-29T17:07:11.624" v="7108" actId="47"/>
-        <pc:sldMkLst>
-          <pc:docMk/>
-          <pc:sldMk cId="2142935017" sldId="288"/>
-        </pc:sldMkLst>
-      </pc:sldChg>
-      <pc:sldChg chg="del">
-        <pc:chgData name="Gibbons, Carl" userId="d2b037bc-8fb4-4222-845c-61440543a456" providerId="ADAL" clId="{8C497311-FA0D-4174-880A-DAA4EEB2BF3B}" dt="2023-12-29T17:07:12.218" v="7109" actId="47"/>
-        <pc:sldMkLst>
-          <pc:docMk/>
-          <pc:sldMk cId="2784625941" sldId="289"/>
-        </pc:sldMkLst>
-      </pc:sldChg>
-      <pc:sldChg chg="del">
-        <pc:chgData name="Gibbons, Carl" userId="d2b037bc-8fb4-4222-845c-61440543a456" providerId="ADAL" clId="{8C497311-FA0D-4174-880A-DAA4EEB2BF3B}" dt="2023-12-29T17:07:12.802" v="7110" actId="47"/>
-        <pc:sldMkLst>
-          <pc:docMk/>
-          <pc:sldMk cId="1677974689" sldId="290"/>
-        </pc:sldMkLst>
-      </pc:sldChg>
-      <pc:sldChg chg="del">
-        <pc:chgData name="Gibbons, Carl" userId="d2b037bc-8fb4-4222-845c-61440543a456" providerId="ADAL" clId="{8C497311-FA0D-4174-880A-DAA4EEB2BF3B}" dt="2023-12-29T17:07:13.420" v="7111" actId="47"/>
-        <pc:sldMkLst>
-          <pc:docMk/>
-          <pc:sldMk cId="4219326696" sldId="291"/>
-        </pc:sldMkLst>
-      </pc:sldChg>
-      <pc:sldChg chg="del">
-        <pc:chgData name="Gibbons, Carl" userId="d2b037bc-8fb4-4222-845c-61440543a456" providerId="ADAL" clId="{8C497311-FA0D-4174-880A-DAA4EEB2BF3B}" dt="2023-12-29T17:07:14.054" v="7112" actId="47"/>
-        <pc:sldMkLst>
-          <pc:docMk/>
-          <pc:sldMk cId="33911121" sldId="292"/>
-        </pc:sldMkLst>
-      </pc:sldChg>
-      <pc:sldChg chg="modSp mod">
-        <pc:chgData name="Gibbons, Carl" userId="d2b037bc-8fb4-4222-845c-61440543a456" providerId="ADAL" clId="{8C497311-FA0D-4174-880A-DAA4EEB2BF3B}" dt="2023-12-29T15:43:57.081" v="7062" actId="20577"/>
-        <pc:sldMkLst>
-          <pc:docMk/>
-          <pc:sldMk cId="1861646120" sldId="293"/>
-        </pc:sldMkLst>
-        <pc:spChg chg="mod">
-          <ac:chgData name="Gibbons, Carl" userId="d2b037bc-8fb4-4222-845c-61440543a456" providerId="ADAL" clId="{8C497311-FA0D-4174-880A-DAA4EEB2BF3B}" dt="2023-12-29T15:36:21.703" v="6112" actId="20577"/>
-          <ac:spMkLst>
-            <pc:docMk/>
-            <pc:sldMk cId="1861646120" sldId="293"/>
-            <ac:spMk id="2" creationId="{31B75992-5098-A283-4925-2CCEBB801DC5}"/>
-          </ac:spMkLst>
-        </pc:spChg>
-        <pc:spChg chg="mod">
-          <ac:chgData name="Gibbons, Carl" userId="d2b037bc-8fb4-4222-845c-61440543a456" providerId="ADAL" clId="{8C497311-FA0D-4174-880A-DAA4EEB2BF3B}" dt="2023-12-29T15:43:57.081" v="7062" actId="20577"/>
-          <ac:spMkLst>
-            <pc:docMk/>
-            <pc:sldMk cId="1861646120" sldId="293"/>
-            <ac:spMk id="3" creationId="{B5924E0F-A977-1710-779D-EEB74261AF34}"/>
-          </ac:spMkLst>
-        </pc:spChg>
-      </pc:sldChg>
-    </pc:docChg>
-  </pc:docChgLst>
-  <pc:docChgLst>
-    <pc:chgData name="Gibbons, Carl" userId="d2b037bc-8fb4-4222-845c-61440543a456" providerId="ADAL" clId="{4505F98C-4CC4-4983-9729-597D2A150C85}"/>
-    <pc:docChg chg="undo custSel addSld delSld modSld">
-      <pc:chgData name="Gibbons, Carl" userId="d2b037bc-8fb4-4222-845c-61440543a456" providerId="ADAL" clId="{4505F98C-4CC4-4983-9729-597D2A150C85}" dt="2023-12-29T02:21:47.448" v="17685" actId="20577"/>
-      <pc:docMkLst>
-        <pc:docMk/>
-      </pc:docMkLst>
-      <pc:sldChg chg="modSp mod">
-        <pc:chgData name="Gibbons, Carl" userId="d2b037bc-8fb4-4222-845c-61440543a456" providerId="ADAL" clId="{4505F98C-4CC4-4983-9729-597D2A150C85}" dt="2023-12-28T22:02:31.848" v="28" actId="20577"/>
-        <pc:sldMkLst>
-          <pc:docMk/>
-          <pc:sldMk cId="3308175748" sldId="256"/>
-        </pc:sldMkLst>
-        <pc:spChg chg="mod">
-          <ac:chgData name="Gibbons, Carl" userId="d2b037bc-8fb4-4222-845c-61440543a456" providerId="ADAL" clId="{4505F98C-4CC4-4983-9729-597D2A150C85}" dt="2023-12-28T22:02:31.848" v="28" actId="20577"/>
-          <ac:spMkLst>
-            <pc:docMk/>
-            <pc:sldMk cId="3308175748" sldId="256"/>
-            <ac:spMk id="3" creationId="{EEC4D41B-E776-05F2-BE0B-89BB339485AB}"/>
-          </ac:spMkLst>
-        </pc:spChg>
-      </pc:sldChg>
-      <pc:sldChg chg="modSp mod">
-        <pc:chgData name="Gibbons, Carl" userId="d2b037bc-8fb4-4222-845c-61440543a456" providerId="ADAL" clId="{4505F98C-4CC4-4983-9729-597D2A150C85}" dt="2023-12-28T22:45:53.299" v="4302" actId="20577"/>
-        <pc:sldMkLst>
-          <pc:docMk/>
-          <pc:sldMk cId="2312486803" sldId="261"/>
-        </pc:sldMkLst>
-        <pc:spChg chg="mod">
-          <ac:chgData name="Gibbons, Carl" userId="d2b037bc-8fb4-4222-845c-61440543a456" providerId="ADAL" clId="{4505F98C-4CC4-4983-9729-597D2A150C85}" dt="2023-12-28T22:02:40.492" v="50" actId="20577"/>
-          <ac:spMkLst>
-            <pc:docMk/>
-            <pc:sldMk cId="2312486803" sldId="261"/>
-            <ac:spMk id="2" creationId="{31B75992-5098-A283-4925-2CCEBB801DC5}"/>
-          </ac:spMkLst>
-        </pc:spChg>
-        <pc:spChg chg="mod">
-          <ac:chgData name="Gibbons, Carl" userId="d2b037bc-8fb4-4222-845c-61440543a456" providerId="ADAL" clId="{4505F98C-4CC4-4983-9729-597D2A150C85}" dt="2023-12-28T22:45:53.299" v="4302" actId="20577"/>
-          <ac:spMkLst>
-            <pc:docMk/>
-            <pc:sldMk cId="2312486803" sldId="261"/>
-            <ac:spMk id="3" creationId="{B5924E0F-A977-1710-779D-EEB74261AF34}"/>
-          </ac:spMkLst>
-        </pc:spChg>
-      </pc:sldChg>
-      <pc:sldChg chg="modSp mod">
-        <pc:chgData name="Gibbons, Carl" userId="d2b037bc-8fb4-4222-845c-61440543a456" providerId="ADAL" clId="{4505F98C-4CC4-4983-9729-597D2A150C85}" dt="2023-12-29T02:18:39.170" v="17623" actId="20577"/>
-        <pc:sldMkLst>
-          <pc:docMk/>
-          <pc:sldMk cId="657795359" sldId="277"/>
-        </pc:sldMkLst>
-        <pc:spChg chg="mod">
-          <ac:chgData name="Gibbons, Carl" userId="d2b037bc-8fb4-4222-845c-61440543a456" providerId="ADAL" clId="{4505F98C-4CC4-4983-9729-597D2A150C85}" dt="2023-12-29T02:18:39.170" v="17623" actId="20577"/>
-          <ac:spMkLst>
-            <pc:docMk/>
-            <pc:sldMk cId="657795359" sldId="277"/>
-            <ac:spMk id="3" creationId="{90179172-96B3-95D0-A137-257770BE7642}"/>
-          </ac:spMkLst>
-        </pc:spChg>
-      </pc:sldChg>
-      <pc:sldChg chg="modSp mod">
-        <pc:chgData name="Gibbons, Carl" userId="d2b037bc-8fb4-4222-845c-61440543a456" providerId="ADAL" clId="{4505F98C-4CC4-4983-9729-597D2A150C85}" dt="2023-12-29T02:21:47.448" v="17685" actId="20577"/>
-        <pc:sldMkLst>
-          <pc:docMk/>
-          <pc:sldMk cId="3989541258" sldId="278"/>
-        </pc:sldMkLst>
-        <pc:spChg chg="mod">
-          <ac:chgData name="Gibbons, Carl" userId="d2b037bc-8fb4-4222-845c-61440543a456" providerId="ADAL" clId="{4505F98C-4CC4-4983-9729-597D2A150C85}" dt="2023-12-28T22:23:56.363" v="2262" actId="20577"/>
-          <ac:spMkLst>
-            <pc:docMk/>
-            <pc:sldMk cId="3989541258" sldId="278"/>
-            <ac:spMk id="2" creationId="{31B75992-5098-A283-4925-2CCEBB801DC5}"/>
-          </ac:spMkLst>
-        </pc:spChg>
-        <pc:spChg chg="mod">
-          <ac:chgData name="Gibbons, Carl" userId="d2b037bc-8fb4-4222-845c-61440543a456" providerId="ADAL" clId="{4505F98C-4CC4-4983-9729-597D2A150C85}" dt="2023-12-29T02:21:47.448" v="17685" actId="20577"/>
-          <ac:spMkLst>
-            <pc:docMk/>
-            <pc:sldMk cId="3989541258" sldId="278"/>
-            <ac:spMk id="3" creationId="{B5924E0F-A977-1710-779D-EEB74261AF34}"/>
-          </ac:spMkLst>
-        </pc:spChg>
-      </pc:sldChg>
-      <pc:sldChg chg="modSp mod">
-        <pc:chgData name="Gibbons, Carl" userId="d2b037bc-8fb4-4222-845c-61440543a456" providerId="ADAL" clId="{4505F98C-4CC4-4983-9729-597D2A150C85}" dt="2023-12-29T00:21:55.646" v="8344" actId="20577"/>
-        <pc:sldMkLst>
-          <pc:docMk/>
-          <pc:sldMk cId="2335633195" sldId="279"/>
-        </pc:sldMkLst>
-        <pc:spChg chg="mod">
-          <ac:chgData name="Gibbons, Carl" userId="d2b037bc-8fb4-4222-845c-61440543a456" providerId="ADAL" clId="{4505F98C-4CC4-4983-9729-597D2A150C85}" dt="2023-12-29T00:21:55.646" v="8344" actId="20577"/>
-          <ac:spMkLst>
-            <pc:docMk/>
-            <pc:sldMk cId="2335633195" sldId="279"/>
-            <ac:spMk id="2" creationId="{31B75992-5098-A283-4925-2CCEBB801DC5}"/>
-          </ac:spMkLst>
-        </pc:spChg>
-        <pc:spChg chg="mod">
-          <ac:chgData name="Gibbons, Carl" userId="d2b037bc-8fb4-4222-845c-61440543a456" providerId="ADAL" clId="{4505F98C-4CC4-4983-9729-597D2A150C85}" dt="2023-12-28T22:56:22.080" v="4730" actId="20577"/>
-          <ac:spMkLst>
-            <pc:docMk/>
-            <pc:sldMk cId="2335633195" sldId="279"/>
-            <ac:spMk id="3" creationId="{B5924E0F-A977-1710-779D-EEB74261AF34}"/>
-          </ac:spMkLst>
-        </pc:spChg>
-      </pc:sldChg>
-      <pc:sldChg chg="modSp add mod">
-        <pc:chgData name="Gibbons, Carl" userId="d2b037bc-8fb4-4222-845c-61440543a456" providerId="ADAL" clId="{4505F98C-4CC4-4983-9729-597D2A150C85}" dt="2023-12-28T23:39:19.135" v="5592" actId="20577"/>
-        <pc:sldMkLst>
-          <pc:docMk/>
-          <pc:sldMk cId="1284534978" sldId="280"/>
-        </pc:sldMkLst>
-        <pc:spChg chg="mod">
-          <ac:chgData name="Gibbons, Carl" userId="d2b037bc-8fb4-4222-845c-61440543a456" providerId="ADAL" clId="{4505F98C-4CC4-4983-9729-597D2A150C85}" dt="2023-12-28T23:26:13.166" v="4743" actId="20577"/>
-          <ac:spMkLst>
-            <pc:docMk/>
-            <pc:sldMk cId="1284534978" sldId="280"/>
-            <ac:spMk id="2" creationId="{31B75992-5098-A283-4925-2CCEBB801DC5}"/>
-          </ac:spMkLst>
-        </pc:spChg>
-        <pc:spChg chg="mod">
-          <ac:chgData name="Gibbons, Carl" userId="d2b037bc-8fb4-4222-845c-61440543a456" providerId="ADAL" clId="{4505F98C-4CC4-4983-9729-597D2A150C85}" dt="2023-12-28T23:39:19.135" v="5592" actId="20577"/>
-          <ac:spMkLst>
-            <pc:docMk/>
-            <pc:sldMk cId="1284534978" sldId="280"/>
-            <ac:spMk id="3" creationId="{B5924E0F-A977-1710-779D-EEB74261AF34}"/>
-          </ac:spMkLst>
-        </pc:spChg>
-      </pc:sldChg>
-      <pc:sldChg chg="modSp mod">
-        <pc:chgData name="Gibbons, Carl" userId="d2b037bc-8fb4-4222-845c-61440543a456" providerId="ADAL" clId="{4505F98C-4CC4-4983-9729-597D2A150C85}" dt="2023-12-28T23:42:19.634" v="5967" actId="20577"/>
-        <pc:sldMkLst>
-          <pc:docMk/>
-          <pc:sldMk cId="1802585387" sldId="281"/>
-        </pc:sldMkLst>
-        <pc:spChg chg="mod">
-          <ac:chgData name="Gibbons, Carl" userId="d2b037bc-8fb4-4222-845c-61440543a456" providerId="ADAL" clId="{4505F98C-4CC4-4983-9729-597D2A150C85}" dt="2023-12-28T23:34:47.360" v="5351" actId="20577"/>
-          <ac:spMkLst>
-            <pc:docMk/>
-            <pc:sldMk cId="1802585387" sldId="281"/>
-            <ac:spMk id="2" creationId="{31B75992-5098-A283-4925-2CCEBB801DC5}"/>
-          </ac:spMkLst>
-        </pc:spChg>
-        <pc:spChg chg="mod">
-          <ac:chgData name="Gibbons, Carl" userId="d2b037bc-8fb4-4222-845c-61440543a456" providerId="ADAL" clId="{4505F98C-4CC4-4983-9729-597D2A150C85}" dt="2023-12-28T23:42:19.634" v="5967" actId="20577"/>
-          <ac:spMkLst>
-            <pc:docMk/>
-            <pc:sldMk cId="1802585387" sldId="281"/>
-            <ac:spMk id="3" creationId="{B5924E0F-A977-1710-779D-EEB74261AF34}"/>
-          </ac:spMkLst>
-        </pc:spChg>
-      </pc:sldChg>
-      <pc:sldChg chg="modSp mod">
-        <pc:chgData name="Gibbons, Carl" userId="d2b037bc-8fb4-4222-845c-61440543a456" providerId="ADAL" clId="{4505F98C-4CC4-4983-9729-597D2A150C85}" dt="2023-12-28T23:54:03.356" v="6623"/>
-        <pc:sldMkLst>
-          <pc:docMk/>
-          <pc:sldMk cId="724803187" sldId="282"/>
-        </pc:sldMkLst>
-        <pc:spChg chg="mod">
-          <ac:chgData name="Gibbons, Carl" userId="d2b037bc-8fb4-4222-845c-61440543a456" providerId="ADAL" clId="{4505F98C-4CC4-4983-9729-597D2A150C85}" dt="2023-12-28T23:39:52.399" v="5606" actId="20577"/>
-          <ac:spMkLst>
-            <pc:docMk/>
-            <pc:sldMk cId="724803187" sldId="282"/>
-            <ac:spMk id="2" creationId="{31B75992-5098-A283-4925-2CCEBB801DC5}"/>
-          </ac:spMkLst>
-        </pc:spChg>
-        <pc:spChg chg="mod">
-          <ac:chgData name="Gibbons, Carl" userId="d2b037bc-8fb4-4222-845c-61440543a456" providerId="ADAL" clId="{4505F98C-4CC4-4983-9729-597D2A150C85}" dt="2023-12-28T23:54:03.356" v="6623"/>
-          <ac:spMkLst>
-            <pc:docMk/>
-            <pc:sldMk cId="724803187" sldId="282"/>
-            <ac:spMk id="3" creationId="{B5924E0F-A977-1710-779D-EEB74261AF34}"/>
-          </ac:spMkLst>
-        </pc:spChg>
-      </pc:sldChg>
-      <pc:sldChg chg="modSp mod">
-        <pc:chgData name="Gibbons, Carl" userId="d2b037bc-8fb4-4222-845c-61440543a456" providerId="ADAL" clId="{4505F98C-4CC4-4983-9729-597D2A150C85}" dt="2023-12-29T02:19:53.158" v="17637" actId="20577"/>
-        <pc:sldMkLst>
-          <pc:docMk/>
-          <pc:sldMk cId="1926009205" sldId="283"/>
-        </pc:sldMkLst>
-        <pc:spChg chg="mod">
-          <ac:chgData name="Gibbons, Carl" userId="d2b037bc-8fb4-4222-845c-61440543a456" providerId="ADAL" clId="{4505F98C-4CC4-4983-9729-597D2A150C85}" dt="2023-12-29T00:22:07.704" v="8354" actId="20577"/>
-          <ac:spMkLst>
-            <pc:docMk/>
-            <pc:sldMk cId="1926009205" sldId="283"/>
-            <ac:spMk id="2" creationId="{31B75992-5098-A283-4925-2CCEBB801DC5}"/>
-          </ac:spMkLst>
-        </pc:spChg>
-        <pc:spChg chg="mod">
-          <ac:chgData name="Gibbons, Carl" userId="d2b037bc-8fb4-4222-845c-61440543a456" providerId="ADAL" clId="{4505F98C-4CC4-4983-9729-597D2A150C85}" dt="2023-12-29T02:19:53.158" v="17637" actId="20577"/>
-          <ac:spMkLst>
-            <pc:docMk/>
-            <pc:sldMk cId="1926009205" sldId="283"/>
-            <ac:spMk id="3" creationId="{B5924E0F-A977-1710-779D-EEB74261AF34}"/>
-          </ac:spMkLst>
-        </pc:spChg>
-      </pc:sldChg>
-      <pc:sldChg chg="del">
-        <pc:chgData name="Gibbons, Carl" userId="d2b037bc-8fb4-4222-845c-61440543a456" providerId="ADAL" clId="{4505F98C-4CC4-4983-9729-597D2A150C85}" dt="2023-12-28T22:17:09.732" v="1699" actId="47"/>
-        <pc:sldMkLst>
-          <pc:docMk/>
-          <pc:sldMk cId="2959024232" sldId="283"/>
-        </pc:sldMkLst>
-      </pc:sldChg>
-      <pc:sldChg chg="modSp mod">
-        <pc:chgData name="Gibbons, Carl" userId="d2b037bc-8fb4-4222-845c-61440543a456" providerId="ADAL" clId="{4505F98C-4CC4-4983-9729-597D2A150C85}" dt="2023-12-29T00:22:15.499" v="8364" actId="20577"/>
-        <pc:sldMkLst>
-          <pc:docMk/>
-          <pc:sldMk cId="2366216895" sldId="284"/>
-        </pc:sldMkLst>
-        <pc:spChg chg="mod">
-          <ac:chgData name="Gibbons, Carl" userId="d2b037bc-8fb4-4222-845c-61440543a456" providerId="ADAL" clId="{4505F98C-4CC4-4983-9729-597D2A150C85}" dt="2023-12-29T00:22:15.499" v="8364" actId="20577"/>
-          <ac:spMkLst>
-            <pc:docMk/>
-            <pc:sldMk cId="2366216895" sldId="284"/>
-            <ac:spMk id="2" creationId="{31B75992-5098-A283-4925-2CCEBB801DC5}"/>
-          </ac:spMkLst>
-        </pc:spChg>
-        <pc:spChg chg="mod">
-          <ac:chgData name="Gibbons, Carl" userId="d2b037bc-8fb4-4222-845c-61440543a456" providerId="ADAL" clId="{4505F98C-4CC4-4983-9729-597D2A150C85}" dt="2023-12-29T00:20:51.612" v="8260" actId="20577"/>
-          <ac:spMkLst>
-            <pc:docMk/>
-            <pc:sldMk cId="2366216895" sldId="284"/>
-            <ac:spMk id="3" creationId="{B5924E0F-A977-1710-779D-EEB74261AF34}"/>
-          </ac:spMkLst>
-        </pc:spChg>
-      </pc:sldChg>
-      <pc:sldChg chg="del">
-        <pc:chgData name="Gibbons, Carl" userId="d2b037bc-8fb4-4222-845c-61440543a456" providerId="ADAL" clId="{4505F98C-4CC4-4983-9729-597D2A150C85}" dt="2023-12-28T22:17:08.965" v="1698" actId="47"/>
-        <pc:sldMkLst>
-          <pc:docMk/>
-          <pc:sldMk cId="3114675387" sldId="284"/>
-        </pc:sldMkLst>
-      </pc:sldChg>
-      <pc:sldChg chg="del">
-        <pc:chgData name="Gibbons, Carl" userId="d2b037bc-8fb4-4222-845c-61440543a456" providerId="ADAL" clId="{4505F98C-4CC4-4983-9729-597D2A150C85}" dt="2023-12-28T22:17:08.106" v="1697" actId="47"/>
-        <pc:sldMkLst>
-          <pc:docMk/>
-          <pc:sldMk cId="1243134729" sldId="285"/>
-        </pc:sldMkLst>
-      </pc:sldChg>
-      <pc:sldChg chg="modSp mod">
-        <pc:chgData name="Gibbons, Carl" userId="d2b037bc-8fb4-4222-845c-61440543a456" providerId="ADAL" clId="{4505F98C-4CC4-4983-9729-597D2A150C85}" dt="2023-12-29T01:14:23.500" v="12327" actId="20577"/>
-        <pc:sldMkLst>
-          <pc:docMk/>
-          <pc:sldMk cId="3371896289" sldId="285"/>
-        </pc:sldMkLst>
-        <pc:spChg chg="mod">
-          <ac:chgData name="Gibbons, Carl" userId="d2b037bc-8fb4-4222-845c-61440543a456" providerId="ADAL" clId="{4505F98C-4CC4-4983-9729-597D2A150C85}" dt="2023-12-29T00:22:25.432" v="8374" actId="20577"/>
-          <ac:spMkLst>
-            <pc:docMk/>
-            <pc:sldMk cId="3371896289" sldId="285"/>
-            <ac:spMk id="2" creationId="{31B75992-5098-A283-4925-2CCEBB801DC5}"/>
-          </ac:spMkLst>
-        </pc:spChg>
-        <pc:spChg chg="mod">
-          <ac:chgData name="Gibbons, Carl" userId="d2b037bc-8fb4-4222-845c-61440543a456" providerId="ADAL" clId="{4505F98C-4CC4-4983-9729-597D2A150C85}" dt="2023-12-29T01:14:23.500" v="12327" actId="20577"/>
-          <ac:spMkLst>
-            <pc:docMk/>
-            <pc:sldMk cId="3371896289" sldId="285"/>
-            <ac:spMk id="3" creationId="{B5924E0F-A977-1710-779D-EEB74261AF34}"/>
-          </ac:spMkLst>
-        </pc:spChg>
-      </pc:sldChg>
-      <pc:sldChg chg="add del">
-        <pc:chgData name="Gibbons, Carl" userId="d2b037bc-8fb4-4222-845c-61440543a456" providerId="ADAL" clId="{4505F98C-4CC4-4983-9729-597D2A150C85}" dt="2023-12-29T00:13:59.438" v="7954" actId="2696"/>
-        <pc:sldMkLst>
-          <pc:docMk/>
-          <pc:sldMk cId="3635199420" sldId="285"/>
-        </pc:sldMkLst>
-      </pc:sldChg>
-      <pc:sldChg chg="del">
-        <pc:chgData name="Gibbons, Carl" userId="d2b037bc-8fb4-4222-845c-61440543a456" providerId="ADAL" clId="{4505F98C-4CC4-4983-9729-597D2A150C85}" dt="2023-12-28T22:17:10.620" v="1700" actId="47"/>
-        <pc:sldMkLst>
-          <pc:docMk/>
-          <pc:sldMk cId="954591853" sldId="286"/>
-        </pc:sldMkLst>
-      </pc:sldChg>
-      <pc:sldChg chg="modSp mod">
-        <pc:chgData name="Gibbons, Carl" userId="d2b037bc-8fb4-4222-845c-61440543a456" providerId="ADAL" clId="{4505F98C-4CC4-4983-9729-597D2A150C85}" dt="2023-12-29T01:14:14.317" v="12318" actId="20577"/>
-        <pc:sldMkLst>
-          <pc:docMk/>
-          <pc:sldMk cId="3193160409" sldId="286"/>
-        </pc:sldMkLst>
-        <pc:spChg chg="mod">
-          <ac:chgData name="Gibbons, Carl" userId="d2b037bc-8fb4-4222-845c-61440543a456" providerId="ADAL" clId="{4505F98C-4CC4-4983-9729-597D2A150C85}" dt="2023-12-29T00:33:44.511" v="9517" actId="20577"/>
-          <ac:spMkLst>
-            <pc:docMk/>
-            <pc:sldMk cId="3193160409" sldId="286"/>
-            <ac:spMk id="2" creationId="{31B75992-5098-A283-4925-2CCEBB801DC5}"/>
-          </ac:spMkLst>
-        </pc:spChg>
-        <pc:spChg chg="mod">
-          <ac:chgData name="Gibbons, Carl" userId="d2b037bc-8fb4-4222-845c-61440543a456" providerId="ADAL" clId="{4505F98C-4CC4-4983-9729-597D2A150C85}" dt="2023-12-29T01:14:14.317" v="12318" actId="20577"/>
-          <ac:spMkLst>
-            <pc:docMk/>
-            <pc:sldMk cId="3193160409" sldId="286"/>
-            <ac:spMk id="3" creationId="{B5924E0F-A977-1710-779D-EEB74261AF34}"/>
-          </ac:spMkLst>
-        </pc:spChg>
-      </pc:sldChg>
-      <pc:sldChg chg="del">
-        <pc:chgData name="Gibbons, Carl" userId="d2b037bc-8fb4-4222-845c-61440543a456" providerId="ADAL" clId="{4505F98C-4CC4-4983-9729-597D2A150C85}" dt="2023-12-28T22:17:12.413" v="1702" actId="47"/>
-        <pc:sldMkLst>
-          <pc:docMk/>
-          <pc:sldMk cId="2614091779" sldId="287"/>
-        </pc:sldMkLst>
-      </pc:sldChg>
-      <pc:sldChg chg="modSp mod">
-        <pc:chgData name="Gibbons, Carl" userId="d2b037bc-8fb4-4222-845c-61440543a456" providerId="ADAL" clId="{4505F98C-4CC4-4983-9729-597D2A150C85}" dt="2023-12-29T02:19:05.385" v="17624"/>
-        <pc:sldMkLst>
-          <pc:docMk/>
-          <pc:sldMk cId="2688338374" sldId="287"/>
-        </pc:sldMkLst>
-        <pc:spChg chg="mod">
-          <ac:chgData name="Gibbons, Carl" userId="d2b037bc-8fb4-4222-845c-61440543a456" providerId="ADAL" clId="{4505F98C-4CC4-4983-9729-597D2A150C85}" dt="2023-12-29T00:41:11.438" v="10364" actId="20577"/>
-          <ac:spMkLst>
-            <pc:docMk/>
-            <pc:sldMk cId="2688338374" sldId="287"/>
-            <ac:spMk id="2" creationId="{31B75992-5098-A283-4925-2CCEBB801DC5}"/>
-          </ac:spMkLst>
-        </pc:spChg>
-        <pc:spChg chg="mod">
-          <ac:chgData name="Gibbons, Carl" userId="d2b037bc-8fb4-4222-845c-61440543a456" providerId="ADAL" clId="{4505F98C-4CC4-4983-9729-597D2A150C85}" dt="2023-12-29T02:19:05.385" v="17624"/>
-          <ac:spMkLst>
-            <pc:docMk/>
-            <pc:sldMk cId="2688338374" sldId="287"/>
-            <ac:spMk id="3" creationId="{B5924E0F-A977-1710-779D-EEB74261AF34}"/>
-          </ac:spMkLst>
-        </pc:spChg>
-      </pc:sldChg>
-      <pc:sldChg chg="del">
-        <pc:chgData name="Gibbons, Carl" userId="d2b037bc-8fb4-4222-845c-61440543a456" providerId="ADAL" clId="{4505F98C-4CC4-4983-9729-597D2A150C85}" dt="2023-12-28T22:17:11.407" v="1701" actId="47"/>
-        <pc:sldMkLst>
-          <pc:docMk/>
-          <pc:sldMk cId="1341659426" sldId="288"/>
-        </pc:sldMkLst>
-      </pc:sldChg>
-      <pc:sldChg chg="modSp add mod">
-        <pc:chgData name="Gibbons, Carl" userId="d2b037bc-8fb4-4222-845c-61440543a456" providerId="ADAL" clId="{4505F98C-4CC4-4983-9729-597D2A150C85}" dt="2023-12-29T01:45:37.293" v="15006"/>
-        <pc:sldMkLst>
-          <pc:docMk/>
-          <pc:sldMk cId="2142935017" sldId="288"/>
-        </pc:sldMkLst>
-        <pc:spChg chg="mod">
-          <ac:chgData name="Gibbons, Carl" userId="d2b037bc-8fb4-4222-845c-61440543a456" providerId="ADAL" clId="{4505F98C-4CC4-4983-9729-597D2A150C85}" dt="2023-12-29T01:16:27.501" v="12383" actId="20577"/>
-          <ac:spMkLst>
-            <pc:docMk/>
-            <pc:sldMk cId="2142935017" sldId="288"/>
-            <ac:spMk id="2" creationId="{31B75992-5098-A283-4925-2CCEBB801DC5}"/>
-          </ac:spMkLst>
-        </pc:spChg>
-        <pc:spChg chg="mod">
-          <ac:chgData name="Gibbons, Carl" userId="d2b037bc-8fb4-4222-845c-61440543a456" providerId="ADAL" clId="{4505F98C-4CC4-4983-9729-597D2A150C85}" dt="2023-12-29T01:45:37.293" v="15006"/>
-          <ac:spMkLst>
-            <pc:docMk/>
-            <pc:sldMk cId="2142935017" sldId="288"/>
-            <ac:spMk id="3" creationId="{B5924E0F-A977-1710-779D-EEB74261AF34}"/>
-          </ac:spMkLst>
-        </pc:spChg>
-      </pc:sldChg>
-      <pc:sldChg chg="modSp mod">
-        <pc:chgData name="Gibbons, Carl" userId="d2b037bc-8fb4-4222-845c-61440543a456" providerId="ADAL" clId="{4505F98C-4CC4-4983-9729-597D2A150C85}" dt="2023-12-29T01:50:54.342" v="15124" actId="20577"/>
-        <pc:sldMkLst>
-          <pc:docMk/>
-          <pc:sldMk cId="2784625941" sldId="289"/>
-        </pc:sldMkLst>
-        <pc:spChg chg="mod">
-          <ac:chgData name="Gibbons, Carl" userId="d2b037bc-8fb4-4222-845c-61440543a456" providerId="ADAL" clId="{4505F98C-4CC4-4983-9729-597D2A150C85}" dt="2023-12-29T01:23:40.688" v="13177" actId="20577"/>
-          <ac:spMkLst>
-            <pc:docMk/>
-            <pc:sldMk cId="2784625941" sldId="289"/>
-            <ac:spMk id="2" creationId="{31B75992-5098-A283-4925-2CCEBB801DC5}"/>
-          </ac:spMkLst>
-        </pc:spChg>
-        <pc:spChg chg="mod">
-          <ac:chgData name="Gibbons, Carl" userId="d2b037bc-8fb4-4222-845c-61440543a456" providerId="ADAL" clId="{4505F98C-4CC4-4983-9729-597D2A150C85}" dt="2023-12-29T01:50:54.342" v="15124" actId="20577"/>
-          <ac:spMkLst>
-            <pc:docMk/>
-            <pc:sldMk cId="2784625941" sldId="289"/>
-            <ac:spMk id="3" creationId="{B5924E0F-A977-1710-779D-EEB74261AF34}"/>
-          </ac:spMkLst>
-        </pc:spChg>
-      </pc:sldChg>
-      <pc:sldChg chg="del">
-        <pc:chgData name="Gibbons, Carl" userId="d2b037bc-8fb4-4222-845c-61440543a456" providerId="ADAL" clId="{4505F98C-4CC4-4983-9729-597D2A150C85}" dt="2023-12-28T22:17:05.773" v="1696" actId="47"/>
-        <pc:sldMkLst>
-          <pc:docMk/>
-          <pc:sldMk cId="2966054478" sldId="289"/>
-        </pc:sldMkLst>
-      </pc:sldChg>
-      <pc:sldChg chg="del">
-        <pc:chgData name="Gibbons, Carl" userId="d2b037bc-8fb4-4222-845c-61440543a456" providerId="ADAL" clId="{4505F98C-4CC4-4983-9729-597D2A150C85}" dt="2023-12-28T22:17:13.315" v="1703" actId="47"/>
-        <pc:sldMkLst>
-          <pc:docMk/>
-          <pc:sldMk cId="1014272238" sldId="290"/>
-        </pc:sldMkLst>
-      </pc:sldChg>
-      <pc:sldChg chg="modSp add mod">
-        <pc:chgData name="Gibbons, Carl" userId="d2b037bc-8fb4-4222-845c-61440543a456" providerId="ADAL" clId="{4505F98C-4CC4-4983-9729-597D2A150C85}" dt="2023-12-29T01:50:36.539" v="15123" actId="20577"/>
-        <pc:sldMkLst>
-          <pc:docMk/>
-          <pc:sldMk cId="1677974689" sldId="290"/>
-        </pc:sldMkLst>
-        <pc:spChg chg="mod">
-          <ac:chgData name="Gibbons, Carl" userId="d2b037bc-8fb4-4222-845c-61440543a456" providerId="ADAL" clId="{4505F98C-4CC4-4983-9729-597D2A150C85}" dt="2023-12-29T01:37:36.931" v="14365" actId="20577"/>
-          <ac:spMkLst>
-            <pc:docMk/>
-            <pc:sldMk cId="1677974689" sldId="290"/>
-            <ac:spMk id="2" creationId="{31B75992-5098-A283-4925-2CCEBB801DC5}"/>
-          </ac:spMkLst>
-        </pc:spChg>
-        <pc:spChg chg="mod">
-          <ac:chgData name="Gibbons, Carl" userId="d2b037bc-8fb4-4222-845c-61440543a456" providerId="ADAL" clId="{4505F98C-4CC4-4983-9729-597D2A150C85}" dt="2023-12-29T01:50:36.539" v="15123" actId="20577"/>
-          <ac:spMkLst>
-            <pc:docMk/>
-            <pc:sldMk cId="1677974689" sldId="290"/>
-            <ac:spMk id="3" creationId="{B5924E0F-A977-1710-779D-EEB74261AF34}"/>
-          </ac:spMkLst>
-        </pc:spChg>
-      </pc:sldChg>
-      <pc:sldChg chg="del">
-        <pc:chgData name="Gibbons, Carl" userId="d2b037bc-8fb4-4222-845c-61440543a456" providerId="ADAL" clId="{4505F98C-4CC4-4983-9729-597D2A150C85}" dt="2023-12-28T22:17:05.079" v="1695" actId="47"/>
-        <pc:sldMkLst>
-          <pc:docMk/>
-          <pc:sldMk cId="3689580349" sldId="291"/>
-        </pc:sldMkLst>
-      </pc:sldChg>
-      <pc:sldChg chg="modSp add mod">
-        <pc:chgData name="Gibbons, Carl" userId="d2b037bc-8fb4-4222-845c-61440543a456" providerId="ADAL" clId="{4505F98C-4CC4-4983-9729-597D2A150C85}" dt="2023-12-29T02:03:57.372" v="16335" actId="20577"/>
-        <pc:sldMkLst>
-          <pc:docMk/>
-          <pc:sldMk cId="4219326696" sldId="291"/>
-        </pc:sldMkLst>
-        <pc:spChg chg="mod">
-          <ac:chgData name="Gibbons, Carl" userId="d2b037bc-8fb4-4222-845c-61440543a456" providerId="ADAL" clId="{4505F98C-4CC4-4983-9729-597D2A150C85}" dt="2023-12-29T01:51:52.820" v="15161" actId="20577"/>
-          <ac:spMkLst>
-            <pc:docMk/>
-            <pc:sldMk cId="4219326696" sldId="291"/>
-            <ac:spMk id="2" creationId="{31B75992-5098-A283-4925-2CCEBB801DC5}"/>
-          </ac:spMkLst>
-        </pc:spChg>
-        <pc:spChg chg="mod">
-          <ac:chgData name="Gibbons, Carl" userId="d2b037bc-8fb4-4222-845c-61440543a456" providerId="ADAL" clId="{4505F98C-4CC4-4983-9729-597D2A150C85}" dt="2023-12-29T02:03:57.372" v="16335" actId="20577"/>
-          <ac:spMkLst>
-            <pc:docMk/>
-            <pc:sldMk cId="4219326696" sldId="291"/>
-            <ac:spMk id="3" creationId="{B5924E0F-A977-1710-779D-EEB74261AF34}"/>
-          </ac:spMkLst>
-        </pc:spChg>
-      </pc:sldChg>
-      <pc:sldChg chg="modSp add mod">
-        <pc:chgData name="Gibbons, Carl" userId="d2b037bc-8fb4-4222-845c-61440543a456" providerId="ADAL" clId="{4505F98C-4CC4-4983-9729-597D2A150C85}" dt="2023-12-29T02:16:48.887" v="17543" actId="20577"/>
-        <pc:sldMkLst>
-          <pc:docMk/>
-          <pc:sldMk cId="33911121" sldId="292"/>
-        </pc:sldMkLst>
-        <pc:spChg chg="mod">
-          <ac:chgData name="Gibbons, Carl" userId="d2b037bc-8fb4-4222-845c-61440543a456" providerId="ADAL" clId="{4505F98C-4CC4-4983-9729-597D2A150C85}" dt="2023-12-29T02:06:26.879" v="16405" actId="20577"/>
-          <ac:spMkLst>
-            <pc:docMk/>
-            <pc:sldMk cId="33911121" sldId="292"/>
-            <ac:spMk id="2" creationId="{1862E903-3C56-BB42-2361-009F2336475A}"/>
-          </ac:spMkLst>
-        </pc:spChg>
-        <pc:spChg chg="mod">
-          <ac:chgData name="Gibbons, Carl" userId="d2b037bc-8fb4-4222-845c-61440543a456" providerId="ADAL" clId="{4505F98C-4CC4-4983-9729-597D2A150C85}" dt="2023-12-29T02:16:48.887" v="17543" actId="20577"/>
-          <ac:spMkLst>
-            <pc:docMk/>
-            <pc:sldMk cId="33911121" sldId="292"/>
-            <ac:spMk id="3" creationId="{90179172-96B3-95D0-A137-257770BE7642}"/>
-          </ac:spMkLst>
-        </pc:spChg>
-      </pc:sldChg>
-      <pc:sldChg chg="del">
-        <pc:chgData name="Gibbons, Carl" userId="d2b037bc-8fb4-4222-845c-61440543a456" providerId="ADAL" clId="{4505F98C-4CC4-4983-9729-597D2A150C85}" dt="2023-12-28T22:17:14.720" v="1704" actId="47"/>
-        <pc:sldMkLst>
-          <pc:docMk/>
-          <pc:sldMk cId="2738411615" sldId="292"/>
-        </pc:sldMkLst>
-      </pc:sldChg>
-      <pc:sldChg chg="del">
-        <pc:chgData name="Gibbons, Carl" userId="d2b037bc-8fb4-4222-845c-61440543a456" providerId="ADAL" clId="{4505F98C-4CC4-4983-9729-597D2A150C85}" dt="2023-12-28T22:17:04.103" v="1694" actId="47"/>
-        <pc:sldMkLst>
-          <pc:docMk/>
-          <pc:sldMk cId="852415543" sldId="293"/>
-        </pc:sldMkLst>
       </pc:sldChg>
     </pc:docChg>
   </pc:docChgLst>
@@ -4512,7 +4512,7 @@
           <a:p>
             <a:fld id="{421996D4-4A1C-4BBC-AA2B-FD5B7FC395A0}" type="datetime1">
               <a:rPr lang="en-US" smtClean="0"/>
-              <a:t>6/12/2024</a:t>
+              <a:t>10/10/2024</a:t>
             </a:fld>
             <a:endParaRPr lang="en-US"/>
           </a:p>
@@ -4710,7 +4710,7 @@
           <a:p>
             <a:fld id="{CB43818D-5554-4105-BE04-CEE32DEBDA0A}" type="datetime1">
               <a:rPr lang="en-US" smtClean="0"/>
-              <a:t>6/12/2024</a:t>
+              <a:t>10/10/2024</a:t>
             </a:fld>
             <a:endParaRPr lang="en-US"/>
           </a:p>
@@ -4918,7 +4918,7 @@
           <a:p>
             <a:fld id="{AFAC11C6-1708-41BC-9474-3D7842023D96}" type="datetime1">
               <a:rPr lang="en-US" smtClean="0"/>
-              <a:t>6/12/2024</a:t>
+              <a:t>10/10/2024</a:t>
             </a:fld>
             <a:endParaRPr lang="en-US"/>
           </a:p>
@@ -5197,7 +5197,7 @@
           <a:p>
             <a:fld id="{490605F8-8C86-41F5-9F5E-04EDB8C2540B}" type="datetime1">
               <a:rPr lang="en-US" smtClean="0"/>
-              <a:t>6/12/2024</a:t>
+              <a:t>10/10/2024</a:t>
             </a:fld>
             <a:endParaRPr lang="en-US"/>
           </a:p>
@@ -5472,7 +5472,7 @@
           <a:p>
             <a:fld id="{CA355DA2-1E89-41CC-B722-CBFC08F260AE}" type="datetime1">
               <a:rPr lang="en-US" smtClean="0"/>
-              <a:t>6/12/2024</a:t>
+              <a:t>10/10/2024</a:t>
             </a:fld>
             <a:endParaRPr lang="en-US"/>
           </a:p>
@@ -5737,7 +5737,7 @@
           <a:p>
             <a:fld id="{7F6AFD48-C472-404E-B7B5-BA44CCF2F55D}" type="datetime1">
               <a:rPr lang="en-US" smtClean="0"/>
-              <a:t>6/12/2024</a:t>
+              <a:t>10/10/2024</a:t>
             </a:fld>
             <a:endParaRPr lang="en-US"/>
           </a:p>
@@ -6149,7 +6149,7 @@
           <a:p>
             <a:fld id="{B33F52E9-9255-4CAF-909C-660126F1B079}" type="datetime1">
               <a:rPr lang="en-US" smtClean="0"/>
-              <a:t>6/12/2024</a:t>
+              <a:t>10/10/2024</a:t>
             </a:fld>
             <a:endParaRPr lang="en-US"/>
           </a:p>
@@ -6290,7 +6290,7 @@
           <a:p>
             <a:fld id="{67F9F019-D13C-4797-8A9F-7B02D5B8121E}" type="datetime1">
               <a:rPr lang="en-US" smtClean="0"/>
-              <a:t>6/12/2024</a:t>
+              <a:t>10/10/2024</a:t>
             </a:fld>
             <a:endParaRPr lang="en-US"/>
           </a:p>
@@ -6403,7 +6403,7 @@
           <a:p>
             <a:fld id="{FDA143B9-A6C4-436D-945A-FF5B3EA2EF39}" type="datetime1">
               <a:rPr lang="en-US" smtClean="0"/>
-              <a:t>6/12/2024</a:t>
+              <a:t>10/10/2024</a:t>
             </a:fld>
             <a:endParaRPr lang="en-US"/>
           </a:p>
@@ -6714,7 +6714,7 @@
           <a:p>
             <a:fld id="{457E18FE-B6F9-4F6A-835B-8251F04458A0}" type="datetime1">
               <a:rPr lang="en-US" smtClean="0"/>
-              <a:t>6/12/2024</a:t>
+              <a:t>10/10/2024</a:t>
             </a:fld>
             <a:endParaRPr lang="en-US"/>
           </a:p>
@@ -7002,7 +7002,7 @@
           <a:p>
             <a:fld id="{5F2690CE-112A-455B-AD5F-E26CEA6A5331}" type="datetime1">
               <a:rPr lang="en-US" smtClean="0"/>
-              <a:t>6/12/2024</a:t>
+              <a:t>10/10/2024</a:t>
             </a:fld>
             <a:endParaRPr lang="en-US"/>
           </a:p>
@@ -7243,7 +7243,7 @@
           <a:p>
             <a:fld id="{9C4E342D-98AB-407C-88D4-A20ED0F70E1C}" type="datetime1">
               <a:rPr lang="en-US" smtClean="0"/>
-              <a:t>6/12/2024</a:t>
+              <a:t>10/10/2024</a:t>
             </a:fld>
             <a:endParaRPr lang="en-US"/>
           </a:p>
@@ -11702,7 +11702,7 @@
             </a:r>
             <a:r>
               <a:rPr lang="en-US" dirty="0"/>
-              <a:t> We won’t find a PowerShell module for ODBC per se. Rather, we just use the </a:t>
+              <a:t> We won’t find a PowerShell module for ODBC per se. Rather, we just use the classes in the </a:t>
             </a:r>
             <a:r>
               <a:rPr lang="en-US" b="1" dirty="0"/>
@@ -11729,12 +11729,16 @@
               <a:t>System.Data.Odbc</a:t>
             </a:r>
             <a:r>
-              <a:rPr lang="en-US" b="1" dirty="0"/>
+              <a:rPr lang="en-US" b="1"/>
               <a:t>]</a:t>
             </a:r>
             <a:r>
-              <a:rPr lang="en-US" dirty="0"/>
-              <a:t> classes in .NET with PowerShell.</a:t>
+              <a:rPr lang="en-US"/>
+              <a:t> assemblies </a:t>
+            </a:r>
+            <a:r>
+              <a:rPr lang="en-US" dirty="0"/>
+              <a:t>in .NET with PowerShell.</a:t>
             </a:r>
           </a:p>
           <a:p>

--- a/CYBER360-6.2-ODBC.pptx
+++ b/CYBER360-6.2-ODBC.pptx
@@ -2,26 +2,26 @@
 <file path=ppt/presentation.xml><?xml version="1.0" encoding="utf-8"?>
 <p:presentation xmlns:a="http://schemas.openxmlformats.org/drawingml/2006/main" xmlns:r="http://schemas.openxmlformats.org/officeDocument/2006/relationships" xmlns:p="http://schemas.openxmlformats.org/presentationml/2006/main" saveSubsetFonts="1">
   <p:sldMasterIdLst>
-    <p:sldMasterId id="2147483712" r:id="rId1"/>
+    <p:sldMasterId id="2147483648" r:id="rId1"/>
   </p:sldMasterIdLst>
   <p:sldIdLst>
-    <p:sldId id="256" r:id="rId2"/>
-    <p:sldId id="264" r:id="rId3"/>
-    <p:sldId id="267" r:id="rId4"/>
-    <p:sldId id="265" r:id="rId5"/>
-    <p:sldId id="266" r:id="rId6"/>
-    <p:sldId id="268" r:id="rId7"/>
-    <p:sldId id="269" r:id="rId8"/>
-    <p:sldId id="270" r:id="rId9"/>
-    <p:sldId id="271" r:id="rId10"/>
-    <p:sldId id="272" r:id="rId11"/>
-    <p:sldId id="273" r:id="rId12"/>
-    <p:sldId id="274" r:id="rId13"/>
-    <p:sldId id="275" r:id="rId14"/>
-    <p:sldId id="276" r:id="rId15"/>
-    <p:sldId id="277" r:id="rId16"/>
-    <p:sldId id="278" r:id="rId17"/>
-    <p:sldId id="262" r:id="rId18"/>
+    <p:sldId id="257" r:id="rId2"/>
+    <p:sldId id="258" r:id="rId3"/>
+    <p:sldId id="259" r:id="rId4"/>
+    <p:sldId id="260" r:id="rId5"/>
+    <p:sldId id="261" r:id="rId6"/>
+    <p:sldId id="262" r:id="rId7"/>
+    <p:sldId id="263" r:id="rId8"/>
+    <p:sldId id="264" r:id="rId9"/>
+    <p:sldId id="265" r:id="rId10"/>
+    <p:sldId id="266" r:id="rId11"/>
+    <p:sldId id="267" r:id="rId12"/>
+    <p:sldId id="268" r:id="rId13"/>
+    <p:sldId id="269" r:id="rId14"/>
+    <p:sldId id="270" r:id="rId15"/>
+    <p:sldId id="271" r:id="rId16"/>
+    <p:sldId id="272" r:id="rId17"/>
+    <p:sldId id="273" r:id="rId18"/>
   </p:sldIdLst>
   <p:sldSz cx="12192000" cy="6858000"/>
   <p:notesSz cx="6858000" cy="9144000"/>
@@ -131,7 +131,7 @@
 <file path=ppt/revisionInfo.xml><?xml version="1.0" encoding="utf-8"?>
 <p1510:revInfo xmlns:a="http://schemas.openxmlformats.org/drawingml/2006/main" xmlns:r="http://schemas.openxmlformats.org/officeDocument/2006/relationships" xmlns:p1510="http://schemas.microsoft.com/office/powerpoint/2015/10/main">
   <p1510:revLst>
-    <p1510:client id="{3110A27C-34DA-4160-871C-1CFB075CC37D}" v="480" dt="2024-05-23T22:37:52.870"/>
+    <p1510:client id="{6D714EC8-FEBA-47AF-9B9B-F0C8F81011C5}" v="1" dt="2024-11-21T22:02:34.941"/>
   </p1510:revLst>
 </p1510:revInfo>
 </file>
@@ -139,4224 +139,377 @@
 <file path=ppt/changesInfos/changesInfo1.xml><?xml version="1.0" encoding="utf-8"?>
 <pc:chgInfo xmlns:a="http://schemas.openxmlformats.org/drawingml/2006/main" xmlns:r="http://schemas.openxmlformats.org/officeDocument/2006/relationships" xmlns:ac="http://schemas.microsoft.com/office/drawing/2013/main/command" xmlns:pc="http://schemas.microsoft.com/office/powerpoint/2013/main/command">
   <pc:docChgLst>
-    <pc:chgData name="Gibbons, Carl" userId="d2b037bc-8fb4-4222-845c-61440543a456" providerId="ADAL" clId="{6DFE05B7-7BB4-417C-8826-34A6C37E3109}"/>
-    <pc:docChg chg="custSel modSld">
-      <pc:chgData name="Gibbons, Carl" userId="d2b037bc-8fb4-4222-845c-61440543a456" providerId="ADAL" clId="{6DFE05B7-7BB4-417C-8826-34A6C37E3109}" dt="2024-02-20T15:40:11.315" v="2156" actId="1076"/>
+    <pc:chgData name="Talbert, Matthew" userId="877a4118-3f16-4ac9-a72c-5dd2c7b28c85" providerId="ADAL" clId="{6D714EC8-FEBA-47AF-9B9B-F0C8F81011C5}"/>
+    <pc:docChg chg="undo custSel modSld">
+      <pc:chgData name="Talbert, Matthew" userId="877a4118-3f16-4ac9-a72c-5dd2c7b28c85" providerId="ADAL" clId="{6D714EC8-FEBA-47AF-9B9B-F0C8F81011C5}" dt="2024-11-21T22:07:03.426" v="401" actId="12788"/>
       <pc:docMkLst>
         <pc:docMk/>
       </pc:docMkLst>
       <pc:sldChg chg="modSp mod">
-        <pc:chgData name="Gibbons, Carl" userId="d2b037bc-8fb4-4222-845c-61440543a456" providerId="ADAL" clId="{6DFE05B7-7BB4-417C-8826-34A6C37E3109}" dt="2024-02-10T23:25:06.485" v="25" actId="20577"/>
+        <pc:chgData name="Talbert, Matthew" userId="877a4118-3f16-4ac9-a72c-5dd2c7b28c85" providerId="ADAL" clId="{6D714EC8-FEBA-47AF-9B9B-F0C8F81011C5}" dt="2024-11-21T22:02:30.505" v="32" actId="12788"/>
         <pc:sldMkLst>
           <pc:docMk/>
-          <pc:sldMk cId="3308175748" sldId="256"/>
+          <pc:sldMk cId="1196559129" sldId="258"/>
         </pc:sldMkLst>
         <pc:spChg chg="mod">
-          <ac:chgData name="Gibbons, Carl" userId="d2b037bc-8fb4-4222-845c-61440543a456" providerId="ADAL" clId="{6DFE05B7-7BB4-417C-8826-34A6C37E3109}" dt="2024-02-10T23:25:06.485" v="25" actId="20577"/>
+          <ac:chgData name="Talbert, Matthew" userId="877a4118-3f16-4ac9-a72c-5dd2c7b28c85" providerId="ADAL" clId="{6D714EC8-FEBA-47AF-9B9B-F0C8F81011C5}" dt="2024-11-21T22:02:30.505" v="32" actId="12788"/>
           <ac:spMkLst>
             <pc:docMk/>
-            <pc:sldMk cId="3308175748" sldId="256"/>
-            <ac:spMk id="3" creationId="{EEC4D41B-E776-05F2-BE0B-89BB339485AB}"/>
+            <pc:sldMk cId="1196559129" sldId="258"/>
+            <ac:spMk id="2" creationId="{0E6A2DEF-4501-FAEA-A31C-4FDCBD076712}"/>
           </ac:spMkLst>
         </pc:spChg>
+        <pc:grpChg chg="mod">
+          <ac:chgData name="Talbert, Matthew" userId="877a4118-3f16-4ac9-a72c-5dd2c7b28c85" providerId="ADAL" clId="{6D714EC8-FEBA-47AF-9B9B-F0C8F81011C5}" dt="2024-11-21T22:02:30.505" v="32" actId="12788"/>
+          <ac:grpSpMkLst>
+            <pc:docMk/>
+            <pc:sldMk cId="1196559129" sldId="258"/>
+            <ac:grpSpMk id="5" creationId="{8EFE2659-D148-0FAD-81DF-42A8C4166530}"/>
+          </ac:grpSpMkLst>
+        </pc:grpChg>
       </pc:sldChg>
-      <pc:sldChg chg="addSp delSp modSp mod">
-        <pc:chgData name="Gibbons, Carl" userId="d2b037bc-8fb4-4222-845c-61440543a456" providerId="ADAL" clId="{6DFE05B7-7BB4-417C-8826-34A6C37E3109}" dt="2024-02-10T23:47:50.077" v="678" actId="1076"/>
+      <pc:sldChg chg="modSp mod">
+        <pc:chgData name="Talbert, Matthew" userId="877a4118-3f16-4ac9-a72c-5dd2c7b28c85" providerId="ADAL" clId="{6D714EC8-FEBA-47AF-9B9B-F0C8F81011C5}" dt="2024-11-21T22:02:28.480" v="31" actId="12788"/>
         <pc:sldMkLst>
           <pc:docMk/>
-          <pc:sldMk cId="2312486803" sldId="261"/>
+          <pc:sldMk cId="2729151594" sldId="259"/>
         </pc:sldMkLst>
         <pc:spChg chg="mod">
-          <ac:chgData name="Gibbons, Carl" userId="d2b037bc-8fb4-4222-845c-61440543a456" providerId="ADAL" clId="{6DFE05B7-7BB4-417C-8826-34A6C37E3109}" dt="2024-02-10T23:25:43.747" v="72" actId="20577"/>
+          <ac:chgData name="Talbert, Matthew" userId="877a4118-3f16-4ac9-a72c-5dd2c7b28c85" providerId="ADAL" clId="{6D714EC8-FEBA-47AF-9B9B-F0C8F81011C5}" dt="2024-11-21T22:02:28.480" v="31" actId="12788"/>
           <ac:spMkLst>
             <pc:docMk/>
-            <pc:sldMk cId="2312486803" sldId="261"/>
-            <ac:spMk id="2" creationId="{31B75992-5098-A283-4925-2CCEBB801DC5}"/>
-          </ac:spMkLst>
-        </pc:spChg>
-        <pc:spChg chg="del mod">
-          <ac:chgData name="Gibbons, Carl" userId="d2b037bc-8fb4-4222-845c-61440543a456" providerId="ADAL" clId="{6DFE05B7-7BB4-417C-8826-34A6C37E3109}" dt="2024-02-10T23:35:03.418" v="416"/>
-          <ac:spMkLst>
-            <pc:docMk/>
-            <pc:sldMk cId="2312486803" sldId="261"/>
-            <ac:spMk id="3" creationId="{B5924E0F-A977-1710-779D-EEB74261AF34}"/>
-          </ac:spMkLst>
-        </pc:spChg>
-        <pc:spChg chg="add del mod">
-          <ac:chgData name="Gibbons, Carl" userId="d2b037bc-8fb4-4222-845c-61440543a456" providerId="ADAL" clId="{6DFE05B7-7BB4-417C-8826-34A6C37E3109}" dt="2024-02-10T23:35:18.368" v="421"/>
-          <ac:spMkLst>
-            <pc:docMk/>
-            <pc:sldMk cId="2312486803" sldId="261"/>
-            <ac:spMk id="5" creationId="{5E1F0042-F2D7-082C-DE33-6A607ADAA329}"/>
-          </ac:spMkLst>
-        </pc:spChg>
-        <pc:spChg chg="add mod">
-          <ac:chgData name="Gibbons, Carl" userId="d2b037bc-8fb4-4222-845c-61440543a456" providerId="ADAL" clId="{6DFE05B7-7BB4-417C-8826-34A6C37E3109}" dt="2024-02-10T23:47:50.077" v="678" actId="1076"/>
-          <ac:spMkLst>
-            <pc:docMk/>
-            <pc:sldMk cId="2312486803" sldId="261"/>
-            <ac:spMk id="7" creationId="{F19E524F-C936-E6CE-A06A-9068EF0D1C67}"/>
-          </ac:spMkLst>
-        </pc:spChg>
-        <pc:picChg chg="add mod">
-          <ac:chgData name="Gibbons, Carl" userId="d2b037bc-8fb4-4222-845c-61440543a456" providerId="ADAL" clId="{6DFE05B7-7BB4-417C-8826-34A6C37E3109}" dt="2024-02-10T23:35:03.411" v="414"/>
-          <ac:picMkLst>
-            <pc:docMk/>
-            <pc:sldMk cId="2312486803" sldId="261"/>
-            <ac:picMk id="4" creationId="{96BD58E6-1F26-880B-6B7D-26B06301A218}"/>
-          </ac:picMkLst>
-        </pc:picChg>
-        <pc:picChg chg="add mod">
-          <ac:chgData name="Gibbons, Carl" userId="d2b037bc-8fb4-4222-845c-61440543a456" providerId="ADAL" clId="{6DFE05B7-7BB4-417C-8826-34A6C37E3109}" dt="2024-02-10T23:35:42.045" v="423" actId="1076"/>
-          <ac:picMkLst>
-            <pc:docMk/>
-            <pc:sldMk cId="2312486803" sldId="261"/>
-            <ac:picMk id="6" creationId="{EC52FD38-E213-5177-DDDA-7287F93BD393}"/>
-          </ac:picMkLst>
-        </pc:picChg>
-      </pc:sldChg>
-      <pc:sldChg chg="modSp mod">
-        <pc:chgData name="Gibbons, Carl" userId="d2b037bc-8fb4-4222-845c-61440543a456" providerId="ADAL" clId="{6DFE05B7-7BB4-417C-8826-34A6C37E3109}" dt="2024-02-11T00:43:14.770" v="2154" actId="20577"/>
-        <pc:sldMkLst>
-          <pc:docMk/>
-          <pc:sldMk cId="3885141102" sldId="262"/>
-        </pc:sldMkLst>
-        <pc:spChg chg="mod">
-          <ac:chgData name="Gibbons, Carl" userId="d2b037bc-8fb4-4222-845c-61440543a456" providerId="ADAL" clId="{6DFE05B7-7BB4-417C-8826-34A6C37E3109}" dt="2024-02-11T00:43:14.770" v="2154" actId="20577"/>
-          <ac:spMkLst>
-            <pc:docMk/>
-            <pc:sldMk cId="3885141102" sldId="262"/>
-            <ac:spMk id="3" creationId="{B5924E0F-A977-1710-779D-EEB74261AF34}"/>
-          </ac:spMkLst>
-        </pc:spChg>
-      </pc:sldChg>
-      <pc:sldChg chg="delSp modSp mod">
-        <pc:chgData name="Gibbons, Carl" userId="d2b037bc-8fb4-4222-845c-61440543a456" providerId="ADAL" clId="{6DFE05B7-7BB4-417C-8826-34A6C37E3109}" dt="2024-02-20T15:40:11.315" v="2156" actId="1076"/>
-        <pc:sldMkLst>
-          <pc:docMk/>
-          <pc:sldMk cId="538849350" sldId="263"/>
-        </pc:sldMkLst>
-        <pc:spChg chg="mod">
-          <ac:chgData name="Gibbons, Carl" userId="d2b037bc-8fb4-4222-845c-61440543a456" providerId="ADAL" clId="{6DFE05B7-7BB4-417C-8826-34A6C37E3109}" dt="2024-02-10T23:49:58.261" v="728" actId="20577"/>
-          <ac:spMkLst>
-            <pc:docMk/>
-            <pc:sldMk cId="538849350" sldId="263"/>
-            <ac:spMk id="2" creationId="{3D63CD28-05F6-EAAC-4E88-DBFBCF6B207B}"/>
-          </ac:spMkLst>
-        </pc:spChg>
-        <pc:spChg chg="mod">
-          <ac:chgData name="Gibbons, Carl" userId="d2b037bc-8fb4-4222-845c-61440543a456" providerId="ADAL" clId="{6DFE05B7-7BB4-417C-8826-34A6C37E3109}" dt="2024-02-20T15:40:11.315" v="2156" actId="1076"/>
-          <ac:spMkLst>
-            <pc:docMk/>
-            <pc:sldMk cId="538849350" sldId="263"/>
-            <ac:spMk id="7" creationId="{729440C3-A558-AF83-79BF-585206231CA4}"/>
-          </ac:spMkLst>
-        </pc:spChg>
-        <pc:picChg chg="del">
-          <ac:chgData name="Gibbons, Carl" userId="d2b037bc-8fb4-4222-845c-61440543a456" providerId="ADAL" clId="{6DFE05B7-7BB4-417C-8826-34A6C37E3109}" dt="2024-02-10T23:49:25.054" v="679" actId="478"/>
-          <ac:picMkLst>
-            <pc:docMk/>
-            <pc:sldMk cId="538849350" sldId="263"/>
-            <ac:picMk id="6" creationId="{D4950415-3AFA-6AEB-D962-FC2F30B31239}"/>
-          </ac:picMkLst>
-        </pc:picChg>
-      </pc:sldChg>
-      <pc:sldChg chg="modSp mod">
-        <pc:chgData name="Gibbons, Carl" userId="d2b037bc-8fb4-4222-845c-61440543a456" providerId="ADAL" clId="{6DFE05B7-7BB4-417C-8826-34A6C37E3109}" dt="2024-02-11T00:42:04.856" v="2084" actId="20577"/>
-        <pc:sldMkLst>
-          <pc:docMk/>
-          <pc:sldMk cId="1196559129" sldId="264"/>
-        </pc:sldMkLst>
-        <pc:spChg chg="mod">
-          <ac:chgData name="Gibbons, Carl" userId="d2b037bc-8fb4-4222-845c-61440543a456" providerId="ADAL" clId="{6DFE05B7-7BB4-417C-8826-34A6C37E3109}" dt="2024-02-11T00:28:46.758" v="1489" actId="20577"/>
-          <ac:spMkLst>
-            <pc:docMk/>
-            <pc:sldMk cId="1196559129" sldId="264"/>
+            <pc:sldMk cId="2729151594" sldId="259"/>
             <ac:spMk id="2" creationId="{0E6A2DEF-4501-FAEA-A31C-4FDCBD076712}"/>
           </ac:spMkLst>
         </pc:spChg>
         <pc:spChg chg="mod">
-          <ac:chgData name="Gibbons, Carl" userId="d2b037bc-8fb4-4222-845c-61440543a456" providerId="ADAL" clId="{6DFE05B7-7BB4-417C-8826-34A6C37E3109}" dt="2024-02-11T00:42:04.856" v="2084" actId="20577"/>
+          <ac:chgData name="Talbert, Matthew" userId="877a4118-3f16-4ac9-a72c-5dd2c7b28c85" providerId="ADAL" clId="{6D714EC8-FEBA-47AF-9B9B-F0C8F81011C5}" dt="2024-11-21T22:02:28.480" v="31" actId="12788"/>
           <ac:spMkLst>
             <pc:docMk/>
-            <pc:sldMk cId="1196559129" sldId="264"/>
+            <pc:sldMk cId="2729151594" sldId="259"/>
             <ac:spMk id="7" creationId="{4247D23F-F3F9-676F-BDEB-E69E1F0AB32C}"/>
           </ac:spMkLst>
         </pc:spChg>
       </pc:sldChg>
-    </pc:docChg>
-  </pc:docChgLst>
-  <pc:docChgLst>
-    <pc:chgData name="Gibbons, Carl" userId="d2b037bc-8fb4-4222-845c-61440543a456" providerId="ADAL" clId="{5B3FBBC5-B788-4A9E-9FD4-842EBD374311}"/>
-    <pc:docChg chg="custSel addSld delSld modSld sldOrd">
-      <pc:chgData name="Gibbons, Carl" userId="d2b037bc-8fb4-4222-845c-61440543a456" providerId="ADAL" clId="{5B3FBBC5-B788-4A9E-9FD4-842EBD374311}" dt="2024-02-20T16:44:24.138" v="4925" actId="20577"/>
-      <pc:docMkLst>
-        <pc:docMk/>
-      </pc:docMkLst>
       <pc:sldChg chg="modSp mod">
-        <pc:chgData name="Gibbons, Carl" userId="d2b037bc-8fb4-4222-845c-61440543a456" providerId="ADAL" clId="{5B3FBBC5-B788-4A9E-9FD4-842EBD374311}" dt="2024-02-20T15:42:03.020" v="12" actId="20577"/>
+        <pc:chgData name="Talbert, Matthew" userId="877a4118-3f16-4ac9-a72c-5dd2c7b28c85" providerId="ADAL" clId="{6D714EC8-FEBA-47AF-9B9B-F0C8F81011C5}" dt="2024-11-21T22:02:25.232" v="30" actId="12788"/>
         <pc:sldMkLst>
           <pc:docMk/>
-          <pc:sldMk cId="3308175748" sldId="256"/>
+          <pc:sldMk cId="1400208519" sldId="260"/>
         </pc:sldMkLst>
         <pc:spChg chg="mod">
-          <ac:chgData name="Gibbons, Carl" userId="d2b037bc-8fb4-4222-845c-61440543a456" providerId="ADAL" clId="{5B3FBBC5-B788-4A9E-9FD4-842EBD374311}" dt="2024-02-20T15:42:03.020" v="12" actId="20577"/>
+          <ac:chgData name="Talbert, Matthew" userId="877a4118-3f16-4ac9-a72c-5dd2c7b28c85" providerId="ADAL" clId="{6D714EC8-FEBA-47AF-9B9B-F0C8F81011C5}" dt="2024-11-21T22:02:25.232" v="30" actId="12788"/>
           <ac:spMkLst>
             <pc:docMk/>
-            <pc:sldMk cId="3308175748" sldId="256"/>
-            <ac:spMk id="3" creationId="{EEC4D41B-E776-05F2-BE0B-89BB339485AB}"/>
-          </ac:spMkLst>
-        </pc:spChg>
-      </pc:sldChg>
-      <pc:sldChg chg="addSp delSp modSp mod">
-        <pc:chgData name="Gibbons, Carl" userId="d2b037bc-8fb4-4222-845c-61440543a456" providerId="ADAL" clId="{5B3FBBC5-B788-4A9E-9FD4-842EBD374311}" dt="2024-02-20T15:44:52.354" v="158" actId="20577"/>
-        <pc:sldMkLst>
-          <pc:docMk/>
-          <pc:sldMk cId="2312486803" sldId="261"/>
-        </pc:sldMkLst>
-        <pc:spChg chg="mod">
-          <ac:chgData name="Gibbons, Carl" userId="d2b037bc-8fb4-4222-845c-61440543a456" providerId="ADAL" clId="{5B3FBBC5-B788-4A9E-9FD4-842EBD374311}" dt="2024-02-20T15:44:52.354" v="158" actId="20577"/>
-          <ac:spMkLst>
-            <pc:docMk/>
-            <pc:sldMk cId="2312486803" sldId="261"/>
-            <ac:spMk id="2" creationId="{31B75992-5098-A283-4925-2CCEBB801DC5}"/>
-          </ac:spMkLst>
-        </pc:spChg>
-        <pc:spChg chg="del mod">
-          <ac:chgData name="Gibbons, Carl" userId="d2b037bc-8fb4-4222-845c-61440543a456" providerId="ADAL" clId="{5B3FBBC5-B788-4A9E-9FD4-842EBD374311}" dt="2024-02-20T15:44:35.866" v="139" actId="478"/>
-          <ac:spMkLst>
-            <pc:docMk/>
-            <pc:sldMk cId="2312486803" sldId="261"/>
-            <ac:spMk id="7" creationId="{F19E524F-C936-E6CE-A06A-9068EF0D1C67}"/>
-          </ac:spMkLst>
-        </pc:spChg>
-        <pc:picChg chg="add mod">
-          <ac:chgData name="Gibbons, Carl" userId="d2b037bc-8fb4-4222-845c-61440543a456" providerId="ADAL" clId="{5B3FBBC5-B788-4A9E-9FD4-842EBD374311}" dt="2024-02-20T15:44:30.929" v="138" actId="1076"/>
-          <ac:picMkLst>
-            <pc:docMk/>
-            <pc:sldMk cId="2312486803" sldId="261"/>
-            <ac:picMk id="3" creationId="{18F1AD7D-9AA4-CABA-2192-FD95BCEAD031}"/>
-          </ac:picMkLst>
-        </pc:picChg>
-        <pc:picChg chg="del">
-          <ac:chgData name="Gibbons, Carl" userId="d2b037bc-8fb4-4222-845c-61440543a456" providerId="ADAL" clId="{5B3FBBC5-B788-4A9E-9FD4-842EBD374311}" dt="2024-02-20T15:43:38.898" v="35" actId="478"/>
-          <ac:picMkLst>
-            <pc:docMk/>
-            <pc:sldMk cId="2312486803" sldId="261"/>
-            <ac:picMk id="6" creationId="{EC52FD38-E213-5177-DDDA-7287F93BD393}"/>
-          </ac:picMkLst>
-        </pc:picChg>
-      </pc:sldChg>
-      <pc:sldChg chg="modSp mod">
-        <pc:chgData name="Gibbons, Carl" userId="d2b037bc-8fb4-4222-845c-61440543a456" providerId="ADAL" clId="{5B3FBBC5-B788-4A9E-9FD4-842EBD374311}" dt="2024-02-20T16:44:24.138" v="4925" actId="20577"/>
-        <pc:sldMkLst>
-          <pc:docMk/>
-          <pc:sldMk cId="3885141102" sldId="262"/>
-        </pc:sldMkLst>
-        <pc:spChg chg="mod">
-          <ac:chgData name="Gibbons, Carl" userId="d2b037bc-8fb4-4222-845c-61440543a456" providerId="ADAL" clId="{5B3FBBC5-B788-4A9E-9FD4-842EBD374311}" dt="2024-02-20T16:44:24.138" v="4925" actId="20577"/>
-          <ac:spMkLst>
-            <pc:docMk/>
-            <pc:sldMk cId="3885141102" sldId="262"/>
-            <ac:spMk id="3" creationId="{B5924E0F-A977-1710-779D-EEB74261AF34}"/>
-          </ac:spMkLst>
-        </pc:spChg>
-      </pc:sldChg>
-      <pc:sldChg chg="modSp mod">
-        <pc:chgData name="Gibbons, Carl" userId="d2b037bc-8fb4-4222-845c-61440543a456" providerId="ADAL" clId="{5B3FBBC5-B788-4A9E-9FD4-842EBD374311}" dt="2024-02-20T16:02:51.350" v="1842" actId="20577"/>
-        <pc:sldMkLst>
-          <pc:docMk/>
-          <pc:sldMk cId="538849350" sldId="263"/>
-        </pc:sldMkLst>
-        <pc:spChg chg="mod">
-          <ac:chgData name="Gibbons, Carl" userId="d2b037bc-8fb4-4222-845c-61440543a456" providerId="ADAL" clId="{5B3FBBC5-B788-4A9E-9FD4-842EBD374311}" dt="2024-02-20T15:46:18.746" v="223" actId="113"/>
-          <ac:spMkLst>
-            <pc:docMk/>
-            <pc:sldMk cId="538849350" sldId="263"/>
-            <ac:spMk id="2" creationId="{3D63CD28-05F6-EAAC-4E88-DBFBCF6B207B}"/>
-          </ac:spMkLst>
-        </pc:spChg>
-        <pc:spChg chg="mod">
-          <ac:chgData name="Gibbons, Carl" userId="d2b037bc-8fb4-4222-845c-61440543a456" providerId="ADAL" clId="{5B3FBBC5-B788-4A9E-9FD4-842EBD374311}" dt="2024-02-20T16:02:51.350" v="1842" actId="20577"/>
-          <ac:spMkLst>
-            <pc:docMk/>
-            <pc:sldMk cId="538849350" sldId="263"/>
-            <ac:spMk id="7" creationId="{729440C3-A558-AF83-79BF-585206231CA4}"/>
-          </ac:spMkLst>
-        </pc:spChg>
-      </pc:sldChg>
-      <pc:sldChg chg="modSp mod ord">
-        <pc:chgData name="Gibbons, Carl" userId="d2b037bc-8fb4-4222-845c-61440543a456" providerId="ADAL" clId="{5B3FBBC5-B788-4A9E-9FD4-842EBD374311}" dt="2024-02-20T16:40:03.954" v="4664" actId="1076"/>
-        <pc:sldMkLst>
-          <pc:docMk/>
-          <pc:sldMk cId="1196559129" sldId="264"/>
-        </pc:sldMkLst>
-        <pc:spChg chg="mod">
-          <ac:chgData name="Gibbons, Carl" userId="d2b037bc-8fb4-4222-845c-61440543a456" providerId="ADAL" clId="{5B3FBBC5-B788-4A9E-9FD4-842EBD374311}" dt="2024-02-20T16:39:10.385" v="4639" actId="20577"/>
-          <ac:spMkLst>
-            <pc:docMk/>
-            <pc:sldMk cId="1196559129" sldId="264"/>
-            <ac:spMk id="2" creationId="{0E6A2DEF-4501-FAEA-A31C-4FDCBD076712}"/>
-          </ac:spMkLst>
-        </pc:spChg>
-        <pc:spChg chg="mod">
-          <ac:chgData name="Gibbons, Carl" userId="d2b037bc-8fb4-4222-845c-61440543a456" providerId="ADAL" clId="{5B3FBBC5-B788-4A9E-9FD4-842EBD374311}" dt="2024-02-20T16:40:03.954" v="4664" actId="1076"/>
-          <ac:spMkLst>
-            <pc:docMk/>
-            <pc:sldMk cId="1196559129" sldId="264"/>
-            <ac:spMk id="7" creationId="{4247D23F-F3F9-676F-BDEB-E69E1F0AB32C}"/>
-          </ac:spMkLst>
-        </pc:spChg>
-      </pc:sldChg>
-      <pc:sldChg chg="modSp add mod">
-        <pc:chgData name="Gibbons, Carl" userId="d2b037bc-8fb4-4222-845c-61440543a456" providerId="ADAL" clId="{5B3FBBC5-B788-4A9E-9FD4-842EBD374311}" dt="2024-02-20T16:40:54.353" v="4684" actId="1076"/>
-        <pc:sldMkLst>
-          <pc:docMk/>
-          <pc:sldMk cId="1400208519" sldId="265"/>
-        </pc:sldMkLst>
-        <pc:spChg chg="mod">
-          <ac:chgData name="Gibbons, Carl" userId="d2b037bc-8fb4-4222-845c-61440543a456" providerId="ADAL" clId="{5B3FBBC5-B788-4A9E-9FD4-842EBD374311}" dt="2024-02-20T16:40:15.735" v="4677" actId="20577"/>
-          <ac:spMkLst>
-            <pc:docMk/>
-            <pc:sldMk cId="1400208519" sldId="265"/>
+            <pc:sldMk cId="1400208519" sldId="260"/>
             <ac:spMk id="2" creationId="{832B45BA-6309-D8F6-D552-10D836B4EB21}"/>
           </ac:spMkLst>
         </pc:spChg>
         <pc:spChg chg="mod">
-          <ac:chgData name="Gibbons, Carl" userId="d2b037bc-8fb4-4222-845c-61440543a456" providerId="ADAL" clId="{5B3FBBC5-B788-4A9E-9FD4-842EBD374311}" dt="2024-02-20T16:40:54.353" v="4684" actId="1076"/>
+          <ac:chgData name="Talbert, Matthew" userId="877a4118-3f16-4ac9-a72c-5dd2c7b28c85" providerId="ADAL" clId="{6D714EC8-FEBA-47AF-9B9B-F0C8F81011C5}" dt="2024-11-21T22:02:25.232" v="30" actId="12788"/>
           <ac:spMkLst>
             <pc:docMk/>
-            <pc:sldMk cId="1400208519" sldId="265"/>
+            <pc:sldMk cId="1400208519" sldId="260"/>
             <ac:spMk id="7" creationId="{3CE889EF-4605-DB73-C7B2-D7E3C4957F48}"/>
           </ac:spMkLst>
         </pc:spChg>
       </pc:sldChg>
-      <pc:sldChg chg="add del">
-        <pc:chgData name="Gibbons, Carl" userId="d2b037bc-8fb4-4222-845c-61440543a456" providerId="ADAL" clId="{5B3FBBC5-B788-4A9E-9FD4-842EBD374311}" dt="2024-02-20T16:38:39.593" v="4610" actId="47"/>
+      <pc:sldChg chg="modSp">
+        <pc:chgData name="Talbert, Matthew" userId="877a4118-3f16-4ac9-a72c-5dd2c7b28c85" providerId="ADAL" clId="{6D714EC8-FEBA-47AF-9B9B-F0C8F81011C5}" dt="2024-11-21T22:02:34.941" v="33" actId="12788"/>
         <pc:sldMkLst>
           <pc:docMk/>
-          <pc:sldMk cId="312768879" sldId="266"/>
-        </pc:sldMkLst>
-      </pc:sldChg>
-      <pc:sldChg chg="modSp add mod">
-        <pc:chgData name="Gibbons, Carl" userId="d2b037bc-8fb4-4222-845c-61440543a456" providerId="ADAL" clId="{5B3FBBC5-B788-4A9E-9FD4-842EBD374311}" dt="2024-02-20T16:42:04.124" v="4740" actId="20577"/>
-        <pc:sldMkLst>
-          <pc:docMk/>
-          <pc:sldMk cId="1959728496" sldId="266"/>
+          <pc:sldMk cId="1467586035" sldId="261"/>
         </pc:sldMkLst>
         <pc:spChg chg="mod">
-          <ac:chgData name="Gibbons, Carl" userId="d2b037bc-8fb4-4222-845c-61440543a456" providerId="ADAL" clId="{5B3FBBC5-B788-4A9E-9FD4-842EBD374311}" dt="2024-02-20T16:41:09.733" v="4697" actId="20577"/>
+          <ac:chgData name="Talbert, Matthew" userId="877a4118-3f16-4ac9-a72c-5dd2c7b28c85" providerId="ADAL" clId="{6D714EC8-FEBA-47AF-9B9B-F0C8F81011C5}" dt="2024-11-21T22:02:34.941" v="33" actId="12788"/>
           <ac:spMkLst>
             <pc:docMk/>
-            <pc:sldMk cId="1959728496" sldId="266"/>
-            <ac:spMk id="2" creationId="{CE563C74-E990-3B77-1F46-668B8C1F1663}"/>
-          </ac:spMkLst>
-        </pc:spChg>
-        <pc:spChg chg="mod">
-          <ac:chgData name="Gibbons, Carl" userId="d2b037bc-8fb4-4222-845c-61440543a456" providerId="ADAL" clId="{5B3FBBC5-B788-4A9E-9FD4-842EBD374311}" dt="2024-02-20T16:42:04.124" v="4740" actId="20577"/>
-          <ac:spMkLst>
-            <pc:docMk/>
-            <pc:sldMk cId="1959728496" sldId="266"/>
-            <ac:spMk id="7" creationId="{90027281-906B-E8EC-9F0D-DB9DF0665C9C}"/>
-          </ac:spMkLst>
-        </pc:spChg>
-      </pc:sldChg>
-      <pc:sldChg chg="add del">
-        <pc:chgData name="Gibbons, Carl" userId="d2b037bc-8fb4-4222-845c-61440543a456" providerId="ADAL" clId="{5B3FBBC5-B788-4A9E-9FD4-842EBD374311}" dt="2024-02-20T16:43:04.289" v="4742" actId="2696"/>
-        <pc:sldMkLst>
-          <pc:docMk/>
-          <pc:sldMk cId="2838032763" sldId="267"/>
-        </pc:sldMkLst>
-      </pc:sldChg>
-    </pc:docChg>
-  </pc:docChgLst>
-  <pc:docChgLst>
-    <pc:chgData name="Gibbons, Carl" userId="d2b037bc-8fb4-4222-845c-61440543a456" providerId="ADAL" clId="{930742B8-5264-4285-844A-779DDFAABB41}"/>
-    <pc:docChg chg="custSel delSld modSld">
-      <pc:chgData name="Gibbons, Carl" userId="d2b037bc-8fb4-4222-845c-61440543a456" providerId="ADAL" clId="{930742B8-5264-4285-844A-779DDFAABB41}" dt="2024-02-04T07:28:09.926" v="804" actId="2711"/>
-      <pc:docMkLst>
-        <pc:docMk/>
-      </pc:docMkLst>
-      <pc:sldChg chg="modSp mod">
-        <pc:chgData name="Gibbons, Carl" userId="d2b037bc-8fb4-4222-845c-61440543a456" providerId="ADAL" clId="{930742B8-5264-4285-844A-779DDFAABB41}" dt="2024-02-04T07:19:09.277" v="12" actId="20577"/>
-        <pc:sldMkLst>
-          <pc:docMk/>
-          <pc:sldMk cId="3308175748" sldId="256"/>
-        </pc:sldMkLst>
-        <pc:spChg chg="mod">
-          <ac:chgData name="Gibbons, Carl" userId="d2b037bc-8fb4-4222-845c-61440543a456" providerId="ADAL" clId="{930742B8-5264-4285-844A-779DDFAABB41}" dt="2024-02-04T07:19:09.277" v="12" actId="20577"/>
-          <ac:spMkLst>
-            <pc:docMk/>
-            <pc:sldMk cId="3308175748" sldId="256"/>
-            <ac:spMk id="3" creationId="{EEC4D41B-E776-05F2-BE0B-89BB339485AB}"/>
-          </ac:spMkLst>
-        </pc:spChg>
-      </pc:sldChg>
-      <pc:sldChg chg="modSp mod">
-        <pc:chgData name="Gibbons, Carl" userId="d2b037bc-8fb4-4222-845c-61440543a456" providerId="ADAL" clId="{930742B8-5264-4285-844A-779DDFAABB41}" dt="2024-02-04T07:28:09.926" v="804" actId="2711"/>
-        <pc:sldMkLst>
-          <pc:docMk/>
-          <pc:sldMk cId="2312486803" sldId="261"/>
-        </pc:sldMkLst>
-        <pc:spChg chg="mod">
-          <ac:chgData name="Gibbons, Carl" userId="d2b037bc-8fb4-4222-845c-61440543a456" providerId="ADAL" clId="{930742B8-5264-4285-844A-779DDFAABB41}" dt="2024-02-04T07:19:25.889" v="43" actId="20577"/>
-          <ac:spMkLst>
-            <pc:docMk/>
-            <pc:sldMk cId="2312486803" sldId="261"/>
-            <ac:spMk id="2" creationId="{31B75992-5098-A283-4925-2CCEBB801DC5}"/>
-          </ac:spMkLst>
-        </pc:spChg>
-        <pc:spChg chg="mod">
-          <ac:chgData name="Gibbons, Carl" userId="d2b037bc-8fb4-4222-845c-61440543a456" providerId="ADAL" clId="{930742B8-5264-4285-844A-779DDFAABB41}" dt="2024-02-04T07:28:09.926" v="804" actId="2711"/>
-          <ac:spMkLst>
-            <pc:docMk/>
-            <pc:sldMk cId="2312486803" sldId="261"/>
-            <ac:spMk id="3" creationId="{B5924E0F-A977-1710-779D-EEB74261AF34}"/>
-          </ac:spMkLst>
-        </pc:spChg>
-      </pc:sldChg>
-      <pc:sldChg chg="modSp mod">
-        <pc:chgData name="Gibbons, Carl" userId="d2b037bc-8fb4-4222-845c-61440543a456" providerId="ADAL" clId="{930742B8-5264-4285-844A-779DDFAABB41}" dt="2024-02-04T07:21:38.166" v="247" actId="20577"/>
-        <pc:sldMkLst>
-          <pc:docMk/>
-          <pc:sldMk cId="3885141102" sldId="262"/>
-        </pc:sldMkLst>
-        <pc:spChg chg="mod">
-          <ac:chgData name="Gibbons, Carl" userId="d2b037bc-8fb4-4222-845c-61440543a456" providerId="ADAL" clId="{930742B8-5264-4285-844A-779DDFAABB41}" dt="2024-02-04T07:21:38.166" v="247" actId="20577"/>
-          <ac:spMkLst>
-            <pc:docMk/>
-            <pc:sldMk cId="3885141102" sldId="262"/>
-            <ac:spMk id="3" creationId="{B5924E0F-A977-1710-779D-EEB74261AF34}"/>
-          </ac:spMkLst>
-        </pc:spChg>
-      </pc:sldChg>
-      <pc:sldChg chg="del">
-        <pc:chgData name="Gibbons, Carl" userId="d2b037bc-8fb4-4222-845c-61440543a456" providerId="ADAL" clId="{930742B8-5264-4285-844A-779DDFAABB41}" dt="2024-02-04T07:21:17.454" v="192" actId="2696"/>
-        <pc:sldMkLst>
-          <pc:docMk/>
-          <pc:sldMk cId="2993794741" sldId="265"/>
-        </pc:sldMkLst>
-      </pc:sldChg>
-      <pc:sldChg chg="del">
-        <pc:chgData name="Gibbons, Carl" userId="d2b037bc-8fb4-4222-845c-61440543a456" providerId="ADAL" clId="{930742B8-5264-4285-844A-779DDFAABB41}" dt="2024-02-04T07:21:17.454" v="192" actId="2696"/>
-        <pc:sldMkLst>
-          <pc:docMk/>
-          <pc:sldMk cId="1337022352" sldId="266"/>
-        </pc:sldMkLst>
-      </pc:sldChg>
-      <pc:sldChg chg="del">
-        <pc:chgData name="Gibbons, Carl" userId="d2b037bc-8fb4-4222-845c-61440543a456" providerId="ADAL" clId="{930742B8-5264-4285-844A-779DDFAABB41}" dt="2024-02-04T07:21:17.454" v="192" actId="2696"/>
-        <pc:sldMkLst>
-          <pc:docMk/>
-          <pc:sldMk cId="3576168196" sldId="267"/>
-        </pc:sldMkLst>
-      </pc:sldChg>
-      <pc:sldChg chg="del">
-        <pc:chgData name="Gibbons, Carl" userId="d2b037bc-8fb4-4222-845c-61440543a456" providerId="ADAL" clId="{930742B8-5264-4285-844A-779DDFAABB41}" dt="2024-02-04T07:21:17.454" v="192" actId="2696"/>
-        <pc:sldMkLst>
-          <pc:docMk/>
-          <pc:sldMk cId="1066671753" sldId="268"/>
-        </pc:sldMkLst>
-      </pc:sldChg>
-      <pc:sldChg chg="del">
-        <pc:chgData name="Gibbons, Carl" userId="d2b037bc-8fb4-4222-845c-61440543a456" providerId="ADAL" clId="{930742B8-5264-4285-844A-779DDFAABB41}" dt="2024-02-04T07:21:17.454" v="192" actId="2696"/>
-        <pc:sldMkLst>
-          <pc:docMk/>
-          <pc:sldMk cId="465083765" sldId="269"/>
-        </pc:sldMkLst>
-      </pc:sldChg>
-    </pc:docChg>
-  </pc:docChgLst>
-  <pc:docChgLst>
-    <pc:chgData name="Gibbons, Carl" userId="d2b037bc-8fb4-4222-845c-61440543a456" providerId="ADAL" clId="{3CE3119B-1917-4F7B-A5AD-6C146E3F914B}"/>
-    <pc:docChg chg="undo custSel addSld delSld modSld sldOrd">
-      <pc:chgData name="Gibbons, Carl" userId="d2b037bc-8fb4-4222-845c-61440543a456" providerId="ADAL" clId="{3CE3119B-1917-4F7B-A5AD-6C146E3F914B}" dt="2023-12-28T21:57:42.900" v="13126" actId="20577"/>
-      <pc:docMkLst>
-        <pc:docMk/>
-      </pc:docMkLst>
-      <pc:sldChg chg="modSp mod">
-        <pc:chgData name="Gibbons, Carl" userId="d2b037bc-8fb4-4222-845c-61440543a456" providerId="ADAL" clId="{3CE3119B-1917-4F7B-A5AD-6C146E3F914B}" dt="2023-12-24T03:25:35.899" v="17" actId="20577"/>
-        <pc:sldMkLst>
-          <pc:docMk/>
-          <pc:sldMk cId="3308175748" sldId="256"/>
-        </pc:sldMkLst>
-        <pc:spChg chg="mod">
-          <ac:chgData name="Gibbons, Carl" userId="d2b037bc-8fb4-4222-845c-61440543a456" providerId="ADAL" clId="{3CE3119B-1917-4F7B-A5AD-6C146E3F914B}" dt="2023-12-24T03:25:35.899" v="17" actId="20577"/>
-          <ac:spMkLst>
-            <pc:docMk/>
-            <pc:sldMk cId="3308175748" sldId="256"/>
-            <ac:spMk id="3" creationId="{EEC4D41B-E776-05F2-BE0B-89BB339485AB}"/>
-          </ac:spMkLst>
-        </pc:spChg>
-      </pc:sldChg>
-      <pc:sldChg chg="del">
-        <pc:chgData name="Gibbons, Carl" userId="d2b037bc-8fb4-4222-845c-61440543a456" providerId="ADAL" clId="{3CE3119B-1917-4F7B-A5AD-6C146E3F914B}" dt="2023-12-24T04:15:13.652" v="2206" actId="47"/>
-        <pc:sldMkLst>
-          <pc:docMk/>
-          <pc:sldMk cId="519357719" sldId="260"/>
-        </pc:sldMkLst>
-      </pc:sldChg>
-      <pc:sldChg chg="delSp modSp mod">
-        <pc:chgData name="Gibbons, Carl" userId="d2b037bc-8fb4-4222-845c-61440543a456" providerId="ADAL" clId="{3CE3119B-1917-4F7B-A5AD-6C146E3F914B}" dt="2023-12-28T19:44:28.921" v="4873" actId="20577"/>
-        <pc:sldMkLst>
-          <pc:docMk/>
-          <pc:sldMk cId="2312486803" sldId="261"/>
-        </pc:sldMkLst>
-        <pc:spChg chg="mod">
-          <ac:chgData name="Gibbons, Carl" userId="d2b037bc-8fb4-4222-845c-61440543a456" providerId="ADAL" clId="{3CE3119B-1917-4F7B-A5AD-6C146E3F914B}" dt="2023-12-24T03:44:40.577" v="592" actId="20577"/>
-          <ac:spMkLst>
-            <pc:docMk/>
-            <pc:sldMk cId="2312486803" sldId="261"/>
-            <ac:spMk id="2" creationId="{31B75992-5098-A283-4925-2CCEBB801DC5}"/>
-          </ac:spMkLst>
-        </pc:spChg>
-        <pc:spChg chg="mod">
-          <ac:chgData name="Gibbons, Carl" userId="d2b037bc-8fb4-4222-845c-61440543a456" providerId="ADAL" clId="{3CE3119B-1917-4F7B-A5AD-6C146E3F914B}" dt="2023-12-28T19:44:28.921" v="4873" actId="20577"/>
-          <ac:spMkLst>
-            <pc:docMk/>
-            <pc:sldMk cId="2312486803" sldId="261"/>
-            <ac:spMk id="3" creationId="{B5924E0F-A977-1710-779D-EEB74261AF34}"/>
-          </ac:spMkLst>
-        </pc:spChg>
-        <pc:picChg chg="del">
-          <ac:chgData name="Gibbons, Carl" userId="d2b037bc-8fb4-4222-845c-61440543a456" providerId="ADAL" clId="{3CE3119B-1917-4F7B-A5AD-6C146E3F914B}" dt="2023-12-24T03:25:42.885" v="18" actId="478"/>
-          <ac:picMkLst>
-            <pc:docMk/>
-            <pc:sldMk cId="2312486803" sldId="261"/>
-            <ac:picMk id="5" creationId="{95F1B758-8221-A28F-F68D-1A79ADBC274D}"/>
-          </ac:picMkLst>
-        </pc:picChg>
-      </pc:sldChg>
-      <pc:sldChg chg="del">
-        <pc:chgData name="Gibbons, Carl" userId="d2b037bc-8fb4-4222-845c-61440543a456" providerId="ADAL" clId="{3CE3119B-1917-4F7B-A5AD-6C146E3F914B}" dt="2023-12-24T04:15:12.349" v="2205" actId="47"/>
-        <pc:sldMkLst>
-          <pc:docMk/>
-          <pc:sldMk cId="378743348" sldId="270"/>
-        </pc:sldMkLst>
-      </pc:sldChg>
-      <pc:sldChg chg="modSp mod">
-        <pc:chgData name="Gibbons, Carl" userId="d2b037bc-8fb4-4222-845c-61440543a456" providerId="ADAL" clId="{3CE3119B-1917-4F7B-A5AD-6C146E3F914B}" dt="2023-12-28T21:57:42.900" v="13126" actId="20577"/>
-        <pc:sldMkLst>
-          <pc:docMk/>
-          <pc:sldMk cId="657795359" sldId="277"/>
-        </pc:sldMkLst>
-        <pc:spChg chg="mod">
-          <ac:chgData name="Gibbons, Carl" userId="d2b037bc-8fb4-4222-845c-61440543a456" providerId="ADAL" clId="{3CE3119B-1917-4F7B-A5AD-6C146E3F914B}" dt="2023-12-28T21:57:42.900" v="13126" actId="20577"/>
-          <ac:spMkLst>
-            <pc:docMk/>
-            <pc:sldMk cId="657795359" sldId="277"/>
-            <ac:spMk id="2" creationId="{1862E903-3C56-BB42-2361-009F2336475A}"/>
-          </ac:spMkLst>
-        </pc:spChg>
-        <pc:spChg chg="mod">
-          <ac:chgData name="Gibbons, Carl" userId="d2b037bc-8fb4-4222-845c-61440543a456" providerId="ADAL" clId="{3CE3119B-1917-4F7B-A5AD-6C146E3F914B}" dt="2023-12-28T21:57:39.566" v="13125" actId="20577"/>
-          <ac:spMkLst>
-            <pc:docMk/>
-            <pc:sldMk cId="657795359" sldId="277"/>
-            <ac:spMk id="3" creationId="{90179172-96B3-95D0-A137-257770BE7642}"/>
-          </ac:spMkLst>
-        </pc:spChg>
-      </pc:sldChg>
-      <pc:sldChg chg="del">
-        <pc:chgData name="Gibbons, Carl" userId="d2b037bc-8fb4-4222-845c-61440543a456" providerId="ADAL" clId="{3CE3119B-1917-4F7B-A5AD-6C146E3F914B}" dt="2023-12-24T04:15:14.863" v="2207" actId="47"/>
-        <pc:sldMkLst>
-          <pc:docMk/>
-          <pc:sldMk cId="376509629" sldId="278"/>
-        </pc:sldMkLst>
-      </pc:sldChg>
-      <pc:sldChg chg="del">
-        <pc:chgData name="Gibbons, Carl" userId="d2b037bc-8fb4-4222-845c-61440543a456" providerId="ADAL" clId="{3CE3119B-1917-4F7B-A5AD-6C146E3F914B}" dt="2023-12-24T04:15:16.084" v="2208" actId="47"/>
-        <pc:sldMkLst>
-          <pc:docMk/>
-          <pc:sldMk cId="3153831418" sldId="279"/>
-        </pc:sldMkLst>
-      </pc:sldChg>
-      <pc:sldChg chg="del">
-        <pc:chgData name="Gibbons, Carl" userId="d2b037bc-8fb4-4222-845c-61440543a456" providerId="ADAL" clId="{3CE3119B-1917-4F7B-A5AD-6C146E3F914B}" dt="2023-12-24T04:15:16.999" v="2209" actId="47"/>
-        <pc:sldMkLst>
-          <pc:docMk/>
-          <pc:sldMk cId="1730491475" sldId="280"/>
-        </pc:sldMkLst>
-      </pc:sldChg>
-      <pc:sldChg chg="del">
-        <pc:chgData name="Gibbons, Carl" userId="d2b037bc-8fb4-4222-845c-61440543a456" providerId="ADAL" clId="{3CE3119B-1917-4F7B-A5AD-6C146E3F914B}" dt="2023-12-24T04:15:17.902" v="2210" actId="47"/>
-        <pc:sldMkLst>
-          <pc:docMk/>
-          <pc:sldMk cId="2142935958" sldId="281"/>
-        </pc:sldMkLst>
-      </pc:sldChg>
-      <pc:sldChg chg="del">
-        <pc:chgData name="Gibbons, Carl" userId="d2b037bc-8fb4-4222-845c-61440543a456" providerId="ADAL" clId="{3CE3119B-1917-4F7B-A5AD-6C146E3F914B}" dt="2023-12-24T04:15:18.904" v="2211" actId="47"/>
-        <pc:sldMkLst>
-          <pc:docMk/>
-          <pc:sldMk cId="1371681654" sldId="282"/>
-        </pc:sldMkLst>
-      </pc:sldChg>
-      <pc:sldChg chg="addSp modSp mod">
-        <pc:chgData name="Gibbons, Carl" userId="d2b037bc-8fb4-4222-845c-61440543a456" providerId="ADAL" clId="{3CE3119B-1917-4F7B-A5AD-6C146E3F914B}" dt="2023-12-24T04:21:46.824" v="2699" actId="20577"/>
-        <pc:sldMkLst>
-          <pc:docMk/>
-          <pc:sldMk cId="2959024232" sldId="283"/>
-        </pc:sldMkLst>
-        <pc:spChg chg="mod">
-          <ac:chgData name="Gibbons, Carl" userId="d2b037bc-8fb4-4222-845c-61440543a456" providerId="ADAL" clId="{3CE3119B-1917-4F7B-A5AD-6C146E3F914B}" dt="2023-12-24T03:51:38.841" v="820" actId="20577"/>
-          <ac:spMkLst>
-            <pc:docMk/>
-            <pc:sldMk cId="2959024232" sldId="283"/>
-            <ac:spMk id="2" creationId="{31B75992-5098-A283-4925-2CCEBB801DC5}"/>
-          </ac:spMkLst>
-        </pc:spChg>
-        <pc:spChg chg="mod">
-          <ac:chgData name="Gibbons, Carl" userId="d2b037bc-8fb4-4222-845c-61440543a456" providerId="ADAL" clId="{3CE3119B-1917-4F7B-A5AD-6C146E3F914B}" dt="2023-12-24T03:50:43.198" v="773" actId="20577"/>
-          <ac:spMkLst>
-            <pc:docMk/>
-            <pc:sldMk cId="2959024232" sldId="283"/>
-            <ac:spMk id="3" creationId="{B5924E0F-A977-1710-779D-EEB74261AF34}"/>
-          </ac:spMkLst>
-        </pc:spChg>
-        <pc:spChg chg="add mod">
-          <ac:chgData name="Gibbons, Carl" userId="d2b037bc-8fb4-4222-845c-61440543a456" providerId="ADAL" clId="{3CE3119B-1917-4F7B-A5AD-6C146E3F914B}" dt="2023-12-24T03:51:05.835" v="812" actId="20577"/>
-          <ac:spMkLst>
-            <pc:docMk/>
-            <pc:sldMk cId="2959024232" sldId="283"/>
-            <ac:spMk id="4" creationId="{6B5EF911-ED83-01C5-8F00-FD1AD80E90D2}"/>
-          </ac:spMkLst>
-        </pc:spChg>
-        <pc:spChg chg="add mod">
-          <ac:chgData name="Gibbons, Carl" userId="d2b037bc-8fb4-4222-845c-61440543a456" providerId="ADAL" clId="{3CE3119B-1917-4F7B-A5AD-6C146E3F914B}" dt="2023-12-24T04:21:46.824" v="2699" actId="20577"/>
-          <ac:spMkLst>
-            <pc:docMk/>
-            <pc:sldMk cId="2959024232" sldId="283"/>
-            <ac:spMk id="5" creationId="{746F0B3D-627C-BF49-CF83-A524927EBEDE}"/>
-          </ac:spMkLst>
-        </pc:spChg>
-      </pc:sldChg>
-      <pc:sldChg chg="delSp modSp mod">
-        <pc:chgData name="Gibbons, Carl" userId="d2b037bc-8fb4-4222-845c-61440543a456" providerId="ADAL" clId="{3CE3119B-1917-4F7B-A5AD-6C146E3F914B}" dt="2023-12-28T21:03:44.041" v="10649" actId="20577"/>
-        <pc:sldMkLst>
-          <pc:docMk/>
-          <pc:sldMk cId="3114675387" sldId="284"/>
-        </pc:sldMkLst>
-        <pc:spChg chg="mod">
-          <ac:chgData name="Gibbons, Carl" userId="d2b037bc-8fb4-4222-845c-61440543a456" providerId="ADAL" clId="{3CE3119B-1917-4F7B-A5AD-6C146E3F914B}" dt="2023-12-24T04:15:28.805" v="2213" actId="20577"/>
-          <ac:spMkLst>
-            <pc:docMk/>
-            <pc:sldMk cId="3114675387" sldId="284"/>
-            <ac:spMk id="2" creationId="{31B75992-5098-A283-4925-2CCEBB801DC5}"/>
-          </ac:spMkLst>
-        </pc:spChg>
-        <pc:spChg chg="mod">
-          <ac:chgData name="Gibbons, Carl" userId="d2b037bc-8fb4-4222-845c-61440543a456" providerId="ADAL" clId="{3CE3119B-1917-4F7B-A5AD-6C146E3F914B}" dt="2023-12-28T21:03:44.041" v="10649" actId="20577"/>
-          <ac:spMkLst>
-            <pc:docMk/>
-            <pc:sldMk cId="3114675387" sldId="284"/>
-            <ac:spMk id="3" creationId="{B5924E0F-A977-1710-779D-EEB74261AF34}"/>
-          </ac:spMkLst>
-        </pc:spChg>
-        <pc:spChg chg="del mod">
-          <ac:chgData name="Gibbons, Carl" userId="d2b037bc-8fb4-4222-845c-61440543a456" providerId="ADAL" clId="{3CE3119B-1917-4F7B-A5AD-6C146E3F914B}" dt="2023-12-24T04:17:34.876" v="2369" actId="478"/>
-          <ac:spMkLst>
-            <pc:docMk/>
-            <pc:sldMk cId="3114675387" sldId="284"/>
-            <ac:spMk id="4" creationId="{6B5EF911-ED83-01C5-8F00-FD1AD80E90D2}"/>
-          </ac:spMkLst>
-        </pc:spChg>
-        <pc:spChg chg="mod">
-          <ac:chgData name="Gibbons, Carl" userId="d2b037bc-8fb4-4222-845c-61440543a456" providerId="ADAL" clId="{3CE3119B-1917-4F7B-A5AD-6C146E3F914B}" dt="2023-12-24T04:25:41.312" v="2946" actId="20577"/>
-          <ac:spMkLst>
-            <pc:docMk/>
-            <pc:sldMk cId="3114675387" sldId="284"/>
-            <ac:spMk id="5" creationId="{746F0B3D-627C-BF49-CF83-A524927EBEDE}"/>
-          </ac:spMkLst>
-        </pc:spChg>
-      </pc:sldChg>
-      <pc:sldChg chg="modSp mod">
-        <pc:chgData name="Gibbons, Carl" userId="d2b037bc-8fb4-4222-845c-61440543a456" providerId="ADAL" clId="{3CE3119B-1917-4F7B-A5AD-6C146E3F914B}" dt="2023-12-28T20:27:51.520" v="8472" actId="20577"/>
-        <pc:sldMkLst>
-          <pc:docMk/>
-          <pc:sldMk cId="1243134729" sldId="285"/>
-        </pc:sldMkLst>
-        <pc:spChg chg="mod">
-          <ac:chgData name="Gibbons, Carl" userId="d2b037bc-8fb4-4222-845c-61440543a456" providerId="ADAL" clId="{3CE3119B-1917-4F7B-A5AD-6C146E3F914B}" dt="2023-12-28T18:55:00.802" v="3019" actId="20577"/>
-          <ac:spMkLst>
-            <pc:docMk/>
-            <pc:sldMk cId="1243134729" sldId="285"/>
-            <ac:spMk id="2" creationId="{31B75992-5098-A283-4925-2CCEBB801DC5}"/>
-          </ac:spMkLst>
-        </pc:spChg>
-        <pc:spChg chg="mod">
-          <ac:chgData name="Gibbons, Carl" userId="d2b037bc-8fb4-4222-845c-61440543a456" providerId="ADAL" clId="{3CE3119B-1917-4F7B-A5AD-6C146E3F914B}" dt="2023-12-28T19:11:28.137" v="4139" actId="20577"/>
-          <ac:spMkLst>
-            <pc:docMk/>
-            <pc:sldMk cId="1243134729" sldId="285"/>
-            <ac:spMk id="3" creationId="{B5924E0F-A977-1710-779D-EEB74261AF34}"/>
-          </ac:spMkLst>
-        </pc:spChg>
-        <pc:spChg chg="mod">
-          <ac:chgData name="Gibbons, Carl" userId="d2b037bc-8fb4-4222-845c-61440543a456" providerId="ADAL" clId="{3CE3119B-1917-4F7B-A5AD-6C146E3F914B}" dt="2023-12-28T20:27:51.520" v="8472" actId="20577"/>
-          <ac:spMkLst>
-            <pc:docMk/>
-            <pc:sldMk cId="1243134729" sldId="285"/>
-            <ac:spMk id="5" creationId="{746F0B3D-627C-BF49-CF83-A524927EBEDE}"/>
-          </ac:spMkLst>
-        </pc:spChg>
-      </pc:sldChg>
-      <pc:sldChg chg="modSp mod ord">
-        <pc:chgData name="Gibbons, Carl" userId="d2b037bc-8fb4-4222-845c-61440543a456" providerId="ADAL" clId="{3CE3119B-1917-4F7B-A5AD-6C146E3F914B}" dt="2023-12-28T20:26:55.852" v="8407" actId="20577"/>
-        <pc:sldMkLst>
-          <pc:docMk/>
-          <pc:sldMk cId="954591853" sldId="286"/>
-        </pc:sldMkLst>
-        <pc:spChg chg="mod">
-          <ac:chgData name="Gibbons, Carl" userId="d2b037bc-8fb4-4222-845c-61440543a456" providerId="ADAL" clId="{3CE3119B-1917-4F7B-A5AD-6C146E3F914B}" dt="2023-12-28T19:12:25.523" v="4250" actId="20577"/>
-          <ac:spMkLst>
-            <pc:docMk/>
-            <pc:sldMk cId="954591853" sldId="286"/>
-            <ac:spMk id="2" creationId="{31B75992-5098-A283-4925-2CCEBB801DC5}"/>
-          </ac:spMkLst>
-        </pc:spChg>
-        <pc:spChg chg="mod">
-          <ac:chgData name="Gibbons, Carl" userId="d2b037bc-8fb4-4222-845c-61440543a456" providerId="ADAL" clId="{3CE3119B-1917-4F7B-A5AD-6C146E3F914B}" dt="2023-12-28T20:11:15.517" v="7216" actId="20577"/>
-          <ac:spMkLst>
-            <pc:docMk/>
-            <pc:sldMk cId="954591853" sldId="286"/>
-            <ac:spMk id="3" creationId="{B5924E0F-A977-1710-779D-EEB74261AF34}"/>
-          </ac:spMkLst>
-        </pc:spChg>
-        <pc:spChg chg="mod">
-          <ac:chgData name="Gibbons, Carl" userId="d2b037bc-8fb4-4222-845c-61440543a456" providerId="ADAL" clId="{3CE3119B-1917-4F7B-A5AD-6C146E3F914B}" dt="2023-12-28T20:26:55.852" v="8407" actId="20577"/>
-          <ac:spMkLst>
-            <pc:docMk/>
-            <pc:sldMk cId="954591853" sldId="286"/>
-            <ac:spMk id="5" creationId="{746F0B3D-627C-BF49-CF83-A524927EBEDE}"/>
-          </ac:spMkLst>
-        </pc:spChg>
-      </pc:sldChg>
-      <pc:sldChg chg="addSp modSp mod">
-        <pc:chgData name="Gibbons, Carl" userId="d2b037bc-8fb4-4222-845c-61440543a456" providerId="ADAL" clId="{3CE3119B-1917-4F7B-A5AD-6C146E3F914B}" dt="2023-12-28T20:10:30.792" v="7202" actId="122"/>
-        <pc:sldMkLst>
-          <pc:docMk/>
-          <pc:sldMk cId="2614091779" sldId="287"/>
-        </pc:sldMkLst>
-        <pc:spChg chg="mod">
-          <ac:chgData name="Gibbons, Carl" userId="d2b037bc-8fb4-4222-845c-61440543a456" providerId="ADAL" clId="{3CE3119B-1917-4F7B-A5AD-6C146E3F914B}" dt="2023-12-28T19:52:51.742" v="5814" actId="20577"/>
-          <ac:spMkLst>
-            <pc:docMk/>
-            <pc:sldMk cId="2614091779" sldId="287"/>
-            <ac:spMk id="2" creationId="{31B75992-5098-A283-4925-2CCEBB801DC5}"/>
-          </ac:spMkLst>
-        </pc:spChg>
-        <pc:spChg chg="mod">
-          <ac:chgData name="Gibbons, Carl" userId="d2b037bc-8fb4-4222-845c-61440543a456" providerId="ADAL" clId="{3CE3119B-1917-4F7B-A5AD-6C146E3F914B}" dt="2023-12-28T19:48:55.211" v="5618" actId="14100"/>
-          <ac:spMkLst>
-            <pc:docMk/>
-            <pc:sldMk cId="2614091779" sldId="287"/>
-            <ac:spMk id="3" creationId="{B5924E0F-A977-1710-779D-EEB74261AF34}"/>
-          </ac:spMkLst>
-        </pc:spChg>
-        <pc:graphicFrameChg chg="add mod modGraphic">
-          <ac:chgData name="Gibbons, Carl" userId="d2b037bc-8fb4-4222-845c-61440543a456" providerId="ADAL" clId="{3CE3119B-1917-4F7B-A5AD-6C146E3F914B}" dt="2023-12-28T20:10:30.792" v="7202" actId="122"/>
-          <ac:graphicFrameMkLst>
-            <pc:docMk/>
-            <pc:sldMk cId="2614091779" sldId="287"/>
-            <ac:graphicFrameMk id="4" creationId="{3CFEF9C3-22C7-2157-EBC8-9116E36A6081}"/>
-          </ac:graphicFrameMkLst>
-        </pc:graphicFrameChg>
-      </pc:sldChg>
-      <pc:sldChg chg="delSp modSp mod">
-        <pc:chgData name="Gibbons, Carl" userId="d2b037bc-8fb4-4222-845c-61440543a456" providerId="ADAL" clId="{3CE3119B-1917-4F7B-A5AD-6C146E3F914B}" dt="2023-12-28T20:10:52.990" v="7204" actId="114"/>
-        <pc:sldMkLst>
-          <pc:docMk/>
-          <pc:sldMk cId="1341659426" sldId="288"/>
-        </pc:sldMkLst>
-        <pc:spChg chg="mod">
-          <ac:chgData name="Gibbons, Carl" userId="d2b037bc-8fb4-4222-845c-61440543a456" providerId="ADAL" clId="{3CE3119B-1917-4F7B-A5AD-6C146E3F914B}" dt="2023-12-28T19:53:19.425" v="5816" actId="20577"/>
-          <ac:spMkLst>
-            <pc:docMk/>
-            <pc:sldMk cId="1341659426" sldId="288"/>
-            <ac:spMk id="2" creationId="{31B75992-5098-A283-4925-2CCEBB801DC5}"/>
-          </ac:spMkLst>
-        </pc:spChg>
-        <pc:spChg chg="mod">
-          <ac:chgData name="Gibbons, Carl" userId="d2b037bc-8fb4-4222-845c-61440543a456" providerId="ADAL" clId="{3CE3119B-1917-4F7B-A5AD-6C146E3F914B}" dt="2023-12-28T20:10:52.990" v="7204" actId="114"/>
-          <ac:spMkLst>
-            <pc:docMk/>
-            <pc:sldMk cId="1341659426" sldId="288"/>
-            <ac:spMk id="3" creationId="{B5924E0F-A977-1710-779D-EEB74261AF34}"/>
-          </ac:spMkLst>
-        </pc:spChg>
-        <pc:graphicFrameChg chg="del modGraphic">
-          <ac:chgData name="Gibbons, Carl" userId="d2b037bc-8fb4-4222-845c-61440543a456" providerId="ADAL" clId="{3CE3119B-1917-4F7B-A5AD-6C146E3F914B}" dt="2023-12-28T19:53:27.454" v="5818" actId="21"/>
-          <ac:graphicFrameMkLst>
-            <pc:docMk/>
-            <pc:sldMk cId="1341659426" sldId="288"/>
-            <ac:graphicFrameMk id="4" creationId="{3CFEF9C3-22C7-2157-EBC8-9116E36A6081}"/>
-          </ac:graphicFrameMkLst>
-        </pc:graphicFrameChg>
-      </pc:sldChg>
-      <pc:sldChg chg="addSp modSp new mod">
-        <pc:chgData name="Gibbons, Carl" userId="d2b037bc-8fb4-4222-845c-61440543a456" providerId="ADAL" clId="{3CE3119B-1917-4F7B-A5AD-6C146E3F914B}" dt="2023-12-28T21:20:58.470" v="11391" actId="27636"/>
-        <pc:sldMkLst>
-          <pc:docMk/>
-          <pc:sldMk cId="2966054478" sldId="289"/>
-        </pc:sldMkLst>
-        <pc:spChg chg="mod">
-          <ac:chgData name="Gibbons, Carl" userId="d2b037bc-8fb4-4222-845c-61440543a456" providerId="ADAL" clId="{3CE3119B-1917-4F7B-A5AD-6C146E3F914B}" dt="2023-12-28T21:20:58.470" v="11391" actId="27636"/>
-          <ac:spMkLst>
-            <pc:docMk/>
-            <pc:sldMk cId="2966054478" sldId="289"/>
-            <ac:spMk id="2" creationId="{264BAEB2-591D-DEE6-3C00-0BAAC69880F0}"/>
-          </ac:spMkLst>
-        </pc:spChg>
-        <pc:spChg chg="add mod">
-          <ac:chgData name="Gibbons, Carl" userId="d2b037bc-8fb4-4222-845c-61440543a456" providerId="ADAL" clId="{3CE3119B-1917-4F7B-A5AD-6C146E3F914B}" dt="2023-12-28T21:02:37.455" v="10592" actId="20577"/>
-          <ac:spMkLst>
-            <pc:docMk/>
-            <pc:sldMk cId="2966054478" sldId="289"/>
-            <ac:spMk id="3" creationId="{0620B8A1-699E-C7B4-0A32-7D9C4529CA27}"/>
-          </ac:spMkLst>
-        </pc:spChg>
-      </pc:sldChg>
-      <pc:sldChg chg="modSp mod">
-        <pc:chgData name="Gibbons, Carl" userId="d2b037bc-8fb4-4222-845c-61440543a456" providerId="ADAL" clId="{3CE3119B-1917-4F7B-A5AD-6C146E3F914B}" dt="2023-12-28T20:25:14.044" v="8347" actId="20577"/>
-        <pc:sldMkLst>
-          <pc:docMk/>
-          <pc:sldMk cId="1014272238" sldId="290"/>
-        </pc:sldMkLst>
-        <pc:spChg chg="mod">
-          <ac:chgData name="Gibbons, Carl" userId="d2b037bc-8fb4-4222-845c-61440543a456" providerId="ADAL" clId="{3CE3119B-1917-4F7B-A5AD-6C146E3F914B}" dt="2023-12-28T20:14:14.888" v="7303" actId="20577"/>
-          <ac:spMkLst>
-            <pc:docMk/>
-            <pc:sldMk cId="1014272238" sldId="290"/>
-            <ac:spMk id="2" creationId="{31B75992-5098-A283-4925-2CCEBB801DC5}"/>
-          </ac:spMkLst>
-        </pc:spChg>
-        <pc:spChg chg="mod">
-          <ac:chgData name="Gibbons, Carl" userId="d2b037bc-8fb4-4222-845c-61440543a456" providerId="ADAL" clId="{3CE3119B-1917-4F7B-A5AD-6C146E3F914B}" dt="2023-12-28T20:25:14.044" v="8347" actId="20577"/>
-          <ac:spMkLst>
-            <pc:docMk/>
-            <pc:sldMk cId="1014272238" sldId="290"/>
-            <ac:spMk id="3" creationId="{B5924E0F-A977-1710-779D-EEB74261AF34}"/>
-          </ac:spMkLst>
-        </pc:spChg>
-      </pc:sldChg>
-      <pc:sldChg chg="modSp mod">
-        <pc:chgData name="Gibbons, Carl" userId="d2b037bc-8fb4-4222-845c-61440543a456" providerId="ADAL" clId="{3CE3119B-1917-4F7B-A5AD-6C146E3F914B}" dt="2023-12-28T21:21:03.949" v="11393" actId="27636"/>
-        <pc:sldMkLst>
-          <pc:docMk/>
-          <pc:sldMk cId="3689580349" sldId="291"/>
-        </pc:sldMkLst>
-        <pc:spChg chg="mod">
-          <ac:chgData name="Gibbons, Carl" userId="d2b037bc-8fb4-4222-845c-61440543a456" providerId="ADAL" clId="{3CE3119B-1917-4F7B-A5AD-6C146E3F914B}" dt="2023-12-28T21:21:03.949" v="11393" actId="27636"/>
-          <ac:spMkLst>
-            <pc:docMk/>
-            <pc:sldMk cId="3689580349" sldId="291"/>
-            <ac:spMk id="2" creationId="{264BAEB2-591D-DEE6-3C00-0BAAC69880F0}"/>
-          </ac:spMkLst>
-        </pc:spChg>
-        <pc:spChg chg="mod">
-          <ac:chgData name="Gibbons, Carl" userId="d2b037bc-8fb4-4222-845c-61440543a456" providerId="ADAL" clId="{3CE3119B-1917-4F7B-A5AD-6C146E3F914B}" dt="2023-12-28T21:02:59.174" v="10621" actId="20577"/>
-          <ac:spMkLst>
-            <pc:docMk/>
-            <pc:sldMk cId="3689580349" sldId="291"/>
-            <ac:spMk id="3" creationId="{0620B8A1-699E-C7B4-0A32-7D9C4529CA27}"/>
-          </ac:spMkLst>
-        </pc:spChg>
-      </pc:sldChg>
-      <pc:sldChg chg="modSp mod">
-        <pc:chgData name="Gibbons, Carl" userId="d2b037bc-8fb4-4222-845c-61440543a456" providerId="ADAL" clId="{3CE3119B-1917-4F7B-A5AD-6C146E3F914B}" dt="2023-12-28T21:30:34.709" v="11884" actId="20577"/>
-        <pc:sldMkLst>
-          <pc:docMk/>
-          <pc:sldMk cId="2738411615" sldId="292"/>
-        </pc:sldMkLst>
-        <pc:spChg chg="mod">
-          <ac:chgData name="Gibbons, Carl" userId="d2b037bc-8fb4-4222-845c-61440543a456" providerId="ADAL" clId="{3CE3119B-1917-4F7B-A5AD-6C146E3F914B}" dt="2023-12-28T21:27:00.893" v="11646" actId="20577"/>
-          <ac:spMkLst>
-            <pc:docMk/>
-            <pc:sldMk cId="2738411615" sldId="292"/>
-            <ac:spMk id="2" creationId="{31B75992-5098-A283-4925-2CCEBB801DC5}"/>
-          </ac:spMkLst>
-        </pc:spChg>
-        <pc:spChg chg="mod">
-          <ac:chgData name="Gibbons, Carl" userId="d2b037bc-8fb4-4222-845c-61440543a456" providerId="ADAL" clId="{3CE3119B-1917-4F7B-A5AD-6C146E3F914B}" dt="2023-12-28T21:30:34.709" v="11884" actId="20577"/>
-          <ac:spMkLst>
-            <pc:docMk/>
-            <pc:sldMk cId="2738411615" sldId="292"/>
-            <ac:spMk id="3" creationId="{B5924E0F-A977-1710-779D-EEB74261AF34}"/>
-          </ac:spMkLst>
-        </pc:spChg>
-      </pc:sldChg>
-      <pc:sldChg chg="modSp mod">
-        <pc:chgData name="Gibbons, Carl" userId="d2b037bc-8fb4-4222-845c-61440543a456" providerId="ADAL" clId="{3CE3119B-1917-4F7B-A5AD-6C146E3F914B}" dt="2023-12-28T21:56:49.002" v="13100" actId="20577"/>
-        <pc:sldMkLst>
-          <pc:docMk/>
-          <pc:sldMk cId="852415543" sldId="293"/>
-        </pc:sldMkLst>
-        <pc:spChg chg="mod">
-          <ac:chgData name="Gibbons, Carl" userId="d2b037bc-8fb4-4222-845c-61440543a456" providerId="ADAL" clId="{3CE3119B-1917-4F7B-A5AD-6C146E3F914B}" dt="2023-12-28T21:32:23.582" v="11900" actId="20577"/>
-          <ac:spMkLst>
-            <pc:docMk/>
-            <pc:sldMk cId="852415543" sldId="293"/>
-            <ac:spMk id="2" creationId="{264BAEB2-591D-DEE6-3C00-0BAAC69880F0}"/>
-          </ac:spMkLst>
-        </pc:spChg>
-        <pc:spChg chg="mod">
-          <ac:chgData name="Gibbons, Carl" userId="d2b037bc-8fb4-4222-845c-61440543a456" providerId="ADAL" clId="{3CE3119B-1917-4F7B-A5AD-6C146E3F914B}" dt="2023-12-28T21:56:49.002" v="13100" actId="20577"/>
-          <ac:spMkLst>
-            <pc:docMk/>
-            <pc:sldMk cId="852415543" sldId="293"/>
-            <ac:spMk id="3" creationId="{0620B8A1-699E-C7B4-0A32-7D9C4529CA27}"/>
-          </ac:spMkLst>
-        </pc:spChg>
-      </pc:sldChg>
-      <pc:sldMasterChg chg="delSldLayout">
-        <pc:chgData name="Gibbons, Carl" userId="d2b037bc-8fb4-4222-845c-61440543a456" providerId="ADAL" clId="{3CE3119B-1917-4F7B-A5AD-6C146E3F914B}" dt="2023-12-24T04:15:18.904" v="2211" actId="47"/>
-        <pc:sldMasterMkLst>
-          <pc:docMk/>
-          <pc:sldMasterMk cId="3616380004" sldId="2147483712"/>
-        </pc:sldMasterMkLst>
-        <pc:sldLayoutChg chg="del">
-          <pc:chgData name="Gibbons, Carl" userId="d2b037bc-8fb4-4222-845c-61440543a456" providerId="ADAL" clId="{3CE3119B-1917-4F7B-A5AD-6C146E3F914B}" dt="2023-12-24T04:15:18.904" v="2211" actId="47"/>
-          <pc:sldLayoutMkLst>
-            <pc:docMk/>
-            <pc:sldMasterMk cId="3616380004" sldId="2147483712"/>
-            <pc:sldLayoutMk cId="2633931619" sldId="2147483725"/>
-          </pc:sldLayoutMkLst>
-        </pc:sldLayoutChg>
-      </pc:sldMasterChg>
-    </pc:docChg>
-  </pc:docChgLst>
-  <pc:docChgLst>
-    <pc:chgData name="Gibbons, Carl" userId="d2b037bc-8fb4-4222-845c-61440543a456" providerId="ADAL" clId="{B22431BF-FF40-422E-84B9-DE35C0B96CC3}"/>
-    <pc:docChg chg="undo custSel delSld modSld">
-      <pc:chgData name="Gibbons, Carl" userId="d2b037bc-8fb4-4222-845c-61440543a456" providerId="ADAL" clId="{B22431BF-FF40-422E-84B9-DE35C0B96CC3}" dt="2024-01-04T23:02:20.392" v="6116" actId="20577"/>
-      <pc:docMkLst>
-        <pc:docMk/>
-      </pc:docMkLst>
-      <pc:sldChg chg="modSp mod">
-        <pc:chgData name="Gibbons, Carl" userId="d2b037bc-8fb4-4222-845c-61440543a456" providerId="ADAL" clId="{B22431BF-FF40-422E-84B9-DE35C0B96CC3}" dt="2023-12-29T21:56:55.022" v="36" actId="20577"/>
-        <pc:sldMkLst>
-          <pc:docMk/>
-          <pc:sldMk cId="3308175748" sldId="256"/>
-        </pc:sldMkLst>
-        <pc:spChg chg="mod">
-          <ac:chgData name="Gibbons, Carl" userId="d2b037bc-8fb4-4222-845c-61440543a456" providerId="ADAL" clId="{B22431BF-FF40-422E-84B9-DE35C0B96CC3}" dt="2023-12-29T21:56:55.022" v="36" actId="20577"/>
-          <ac:spMkLst>
-            <pc:docMk/>
-            <pc:sldMk cId="3308175748" sldId="256"/>
-            <ac:spMk id="3" creationId="{EEC4D41B-E776-05F2-BE0B-89BB339485AB}"/>
-          </ac:spMkLst>
-        </pc:spChg>
-      </pc:sldChg>
-      <pc:sldChg chg="modSp mod">
-        <pc:chgData name="Gibbons, Carl" userId="d2b037bc-8fb4-4222-845c-61440543a456" providerId="ADAL" clId="{B22431BF-FF40-422E-84B9-DE35C0B96CC3}" dt="2024-01-04T23:00:14.898" v="6013" actId="20577"/>
-        <pc:sldMkLst>
-          <pc:docMk/>
-          <pc:sldMk cId="2312486803" sldId="261"/>
-        </pc:sldMkLst>
-        <pc:spChg chg="mod">
-          <ac:chgData name="Gibbons, Carl" userId="d2b037bc-8fb4-4222-845c-61440543a456" providerId="ADAL" clId="{B22431BF-FF40-422E-84B9-DE35C0B96CC3}" dt="2023-12-29T22:08:30.114" v="43" actId="20577"/>
-          <ac:spMkLst>
-            <pc:docMk/>
-            <pc:sldMk cId="2312486803" sldId="261"/>
-            <ac:spMk id="2" creationId="{31B75992-5098-A283-4925-2CCEBB801DC5}"/>
-          </ac:spMkLst>
-        </pc:spChg>
-        <pc:spChg chg="mod">
-          <ac:chgData name="Gibbons, Carl" userId="d2b037bc-8fb4-4222-845c-61440543a456" providerId="ADAL" clId="{B22431BF-FF40-422E-84B9-DE35C0B96CC3}" dt="2024-01-04T23:00:14.898" v="6013" actId="20577"/>
-          <ac:spMkLst>
-            <pc:docMk/>
-            <pc:sldMk cId="2312486803" sldId="261"/>
-            <ac:spMk id="3" creationId="{B5924E0F-A977-1710-779D-EEB74261AF34}"/>
-          </ac:spMkLst>
-        </pc:spChg>
-      </pc:sldChg>
-      <pc:sldChg chg="del">
-        <pc:chgData name="Gibbons, Carl" userId="d2b037bc-8fb4-4222-845c-61440543a456" providerId="ADAL" clId="{B22431BF-FF40-422E-84B9-DE35C0B96CC3}" dt="2023-12-30T00:06:35.373" v="5939" actId="47"/>
-        <pc:sldMkLst>
-          <pc:docMk/>
-          <pc:sldMk cId="657795359" sldId="277"/>
-        </pc:sldMkLst>
-      </pc:sldChg>
-      <pc:sldChg chg="modSp mod">
-        <pc:chgData name="Gibbons, Carl" userId="d2b037bc-8fb4-4222-845c-61440543a456" providerId="ADAL" clId="{B22431BF-FF40-422E-84B9-DE35C0B96CC3}" dt="2023-12-29T22:43:19.687" v="2380" actId="20577"/>
-        <pc:sldMkLst>
-          <pc:docMk/>
-          <pc:sldMk cId="3989541258" sldId="278"/>
-        </pc:sldMkLst>
-        <pc:spChg chg="mod">
-          <ac:chgData name="Gibbons, Carl" userId="d2b037bc-8fb4-4222-845c-61440543a456" providerId="ADAL" clId="{B22431BF-FF40-422E-84B9-DE35C0B96CC3}" dt="2023-12-29T22:43:19.687" v="2380" actId="20577"/>
-          <ac:spMkLst>
-            <pc:docMk/>
-            <pc:sldMk cId="3989541258" sldId="278"/>
-            <ac:spMk id="2" creationId="{31B75992-5098-A283-4925-2CCEBB801DC5}"/>
-          </ac:spMkLst>
-        </pc:spChg>
-        <pc:spChg chg="mod">
-          <ac:chgData name="Gibbons, Carl" userId="d2b037bc-8fb4-4222-845c-61440543a456" providerId="ADAL" clId="{B22431BF-FF40-422E-84B9-DE35C0B96CC3}" dt="2023-12-29T22:42:57.446" v="2316" actId="21"/>
-          <ac:spMkLst>
-            <pc:docMk/>
-            <pc:sldMk cId="3989541258" sldId="278"/>
-            <ac:spMk id="3" creationId="{B5924E0F-A977-1710-779D-EEB74261AF34}"/>
-          </ac:spMkLst>
-        </pc:spChg>
-      </pc:sldChg>
-      <pc:sldChg chg="modSp mod">
-        <pc:chgData name="Gibbons, Carl" userId="d2b037bc-8fb4-4222-845c-61440543a456" providerId="ADAL" clId="{B22431BF-FF40-422E-84B9-DE35C0B96CC3}" dt="2024-01-04T23:02:20.392" v="6116" actId="20577"/>
-        <pc:sldMkLst>
-          <pc:docMk/>
-          <pc:sldMk cId="1861646120" sldId="293"/>
-        </pc:sldMkLst>
-        <pc:spChg chg="mod">
-          <ac:chgData name="Gibbons, Carl" userId="d2b037bc-8fb4-4222-845c-61440543a456" providerId="ADAL" clId="{B22431BF-FF40-422E-84B9-DE35C0B96CC3}" dt="2023-12-29T22:43:38.151" v="2422" actId="20577"/>
-          <ac:spMkLst>
-            <pc:docMk/>
-            <pc:sldMk cId="1861646120" sldId="293"/>
-            <ac:spMk id="2" creationId="{31B75992-5098-A283-4925-2CCEBB801DC5}"/>
-          </ac:spMkLst>
-        </pc:spChg>
-        <pc:spChg chg="mod">
-          <ac:chgData name="Gibbons, Carl" userId="d2b037bc-8fb4-4222-845c-61440543a456" providerId="ADAL" clId="{B22431BF-FF40-422E-84B9-DE35C0B96CC3}" dt="2024-01-04T23:02:20.392" v="6116" actId="20577"/>
-          <ac:spMkLst>
-            <pc:docMk/>
-            <pc:sldMk cId="1861646120" sldId="293"/>
-            <ac:spMk id="3" creationId="{B5924E0F-A977-1710-779D-EEB74261AF34}"/>
-          </ac:spMkLst>
-        </pc:spChg>
-      </pc:sldChg>
-      <pc:sldChg chg="modSp mod">
-        <pc:chgData name="Gibbons, Carl" userId="d2b037bc-8fb4-4222-845c-61440543a456" providerId="ADAL" clId="{B22431BF-FF40-422E-84B9-DE35C0B96CC3}" dt="2023-12-30T00:07:46.447" v="5951" actId="20577"/>
-        <pc:sldMkLst>
-          <pc:docMk/>
-          <pc:sldMk cId="2232562783" sldId="294"/>
-        </pc:sldMkLst>
-        <pc:spChg chg="mod">
-          <ac:chgData name="Gibbons, Carl" userId="d2b037bc-8fb4-4222-845c-61440543a456" providerId="ADAL" clId="{B22431BF-FF40-422E-84B9-DE35C0B96CC3}" dt="2023-12-30T00:07:46.447" v="5951" actId="20577"/>
-          <ac:spMkLst>
-            <pc:docMk/>
-            <pc:sldMk cId="2232562783" sldId="294"/>
-            <ac:spMk id="2" creationId="{31B75992-5098-A283-4925-2CCEBB801DC5}"/>
-          </ac:spMkLst>
-        </pc:spChg>
-        <pc:spChg chg="mod">
-          <ac:chgData name="Gibbons, Carl" userId="d2b037bc-8fb4-4222-845c-61440543a456" providerId="ADAL" clId="{B22431BF-FF40-422E-84B9-DE35C0B96CC3}" dt="2023-12-29T23:10:49.132" v="4131" actId="20577"/>
-          <ac:spMkLst>
-            <pc:docMk/>
-            <pc:sldMk cId="2232562783" sldId="294"/>
-            <ac:spMk id="3" creationId="{B5924E0F-A977-1710-779D-EEB74261AF34}"/>
-          </ac:spMkLst>
-        </pc:spChg>
-      </pc:sldChg>
-      <pc:sldChg chg="modSp del mod">
-        <pc:chgData name="Gibbons, Carl" userId="d2b037bc-8fb4-4222-845c-61440543a456" providerId="ADAL" clId="{B22431BF-FF40-422E-84B9-DE35C0B96CC3}" dt="2023-12-30T00:06:31.761" v="5934" actId="47"/>
-        <pc:sldMkLst>
-          <pc:docMk/>
-          <pc:sldMk cId="806767687" sldId="295"/>
-        </pc:sldMkLst>
-        <pc:spChg chg="mod">
-          <ac:chgData name="Gibbons, Carl" userId="d2b037bc-8fb4-4222-845c-61440543a456" providerId="ADAL" clId="{B22431BF-FF40-422E-84B9-DE35C0B96CC3}" dt="2023-12-29T23:17:23.085" v="4333" actId="20577"/>
-          <ac:spMkLst>
-            <pc:docMk/>
-            <pc:sldMk cId="806767687" sldId="295"/>
-            <ac:spMk id="3" creationId="{B5924E0F-A977-1710-779D-EEB74261AF34}"/>
-          </ac:spMkLst>
-        </pc:spChg>
-      </pc:sldChg>
-      <pc:sldChg chg="del">
-        <pc:chgData name="Gibbons, Carl" userId="d2b037bc-8fb4-4222-845c-61440543a456" providerId="ADAL" clId="{B22431BF-FF40-422E-84B9-DE35C0B96CC3}" dt="2023-12-30T00:06:32.570" v="5935" actId="47"/>
-        <pc:sldMkLst>
-          <pc:docMk/>
-          <pc:sldMk cId="3145157247" sldId="296"/>
-        </pc:sldMkLst>
-      </pc:sldChg>
-      <pc:sldChg chg="del">
-        <pc:chgData name="Gibbons, Carl" userId="d2b037bc-8fb4-4222-845c-61440543a456" providerId="ADAL" clId="{B22431BF-FF40-422E-84B9-DE35C0B96CC3}" dt="2023-12-30T00:06:33.242" v="5936" actId="47"/>
-        <pc:sldMkLst>
-          <pc:docMk/>
-          <pc:sldMk cId="2424714671" sldId="297"/>
-        </pc:sldMkLst>
-      </pc:sldChg>
-      <pc:sldChg chg="del">
-        <pc:chgData name="Gibbons, Carl" userId="d2b037bc-8fb4-4222-845c-61440543a456" providerId="ADAL" clId="{B22431BF-FF40-422E-84B9-DE35C0B96CC3}" dt="2023-12-30T00:06:33.834" v="5937" actId="47"/>
-        <pc:sldMkLst>
-          <pc:docMk/>
-          <pc:sldMk cId="3450195044" sldId="298"/>
-        </pc:sldMkLst>
-      </pc:sldChg>
-      <pc:sldChg chg="del">
-        <pc:chgData name="Gibbons, Carl" userId="d2b037bc-8fb4-4222-845c-61440543a456" providerId="ADAL" clId="{B22431BF-FF40-422E-84B9-DE35C0B96CC3}" dt="2023-12-30T00:06:34.432" v="5938" actId="47"/>
-        <pc:sldMkLst>
-          <pc:docMk/>
-          <pc:sldMk cId="3633122843" sldId="299"/>
-        </pc:sldMkLst>
-      </pc:sldChg>
-      <pc:sldChg chg="modSp mod">
-        <pc:chgData name="Gibbons, Carl" userId="d2b037bc-8fb4-4222-845c-61440543a456" providerId="ADAL" clId="{B22431BF-FF40-422E-84B9-DE35C0B96CC3}" dt="2023-12-30T00:07:51.836" v="5963" actId="20577"/>
-        <pc:sldMkLst>
-          <pc:docMk/>
-          <pc:sldMk cId="845747584" sldId="300"/>
-        </pc:sldMkLst>
-        <pc:spChg chg="mod">
-          <ac:chgData name="Gibbons, Carl" userId="d2b037bc-8fb4-4222-845c-61440543a456" providerId="ADAL" clId="{B22431BF-FF40-422E-84B9-DE35C0B96CC3}" dt="2023-12-30T00:07:51.836" v="5963" actId="20577"/>
-          <ac:spMkLst>
-            <pc:docMk/>
-            <pc:sldMk cId="845747584" sldId="300"/>
-            <ac:spMk id="2" creationId="{31B75992-5098-A283-4925-2CCEBB801DC5}"/>
-          </ac:spMkLst>
-        </pc:spChg>
-        <pc:spChg chg="mod">
-          <ac:chgData name="Gibbons, Carl" userId="d2b037bc-8fb4-4222-845c-61440543a456" providerId="ADAL" clId="{B22431BF-FF40-422E-84B9-DE35C0B96CC3}" dt="2023-12-29T23:21:57.151" v="4600" actId="20577"/>
-          <ac:spMkLst>
-            <pc:docMk/>
-            <pc:sldMk cId="845747584" sldId="300"/>
-            <ac:spMk id="3" creationId="{B5924E0F-A977-1710-779D-EEB74261AF34}"/>
-          </ac:spMkLst>
-        </pc:spChg>
-      </pc:sldChg>
-      <pc:sldChg chg="modSp mod">
-        <pc:chgData name="Gibbons, Carl" userId="d2b037bc-8fb4-4222-845c-61440543a456" providerId="ADAL" clId="{B22431BF-FF40-422E-84B9-DE35C0B96CC3}" dt="2023-12-30T00:07:56.869" v="5975" actId="20577"/>
-        <pc:sldMkLst>
-          <pc:docMk/>
-          <pc:sldMk cId="3372579319" sldId="301"/>
-        </pc:sldMkLst>
-        <pc:spChg chg="mod">
-          <ac:chgData name="Gibbons, Carl" userId="d2b037bc-8fb4-4222-845c-61440543a456" providerId="ADAL" clId="{B22431BF-FF40-422E-84B9-DE35C0B96CC3}" dt="2023-12-30T00:07:56.869" v="5975" actId="20577"/>
-          <ac:spMkLst>
-            <pc:docMk/>
-            <pc:sldMk cId="3372579319" sldId="301"/>
-            <ac:spMk id="2" creationId="{31B75992-5098-A283-4925-2CCEBB801DC5}"/>
-          </ac:spMkLst>
-        </pc:spChg>
-        <pc:spChg chg="mod">
-          <ac:chgData name="Gibbons, Carl" userId="d2b037bc-8fb4-4222-845c-61440543a456" providerId="ADAL" clId="{B22431BF-FF40-422E-84B9-DE35C0B96CC3}" dt="2023-12-30T00:06:13.959" v="5932" actId="20577"/>
-          <ac:spMkLst>
-            <pc:docMk/>
-            <pc:sldMk cId="3372579319" sldId="301"/>
-            <ac:spMk id="3" creationId="{B5924E0F-A977-1710-779D-EEB74261AF34}"/>
-          </ac:spMkLst>
-        </pc:spChg>
-      </pc:sldChg>
-      <pc:sldChg chg="modSp del mod">
-        <pc:chgData name="Gibbons, Carl" userId="d2b037bc-8fb4-4222-845c-61440543a456" providerId="ADAL" clId="{B22431BF-FF40-422E-84B9-DE35C0B96CC3}" dt="2023-12-30T00:06:30.511" v="5933" actId="47"/>
-        <pc:sldMkLst>
-          <pc:docMk/>
-          <pc:sldMk cId="3488854045" sldId="302"/>
-        </pc:sldMkLst>
-        <pc:spChg chg="mod">
-          <ac:chgData name="Gibbons, Carl" userId="d2b037bc-8fb4-4222-845c-61440543a456" providerId="ADAL" clId="{B22431BF-FF40-422E-84B9-DE35C0B96CC3}" dt="2023-12-29T23:32:30.137" v="5532" actId="20577"/>
-          <ac:spMkLst>
-            <pc:docMk/>
-            <pc:sldMk cId="3488854045" sldId="302"/>
-            <ac:spMk id="2" creationId="{31B75992-5098-A283-4925-2CCEBB801DC5}"/>
-          </ac:spMkLst>
-        </pc:spChg>
-        <pc:spChg chg="mod">
-          <ac:chgData name="Gibbons, Carl" userId="d2b037bc-8fb4-4222-845c-61440543a456" providerId="ADAL" clId="{B22431BF-FF40-422E-84B9-DE35C0B96CC3}" dt="2023-12-29T23:35:41.617" v="5912" actId="20577"/>
-          <ac:spMkLst>
-            <pc:docMk/>
-            <pc:sldMk cId="3488854045" sldId="302"/>
-            <ac:spMk id="3" creationId="{B5924E0F-A977-1710-779D-EEB74261AF34}"/>
-          </ac:spMkLst>
-        </pc:spChg>
-      </pc:sldChg>
-    </pc:docChg>
-  </pc:docChgLst>
-  <pc:docChgLst>
-    <pc:chgData name="Gibbons, Carl" userId="d2b037bc-8fb4-4222-845c-61440543a456" providerId="ADAL" clId="{14F797DE-E75B-4062-A6FB-AA9F07155580}"/>
-    <pc:docChg chg="undo custSel addSld modSld">
-      <pc:chgData name="Gibbons, Carl" userId="d2b037bc-8fb4-4222-845c-61440543a456" providerId="ADAL" clId="{14F797DE-E75B-4062-A6FB-AA9F07155580}" dt="2023-12-29T21:55:15.574" v="6853" actId="255"/>
-      <pc:docMkLst>
-        <pc:docMk/>
-      </pc:docMkLst>
-      <pc:sldChg chg="modSp mod">
-        <pc:chgData name="Gibbons, Carl" userId="d2b037bc-8fb4-4222-845c-61440543a456" providerId="ADAL" clId="{14F797DE-E75B-4062-A6FB-AA9F07155580}" dt="2023-12-29T17:10:38.181" v="10" actId="20577"/>
-        <pc:sldMkLst>
-          <pc:docMk/>
-          <pc:sldMk cId="3308175748" sldId="256"/>
-        </pc:sldMkLst>
-        <pc:spChg chg="mod">
-          <ac:chgData name="Gibbons, Carl" userId="d2b037bc-8fb4-4222-845c-61440543a456" providerId="ADAL" clId="{14F797DE-E75B-4062-A6FB-AA9F07155580}" dt="2023-12-29T17:10:38.181" v="10" actId="20577"/>
-          <ac:spMkLst>
-            <pc:docMk/>
-            <pc:sldMk cId="3308175748" sldId="256"/>
-            <ac:spMk id="3" creationId="{EEC4D41B-E776-05F2-BE0B-89BB339485AB}"/>
-          </ac:spMkLst>
-        </pc:spChg>
-      </pc:sldChg>
-      <pc:sldChg chg="modSp mod">
-        <pc:chgData name="Gibbons, Carl" userId="d2b037bc-8fb4-4222-845c-61440543a456" providerId="ADAL" clId="{14F797DE-E75B-4062-A6FB-AA9F07155580}" dt="2023-12-29T17:51:52.012" v="2089" actId="20577"/>
-        <pc:sldMkLst>
-          <pc:docMk/>
-          <pc:sldMk cId="2312486803" sldId="261"/>
-        </pc:sldMkLst>
-        <pc:spChg chg="mod">
-          <ac:chgData name="Gibbons, Carl" userId="d2b037bc-8fb4-4222-845c-61440543a456" providerId="ADAL" clId="{14F797DE-E75B-4062-A6FB-AA9F07155580}" dt="2023-12-29T17:23:59.510" v="341" actId="20577"/>
-          <ac:spMkLst>
-            <pc:docMk/>
-            <pc:sldMk cId="2312486803" sldId="261"/>
-            <ac:spMk id="2" creationId="{31B75992-5098-A283-4925-2CCEBB801DC5}"/>
-          </ac:spMkLst>
-        </pc:spChg>
-        <pc:spChg chg="mod">
-          <ac:chgData name="Gibbons, Carl" userId="d2b037bc-8fb4-4222-845c-61440543a456" providerId="ADAL" clId="{14F797DE-E75B-4062-A6FB-AA9F07155580}" dt="2023-12-29T17:51:52.012" v="2089" actId="20577"/>
-          <ac:spMkLst>
-            <pc:docMk/>
-            <pc:sldMk cId="2312486803" sldId="261"/>
-            <ac:spMk id="3" creationId="{B5924E0F-A977-1710-779D-EEB74261AF34}"/>
-          </ac:spMkLst>
-        </pc:spChg>
-      </pc:sldChg>
-      <pc:sldChg chg="addSp modSp mod">
-        <pc:chgData name="Gibbons, Carl" userId="d2b037bc-8fb4-4222-845c-61440543a456" providerId="ADAL" clId="{14F797DE-E75B-4062-A6FB-AA9F07155580}" dt="2023-12-29T21:53:53.831" v="6845" actId="20577"/>
-        <pc:sldMkLst>
-          <pc:docMk/>
-          <pc:sldMk cId="657795359" sldId="277"/>
-        </pc:sldMkLst>
-        <pc:spChg chg="mod">
-          <ac:chgData name="Gibbons, Carl" userId="d2b037bc-8fb4-4222-845c-61440543a456" providerId="ADAL" clId="{14F797DE-E75B-4062-A6FB-AA9F07155580}" dt="2023-12-29T21:45:47.422" v="6393" actId="20577"/>
-          <ac:spMkLst>
-            <pc:docMk/>
-            <pc:sldMk cId="657795359" sldId="277"/>
-            <ac:spMk id="2" creationId="{1862E903-3C56-BB42-2361-009F2336475A}"/>
-          </ac:spMkLst>
-        </pc:spChg>
-        <pc:spChg chg="add mod">
-          <ac:chgData name="Gibbons, Carl" userId="d2b037bc-8fb4-4222-845c-61440543a456" providerId="ADAL" clId="{14F797DE-E75B-4062-A6FB-AA9F07155580}" dt="2023-12-29T21:53:53.831" v="6845" actId="20577"/>
-          <ac:spMkLst>
-            <pc:docMk/>
-            <pc:sldMk cId="657795359" sldId="277"/>
-            <ac:spMk id="3" creationId="{D9D594D6-F4EE-B0AB-C128-26D2D32F8E21}"/>
-          </ac:spMkLst>
-        </pc:spChg>
-      </pc:sldChg>
-      <pc:sldChg chg="modSp mod">
-        <pc:chgData name="Gibbons, Carl" userId="d2b037bc-8fb4-4222-845c-61440543a456" providerId="ADAL" clId="{14F797DE-E75B-4062-A6FB-AA9F07155580}" dt="2023-12-29T18:26:31.431" v="3669" actId="20577"/>
-        <pc:sldMkLst>
-          <pc:docMk/>
-          <pc:sldMk cId="3989541258" sldId="278"/>
-        </pc:sldMkLst>
-        <pc:spChg chg="mod">
-          <ac:chgData name="Gibbons, Carl" userId="d2b037bc-8fb4-4222-845c-61440543a456" providerId="ADAL" clId="{14F797DE-E75B-4062-A6FB-AA9F07155580}" dt="2023-12-29T17:53:20.837" v="2147" actId="20577"/>
-          <ac:spMkLst>
-            <pc:docMk/>
-            <pc:sldMk cId="3989541258" sldId="278"/>
-            <ac:spMk id="2" creationId="{31B75992-5098-A283-4925-2CCEBB801DC5}"/>
-          </ac:spMkLst>
-        </pc:spChg>
-        <pc:spChg chg="mod">
-          <ac:chgData name="Gibbons, Carl" userId="d2b037bc-8fb4-4222-845c-61440543a456" providerId="ADAL" clId="{14F797DE-E75B-4062-A6FB-AA9F07155580}" dt="2023-12-29T18:26:31.431" v="3669" actId="20577"/>
-          <ac:spMkLst>
-            <pc:docMk/>
-            <pc:sldMk cId="3989541258" sldId="278"/>
-            <ac:spMk id="3" creationId="{B5924E0F-A977-1710-779D-EEB74261AF34}"/>
-          </ac:spMkLst>
-        </pc:spChg>
-      </pc:sldChg>
-      <pc:sldChg chg="modSp mod">
-        <pc:chgData name="Gibbons, Carl" userId="d2b037bc-8fb4-4222-845c-61440543a456" providerId="ADAL" clId="{14F797DE-E75B-4062-A6FB-AA9F07155580}" dt="2023-12-29T21:55:15.574" v="6853" actId="255"/>
-        <pc:sldMkLst>
-          <pc:docMk/>
-          <pc:sldMk cId="1861646120" sldId="293"/>
-        </pc:sldMkLst>
-        <pc:spChg chg="mod">
-          <ac:chgData name="Gibbons, Carl" userId="d2b037bc-8fb4-4222-845c-61440543a456" providerId="ADAL" clId="{14F797DE-E75B-4062-A6FB-AA9F07155580}" dt="2023-12-29T18:01:10.039" v="2767" actId="20577"/>
-          <ac:spMkLst>
-            <pc:docMk/>
-            <pc:sldMk cId="1861646120" sldId="293"/>
-            <ac:spMk id="2" creationId="{31B75992-5098-A283-4925-2CCEBB801DC5}"/>
-          </ac:spMkLst>
-        </pc:spChg>
-        <pc:spChg chg="mod">
-          <ac:chgData name="Gibbons, Carl" userId="d2b037bc-8fb4-4222-845c-61440543a456" providerId="ADAL" clId="{14F797DE-E75B-4062-A6FB-AA9F07155580}" dt="2023-12-29T21:55:15.574" v="6853" actId="255"/>
-          <ac:spMkLst>
-            <pc:docMk/>
-            <pc:sldMk cId="1861646120" sldId="293"/>
-            <ac:spMk id="3" creationId="{B5924E0F-A977-1710-779D-EEB74261AF34}"/>
-          </ac:spMkLst>
-        </pc:spChg>
-      </pc:sldChg>
-      <pc:sldChg chg="modSp mod">
-        <pc:chgData name="Gibbons, Carl" userId="d2b037bc-8fb4-4222-845c-61440543a456" providerId="ADAL" clId="{14F797DE-E75B-4062-A6FB-AA9F07155580}" dt="2023-12-29T21:55:08.313" v="6852" actId="255"/>
-        <pc:sldMkLst>
-          <pc:docMk/>
-          <pc:sldMk cId="2232562783" sldId="294"/>
-        </pc:sldMkLst>
-        <pc:spChg chg="mod">
-          <ac:chgData name="Gibbons, Carl" userId="d2b037bc-8fb4-4222-845c-61440543a456" providerId="ADAL" clId="{14F797DE-E75B-4062-A6FB-AA9F07155580}" dt="2023-12-29T18:24:14.937" v="3546" actId="20577"/>
-          <ac:spMkLst>
-            <pc:docMk/>
-            <pc:sldMk cId="2232562783" sldId="294"/>
-            <ac:spMk id="2" creationId="{31B75992-5098-A283-4925-2CCEBB801DC5}"/>
-          </ac:spMkLst>
-        </pc:spChg>
-        <pc:spChg chg="mod">
-          <ac:chgData name="Gibbons, Carl" userId="d2b037bc-8fb4-4222-845c-61440543a456" providerId="ADAL" clId="{14F797DE-E75B-4062-A6FB-AA9F07155580}" dt="2023-12-29T21:55:08.313" v="6852" actId="255"/>
-          <ac:spMkLst>
-            <pc:docMk/>
-            <pc:sldMk cId="2232562783" sldId="294"/>
-            <ac:spMk id="3" creationId="{B5924E0F-A977-1710-779D-EEB74261AF34}"/>
-          </ac:spMkLst>
-        </pc:spChg>
-      </pc:sldChg>
-      <pc:sldChg chg="modSp add mod">
-        <pc:chgData name="Gibbons, Carl" userId="d2b037bc-8fb4-4222-845c-61440543a456" providerId="ADAL" clId="{14F797DE-E75B-4062-A6FB-AA9F07155580}" dt="2023-12-29T21:55:02.689" v="6851" actId="255"/>
-        <pc:sldMkLst>
-          <pc:docMk/>
-          <pc:sldMk cId="806767687" sldId="295"/>
-        </pc:sldMkLst>
-        <pc:spChg chg="mod">
-          <ac:chgData name="Gibbons, Carl" userId="d2b037bc-8fb4-4222-845c-61440543a456" providerId="ADAL" clId="{14F797DE-E75B-4062-A6FB-AA9F07155580}" dt="2023-12-29T18:50:33.208" v="4036" actId="113"/>
-          <ac:spMkLst>
-            <pc:docMk/>
-            <pc:sldMk cId="806767687" sldId="295"/>
-            <ac:spMk id="2" creationId="{31B75992-5098-A283-4925-2CCEBB801DC5}"/>
-          </ac:spMkLst>
-        </pc:spChg>
-        <pc:spChg chg="mod">
-          <ac:chgData name="Gibbons, Carl" userId="d2b037bc-8fb4-4222-845c-61440543a456" providerId="ADAL" clId="{14F797DE-E75B-4062-A6FB-AA9F07155580}" dt="2023-12-29T21:55:02.689" v="6851" actId="255"/>
-          <ac:spMkLst>
-            <pc:docMk/>
-            <pc:sldMk cId="806767687" sldId="295"/>
-            <ac:spMk id="3" creationId="{B5924E0F-A977-1710-779D-EEB74261AF34}"/>
-          </ac:spMkLst>
-        </pc:spChg>
-      </pc:sldChg>
-      <pc:sldChg chg="modSp mod">
-        <pc:chgData name="Gibbons, Carl" userId="d2b037bc-8fb4-4222-845c-61440543a456" providerId="ADAL" clId="{14F797DE-E75B-4062-A6FB-AA9F07155580}" dt="2023-12-29T21:54:48.370" v="6850" actId="255"/>
-        <pc:sldMkLst>
-          <pc:docMk/>
-          <pc:sldMk cId="3145157247" sldId="296"/>
-        </pc:sldMkLst>
-        <pc:spChg chg="mod">
-          <ac:chgData name="Gibbons, Carl" userId="d2b037bc-8fb4-4222-845c-61440543a456" providerId="ADAL" clId="{14F797DE-E75B-4062-A6FB-AA9F07155580}" dt="2023-12-29T21:07:20.782" v="4695" actId="20577"/>
-          <ac:spMkLst>
-            <pc:docMk/>
-            <pc:sldMk cId="3145157247" sldId="296"/>
-            <ac:spMk id="2" creationId="{31B75992-5098-A283-4925-2CCEBB801DC5}"/>
-          </ac:spMkLst>
-        </pc:spChg>
-        <pc:spChg chg="mod">
-          <ac:chgData name="Gibbons, Carl" userId="d2b037bc-8fb4-4222-845c-61440543a456" providerId="ADAL" clId="{14F797DE-E75B-4062-A6FB-AA9F07155580}" dt="2023-12-29T21:54:48.370" v="6850" actId="255"/>
-          <ac:spMkLst>
-            <pc:docMk/>
-            <pc:sldMk cId="3145157247" sldId="296"/>
-            <ac:spMk id="3" creationId="{B5924E0F-A977-1710-779D-EEB74261AF34}"/>
-          </ac:spMkLst>
-        </pc:spChg>
-      </pc:sldChg>
-      <pc:sldChg chg="modSp mod">
-        <pc:chgData name="Gibbons, Carl" userId="d2b037bc-8fb4-4222-845c-61440543a456" providerId="ADAL" clId="{14F797DE-E75B-4062-A6FB-AA9F07155580}" dt="2023-12-29T21:54:42.630" v="6849" actId="255"/>
-        <pc:sldMkLst>
-          <pc:docMk/>
-          <pc:sldMk cId="2424714671" sldId="297"/>
-        </pc:sldMkLst>
-        <pc:spChg chg="mod">
-          <ac:chgData name="Gibbons, Carl" userId="d2b037bc-8fb4-4222-845c-61440543a456" providerId="ADAL" clId="{14F797DE-E75B-4062-A6FB-AA9F07155580}" dt="2023-12-29T21:07:54.964" v="4712" actId="20577"/>
-          <ac:spMkLst>
-            <pc:docMk/>
-            <pc:sldMk cId="2424714671" sldId="297"/>
-            <ac:spMk id="2" creationId="{31B75992-5098-A283-4925-2CCEBB801DC5}"/>
-          </ac:spMkLst>
-        </pc:spChg>
-        <pc:spChg chg="mod">
-          <ac:chgData name="Gibbons, Carl" userId="d2b037bc-8fb4-4222-845c-61440543a456" providerId="ADAL" clId="{14F797DE-E75B-4062-A6FB-AA9F07155580}" dt="2023-12-29T21:54:42.630" v="6849" actId="255"/>
-          <ac:spMkLst>
-            <pc:docMk/>
-            <pc:sldMk cId="2424714671" sldId="297"/>
-            <ac:spMk id="3" creationId="{B5924E0F-A977-1710-779D-EEB74261AF34}"/>
-          </ac:spMkLst>
-        </pc:spChg>
-      </pc:sldChg>
-      <pc:sldChg chg="modSp mod">
-        <pc:chgData name="Gibbons, Carl" userId="d2b037bc-8fb4-4222-845c-61440543a456" providerId="ADAL" clId="{14F797DE-E75B-4062-A6FB-AA9F07155580}" dt="2023-12-29T21:54:28.975" v="6848" actId="255"/>
-        <pc:sldMkLst>
-          <pc:docMk/>
-          <pc:sldMk cId="3450195044" sldId="298"/>
-        </pc:sldMkLst>
-        <pc:spChg chg="mod">
-          <ac:chgData name="Gibbons, Carl" userId="d2b037bc-8fb4-4222-845c-61440543a456" providerId="ADAL" clId="{14F797DE-E75B-4062-A6FB-AA9F07155580}" dt="2023-12-29T21:23:42.216" v="5202" actId="20577"/>
-          <ac:spMkLst>
-            <pc:docMk/>
-            <pc:sldMk cId="3450195044" sldId="298"/>
-            <ac:spMk id="2" creationId="{31B75992-5098-A283-4925-2CCEBB801DC5}"/>
-          </ac:spMkLst>
-        </pc:spChg>
-        <pc:spChg chg="mod">
-          <ac:chgData name="Gibbons, Carl" userId="d2b037bc-8fb4-4222-845c-61440543a456" providerId="ADAL" clId="{14F797DE-E75B-4062-A6FB-AA9F07155580}" dt="2023-12-29T21:54:28.975" v="6848" actId="255"/>
-          <ac:spMkLst>
-            <pc:docMk/>
-            <pc:sldMk cId="3450195044" sldId="298"/>
-            <ac:spMk id="3" creationId="{B5924E0F-A977-1710-779D-EEB74261AF34}"/>
-          </ac:spMkLst>
-        </pc:spChg>
-      </pc:sldChg>
-      <pc:sldChg chg="modSp mod">
-        <pc:chgData name="Gibbons, Carl" userId="d2b037bc-8fb4-4222-845c-61440543a456" providerId="ADAL" clId="{14F797DE-E75B-4062-A6FB-AA9F07155580}" dt="2023-12-29T21:54:18.720" v="6846" actId="255"/>
-        <pc:sldMkLst>
-          <pc:docMk/>
-          <pc:sldMk cId="3633122843" sldId="299"/>
-        </pc:sldMkLst>
-        <pc:spChg chg="mod">
-          <ac:chgData name="Gibbons, Carl" userId="d2b037bc-8fb4-4222-845c-61440543a456" providerId="ADAL" clId="{14F797DE-E75B-4062-A6FB-AA9F07155580}" dt="2023-12-29T21:31:23.761" v="5684" actId="20577"/>
-          <ac:spMkLst>
-            <pc:docMk/>
-            <pc:sldMk cId="3633122843" sldId="299"/>
-            <ac:spMk id="2" creationId="{31B75992-5098-A283-4925-2CCEBB801DC5}"/>
-          </ac:spMkLst>
-        </pc:spChg>
-        <pc:spChg chg="mod">
-          <ac:chgData name="Gibbons, Carl" userId="d2b037bc-8fb4-4222-845c-61440543a456" providerId="ADAL" clId="{14F797DE-E75B-4062-A6FB-AA9F07155580}" dt="2023-12-29T21:54:18.720" v="6846" actId="255"/>
-          <ac:spMkLst>
-            <pc:docMk/>
-            <pc:sldMk cId="3633122843" sldId="299"/>
-            <ac:spMk id="3" creationId="{B5924E0F-A977-1710-779D-EEB74261AF34}"/>
-          </ac:spMkLst>
-        </pc:spChg>
-      </pc:sldChg>
-    </pc:docChg>
-  </pc:docChgLst>
-  <pc:docChgLst>
-    <pc:chgData name="Gibbons, Carl" userId="d2b037bc-8fb4-4222-845c-61440543a456" providerId="ADAL" clId="{3110A27C-34DA-4160-871C-1CFB075CC37D}"/>
-    <pc:docChg chg="undo redo custSel addSld delSld modSld">
-      <pc:chgData name="Gibbons, Carl" userId="d2b037bc-8fb4-4222-845c-61440543a456" providerId="ADAL" clId="{3110A27C-34DA-4160-871C-1CFB075CC37D}" dt="2024-06-13T03:20:28.659" v="5787" actId="20577"/>
-      <pc:docMkLst>
-        <pc:docMk/>
-      </pc:docMkLst>
-      <pc:sldChg chg="modSp mod">
-        <pc:chgData name="Gibbons, Carl" userId="d2b037bc-8fb4-4222-845c-61440543a456" providerId="ADAL" clId="{3110A27C-34DA-4160-871C-1CFB075CC37D}" dt="2024-05-23T20:42:36.825" v="15" actId="20577"/>
-        <pc:sldMkLst>
-          <pc:docMk/>
-          <pc:sldMk cId="3308175748" sldId="256"/>
-        </pc:sldMkLst>
-        <pc:spChg chg="mod">
-          <ac:chgData name="Gibbons, Carl" userId="d2b037bc-8fb4-4222-845c-61440543a456" providerId="ADAL" clId="{3110A27C-34DA-4160-871C-1CFB075CC37D}" dt="2024-05-23T20:42:36.825" v="15" actId="20577"/>
-          <ac:spMkLst>
-            <pc:docMk/>
-            <pc:sldMk cId="3308175748" sldId="256"/>
-            <ac:spMk id="3" creationId="{EEC4D41B-E776-05F2-BE0B-89BB339485AB}"/>
-          </ac:spMkLst>
-        </pc:spChg>
-      </pc:sldChg>
-      <pc:sldChg chg="modSp mod">
-        <pc:chgData name="Gibbons, Carl" userId="d2b037bc-8fb4-4222-845c-61440543a456" providerId="ADAL" clId="{3110A27C-34DA-4160-871C-1CFB075CC37D}" dt="2024-05-23T22:44:10.396" v="5777" actId="20577"/>
-        <pc:sldMkLst>
-          <pc:docMk/>
-          <pc:sldMk cId="3885141102" sldId="262"/>
-        </pc:sldMkLst>
-        <pc:spChg chg="mod">
-          <ac:chgData name="Gibbons, Carl" userId="d2b037bc-8fb4-4222-845c-61440543a456" providerId="ADAL" clId="{3110A27C-34DA-4160-871C-1CFB075CC37D}" dt="2024-05-23T22:44:10.396" v="5777" actId="20577"/>
-          <ac:spMkLst>
-            <pc:docMk/>
-            <pc:sldMk cId="3885141102" sldId="262"/>
-            <ac:spMk id="3" creationId="{B5924E0F-A977-1710-779D-EEB74261AF34}"/>
-          </ac:spMkLst>
-        </pc:spChg>
-      </pc:sldChg>
-      <pc:sldChg chg="modSp mod">
-        <pc:chgData name="Gibbons, Carl" userId="d2b037bc-8fb4-4222-845c-61440543a456" providerId="ADAL" clId="{3110A27C-34DA-4160-871C-1CFB075CC37D}" dt="2024-05-23T22:49:28.918" v="5783" actId="20577"/>
-        <pc:sldMkLst>
-          <pc:docMk/>
-          <pc:sldMk cId="1196559129" sldId="264"/>
-        </pc:sldMkLst>
-        <pc:spChg chg="mod">
-          <ac:chgData name="Gibbons, Carl" userId="d2b037bc-8fb4-4222-845c-61440543a456" providerId="ADAL" clId="{3110A27C-34DA-4160-871C-1CFB075CC37D}" dt="2024-05-23T22:49:28.918" v="5783" actId="20577"/>
-          <ac:spMkLst>
-            <pc:docMk/>
-            <pc:sldMk cId="1196559129" sldId="264"/>
-            <ac:spMk id="2" creationId="{0E6A2DEF-4501-FAEA-A31C-4FDCBD076712}"/>
-          </ac:spMkLst>
-        </pc:spChg>
-        <pc:spChg chg="mod">
-          <ac:chgData name="Gibbons, Carl" userId="d2b037bc-8fb4-4222-845c-61440543a456" providerId="ADAL" clId="{3110A27C-34DA-4160-871C-1CFB075CC37D}" dt="2024-05-23T21:30:33.443" v="2846" actId="20577"/>
-          <ac:spMkLst>
-            <pc:docMk/>
-            <pc:sldMk cId="1196559129" sldId="264"/>
-            <ac:spMk id="4" creationId="{5F95AB98-4F6F-01E3-47E3-C88B1F1E9664}"/>
-          </ac:spMkLst>
-        </pc:spChg>
-      </pc:sldChg>
-      <pc:sldChg chg="modSp mod">
-        <pc:chgData name="Gibbons, Carl" userId="d2b037bc-8fb4-4222-845c-61440543a456" providerId="ADAL" clId="{3110A27C-34DA-4160-871C-1CFB075CC37D}" dt="2024-05-23T21:28:58.051" v="2806" actId="20577"/>
-        <pc:sldMkLst>
-          <pc:docMk/>
-          <pc:sldMk cId="1400208519" sldId="265"/>
-        </pc:sldMkLst>
-        <pc:spChg chg="mod">
-          <ac:chgData name="Gibbons, Carl" userId="d2b037bc-8fb4-4222-845c-61440543a456" providerId="ADAL" clId="{3110A27C-34DA-4160-871C-1CFB075CC37D}" dt="2024-05-23T21:19:00.555" v="1947" actId="20577"/>
-          <ac:spMkLst>
-            <pc:docMk/>
-            <pc:sldMk cId="1400208519" sldId="265"/>
-            <ac:spMk id="2" creationId="{832B45BA-6309-D8F6-D552-10D836B4EB21}"/>
-          </ac:spMkLst>
-        </pc:spChg>
-        <pc:spChg chg="mod">
-          <ac:chgData name="Gibbons, Carl" userId="d2b037bc-8fb4-4222-845c-61440543a456" providerId="ADAL" clId="{3110A27C-34DA-4160-871C-1CFB075CC37D}" dt="2024-05-23T21:28:58.051" v="2806" actId="20577"/>
-          <ac:spMkLst>
-            <pc:docMk/>
-            <pc:sldMk cId="1400208519" sldId="265"/>
-            <ac:spMk id="7" creationId="{3CE889EF-4605-DB73-C7B2-D7E3C4957F48}"/>
-          </ac:spMkLst>
-        </pc:spChg>
-      </pc:sldChg>
-      <pc:sldChg chg="addSp delSp modSp mod">
-        <pc:chgData name="Gibbons, Carl" userId="d2b037bc-8fb4-4222-845c-61440543a456" providerId="ADAL" clId="{3110A27C-34DA-4160-871C-1CFB075CC37D}" dt="2024-05-23T21:23:54.641" v="2459" actId="1076"/>
-        <pc:sldMkLst>
-          <pc:docMk/>
-          <pc:sldMk cId="1467586035" sldId="266"/>
-        </pc:sldMkLst>
-        <pc:spChg chg="mod">
-          <ac:chgData name="Gibbons, Carl" userId="d2b037bc-8fb4-4222-845c-61440543a456" providerId="ADAL" clId="{3110A27C-34DA-4160-871C-1CFB075CC37D}" dt="2024-05-23T21:19:52.813" v="1993" actId="20577"/>
-          <ac:spMkLst>
-            <pc:docMk/>
-            <pc:sldMk cId="1467586035" sldId="266"/>
+            <pc:sldMk cId="1467586035" sldId="261"/>
             <ac:spMk id="2" creationId="{F5533765-AE4D-3586-BFF0-C73FF51C6B9B}"/>
           </ac:spMkLst>
         </pc:spChg>
-        <pc:spChg chg="del mod">
-          <ac:chgData name="Gibbons, Carl" userId="d2b037bc-8fb4-4222-845c-61440543a456" providerId="ADAL" clId="{3110A27C-34DA-4160-871C-1CFB075CC37D}" dt="2024-05-23T21:20:06.938" v="1995" actId="478"/>
-          <ac:spMkLst>
-            <pc:docMk/>
-            <pc:sldMk cId="1467586035" sldId="266"/>
-            <ac:spMk id="7" creationId="{56F98B9D-53CB-0D01-51DD-F6B452AAB6C5}"/>
-          </ac:spMkLst>
-        </pc:spChg>
-        <pc:picChg chg="add mod">
-          <ac:chgData name="Gibbons, Carl" userId="d2b037bc-8fb4-4222-845c-61440543a456" providerId="ADAL" clId="{3110A27C-34DA-4160-871C-1CFB075CC37D}" dt="2024-05-23T21:23:54.641" v="2459" actId="1076"/>
+        <pc:picChg chg="mod">
+          <ac:chgData name="Talbert, Matthew" userId="877a4118-3f16-4ac9-a72c-5dd2c7b28c85" providerId="ADAL" clId="{6D714EC8-FEBA-47AF-9B9B-F0C8F81011C5}" dt="2024-11-21T22:02:34.941" v="33" actId="12788"/>
           <ac:picMkLst>
             <pc:docMk/>
-            <pc:sldMk cId="1467586035" sldId="266"/>
+            <pc:sldMk cId="1467586035" sldId="261"/>
             <ac:picMk id="3" creationId="{6363E06A-3129-8B12-96E1-89E6A8EEC730}"/>
           </ac:picMkLst>
         </pc:picChg>
       </pc:sldChg>
       <pc:sldChg chg="modSp mod">
-        <pc:chgData name="Gibbons, Carl" userId="d2b037bc-8fb4-4222-845c-61440543a456" providerId="ADAL" clId="{3110A27C-34DA-4160-871C-1CFB075CC37D}" dt="2024-05-23T21:13:57.322" v="1512" actId="20577"/>
+        <pc:chgData name="Talbert, Matthew" userId="877a4118-3f16-4ac9-a72c-5dd2c7b28c85" providerId="ADAL" clId="{6D714EC8-FEBA-47AF-9B9B-F0C8F81011C5}" dt="2024-11-21T22:02:47.055" v="52" actId="1036"/>
         <pc:sldMkLst>
           <pc:docMk/>
-          <pc:sldMk cId="2729151594" sldId="267"/>
+          <pc:sldMk cId="2582251905" sldId="262"/>
         </pc:sldMkLst>
         <pc:spChg chg="mod">
-          <ac:chgData name="Gibbons, Carl" userId="d2b037bc-8fb4-4222-845c-61440543a456" providerId="ADAL" clId="{3110A27C-34DA-4160-871C-1CFB075CC37D}" dt="2024-05-23T20:43:49.464" v="69" actId="20577"/>
+          <ac:chgData name="Talbert, Matthew" userId="877a4118-3f16-4ac9-a72c-5dd2c7b28c85" providerId="ADAL" clId="{6D714EC8-FEBA-47AF-9B9B-F0C8F81011C5}" dt="2024-11-21T22:02:47.055" v="52" actId="1036"/>
           <ac:spMkLst>
             <pc:docMk/>
-            <pc:sldMk cId="2729151594" sldId="267"/>
+            <pc:sldMk cId="2582251905" sldId="262"/>
+            <ac:spMk id="2" creationId="{832B45BA-6309-D8F6-D552-10D836B4EB21}"/>
+          </ac:spMkLst>
+        </pc:spChg>
+        <pc:spChg chg="mod">
+          <ac:chgData name="Talbert, Matthew" userId="877a4118-3f16-4ac9-a72c-5dd2c7b28c85" providerId="ADAL" clId="{6D714EC8-FEBA-47AF-9B9B-F0C8F81011C5}" dt="2024-11-21T22:02:45.967" v="46" actId="1036"/>
+          <ac:spMkLst>
+            <pc:docMk/>
+            <pc:sldMk cId="2582251905" sldId="262"/>
+            <ac:spMk id="7" creationId="{3CE889EF-4605-DB73-C7B2-D7E3C4957F48}"/>
+          </ac:spMkLst>
+        </pc:spChg>
+      </pc:sldChg>
+      <pc:sldChg chg="modSp mod">
+        <pc:chgData name="Talbert, Matthew" userId="877a4118-3f16-4ac9-a72c-5dd2c7b28c85" providerId="ADAL" clId="{6D714EC8-FEBA-47AF-9B9B-F0C8F81011C5}" dt="2024-11-21T22:05:02.793" v="239" actId="12788"/>
+        <pc:sldMkLst>
+          <pc:docMk/>
+          <pc:sldMk cId="3170323588" sldId="263"/>
+        </pc:sldMkLst>
+        <pc:spChg chg="mod">
+          <ac:chgData name="Talbert, Matthew" userId="877a4118-3f16-4ac9-a72c-5dd2c7b28c85" providerId="ADAL" clId="{6D714EC8-FEBA-47AF-9B9B-F0C8F81011C5}" dt="2024-11-21T22:05:02.793" v="239" actId="12788"/>
+          <ac:spMkLst>
+            <pc:docMk/>
+            <pc:sldMk cId="3170323588" sldId="263"/>
             <ac:spMk id="2" creationId="{0E6A2DEF-4501-FAEA-A31C-4FDCBD076712}"/>
           </ac:spMkLst>
         </pc:spChg>
         <pc:spChg chg="mod">
-          <ac:chgData name="Gibbons, Carl" userId="d2b037bc-8fb4-4222-845c-61440543a456" providerId="ADAL" clId="{3110A27C-34DA-4160-871C-1CFB075CC37D}" dt="2024-05-23T21:13:57.322" v="1512" actId="20577"/>
+          <ac:chgData name="Talbert, Matthew" userId="877a4118-3f16-4ac9-a72c-5dd2c7b28c85" providerId="ADAL" clId="{6D714EC8-FEBA-47AF-9B9B-F0C8F81011C5}" dt="2024-11-21T22:05:02.793" v="239" actId="12788"/>
           <ac:spMkLst>
             <pc:docMk/>
-            <pc:sldMk cId="2729151594" sldId="267"/>
+            <pc:sldMk cId="3170323588" sldId="263"/>
             <ac:spMk id="7" creationId="{4247D23F-F3F9-676F-BDEB-E69E1F0AB32C}"/>
           </ac:spMkLst>
         </pc:spChg>
       </pc:sldChg>
       <pc:sldChg chg="modSp mod">
-        <pc:chgData name="Gibbons, Carl" userId="d2b037bc-8fb4-4222-845c-61440543a456" providerId="ADAL" clId="{3110A27C-34DA-4160-871C-1CFB075CC37D}" dt="2024-05-23T21:33:19.793" v="2891" actId="20577"/>
+        <pc:chgData name="Talbert, Matthew" userId="877a4118-3f16-4ac9-a72c-5dd2c7b28c85" providerId="ADAL" clId="{6D714EC8-FEBA-47AF-9B9B-F0C8F81011C5}" dt="2024-11-21T22:05:04.769" v="240" actId="12788"/>
         <pc:sldMkLst>
           <pc:docMk/>
-          <pc:sldMk cId="2582251905" sldId="268"/>
+          <pc:sldMk cId="1864855120" sldId="264"/>
         </pc:sldMkLst>
         <pc:spChg chg="mod">
-          <ac:chgData name="Gibbons, Carl" userId="d2b037bc-8fb4-4222-845c-61440543a456" providerId="ADAL" clId="{3110A27C-34DA-4160-871C-1CFB075CC37D}" dt="2024-05-23T21:29:21.877" v="2821" actId="20577"/>
+          <ac:chgData name="Talbert, Matthew" userId="877a4118-3f16-4ac9-a72c-5dd2c7b28c85" providerId="ADAL" clId="{6D714EC8-FEBA-47AF-9B9B-F0C8F81011C5}" dt="2024-11-21T22:05:04.769" v="240" actId="12788"/>
           <ac:spMkLst>
             <pc:docMk/>
-            <pc:sldMk cId="2582251905" sldId="268"/>
-            <ac:spMk id="2" creationId="{832B45BA-6309-D8F6-D552-10D836B4EB21}"/>
-          </ac:spMkLst>
-        </pc:spChg>
-        <pc:spChg chg="mod">
-          <ac:chgData name="Gibbons, Carl" userId="d2b037bc-8fb4-4222-845c-61440543a456" providerId="ADAL" clId="{3110A27C-34DA-4160-871C-1CFB075CC37D}" dt="2024-05-23T21:33:19.793" v="2891" actId="20577"/>
-          <ac:spMkLst>
-            <pc:docMk/>
-            <pc:sldMk cId="2582251905" sldId="268"/>
-            <ac:spMk id="7" creationId="{3CE889EF-4605-DB73-C7B2-D7E3C4957F48}"/>
-          </ac:spMkLst>
-        </pc:spChg>
-      </pc:sldChg>
-      <pc:sldChg chg="modSp add mod">
-        <pc:chgData name="Gibbons, Carl" userId="d2b037bc-8fb4-4222-845c-61440543a456" providerId="ADAL" clId="{3110A27C-34DA-4160-871C-1CFB075CC37D}" dt="2024-05-23T22:00:01.206" v="3839" actId="5793"/>
-        <pc:sldMkLst>
-          <pc:docMk/>
-          <pc:sldMk cId="3170323588" sldId="269"/>
-        </pc:sldMkLst>
-        <pc:spChg chg="mod">
-          <ac:chgData name="Gibbons, Carl" userId="d2b037bc-8fb4-4222-845c-61440543a456" providerId="ADAL" clId="{3110A27C-34DA-4160-871C-1CFB075CC37D}" dt="2024-05-23T21:45:58.697" v="3267" actId="20577"/>
-          <ac:spMkLst>
-            <pc:docMk/>
-            <pc:sldMk cId="3170323588" sldId="269"/>
+            <pc:sldMk cId="1864855120" sldId="264"/>
             <ac:spMk id="2" creationId="{0E6A2DEF-4501-FAEA-A31C-4FDCBD076712}"/>
           </ac:spMkLst>
         </pc:spChg>
         <pc:spChg chg="mod">
-          <ac:chgData name="Gibbons, Carl" userId="d2b037bc-8fb4-4222-845c-61440543a456" providerId="ADAL" clId="{3110A27C-34DA-4160-871C-1CFB075CC37D}" dt="2024-05-23T22:00:01.206" v="3839" actId="5793"/>
+          <ac:chgData name="Talbert, Matthew" userId="877a4118-3f16-4ac9-a72c-5dd2c7b28c85" providerId="ADAL" clId="{6D714EC8-FEBA-47AF-9B9B-F0C8F81011C5}" dt="2024-11-21T22:05:04.769" v="240" actId="12788"/>
           <ac:spMkLst>
             <pc:docMk/>
-            <pc:sldMk cId="3170323588" sldId="269"/>
-            <ac:spMk id="7" creationId="{4247D23F-F3F9-676F-BDEB-E69E1F0AB32C}"/>
-          </ac:spMkLst>
-        </pc:spChg>
-      </pc:sldChg>
-      <pc:sldChg chg="modSp add mod">
-        <pc:chgData name="Gibbons, Carl" userId="d2b037bc-8fb4-4222-845c-61440543a456" providerId="ADAL" clId="{3110A27C-34DA-4160-871C-1CFB075CC37D}" dt="2024-05-23T21:45:30.113" v="3259" actId="20577"/>
-        <pc:sldMkLst>
-          <pc:docMk/>
-          <pc:sldMk cId="1864855120" sldId="270"/>
-        </pc:sldMkLst>
-        <pc:spChg chg="mod">
-          <ac:chgData name="Gibbons, Carl" userId="d2b037bc-8fb4-4222-845c-61440543a456" providerId="ADAL" clId="{3110A27C-34DA-4160-871C-1CFB075CC37D}" dt="2024-05-23T21:45:30.113" v="3259" actId="20577"/>
-          <ac:spMkLst>
-            <pc:docMk/>
-            <pc:sldMk cId="1864855120" sldId="270"/>
-            <ac:spMk id="2" creationId="{0E6A2DEF-4501-FAEA-A31C-4FDCBD076712}"/>
-          </ac:spMkLst>
-        </pc:spChg>
-        <pc:spChg chg="mod">
-          <ac:chgData name="Gibbons, Carl" userId="d2b037bc-8fb4-4222-845c-61440543a456" providerId="ADAL" clId="{3110A27C-34DA-4160-871C-1CFB075CC37D}" dt="2024-05-23T21:44:57.919" v="3248" actId="20577"/>
-          <ac:spMkLst>
-            <pc:docMk/>
-            <pc:sldMk cId="1864855120" sldId="270"/>
+            <pc:sldMk cId="1864855120" sldId="264"/>
             <ac:spMk id="7" creationId="{4247D23F-F3F9-676F-BDEB-E69E1F0AB32C}"/>
           </ac:spMkLst>
         </pc:spChg>
       </pc:sldChg>
       <pc:sldChg chg="modSp mod">
-        <pc:chgData name="Gibbons, Carl" userId="d2b037bc-8fb4-4222-845c-61440543a456" providerId="ADAL" clId="{3110A27C-34DA-4160-871C-1CFB075CC37D}" dt="2024-06-13T03:20:28.659" v="5787" actId="20577"/>
+        <pc:chgData name="Talbert, Matthew" userId="877a4118-3f16-4ac9-a72c-5dd2c7b28c85" providerId="ADAL" clId="{6D714EC8-FEBA-47AF-9B9B-F0C8F81011C5}" dt="2024-11-21T22:05:06.857" v="241" actId="12788"/>
         <pc:sldMkLst>
           <pc:docMk/>
-          <pc:sldMk cId="2735391745" sldId="271"/>
+          <pc:sldMk cId="2735391745" sldId="265"/>
         </pc:sldMkLst>
         <pc:spChg chg="mod">
-          <ac:chgData name="Gibbons, Carl" userId="d2b037bc-8fb4-4222-845c-61440543a456" providerId="ADAL" clId="{3110A27C-34DA-4160-871C-1CFB075CC37D}" dt="2024-05-23T21:46:10.731" v="3283" actId="20577"/>
+          <ac:chgData name="Talbert, Matthew" userId="877a4118-3f16-4ac9-a72c-5dd2c7b28c85" providerId="ADAL" clId="{6D714EC8-FEBA-47AF-9B9B-F0C8F81011C5}" dt="2024-11-21T22:05:06.857" v="241" actId="12788"/>
           <ac:spMkLst>
             <pc:docMk/>
-            <pc:sldMk cId="2735391745" sldId="271"/>
+            <pc:sldMk cId="2735391745" sldId="265"/>
             <ac:spMk id="2" creationId="{0E6A2DEF-4501-FAEA-A31C-4FDCBD076712}"/>
           </ac:spMkLst>
         </pc:spChg>
         <pc:spChg chg="mod">
-          <ac:chgData name="Gibbons, Carl" userId="d2b037bc-8fb4-4222-845c-61440543a456" providerId="ADAL" clId="{3110A27C-34DA-4160-871C-1CFB075CC37D}" dt="2024-06-13T03:20:28.659" v="5787" actId="20577"/>
+          <ac:chgData name="Talbert, Matthew" userId="877a4118-3f16-4ac9-a72c-5dd2c7b28c85" providerId="ADAL" clId="{6D714EC8-FEBA-47AF-9B9B-F0C8F81011C5}" dt="2024-11-21T22:05:06.857" v="241" actId="12788"/>
           <ac:spMkLst>
             <pc:docMk/>
-            <pc:sldMk cId="2735391745" sldId="271"/>
+            <pc:sldMk cId="2735391745" sldId="265"/>
             <ac:spMk id="7" creationId="{4247D23F-F3F9-676F-BDEB-E69E1F0AB32C}"/>
           </ac:spMkLst>
         </pc:spChg>
       </pc:sldChg>
       <pc:sldChg chg="modSp mod">
-        <pc:chgData name="Gibbons, Carl" userId="d2b037bc-8fb4-4222-845c-61440543a456" providerId="ADAL" clId="{3110A27C-34DA-4160-871C-1CFB075CC37D}" dt="2024-05-23T22:04:04.511" v="3904" actId="20577"/>
+        <pc:chgData name="Talbert, Matthew" userId="877a4118-3f16-4ac9-a72c-5dd2c7b28c85" providerId="ADAL" clId="{6D714EC8-FEBA-47AF-9B9B-F0C8F81011C5}" dt="2024-11-21T22:05:09.081" v="242" actId="12788"/>
         <pc:sldMkLst>
           <pc:docMk/>
-          <pc:sldMk cId="1484174322" sldId="272"/>
+          <pc:sldMk cId="1484174322" sldId="266"/>
         </pc:sldMkLst>
         <pc:spChg chg="mod">
-          <ac:chgData name="Gibbons, Carl" userId="d2b037bc-8fb4-4222-845c-61440543a456" providerId="ADAL" clId="{3110A27C-34DA-4160-871C-1CFB075CC37D}" dt="2024-05-23T22:01:32.098" v="3872" actId="20577"/>
+          <ac:chgData name="Talbert, Matthew" userId="877a4118-3f16-4ac9-a72c-5dd2c7b28c85" providerId="ADAL" clId="{6D714EC8-FEBA-47AF-9B9B-F0C8F81011C5}" dt="2024-11-21T22:05:09.081" v="242" actId="12788"/>
           <ac:spMkLst>
             <pc:docMk/>
-            <pc:sldMk cId="1484174322" sldId="272"/>
+            <pc:sldMk cId="1484174322" sldId="266"/>
             <ac:spMk id="2" creationId="{0E6A2DEF-4501-FAEA-A31C-4FDCBD076712}"/>
           </ac:spMkLst>
         </pc:spChg>
         <pc:spChg chg="mod">
-          <ac:chgData name="Gibbons, Carl" userId="d2b037bc-8fb4-4222-845c-61440543a456" providerId="ADAL" clId="{3110A27C-34DA-4160-871C-1CFB075CC37D}" dt="2024-05-23T22:04:04.511" v="3904" actId="20577"/>
+          <ac:chgData name="Talbert, Matthew" userId="877a4118-3f16-4ac9-a72c-5dd2c7b28c85" providerId="ADAL" clId="{6D714EC8-FEBA-47AF-9B9B-F0C8F81011C5}" dt="2024-11-21T22:05:09.081" v="242" actId="12788"/>
           <ac:spMkLst>
             <pc:docMk/>
-            <pc:sldMk cId="1484174322" sldId="272"/>
+            <pc:sldMk cId="1484174322" sldId="266"/>
             <ac:spMk id="7" creationId="{4247D23F-F3F9-676F-BDEB-E69E1F0AB32C}"/>
           </ac:spMkLst>
         </pc:spChg>
       </pc:sldChg>
       <pc:sldChg chg="modSp mod">
-        <pc:chgData name="Gibbons, Carl" userId="d2b037bc-8fb4-4222-845c-61440543a456" providerId="ADAL" clId="{3110A27C-34DA-4160-871C-1CFB075CC37D}" dt="2024-05-23T22:06:00.849" v="3958"/>
+        <pc:chgData name="Talbert, Matthew" userId="877a4118-3f16-4ac9-a72c-5dd2c7b28c85" providerId="ADAL" clId="{6D714EC8-FEBA-47AF-9B9B-F0C8F81011C5}" dt="2024-11-21T22:06:49.042" v="395" actId="12788"/>
         <pc:sldMkLst>
           <pc:docMk/>
-          <pc:sldMk cId="1004317559" sldId="273"/>
+          <pc:sldMk cId="1004317559" sldId="267"/>
         </pc:sldMkLst>
         <pc:spChg chg="mod">
-          <ac:chgData name="Gibbons, Carl" userId="d2b037bc-8fb4-4222-845c-61440543a456" providerId="ADAL" clId="{3110A27C-34DA-4160-871C-1CFB075CC37D}" dt="2024-05-23T22:05:01.682" v="3951" actId="20577"/>
+          <ac:chgData name="Talbert, Matthew" userId="877a4118-3f16-4ac9-a72c-5dd2c7b28c85" providerId="ADAL" clId="{6D714EC8-FEBA-47AF-9B9B-F0C8F81011C5}" dt="2024-11-21T22:06:49.042" v="395" actId="12788"/>
           <ac:spMkLst>
             <pc:docMk/>
-            <pc:sldMk cId="1004317559" sldId="273"/>
+            <pc:sldMk cId="1004317559" sldId="267"/>
             <ac:spMk id="2" creationId="{0E6A2DEF-4501-FAEA-A31C-4FDCBD076712}"/>
           </ac:spMkLst>
         </pc:spChg>
         <pc:spChg chg="mod">
-          <ac:chgData name="Gibbons, Carl" userId="d2b037bc-8fb4-4222-845c-61440543a456" providerId="ADAL" clId="{3110A27C-34DA-4160-871C-1CFB075CC37D}" dt="2024-05-23T22:06:00.849" v="3958"/>
+          <ac:chgData name="Talbert, Matthew" userId="877a4118-3f16-4ac9-a72c-5dd2c7b28c85" providerId="ADAL" clId="{6D714EC8-FEBA-47AF-9B9B-F0C8F81011C5}" dt="2024-11-21T22:06:49.042" v="395" actId="12788"/>
           <ac:spMkLst>
             <pc:docMk/>
-            <pc:sldMk cId="1004317559" sldId="273"/>
+            <pc:sldMk cId="1004317559" sldId="267"/>
             <ac:spMk id="7" creationId="{4247D23F-F3F9-676F-BDEB-E69E1F0AB32C}"/>
           </ac:spMkLst>
         </pc:spChg>
       </pc:sldChg>
       <pc:sldChg chg="modSp mod">
-        <pc:chgData name="Gibbons, Carl" userId="d2b037bc-8fb4-4222-845c-61440543a456" providerId="ADAL" clId="{3110A27C-34DA-4160-871C-1CFB075CC37D}" dt="2024-05-23T22:09:40.592" v="4067" actId="20577"/>
+        <pc:chgData name="Talbert, Matthew" userId="877a4118-3f16-4ac9-a72c-5dd2c7b28c85" providerId="ADAL" clId="{6D714EC8-FEBA-47AF-9B9B-F0C8F81011C5}" dt="2024-11-21T22:06:51.234" v="396" actId="12788"/>
         <pc:sldMkLst>
           <pc:docMk/>
-          <pc:sldMk cId="663954130" sldId="274"/>
+          <pc:sldMk cId="663954130" sldId="268"/>
         </pc:sldMkLst>
         <pc:spChg chg="mod">
-          <ac:chgData name="Gibbons, Carl" userId="d2b037bc-8fb4-4222-845c-61440543a456" providerId="ADAL" clId="{3110A27C-34DA-4160-871C-1CFB075CC37D}" dt="2024-05-23T22:07:13.209" v="3987" actId="27636"/>
+          <ac:chgData name="Talbert, Matthew" userId="877a4118-3f16-4ac9-a72c-5dd2c7b28c85" providerId="ADAL" clId="{6D714EC8-FEBA-47AF-9B9B-F0C8F81011C5}" dt="2024-11-21T22:06:51.234" v="396" actId="12788"/>
           <ac:spMkLst>
             <pc:docMk/>
-            <pc:sldMk cId="663954130" sldId="274"/>
+            <pc:sldMk cId="663954130" sldId="268"/>
             <ac:spMk id="2" creationId="{0E6A2DEF-4501-FAEA-A31C-4FDCBD076712}"/>
           </ac:spMkLst>
         </pc:spChg>
         <pc:spChg chg="mod">
-          <ac:chgData name="Gibbons, Carl" userId="d2b037bc-8fb4-4222-845c-61440543a456" providerId="ADAL" clId="{3110A27C-34DA-4160-871C-1CFB075CC37D}" dt="2024-05-23T22:09:40.592" v="4067" actId="20577"/>
+          <ac:chgData name="Talbert, Matthew" userId="877a4118-3f16-4ac9-a72c-5dd2c7b28c85" providerId="ADAL" clId="{6D714EC8-FEBA-47AF-9B9B-F0C8F81011C5}" dt="2024-11-21T22:06:51.234" v="396" actId="12788"/>
           <ac:spMkLst>
             <pc:docMk/>
-            <pc:sldMk cId="663954130" sldId="274"/>
+            <pc:sldMk cId="663954130" sldId="268"/>
             <ac:spMk id="7" creationId="{4247D23F-F3F9-676F-BDEB-E69E1F0AB32C}"/>
           </ac:spMkLst>
         </pc:spChg>
       </pc:sldChg>
       <pc:sldChg chg="modSp mod">
-        <pc:chgData name="Gibbons, Carl" userId="d2b037bc-8fb4-4222-845c-61440543a456" providerId="ADAL" clId="{3110A27C-34DA-4160-871C-1CFB075CC37D}" dt="2024-05-23T22:22:23.746" v="4737" actId="20577"/>
+        <pc:chgData name="Talbert, Matthew" userId="877a4118-3f16-4ac9-a72c-5dd2c7b28c85" providerId="ADAL" clId="{6D714EC8-FEBA-47AF-9B9B-F0C8F81011C5}" dt="2024-11-21T22:06:53.042" v="397" actId="12788"/>
         <pc:sldMkLst>
           <pc:docMk/>
-          <pc:sldMk cId="2536563193" sldId="275"/>
+          <pc:sldMk cId="2536563193" sldId="269"/>
         </pc:sldMkLst>
         <pc:spChg chg="mod">
-          <ac:chgData name="Gibbons, Carl" userId="d2b037bc-8fb4-4222-845c-61440543a456" providerId="ADAL" clId="{3110A27C-34DA-4160-871C-1CFB075CC37D}" dt="2024-05-23T22:11:33.666" v="4091" actId="20577"/>
+          <ac:chgData name="Talbert, Matthew" userId="877a4118-3f16-4ac9-a72c-5dd2c7b28c85" providerId="ADAL" clId="{6D714EC8-FEBA-47AF-9B9B-F0C8F81011C5}" dt="2024-11-21T22:06:53.042" v="397" actId="12788"/>
           <ac:spMkLst>
             <pc:docMk/>
-            <pc:sldMk cId="2536563193" sldId="275"/>
+            <pc:sldMk cId="2536563193" sldId="269"/>
             <ac:spMk id="2" creationId="{0E6A2DEF-4501-FAEA-A31C-4FDCBD076712}"/>
           </ac:spMkLst>
         </pc:spChg>
         <pc:spChg chg="mod">
-          <ac:chgData name="Gibbons, Carl" userId="d2b037bc-8fb4-4222-845c-61440543a456" providerId="ADAL" clId="{3110A27C-34DA-4160-871C-1CFB075CC37D}" dt="2024-05-23T22:22:23.746" v="4737" actId="20577"/>
+          <ac:chgData name="Talbert, Matthew" userId="877a4118-3f16-4ac9-a72c-5dd2c7b28c85" providerId="ADAL" clId="{6D714EC8-FEBA-47AF-9B9B-F0C8F81011C5}" dt="2024-11-21T22:06:53.042" v="397" actId="12788"/>
           <ac:spMkLst>
             <pc:docMk/>
-            <pc:sldMk cId="2536563193" sldId="275"/>
+            <pc:sldMk cId="2536563193" sldId="269"/>
             <ac:spMk id="7" creationId="{4247D23F-F3F9-676F-BDEB-E69E1F0AB32C}"/>
           </ac:spMkLst>
         </pc:spChg>
       </pc:sldChg>
       <pc:sldChg chg="modSp mod">
-        <pc:chgData name="Gibbons, Carl" userId="d2b037bc-8fb4-4222-845c-61440543a456" providerId="ADAL" clId="{3110A27C-34DA-4160-871C-1CFB075CC37D}" dt="2024-05-23T22:33:54.493" v="5089" actId="20577"/>
+        <pc:chgData name="Talbert, Matthew" userId="877a4118-3f16-4ac9-a72c-5dd2c7b28c85" providerId="ADAL" clId="{6D714EC8-FEBA-47AF-9B9B-F0C8F81011C5}" dt="2024-11-21T22:06:55.186" v="398" actId="12788"/>
         <pc:sldMkLst>
           <pc:docMk/>
-          <pc:sldMk cId="885063229" sldId="276"/>
+          <pc:sldMk cId="885063229" sldId="270"/>
         </pc:sldMkLst>
         <pc:spChg chg="mod">
-          <ac:chgData name="Gibbons, Carl" userId="d2b037bc-8fb4-4222-845c-61440543a456" providerId="ADAL" clId="{3110A27C-34DA-4160-871C-1CFB075CC37D}" dt="2024-05-23T22:23:56.169" v="4802" actId="20577"/>
+          <ac:chgData name="Talbert, Matthew" userId="877a4118-3f16-4ac9-a72c-5dd2c7b28c85" providerId="ADAL" clId="{6D714EC8-FEBA-47AF-9B9B-F0C8F81011C5}" dt="2024-11-21T22:06:55.186" v="398" actId="12788"/>
           <ac:spMkLst>
             <pc:docMk/>
-            <pc:sldMk cId="885063229" sldId="276"/>
+            <pc:sldMk cId="885063229" sldId="270"/>
             <ac:spMk id="2" creationId="{0E6A2DEF-4501-FAEA-A31C-4FDCBD076712}"/>
           </ac:spMkLst>
         </pc:spChg>
         <pc:spChg chg="mod">
-          <ac:chgData name="Gibbons, Carl" userId="d2b037bc-8fb4-4222-845c-61440543a456" providerId="ADAL" clId="{3110A27C-34DA-4160-871C-1CFB075CC37D}" dt="2024-05-23T22:33:54.493" v="5089" actId="20577"/>
+          <ac:chgData name="Talbert, Matthew" userId="877a4118-3f16-4ac9-a72c-5dd2c7b28c85" providerId="ADAL" clId="{6D714EC8-FEBA-47AF-9B9B-F0C8F81011C5}" dt="2024-11-21T22:06:55.186" v="398" actId="12788"/>
           <ac:spMkLst>
             <pc:docMk/>
-            <pc:sldMk cId="885063229" sldId="276"/>
-            <ac:spMk id="7" creationId="{4247D23F-F3F9-676F-BDEB-E69E1F0AB32C}"/>
-          </ac:spMkLst>
-        </pc:spChg>
-      </pc:sldChg>
-      <pc:sldChg chg="modSp add mod">
-        <pc:chgData name="Gibbons, Carl" userId="d2b037bc-8fb4-4222-845c-61440543a456" providerId="ADAL" clId="{3110A27C-34DA-4160-871C-1CFB075CC37D}" dt="2024-05-23T22:37:43.712" v="5197" actId="20577"/>
-        <pc:sldMkLst>
-          <pc:docMk/>
-          <pc:sldMk cId="3170433335" sldId="277"/>
-        </pc:sldMkLst>
-        <pc:spChg chg="mod">
-          <ac:chgData name="Gibbons, Carl" userId="d2b037bc-8fb4-4222-845c-61440543a456" providerId="ADAL" clId="{3110A27C-34DA-4160-871C-1CFB075CC37D}" dt="2024-05-23T22:37:43.712" v="5197" actId="20577"/>
-          <ac:spMkLst>
-            <pc:docMk/>
-            <pc:sldMk cId="3170433335" sldId="277"/>
-            <ac:spMk id="2" creationId="{0E6A2DEF-4501-FAEA-A31C-4FDCBD076712}"/>
-          </ac:spMkLst>
-        </pc:spChg>
-        <pc:spChg chg="mod">
-          <ac:chgData name="Gibbons, Carl" userId="d2b037bc-8fb4-4222-845c-61440543a456" providerId="ADAL" clId="{3110A27C-34DA-4160-871C-1CFB075CC37D}" dt="2024-05-23T22:36:02.152" v="5192" actId="20577"/>
-          <ac:spMkLst>
-            <pc:docMk/>
-            <pc:sldMk cId="3170433335" sldId="277"/>
-            <ac:spMk id="7" creationId="{4247D23F-F3F9-676F-BDEB-E69E1F0AB32C}"/>
-          </ac:spMkLst>
-        </pc:spChg>
-      </pc:sldChg>
-      <pc:sldChg chg="modSp add mod">
-        <pc:chgData name="Gibbons, Carl" userId="d2b037bc-8fb4-4222-845c-61440543a456" providerId="ADAL" clId="{3110A27C-34DA-4160-871C-1CFB075CC37D}" dt="2024-05-23T22:41:27.692" v="5446" actId="20577"/>
-        <pc:sldMkLst>
-          <pc:docMk/>
-          <pc:sldMk cId="3410531135" sldId="278"/>
-        </pc:sldMkLst>
-        <pc:spChg chg="mod">
-          <ac:chgData name="Gibbons, Carl" userId="d2b037bc-8fb4-4222-845c-61440543a456" providerId="ADAL" clId="{3110A27C-34DA-4160-871C-1CFB075CC37D}" dt="2024-05-23T22:41:27.692" v="5446" actId="20577"/>
-          <ac:spMkLst>
-            <pc:docMk/>
-            <pc:sldMk cId="3410531135" sldId="278"/>
-            <ac:spMk id="2" creationId="{0E6A2DEF-4501-FAEA-A31C-4FDCBD076712}"/>
-          </ac:spMkLst>
-        </pc:spChg>
-        <pc:spChg chg="mod">
-          <ac:chgData name="Gibbons, Carl" userId="d2b037bc-8fb4-4222-845c-61440543a456" providerId="ADAL" clId="{3110A27C-34DA-4160-871C-1CFB075CC37D}" dt="2024-05-23T22:40:31.905" v="5297" actId="20577"/>
-          <ac:spMkLst>
-            <pc:docMk/>
-            <pc:sldMk cId="3410531135" sldId="278"/>
-            <ac:spMk id="7" creationId="{4247D23F-F3F9-676F-BDEB-E69E1F0AB32C}"/>
-          </ac:spMkLst>
-        </pc:spChg>
-      </pc:sldChg>
-      <pc:sldChg chg="add del">
-        <pc:chgData name="Gibbons, Carl" userId="d2b037bc-8fb4-4222-845c-61440543a456" providerId="ADAL" clId="{3110A27C-34DA-4160-871C-1CFB075CC37D}" dt="2024-05-23T22:28:04.159" v="4847" actId="47"/>
-        <pc:sldMkLst>
-          <pc:docMk/>
-          <pc:sldMk cId="3985654615" sldId="278"/>
-        </pc:sldMkLst>
-      </pc:sldChg>
-      <pc:sldChg chg="add del">
-        <pc:chgData name="Gibbons, Carl" userId="d2b037bc-8fb4-4222-845c-61440543a456" providerId="ADAL" clId="{3110A27C-34DA-4160-871C-1CFB075CC37D}" dt="2024-05-23T22:38:00.598" v="5199" actId="2696"/>
-        <pc:sldMkLst>
-          <pc:docMk/>
-          <pc:sldMk cId="2517179178" sldId="279"/>
-        </pc:sldMkLst>
-      </pc:sldChg>
-    </pc:docChg>
-  </pc:docChgLst>
-  <pc:docChgLst>
-    <pc:chgData name="Gibbons, Carl" userId="d2b037bc-8fb4-4222-845c-61440543a456" providerId="ADAL" clId="{6FB22382-79C8-4292-898E-4F4477C84372}"/>
-    <pc:docChg chg="custSel addSld modSld">
-      <pc:chgData name="Gibbons, Carl" userId="d2b037bc-8fb4-4222-845c-61440543a456" providerId="ADAL" clId="{6FB22382-79C8-4292-898E-4F4477C84372}" dt="2024-02-04T06:13:38.323" v="4155" actId="20577"/>
-      <pc:docMkLst>
-        <pc:docMk/>
-      </pc:docMkLst>
-      <pc:sldChg chg="modSp mod">
-        <pc:chgData name="Gibbons, Carl" userId="d2b037bc-8fb4-4222-845c-61440543a456" providerId="ADAL" clId="{6FB22382-79C8-4292-898E-4F4477C84372}" dt="2024-02-04T05:20:30.900" v="17" actId="20577"/>
-        <pc:sldMkLst>
-          <pc:docMk/>
-          <pc:sldMk cId="3308175748" sldId="256"/>
-        </pc:sldMkLst>
-        <pc:spChg chg="mod">
-          <ac:chgData name="Gibbons, Carl" userId="d2b037bc-8fb4-4222-845c-61440543a456" providerId="ADAL" clId="{6FB22382-79C8-4292-898E-4F4477C84372}" dt="2024-02-04T05:20:30.900" v="17" actId="20577"/>
-          <ac:spMkLst>
-            <pc:docMk/>
-            <pc:sldMk cId="3308175748" sldId="256"/>
-            <ac:spMk id="3" creationId="{EEC4D41B-E776-05F2-BE0B-89BB339485AB}"/>
-          </ac:spMkLst>
-        </pc:spChg>
-      </pc:sldChg>
-      <pc:sldChg chg="modSp mod">
-        <pc:chgData name="Gibbons, Carl" userId="d2b037bc-8fb4-4222-845c-61440543a456" providerId="ADAL" clId="{6FB22382-79C8-4292-898E-4F4477C84372}" dt="2024-02-04T06:13:38.323" v="4155" actId="20577"/>
-        <pc:sldMkLst>
-          <pc:docMk/>
-          <pc:sldMk cId="2312486803" sldId="261"/>
-        </pc:sldMkLst>
-        <pc:spChg chg="mod">
-          <ac:chgData name="Gibbons, Carl" userId="d2b037bc-8fb4-4222-845c-61440543a456" providerId="ADAL" clId="{6FB22382-79C8-4292-898E-4F4477C84372}" dt="2024-02-04T05:21:30.141" v="60" actId="20577"/>
-          <ac:spMkLst>
-            <pc:docMk/>
-            <pc:sldMk cId="2312486803" sldId="261"/>
-            <ac:spMk id="2" creationId="{31B75992-5098-A283-4925-2CCEBB801DC5}"/>
-          </ac:spMkLst>
-        </pc:spChg>
-        <pc:spChg chg="mod">
-          <ac:chgData name="Gibbons, Carl" userId="d2b037bc-8fb4-4222-845c-61440543a456" providerId="ADAL" clId="{6FB22382-79C8-4292-898E-4F4477C84372}" dt="2024-02-04T06:13:38.323" v="4155" actId="20577"/>
-          <ac:spMkLst>
-            <pc:docMk/>
-            <pc:sldMk cId="2312486803" sldId="261"/>
-            <ac:spMk id="3" creationId="{B5924E0F-A977-1710-779D-EEB74261AF34}"/>
-          </ac:spMkLst>
-        </pc:spChg>
-      </pc:sldChg>
-      <pc:sldChg chg="modSp mod">
-        <pc:chgData name="Gibbons, Carl" userId="d2b037bc-8fb4-4222-845c-61440543a456" providerId="ADAL" clId="{6FB22382-79C8-4292-898E-4F4477C84372}" dt="2024-02-04T06:07:58.163" v="3852" actId="20577"/>
-        <pc:sldMkLst>
-          <pc:docMk/>
-          <pc:sldMk cId="3885141102" sldId="262"/>
-        </pc:sldMkLst>
-        <pc:spChg chg="mod">
-          <ac:chgData name="Gibbons, Carl" userId="d2b037bc-8fb4-4222-845c-61440543a456" providerId="ADAL" clId="{6FB22382-79C8-4292-898E-4F4477C84372}" dt="2024-02-04T06:07:58.163" v="3852" actId="20577"/>
-          <ac:spMkLst>
-            <pc:docMk/>
-            <pc:sldMk cId="3885141102" sldId="262"/>
-            <ac:spMk id="3" creationId="{B5924E0F-A977-1710-779D-EEB74261AF34}"/>
-          </ac:spMkLst>
-        </pc:spChg>
-      </pc:sldChg>
-      <pc:sldChg chg="modSp mod">
-        <pc:chgData name="Gibbons, Carl" userId="d2b037bc-8fb4-4222-845c-61440543a456" providerId="ADAL" clId="{6FB22382-79C8-4292-898E-4F4477C84372}" dt="2024-02-04T05:35:49.521" v="1241" actId="20577"/>
-        <pc:sldMkLst>
-          <pc:docMk/>
-          <pc:sldMk cId="2993794741" sldId="265"/>
-        </pc:sldMkLst>
-        <pc:spChg chg="mod">
-          <ac:chgData name="Gibbons, Carl" userId="d2b037bc-8fb4-4222-845c-61440543a456" providerId="ADAL" clId="{6FB22382-79C8-4292-898E-4F4477C84372}" dt="2024-02-04T05:26:32.059" v="571" actId="20577"/>
-          <ac:spMkLst>
-            <pc:docMk/>
-            <pc:sldMk cId="2993794741" sldId="265"/>
-            <ac:spMk id="2" creationId="{31B75992-5098-A283-4925-2CCEBB801DC5}"/>
-          </ac:spMkLst>
-        </pc:spChg>
-        <pc:spChg chg="mod">
-          <ac:chgData name="Gibbons, Carl" userId="d2b037bc-8fb4-4222-845c-61440543a456" providerId="ADAL" clId="{6FB22382-79C8-4292-898E-4F4477C84372}" dt="2024-02-04T05:35:49.521" v="1241" actId="20577"/>
-          <ac:spMkLst>
-            <pc:docMk/>
-            <pc:sldMk cId="2993794741" sldId="265"/>
-            <ac:spMk id="3" creationId="{B5924E0F-A977-1710-779D-EEB74261AF34}"/>
-          </ac:spMkLst>
-        </pc:spChg>
-      </pc:sldChg>
-      <pc:sldChg chg="modSp mod">
-        <pc:chgData name="Gibbons, Carl" userId="d2b037bc-8fb4-4222-845c-61440543a456" providerId="ADAL" clId="{6FB22382-79C8-4292-898E-4F4477C84372}" dt="2024-02-04T05:45:18.786" v="1941" actId="20577"/>
-        <pc:sldMkLst>
-          <pc:docMk/>
-          <pc:sldMk cId="1337022352" sldId="266"/>
-        </pc:sldMkLst>
-        <pc:spChg chg="mod">
-          <ac:chgData name="Gibbons, Carl" userId="d2b037bc-8fb4-4222-845c-61440543a456" providerId="ADAL" clId="{6FB22382-79C8-4292-898E-4F4477C84372}" dt="2024-02-04T05:36:29.682" v="1255" actId="20577"/>
-          <ac:spMkLst>
-            <pc:docMk/>
-            <pc:sldMk cId="1337022352" sldId="266"/>
-            <ac:spMk id="2" creationId="{31B75992-5098-A283-4925-2CCEBB801DC5}"/>
-          </ac:spMkLst>
-        </pc:spChg>
-        <pc:spChg chg="mod">
-          <ac:chgData name="Gibbons, Carl" userId="d2b037bc-8fb4-4222-845c-61440543a456" providerId="ADAL" clId="{6FB22382-79C8-4292-898E-4F4477C84372}" dt="2024-02-04T05:45:18.786" v="1941" actId="20577"/>
-          <ac:spMkLst>
-            <pc:docMk/>
-            <pc:sldMk cId="1337022352" sldId="266"/>
-            <ac:spMk id="3" creationId="{B5924E0F-A977-1710-779D-EEB74261AF34}"/>
-          </ac:spMkLst>
-        </pc:spChg>
-      </pc:sldChg>
-      <pc:sldChg chg="modSp add mod">
-        <pc:chgData name="Gibbons, Carl" userId="d2b037bc-8fb4-4222-845c-61440543a456" providerId="ADAL" clId="{6FB22382-79C8-4292-898E-4F4477C84372}" dt="2024-02-04T05:44:39.205" v="1897" actId="12"/>
-        <pc:sldMkLst>
-          <pc:docMk/>
-          <pc:sldMk cId="3576168196" sldId="267"/>
-        </pc:sldMkLst>
-        <pc:spChg chg="mod">
-          <ac:chgData name="Gibbons, Carl" userId="d2b037bc-8fb4-4222-845c-61440543a456" providerId="ADAL" clId="{6FB22382-79C8-4292-898E-4F4477C84372}" dt="2024-02-04T05:41:13.380" v="1714" actId="20577"/>
-          <ac:spMkLst>
-            <pc:docMk/>
-            <pc:sldMk cId="3576168196" sldId="267"/>
-            <ac:spMk id="2" creationId="{31B75992-5098-A283-4925-2CCEBB801DC5}"/>
-          </ac:spMkLst>
-        </pc:spChg>
-        <pc:spChg chg="mod">
-          <ac:chgData name="Gibbons, Carl" userId="d2b037bc-8fb4-4222-845c-61440543a456" providerId="ADAL" clId="{6FB22382-79C8-4292-898E-4F4477C84372}" dt="2024-02-04T05:44:39.205" v="1897" actId="12"/>
-          <ac:spMkLst>
-            <pc:docMk/>
-            <pc:sldMk cId="3576168196" sldId="267"/>
-            <ac:spMk id="3" creationId="{B5924E0F-A977-1710-779D-EEB74261AF34}"/>
-          </ac:spMkLst>
-        </pc:spChg>
-      </pc:sldChg>
-      <pc:sldChg chg="addSp modSp new mod">
-        <pc:chgData name="Gibbons, Carl" userId="d2b037bc-8fb4-4222-845c-61440543a456" providerId="ADAL" clId="{6FB22382-79C8-4292-898E-4F4477C84372}" dt="2024-02-04T06:11:39.022" v="4076" actId="20577"/>
-        <pc:sldMkLst>
-          <pc:docMk/>
-          <pc:sldMk cId="1066671753" sldId="268"/>
-        </pc:sldMkLst>
-        <pc:spChg chg="mod">
-          <ac:chgData name="Gibbons, Carl" userId="d2b037bc-8fb4-4222-845c-61440543a456" providerId="ADAL" clId="{6FB22382-79C8-4292-898E-4F4477C84372}" dt="2024-02-04T05:45:07.756" v="1926" actId="20577"/>
-          <ac:spMkLst>
-            <pc:docMk/>
-            <pc:sldMk cId="1066671753" sldId="268"/>
-            <ac:spMk id="2" creationId="{1697FD53-1B2D-FA1E-85ED-8261A111660A}"/>
-          </ac:spMkLst>
-        </pc:spChg>
-        <pc:spChg chg="add mod">
-          <ac:chgData name="Gibbons, Carl" userId="d2b037bc-8fb4-4222-845c-61440543a456" providerId="ADAL" clId="{6FB22382-79C8-4292-898E-4F4477C84372}" dt="2024-02-04T06:11:39.022" v="4076" actId="20577"/>
-          <ac:spMkLst>
-            <pc:docMk/>
-            <pc:sldMk cId="1066671753" sldId="268"/>
-            <ac:spMk id="3" creationId="{76A2A896-1BFA-0E85-4155-672FD7F5CC95}"/>
-          </ac:spMkLst>
-        </pc:spChg>
-      </pc:sldChg>
-      <pc:sldChg chg="modSp mod">
-        <pc:chgData name="Gibbons, Carl" userId="d2b037bc-8fb4-4222-845c-61440543a456" providerId="ADAL" clId="{6FB22382-79C8-4292-898E-4F4477C84372}" dt="2024-02-04T06:10:10.836" v="3893" actId="12"/>
-        <pc:sldMkLst>
-          <pc:docMk/>
-          <pc:sldMk cId="465083765" sldId="269"/>
-        </pc:sldMkLst>
-        <pc:spChg chg="mod">
-          <ac:chgData name="Gibbons, Carl" userId="d2b037bc-8fb4-4222-845c-61440543a456" providerId="ADAL" clId="{6FB22382-79C8-4292-898E-4F4477C84372}" dt="2024-02-04T06:09:43.021" v="3884" actId="20577"/>
-          <ac:spMkLst>
-            <pc:docMk/>
-            <pc:sldMk cId="465083765" sldId="269"/>
-            <ac:spMk id="2" creationId="{1697FD53-1B2D-FA1E-85ED-8261A111660A}"/>
-          </ac:spMkLst>
-        </pc:spChg>
-        <pc:spChg chg="mod">
-          <ac:chgData name="Gibbons, Carl" userId="d2b037bc-8fb4-4222-845c-61440543a456" providerId="ADAL" clId="{6FB22382-79C8-4292-898E-4F4477C84372}" dt="2024-02-04T06:10:10.836" v="3893" actId="12"/>
-          <ac:spMkLst>
-            <pc:docMk/>
-            <pc:sldMk cId="465083765" sldId="269"/>
-            <ac:spMk id="3" creationId="{76A2A896-1BFA-0E85-4155-672FD7F5CC95}"/>
-          </ac:spMkLst>
-        </pc:spChg>
-      </pc:sldChg>
-    </pc:docChg>
-  </pc:docChgLst>
-  <pc:docChgLst>
-    <pc:chgData name="Gibbons, Carl" userId="d2b037bc-8fb4-4222-845c-61440543a456" providerId="ADAL" clId="{4505F98C-4CC4-4983-9729-597D2A150C85}"/>
-    <pc:docChg chg="undo custSel addSld delSld modSld">
-      <pc:chgData name="Gibbons, Carl" userId="d2b037bc-8fb4-4222-845c-61440543a456" providerId="ADAL" clId="{4505F98C-4CC4-4983-9729-597D2A150C85}" dt="2023-12-29T02:21:47.448" v="17685" actId="20577"/>
-      <pc:docMkLst>
-        <pc:docMk/>
-      </pc:docMkLst>
-      <pc:sldChg chg="modSp mod">
-        <pc:chgData name="Gibbons, Carl" userId="d2b037bc-8fb4-4222-845c-61440543a456" providerId="ADAL" clId="{4505F98C-4CC4-4983-9729-597D2A150C85}" dt="2023-12-28T22:02:31.848" v="28" actId="20577"/>
-        <pc:sldMkLst>
-          <pc:docMk/>
-          <pc:sldMk cId="3308175748" sldId="256"/>
-        </pc:sldMkLst>
-        <pc:spChg chg="mod">
-          <ac:chgData name="Gibbons, Carl" userId="d2b037bc-8fb4-4222-845c-61440543a456" providerId="ADAL" clId="{4505F98C-4CC4-4983-9729-597D2A150C85}" dt="2023-12-28T22:02:31.848" v="28" actId="20577"/>
-          <ac:spMkLst>
-            <pc:docMk/>
-            <pc:sldMk cId="3308175748" sldId="256"/>
-            <ac:spMk id="3" creationId="{EEC4D41B-E776-05F2-BE0B-89BB339485AB}"/>
-          </ac:spMkLst>
-        </pc:spChg>
-      </pc:sldChg>
-      <pc:sldChg chg="modSp mod">
-        <pc:chgData name="Gibbons, Carl" userId="d2b037bc-8fb4-4222-845c-61440543a456" providerId="ADAL" clId="{4505F98C-4CC4-4983-9729-597D2A150C85}" dt="2023-12-28T22:45:53.299" v="4302" actId="20577"/>
-        <pc:sldMkLst>
-          <pc:docMk/>
-          <pc:sldMk cId="2312486803" sldId="261"/>
-        </pc:sldMkLst>
-        <pc:spChg chg="mod">
-          <ac:chgData name="Gibbons, Carl" userId="d2b037bc-8fb4-4222-845c-61440543a456" providerId="ADAL" clId="{4505F98C-4CC4-4983-9729-597D2A150C85}" dt="2023-12-28T22:02:40.492" v="50" actId="20577"/>
-          <ac:spMkLst>
-            <pc:docMk/>
-            <pc:sldMk cId="2312486803" sldId="261"/>
-            <ac:spMk id="2" creationId="{31B75992-5098-A283-4925-2CCEBB801DC5}"/>
-          </ac:spMkLst>
-        </pc:spChg>
-        <pc:spChg chg="mod">
-          <ac:chgData name="Gibbons, Carl" userId="d2b037bc-8fb4-4222-845c-61440543a456" providerId="ADAL" clId="{4505F98C-4CC4-4983-9729-597D2A150C85}" dt="2023-12-28T22:45:53.299" v="4302" actId="20577"/>
-          <ac:spMkLst>
-            <pc:docMk/>
-            <pc:sldMk cId="2312486803" sldId="261"/>
-            <ac:spMk id="3" creationId="{B5924E0F-A977-1710-779D-EEB74261AF34}"/>
-          </ac:spMkLst>
-        </pc:spChg>
-      </pc:sldChg>
-      <pc:sldChg chg="modSp mod">
-        <pc:chgData name="Gibbons, Carl" userId="d2b037bc-8fb4-4222-845c-61440543a456" providerId="ADAL" clId="{4505F98C-4CC4-4983-9729-597D2A150C85}" dt="2023-12-29T02:18:39.170" v="17623" actId="20577"/>
-        <pc:sldMkLst>
-          <pc:docMk/>
-          <pc:sldMk cId="657795359" sldId="277"/>
-        </pc:sldMkLst>
-        <pc:spChg chg="mod">
-          <ac:chgData name="Gibbons, Carl" userId="d2b037bc-8fb4-4222-845c-61440543a456" providerId="ADAL" clId="{4505F98C-4CC4-4983-9729-597D2A150C85}" dt="2023-12-29T02:18:39.170" v="17623" actId="20577"/>
-          <ac:spMkLst>
-            <pc:docMk/>
-            <pc:sldMk cId="657795359" sldId="277"/>
-            <ac:spMk id="3" creationId="{90179172-96B3-95D0-A137-257770BE7642}"/>
-          </ac:spMkLst>
-        </pc:spChg>
-      </pc:sldChg>
-      <pc:sldChg chg="modSp mod">
-        <pc:chgData name="Gibbons, Carl" userId="d2b037bc-8fb4-4222-845c-61440543a456" providerId="ADAL" clId="{4505F98C-4CC4-4983-9729-597D2A150C85}" dt="2023-12-29T02:21:47.448" v="17685" actId="20577"/>
-        <pc:sldMkLst>
-          <pc:docMk/>
-          <pc:sldMk cId="3989541258" sldId="278"/>
-        </pc:sldMkLst>
-        <pc:spChg chg="mod">
-          <ac:chgData name="Gibbons, Carl" userId="d2b037bc-8fb4-4222-845c-61440543a456" providerId="ADAL" clId="{4505F98C-4CC4-4983-9729-597D2A150C85}" dt="2023-12-28T22:23:56.363" v="2262" actId="20577"/>
-          <ac:spMkLst>
-            <pc:docMk/>
-            <pc:sldMk cId="3989541258" sldId="278"/>
-            <ac:spMk id="2" creationId="{31B75992-5098-A283-4925-2CCEBB801DC5}"/>
-          </ac:spMkLst>
-        </pc:spChg>
-        <pc:spChg chg="mod">
-          <ac:chgData name="Gibbons, Carl" userId="d2b037bc-8fb4-4222-845c-61440543a456" providerId="ADAL" clId="{4505F98C-4CC4-4983-9729-597D2A150C85}" dt="2023-12-29T02:21:47.448" v="17685" actId="20577"/>
-          <ac:spMkLst>
-            <pc:docMk/>
-            <pc:sldMk cId="3989541258" sldId="278"/>
-            <ac:spMk id="3" creationId="{B5924E0F-A977-1710-779D-EEB74261AF34}"/>
-          </ac:spMkLst>
-        </pc:spChg>
-      </pc:sldChg>
-      <pc:sldChg chg="modSp mod">
-        <pc:chgData name="Gibbons, Carl" userId="d2b037bc-8fb4-4222-845c-61440543a456" providerId="ADAL" clId="{4505F98C-4CC4-4983-9729-597D2A150C85}" dt="2023-12-29T00:21:55.646" v="8344" actId="20577"/>
-        <pc:sldMkLst>
-          <pc:docMk/>
-          <pc:sldMk cId="2335633195" sldId="279"/>
-        </pc:sldMkLst>
-        <pc:spChg chg="mod">
-          <ac:chgData name="Gibbons, Carl" userId="d2b037bc-8fb4-4222-845c-61440543a456" providerId="ADAL" clId="{4505F98C-4CC4-4983-9729-597D2A150C85}" dt="2023-12-29T00:21:55.646" v="8344" actId="20577"/>
-          <ac:spMkLst>
-            <pc:docMk/>
-            <pc:sldMk cId="2335633195" sldId="279"/>
-            <ac:spMk id="2" creationId="{31B75992-5098-A283-4925-2CCEBB801DC5}"/>
-          </ac:spMkLst>
-        </pc:spChg>
-        <pc:spChg chg="mod">
-          <ac:chgData name="Gibbons, Carl" userId="d2b037bc-8fb4-4222-845c-61440543a456" providerId="ADAL" clId="{4505F98C-4CC4-4983-9729-597D2A150C85}" dt="2023-12-28T22:56:22.080" v="4730" actId="20577"/>
-          <ac:spMkLst>
-            <pc:docMk/>
-            <pc:sldMk cId="2335633195" sldId="279"/>
-            <ac:spMk id="3" creationId="{B5924E0F-A977-1710-779D-EEB74261AF34}"/>
-          </ac:spMkLst>
-        </pc:spChg>
-      </pc:sldChg>
-      <pc:sldChg chg="modSp add mod">
-        <pc:chgData name="Gibbons, Carl" userId="d2b037bc-8fb4-4222-845c-61440543a456" providerId="ADAL" clId="{4505F98C-4CC4-4983-9729-597D2A150C85}" dt="2023-12-28T23:39:19.135" v="5592" actId="20577"/>
-        <pc:sldMkLst>
-          <pc:docMk/>
-          <pc:sldMk cId="1284534978" sldId="280"/>
-        </pc:sldMkLst>
-        <pc:spChg chg="mod">
-          <ac:chgData name="Gibbons, Carl" userId="d2b037bc-8fb4-4222-845c-61440543a456" providerId="ADAL" clId="{4505F98C-4CC4-4983-9729-597D2A150C85}" dt="2023-12-28T23:26:13.166" v="4743" actId="20577"/>
-          <ac:spMkLst>
-            <pc:docMk/>
-            <pc:sldMk cId="1284534978" sldId="280"/>
-            <ac:spMk id="2" creationId="{31B75992-5098-A283-4925-2CCEBB801DC5}"/>
-          </ac:spMkLst>
-        </pc:spChg>
-        <pc:spChg chg="mod">
-          <ac:chgData name="Gibbons, Carl" userId="d2b037bc-8fb4-4222-845c-61440543a456" providerId="ADAL" clId="{4505F98C-4CC4-4983-9729-597D2A150C85}" dt="2023-12-28T23:39:19.135" v="5592" actId="20577"/>
-          <ac:spMkLst>
-            <pc:docMk/>
-            <pc:sldMk cId="1284534978" sldId="280"/>
-            <ac:spMk id="3" creationId="{B5924E0F-A977-1710-779D-EEB74261AF34}"/>
-          </ac:spMkLst>
-        </pc:spChg>
-      </pc:sldChg>
-      <pc:sldChg chg="modSp mod">
-        <pc:chgData name="Gibbons, Carl" userId="d2b037bc-8fb4-4222-845c-61440543a456" providerId="ADAL" clId="{4505F98C-4CC4-4983-9729-597D2A150C85}" dt="2023-12-28T23:42:19.634" v="5967" actId="20577"/>
-        <pc:sldMkLst>
-          <pc:docMk/>
-          <pc:sldMk cId="1802585387" sldId="281"/>
-        </pc:sldMkLst>
-        <pc:spChg chg="mod">
-          <ac:chgData name="Gibbons, Carl" userId="d2b037bc-8fb4-4222-845c-61440543a456" providerId="ADAL" clId="{4505F98C-4CC4-4983-9729-597D2A150C85}" dt="2023-12-28T23:34:47.360" v="5351" actId="20577"/>
-          <ac:spMkLst>
-            <pc:docMk/>
-            <pc:sldMk cId="1802585387" sldId="281"/>
-            <ac:spMk id="2" creationId="{31B75992-5098-A283-4925-2CCEBB801DC5}"/>
-          </ac:spMkLst>
-        </pc:spChg>
-        <pc:spChg chg="mod">
-          <ac:chgData name="Gibbons, Carl" userId="d2b037bc-8fb4-4222-845c-61440543a456" providerId="ADAL" clId="{4505F98C-4CC4-4983-9729-597D2A150C85}" dt="2023-12-28T23:42:19.634" v="5967" actId="20577"/>
-          <ac:spMkLst>
-            <pc:docMk/>
-            <pc:sldMk cId="1802585387" sldId="281"/>
-            <ac:spMk id="3" creationId="{B5924E0F-A977-1710-779D-EEB74261AF34}"/>
-          </ac:spMkLst>
-        </pc:spChg>
-      </pc:sldChg>
-      <pc:sldChg chg="modSp mod">
-        <pc:chgData name="Gibbons, Carl" userId="d2b037bc-8fb4-4222-845c-61440543a456" providerId="ADAL" clId="{4505F98C-4CC4-4983-9729-597D2A150C85}" dt="2023-12-28T23:54:03.356" v="6623"/>
-        <pc:sldMkLst>
-          <pc:docMk/>
-          <pc:sldMk cId="724803187" sldId="282"/>
-        </pc:sldMkLst>
-        <pc:spChg chg="mod">
-          <ac:chgData name="Gibbons, Carl" userId="d2b037bc-8fb4-4222-845c-61440543a456" providerId="ADAL" clId="{4505F98C-4CC4-4983-9729-597D2A150C85}" dt="2023-12-28T23:39:52.399" v="5606" actId="20577"/>
-          <ac:spMkLst>
-            <pc:docMk/>
-            <pc:sldMk cId="724803187" sldId="282"/>
-            <ac:spMk id="2" creationId="{31B75992-5098-A283-4925-2CCEBB801DC5}"/>
-          </ac:spMkLst>
-        </pc:spChg>
-        <pc:spChg chg="mod">
-          <ac:chgData name="Gibbons, Carl" userId="d2b037bc-8fb4-4222-845c-61440543a456" providerId="ADAL" clId="{4505F98C-4CC4-4983-9729-597D2A150C85}" dt="2023-12-28T23:54:03.356" v="6623"/>
-          <ac:spMkLst>
-            <pc:docMk/>
-            <pc:sldMk cId="724803187" sldId="282"/>
-            <ac:spMk id="3" creationId="{B5924E0F-A977-1710-779D-EEB74261AF34}"/>
-          </ac:spMkLst>
-        </pc:spChg>
-      </pc:sldChg>
-      <pc:sldChg chg="modSp mod">
-        <pc:chgData name="Gibbons, Carl" userId="d2b037bc-8fb4-4222-845c-61440543a456" providerId="ADAL" clId="{4505F98C-4CC4-4983-9729-597D2A150C85}" dt="2023-12-29T02:19:53.158" v="17637" actId="20577"/>
-        <pc:sldMkLst>
-          <pc:docMk/>
-          <pc:sldMk cId="1926009205" sldId="283"/>
-        </pc:sldMkLst>
-        <pc:spChg chg="mod">
-          <ac:chgData name="Gibbons, Carl" userId="d2b037bc-8fb4-4222-845c-61440543a456" providerId="ADAL" clId="{4505F98C-4CC4-4983-9729-597D2A150C85}" dt="2023-12-29T00:22:07.704" v="8354" actId="20577"/>
-          <ac:spMkLst>
-            <pc:docMk/>
-            <pc:sldMk cId="1926009205" sldId="283"/>
-            <ac:spMk id="2" creationId="{31B75992-5098-A283-4925-2CCEBB801DC5}"/>
-          </ac:spMkLst>
-        </pc:spChg>
-        <pc:spChg chg="mod">
-          <ac:chgData name="Gibbons, Carl" userId="d2b037bc-8fb4-4222-845c-61440543a456" providerId="ADAL" clId="{4505F98C-4CC4-4983-9729-597D2A150C85}" dt="2023-12-29T02:19:53.158" v="17637" actId="20577"/>
-          <ac:spMkLst>
-            <pc:docMk/>
-            <pc:sldMk cId="1926009205" sldId="283"/>
-            <ac:spMk id="3" creationId="{B5924E0F-A977-1710-779D-EEB74261AF34}"/>
-          </ac:spMkLst>
-        </pc:spChg>
-      </pc:sldChg>
-      <pc:sldChg chg="del">
-        <pc:chgData name="Gibbons, Carl" userId="d2b037bc-8fb4-4222-845c-61440543a456" providerId="ADAL" clId="{4505F98C-4CC4-4983-9729-597D2A150C85}" dt="2023-12-28T22:17:09.732" v="1699" actId="47"/>
-        <pc:sldMkLst>
-          <pc:docMk/>
-          <pc:sldMk cId="2959024232" sldId="283"/>
-        </pc:sldMkLst>
-      </pc:sldChg>
-      <pc:sldChg chg="modSp mod">
-        <pc:chgData name="Gibbons, Carl" userId="d2b037bc-8fb4-4222-845c-61440543a456" providerId="ADAL" clId="{4505F98C-4CC4-4983-9729-597D2A150C85}" dt="2023-12-29T00:22:15.499" v="8364" actId="20577"/>
-        <pc:sldMkLst>
-          <pc:docMk/>
-          <pc:sldMk cId="2366216895" sldId="284"/>
-        </pc:sldMkLst>
-        <pc:spChg chg="mod">
-          <ac:chgData name="Gibbons, Carl" userId="d2b037bc-8fb4-4222-845c-61440543a456" providerId="ADAL" clId="{4505F98C-4CC4-4983-9729-597D2A150C85}" dt="2023-12-29T00:22:15.499" v="8364" actId="20577"/>
-          <ac:spMkLst>
-            <pc:docMk/>
-            <pc:sldMk cId="2366216895" sldId="284"/>
-            <ac:spMk id="2" creationId="{31B75992-5098-A283-4925-2CCEBB801DC5}"/>
-          </ac:spMkLst>
-        </pc:spChg>
-        <pc:spChg chg="mod">
-          <ac:chgData name="Gibbons, Carl" userId="d2b037bc-8fb4-4222-845c-61440543a456" providerId="ADAL" clId="{4505F98C-4CC4-4983-9729-597D2A150C85}" dt="2023-12-29T00:20:51.612" v="8260" actId="20577"/>
-          <ac:spMkLst>
-            <pc:docMk/>
-            <pc:sldMk cId="2366216895" sldId="284"/>
-            <ac:spMk id="3" creationId="{B5924E0F-A977-1710-779D-EEB74261AF34}"/>
-          </ac:spMkLst>
-        </pc:spChg>
-      </pc:sldChg>
-      <pc:sldChg chg="del">
-        <pc:chgData name="Gibbons, Carl" userId="d2b037bc-8fb4-4222-845c-61440543a456" providerId="ADAL" clId="{4505F98C-4CC4-4983-9729-597D2A150C85}" dt="2023-12-28T22:17:08.965" v="1698" actId="47"/>
-        <pc:sldMkLst>
-          <pc:docMk/>
-          <pc:sldMk cId="3114675387" sldId="284"/>
-        </pc:sldMkLst>
-      </pc:sldChg>
-      <pc:sldChg chg="del">
-        <pc:chgData name="Gibbons, Carl" userId="d2b037bc-8fb4-4222-845c-61440543a456" providerId="ADAL" clId="{4505F98C-4CC4-4983-9729-597D2A150C85}" dt="2023-12-28T22:17:08.106" v="1697" actId="47"/>
-        <pc:sldMkLst>
-          <pc:docMk/>
-          <pc:sldMk cId="1243134729" sldId="285"/>
-        </pc:sldMkLst>
-      </pc:sldChg>
-      <pc:sldChg chg="modSp mod">
-        <pc:chgData name="Gibbons, Carl" userId="d2b037bc-8fb4-4222-845c-61440543a456" providerId="ADAL" clId="{4505F98C-4CC4-4983-9729-597D2A150C85}" dt="2023-12-29T01:14:23.500" v="12327" actId="20577"/>
-        <pc:sldMkLst>
-          <pc:docMk/>
-          <pc:sldMk cId="3371896289" sldId="285"/>
-        </pc:sldMkLst>
-        <pc:spChg chg="mod">
-          <ac:chgData name="Gibbons, Carl" userId="d2b037bc-8fb4-4222-845c-61440543a456" providerId="ADAL" clId="{4505F98C-4CC4-4983-9729-597D2A150C85}" dt="2023-12-29T00:22:25.432" v="8374" actId="20577"/>
-          <ac:spMkLst>
-            <pc:docMk/>
-            <pc:sldMk cId="3371896289" sldId="285"/>
-            <ac:spMk id="2" creationId="{31B75992-5098-A283-4925-2CCEBB801DC5}"/>
-          </ac:spMkLst>
-        </pc:spChg>
-        <pc:spChg chg="mod">
-          <ac:chgData name="Gibbons, Carl" userId="d2b037bc-8fb4-4222-845c-61440543a456" providerId="ADAL" clId="{4505F98C-4CC4-4983-9729-597D2A150C85}" dt="2023-12-29T01:14:23.500" v="12327" actId="20577"/>
-          <ac:spMkLst>
-            <pc:docMk/>
-            <pc:sldMk cId="3371896289" sldId="285"/>
-            <ac:spMk id="3" creationId="{B5924E0F-A977-1710-779D-EEB74261AF34}"/>
-          </ac:spMkLst>
-        </pc:spChg>
-      </pc:sldChg>
-      <pc:sldChg chg="add del">
-        <pc:chgData name="Gibbons, Carl" userId="d2b037bc-8fb4-4222-845c-61440543a456" providerId="ADAL" clId="{4505F98C-4CC4-4983-9729-597D2A150C85}" dt="2023-12-29T00:13:59.438" v="7954" actId="2696"/>
-        <pc:sldMkLst>
-          <pc:docMk/>
-          <pc:sldMk cId="3635199420" sldId="285"/>
-        </pc:sldMkLst>
-      </pc:sldChg>
-      <pc:sldChg chg="del">
-        <pc:chgData name="Gibbons, Carl" userId="d2b037bc-8fb4-4222-845c-61440543a456" providerId="ADAL" clId="{4505F98C-4CC4-4983-9729-597D2A150C85}" dt="2023-12-28T22:17:10.620" v="1700" actId="47"/>
-        <pc:sldMkLst>
-          <pc:docMk/>
-          <pc:sldMk cId="954591853" sldId="286"/>
-        </pc:sldMkLst>
-      </pc:sldChg>
-      <pc:sldChg chg="modSp mod">
-        <pc:chgData name="Gibbons, Carl" userId="d2b037bc-8fb4-4222-845c-61440543a456" providerId="ADAL" clId="{4505F98C-4CC4-4983-9729-597D2A150C85}" dt="2023-12-29T01:14:14.317" v="12318" actId="20577"/>
-        <pc:sldMkLst>
-          <pc:docMk/>
-          <pc:sldMk cId="3193160409" sldId="286"/>
-        </pc:sldMkLst>
-        <pc:spChg chg="mod">
-          <ac:chgData name="Gibbons, Carl" userId="d2b037bc-8fb4-4222-845c-61440543a456" providerId="ADAL" clId="{4505F98C-4CC4-4983-9729-597D2A150C85}" dt="2023-12-29T00:33:44.511" v="9517" actId="20577"/>
-          <ac:spMkLst>
-            <pc:docMk/>
-            <pc:sldMk cId="3193160409" sldId="286"/>
-            <ac:spMk id="2" creationId="{31B75992-5098-A283-4925-2CCEBB801DC5}"/>
-          </ac:spMkLst>
-        </pc:spChg>
-        <pc:spChg chg="mod">
-          <ac:chgData name="Gibbons, Carl" userId="d2b037bc-8fb4-4222-845c-61440543a456" providerId="ADAL" clId="{4505F98C-4CC4-4983-9729-597D2A150C85}" dt="2023-12-29T01:14:14.317" v="12318" actId="20577"/>
-          <ac:spMkLst>
-            <pc:docMk/>
-            <pc:sldMk cId="3193160409" sldId="286"/>
-            <ac:spMk id="3" creationId="{B5924E0F-A977-1710-779D-EEB74261AF34}"/>
-          </ac:spMkLst>
-        </pc:spChg>
-      </pc:sldChg>
-      <pc:sldChg chg="del">
-        <pc:chgData name="Gibbons, Carl" userId="d2b037bc-8fb4-4222-845c-61440543a456" providerId="ADAL" clId="{4505F98C-4CC4-4983-9729-597D2A150C85}" dt="2023-12-28T22:17:12.413" v="1702" actId="47"/>
-        <pc:sldMkLst>
-          <pc:docMk/>
-          <pc:sldMk cId="2614091779" sldId="287"/>
-        </pc:sldMkLst>
-      </pc:sldChg>
-      <pc:sldChg chg="modSp mod">
-        <pc:chgData name="Gibbons, Carl" userId="d2b037bc-8fb4-4222-845c-61440543a456" providerId="ADAL" clId="{4505F98C-4CC4-4983-9729-597D2A150C85}" dt="2023-12-29T02:19:05.385" v="17624"/>
-        <pc:sldMkLst>
-          <pc:docMk/>
-          <pc:sldMk cId="2688338374" sldId="287"/>
-        </pc:sldMkLst>
-        <pc:spChg chg="mod">
-          <ac:chgData name="Gibbons, Carl" userId="d2b037bc-8fb4-4222-845c-61440543a456" providerId="ADAL" clId="{4505F98C-4CC4-4983-9729-597D2A150C85}" dt="2023-12-29T00:41:11.438" v="10364" actId="20577"/>
-          <ac:spMkLst>
-            <pc:docMk/>
-            <pc:sldMk cId="2688338374" sldId="287"/>
-            <ac:spMk id="2" creationId="{31B75992-5098-A283-4925-2CCEBB801DC5}"/>
-          </ac:spMkLst>
-        </pc:spChg>
-        <pc:spChg chg="mod">
-          <ac:chgData name="Gibbons, Carl" userId="d2b037bc-8fb4-4222-845c-61440543a456" providerId="ADAL" clId="{4505F98C-4CC4-4983-9729-597D2A150C85}" dt="2023-12-29T02:19:05.385" v="17624"/>
-          <ac:spMkLst>
-            <pc:docMk/>
-            <pc:sldMk cId="2688338374" sldId="287"/>
-            <ac:spMk id="3" creationId="{B5924E0F-A977-1710-779D-EEB74261AF34}"/>
-          </ac:spMkLst>
-        </pc:spChg>
-      </pc:sldChg>
-      <pc:sldChg chg="del">
-        <pc:chgData name="Gibbons, Carl" userId="d2b037bc-8fb4-4222-845c-61440543a456" providerId="ADAL" clId="{4505F98C-4CC4-4983-9729-597D2A150C85}" dt="2023-12-28T22:17:11.407" v="1701" actId="47"/>
-        <pc:sldMkLst>
-          <pc:docMk/>
-          <pc:sldMk cId="1341659426" sldId="288"/>
-        </pc:sldMkLst>
-      </pc:sldChg>
-      <pc:sldChg chg="modSp add mod">
-        <pc:chgData name="Gibbons, Carl" userId="d2b037bc-8fb4-4222-845c-61440543a456" providerId="ADAL" clId="{4505F98C-4CC4-4983-9729-597D2A150C85}" dt="2023-12-29T01:45:37.293" v="15006"/>
-        <pc:sldMkLst>
-          <pc:docMk/>
-          <pc:sldMk cId="2142935017" sldId="288"/>
-        </pc:sldMkLst>
-        <pc:spChg chg="mod">
-          <ac:chgData name="Gibbons, Carl" userId="d2b037bc-8fb4-4222-845c-61440543a456" providerId="ADAL" clId="{4505F98C-4CC4-4983-9729-597D2A150C85}" dt="2023-12-29T01:16:27.501" v="12383" actId="20577"/>
-          <ac:spMkLst>
-            <pc:docMk/>
-            <pc:sldMk cId="2142935017" sldId="288"/>
-            <ac:spMk id="2" creationId="{31B75992-5098-A283-4925-2CCEBB801DC5}"/>
-          </ac:spMkLst>
-        </pc:spChg>
-        <pc:spChg chg="mod">
-          <ac:chgData name="Gibbons, Carl" userId="d2b037bc-8fb4-4222-845c-61440543a456" providerId="ADAL" clId="{4505F98C-4CC4-4983-9729-597D2A150C85}" dt="2023-12-29T01:45:37.293" v="15006"/>
-          <ac:spMkLst>
-            <pc:docMk/>
-            <pc:sldMk cId="2142935017" sldId="288"/>
-            <ac:spMk id="3" creationId="{B5924E0F-A977-1710-779D-EEB74261AF34}"/>
-          </ac:spMkLst>
-        </pc:spChg>
-      </pc:sldChg>
-      <pc:sldChg chg="modSp mod">
-        <pc:chgData name="Gibbons, Carl" userId="d2b037bc-8fb4-4222-845c-61440543a456" providerId="ADAL" clId="{4505F98C-4CC4-4983-9729-597D2A150C85}" dt="2023-12-29T01:50:54.342" v="15124" actId="20577"/>
-        <pc:sldMkLst>
-          <pc:docMk/>
-          <pc:sldMk cId="2784625941" sldId="289"/>
-        </pc:sldMkLst>
-        <pc:spChg chg="mod">
-          <ac:chgData name="Gibbons, Carl" userId="d2b037bc-8fb4-4222-845c-61440543a456" providerId="ADAL" clId="{4505F98C-4CC4-4983-9729-597D2A150C85}" dt="2023-12-29T01:23:40.688" v="13177" actId="20577"/>
-          <ac:spMkLst>
-            <pc:docMk/>
-            <pc:sldMk cId="2784625941" sldId="289"/>
-            <ac:spMk id="2" creationId="{31B75992-5098-A283-4925-2CCEBB801DC5}"/>
-          </ac:spMkLst>
-        </pc:spChg>
-        <pc:spChg chg="mod">
-          <ac:chgData name="Gibbons, Carl" userId="d2b037bc-8fb4-4222-845c-61440543a456" providerId="ADAL" clId="{4505F98C-4CC4-4983-9729-597D2A150C85}" dt="2023-12-29T01:50:54.342" v="15124" actId="20577"/>
-          <ac:spMkLst>
-            <pc:docMk/>
-            <pc:sldMk cId="2784625941" sldId="289"/>
-            <ac:spMk id="3" creationId="{B5924E0F-A977-1710-779D-EEB74261AF34}"/>
-          </ac:spMkLst>
-        </pc:spChg>
-      </pc:sldChg>
-      <pc:sldChg chg="del">
-        <pc:chgData name="Gibbons, Carl" userId="d2b037bc-8fb4-4222-845c-61440543a456" providerId="ADAL" clId="{4505F98C-4CC4-4983-9729-597D2A150C85}" dt="2023-12-28T22:17:05.773" v="1696" actId="47"/>
-        <pc:sldMkLst>
-          <pc:docMk/>
-          <pc:sldMk cId="2966054478" sldId="289"/>
-        </pc:sldMkLst>
-      </pc:sldChg>
-      <pc:sldChg chg="del">
-        <pc:chgData name="Gibbons, Carl" userId="d2b037bc-8fb4-4222-845c-61440543a456" providerId="ADAL" clId="{4505F98C-4CC4-4983-9729-597D2A150C85}" dt="2023-12-28T22:17:13.315" v="1703" actId="47"/>
-        <pc:sldMkLst>
-          <pc:docMk/>
-          <pc:sldMk cId="1014272238" sldId="290"/>
-        </pc:sldMkLst>
-      </pc:sldChg>
-      <pc:sldChg chg="modSp add mod">
-        <pc:chgData name="Gibbons, Carl" userId="d2b037bc-8fb4-4222-845c-61440543a456" providerId="ADAL" clId="{4505F98C-4CC4-4983-9729-597D2A150C85}" dt="2023-12-29T01:50:36.539" v="15123" actId="20577"/>
-        <pc:sldMkLst>
-          <pc:docMk/>
-          <pc:sldMk cId="1677974689" sldId="290"/>
-        </pc:sldMkLst>
-        <pc:spChg chg="mod">
-          <ac:chgData name="Gibbons, Carl" userId="d2b037bc-8fb4-4222-845c-61440543a456" providerId="ADAL" clId="{4505F98C-4CC4-4983-9729-597D2A150C85}" dt="2023-12-29T01:37:36.931" v="14365" actId="20577"/>
-          <ac:spMkLst>
-            <pc:docMk/>
-            <pc:sldMk cId="1677974689" sldId="290"/>
-            <ac:spMk id="2" creationId="{31B75992-5098-A283-4925-2CCEBB801DC5}"/>
-          </ac:spMkLst>
-        </pc:spChg>
-        <pc:spChg chg="mod">
-          <ac:chgData name="Gibbons, Carl" userId="d2b037bc-8fb4-4222-845c-61440543a456" providerId="ADAL" clId="{4505F98C-4CC4-4983-9729-597D2A150C85}" dt="2023-12-29T01:50:36.539" v="15123" actId="20577"/>
-          <ac:spMkLst>
-            <pc:docMk/>
-            <pc:sldMk cId="1677974689" sldId="290"/>
-            <ac:spMk id="3" creationId="{B5924E0F-A977-1710-779D-EEB74261AF34}"/>
-          </ac:spMkLst>
-        </pc:spChg>
-      </pc:sldChg>
-      <pc:sldChg chg="del">
-        <pc:chgData name="Gibbons, Carl" userId="d2b037bc-8fb4-4222-845c-61440543a456" providerId="ADAL" clId="{4505F98C-4CC4-4983-9729-597D2A150C85}" dt="2023-12-28T22:17:05.079" v="1695" actId="47"/>
-        <pc:sldMkLst>
-          <pc:docMk/>
-          <pc:sldMk cId="3689580349" sldId="291"/>
-        </pc:sldMkLst>
-      </pc:sldChg>
-      <pc:sldChg chg="modSp add mod">
-        <pc:chgData name="Gibbons, Carl" userId="d2b037bc-8fb4-4222-845c-61440543a456" providerId="ADAL" clId="{4505F98C-4CC4-4983-9729-597D2A150C85}" dt="2023-12-29T02:03:57.372" v="16335" actId="20577"/>
-        <pc:sldMkLst>
-          <pc:docMk/>
-          <pc:sldMk cId="4219326696" sldId="291"/>
-        </pc:sldMkLst>
-        <pc:spChg chg="mod">
-          <ac:chgData name="Gibbons, Carl" userId="d2b037bc-8fb4-4222-845c-61440543a456" providerId="ADAL" clId="{4505F98C-4CC4-4983-9729-597D2A150C85}" dt="2023-12-29T01:51:52.820" v="15161" actId="20577"/>
-          <ac:spMkLst>
-            <pc:docMk/>
-            <pc:sldMk cId="4219326696" sldId="291"/>
-            <ac:spMk id="2" creationId="{31B75992-5098-A283-4925-2CCEBB801DC5}"/>
-          </ac:spMkLst>
-        </pc:spChg>
-        <pc:spChg chg="mod">
-          <ac:chgData name="Gibbons, Carl" userId="d2b037bc-8fb4-4222-845c-61440543a456" providerId="ADAL" clId="{4505F98C-4CC4-4983-9729-597D2A150C85}" dt="2023-12-29T02:03:57.372" v="16335" actId="20577"/>
-          <ac:spMkLst>
-            <pc:docMk/>
-            <pc:sldMk cId="4219326696" sldId="291"/>
-            <ac:spMk id="3" creationId="{B5924E0F-A977-1710-779D-EEB74261AF34}"/>
-          </ac:spMkLst>
-        </pc:spChg>
-      </pc:sldChg>
-      <pc:sldChg chg="modSp add mod">
-        <pc:chgData name="Gibbons, Carl" userId="d2b037bc-8fb4-4222-845c-61440543a456" providerId="ADAL" clId="{4505F98C-4CC4-4983-9729-597D2A150C85}" dt="2023-12-29T02:16:48.887" v="17543" actId="20577"/>
-        <pc:sldMkLst>
-          <pc:docMk/>
-          <pc:sldMk cId="33911121" sldId="292"/>
-        </pc:sldMkLst>
-        <pc:spChg chg="mod">
-          <ac:chgData name="Gibbons, Carl" userId="d2b037bc-8fb4-4222-845c-61440543a456" providerId="ADAL" clId="{4505F98C-4CC4-4983-9729-597D2A150C85}" dt="2023-12-29T02:06:26.879" v="16405" actId="20577"/>
-          <ac:spMkLst>
-            <pc:docMk/>
-            <pc:sldMk cId="33911121" sldId="292"/>
-            <ac:spMk id="2" creationId="{1862E903-3C56-BB42-2361-009F2336475A}"/>
-          </ac:spMkLst>
-        </pc:spChg>
-        <pc:spChg chg="mod">
-          <ac:chgData name="Gibbons, Carl" userId="d2b037bc-8fb4-4222-845c-61440543a456" providerId="ADAL" clId="{4505F98C-4CC4-4983-9729-597D2A150C85}" dt="2023-12-29T02:16:48.887" v="17543" actId="20577"/>
-          <ac:spMkLst>
-            <pc:docMk/>
-            <pc:sldMk cId="33911121" sldId="292"/>
-            <ac:spMk id="3" creationId="{90179172-96B3-95D0-A137-257770BE7642}"/>
-          </ac:spMkLst>
-        </pc:spChg>
-      </pc:sldChg>
-      <pc:sldChg chg="del">
-        <pc:chgData name="Gibbons, Carl" userId="d2b037bc-8fb4-4222-845c-61440543a456" providerId="ADAL" clId="{4505F98C-4CC4-4983-9729-597D2A150C85}" dt="2023-12-28T22:17:14.720" v="1704" actId="47"/>
-        <pc:sldMkLst>
-          <pc:docMk/>
-          <pc:sldMk cId="2738411615" sldId="292"/>
-        </pc:sldMkLst>
-      </pc:sldChg>
-      <pc:sldChg chg="del">
-        <pc:chgData name="Gibbons, Carl" userId="d2b037bc-8fb4-4222-845c-61440543a456" providerId="ADAL" clId="{4505F98C-4CC4-4983-9729-597D2A150C85}" dt="2023-12-28T22:17:04.103" v="1694" actId="47"/>
-        <pc:sldMkLst>
-          <pc:docMk/>
-          <pc:sldMk cId="852415543" sldId="293"/>
-        </pc:sldMkLst>
-      </pc:sldChg>
-    </pc:docChg>
-  </pc:docChgLst>
-  <pc:docChgLst>
-    <pc:chgData name="Gibbons, Carl" userId="d2b037bc-8fb4-4222-845c-61440543a456" providerId="ADAL" clId="{6BB3E98D-F381-4EFF-81EB-11D831A89BCC}"/>
-    <pc:docChg chg="undo redo custSel addSld modSld">
-      <pc:chgData name="Gibbons, Carl" userId="d2b037bc-8fb4-4222-845c-61440543a456" providerId="ADAL" clId="{6BB3E98D-F381-4EFF-81EB-11D831A89BCC}" dt="2024-02-20T18:56:54.558" v="3667" actId="20577"/>
-      <pc:docMkLst>
-        <pc:docMk/>
-      </pc:docMkLst>
-      <pc:sldChg chg="modSp mod">
-        <pc:chgData name="Gibbons, Carl" userId="d2b037bc-8fb4-4222-845c-61440543a456" providerId="ADAL" clId="{6BB3E98D-F381-4EFF-81EB-11D831A89BCC}" dt="2024-02-20T18:19:38.071" v="41" actId="20577"/>
-        <pc:sldMkLst>
-          <pc:docMk/>
-          <pc:sldMk cId="3308175748" sldId="256"/>
-        </pc:sldMkLst>
-        <pc:spChg chg="mod">
-          <ac:chgData name="Gibbons, Carl" userId="d2b037bc-8fb4-4222-845c-61440543a456" providerId="ADAL" clId="{6BB3E98D-F381-4EFF-81EB-11D831A89BCC}" dt="2024-02-20T18:19:38.071" v="41" actId="20577"/>
-          <ac:spMkLst>
-            <pc:docMk/>
-            <pc:sldMk cId="3308175748" sldId="256"/>
-            <ac:spMk id="3" creationId="{EEC4D41B-E776-05F2-BE0B-89BB339485AB}"/>
-          </ac:spMkLst>
-        </pc:spChg>
-      </pc:sldChg>
-      <pc:sldChg chg="modSp mod">
-        <pc:chgData name="Gibbons, Carl" userId="d2b037bc-8fb4-4222-845c-61440543a456" providerId="ADAL" clId="{6BB3E98D-F381-4EFF-81EB-11D831A89BCC}" dt="2024-02-20T18:56:54.558" v="3667" actId="20577"/>
-        <pc:sldMkLst>
-          <pc:docMk/>
-          <pc:sldMk cId="3885141102" sldId="262"/>
-        </pc:sldMkLst>
-        <pc:spChg chg="mod">
-          <ac:chgData name="Gibbons, Carl" userId="d2b037bc-8fb4-4222-845c-61440543a456" providerId="ADAL" clId="{6BB3E98D-F381-4EFF-81EB-11D831A89BCC}" dt="2024-02-20T18:56:54.558" v="3667" actId="20577"/>
-          <ac:spMkLst>
-            <pc:docMk/>
-            <pc:sldMk cId="3885141102" sldId="262"/>
-            <ac:spMk id="3" creationId="{B5924E0F-A977-1710-779D-EEB74261AF34}"/>
-          </ac:spMkLst>
-        </pc:spChg>
-      </pc:sldChg>
-      <pc:sldChg chg="modSp mod">
-        <pc:chgData name="Gibbons, Carl" userId="d2b037bc-8fb4-4222-845c-61440543a456" providerId="ADAL" clId="{6BB3E98D-F381-4EFF-81EB-11D831A89BCC}" dt="2024-02-20T18:31:47.994" v="1288" actId="20577"/>
-        <pc:sldMkLst>
-          <pc:docMk/>
-          <pc:sldMk cId="1196559129" sldId="264"/>
-        </pc:sldMkLst>
-        <pc:spChg chg="mod">
-          <ac:chgData name="Gibbons, Carl" userId="d2b037bc-8fb4-4222-845c-61440543a456" providerId="ADAL" clId="{6BB3E98D-F381-4EFF-81EB-11D831A89BCC}" dt="2024-02-20T18:24:05.868" v="485" actId="20577"/>
-          <ac:spMkLst>
-            <pc:docMk/>
-            <pc:sldMk cId="1196559129" sldId="264"/>
-            <ac:spMk id="2" creationId="{0E6A2DEF-4501-FAEA-A31C-4FDCBD076712}"/>
-          </ac:spMkLst>
-        </pc:spChg>
-        <pc:spChg chg="mod">
-          <ac:chgData name="Gibbons, Carl" userId="d2b037bc-8fb4-4222-845c-61440543a456" providerId="ADAL" clId="{6BB3E98D-F381-4EFF-81EB-11D831A89BCC}" dt="2024-02-20T18:31:47.994" v="1288" actId="20577"/>
-          <ac:spMkLst>
-            <pc:docMk/>
-            <pc:sldMk cId="1196559129" sldId="264"/>
+            <pc:sldMk cId="885063229" sldId="270"/>
             <ac:spMk id="7" creationId="{4247D23F-F3F9-676F-BDEB-E69E1F0AB32C}"/>
           </ac:spMkLst>
         </pc:spChg>
       </pc:sldChg>
       <pc:sldChg chg="modSp mod">
-        <pc:chgData name="Gibbons, Carl" userId="d2b037bc-8fb4-4222-845c-61440543a456" providerId="ADAL" clId="{6BB3E98D-F381-4EFF-81EB-11D831A89BCC}" dt="2024-02-20T18:43:59.847" v="2393" actId="1076"/>
+        <pc:chgData name="Talbert, Matthew" userId="877a4118-3f16-4ac9-a72c-5dd2c7b28c85" providerId="ADAL" clId="{6D714EC8-FEBA-47AF-9B9B-F0C8F81011C5}" dt="2024-11-21T22:06:57.474" v="399" actId="12788"/>
         <pc:sldMkLst>
           <pc:docMk/>
-          <pc:sldMk cId="1400208519" sldId="265"/>
+          <pc:sldMk cId="3170433335" sldId="271"/>
         </pc:sldMkLst>
         <pc:spChg chg="mod">
-          <ac:chgData name="Gibbons, Carl" userId="d2b037bc-8fb4-4222-845c-61440543a456" providerId="ADAL" clId="{6BB3E98D-F381-4EFF-81EB-11D831A89BCC}" dt="2024-02-20T18:43:25.492" v="2389" actId="20577"/>
+          <ac:chgData name="Talbert, Matthew" userId="877a4118-3f16-4ac9-a72c-5dd2c7b28c85" providerId="ADAL" clId="{6D714EC8-FEBA-47AF-9B9B-F0C8F81011C5}" dt="2024-11-21T22:06:57.474" v="399" actId="12788"/>
           <ac:spMkLst>
             <pc:docMk/>
-            <pc:sldMk cId="1400208519" sldId="265"/>
-            <ac:spMk id="2" creationId="{832B45BA-6309-D8F6-D552-10D836B4EB21}"/>
+            <pc:sldMk cId="3170433335" sldId="271"/>
+            <ac:spMk id="2" creationId="{0E6A2DEF-4501-FAEA-A31C-4FDCBD076712}"/>
           </ac:spMkLst>
         </pc:spChg>
         <pc:spChg chg="mod">
-          <ac:chgData name="Gibbons, Carl" userId="d2b037bc-8fb4-4222-845c-61440543a456" providerId="ADAL" clId="{6BB3E98D-F381-4EFF-81EB-11D831A89BCC}" dt="2024-02-20T18:43:59.847" v="2393" actId="1076"/>
+          <ac:chgData name="Talbert, Matthew" userId="877a4118-3f16-4ac9-a72c-5dd2c7b28c85" providerId="ADAL" clId="{6D714EC8-FEBA-47AF-9B9B-F0C8F81011C5}" dt="2024-11-21T22:06:57.474" v="399" actId="12788"/>
           <ac:spMkLst>
             <pc:docMk/>
-            <pc:sldMk cId="1400208519" sldId="265"/>
-            <ac:spMk id="7" creationId="{3CE889EF-4605-DB73-C7B2-D7E3C4957F48}"/>
-          </ac:spMkLst>
-        </pc:spChg>
-      </pc:sldChg>
-      <pc:sldChg chg="modSp add mod">
-        <pc:chgData name="Gibbons, Carl" userId="d2b037bc-8fb4-4222-845c-61440543a456" providerId="ADAL" clId="{6BB3E98D-F381-4EFF-81EB-11D831A89BCC}" dt="2024-02-20T18:54:58.017" v="3521" actId="20577"/>
-        <pc:sldMkLst>
-          <pc:docMk/>
-          <pc:sldMk cId="1467586035" sldId="266"/>
-        </pc:sldMkLst>
-        <pc:spChg chg="mod">
-          <ac:chgData name="Gibbons, Carl" userId="d2b037bc-8fb4-4222-845c-61440543a456" providerId="ADAL" clId="{6BB3E98D-F381-4EFF-81EB-11D831A89BCC}" dt="2024-02-20T18:49:47.829" v="3239" actId="20577"/>
-          <ac:spMkLst>
-            <pc:docMk/>
-            <pc:sldMk cId="1467586035" sldId="266"/>
-            <ac:spMk id="2" creationId="{F5533765-AE4D-3586-BFF0-C73FF51C6B9B}"/>
-          </ac:spMkLst>
-        </pc:spChg>
-        <pc:spChg chg="mod">
-          <ac:chgData name="Gibbons, Carl" userId="d2b037bc-8fb4-4222-845c-61440543a456" providerId="ADAL" clId="{6BB3E98D-F381-4EFF-81EB-11D831A89BCC}" dt="2024-02-20T18:54:58.017" v="3521" actId="20577"/>
-          <ac:spMkLst>
-            <pc:docMk/>
-            <pc:sldMk cId="1467586035" sldId="266"/>
-            <ac:spMk id="7" creationId="{56F98B9D-53CB-0D01-51DD-F6B452AAB6C5}"/>
-          </ac:spMkLst>
-        </pc:spChg>
-      </pc:sldChg>
-    </pc:docChg>
-  </pc:docChgLst>
-  <pc:docChgLst>
-    <pc:chgData name="Gibbons, Carl" userId="d2b037bc-8fb4-4222-845c-61440543a456" providerId="ADAL" clId="{8B117223-2596-4D61-9C62-CC9BD4B9A421}"/>
-    <pc:docChg chg="custSel addSld delSld modSld">
-      <pc:chgData name="Gibbons, Carl" userId="d2b037bc-8fb4-4222-845c-61440543a456" providerId="ADAL" clId="{8B117223-2596-4D61-9C62-CC9BD4B9A421}" dt="2024-01-24T22:00:55.310" v="2286" actId="20577"/>
-      <pc:docMkLst>
-        <pc:docMk/>
-      </pc:docMkLst>
-      <pc:sldChg chg="modSp mod">
-        <pc:chgData name="Gibbons, Carl" userId="d2b037bc-8fb4-4222-845c-61440543a456" providerId="ADAL" clId="{8B117223-2596-4D61-9C62-CC9BD4B9A421}" dt="2024-01-16T00:57:55.449" v="2005" actId="20577"/>
-        <pc:sldMkLst>
-          <pc:docMk/>
-          <pc:sldMk cId="3308175748" sldId="256"/>
-        </pc:sldMkLst>
-        <pc:spChg chg="mod">
-          <ac:chgData name="Gibbons, Carl" userId="d2b037bc-8fb4-4222-845c-61440543a456" providerId="ADAL" clId="{8B117223-2596-4D61-9C62-CC9BD4B9A421}" dt="2024-01-16T00:57:55.449" v="2005" actId="20577"/>
-          <ac:spMkLst>
-            <pc:docMk/>
-            <pc:sldMk cId="3308175748" sldId="256"/>
-            <ac:spMk id="3" creationId="{EEC4D41B-E776-05F2-BE0B-89BB339485AB}"/>
-          </ac:spMkLst>
-        </pc:spChg>
-      </pc:sldChg>
-      <pc:sldChg chg="modSp mod">
-        <pc:chgData name="Gibbons, Carl" userId="d2b037bc-8fb4-4222-845c-61440543a456" providerId="ADAL" clId="{8B117223-2596-4D61-9C62-CC9BD4B9A421}" dt="2024-01-24T22:00:55.310" v="2286" actId="20577"/>
-        <pc:sldMkLst>
-          <pc:docMk/>
-          <pc:sldMk cId="2312486803" sldId="261"/>
-        </pc:sldMkLst>
-        <pc:spChg chg="mod">
-          <ac:chgData name="Gibbons, Carl" userId="d2b037bc-8fb4-4222-845c-61440543a456" providerId="ADAL" clId="{8B117223-2596-4D61-9C62-CC9BD4B9A421}" dt="2024-01-16T00:15:29.289" v="286" actId="20577"/>
-          <ac:spMkLst>
-            <pc:docMk/>
-            <pc:sldMk cId="2312486803" sldId="261"/>
-            <ac:spMk id="2" creationId="{31B75992-5098-A283-4925-2CCEBB801DC5}"/>
-          </ac:spMkLst>
-        </pc:spChg>
-        <pc:spChg chg="mod">
-          <ac:chgData name="Gibbons, Carl" userId="d2b037bc-8fb4-4222-845c-61440543a456" providerId="ADAL" clId="{8B117223-2596-4D61-9C62-CC9BD4B9A421}" dt="2024-01-24T22:00:55.310" v="2286" actId="20577"/>
-          <ac:spMkLst>
-            <pc:docMk/>
-            <pc:sldMk cId="2312486803" sldId="261"/>
-            <ac:spMk id="3" creationId="{B5924E0F-A977-1710-779D-EEB74261AF34}"/>
-          </ac:spMkLst>
-        </pc:spChg>
-      </pc:sldChg>
-      <pc:sldChg chg="modSp add mod">
-        <pc:chgData name="Gibbons, Carl" userId="d2b037bc-8fb4-4222-845c-61440543a456" providerId="ADAL" clId="{8B117223-2596-4D61-9C62-CC9BD4B9A421}" dt="2024-01-16T01:00:51.762" v="2281" actId="313"/>
-        <pc:sldMkLst>
-          <pc:docMk/>
-          <pc:sldMk cId="3885141102" sldId="262"/>
-        </pc:sldMkLst>
-        <pc:spChg chg="mod">
-          <ac:chgData name="Gibbons, Carl" userId="d2b037bc-8fb4-4222-845c-61440543a456" providerId="ADAL" clId="{8B117223-2596-4D61-9C62-CC9BD4B9A421}" dt="2024-01-16T00:42:42.463" v="1503" actId="20577"/>
-          <ac:spMkLst>
-            <pc:docMk/>
-            <pc:sldMk cId="3885141102" sldId="262"/>
-            <ac:spMk id="2" creationId="{31B75992-5098-A283-4925-2CCEBB801DC5}"/>
-          </ac:spMkLst>
-        </pc:spChg>
-        <pc:spChg chg="mod">
-          <ac:chgData name="Gibbons, Carl" userId="d2b037bc-8fb4-4222-845c-61440543a456" providerId="ADAL" clId="{8B117223-2596-4D61-9C62-CC9BD4B9A421}" dt="2024-01-16T01:00:51.762" v="2281" actId="313"/>
-          <ac:spMkLst>
-            <pc:docMk/>
-            <pc:sldMk cId="3885141102" sldId="262"/>
-            <ac:spMk id="3" creationId="{B5924E0F-A977-1710-779D-EEB74261AF34}"/>
-          </ac:spMkLst>
-        </pc:spChg>
-      </pc:sldChg>
-      <pc:sldChg chg="add">
-        <pc:chgData name="Gibbons, Carl" userId="d2b037bc-8fb4-4222-845c-61440543a456" providerId="ADAL" clId="{8B117223-2596-4D61-9C62-CC9BD4B9A421}" dt="2024-01-16T00:58:20.162" v="2006"/>
-        <pc:sldMkLst>
-          <pc:docMk/>
-          <pc:sldMk cId="1719402288" sldId="263"/>
-        </pc:sldMkLst>
-      </pc:sldChg>
-      <pc:sldChg chg="del">
-        <pc:chgData name="Gibbons, Carl" userId="d2b037bc-8fb4-4222-845c-61440543a456" providerId="ADAL" clId="{8B117223-2596-4D61-9C62-CC9BD4B9A421}" dt="2024-01-16T00:11:26.015" v="227" actId="47"/>
-        <pc:sldMkLst>
-          <pc:docMk/>
-          <pc:sldMk cId="3989541258" sldId="278"/>
-        </pc:sldMkLst>
-      </pc:sldChg>
-      <pc:sldChg chg="del">
-        <pc:chgData name="Gibbons, Carl" userId="d2b037bc-8fb4-4222-845c-61440543a456" providerId="ADAL" clId="{8B117223-2596-4D61-9C62-CC9BD4B9A421}" dt="2024-01-16T00:11:26.575" v="228" actId="47"/>
-        <pc:sldMkLst>
-          <pc:docMk/>
-          <pc:sldMk cId="1861646120" sldId="293"/>
-        </pc:sldMkLst>
-      </pc:sldChg>
-      <pc:sldChg chg="del">
-        <pc:chgData name="Gibbons, Carl" userId="d2b037bc-8fb4-4222-845c-61440543a456" providerId="ADAL" clId="{8B117223-2596-4D61-9C62-CC9BD4B9A421}" dt="2024-01-16T00:11:27.206" v="229" actId="47"/>
-        <pc:sldMkLst>
-          <pc:docMk/>
-          <pc:sldMk cId="2232562783" sldId="294"/>
-        </pc:sldMkLst>
-      </pc:sldChg>
-      <pc:sldChg chg="del">
-        <pc:chgData name="Gibbons, Carl" userId="d2b037bc-8fb4-4222-845c-61440543a456" providerId="ADAL" clId="{8B117223-2596-4D61-9C62-CC9BD4B9A421}" dt="2024-01-16T00:11:27.766" v="230" actId="47"/>
-        <pc:sldMkLst>
-          <pc:docMk/>
-          <pc:sldMk cId="845747584" sldId="300"/>
-        </pc:sldMkLst>
-      </pc:sldChg>
-      <pc:sldChg chg="del">
-        <pc:chgData name="Gibbons, Carl" userId="d2b037bc-8fb4-4222-845c-61440543a456" providerId="ADAL" clId="{8B117223-2596-4D61-9C62-CC9BD4B9A421}" dt="2024-01-16T00:11:30.314" v="231" actId="47"/>
-        <pc:sldMkLst>
-          <pc:docMk/>
-          <pc:sldMk cId="3372579319" sldId="301"/>
-        </pc:sldMkLst>
-      </pc:sldChg>
-    </pc:docChg>
-  </pc:docChgLst>
-  <pc:docChgLst>
-    <pc:chgData name="Gibbons, Carl" userId="d2b037bc-8fb4-4222-845c-61440543a456" providerId="ADAL" clId="{0E0ED151-5F6D-4269-8E91-753BA0E65D54}"/>
-    <pc:docChg chg="undo redo custSel addSld delSld modSld">
-      <pc:chgData name="Gibbons, Carl" userId="d2b037bc-8fb4-4222-845c-61440543a456" providerId="ADAL" clId="{0E0ED151-5F6D-4269-8E91-753BA0E65D54}" dt="2024-02-20T17:52:12.549" v="3818" actId="20577"/>
-      <pc:docMkLst>
-        <pc:docMk/>
-      </pc:docMkLst>
-      <pc:sldChg chg="modSp mod">
-        <pc:chgData name="Gibbons, Carl" userId="d2b037bc-8fb4-4222-845c-61440543a456" providerId="ADAL" clId="{0E0ED151-5F6D-4269-8E91-753BA0E65D54}" dt="2024-02-20T17:21:53.283" v="1184" actId="20577"/>
-        <pc:sldMkLst>
-          <pc:docMk/>
-          <pc:sldMk cId="3308175748" sldId="256"/>
-        </pc:sldMkLst>
-        <pc:spChg chg="mod">
-          <ac:chgData name="Gibbons, Carl" userId="d2b037bc-8fb4-4222-845c-61440543a456" providerId="ADAL" clId="{0E0ED151-5F6D-4269-8E91-753BA0E65D54}" dt="2024-02-20T17:21:53.283" v="1184" actId="20577"/>
-          <ac:spMkLst>
-            <pc:docMk/>
-            <pc:sldMk cId="3308175748" sldId="256"/>
-            <ac:spMk id="3" creationId="{EEC4D41B-E776-05F2-BE0B-89BB339485AB}"/>
-          </ac:spMkLst>
-        </pc:spChg>
-      </pc:sldChg>
-      <pc:sldChg chg="addSp delSp modSp add mod">
-        <pc:chgData name="Gibbons, Carl" userId="d2b037bc-8fb4-4222-845c-61440543a456" providerId="ADAL" clId="{0E0ED151-5F6D-4269-8E91-753BA0E65D54}" dt="2024-02-20T17:21:20.491" v="1182" actId="20577"/>
-        <pc:sldMkLst>
-          <pc:docMk/>
-          <pc:sldMk cId="3979649407" sldId="259"/>
-        </pc:sldMkLst>
-        <pc:spChg chg="mod">
-          <ac:chgData name="Gibbons, Carl" userId="d2b037bc-8fb4-4222-845c-61440543a456" providerId="ADAL" clId="{0E0ED151-5F6D-4269-8E91-753BA0E65D54}" dt="2024-02-20T17:20:59.732" v="1170" actId="27636"/>
-          <ac:spMkLst>
-            <pc:docMk/>
-            <pc:sldMk cId="3979649407" sldId="259"/>
-            <ac:spMk id="2" creationId="{D9B85F3A-0D98-4AE5-8CED-AA4A4CF82188}"/>
-          </ac:spMkLst>
-        </pc:spChg>
-        <pc:spChg chg="add del">
-          <ac:chgData name="Gibbons, Carl" userId="d2b037bc-8fb4-4222-845c-61440543a456" providerId="ADAL" clId="{0E0ED151-5F6D-4269-8E91-753BA0E65D54}" dt="2024-02-20T17:12:54.823" v="955" actId="22"/>
-          <ac:spMkLst>
-            <pc:docMk/>
-            <pc:sldMk cId="3979649407" sldId="259"/>
-            <ac:spMk id="4" creationId="{F0A2166F-D3DC-6D6A-F3ED-70C2F2497263}"/>
-          </ac:spMkLst>
-        </pc:spChg>
-        <pc:spChg chg="mod">
-          <ac:chgData name="Gibbons, Carl" userId="d2b037bc-8fb4-4222-845c-61440543a456" providerId="ADAL" clId="{0E0ED151-5F6D-4269-8E91-753BA0E65D54}" dt="2024-02-20T17:12:22.348" v="947" actId="20577"/>
-          <ac:spMkLst>
-            <pc:docMk/>
-            <pc:sldMk cId="3979649407" sldId="259"/>
-            <ac:spMk id="52" creationId="{E9C172F0-0344-4EFE-B8E9-E58FDC2037A8}"/>
-          </ac:spMkLst>
-        </pc:spChg>
-        <pc:spChg chg="mod">
-          <ac:chgData name="Gibbons, Carl" userId="d2b037bc-8fb4-4222-845c-61440543a456" providerId="ADAL" clId="{0E0ED151-5F6D-4269-8E91-753BA0E65D54}" dt="2024-02-20T17:12:18.760" v="945" actId="20577"/>
-          <ac:spMkLst>
-            <pc:docMk/>
-            <pc:sldMk cId="3979649407" sldId="259"/>
-            <ac:spMk id="53" creationId="{F227699E-2FB2-4BA5-A6C0-07FCED90486F}"/>
-          </ac:spMkLst>
-        </pc:spChg>
-        <pc:spChg chg="mod">
-          <ac:chgData name="Gibbons, Carl" userId="d2b037bc-8fb4-4222-845c-61440543a456" providerId="ADAL" clId="{0E0ED151-5F6D-4269-8E91-753BA0E65D54}" dt="2024-02-20T17:12:12.996" v="941" actId="20577"/>
-          <ac:spMkLst>
-            <pc:docMk/>
-            <pc:sldMk cId="3979649407" sldId="259"/>
-            <ac:spMk id="54" creationId="{B53FCE22-8AE6-48B3-955A-06B8C516DF87}"/>
-          </ac:spMkLst>
-        </pc:spChg>
-        <pc:spChg chg="mod">
-          <ac:chgData name="Gibbons, Carl" userId="d2b037bc-8fb4-4222-845c-61440543a456" providerId="ADAL" clId="{0E0ED151-5F6D-4269-8E91-753BA0E65D54}" dt="2024-02-20T17:05:37.390" v="811" actId="20577"/>
-          <ac:spMkLst>
-            <pc:docMk/>
-            <pc:sldMk cId="3979649407" sldId="259"/>
-            <ac:spMk id="55" creationId="{CCE5A865-2455-4CF3-9E59-2E7499CAA85B}"/>
-          </ac:spMkLst>
-        </pc:spChg>
-        <pc:spChg chg="mod">
-          <ac:chgData name="Gibbons, Carl" userId="d2b037bc-8fb4-4222-845c-61440543a456" providerId="ADAL" clId="{0E0ED151-5F6D-4269-8E91-753BA0E65D54}" dt="2024-02-20T16:59:55.203" v="614" actId="20577"/>
-          <ac:spMkLst>
-            <pc:docMk/>
-            <pc:sldMk cId="3979649407" sldId="259"/>
-            <ac:spMk id="56" creationId="{70E32A94-B611-430A-B0D8-E075104FD478}"/>
-          </ac:spMkLst>
-        </pc:spChg>
-        <pc:spChg chg="mod">
-          <ac:chgData name="Gibbons, Carl" userId="d2b037bc-8fb4-4222-845c-61440543a456" providerId="ADAL" clId="{0E0ED151-5F6D-4269-8E91-753BA0E65D54}" dt="2024-02-20T16:55:13.809" v="450" actId="20577"/>
-          <ac:spMkLst>
-            <pc:docMk/>
-            <pc:sldMk cId="3979649407" sldId="259"/>
-            <ac:spMk id="57" creationId="{F7492B77-4D76-47C3-B338-BB6B8EDE5AAE}"/>
-          </ac:spMkLst>
-        </pc:spChg>
-        <pc:spChg chg="mod">
-          <ac:chgData name="Gibbons, Carl" userId="d2b037bc-8fb4-4222-845c-61440543a456" providerId="ADAL" clId="{0E0ED151-5F6D-4269-8E91-753BA0E65D54}" dt="2024-02-20T16:58:49.779" v="539" actId="20577"/>
-          <ac:spMkLst>
-            <pc:docMk/>
-            <pc:sldMk cId="3979649407" sldId="259"/>
-            <ac:spMk id="58" creationId="{8B46B6D0-199C-4EDD-9F52-809A17CFFA16}"/>
-          </ac:spMkLst>
-        </pc:spChg>
-        <pc:spChg chg="mod">
-          <ac:chgData name="Gibbons, Carl" userId="d2b037bc-8fb4-4222-845c-61440543a456" providerId="ADAL" clId="{0E0ED151-5F6D-4269-8E91-753BA0E65D54}" dt="2024-02-20T16:58:46.562" v="535" actId="20577"/>
-          <ac:spMkLst>
-            <pc:docMk/>
-            <pc:sldMk cId="3979649407" sldId="259"/>
-            <ac:spMk id="59" creationId="{D3EA3205-70F4-44BB-8BBC-4CA5F503DDFB}"/>
-          </ac:spMkLst>
-        </pc:spChg>
-        <pc:spChg chg="mod">
-          <ac:chgData name="Gibbons, Carl" userId="d2b037bc-8fb4-4222-845c-61440543a456" providerId="ADAL" clId="{0E0ED151-5F6D-4269-8E91-753BA0E65D54}" dt="2024-02-20T16:58:56.593" v="545" actId="20577"/>
-          <ac:spMkLst>
-            <pc:docMk/>
-            <pc:sldMk cId="3979649407" sldId="259"/>
-            <ac:spMk id="111" creationId="{A69036BC-0D44-4D27-9355-CA4588CF33E0}"/>
-          </ac:spMkLst>
-        </pc:spChg>
-        <pc:spChg chg="mod">
-          <ac:chgData name="Gibbons, Carl" userId="d2b037bc-8fb4-4222-845c-61440543a456" providerId="ADAL" clId="{0E0ED151-5F6D-4269-8E91-753BA0E65D54}" dt="2024-02-20T17:20:00.789" v="1149" actId="20577"/>
-          <ac:spMkLst>
-            <pc:docMk/>
-            <pc:sldMk cId="3979649407" sldId="259"/>
-            <ac:spMk id="112" creationId="{A36E9339-30D7-4E6E-808F-ECFECF9CA3E2}"/>
-          </ac:spMkLst>
-        </pc:spChg>
-        <pc:spChg chg="mod">
-          <ac:chgData name="Gibbons, Carl" userId="d2b037bc-8fb4-4222-845c-61440543a456" providerId="ADAL" clId="{0E0ED151-5F6D-4269-8E91-753BA0E65D54}" dt="2024-02-20T17:05:43.041" v="814" actId="20577"/>
-          <ac:spMkLst>
-            <pc:docMk/>
-            <pc:sldMk cId="3979649407" sldId="259"/>
-            <ac:spMk id="137" creationId="{DAB08F72-3AC3-4808-A6D6-55A2A22F8F08}"/>
-          </ac:spMkLst>
-        </pc:spChg>
-        <pc:spChg chg="mod">
-          <ac:chgData name="Gibbons, Carl" userId="d2b037bc-8fb4-4222-845c-61440543a456" providerId="ADAL" clId="{0E0ED151-5F6D-4269-8E91-753BA0E65D54}" dt="2024-02-20T17:06:38.049" v="890" actId="20577"/>
-          <ac:spMkLst>
-            <pc:docMk/>
-            <pc:sldMk cId="3979649407" sldId="259"/>
-            <ac:spMk id="138" creationId="{929E33A3-822C-41F0-8233-0F0986CC6786}"/>
-          </ac:spMkLst>
-        </pc:spChg>
-        <pc:spChg chg="mod">
-          <ac:chgData name="Gibbons, Carl" userId="d2b037bc-8fb4-4222-845c-61440543a456" providerId="ADAL" clId="{0E0ED151-5F6D-4269-8E91-753BA0E65D54}" dt="2024-02-20T17:14:08.242" v="1001" actId="20577"/>
-          <ac:spMkLst>
-            <pc:docMk/>
-            <pc:sldMk cId="3979649407" sldId="259"/>
-            <ac:spMk id="144" creationId="{AB47C076-B5BC-4BCF-996C-94C6360B8473}"/>
-          </ac:spMkLst>
-        </pc:spChg>
-        <pc:spChg chg="mod">
-          <ac:chgData name="Gibbons, Carl" userId="d2b037bc-8fb4-4222-845c-61440543a456" providerId="ADAL" clId="{0E0ED151-5F6D-4269-8E91-753BA0E65D54}" dt="2024-02-20T17:14:00.584" v="997"/>
-          <ac:spMkLst>
-            <pc:docMk/>
-            <pc:sldMk cId="3979649407" sldId="259"/>
-            <ac:spMk id="145" creationId="{454D4AE5-FDF0-4C13-8C2E-E03A1A8AAC2E}"/>
-          </ac:spMkLst>
-        </pc:spChg>
-        <pc:spChg chg="mod">
-          <ac:chgData name="Gibbons, Carl" userId="d2b037bc-8fb4-4222-845c-61440543a456" providerId="ADAL" clId="{0E0ED151-5F6D-4269-8E91-753BA0E65D54}" dt="2024-02-20T17:00:09.986" v="621" actId="20577"/>
-          <ac:spMkLst>
-            <pc:docMk/>
-            <pc:sldMk cId="3979649407" sldId="259"/>
-            <ac:spMk id="151" creationId="{83D0279C-C95D-4C6F-9E15-A12E3C06835F}"/>
-          </ac:spMkLst>
-        </pc:spChg>
-        <pc:spChg chg="mod">
-          <ac:chgData name="Gibbons, Carl" userId="d2b037bc-8fb4-4222-845c-61440543a456" providerId="ADAL" clId="{0E0ED151-5F6D-4269-8E91-753BA0E65D54}" dt="2024-02-20T16:57:57.026" v="530"/>
-          <ac:spMkLst>
-            <pc:docMk/>
-            <pc:sldMk cId="3979649407" sldId="259"/>
-            <ac:spMk id="152" creationId="{7F026F40-90E8-4664-8E43-32DC9077DF30}"/>
-          </ac:spMkLst>
-        </pc:spChg>
-        <pc:spChg chg="mod">
-          <ac:chgData name="Gibbons, Carl" userId="d2b037bc-8fb4-4222-845c-61440543a456" providerId="ADAL" clId="{0E0ED151-5F6D-4269-8E91-753BA0E65D54}" dt="2024-02-20T17:00:06.323" v="620" actId="20577"/>
-          <ac:spMkLst>
-            <pc:docMk/>
-            <pc:sldMk cId="3979649407" sldId="259"/>
-            <ac:spMk id="158" creationId="{8C583893-9F20-4A4B-8C02-0B77CF59D083}"/>
-          </ac:spMkLst>
-        </pc:spChg>
-        <pc:spChg chg="mod">
-          <ac:chgData name="Gibbons, Carl" userId="d2b037bc-8fb4-4222-845c-61440543a456" providerId="ADAL" clId="{0E0ED151-5F6D-4269-8E91-753BA0E65D54}" dt="2024-02-20T17:20:24.130" v="1151" actId="20577"/>
-          <ac:spMkLst>
-            <pc:docMk/>
-            <pc:sldMk cId="3979649407" sldId="259"/>
-            <ac:spMk id="159" creationId="{947547AB-256C-4012-93A7-2F832B6982B0}"/>
-          </ac:spMkLst>
-        </pc:spChg>
-        <pc:spChg chg="mod">
-          <ac:chgData name="Gibbons, Carl" userId="d2b037bc-8fb4-4222-845c-61440543a456" providerId="ADAL" clId="{0E0ED151-5F6D-4269-8E91-753BA0E65D54}" dt="2024-02-20T17:00:16.637" v="626" actId="20577"/>
-          <ac:spMkLst>
-            <pc:docMk/>
-            <pc:sldMk cId="3979649407" sldId="259"/>
-            <ac:spMk id="165" creationId="{0CA9E7E8-CA5E-4B65-8E41-21A53C41E5BB}"/>
-          </ac:spMkLst>
-        </pc:spChg>
-        <pc:spChg chg="mod">
-          <ac:chgData name="Gibbons, Carl" userId="d2b037bc-8fb4-4222-845c-61440543a456" providerId="ADAL" clId="{0E0ED151-5F6D-4269-8E91-753BA0E65D54}" dt="2024-02-20T16:57:51.193" v="529"/>
-          <ac:spMkLst>
-            <pc:docMk/>
-            <pc:sldMk cId="3979649407" sldId="259"/>
-            <ac:spMk id="166" creationId="{71CD5A9F-AED8-4979-A461-FC8E9ABDFE9F}"/>
-          </ac:spMkLst>
-        </pc:spChg>
-        <pc:spChg chg="mod">
-          <ac:chgData name="Gibbons, Carl" userId="d2b037bc-8fb4-4222-845c-61440543a456" providerId="ADAL" clId="{0E0ED151-5F6D-4269-8E91-753BA0E65D54}" dt="2024-02-20T17:12:30.771" v="951" actId="20577"/>
-          <ac:spMkLst>
-            <pc:docMk/>
-            <pc:sldMk cId="3979649407" sldId="259"/>
-            <ac:spMk id="172" creationId="{7A424591-E369-471C-BD8B-390A96A72053}"/>
-          </ac:spMkLst>
-        </pc:spChg>
-        <pc:spChg chg="mod">
-          <ac:chgData name="Gibbons, Carl" userId="d2b037bc-8fb4-4222-845c-61440543a456" providerId="ADAL" clId="{0E0ED151-5F6D-4269-8E91-753BA0E65D54}" dt="2024-02-20T17:16:07.812" v="1131" actId="20577"/>
-          <ac:spMkLst>
-            <pc:docMk/>
-            <pc:sldMk cId="3979649407" sldId="259"/>
-            <ac:spMk id="173" creationId="{E3FC1453-B301-4320-A2D9-DC78DC8B790F}"/>
-          </ac:spMkLst>
-        </pc:spChg>
-        <pc:spChg chg="mod">
-          <ac:chgData name="Gibbons, Carl" userId="d2b037bc-8fb4-4222-845c-61440543a456" providerId="ADAL" clId="{0E0ED151-5F6D-4269-8E91-753BA0E65D54}" dt="2024-02-20T17:13:19.660" v="960" actId="20577"/>
-          <ac:spMkLst>
-            <pc:docMk/>
-            <pc:sldMk cId="3979649407" sldId="259"/>
-            <ac:spMk id="179" creationId="{AD420581-041E-4C71-ACC5-CBCDD9519107}"/>
-          </ac:spMkLst>
-        </pc:spChg>
-        <pc:spChg chg="mod">
-          <ac:chgData name="Gibbons, Carl" userId="d2b037bc-8fb4-4222-845c-61440543a456" providerId="ADAL" clId="{0E0ED151-5F6D-4269-8E91-753BA0E65D54}" dt="2024-02-20T17:21:20.491" v="1182" actId="20577"/>
-          <ac:spMkLst>
-            <pc:docMk/>
-            <pc:sldMk cId="3979649407" sldId="259"/>
-            <ac:spMk id="180" creationId="{33D04C2E-0885-496F-9A39-A93E05B81CB2}"/>
-          </ac:spMkLst>
-        </pc:spChg>
-      </pc:sldChg>
-      <pc:sldChg chg="del">
-        <pc:chgData name="Gibbons, Carl" userId="d2b037bc-8fb4-4222-845c-61440543a456" providerId="ADAL" clId="{0E0ED151-5F6D-4269-8E91-753BA0E65D54}" dt="2024-02-20T16:48:13.621" v="24" actId="47"/>
-        <pc:sldMkLst>
-          <pc:docMk/>
-          <pc:sldMk cId="2312486803" sldId="261"/>
-        </pc:sldMkLst>
-      </pc:sldChg>
-      <pc:sldChg chg="modSp mod">
-        <pc:chgData name="Gibbons, Carl" userId="d2b037bc-8fb4-4222-845c-61440543a456" providerId="ADAL" clId="{0E0ED151-5F6D-4269-8E91-753BA0E65D54}" dt="2024-02-20T17:52:12.549" v="3818" actId="20577"/>
-        <pc:sldMkLst>
-          <pc:docMk/>
-          <pc:sldMk cId="3885141102" sldId="262"/>
-        </pc:sldMkLst>
-        <pc:spChg chg="mod">
-          <ac:chgData name="Gibbons, Carl" userId="d2b037bc-8fb4-4222-845c-61440543a456" providerId="ADAL" clId="{0E0ED151-5F6D-4269-8E91-753BA0E65D54}" dt="2024-02-20T17:52:12.549" v="3818" actId="20577"/>
-          <ac:spMkLst>
-            <pc:docMk/>
-            <pc:sldMk cId="3885141102" sldId="262"/>
-            <ac:spMk id="3" creationId="{B5924E0F-A977-1710-779D-EEB74261AF34}"/>
-          </ac:spMkLst>
-        </pc:spChg>
-      </pc:sldChg>
-      <pc:sldChg chg="del">
-        <pc:chgData name="Gibbons, Carl" userId="d2b037bc-8fb4-4222-845c-61440543a456" providerId="ADAL" clId="{0E0ED151-5F6D-4269-8E91-753BA0E65D54}" dt="2024-02-20T17:50:12.612" v="3668" actId="2696"/>
-        <pc:sldMkLst>
-          <pc:docMk/>
-          <pc:sldMk cId="538849350" sldId="263"/>
-        </pc:sldMkLst>
-      </pc:sldChg>
-      <pc:sldChg chg="addSp modSp mod">
-        <pc:chgData name="Gibbons, Carl" userId="d2b037bc-8fb4-4222-845c-61440543a456" providerId="ADAL" clId="{0E0ED151-5F6D-4269-8E91-753BA0E65D54}" dt="2024-02-20T17:34:25.197" v="2152" actId="20577"/>
-        <pc:sldMkLst>
-          <pc:docMk/>
-          <pc:sldMk cId="1196559129" sldId="264"/>
-        </pc:sldMkLst>
-        <pc:spChg chg="mod">
-          <ac:chgData name="Gibbons, Carl" userId="d2b037bc-8fb4-4222-845c-61440543a456" providerId="ADAL" clId="{0E0ED151-5F6D-4269-8E91-753BA0E65D54}" dt="2024-02-20T17:34:25.197" v="2152" actId="20577"/>
-          <ac:spMkLst>
-            <pc:docMk/>
-            <pc:sldMk cId="1196559129" sldId="264"/>
-            <ac:spMk id="2" creationId="{0E6A2DEF-4501-FAEA-A31C-4FDCBD076712}"/>
-          </ac:spMkLst>
-        </pc:spChg>
-        <pc:spChg chg="add mod">
-          <ac:chgData name="Gibbons, Carl" userId="d2b037bc-8fb4-4222-845c-61440543a456" providerId="ADAL" clId="{0E0ED151-5F6D-4269-8E91-753BA0E65D54}" dt="2024-02-20T17:31:33.001" v="1837" actId="20577"/>
-          <ac:spMkLst>
-            <pc:docMk/>
-            <pc:sldMk cId="1196559129" sldId="264"/>
-            <ac:spMk id="3" creationId="{3D14E407-E782-7E7A-34C1-5C9B517D7996}"/>
-          </ac:spMkLst>
-        </pc:spChg>
-        <pc:spChg chg="add mod">
-          <ac:chgData name="Gibbons, Carl" userId="d2b037bc-8fb4-4222-845c-61440543a456" providerId="ADAL" clId="{0E0ED151-5F6D-4269-8E91-753BA0E65D54}" dt="2024-02-20T17:34:09.182" v="2149" actId="20577"/>
-          <ac:spMkLst>
-            <pc:docMk/>
-            <pc:sldMk cId="1196559129" sldId="264"/>
-            <ac:spMk id="4" creationId="{A5C2117C-95FD-BD27-85E2-3A7873734773}"/>
-          </ac:spMkLst>
-        </pc:spChg>
-        <pc:spChg chg="mod">
-          <ac:chgData name="Gibbons, Carl" userId="d2b037bc-8fb4-4222-845c-61440543a456" providerId="ADAL" clId="{0E0ED151-5F6D-4269-8E91-753BA0E65D54}" dt="2024-02-20T17:31:36.749" v="1839" actId="20577"/>
-          <ac:spMkLst>
-            <pc:docMk/>
-            <pc:sldMk cId="1196559129" sldId="264"/>
+            <pc:sldMk cId="3170433335" sldId="271"/>
             <ac:spMk id="7" creationId="{4247D23F-F3F9-676F-BDEB-E69E1F0AB32C}"/>
           </ac:spMkLst>
         </pc:spChg>
       </pc:sldChg>
       <pc:sldChg chg="modSp mod">
-        <pc:chgData name="Gibbons, Carl" userId="d2b037bc-8fb4-4222-845c-61440543a456" providerId="ADAL" clId="{0E0ED151-5F6D-4269-8E91-753BA0E65D54}" dt="2024-02-20T17:40:43.651" v="2961" actId="20577"/>
+        <pc:chgData name="Talbert, Matthew" userId="877a4118-3f16-4ac9-a72c-5dd2c7b28c85" providerId="ADAL" clId="{6D714EC8-FEBA-47AF-9B9B-F0C8F81011C5}" dt="2024-11-21T22:06:59.962" v="400" actId="12788"/>
         <pc:sldMkLst>
           <pc:docMk/>
-          <pc:sldMk cId="1400208519" sldId="265"/>
+          <pc:sldMk cId="3410531135" sldId="272"/>
         </pc:sldMkLst>
         <pc:spChg chg="mod">
-          <ac:chgData name="Gibbons, Carl" userId="d2b037bc-8fb4-4222-845c-61440543a456" providerId="ADAL" clId="{0E0ED151-5F6D-4269-8E91-753BA0E65D54}" dt="2024-02-20T17:35:05.056" v="2176" actId="20577"/>
+          <ac:chgData name="Talbert, Matthew" userId="877a4118-3f16-4ac9-a72c-5dd2c7b28c85" providerId="ADAL" clId="{6D714EC8-FEBA-47AF-9B9B-F0C8F81011C5}" dt="2024-11-21T22:06:59.962" v="400" actId="12788"/>
           <ac:spMkLst>
             <pc:docMk/>
-            <pc:sldMk cId="1400208519" sldId="265"/>
-            <ac:spMk id="2" creationId="{832B45BA-6309-D8F6-D552-10D836B4EB21}"/>
+            <pc:sldMk cId="3410531135" sldId="272"/>
+            <ac:spMk id="2" creationId="{0E6A2DEF-4501-FAEA-A31C-4FDCBD076712}"/>
           </ac:spMkLst>
         </pc:spChg>
         <pc:spChg chg="mod">
-          <ac:chgData name="Gibbons, Carl" userId="d2b037bc-8fb4-4222-845c-61440543a456" providerId="ADAL" clId="{0E0ED151-5F6D-4269-8E91-753BA0E65D54}" dt="2024-02-20T17:40:43.651" v="2961" actId="20577"/>
+          <ac:chgData name="Talbert, Matthew" userId="877a4118-3f16-4ac9-a72c-5dd2c7b28c85" providerId="ADAL" clId="{6D714EC8-FEBA-47AF-9B9B-F0C8F81011C5}" dt="2024-11-21T22:06:59.962" v="400" actId="12788"/>
           <ac:spMkLst>
             <pc:docMk/>
-            <pc:sldMk cId="1400208519" sldId="265"/>
-            <ac:spMk id="7" creationId="{3CE889EF-4605-DB73-C7B2-D7E3C4957F48}"/>
-          </ac:spMkLst>
-        </pc:spChg>
-      </pc:sldChg>
-      <pc:sldChg chg="modSp mod">
-        <pc:chgData name="Gibbons, Carl" userId="d2b037bc-8fb4-4222-845c-61440543a456" providerId="ADAL" clId="{0E0ED151-5F6D-4269-8E91-753BA0E65D54}" dt="2024-02-20T17:49:26.156" v="3667" actId="2711"/>
-        <pc:sldMkLst>
-          <pc:docMk/>
-          <pc:sldMk cId="1959728496" sldId="266"/>
-        </pc:sldMkLst>
-        <pc:spChg chg="mod">
-          <ac:chgData name="Gibbons, Carl" userId="d2b037bc-8fb4-4222-845c-61440543a456" providerId="ADAL" clId="{0E0ED151-5F6D-4269-8E91-753BA0E65D54}" dt="2024-02-20T17:45:19.461" v="3199" actId="20577"/>
-          <ac:spMkLst>
-            <pc:docMk/>
-            <pc:sldMk cId="1959728496" sldId="266"/>
-            <ac:spMk id="2" creationId="{CE563C74-E990-3B77-1F46-668B8C1F1663}"/>
-          </ac:spMkLst>
-        </pc:spChg>
-        <pc:spChg chg="mod">
-          <ac:chgData name="Gibbons, Carl" userId="d2b037bc-8fb4-4222-845c-61440543a456" providerId="ADAL" clId="{0E0ED151-5F6D-4269-8E91-753BA0E65D54}" dt="2024-02-20T17:49:26.156" v="3667" actId="2711"/>
-          <ac:spMkLst>
-            <pc:docMk/>
-            <pc:sldMk cId="1959728496" sldId="266"/>
-            <ac:spMk id="7" creationId="{90027281-906B-E8EC-9F0D-DB9DF0665C9C}"/>
-          </ac:spMkLst>
-        </pc:spChg>
-      </pc:sldChg>
-    </pc:docChg>
-  </pc:docChgLst>
-  <pc:docChgLst>
-    <pc:chgData name="Gibbons, Carl" userId="d2b037bc-8fb4-4222-845c-61440543a456" providerId="ADAL" clId="{C1E6ABF6-BAED-4B26-97DB-20A1E8B7A1A4}"/>
-    <pc:docChg chg="custSel modSld">
-      <pc:chgData name="Gibbons, Carl" userId="d2b037bc-8fb4-4222-845c-61440543a456" providerId="ADAL" clId="{C1E6ABF6-BAED-4B26-97DB-20A1E8B7A1A4}" dt="2023-12-06T02:23:48.337" v="274" actId="20577"/>
-      <pc:docMkLst>
-        <pc:docMk/>
-      </pc:docMkLst>
-      <pc:sldChg chg="modSp mod">
-        <pc:chgData name="Gibbons, Carl" userId="d2b037bc-8fb4-4222-845c-61440543a456" providerId="ADAL" clId="{C1E6ABF6-BAED-4B26-97DB-20A1E8B7A1A4}" dt="2023-11-21T16:22:17.597" v="97" actId="20577"/>
-        <pc:sldMkLst>
-          <pc:docMk/>
-          <pc:sldMk cId="3308175748" sldId="256"/>
-        </pc:sldMkLst>
-        <pc:spChg chg="mod">
-          <ac:chgData name="Gibbons, Carl" userId="d2b037bc-8fb4-4222-845c-61440543a456" providerId="ADAL" clId="{C1E6ABF6-BAED-4B26-97DB-20A1E8B7A1A4}" dt="2023-11-21T05:49:34.464" v="2"/>
-          <ac:spMkLst>
-            <pc:docMk/>
-            <pc:sldMk cId="3308175748" sldId="256"/>
-            <ac:spMk id="2" creationId="{ACEA2649-DC6B-3373-A7E6-7F0E103D8B8B}"/>
-          </ac:spMkLst>
-        </pc:spChg>
-        <pc:spChg chg="mod">
-          <ac:chgData name="Gibbons, Carl" userId="d2b037bc-8fb4-4222-845c-61440543a456" providerId="ADAL" clId="{C1E6ABF6-BAED-4B26-97DB-20A1E8B7A1A4}" dt="2023-11-21T16:22:17.597" v="97" actId="20577"/>
-          <ac:spMkLst>
-            <pc:docMk/>
-            <pc:sldMk cId="3308175748" sldId="256"/>
-            <ac:spMk id="3" creationId="{EEC4D41B-E776-05F2-BE0B-89BB339485AB}"/>
-          </ac:spMkLst>
-        </pc:spChg>
-        <pc:spChg chg="mod">
-          <ac:chgData name="Gibbons, Carl" userId="d2b037bc-8fb4-4222-845c-61440543a456" providerId="ADAL" clId="{C1E6ABF6-BAED-4B26-97DB-20A1E8B7A1A4}" dt="2023-11-21T05:49:34.464" v="2"/>
-          <ac:spMkLst>
-            <pc:docMk/>
-            <pc:sldMk cId="3308175748" sldId="256"/>
-            <ac:spMk id="4" creationId="{4664ABB7-0B55-0242-2E51-B3286EE7B5EB}"/>
-          </ac:spMkLst>
-        </pc:spChg>
-      </pc:sldChg>
-      <pc:sldChg chg="modSp">
-        <pc:chgData name="Gibbons, Carl" userId="d2b037bc-8fb4-4222-845c-61440543a456" providerId="ADAL" clId="{C1E6ABF6-BAED-4B26-97DB-20A1E8B7A1A4}" dt="2023-11-21T05:49:34.464" v="2"/>
-        <pc:sldMkLst>
-          <pc:docMk/>
-          <pc:sldMk cId="2312486803" sldId="261"/>
-        </pc:sldMkLst>
-        <pc:spChg chg="mod">
-          <ac:chgData name="Gibbons, Carl" userId="d2b037bc-8fb4-4222-845c-61440543a456" providerId="ADAL" clId="{C1E6ABF6-BAED-4B26-97DB-20A1E8B7A1A4}" dt="2023-11-21T05:49:34.464" v="2"/>
-          <ac:spMkLst>
-            <pc:docMk/>
-            <pc:sldMk cId="2312486803" sldId="261"/>
-            <ac:spMk id="2" creationId="{31B75992-5098-A283-4925-2CCEBB801DC5}"/>
-          </ac:spMkLst>
-        </pc:spChg>
-      </pc:sldChg>
-      <pc:sldChg chg="modSp mod">
-        <pc:chgData name="Gibbons, Carl" userId="d2b037bc-8fb4-4222-845c-61440543a456" providerId="ADAL" clId="{C1E6ABF6-BAED-4B26-97DB-20A1E8B7A1A4}" dt="2023-11-21T07:48:19.790" v="77" actId="20577"/>
-        <pc:sldMkLst>
-          <pc:docMk/>
-          <pc:sldMk cId="378743348" sldId="270"/>
-        </pc:sldMkLst>
-        <pc:spChg chg="mod">
-          <ac:chgData name="Gibbons, Carl" userId="d2b037bc-8fb4-4222-845c-61440543a456" providerId="ADAL" clId="{C1E6ABF6-BAED-4B26-97DB-20A1E8B7A1A4}" dt="2023-11-21T07:48:19.790" v="77" actId="20577"/>
-          <ac:spMkLst>
-            <pc:docMk/>
-            <pc:sldMk cId="378743348" sldId="270"/>
-            <ac:spMk id="3" creationId="{80041865-9773-290D-EB35-F8AF8BFC505C}"/>
-          </ac:spMkLst>
-        </pc:spChg>
-      </pc:sldChg>
-      <pc:sldChg chg="modSp mod">
-        <pc:chgData name="Gibbons, Carl" userId="d2b037bc-8fb4-4222-845c-61440543a456" providerId="ADAL" clId="{C1E6ABF6-BAED-4B26-97DB-20A1E8B7A1A4}" dt="2023-12-06T02:23:48.337" v="274" actId="20577"/>
-        <pc:sldMkLst>
-          <pc:docMk/>
-          <pc:sldMk cId="657795359" sldId="277"/>
-        </pc:sldMkLst>
-        <pc:spChg chg="mod">
-          <ac:chgData name="Gibbons, Carl" userId="d2b037bc-8fb4-4222-845c-61440543a456" providerId="ADAL" clId="{C1E6ABF6-BAED-4B26-97DB-20A1E8B7A1A4}" dt="2023-11-21T05:49:34.464" v="2"/>
-          <ac:spMkLst>
-            <pc:docMk/>
-            <pc:sldMk cId="657795359" sldId="277"/>
-            <ac:spMk id="2" creationId="{1862E903-3C56-BB42-2361-009F2336475A}"/>
-          </ac:spMkLst>
-        </pc:spChg>
-        <pc:spChg chg="mod">
-          <ac:chgData name="Gibbons, Carl" userId="d2b037bc-8fb4-4222-845c-61440543a456" providerId="ADAL" clId="{C1E6ABF6-BAED-4B26-97DB-20A1E8B7A1A4}" dt="2023-12-06T02:23:48.337" v="274" actId="20577"/>
-          <ac:spMkLst>
-            <pc:docMk/>
-            <pc:sldMk cId="657795359" sldId="277"/>
-            <ac:spMk id="3" creationId="{90179172-96B3-95D0-A137-257770BE7642}"/>
-          </ac:spMkLst>
-        </pc:spChg>
-      </pc:sldChg>
-    </pc:docChg>
-  </pc:docChgLst>
-  <pc:docChgLst>
-    <pc:chgData name="Gibbons, Carl" userId="d2b037bc-8fb4-4222-845c-61440543a456" providerId="ADAL" clId="{AA20781C-E693-4A15-9A9D-8345B65B3F1D}"/>
-    <pc:docChg chg="undo redo custSel modSld">
-      <pc:chgData name="Gibbons, Carl" userId="d2b037bc-8fb4-4222-845c-61440543a456" providerId="ADAL" clId="{AA20781C-E693-4A15-9A9D-8345B65B3F1D}" dt="2024-05-23T20:24:35.054" v="4771" actId="20577"/>
-      <pc:docMkLst>
-        <pc:docMk/>
-      </pc:docMkLst>
-      <pc:sldChg chg="modSp mod">
-        <pc:chgData name="Gibbons, Carl" userId="d2b037bc-8fb4-4222-845c-61440543a456" providerId="ADAL" clId="{AA20781C-E693-4A15-9A9D-8345B65B3F1D}" dt="2024-05-23T18:19:28.406" v="19" actId="20577"/>
-        <pc:sldMkLst>
-          <pc:docMk/>
-          <pc:sldMk cId="3308175748" sldId="256"/>
-        </pc:sldMkLst>
-        <pc:spChg chg="mod">
-          <ac:chgData name="Gibbons, Carl" userId="d2b037bc-8fb4-4222-845c-61440543a456" providerId="ADAL" clId="{AA20781C-E693-4A15-9A9D-8345B65B3F1D}" dt="2024-05-23T18:19:28.406" v="19" actId="20577"/>
-          <ac:spMkLst>
-            <pc:docMk/>
-            <pc:sldMk cId="3308175748" sldId="256"/>
-            <ac:spMk id="3" creationId="{EEC4D41B-E776-05F2-BE0B-89BB339485AB}"/>
-          </ac:spMkLst>
-        </pc:spChg>
-      </pc:sldChg>
-      <pc:sldChg chg="modSp mod">
-        <pc:chgData name="Gibbons, Carl" userId="d2b037bc-8fb4-4222-845c-61440543a456" providerId="ADAL" clId="{AA20781C-E693-4A15-9A9D-8345B65B3F1D}" dt="2024-05-23T20:24:35.054" v="4771" actId="20577"/>
-        <pc:sldMkLst>
-          <pc:docMk/>
-          <pc:sldMk cId="3885141102" sldId="262"/>
-        </pc:sldMkLst>
-        <pc:spChg chg="mod">
-          <ac:chgData name="Gibbons, Carl" userId="d2b037bc-8fb4-4222-845c-61440543a456" providerId="ADAL" clId="{AA20781C-E693-4A15-9A9D-8345B65B3F1D}" dt="2024-05-23T20:24:35.054" v="4771" actId="20577"/>
-          <ac:spMkLst>
-            <pc:docMk/>
-            <pc:sldMk cId="3885141102" sldId="262"/>
-            <ac:spMk id="3" creationId="{B5924E0F-A977-1710-779D-EEB74261AF34}"/>
-          </ac:spMkLst>
-        </pc:spChg>
-      </pc:sldChg>
-      <pc:sldChg chg="addSp modSp mod">
-        <pc:chgData name="Gibbons, Carl" userId="d2b037bc-8fb4-4222-845c-61440543a456" providerId="ADAL" clId="{AA20781C-E693-4A15-9A9D-8345B65B3F1D}" dt="2024-05-23T20:04:53.835" v="3941" actId="20577"/>
-        <pc:sldMkLst>
-          <pc:docMk/>
-          <pc:sldMk cId="1196559129" sldId="264"/>
-        </pc:sldMkLst>
-        <pc:spChg chg="mod">
-          <ac:chgData name="Gibbons, Carl" userId="d2b037bc-8fb4-4222-845c-61440543a456" providerId="ADAL" clId="{AA20781C-E693-4A15-9A9D-8345B65B3F1D}" dt="2024-05-23T19:41:13.692" v="2966" actId="20577"/>
-          <ac:spMkLst>
-            <pc:docMk/>
-            <pc:sldMk cId="1196559129" sldId="264"/>
-            <ac:spMk id="2" creationId="{0E6A2DEF-4501-FAEA-A31C-4FDCBD076712}"/>
-          </ac:spMkLst>
-        </pc:spChg>
-        <pc:spChg chg="add mod">
-          <ac:chgData name="Gibbons, Carl" userId="d2b037bc-8fb4-4222-845c-61440543a456" providerId="ADAL" clId="{AA20781C-E693-4A15-9A9D-8345B65B3F1D}" dt="2024-05-23T20:01:54.455" v="3649" actId="15"/>
-          <ac:spMkLst>
-            <pc:docMk/>
-            <pc:sldMk cId="1196559129" sldId="264"/>
-            <ac:spMk id="3" creationId="{6DB565A6-DDA9-BD81-B7C7-3069323CA90A}"/>
-          </ac:spMkLst>
-        </pc:spChg>
-        <pc:spChg chg="add mod">
-          <ac:chgData name="Gibbons, Carl" userId="d2b037bc-8fb4-4222-845c-61440543a456" providerId="ADAL" clId="{AA20781C-E693-4A15-9A9D-8345B65B3F1D}" dt="2024-05-23T20:04:53.835" v="3941" actId="20577"/>
-          <ac:spMkLst>
-            <pc:docMk/>
-            <pc:sldMk cId="1196559129" sldId="264"/>
-            <ac:spMk id="4" creationId="{5F95AB98-4F6F-01E3-47E3-C88B1F1E9664}"/>
-          </ac:spMkLst>
-        </pc:spChg>
-        <pc:spChg chg="mod">
-          <ac:chgData name="Gibbons, Carl" userId="d2b037bc-8fb4-4222-845c-61440543a456" providerId="ADAL" clId="{AA20781C-E693-4A15-9A9D-8345B65B3F1D}" dt="2024-05-23T20:01:46.060" v="3645" actId="15"/>
-          <ac:spMkLst>
-            <pc:docMk/>
-            <pc:sldMk cId="1196559129" sldId="264"/>
+            <pc:sldMk cId="3410531135" sldId="272"/>
             <ac:spMk id="7" creationId="{4247D23F-F3F9-676F-BDEB-E69E1F0AB32C}"/>
           </ac:spMkLst>
         </pc:spChg>
       </pc:sldChg>
       <pc:sldChg chg="modSp mod">
-        <pc:chgData name="Gibbons, Carl" userId="d2b037bc-8fb4-4222-845c-61440543a456" providerId="ADAL" clId="{AA20781C-E693-4A15-9A9D-8345B65B3F1D}" dt="2024-05-23T19:39:33.179" v="2853" actId="2711"/>
+        <pc:chgData name="Talbert, Matthew" userId="877a4118-3f16-4ac9-a72c-5dd2c7b28c85" providerId="ADAL" clId="{6D714EC8-FEBA-47AF-9B9B-F0C8F81011C5}" dt="2024-11-21T22:07:03.426" v="401" actId="12788"/>
         <pc:sldMkLst>
           <pc:docMk/>
-          <pc:sldMk cId="1400208519" sldId="265"/>
+          <pc:sldMk cId="3885141102" sldId="273"/>
         </pc:sldMkLst>
         <pc:spChg chg="mod">
-          <ac:chgData name="Gibbons, Carl" userId="d2b037bc-8fb4-4222-845c-61440543a456" providerId="ADAL" clId="{AA20781C-E693-4A15-9A9D-8345B65B3F1D}" dt="2024-05-23T19:01:29.624" v="970" actId="20577"/>
+          <ac:chgData name="Talbert, Matthew" userId="877a4118-3f16-4ac9-a72c-5dd2c7b28c85" providerId="ADAL" clId="{6D714EC8-FEBA-47AF-9B9B-F0C8F81011C5}" dt="2024-11-21T22:07:03.426" v="401" actId="12788"/>
           <ac:spMkLst>
             <pc:docMk/>
-            <pc:sldMk cId="1400208519" sldId="265"/>
-            <ac:spMk id="2" creationId="{832B45BA-6309-D8F6-D552-10D836B4EB21}"/>
-          </ac:spMkLst>
-        </pc:spChg>
-        <pc:spChg chg="mod">
-          <ac:chgData name="Gibbons, Carl" userId="d2b037bc-8fb4-4222-845c-61440543a456" providerId="ADAL" clId="{AA20781C-E693-4A15-9A9D-8345B65B3F1D}" dt="2024-05-23T19:39:33.179" v="2853" actId="2711"/>
-          <ac:spMkLst>
-            <pc:docMk/>
-            <pc:sldMk cId="1400208519" sldId="265"/>
-            <ac:spMk id="7" creationId="{3CE889EF-4605-DB73-C7B2-D7E3C4957F48}"/>
-          </ac:spMkLst>
-        </pc:spChg>
-      </pc:sldChg>
-      <pc:sldChg chg="modSp mod">
-        <pc:chgData name="Gibbons, Carl" userId="d2b037bc-8fb4-4222-845c-61440543a456" providerId="ADAL" clId="{AA20781C-E693-4A15-9A9D-8345B65B3F1D}" dt="2024-05-23T20:21:13.456" v="4392" actId="20577"/>
-        <pc:sldMkLst>
-          <pc:docMk/>
-          <pc:sldMk cId="1467586035" sldId="266"/>
-        </pc:sldMkLst>
-        <pc:spChg chg="mod">
-          <ac:chgData name="Gibbons, Carl" userId="d2b037bc-8fb4-4222-845c-61440543a456" providerId="ADAL" clId="{AA20781C-E693-4A15-9A9D-8345B65B3F1D}" dt="2024-05-23T20:06:18.037" v="3951" actId="20577"/>
-          <ac:spMkLst>
-            <pc:docMk/>
-            <pc:sldMk cId="1467586035" sldId="266"/>
-            <ac:spMk id="2" creationId="{F5533765-AE4D-3586-BFF0-C73FF51C6B9B}"/>
-          </ac:spMkLst>
-        </pc:spChg>
-        <pc:spChg chg="mod">
-          <ac:chgData name="Gibbons, Carl" userId="d2b037bc-8fb4-4222-845c-61440543a456" providerId="ADAL" clId="{AA20781C-E693-4A15-9A9D-8345B65B3F1D}" dt="2024-05-23T20:21:13.456" v="4392" actId="20577"/>
-          <ac:spMkLst>
-            <pc:docMk/>
-            <pc:sldMk cId="1467586035" sldId="266"/>
-            <ac:spMk id="7" creationId="{56F98B9D-53CB-0D01-51DD-F6B452AAB6C5}"/>
-          </ac:spMkLst>
-        </pc:spChg>
-      </pc:sldChg>
-    </pc:docChg>
-  </pc:docChgLst>
-  <pc:docChgLst>
-    <pc:chgData name="Gibbons, Carl" userId="d2b037bc-8fb4-4222-845c-61440543a456" providerId="ADAL" clId="{CE68D2EA-6C33-4320-B171-B4C637EE57D5}"/>
-    <pc:docChg chg="undo custSel delSld modSld">
-      <pc:chgData name="Gibbons, Carl" userId="d2b037bc-8fb4-4222-845c-61440543a456" providerId="ADAL" clId="{CE68D2EA-6C33-4320-B171-B4C637EE57D5}" dt="2024-02-04T05:12:30.446" v="2225" actId="5793"/>
-      <pc:docMkLst>
-        <pc:docMk/>
-      </pc:docMkLst>
-      <pc:sldChg chg="modSp mod">
-        <pc:chgData name="Gibbons, Carl" userId="d2b037bc-8fb4-4222-845c-61440543a456" providerId="ADAL" clId="{CE68D2EA-6C33-4320-B171-B4C637EE57D5}" dt="2024-02-04T04:34:37.470" v="1" actId="20577"/>
-        <pc:sldMkLst>
-          <pc:docMk/>
-          <pc:sldMk cId="3308175748" sldId="256"/>
-        </pc:sldMkLst>
-        <pc:spChg chg="mod">
-          <ac:chgData name="Gibbons, Carl" userId="d2b037bc-8fb4-4222-845c-61440543a456" providerId="ADAL" clId="{CE68D2EA-6C33-4320-B171-B4C637EE57D5}" dt="2024-02-04T04:34:37.470" v="1" actId="20577"/>
-          <ac:spMkLst>
-            <pc:docMk/>
-            <pc:sldMk cId="3308175748" sldId="256"/>
-            <ac:spMk id="3" creationId="{EEC4D41B-E776-05F2-BE0B-89BB339485AB}"/>
-          </ac:spMkLst>
-        </pc:spChg>
-      </pc:sldChg>
-      <pc:sldChg chg="modSp mod">
-        <pc:chgData name="Gibbons, Carl" userId="d2b037bc-8fb4-4222-845c-61440543a456" providerId="ADAL" clId="{CE68D2EA-6C33-4320-B171-B4C637EE57D5}" dt="2024-02-04T04:45:39.551" v="829" actId="20577"/>
-        <pc:sldMkLst>
-          <pc:docMk/>
-          <pc:sldMk cId="2312486803" sldId="261"/>
-        </pc:sldMkLst>
-        <pc:spChg chg="mod">
-          <ac:chgData name="Gibbons, Carl" userId="d2b037bc-8fb4-4222-845c-61440543a456" providerId="ADAL" clId="{CE68D2EA-6C33-4320-B171-B4C637EE57D5}" dt="2024-02-04T04:35:06.801" v="27" actId="20577"/>
-          <ac:spMkLst>
-            <pc:docMk/>
-            <pc:sldMk cId="2312486803" sldId="261"/>
+            <pc:sldMk cId="3885141102" sldId="273"/>
             <ac:spMk id="2" creationId="{31B75992-5098-A283-4925-2CCEBB801DC5}"/>
           </ac:spMkLst>
         </pc:spChg>
         <pc:spChg chg="mod">
-          <ac:chgData name="Gibbons, Carl" userId="d2b037bc-8fb4-4222-845c-61440543a456" providerId="ADAL" clId="{CE68D2EA-6C33-4320-B171-B4C637EE57D5}" dt="2024-02-04T04:45:39.551" v="829" actId="20577"/>
+          <ac:chgData name="Talbert, Matthew" userId="877a4118-3f16-4ac9-a72c-5dd2c7b28c85" providerId="ADAL" clId="{6D714EC8-FEBA-47AF-9B9B-F0C8F81011C5}" dt="2024-11-21T22:07:03.426" v="401" actId="12788"/>
           <ac:spMkLst>
             <pc:docMk/>
-            <pc:sldMk cId="2312486803" sldId="261"/>
+            <pc:sldMk cId="3885141102" sldId="273"/>
             <ac:spMk id="3" creationId="{B5924E0F-A977-1710-779D-EEB74261AF34}"/>
-          </ac:spMkLst>
-        </pc:spChg>
-      </pc:sldChg>
-      <pc:sldChg chg="modSp mod">
-        <pc:chgData name="Gibbons, Carl" userId="d2b037bc-8fb4-4222-845c-61440543a456" providerId="ADAL" clId="{CE68D2EA-6C33-4320-B171-B4C637EE57D5}" dt="2024-02-04T05:12:30.446" v="2225" actId="5793"/>
-        <pc:sldMkLst>
-          <pc:docMk/>
-          <pc:sldMk cId="3885141102" sldId="262"/>
-        </pc:sldMkLst>
-        <pc:spChg chg="mod">
-          <ac:chgData name="Gibbons, Carl" userId="d2b037bc-8fb4-4222-845c-61440543a456" providerId="ADAL" clId="{CE68D2EA-6C33-4320-B171-B4C637EE57D5}" dt="2024-02-04T05:12:30.446" v="2225" actId="5793"/>
-          <ac:spMkLst>
-            <pc:docMk/>
-            <pc:sldMk cId="3885141102" sldId="262"/>
-            <ac:spMk id="3" creationId="{B5924E0F-A977-1710-779D-EEB74261AF34}"/>
-          </ac:spMkLst>
-        </pc:spChg>
-      </pc:sldChg>
-      <pc:sldChg chg="del">
-        <pc:chgData name="Gibbons, Carl" userId="d2b037bc-8fb4-4222-845c-61440543a456" providerId="ADAL" clId="{CE68D2EA-6C33-4320-B171-B4C637EE57D5}" dt="2024-02-04T05:02:32.591" v="1790" actId="2696"/>
-        <pc:sldMkLst>
-          <pc:docMk/>
-          <pc:sldMk cId="1719402288" sldId="263"/>
-        </pc:sldMkLst>
-      </pc:sldChg>
-      <pc:sldChg chg="modSp mod">
-        <pc:chgData name="Gibbons, Carl" userId="d2b037bc-8fb4-4222-845c-61440543a456" providerId="ADAL" clId="{CE68D2EA-6C33-4320-B171-B4C637EE57D5}" dt="2024-02-04T05:01:45.101" v="1789" actId="2711"/>
-        <pc:sldMkLst>
-          <pc:docMk/>
-          <pc:sldMk cId="2993794741" sldId="265"/>
-        </pc:sldMkLst>
-        <pc:spChg chg="mod">
-          <ac:chgData name="Gibbons, Carl" userId="d2b037bc-8fb4-4222-845c-61440543a456" providerId="ADAL" clId="{CE68D2EA-6C33-4320-B171-B4C637EE57D5}" dt="2024-02-04T04:46:22.730" v="881" actId="20577"/>
-          <ac:spMkLst>
-            <pc:docMk/>
-            <pc:sldMk cId="2993794741" sldId="265"/>
-            <ac:spMk id="2" creationId="{31B75992-5098-A283-4925-2CCEBB801DC5}"/>
-          </ac:spMkLst>
-        </pc:spChg>
-        <pc:spChg chg="mod">
-          <ac:chgData name="Gibbons, Carl" userId="d2b037bc-8fb4-4222-845c-61440543a456" providerId="ADAL" clId="{CE68D2EA-6C33-4320-B171-B4C637EE57D5}" dt="2024-02-04T05:01:45.101" v="1789" actId="2711"/>
-          <ac:spMkLst>
-            <pc:docMk/>
-            <pc:sldMk cId="2993794741" sldId="265"/>
-            <ac:spMk id="3" creationId="{B5924E0F-A977-1710-779D-EEB74261AF34}"/>
-          </ac:spMkLst>
-        </pc:spChg>
-      </pc:sldChg>
-    </pc:docChg>
-  </pc:docChgLst>
-  <pc:docChgLst>
-    <pc:chgData name="Gibbons, Carl" userId="d2b037bc-8fb4-4222-845c-61440543a456" providerId="ADAL" clId="{3F16957D-3CF8-4F94-B0D9-126F32AD7D53}"/>
-    <pc:docChg chg="custSel delSld modSld">
-      <pc:chgData name="Gibbons, Carl" userId="d2b037bc-8fb4-4222-845c-61440543a456" providerId="ADAL" clId="{3F16957D-3CF8-4F94-B0D9-126F32AD7D53}" dt="2024-02-20T18:17:07.896" v="2268" actId="20577"/>
-      <pc:docMkLst>
-        <pc:docMk/>
-      </pc:docMkLst>
-      <pc:sldChg chg="modSp mod">
-        <pc:chgData name="Gibbons, Carl" userId="d2b037bc-8fb4-4222-845c-61440543a456" providerId="ADAL" clId="{3F16957D-3CF8-4F94-B0D9-126F32AD7D53}" dt="2024-02-20T17:54:02.532" v="23" actId="20577"/>
-        <pc:sldMkLst>
-          <pc:docMk/>
-          <pc:sldMk cId="3308175748" sldId="256"/>
-        </pc:sldMkLst>
-        <pc:spChg chg="mod">
-          <ac:chgData name="Gibbons, Carl" userId="d2b037bc-8fb4-4222-845c-61440543a456" providerId="ADAL" clId="{3F16957D-3CF8-4F94-B0D9-126F32AD7D53}" dt="2024-02-20T17:54:02.532" v="23" actId="20577"/>
-          <ac:spMkLst>
-            <pc:docMk/>
-            <pc:sldMk cId="3308175748" sldId="256"/>
-            <ac:spMk id="3" creationId="{EEC4D41B-E776-05F2-BE0B-89BB339485AB}"/>
-          </ac:spMkLst>
-        </pc:spChg>
-      </pc:sldChg>
-      <pc:sldChg chg="del">
-        <pc:chgData name="Gibbons, Carl" userId="d2b037bc-8fb4-4222-845c-61440543a456" providerId="ADAL" clId="{3F16957D-3CF8-4F94-B0D9-126F32AD7D53}" dt="2024-02-20T17:54:06.303" v="24" actId="47"/>
-        <pc:sldMkLst>
-          <pc:docMk/>
-          <pc:sldMk cId="3979649407" sldId="259"/>
-        </pc:sldMkLst>
-      </pc:sldChg>
-      <pc:sldChg chg="modSp mod">
-        <pc:chgData name="Gibbons, Carl" userId="d2b037bc-8fb4-4222-845c-61440543a456" providerId="ADAL" clId="{3F16957D-3CF8-4F94-B0D9-126F32AD7D53}" dt="2024-02-20T18:06:52.868" v="1177" actId="313"/>
-        <pc:sldMkLst>
-          <pc:docMk/>
-          <pc:sldMk cId="3885141102" sldId="262"/>
-        </pc:sldMkLst>
-        <pc:spChg chg="mod">
-          <ac:chgData name="Gibbons, Carl" userId="d2b037bc-8fb4-4222-845c-61440543a456" providerId="ADAL" clId="{3F16957D-3CF8-4F94-B0D9-126F32AD7D53}" dt="2024-02-20T18:06:52.868" v="1177" actId="313"/>
-          <ac:spMkLst>
-            <pc:docMk/>
-            <pc:sldMk cId="3885141102" sldId="262"/>
-            <ac:spMk id="3" creationId="{B5924E0F-A977-1710-779D-EEB74261AF34}"/>
-          </ac:spMkLst>
-        </pc:spChg>
-      </pc:sldChg>
-      <pc:sldChg chg="delSp modSp mod">
-        <pc:chgData name="Gibbons, Carl" userId="d2b037bc-8fb4-4222-845c-61440543a456" providerId="ADAL" clId="{3F16957D-3CF8-4F94-B0D9-126F32AD7D53}" dt="2024-02-20T18:04:22.967" v="1114" actId="20577"/>
-        <pc:sldMkLst>
-          <pc:docMk/>
-          <pc:sldMk cId="1196559129" sldId="264"/>
-        </pc:sldMkLst>
-        <pc:spChg chg="mod">
-          <ac:chgData name="Gibbons, Carl" userId="d2b037bc-8fb4-4222-845c-61440543a456" providerId="ADAL" clId="{3F16957D-3CF8-4F94-B0D9-126F32AD7D53}" dt="2024-02-20T17:54:51.385" v="108" actId="20577"/>
-          <ac:spMkLst>
-            <pc:docMk/>
-            <pc:sldMk cId="1196559129" sldId="264"/>
-            <ac:spMk id="2" creationId="{0E6A2DEF-4501-FAEA-A31C-4FDCBD076712}"/>
-          </ac:spMkLst>
-        </pc:spChg>
-        <pc:spChg chg="del">
-          <ac:chgData name="Gibbons, Carl" userId="d2b037bc-8fb4-4222-845c-61440543a456" providerId="ADAL" clId="{3F16957D-3CF8-4F94-B0D9-126F32AD7D53}" dt="2024-02-20T17:55:30.328" v="123" actId="478"/>
-          <ac:spMkLst>
-            <pc:docMk/>
-            <pc:sldMk cId="1196559129" sldId="264"/>
-            <ac:spMk id="3" creationId="{3D14E407-E782-7E7A-34C1-5C9B517D7996}"/>
-          </ac:spMkLst>
-        </pc:spChg>
-        <pc:spChg chg="del">
-          <ac:chgData name="Gibbons, Carl" userId="d2b037bc-8fb4-4222-845c-61440543a456" providerId="ADAL" clId="{3F16957D-3CF8-4F94-B0D9-126F32AD7D53}" dt="2024-02-20T17:55:35.116" v="124" actId="478"/>
-          <ac:spMkLst>
-            <pc:docMk/>
-            <pc:sldMk cId="1196559129" sldId="264"/>
-            <ac:spMk id="4" creationId="{A5C2117C-95FD-BD27-85E2-3A7873734773}"/>
-          </ac:spMkLst>
-        </pc:spChg>
-        <pc:spChg chg="mod">
-          <ac:chgData name="Gibbons, Carl" userId="d2b037bc-8fb4-4222-845c-61440543a456" providerId="ADAL" clId="{3F16957D-3CF8-4F94-B0D9-126F32AD7D53}" dt="2024-02-20T18:04:22.967" v="1114" actId="20577"/>
-          <ac:spMkLst>
-            <pc:docMk/>
-            <pc:sldMk cId="1196559129" sldId="264"/>
-            <ac:spMk id="7" creationId="{4247D23F-F3F9-676F-BDEB-E69E1F0AB32C}"/>
-          </ac:spMkLst>
-        </pc:spChg>
-      </pc:sldChg>
-      <pc:sldChg chg="modSp mod">
-        <pc:chgData name="Gibbons, Carl" userId="d2b037bc-8fb4-4222-845c-61440543a456" providerId="ADAL" clId="{3F16957D-3CF8-4F94-B0D9-126F32AD7D53}" dt="2024-02-20T18:17:07.896" v="2268" actId="20577"/>
-        <pc:sldMkLst>
-          <pc:docMk/>
-          <pc:sldMk cId="1400208519" sldId="265"/>
-        </pc:sldMkLst>
-        <pc:spChg chg="mod">
-          <ac:chgData name="Gibbons, Carl" userId="d2b037bc-8fb4-4222-845c-61440543a456" providerId="ADAL" clId="{3F16957D-3CF8-4F94-B0D9-126F32AD7D53}" dt="2024-02-20T18:06:08.798" v="1133" actId="20577"/>
-          <ac:spMkLst>
-            <pc:docMk/>
-            <pc:sldMk cId="1400208519" sldId="265"/>
-            <ac:spMk id="2" creationId="{832B45BA-6309-D8F6-D552-10D836B4EB21}"/>
-          </ac:spMkLst>
-        </pc:spChg>
-        <pc:spChg chg="mod">
-          <ac:chgData name="Gibbons, Carl" userId="d2b037bc-8fb4-4222-845c-61440543a456" providerId="ADAL" clId="{3F16957D-3CF8-4F94-B0D9-126F32AD7D53}" dt="2024-02-20T18:17:07.896" v="2268" actId="20577"/>
-          <ac:spMkLst>
-            <pc:docMk/>
-            <pc:sldMk cId="1400208519" sldId="265"/>
-            <ac:spMk id="7" creationId="{3CE889EF-4605-DB73-C7B2-D7E3C4957F48}"/>
-          </ac:spMkLst>
-        </pc:spChg>
-      </pc:sldChg>
-      <pc:sldChg chg="del">
-        <pc:chgData name="Gibbons, Carl" userId="d2b037bc-8fb4-4222-845c-61440543a456" providerId="ADAL" clId="{3F16957D-3CF8-4F94-B0D9-126F32AD7D53}" dt="2024-02-20T18:06:16.494" v="1134" actId="2696"/>
-        <pc:sldMkLst>
-          <pc:docMk/>
-          <pc:sldMk cId="1959728496" sldId="266"/>
-        </pc:sldMkLst>
-      </pc:sldChg>
-    </pc:docChg>
-  </pc:docChgLst>
-  <pc:docChgLst>
-    <pc:chgData name="Gibbons, Carl" userId="d2b037bc-8fb4-4222-845c-61440543a456" providerId="ADAL" clId="{8C497311-FA0D-4174-880A-DAA4EEB2BF3B}"/>
-    <pc:docChg chg="custSel delSld modSld">
-      <pc:chgData name="Gibbons, Carl" userId="d2b037bc-8fb4-4222-845c-61440543a456" providerId="ADAL" clId="{8C497311-FA0D-4174-880A-DAA4EEB2BF3B}" dt="2023-12-29T17:07:57.293" v="7187" actId="20577"/>
-      <pc:docMkLst>
-        <pc:docMk/>
-      </pc:docMkLst>
-      <pc:sldChg chg="modSp mod">
-        <pc:chgData name="Gibbons, Carl" userId="d2b037bc-8fb4-4222-845c-61440543a456" providerId="ADAL" clId="{8C497311-FA0D-4174-880A-DAA4EEB2BF3B}" dt="2023-12-29T17:06:57.427" v="7098" actId="20577"/>
-        <pc:sldMkLst>
-          <pc:docMk/>
-          <pc:sldMk cId="3308175748" sldId="256"/>
-        </pc:sldMkLst>
-        <pc:spChg chg="mod">
-          <ac:chgData name="Gibbons, Carl" userId="d2b037bc-8fb4-4222-845c-61440543a456" providerId="ADAL" clId="{8C497311-FA0D-4174-880A-DAA4EEB2BF3B}" dt="2023-12-29T17:06:57.427" v="7098" actId="20577"/>
-          <ac:spMkLst>
-            <pc:docMk/>
-            <pc:sldMk cId="3308175748" sldId="256"/>
-            <ac:spMk id="3" creationId="{EEC4D41B-E776-05F2-BE0B-89BB339485AB}"/>
-          </ac:spMkLst>
-        </pc:spChg>
-      </pc:sldChg>
-      <pc:sldChg chg="modSp mod">
-        <pc:chgData name="Gibbons, Carl" userId="d2b037bc-8fb4-4222-845c-61440543a456" providerId="ADAL" clId="{8C497311-FA0D-4174-880A-DAA4EEB2BF3B}" dt="2023-12-29T15:08:44.674" v="3403" actId="20577"/>
-        <pc:sldMkLst>
-          <pc:docMk/>
-          <pc:sldMk cId="2312486803" sldId="261"/>
-        </pc:sldMkLst>
-        <pc:spChg chg="mod">
-          <ac:chgData name="Gibbons, Carl" userId="d2b037bc-8fb4-4222-845c-61440543a456" providerId="ADAL" clId="{8C497311-FA0D-4174-880A-DAA4EEB2BF3B}" dt="2023-12-29T14:20:41.496" v="51" actId="20577"/>
-          <ac:spMkLst>
-            <pc:docMk/>
-            <pc:sldMk cId="2312486803" sldId="261"/>
-            <ac:spMk id="2" creationId="{31B75992-5098-A283-4925-2CCEBB801DC5}"/>
-          </ac:spMkLst>
-        </pc:spChg>
-        <pc:spChg chg="mod">
-          <ac:chgData name="Gibbons, Carl" userId="d2b037bc-8fb4-4222-845c-61440543a456" providerId="ADAL" clId="{8C497311-FA0D-4174-880A-DAA4EEB2BF3B}" dt="2023-12-29T15:08:44.674" v="3403" actId="20577"/>
-          <ac:spMkLst>
-            <pc:docMk/>
-            <pc:sldMk cId="2312486803" sldId="261"/>
-            <ac:spMk id="3" creationId="{B5924E0F-A977-1710-779D-EEB74261AF34}"/>
-          </ac:spMkLst>
-        </pc:spChg>
-      </pc:sldChg>
-      <pc:sldChg chg="delSp modSp mod">
-        <pc:chgData name="Gibbons, Carl" userId="d2b037bc-8fb4-4222-845c-61440543a456" providerId="ADAL" clId="{8C497311-FA0D-4174-880A-DAA4EEB2BF3B}" dt="2023-12-29T17:07:57.293" v="7187" actId="20577"/>
-        <pc:sldMkLst>
-          <pc:docMk/>
-          <pc:sldMk cId="657795359" sldId="277"/>
-        </pc:sldMkLst>
-        <pc:spChg chg="mod">
-          <ac:chgData name="Gibbons, Carl" userId="d2b037bc-8fb4-4222-845c-61440543a456" providerId="ADAL" clId="{8C497311-FA0D-4174-880A-DAA4EEB2BF3B}" dt="2023-12-29T17:07:57.293" v="7187" actId="20577"/>
-          <ac:spMkLst>
-            <pc:docMk/>
-            <pc:sldMk cId="657795359" sldId="277"/>
-            <ac:spMk id="2" creationId="{1862E903-3C56-BB42-2361-009F2336475A}"/>
-          </ac:spMkLst>
-        </pc:spChg>
-        <pc:spChg chg="del mod">
-          <ac:chgData name="Gibbons, Carl" userId="d2b037bc-8fb4-4222-845c-61440543a456" providerId="ADAL" clId="{8C497311-FA0D-4174-880A-DAA4EEB2BF3B}" dt="2023-12-29T17:07:50.480" v="7185"/>
-          <ac:spMkLst>
-            <pc:docMk/>
-            <pc:sldMk cId="657795359" sldId="277"/>
-            <ac:spMk id="3" creationId="{90179172-96B3-95D0-A137-257770BE7642}"/>
-          </ac:spMkLst>
-        </pc:spChg>
-      </pc:sldChg>
-      <pc:sldChg chg="modSp mod">
-        <pc:chgData name="Gibbons, Carl" userId="d2b037bc-8fb4-4222-845c-61440543a456" providerId="ADAL" clId="{8C497311-FA0D-4174-880A-DAA4EEB2BF3B}" dt="2023-12-29T15:35:37.192" v="6042" actId="5793"/>
-        <pc:sldMkLst>
-          <pc:docMk/>
-          <pc:sldMk cId="3989541258" sldId="278"/>
-        </pc:sldMkLst>
-        <pc:spChg chg="mod">
-          <ac:chgData name="Gibbons, Carl" userId="d2b037bc-8fb4-4222-845c-61440543a456" providerId="ADAL" clId="{8C497311-FA0D-4174-880A-DAA4EEB2BF3B}" dt="2023-12-29T15:09:22.213" v="3411" actId="20577"/>
-          <ac:spMkLst>
-            <pc:docMk/>
-            <pc:sldMk cId="3989541258" sldId="278"/>
-            <ac:spMk id="2" creationId="{31B75992-5098-A283-4925-2CCEBB801DC5}"/>
-          </ac:spMkLst>
-        </pc:spChg>
-        <pc:spChg chg="mod">
-          <ac:chgData name="Gibbons, Carl" userId="d2b037bc-8fb4-4222-845c-61440543a456" providerId="ADAL" clId="{8C497311-FA0D-4174-880A-DAA4EEB2BF3B}" dt="2023-12-29T15:35:37.192" v="6042" actId="5793"/>
-          <ac:spMkLst>
-            <pc:docMk/>
-            <pc:sldMk cId="3989541258" sldId="278"/>
-            <ac:spMk id="3" creationId="{B5924E0F-A977-1710-779D-EEB74261AF34}"/>
-          </ac:spMkLst>
-        </pc:spChg>
-      </pc:sldChg>
-      <pc:sldChg chg="del">
-        <pc:chgData name="Gibbons, Carl" userId="d2b037bc-8fb4-4222-845c-61440543a456" providerId="ADAL" clId="{8C497311-FA0D-4174-880A-DAA4EEB2BF3B}" dt="2023-12-29T17:07:06.467" v="7099" actId="47"/>
-        <pc:sldMkLst>
-          <pc:docMk/>
-          <pc:sldMk cId="2335633195" sldId="279"/>
-        </pc:sldMkLst>
-      </pc:sldChg>
-      <pc:sldChg chg="del">
-        <pc:chgData name="Gibbons, Carl" userId="d2b037bc-8fb4-4222-845c-61440543a456" providerId="ADAL" clId="{8C497311-FA0D-4174-880A-DAA4EEB2BF3B}" dt="2023-12-29T17:07:07.395" v="7100" actId="47"/>
-        <pc:sldMkLst>
-          <pc:docMk/>
-          <pc:sldMk cId="1284534978" sldId="280"/>
-        </pc:sldMkLst>
-      </pc:sldChg>
-      <pc:sldChg chg="del">
-        <pc:chgData name="Gibbons, Carl" userId="d2b037bc-8fb4-4222-845c-61440543a456" providerId="ADAL" clId="{8C497311-FA0D-4174-880A-DAA4EEB2BF3B}" dt="2023-12-29T17:07:07.895" v="7101" actId="47"/>
-        <pc:sldMkLst>
-          <pc:docMk/>
-          <pc:sldMk cId="1802585387" sldId="281"/>
-        </pc:sldMkLst>
-      </pc:sldChg>
-      <pc:sldChg chg="del">
-        <pc:chgData name="Gibbons, Carl" userId="d2b037bc-8fb4-4222-845c-61440543a456" providerId="ADAL" clId="{8C497311-FA0D-4174-880A-DAA4EEB2BF3B}" dt="2023-12-29T17:07:08.365" v="7102" actId="47"/>
-        <pc:sldMkLst>
-          <pc:docMk/>
-          <pc:sldMk cId="724803187" sldId="282"/>
-        </pc:sldMkLst>
-      </pc:sldChg>
-      <pc:sldChg chg="del">
-        <pc:chgData name="Gibbons, Carl" userId="d2b037bc-8fb4-4222-845c-61440543a456" providerId="ADAL" clId="{8C497311-FA0D-4174-880A-DAA4EEB2BF3B}" dt="2023-12-29T17:07:08.842" v="7103" actId="47"/>
-        <pc:sldMkLst>
-          <pc:docMk/>
-          <pc:sldMk cId="1926009205" sldId="283"/>
-        </pc:sldMkLst>
-      </pc:sldChg>
-      <pc:sldChg chg="del">
-        <pc:chgData name="Gibbons, Carl" userId="d2b037bc-8fb4-4222-845c-61440543a456" providerId="ADAL" clId="{8C497311-FA0D-4174-880A-DAA4EEB2BF3B}" dt="2023-12-29T17:07:09.362" v="7104" actId="47"/>
-        <pc:sldMkLst>
-          <pc:docMk/>
-          <pc:sldMk cId="2366216895" sldId="284"/>
-        </pc:sldMkLst>
-      </pc:sldChg>
-      <pc:sldChg chg="del">
-        <pc:chgData name="Gibbons, Carl" userId="d2b037bc-8fb4-4222-845c-61440543a456" providerId="ADAL" clId="{8C497311-FA0D-4174-880A-DAA4EEB2BF3B}" dt="2023-12-29T17:07:09.925" v="7105" actId="47"/>
-        <pc:sldMkLst>
-          <pc:docMk/>
-          <pc:sldMk cId="3371896289" sldId="285"/>
-        </pc:sldMkLst>
-      </pc:sldChg>
-      <pc:sldChg chg="del">
-        <pc:chgData name="Gibbons, Carl" userId="d2b037bc-8fb4-4222-845c-61440543a456" providerId="ADAL" clId="{8C497311-FA0D-4174-880A-DAA4EEB2BF3B}" dt="2023-12-29T17:07:10.474" v="7106" actId="47"/>
-        <pc:sldMkLst>
-          <pc:docMk/>
-          <pc:sldMk cId="3193160409" sldId="286"/>
-        </pc:sldMkLst>
-      </pc:sldChg>
-      <pc:sldChg chg="del">
-        <pc:chgData name="Gibbons, Carl" userId="d2b037bc-8fb4-4222-845c-61440543a456" providerId="ADAL" clId="{8C497311-FA0D-4174-880A-DAA4EEB2BF3B}" dt="2023-12-29T17:07:11.056" v="7107" actId="47"/>
-        <pc:sldMkLst>
-          <pc:docMk/>
-          <pc:sldMk cId="2688338374" sldId="287"/>
-        </pc:sldMkLst>
-      </pc:sldChg>
-      <pc:sldChg chg="del">
-        <pc:chgData name="Gibbons, Carl" userId="d2b037bc-8fb4-4222-845c-61440543a456" providerId="ADAL" clId="{8C497311-FA0D-4174-880A-DAA4EEB2BF3B}" dt="2023-12-29T17:07:11.624" v="7108" actId="47"/>
-        <pc:sldMkLst>
-          <pc:docMk/>
-          <pc:sldMk cId="2142935017" sldId="288"/>
-        </pc:sldMkLst>
-      </pc:sldChg>
-      <pc:sldChg chg="del">
-        <pc:chgData name="Gibbons, Carl" userId="d2b037bc-8fb4-4222-845c-61440543a456" providerId="ADAL" clId="{8C497311-FA0D-4174-880A-DAA4EEB2BF3B}" dt="2023-12-29T17:07:12.218" v="7109" actId="47"/>
-        <pc:sldMkLst>
-          <pc:docMk/>
-          <pc:sldMk cId="2784625941" sldId="289"/>
-        </pc:sldMkLst>
-      </pc:sldChg>
-      <pc:sldChg chg="del">
-        <pc:chgData name="Gibbons, Carl" userId="d2b037bc-8fb4-4222-845c-61440543a456" providerId="ADAL" clId="{8C497311-FA0D-4174-880A-DAA4EEB2BF3B}" dt="2023-12-29T17:07:12.802" v="7110" actId="47"/>
-        <pc:sldMkLst>
-          <pc:docMk/>
-          <pc:sldMk cId="1677974689" sldId="290"/>
-        </pc:sldMkLst>
-      </pc:sldChg>
-      <pc:sldChg chg="del">
-        <pc:chgData name="Gibbons, Carl" userId="d2b037bc-8fb4-4222-845c-61440543a456" providerId="ADAL" clId="{8C497311-FA0D-4174-880A-DAA4EEB2BF3B}" dt="2023-12-29T17:07:13.420" v="7111" actId="47"/>
-        <pc:sldMkLst>
-          <pc:docMk/>
-          <pc:sldMk cId="4219326696" sldId="291"/>
-        </pc:sldMkLst>
-      </pc:sldChg>
-      <pc:sldChg chg="del">
-        <pc:chgData name="Gibbons, Carl" userId="d2b037bc-8fb4-4222-845c-61440543a456" providerId="ADAL" clId="{8C497311-FA0D-4174-880A-DAA4EEB2BF3B}" dt="2023-12-29T17:07:14.054" v="7112" actId="47"/>
-        <pc:sldMkLst>
-          <pc:docMk/>
-          <pc:sldMk cId="33911121" sldId="292"/>
-        </pc:sldMkLst>
-      </pc:sldChg>
-      <pc:sldChg chg="modSp mod">
-        <pc:chgData name="Gibbons, Carl" userId="d2b037bc-8fb4-4222-845c-61440543a456" providerId="ADAL" clId="{8C497311-FA0D-4174-880A-DAA4EEB2BF3B}" dt="2023-12-29T15:43:57.081" v="7062" actId="20577"/>
-        <pc:sldMkLst>
-          <pc:docMk/>
-          <pc:sldMk cId="1861646120" sldId="293"/>
-        </pc:sldMkLst>
-        <pc:spChg chg="mod">
-          <ac:chgData name="Gibbons, Carl" userId="d2b037bc-8fb4-4222-845c-61440543a456" providerId="ADAL" clId="{8C497311-FA0D-4174-880A-DAA4EEB2BF3B}" dt="2023-12-29T15:36:21.703" v="6112" actId="20577"/>
-          <ac:spMkLst>
-            <pc:docMk/>
-            <pc:sldMk cId="1861646120" sldId="293"/>
-            <ac:spMk id="2" creationId="{31B75992-5098-A283-4925-2CCEBB801DC5}"/>
-          </ac:spMkLst>
-        </pc:spChg>
-        <pc:spChg chg="mod">
-          <ac:chgData name="Gibbons, Carl" userId="d2b037bc-8fb4-4222-845c-61440543a456" providerId="ADAL" clId="{8C497311-FA0D-4174-880A-DAA4EEB2BF3B}" dt="2023-12-29T15:43:57.081" v="7062" actId="20577"/>
-          <ac:spMkLst>
-            <pc:docMk/>
-            <pc:sldMk cId="1861646120" sldId="293"/>
-            <ac:spMk id="3" creationId="{B5924E0F-A977-1710-779D-EEB74261AF34}"/>
-          </ac:spMkLst>
-        </pc:spChg>
-      </pc:sldChg>
-    </pc:docChg>
-  </pc:docChgLst>
-  <pc:docChgLst>
-    <pc:chgData name="Gibbons, Carl" userId="d2b037bc-8fb4-4222-845c-61440543a456" providerId="ADAL" clId="{06905CFC-A46E-472D-890F-9117438C8D89}"/>
-    <pc:docChg chg="custSel addSld delSld modSld">
-      <pc:chgData name="Gibbons, Carl" userId="d2b037bc-8fb4-4222-845c-61440543a456" providerId="ADAL" clId="{06905CFC-A46E-472D-890F-9117438C8D89}" dt="2024-02-04T04:33:39.872" v="4931" actId="20577"/>
-      <pc:docMkLst>
-        <pc:docMk/>
-      </pc:docMkLst>
-      <pc:sldChg chg="modSp mod">
-        <pc:chgData name="Gibbons, Carl" userId="d2b037bc-8fb4-4222-845c-61440543a456" providerId="ADAL" clId="{06905CFC-A46E-472D-890F-9117438C8D89}" dt="2024-02-04T02:59:56.129" v="48" actId="20577"/>
-        <pc:sldMkLst>
-          <pc:docMk/>
-          <pc:sldMk cId="3308175748" sldId="256"/>
-        </pc:sldMkLst>
-        <pc:spChg chg="mod">
-          <ac:chgData name="Gibbons, Carl" userId="d2b037bc-8fb4-4222-845c-61440543a456" providerId="ADAL" clId="{06905CFC-A46E-472D-890F-9117438C8D89}" dt="2024-02-04T02:59:56.129" v="48" actId="20577"/>
-          <ac:spMkLst>
-            <pc:docMk/>
-            <pc:sldMk cId="3308175748" sldId="256"/>
-            <ac:spMk id="3" creationId="{EEC4D41B-E776-05F2-BE0B-89BB339485AB}"/>
-          </ac:spMkLst>
-        </pc:spChg>
-      </pc:sldChg>
-      <pc:sldChg chg="modSp mod">
-        <pc:chgData name="Gibbons, Carl" userId="d2b037bc-8fb4-4222-845c-61440543a456" providerId="ADAL" clId="{06905CFC-A46E-472D-890F-9117438C8D89}" dt="2024-02-04T03:54:18.112" v="2151" actId="15"/>
-        <pc:sldMkLst>
-          <pc:docMk/>
-          <pc:sldMk cId="2312486803" sldId="261"/>
-        </pc:sldMkLst>
-        <pc:spChg chg="mod">
-          <ac:chgData name="Gibbons, Carl" userId="d2b037bc-8fb4-4222-845c-61440543a456" providerId="ADAL" clId="{06905CFC-A46E-472D-890F-9117438C8D89}" dt="2024-02-04T03:52:20.850" v="2087" actId="20577"/>
-          <ac:spMkLst>
-            <pc:docMk/>
-            <pc:sldMk cId="2312486803" sldId="261"/>
-            <ac:spMk id="2" creationId="{31B75992-5098-A283-4925-2CCEBB801DC5}"/>
-          </ac:spMkLst>
-        </pc:spChg>
-        <pc:spChg chg="mod">
-          <ac:chgData name="Gibbons, Carl" userId="d2b037bc-8fb4-4222-845c-61440543a456" providerId="ADAL" clId="{06905CFC-A46E-472D-890F-9117438C8D89}" dt="2024-02-04T03:54:18.112" v="2151" actId="15"/>
-          <ac:spMkLst>
-            <pc:docMk/>
-            <pc:sldMk cId="2312486803" sldId="261"/>
-            <ac:spMk id="3" creationId="{B5924E0F-A977-1710-779D-EEB74261AF34}"/>
-          </ac:spMkLst>
-        </pc:spChg>
-      </pc:sldChg>
-      <pc:sldChg chg="modSp mod">
-        <pc:chgData name="Gibbons, Carl" userId="d2b037bc-8fb4-4222-845c-61440543a456" providerId="ADAL" clId="{06905CFC-A46E-472D-890F-9117438C8D89}" dt="2024-02-04T04:33:39.872" v="4931" actId="20577"/>
-        <pc:sldMkLst>
-          <pc:docMk/>
-          <pc:sldMk cId="3885141102" sldId="262"/>
-        </pc:sldMkLst>
-        <pc:spChg chg="mod">
-          <ac:chgData name="Gibbons, Carl" userId="d2b037bc-8fb4-4222-845c-61440543a456" providerId="ADAL" clId="{06905CFC-A46E-472D-890F-9117438C8D89}" dt="2024-02-04T04:33:39.872" v="4931" actId="20577"/>
-          <ac:spMkLst>
-            <pc:docMk/>
-            <pc:sldMk cId="3885141102" sldId="262"/>
-            <ac:spMk id="3" creationId="{B5924E0F-A977-1710-779D-EEB74261AF34}"/>
-          </ac:spMkLst>
-        </pc:spChg>
-      </pc:sldChg>
-      <pc:sldChg chg="modSp mod">
-        <pc:chgData name="Gibbons, Carl" userId="d2b037bc-8fb4-4222-845c-61440543a456" providerId="ADAL" clId="{06905CFC-A46E-472D-890F-9117438C8D89}" dt="2024-02-04T04:32:40.613" v="4865" actId="20577"/>
-        <pc:sldMkLst>
-          <pc:docMk/>
-          <pc:sldMk cId="1719402288" sldId="263"/>
-        </pc:sldMkLst>
-        <pc:spChg chg="mod">
-          <ac:chgData name="Gibbons, Carl" userId="d2b037bc-8fb4-4222-845c-61440543a456" providerId="ADAL" clId="{06905CFC-A46E-472D-890F-9117438C8D89}" dt="2024-02-04T04:12:26.573" v="3314" actId="20577"/>
-          <ac:spMkLst>
-            <pc:docMk/>
-            <pc:sldMk cId="1719402288" sldId="263"/>
-            <ac:spMk id="2" creationId="{31B75992-5098-A283-4925-2CCEBB801DC5}"/>
-          </ac:spMkLst>
-        </pc:spChg>
-        <pc:spChg chg="mod">
-          <ac:chgData name="Gibbons, Carl" userId="d2b037bc-8fb4-4222-845c-61440543a456" providerId="ADAL" clId="{06905CFC-A46E-472D-890F-9117438C8D89}" dt="2024-02-04T04:32:40.613" v="4865" actId="20577"/>
-          <ac:spMkLst>
-            <pc:docMk/>
-            <pc:sldMk cId="1719402288" sldId="263"/>
-            <ac:spMk id="3" creationId="{B5924E0F-A977-1710-779D-EEB74261AF34}"/>
-          </ac:spMkLst>
-        </pc:spChg>
-      </pc:sldChg>
-      <pc:sldChg chg="modSp new del mod">
-        <pc:chgData name="Gibbons, Carl" userId="d2b037bc-8fb4-4222-845c-61440543a456" providerId="ADAL" clId="{06905CFC-A46E-472D-890F-9117438C8D89}" dt="2024-02-04T03:52:51.701" v="2091" actId="2696"/>
-        <pc:sldMkLst>
-          <pc:docMk/>
-          <pc:sldMk cId="122773691" sldId="264"/>
-        </pc:sldMkLst>
-        <pc:spChg chg="mod">
-          <ac:chgData name="Gibbons, Carl" userId="d2b037bc-8fb4-4222-845c-61440543a456" providerId="ADAL" clId="{06905CFC-A46E-472D-890F-9117438C8D89}" dt="2024-02-04T03:52:47.108" v="2090" actId="27636"/>
-          <ac:spMkLst>
-            <pc:docMk/>
-            <pc:sldMk cId="122773691" sldId="264"/>
-            <ac:spMk id="2" creationId="{25B9B666-A3B3-5530-8F45-BA2562A6655A}"/>
-          </ac:spMkLst>
-        </pc:spChg>
-      </pc:sldChg>
-      <pc:sldChg chg="modSp add mod">
-        <pc:chgData name="Gibbons, Carl" userId="d2b037bc-8fb4-4222-845c-61440543a456" providerId="ADAL" clId="{06905CFC-A46E-472D-890F-9117438C8D89}" dt="2024-02-04T04:11:43.510" v="3278" actId="20577"/>
-        <pc:sldMkLst>
-          <pc:docMk/>
-          <pc:sldMk cId="2993794741" sldId="265"/>
-        </pc:sldMkLst>
-        <pc:spChg chg="mod">
-          <ac:chgData name="Gibbons, Carl" userId="d2b037bc-8fb4-4222-845c-61440543a456" providerId="ADAL" clId="{06905CFC-A46E-472D-890F-9117438C8D89}" dt="2024-02-04T03:53:00.875" v="2111" actId="20577"/>
-          <ac:spMkLst>
-            <pc:docMk/>
-            <pc:sldMk cId="2993794741" sldId="265"/>
-            <ac:spMk id="2" creationId="{31B75992-5098-A283-4925-2CCEBB801DC5}"/>
-          </ac:spMkLst>
-        </pc:spChg>
-        <pc:spChg chg="mod">
-          <ac:chgData name="Gibbons, Carl" userId="d2b037bc-8fb4-4222-845c-61440543a456" providerId="ADAL" clId="{06905CFC-A46E-472D-890F-9117438C8D89}" dt="2024-02-04T04:11:43.510" v="3278" actId="20577"/>
-          <ac:spMkLst>
-            <pc:docMk/>
-            <pc:sldMk cId="2993794741" sldId="265"/>
-            <ac:spMk id="3" creationId="{B5924E0F-A977-1710-779D-EEB74261AF34}"/>
-          </ac:spMkLst>
-        </pc:spChg>
-      </pc:sldChg>
-    </pc:docChg>
-  </pc:docChgLst>
-  <pc:docChgLst>
-    <pc:chgData name="Gibbons, Carl" userId="d2b037bc-8fb4-4222-845c-61440543a456" providerId="ADAL" clId="{3D73FC3D-A932-426E-A7E0-475220CAB957}"/>
-    <pc:docChg chg="undo redo custSel addSld delSld modSld">
-      <pc:chgData name="Gibbons, Carl" userId="d2b037bc-8fb4-4222-845c-61440543a456" providerId="ADAL" clId="{3D73FC3D-A932-426E-A7E0-475220CAB957}" dt="2023-12-24T03:24:28.415" v="11663" actId="20577"/>
-      <pc:docMkLst>
-        <pc:docMk/>
-      </pc:docMkLst>
-      <pc:sldChg chg="modSp mod">
-        <pc:chgData name="Gibbons, Carl" userId="d2b037bc-8fb4-4222-845c-61440543a456" providerId="ADAL" clId="{3D73FC3D-A932-426E-A7E0-475220CAB957}" dt="2023-12-23T23:38:20.022" v="49" actId="20577"/>
-        <pc:sldMkLst>
-          <pc:docMk/>
-          <pc:sldMk cId="3308175748" sldId="256"/>
-        </pc:sldMkLst>
-        <pc:spChg chg="mod">
-          <ac:chgData name="Gibbons, Carl" userId="d2b037bc-8fb4-4222-845c-61440543a456" providerId="ADAL" clId="{3D73FC3D-A932-426E-A7E0-475220CAB957}" dt="2023-12-23T23:38:20.022" v="49" actId="20577"/>
-          <ac:spMkLst>
-            <pc:docMk/>
-            <pc:sldMk cId="3308175748" sldId="256"/>
-            <ac:spMk id="3" creationId="{EEC4D41B-E776-05F2-BE0B-89BB339485AB}"/>
-          </ac:spMkLst>
-        </pc:spChg>
-      </pc:sldChg>
-      <pc:sldChg chg="modSp mod">
-        <pc:chgData name="Gibbons, Carl" userId="d2b037bc-8fb4-4222-845c-61440543a456" providerId="ADAL" clId="{3D73FC3D-A932-426E-A7E0-475220CAB957}" dt="2023-12-24T01:13:09.893" v="3743" actId="20577"/>
-        <pc:sldMkLst>
-          <pc:docMk/>
-          <pc:sldMk cId="519357719" sldId="260"/>
-        </pc:sldMkLst>
-        <pc:spChg chg="mod">
-          <ac:chgData name="Gibbons, Carl" userId="d2b037bc-8fb4-4222-845c-61440543a456" providerId="ADAL" clId="{3D73FC3D-A932-426E-A7E0-475220CAB957}" dt="2023-12-24T00:45:38.249" v="1787" actId="20577"/>
-          <ac:spMkLst>
-            <pc:docMk/>
-            <pc:sldMk cId="519357719" sldId="260"/>
-            <ac:spMk id="2" creationId="{E8E7C5B6-3D55-D6F8-C2DE-9B6E32C23A9C}"/>
-          </ac:spMkLst>
-        </pc:spChg>
-        <pc:spChg chg="mod">
-          <ac:chgData name="Gibbons, Carl" userId="d2b037bc-8fb4-4222-845c-61440543a456" providerId="ADAL" clId="{3D73FC3D-A932-426E-A7E0-475220CAB957}" dt="2023-12-24T01:13:09.893" v="3743" actId="20577"/>
-          <ac:spMkLst>
-            <pc:docMk/>
-            <pc:sldMk cId="519357719" sldId="260"/>
-            <ac:spMk id="3" creationId="{17D02A72-79B4-B4A1-5F2B-4922B2F25909}"/>
-          </ac:spMkLst>
-        </pc:spChg>
-      </pc:sldChg>
-      <pc:sldChg chg="addSp modSp mod">
-        <pc:chgData name="Gibbons, Carl" userId="d2b037bc-8fb4-4222-845c-61440543a456" providerId="ADAL" clId="{3D73FC3D-A932-426E-A7E0-475220CAB957}" dt="2023-12-24T00:00:09.105" v="711" actId="20577"/>
-        <pc:sldMkLst>
-          <pc:docMk/>
-          <pc:sldMk cId="2312486803" sldId="261"/>
-        </pc:sldMkLst>
-        <pc:spChg chg="mod">
-          <ac:chgData name="Gibbons, Carl" userId="d2b037bc-8fb4-4222-845c-61440543a456" providerId="ADAL" clId="{3D73FC3D-A932-426E-A7E0-475220CAB957}" dt="2023-12-23T23:50:04.782" v="85" actId="20577"/>
-          <ac:spMkLst>
-            <pc:docMk/>
-            <pc:sldMk cId="2312486803" sldId="261"/>
-            <ac:spMk id="2" creationId="{31B75992-5098-A283-4925-2CCEBB801DC5}"/>
-          </ac:spMkLst>
-        </pc:spChg>
-        <pc:spChg chg="mod">
-          <ac:chgData name="Gibbons, Carl" userId="d2b037bc-8fb4-4222-845c-61440543a456" providerId="ADAL" clId="{3D73FC3D-A932-426E-A7E0-475220CAB957}" dt="2023-12-24T00:00:09.105" v="711" actId="20577"/>
-          <ac:spMkLst>
-            <pc:docMk/>
-            <pc:sldMk cId="2312486803" sldId="261"/>
-            <ac:spMk id="3" creationId="{B5924E0F-A977-1710-779D-EEB74261AF34}"/>
-          </ac:spMkLst>
-        </pc:spChg>
-        <pc:picChg chg="add mod">
-          <ac:chgData name="Gibbons, Carl" userId="d2b037bc-8fb4-4222-845c-61440543a456" providerId="ADAL" clId="{3D73FC3D-A932-426E-A7E0-475220CAB957}" dt="2023-12-23T23:51:02.278" v="91" actId="1076"/>
-          <ac:picMkLst>
-            <pc:docMk/>
-            <pc:sldMk cId="2312486803" sldId="261"/>
-            <ac:picMk id="5" creationId="{95F1B758-8221-A28F-F68D-1A79ADBC274D}"/>
-          </ac:picMkLst>
-        </pc:picChg>
-      </pc:sldChg>
-      <pc:sldChg chg="modSp mod">
-        <pc:chgData name="Gibbons, Carl" userId="d2b037bc-8fb4-4222-845c-61440543a456" providerId="ADAL" clId="{3D73FC3D-A932-426E-A7E0-475220CAB957}" dt="2023-12-24T00:44:00.546" v="1681" actId="20577"/>
-        <pc:sldMkLst>
-          <pc:docMk/>
-          <pc:sldMk cId="378743348" sldId="270"/>
-        </pc:sldMkLst>
-        <pc:spChg chg="mod">
-          <ac:chgData name="Gibbons, Carl" userId="d2b037bc-8fb4-4222-845c-61440543a456" providerId="ADAL" clId="{3D73FC3D-A932-426E-A7E0-475220CAB957}" dt="2023-12-24T00:42:29.049" v="1647" actId="114"/>
-          <ac:spMkLst>
-            <pc:docMk/>
-            <pc:sldMk cId="378743348" sldId="270"/>
-            <ac:spMk id="2" creationId="{C5822466-AC61-5579-F313-7B8A3FE65CC8}"/>
-          </ac:spMkLst>
-        </pc:spChg>
-        <pc:spChg chg="mod">
-          <ac:chgData name="Gibbons, Carl" userId="d2b037bc-8fb4-4222-845c-61440543a456" providerId="ADAL" clId="{3D73FC3D-A932-426E-A7E0-475220CAB957}" dt="2023-12-24T00:44:00.546" v="1681" actId="20577"/>
-          <ac:spMkLst>
-            <pc:docMk/>
-            <pc:sldMk cId="378743348" sldId="270"/>
-            <ac:spMk id="3" creationId="{80041865-9773-290D-EB35-F8AF8BFC505C}"/>
-          </ac:spMkLst>
-        </pc:spChg>
-      </pc:sldChg>
-      <pc:sldChg chg="modSp mod">
-        <pc:chgData name="Gibbons, Carl" userId="d2b037bc-8fb4-4222-845c-61440543a456" providerId="ADAL" clId="{3D73FC3D-A932-426E-A7E0-475220CAB957}" dt="2023-12-24T03:24:28.415" v="11663" actId="20577"/>
-        <pc:sldMkLst>
-          <pc:docMk/>
-          <pc:sldMk cId="657795359" sldId="277"/>
-        </pc:sldMkLst>
-        <pc:spChg chg="mod">
-          <ac:chgData name="Gibbons, Carl" userId="d2b037bc-8fb4-4222-845c-61440543a456" providerId="ADAL" clId="{3D73FC3D-A932-426E-A7E0-475220CAB957}" dt="2023-12-24T03:22:59.669" v="11407" actId="20577"/>
-          <ac:spMkLst>
-            <pc:docMk/>
-            <pc:sldMk cId="657795359" sldId="277"/>
-            <ac:spMk id="2" creationId="{1862E903-3C56-BB42-2361-009F2336475A}"/>
-          </ac:spMkLst>
-        </pc:spChg>
-        <pc:spChg chg="mod">
-          <ac:chgData name="Gibbons, Carl" userId="d2b037bc-8fb4-4222-845c-61440543a456" providerId="ADAL" clId="{3D73FC3D-A932-426E-A7E0-475220CAB957}" dt="2023-12-24T03:24:28.415" v="11663" actId="20577"/>
-          <ac:spMkLst>
-            <pc:docMk/>
-            <pc:sldMk cId="657795359" sldId="277"/>
-            <ac:spMk id="3" creationId="{90179172-96B3-95D0-A137-257770BE7642}"/>
-          </ac:spMkLst>
-        </pc:spChg>
-      </pc:sldChg>
-      <pc:sldChg chg="modSp mod">
-        <pc:chgData name="Gibbons, Carl" userId="d2b037bc-8fb4-4222-845c-61440543a456" providerId="ADAL" clId="{3D73FC3D-A932-426E-A7E0-475220CAB957}" dt="2023-12-24T01:34:56.666" v="4550" actId="20577"/>
-        <pc:sldMkLst>
-          <pc:docMk/>
-          <pc:sldMk cId="376509629" sldId="278"/>
-        </pc:sldMkLst>
-        <pc:spChg chg="mod">
-          <ac:chgData name="Gibbons, Carl" userId="d2b037bc-8fb4-4222-845c-61440543a456" providerId="ADAL" clId="{3D73FC3D-A932-426E-A7E0-475220CAB957}" dt="2023-12-24T01:29:35.543" v="4429" actId="20577"/>
-          <ac:spMkLst>
-            <pc:docMk/>
-            <pc:sldMk cId="376509629" sldId="278"/>
-            <ac:spMk id="2" creationId="{E8E7C5B6-3D55-D6F8-C2DE-9B6E32C23A9C}"/>
-          </ac:spMkLst>
-        </pc:spChg>
-        <pc:spChg chg="mod">
-          <ac:chgData name="Gibbons, Carl" userId="d2b037bc-8fb4-4222-845c-61440543a456" providerId="ADAL" clId="{3D73FC3D-A932-426E-A7E0-475220CAB957}" dt="2023-12-24T01:34:56.666" v="4550" actId="20577"/>
-          <ac:spMkLst>
-            <pc:docMk/>
-            <pc:sldMk cId="376509629" sldId="278"/>
-            <ac:spMk id="3" creationId="{17D02A72-79B4-B4A1-5F2B-4922B2F25909}"/>
-          </ac:spMkLst>
-        </pc:spChg>
-      </pc:sldChg>
-      <pc:sldChg chg="modSp add mod">
-        <pc:chgData name="Gibbons, Carl" userId="d2b037bc-8fb4-4222-845c-61440543a456" providerId="ADAL" clId="{3D73FC3D-A932-426E-A7E0-475220CAB957}" dt="2023-12-24T01:50:22.304" v="5579" actId="20577"/>
-        <pc:sldMkLst>
-          <pc:docMk/>
-          <pc:sldMk cId="3153831418" sldId="279"/>
-        </pc:sldMkLst>
-        <pc:spChg chg="mod">
-          <ac:chgData name="Gibbons, Carl" userId="d2b037bc-8fb4-4222-845c-61440543a456" providerId="ADAL" clId="{3D73FC3D-A932-426E-A7E0-475220CAB957}" dt="2023-12-24T01:36:49.541" v="4576" actId="20577"/>
-          <ac:spMkLst>
-            <pc:docMk/>
-            <pc:sldMk cId="3153831418" sldId="279"/>
-            <ac:spMk id="2" creationId="{E8E7C5B6-3D55-D6F8-C2DE-9B6E32C23A9C}"/>
-          </ac:spMkLst>
-        </pc:spChg>
-        <pc:spChg chg="mod">
-          <ac:chgData name="Gibbons, Carl" userId="d2b037bc-8fb4-4222-845c-61440543a456" providerId="ADAL" clId="{3D73FC3D-A932-426E-A7E0-475220CAB957}" dt="2023-12-24T01:50:22.304" v="5579" actId="20577"/>
-          <ac:spMkLst>
-            <pc:docMk/>
-            <pc:sldMk cId="3153831418" sldId="279"/>
-            <ac:spMk id="3" creationId="{17D02A72-79B4-B4A1-5F2B-4922B2F25909}"/>
-          </ac:spMkLst>
-        </pc:spChg>
-      </pc:sldChg>
-      <pc:sldChg chg="del">
-        <pc:chgData name="Gibbons, Carl" userId="d2b037bc-8fb4-4222-845c-61440543a456" providerId="ADAL" clId="{3D73FC3D-A932-426E-A7E0-475220CAB957}" dt="2023-12-24T01:36:36.846" v="4551"/>
-        <pc:sldMkLst>
-          <pc:docMk/>
-          <pc:sldMk cId="3319441950" sldId="279"/>
-        </pc:sldMkLst>
-      </pc:sldChg>
-      <pc:sldChg chg="addSp delSp modSp mod">
-        <pc:chgData name="Gibbons, Carl" userId="d2b037bc-8fb4-4222-845c-61440543a456" providerId="ADAL" clId="{3D73FC3D-A932-426E-A7E0-475220CAB957}" dt="2023-12-24T02:38:37.357" v="8076" actId="22"/>
-        <pc:sldMkLst>
-          <pc:docMk/>
-          <pc:sldMk cId="1730491475" sldId="280"/>
-        </pc:sldMkLst>
-        <pc:spChg chg="mod">
-          <ac:chgData name="Gibbons, Carl" userId="d2b037bc-8fb4-4222-845c-61440543a456" providerId="ADAL" clId="{3D73FC3D-A932-426E-A7E0-475220CAB957}" dt="2023-12-24T01:50:32.554" v="5581" actId="20577"/>
-          <ac:spMkLst>
-            <pc:docMk/>
-            <pc:sldMk cId="1730491475" sldId="280"/>
-            <ac:spMk id="2" creationId="{E8E7C5B6-3D55-D6F8-C2DE-9B6E32C23A9C}"/>
-          </ac:spMkLst>
-        </pc:spChg>
-        <pc:spChg chg="mod">
-          <ac:chgData name="Gibbons, Carl" userId="d2b037bc-8fb4-4222-845c-61440543a456" providerId="ADAL" clId="{3D73FC3D-A932-426E-A7E0-475220CAB957}" dt="2023-12-24T02:35:28.836" v="8074" actId="12"/>
-          <ac:spMkLst>
-            <pc:docMk/>
-            <pc:sldMk cId="1730491475" sldId="280"/>
-            <ac:spMk id="3" creationId="{17D02A72-79B4-B4A1-5F2B-4922B2F25909}"/>
-          </ac:spMkLst>
-        </pc:spChg>
-        <pc:spChg chg="add del">
-          <ac:chgData name="Gibbons, Carl" userId="d2b037bc-8fb4-4222-845c-61440543a456" providerId="ADAL" clId="{3D73FC3D-A932-426E-A7E0-475220CAB957}" dt="2023-12-24T02:38:37.357" v="8076" actId="22"/>
-          <ac:spMkLst>
-            <pc:docMk/>
-            <pc:sldMk cId="1730491475" sldId="280"/>
-            <ac:spMk id="5" creationId="{8BB9020B-ED8A-501F-CC80-C270A0022D15}"/>
-          </ac:spMkLst>
-        </pc:spChg>
-      </pc:sldChg>
-      <pc:sldChg chg="modSp mod">
-        <pc:chgData name="Gibbons, Carl" userId="d2b037bc-8fb4-4222-845c-61440543a456" providerId="ADAL" clId="{3D73FC3D-A932-426E-A7E0-475220CAB957}" dt="2023-12-24T03:05:20.109" v="10364" actId="20577"/>
-        <pc:sldMkLst>
-          <pc:docMk/>
-          <pc:sldMk cId="2142935958" sldId="281"/>
-        </pc:sldMkLst>
-        <pc:spChg chg="mod">
-          <ac:chgData name="Gibbons, Carl" userId="d2b037bc-8fb4-4222-845c-61440543a456" providerId="ADAL" clId="{3D73FC3D-A932-426E-A7E0-475220CAB957}" dt="2023-12-24T02:43:01.996" v="8436" actId="20577"/>
-          <ac:spMkLst>
-            <pc:docMk/>
-            <pc:sldMk cId="2142935958" sldId="281"/>
-            <ac:spMk id="2" creationId="{E8E7C5B6-3D55-D6F8-C2DE-9B6E32C23A9C}"/>
-          </ac:spMkLst>
-        </pc:spChg>
-        <pc:spChg chg="mod">
-          <ac:chgData name="Gibbons, Carl" userId="d2b037bc-8fb4-4222-845c-61440543a456" providerId="ADAL" clId="{3D73FC3D-A932-426E-A7E0-475220CAB957}" dt="2023-12-24T03:05:20.109" v="10364" actId="20577"/>
-          <ac:spMkLst>
-            <pc:docMk/>
-            <pc:sldMk cId="2142935958" sldId="281"/>
-            <ac:spMk id="3" creationId="{17D02A72-79B4-B4A1-5F2B-4922B2F25909}"/>
-          </ac:spMkLst>
-        </pc:spChg>
-      </pc:sldChg>
-      <pc:sldChg chg="modSp mod">
-        <pc:chgData name="Gibbons, Carl" userId="d2b037bc-8fb4-4222-845c-61440543a456" providerId="ADAL" clId="{3D73FC3D-A932-426E-A7E0-475220CAB957}" dt="2023-12-24T03:22:15.893" v="11397" actId="2711"/>
-        <pc:sldMkLst>
-          <pc:docMk/>
-          <pc:sldMk cId="1371681654" sldId="282"/>
-        </pc:sldMkLst>
-        <pc:spChg chg="mod">
-          <ac:chgData name="Gibbons, Carl" userId="d2b037bc-8fb4-4222-845c-61440543a456" providerId="ADAL" clId="{3D73FC3D-A932-426E-A7E0-475220CAB957}" dt="2023-12-24T03:12:22.296" v="10563" actId="1036"/>
-          <ac:spMkLst>
-            <pc:docMk/>
-            <pc:sldMk cId="1371681654" sldId="282"/>
-            <ac:spMk id="2" creationId="{E8E7C5B6-3D55-D6F8-C2DE-9B6E32C23A9C}"/>
-          </ac:spMkLst>
-        </pc:spChg>
-        <pc:spChg chg="mod">
-          <ac:chgData name="Gibbons, Carl" userId="d2b037bc-8fb4-4222-845c-61440543a456" providerId="ADAL" clId="{3D73FC3D-A932-426E-A7E0-475220CAB957}" dt="2023-12-24T03:22:15.893" v="11397" actId="2711"/>
-          <ac:spMkLst>
-            <pc:docMk/>
-            <pc:sldMk cId="1371681654" sldId="282"/>
-            <ac:spMk id="3" creationId="{17D02A72-79B4-B4A1-5F2B-4922B2F25909}"/>
-          </ac:spMkLst>
-        </pc:spChg>
-      </pc:sldChg>
-    </pc:docChg>
-  </pc:docChgLst>
-  <pc:docChgLst>
-    <pc:chgData name="Gibbons, Carl" userId="d2b037bc-8fb4-4222-845c-61440543a456" providerId="ADAL" clId="{F54A1EAE-C189-46D5-ABA1-CF131E678D8B}"/>
-    <pc:docChg chg="custSel modSld">
-      <pc:chgData name="Gibbons, Carl" userId="d2b037bc-8fb4-4222-845c-61440543a456" providerId="ADAL" clId="{F54A1EAE-C189-46D5-ABA1-CF131E678D8B}" dt="2024-02-04T07:17:25.521" v="4437" actId="20577"/>
-      <pc:docMkLst>
-        <pc:docMk/>
-      </pc:docMkLst>
-      <pc:sldChg chg="modSp mod">
-        <pc:chgData name="Gibbons, Carl" userId="d2b037bc-8fb4-4222-845c-61440543a456" providerId="ADAL" clId="{F54A1EAE-C189-46D5-ABA1-CF131E678D8B}" dt="2024-02-04T06:18:33.024" v="41" actId="20577"/>
-        <pc:sldMkLst>
-          <pc:docMk/>
-          <pc:sldMk cId="3308175748" sldId="256"/>
-        </pc:sldMkLst>
-        <pc:spChg chg="mod">
-          <ac:chgData name="Gibbons, Carl" userId="d2b037bc-8fb4-4222-845c-61440543a456" providerId="ADAL" clId="{F54A1EAE-C189-46D5-ABA1-CF131E678D8B}" dt="2024-02-04T06:18:33.024" v="41" actId="20577"/>
-          <ac:spMkLst>
-            <pc:docMk/>
-            <pc:sldMk cId="3308175748" sldId="256"/>
-            <ac:spMk id="3" creationId="{EEC4D41B-E776-05F2-BE0B-89BB339485AB}"/>
-          </ac:spMkLst>
-        </pc:spChg>
-      </pc:sldChg>
-      <pc:sldChg chg="modSp mod">
-        <pc:chgData name="Gibbons, Carl" userId="d2b037bc-8fb4-4222-845c-61440543a456" providerId="ADAL" clId="{F54A1EAE-C189-46D5-ABA1-CF131E678D8B}" dt="2024-02-04T07:15:37.213" v="4410" actId="20577"/>
-        <pc:sldMkLst>
-          <pc:docMk/>
-          <pc:sldMk cId="2312486803" sldId="261"/>
-        </pc:sldMkLst>
-        <pc:spChg chg="mod">
-          <ac:chgData name="Gibbons, Carl" userId="d2b037bc-8fb4-4222-845c-61440543a456" providerId="ADAL" clId="{F54A1EAE-C189-46D5-ABA1-CF131E678D8B}" dt="2024-02-04T06:18:44.086" v="56" actId="20577"/>
-          <ac:spMkLst>
-            <pc:docMk/>
-            <pc:sldMk cId="2312486803" sldId="261"/>
-            <ac:spMk id="2" creationId="{31B75992-5098-A283-4925-2CCEBB801DC5}"/>
-          </ac:spMkLst>
-        </pc:spChg>
-        <pc:spChg chg="mod">
-          <ac:chgData name="Gibbons, Carl" userId="d2b037bc-8fb4-4222-845c-61440543a456" providerId="ADAL" clId="{F54A1EAE-C189-46D5-ABA1-CF131E678D8B}" dt="2024-02-04T07:15:37.213" v="4410" actId="20577"/>
-          <ac:spMkLst>
-            <pc:docMk/>
-            <pc:sldMk cId="2312486803" sldId="261"/>
-            <ac:spMk id="3" creationId="{B5924E0F-A977-1710-779D-EEB74261AF34}"/>
-          </ac:spMkLst>
-        </pc:spChg>
-      </pc:sldChg>
-      <pc:sldChg chg="modSp mod">
-        <pc:chgData name="Gibbons, Carl" userId="d2b037bc-8fb4-4222-845c-61440543a456" providerId="ADAL" clId="{F54A1EAE-C189-46D5-ABA1-CF131E678D8B}" dt="2024-02-04T07:11:34.943" v="4125" actId="20577"/>
-        <pc:sldMkLst>
-          <pc:docMk/>
-          <pc:sldMk cId="3885141102" sldId="262"/>
-        </pc:sldMkLst>
-        <pc:spChg chg="mod">
-          <ac:chgData name="Gibbons, Carl" userId="d2b037bc-8fb4-4222-845c-61440543a456" providerId="ADAL" clId="{F54A1EAE-C189-46D5-ABA1-CF131E678D8B}" dt="2024-02-04T07:11:34.943" v="4125" actId="20577"/>
-          <ac:spMkLst>
-            <pc:docMk/>
-            <pc:sldMk cId="3885141102" sldId="262"/>
-            <ac:spMk id="3" creationId="{B5924E0F-A977-1710-779D-EEB74261AF34}"/>
-          </ac:spMkLst>
-        </pc:spChg>
-      </pc:sldChg>
-      <pc:sldChg chg="addSp delSp modSp mod">
-        <pc:chgData name="Gibbons, Carl" userId="d2b037bc-8fb4-4222-845c-61440543a456" providerId="ADAL" clId="{F54A1EAE-C189-46D5-ABA1-CF131E678D8B}" dt="2024-02-04T06:29:08.042" v="838"/>
-        <pc:sldMkLst>
-          <pc:docMk/>
-          <pc:sldMk cId="2993794741" sldId="265"/>
-        </pc:sldMkLst>
-        <pc:spChg chg="mod">
-          <ac:chgData name="Gibbons, Carl" userId="d2b037bc-8fb4-4222-845c-61440543a456" providerId="ADAL" clId="{F54A1EAE-C189-46D5-ABA1-CF131E678D8B}" dt="2024-02-04T06:28:38.505" v="834" actId="20577"/>
-          <ac:spMkLst>
-            <pc:docMk/>
-            <pc:sldMk cId="2993794741" sldId="265"/>
-            <ac:spMk id="2" creationId="{31B75992-5098-A283-4925-2CCEBB801DC5}"/>
-          </ac:spMkLst>
-        </pc:spChg>
-        <pc:spChg chg="del mod">
-          <ac:chgData name="Gibbons, Carl" userId="d2b037bc-8fb4-4222-845c-61440543a456" providerId="ADAL" clId="{F54A1EAE-C189-46D5-ABA1-CF131E678D8B}" dt="2024-02-04T06:29:08.042" v="838"/>
-          <ac:spMkLst>
-            <pc:docMk/>
-            <pc:sldMk cId="2993794741" sldId="265"/>
-            <ac:spMk id="3" creationId="{B5924E0F-A977-1710-779D-EEB74261AF34}"/>
-          </ac:spMkLst>
-        </pc:spChg>
-        <pc:picChg chg="add mod">
-          <ac:chgData name="Gibbons, Carl" userId="d2b037bc-8fb4-4222-845c-61440543a456" providerId="ADAL" clId="{F54A1EAE-C189-46D5-ABA1-CF131E678D8B}" dt="2024-02-04T06:28:57.803" v="836"/>
-          <ac:picMkLst>
-            <pc:docMk/>
-            <pc:sldMk cId="2993794741" sldId="265"/>
-            <ac:picMk id="4" creationId="{7A4199F4-ADD4-91A8-0A5F-5DDA804CBDB5}"/>
-          </ac:picMkLst>
-        </pc:picChg>
-      </pc:sldChg>
-      <pc:sldChg chg="modSp mod">
-        <pc:chgData name="Gibbons, Carl" userId="d2b037bc-8fb4-4222-845c-61440543a456" providerId="ADAL" clId="{F54A1EAE-C189-46D5-ABA1-CF131E678D8B}" dt="2024-02-04T06:43:24.328" v="1737" actId="20577"/>
-        <pc:sldMkLst>
-          <pc:docMk/>
-          <pc:sldMk cId="1337022352" sldId="266"/>
-        </pc:sldMkLst>
-        <pc:spChg chg="mod">
-          <ac:chgData name="Gibbons, Carl" userId="d2b037bc-8fb4-4222-845c-61440543a456" providerId="ADAL" clId="{F54A1EAE-C189-46D5-ABA1-CF131E678D8B}" dt="2024-02-04T06:29:52.146" v="886" actId="2711"/>
-          <ac:spMkLst>
-            <pc:docMk/>
-            <pc:sldMk cId="1337022352" sldId="266"/>
-            <ac:spMk id="2" creationId="{31B75992-5098-A283-4925-2CCEBB801DC5}"/>
-          </ac:spMkLst>
-        </pc:spChg>
-        <pc:spChg chg="mod">
-          <ac:chgData name="Gibbons, Carl" userId="d2b037bc-8fb4-4222-845c-61440543a456" providerId="ADAL" clId="{F54A1EAE-C189-46D5-ABA1-CF131E678D8B}" dt="2024-02-04T06:43:24.328" v="1737" actId="20577"/>
-          <ac:spMkLst>
-            <pc:docMk/>
-            <pc:sldMk cId="1337022352" sldId="266"/>
-            <ac:spMk id="3" creationId="{B5924E0F-A977-1710-779D-EEB74261AF34}"/>
-          </ac:spMkLst>
-        </pc:spChg>
-      </pc:sldChg>
-      <pc:sldChg chg="modSp mod">
-        <pc:chgData name="Gibbons, Carl" userId="d2b037bc-8fb4-4222-845c-61440543a456" providerId="ADAL" clId="{F54A1EAE-C189-46D5-ABA1-CF131E678D8B}" dt="2024-02-04T07:17:25.521" v="4437" actId="20577"/>
-        <pc:sldMkLst>
-          <pc:docMk/>
-          <pc:sldMk cId="3576168196" sldId="267"/>
-        </pc:sldMkLst>
-        <pc:spChg chg="mod">
-          <ac:chgData name="Gibbons, Carl" userId="d2b037bc-8fb4-4222-845c-61440543a456" providerId="ADAL" clId="{F54A1EAE-C189-46D5-ABA1-CF131E678D8B}" dt="2024-02-04T06:44:15.240" v="1788" actId="20577"/>
-          <ac:spMkLst>
-            <pc:docMk/>
-            <pc:sldMk cId="3576168196" sldId="267"/>
-            <ac:spMk id="2" creationId="{31B75992-5098-A283-4925-2CCEBB801DC5}"/>
-          </ac:spMkLst>
-        </pc:spChg>
-        <pc:spChg chg="mod">
-          <ac:chgData name="Gibbons, Carl" userId="d2b037bc-8fb4-4222-845c-61440543a456" providerId="ADAL" clId="{F54A1EAE-C189-46D5-ABA1-CF131E678D8B}" dt="2024-02-04T07:17:25.521" v="4437" actId="20577"/>
-          <ac:spMkLst>
-            <pc:docMk/>
-            <pc:sldMk cId="3576168196" sldId="267"/>
-            <ac:spMk id="3" creationId="{B5924E0F-A977-1710-779D-EEB74261AF34}"/>
-          </ac:spMkLst>
-        </pc:spChg>
-      </pc:sldChg>
-      <pc:sldChg chg="modSp mod">
-        <pc:chgData name="Gibbons, Carl" userId="d2b037bc-8fb4-4222-845c-61440543a456" providerId="ADAL" clId="{F54A1EAE-C189-46D5-ABA1-CF131E678D8B}" dt="2024-02-04T07:01:57.308" v="3303" actId="20577"/>
-        <pc:sldMkLst>
-          <pc:docMk/>
-          <pc:sldMk cId="1066671753" sldId="268"/>
-        </pc:sldMkLst>
-        <pc:spChg chg="mod">
-          <ac:chgData name="Gibbons, Carl" userId="d2b037bc-8fb4-4222-845c-61440543a456" providerId="ADAL" clId="{F54A1EAE-C189-46D5-ABA1-CF131E678D8B}" dt="2024-02-04T06:51:23.884" v="2201" actId="20577"/>
-          <ac:spMkLst>
-            <pc:docMk/>
-            <pc:sldMk cId="1066671753" sldId="268"/>
-            <ac:spMk id="2" creationId="{1697FD53-1B2D-FA1E-85ED-8261A111660A}"/>
-          </ac:spMkLst>
-        </pc:spChg>
-        <pc:spChg chg="mod">
-          <ac:chgData name="Gibbons, Carl" userId="d2b037bc-8fb4-4222-845c-61440543a456" providerId="ADAL" clId="{F54A1EAE-C189-46D5-ABA1-CF131E678D8B}" dt="2024-02-04T07:01:57.308" v="3303" actId="20577"/>
-          <ac:spMkLst>
-            <pc:docMk/>
-            <pc:sldMk cId="1066671753" sldId="268"/>
-            <ac:spMk id="3" creationId="{76A2A896-1BFA-0E85-4155-672FD7F5CC95}"/>
-          </ac:spMkLst>
-        </pc:spChg>
-      </pc:sldChg>
-      <pc:sldChg chg="modSp mod">
-        <pc:chgData name="Gibbons, Carl" userId="d2b037bc-8fb4-4222-845c-61440543a456" providerId="ADAL" clId="{F54A1EAE-C189-46D5-ABA1-CF131E678D8B}" dt="2024-02-04T07:11:02.214" v="4070" actId="20577"/>
-        <pc:sldMkLst>
-          <pc:docMk/>
-          <pc:sldMk cId="465083765" sldId="269"/>
-        </pc:sldMkLst>
-        <pc:spChg chg="mod">
-          <ac:chgData name="Gibbons, Carl" userId="d2b037bc-8fb4-4222-845c-61440543a456" providerId="ADAL" clId="{F54A1EAE-C189-46D5-ABA1-CF131E678D8B}" dt="2024-02-04T07:02:51.731" v="3312" actId="20577"/>
-          <ac:spMkLst>
-            <pc:docMk/>
-            <pc:sldMk cId="465083765" sldId="269"/>
-            <ac:spMk id="2" creationId="{1697FD53-1B2D-FA1E-85ED-8261A111660A}"/>
-          </ac:spMkLst>
-        </pc:spChg>
-        <pc:spChg chg="mod">
-          <ac:chgData name="Gibbons, Carl" userId="d2b037bc-8fb4-4222-845c-61440543a456" providerId="ADAL" clId="{F54A1EAE-C189-46D5-ABA1-CF131E678D8B}" dt="2024-02-04T07:11:02.214" v="4070" actId="20577"/>
-          <ac:spMkLst>
-            <pc:docMk/>
-            <pc:sldMk cId="465083765" sldId="269"/>
-            <ac:spMk id="3" creationId="{76A2A896-1BFA-0E85-4155-672FD7F5CC95}"/>
           </ac:spMkLst>
         </pc:spChg>
       </pc:sldChg>
@@ -4366,7 +519,7 @@
 </file>
 
 <file path=ppt/slideLayouts/slideLayout1.xml><?xml version="1.0" encoding="utf-8"?>
-<p:sldLayout xmlns:a="http://schemas.openxmlformats.org/drawingml/2006/main" xmlns:r="http://schemas.openxmlformats.org/officeDocument/2006/relationships" xmlns:p="http://schemas.openxmlformats.org/presentationml/2006/main" type="title" preserve="1">
+<p:sldLayout xmlns:a="http://schemas.openxmlformats.org/drawingml/2006/main" xmlns:r="http://schemas.openxmlformats.org/officeDocument/2006/relationships" xmlns:p="http://schemas.openxmlformats.org/presentationml/2006/main" preserve="1" userDrawn="1">
   <p:cSld name="Title Slide">
     <p:spTree>
       <p:nvGrpSpPr>
@@ -4382,200 +535,10 @@
           <a:chExt cx="0" cy="0"/>
         </a:xfrm>
       </p:grpSpPr>
-      <p:sp>
-        <p:nvSpPr>
-          <p:cNvPr id="2" name="Title 1">
-            <a:extLst>
-              <a:ext uri="{FF2B5EF4-FFF2-40B4-BE49-F238E27FC236}">
-                <a16:creationId xmlns:a16="http://schemas.microsoft.com/office/drawing/2014/main" id="{DD581941-0C9F-2373-780E-9153E7306EE0}"/>
-              </a:ext>
-            </a:extLst>
-          </p:cNvPr>
-          <p:cNvSpPr>
-            <a:spLocks noGrp="1"/>
-          </p:cNvSpPr>
-          <p:nvPr>
-            <p:ph type="ctrTitle"/>
-          </p:nvPr>
-        </p:nvSpPr>
-        <p:spPr>
-          <a:xfrm>
-            <a:off x="1524000" y="1122363"/>
-            <a:ext cx="9144000" cy="2387600"/>
-          </a:xfrm>
-        </p:spPr>
-        <p:txBody>
-          <a:bodyPr anchor="b"/>
-          <a:lstStyle>
-            <a:lvl1pPr algn="ctr">
-              <a:defRPr sz="6000"/>
-            </a:lvl1pPr>
-          </a:lstStyle>
-          <a:p>
-            <a:r>
-              <a:rPr lang="en-US"/>
-              <a:t>Click to edit Master title style</a:t>
-            </a:r>
-          </a:p>
-        </p:txBody>
-      </p:sp>
-      <p:sp>
-        <p:nvSpPr>
-          <p:cNvPr id="3" name="Subtitle 2">
-            <a:extLst>
-              <a:ext uri="{FF2B5EF4-FFF2-40B4-BE49-F238E27FC236}">
-                <a16:creationId xmlns:a16="http://schemas.microsoft.com/office/drawing/2014/main" id="{FC927A9A-3EED-7C12-0FFF-384113480AA1}"/>
-              </a:ext>
-            </a:extLst>
-          </p:cNvPr>
-          <p:cNvSpPr>
-            <a:spLocks noGrp="1"/>
-          </p:cNvSpPr>
-          <p:nvPr>
-            <p:ph type="subTitle" idx="1"/>
-          </p:nvPr>
-        </p:nvSpPr>
-        <p:spPr>
-          <a:xfrm>
-            <a:off x="1524000" y="3602038"/>
-            <a:ext cx="9144000" cy="1655762"/>
-          </a:xfrm>
-        </p:spPr>
-        <p:txBody>
-          <a:bodyPr/>
-          <a:lstStyle>
-            <a:lvl1pPr marL="0" indent="0" algn="ctr">
-              <a:buNone/>
-              <a:defRPr sz="2400"/>
-            </a:lvl1pPr>
-            <a:lvl2pPr marL="457200" indent="0" algn="ctr">
-              <a:buNone/>
-              <a:defRPr sz="2000"/>
-            </a:lvl2pPr>
-            <a:lvl3pPr marL="914400" indent="0" algn="ctr">
-              <a:buNone/>
-              <a:defRPr sz="1800"/>
-            </a:lvl3pPr>
-            <a:lvl4pPr marL="1371600" indent="0" algn="ctr">
-              <a:buNone/>
-              <a:defRPr sz="1600"/>
-            </a:lvl4pPr>
-            <a:lvl5pPr marL="1828800" indent="0" algn="ctr">
-              <a:buNone/>
-              <a:defRPr sz="1600"/>
-            </a:lvl5pPr>
-            <a:lvl6pPr marL="2286000" indent="0" algn="ctr">
-              <a:buNone/>
-              <a:defRPr sz="1600"/>
-            </a:lvl6pPr>
-            <a:lvl7pPr marL="2743200" indent="0" algn="ctr">
-              <a:buNone/>
-              <a:defRPr sz="1600"/>
-            </a:lvl7pPr>
-            <a:lvl8pPr marL="3200400" indent="0" algn="ctr">
-              <a:buNone/>
-              <a:defRPr sz="1600"/>
-            </a:lvl8pPr>
-            <a:lvl9pPr marL="3657600" indent="0" algn="ctr">
-              <a:buNone/>
-              <a:defRPr sz="1600"/>
-            </a:lvl9pPr>
-          </a:lstStyle>
-          <a:p>
-            <a:r>
-              <a:rPr lang="en-US"/>
-              <a:t>Click to edit Master subtitle style</a:t>
-            </a:r>
-          </a:p>
-        </p:txBody>
-      </p:sp>
-      <p:sp>
-        <p:nvSpPr>
-          <p:cNvPr id="4" name="Date Placeholder 3">
-            <a:extLst>
-              <a:ext uri="{FF2B5EF4-FFF2-40B4-BE49-F238E27FC236}">
-                <a16:creationId xmlns:a16="http://schemas.microsoft.com/office/drawing/2014/main" id="{E43FE0D7-D5FB-3326-9483-F15495075853}"/>
-              </a:ext>
-            </a:extLst>
-          </p:cNvPr>
-          <p:cNvSpPr>
-            <a:spLocks noGrp="1"/>
-          </p:cNvSpPr>
-          <p:nvPr>
-            <p:ph type="dt" sz="half" idx="10"/>
-          </p:nvPr>
-        </p:nvSpPr>
-        <p:spPr/>
-        <p:txBody>
-          <a:bodyPr/>
-          <a:lstStyle/>
-          <a:p>
-            <a:fld id="{421996D4-4A1C-4BBC-AA2B-FD5B7FC395A0}" type="datetime1">
-              <a:rPr lang="en-US" smtClean="0"/>
-              <a:t>10/10/2024</a:t>
-            </a:fld>
-            <a:endParaRPr lang="en-US"/>
-          </a:p>
-        </p:txBody>
-      </p:sp>
-      <p:sp>
-        <p:nvSpPr>
-          <p:cNvPr id="5" name="Footer Placeholder 4">
-            <a:extLst>
-              <a:ext uri="{FF2B5EF4-FFF2-40B4-BE49-F238E27FC236}">
-                <a16:creationId xmlns:a16="http://schemas.microsoft.com/office/drawing/2014/main" id="{AAEBCD6E-6B69-E7FF-A8EA-F8E294BDA7E7}"/>
-              </a:ext>
-            </a:extLst>
-          </p:cNvPr>
-          <p:cNvSpPr>
-            <a:spLocks noGrp="1"/>
-          </p:cNvSpPr>
-          <p:nvPr>
-            <p:ph type="ftr" sz="quarter" idx="11"/>
-          </p:nvPr>
-        </p:nvSpPr>
-        <p:spPr/>
-        <p:txBody>
-          <a:bodyPr/>
-          <a:lstStyle/>
-          <a:p>
-            <a:endParaRPr lang="en-US"/>
-          </a:p>
-        </p:txBody>
-      </p:sp>
-      <p:sp>
-        <p:nvSpPr>
-          <p:cNvPr id="6" name="Slide Number Placeholder 5">
-            <a:extLst>
-              <a:ext uri="{FF2B5EF4-FFF2-40B4-BE49-F238E27FC236}">
-                <a16:creationId xmlns:a16="http://schemas.microsoft.com/office/drawing/2014/main" id="{FF22DB5A-E75D-49DD-123C-37B6BC85E903}"/>
-              </a:ext>
-            </a:extLst>
-          </p:cNvPr>
-          <p:cNvSpPr>
-            <a:spLocks noGrp="1"/>
-          </p:cNvSpPr>
-          <p:nvPr>
-            <p:ph type="sldNum" sz="quarter" idx="12"/>
-          </p:nvPr>
-        </p:nvSpPr>
-        <p:spPr/>
-        <p:txBody>
-          <a:bodyPr/>
-          <a:lstStyle/>
-          <a:p>
-            <a:fld id="{B46E5E13-EE34-439C-B49B-F0CB75B28E1B}" type="slidenum">
-              <a:rPr lang="en-US" smtClean="0"/>
-              <a:t>‹#›</a:t>
-            </a:fld>
-            <a:endParaRPr lang="en-US"/>
-          </a:p>
-        </p:txBody>
-      </p:sp>
     </p:spTree>
     <p:extLst>
       <p:ext uri="{BB962C8B-B14F-4D97-AF65-F5344CB8AC3E}">
-        <p14:creationId xmlns:p14="http://schemas.microsoft.com/office/powerpoint/2010/main" val="4169122874"/>
+        <p14:creationId xmlns:p14="http://schemas.microsoft.com/office/powerpoint/2010/main" val="2903089904"/>
       </p:ext>
     </p:extLst>
   </p:cSld>
@@ -4607,7 +570,7 @@
           <p:cNvPr id="2" name="Title 1">
             <a:extLst>
               <a:ext uri="{FF2B5EF4-FFF2-40B4-BE49-F238E27FC236}">
-                <a16:creationId xmlns:a16="http://schemas.microsoft.com/office/drawing/2014/main" id="{D6AD2E5E-D555-7E2B-7E3F-7520CC1D227E}"/>
+                <a16:creationId xmlns:a16="http://schemas.microsoft.com/office/drawing/2014/main" id="{A2992E9E-93C1-7E84-A4D5-EA127AB4BDC1}"/>
               </a:ext>
             </a:extLst>
           </p:cNvPr>
@@ -4618,7 +581,15 @@
             <p:ph type="title"/>
           </p:nvPr>
         </p:nvSpPr>
-        <p:spPr/>
+        <p:spPr>
+          <a:xfrm>
+            <a:off x="602787" y="1498382"/>
+            <a:ext cx="10515600" cy="1325563"/>
+          </a:xfrm>
+          <a:prstGeom prst="rect">
+            <a:avLst/>
+          </a:prstGeom>
+        </p:spPr>
         <p:txBody>
           <a:bodyPr/>
           <a:lstStyle/>
@@ -4635,7 +606,7 @@
           <p:cNvPr id="3" name="Vertical Text Placeholder 2">
             <a:extLst>
               <a:ext uri="{FF2B5EF4-FFF2-40B4-BE49-F238E27FC236}">
-                <a16:creationId xmlns:a16="http://schemas.microsoft.com/office/drawing/2014/main" id="{21BCA2AE-5C6A-0627-55FB-1213E6BA2F01}"/>
+                <a16:creationId xmlns:a16="http://schemas.microsoft.com/office/drawing/2014/main" id="{FBFF1E9B-EE9D-9A7E-EE97-87C838D9BB2F}"/>
               </a:ext>
             </a:extLst>
           </p:cNvPr>
@@ -4646,7 +617,15 @@
             <p:ph type="body" orient="vert" idx="1"/>
           </p:nvPr>
         </p:nvSpPr>
-        <p:spPr/>
+        <p:spPr>
+          <a:xfrm>
+            <a:off x="838200" y="1825625"/>
+            <a:ext cx="10515600" cy="4351338"/>
+          </a:xfrm>
+          <a:prstGeom prst="rect">
+            <a:avLst/>
+          </a:prstGeom>
+        </p:spPr>
         <p:txBody>
           <a:bodyPr vert="eaVert"/>
           <a:lstStyle/>
@@ -4692,7 +671,7 @@
           <p:cNvPr id="4" name="Date Placeholder 3">
             <a:extLst>
               <a:ext uri="{FF2B5EF4-FFF2-40B4-BE49-F238E27FC236}">
-                <a16:creationId xmlns:a16="http://schemas.microsoft.com/office/drawing/2014/main" id="{5107EDAF-37A2-AD0D-A11E-C6E412B7CD68}"/>
+                <a16:creationId xmlns:a16="http://schemas.microsoft.com/office/drawing/2014/main" id="{450DA212-C93A-3075-FD32-156F351E64D4}"/>
               </a:ext>
             </a:extLst>
           </p:cNvPr>
@@ -4703,14 +682,22 @@
             <p:ph type="dt" sz="half" idx="10"/>
           </p:nvPr>
         </p:nvSpPr>
-        <p:spPr/>
+        <p:spPr>
+          <a:xfrm>
+            <a:off x="838200" y="6445249"/>
+            <a:ext cx="2743200" cy="365125"/>
+          </a:xfrm>
+          <a:prstGeom prst="rect">
+            <a:avLst/>
+          </a:prstGeom>
+        </p:spPr>
         <p:txBody>
           <a:bodyPr/>
           <a:lstStyle/>
           <a:p>
-            <a:fld id="{CB43818D-5554-4105-BE04-CEE32DEBDA0A}" type="datetime1">
+            <a:fld id="{71087A05-F855-4434-8DDE-39A8542098A6}" type="datetimeFigureOut">
               <a:rPr lang="en-US" smtClean="0"/>
-              <a:t>10/10/2024</a:t>
+              <a:t>11/21/2024</a:t>
             </a:fld>
             <a:endParaRPr lang="en-US"/>
           </a:p>
@@ -4721,7 +708,7 @@
           <p:cNvPr id="5" name="Footer Placeholder 4">
             <a:extLst>
               <a:ext uri="{FF2B5EF4-FFF2-40B4-BE49-F238E27FC236}">
-                <a16:creationId xmlns:a16="http://schemas.microsoft.com/office/drawing/2014/main" id="{17AABE0A-6316-1BFF-88AA-1E305E3595C5}"/>
+                <a16:creationId xmlns:a16="http://schemas.microsoft.com/office/drawing/2014/main" id="{D6AA4E94-35D9-7831-A0BB-9A28BFA422BE}"/>
               </a:ext>
             </a:extLst>
           </p:cNvPr>
@@ -4732,7 +719,15 @@
             <p:ph type="ftr" sz="quarter" idx="11"/>
           </p:nvPr>
         </p:nvSpPr>
-        <p:spPr/>
+        <p:spPr>
+          <a:xfrm>
+            <a:off x="4038600" y="6356350"/>
+            <a:ext cx="4114800" cy="365125"/>
+          </a:xfrm>
+          <a:prstGeom prst="rect">
+            <a:avLst/>
+          </a:prstGeom>
+        </p:spPr>
         <p:txBody>
           <a:bodyPr/>
           <a:lstStyle/>
@@ -4746,7 +741,7 @@
           <p:cNvPr id="6" name="Slide Number Placeholder 5">
             <a:extLst>
               <a:ext uri="{FF2B5EF4-FFF2-40B4-BE49-F238E27FC236}">
-                <a16:creationId xmlns:a16="http://schemas.microsoft.com/office/drawing/2014/main" id="{FC568FF5-9BB0-1800-E4BA-438F3408E54B}"/>
+                <a16:creationId xmlns:a16="http://schemas.microsoft.com/office/drawing/2014/main" id="{2E0B5BE5-01BB-5041-6101-F169276B2397}"/>
               </a:ext>
             </a:extLst>
           </p:cNvPr>
@@ -4757,12 +752,20 @@
             <p:ph type="sldNum" sz="quarter" idx="12"/>
           </p:nvPr>
         </p:nvSpPr>
-        <p:spPr/>
+        <p:spPr>
+          <a:xfrm>
+            <a:off x="8610600" y="6356350"/>
+            <a:ext cx="2743200" cy="365125"/>
+          </a:xfrm>
+          <a:prstGeom prst="rect">
+            <a:avLst/>
+          </a:prstGeom>
+        </p:spPr>
         <p:txBody>
           <a:bodyPr/>
           <a:lstStyle/>
           <a:p>
-            <a:fld id="{B46E5E13-EE34-439C-B49B-F0CB75B28E1B}" type="slidenum">
+            <a:fld id="{6C0014F0-3D1D-4459-A530-32E6C19AE461}" type="slidenum">
               <a:rPr lang="en-US" smtClean="0"/>
               <a:t>‹#›</a:t>
             </a:fld>
@@ -4773,7 +776,7 @@
     </p:spTree>
     <p:extLst>
       <p:ext uri="{BB962C8B-B14F-4D97-AF65-F5344CB8AC3E}">
-        <p14:creationId xmlns:p14="http://schemas.microsoft.com/office/powerpoint/2010/main" val="3088053719"/>
+        <p14:creationId xmlns:p14="http://schemas.microsoft.com/office/powerpoint/2010/main" val="3058523283"/>
       </p:ext>
     </p:extLst>
   </p:cSld>
@@ -4805,7 +808,7 @@
           <p:cNvPr id="2" name="Vertical Title 1">
             <a:extLst>
               <a:ext uri="{FF2B5EF4-FFF2-40B4-BE49-F238E27FC236}">
-                <a16:creationId xmlns:a16="http://schemas.microsoft.com/office/drawing/2014/main" id="{AAE8DA51-17B9-3E3B-6597-C3149EC564E7}"/>
+                <a16:creationId xmlns:a16="http://schemas.microsoft.com/office/drawing/2014/main" id="{B7D370E5-4104-4DF4-CE6F-43777E948DFD}"/>
               </a:ext>
             </a:extLst>
           </p:cNvPr>
@@ -4821,6 +824,9 @@
             <a:off x="8724900" y="365125"/>
             <a:ext cx="2628900" cy="5811838"/>
           </a:xfrm>
+          <a:prstGeom prst="rect">
+            <a:avLst/>
+          </a:prstGeom>
         </p:spPr>
         <p:txBody>
           <a:bodyPr vert="eaVert"/>
@@ -4838,7 +844,7 @@
           <p:cNvPr id="3" name="Vertical Text Placeholder 2">
             <a:extLst>
               <a:ext uri="{FF2B5EF4-FFF2-40B4-BE49-F238E27FC236}">
-                <a16:creationId xmlns:a16="http://schemas.microsoft.com/office/drawing/2014/main" id="{C43333B4-9DAF-48B6-30CB-E3B610BEF084}"/>
+                <a16:creationId xmlns:a16="http://schemas.microsoft.com/office/drawing/2014/main" id="{3CEA6D81-DFD1-D8AC-EC26-DC0557526EE4}"/>
               </a:ext>
             </a:extLst>
           </p:cNvPr>
@@ -4854,6 +860,9 @@
             <a:off x="838200" y="365125"/>
             <a:ext cx="7734300" cy="5811838"/>
           </a:xfrm>
+          <a:prstGeom prst="rect">
+            <a:avLst/>
+          </a:prstGeom>
         </p:spPr>
         <p:txBody>
           <a:bodyPr vert="eaVert"/>
@@ -4900,7 +909,251 @@
           <p:cNvPr id="4" name="Date Placeholder 3">
             <a:extLst>
               <a:ext uri="{FF2B5EF4-FFF2-40B4-BE49-F238E27FC236}">
-                <a16:creationId xmlns:a16="http://schemas.microsoft.com/office/drawing/2014/main" id="{6086BDD1-83F5-3D7A-8DD5-DF362A8AD1E7}"/>
+                <a16:creationId xmlns:a16="http://schemas.microsoft.com/office/drawing/2014/main" id="{60E27890-E421-871D-9D4F-F7E5B558B71E}"/>
+              </a:ext>
+            </a:extLst>
+          </p:cNvPr>
+          <p:cNvSpPr>
+            <a:spLocks noGrp="1"/>
+          </p:cNvSpPr>
+          <p:nvPr>
+            <p:ph type="dt" sz="half" idx="10"/>
+          </p:nvPr>
+        </p:nvSpPr>
+        <p:spPr>
+          <a:xfrm>
+            <a:off x="838200" y="6445249"/>
+            <a:ext cx="2743200" cy="365125"/>
+          </a:xfrm>
+          <a:prstGeom prst="rect">
+            <a:avLst/>
+          </a:prstGeom>
+        </p:spPr>
+        <p:txBody>
+          <a:bodyPr/>
+          <a:lstStyle/>
+          <a:p>
+            <a:fld id="{71087A05-F855-4434-8DDE-39A8542098A6}" type="datetimeFigureOut">
+              <a:rPr lang="en-US" smtClean="0"/>
+              <a:t>11/21/2024</a:t>
+            </a:fld>
+            <a:endParaRPr lang="en-US"/>
+          </a:p>
+        </p:txBody>
+      </p:sp>
+      <p:sp>
+        <p:nvSpPr>
+          <p:cNvPr id="5" name="Footer Placeholder 4">
+            <a:extLst>
+              <a:ext uri="{FF2B5EF4-FFF2-40B4-BE49-F238E27FC236}">
+                <a16:creationId xmlns:a16="http://schemas.microsoft.com/office/drawing/2014/main" id="{B7A93CF4-905B-F31B-69BD-9BEBF9008D86}"/>
+              </a:ext>
+            </a:extLst>
+          </p:cNvPr>
+          <p:cNvSpPr>
+            <a:spLocks noGrp="1"/>
+          </p:cNvSpPr>
+          <p:nvPr>
+            <p:ph type="ftr" sz="quarter" idx="11"/>
+          </p:nvPr>
+        </p:nvSpPr>
+        <p:spPr>
+          <a:xfrm>
+            <a:off x="4038600" y="6356350"/>
+            <a:ext cx="4114800" cy="365125"/>
+          </a:xfrm>
+          <a:prstGeom prst="rect">
+            <a:avLst/>
+          </a:prstGeom>
+        </p:spPr>
+        <p:txBody>
+          <a:bodyPr/>
+          <a:lstStyle/>
+          <a:p>
+            <a:endParaRPr lang="en-US"/>
+          </a:p>
+        </p:txBody>
+      </p:sp>
+      <p:sp>
+        <p:nvSpPr>
+          <p:cNvPr id="6" name="Slide Number Placeholder 5">
+            <a:extLst>
+              <a:ext uri="{FF2B5EF4-FFF2-40B4-BE49-F238E27FC236}">
+                <a16:creationId xmlns:a16="http://schemas.microsoft.com/office/drawing/2014/main" id="{B9BD2B1C-442A-F5C9-9AEB-F9DE0158660F}"/>
+              </a:ext>
+            </a:extLst>
+          </p:cNvPr>
+          <p:cNvSpPr>
+            <a:spLocks noGrp="1"/>
+          </p:cNvSpPr>
+          <p:nvPr>
+            <p:ph type="sldNum" sz="quarter" idx="12"/>
+          </p:nvPr>
+        </p:nvSpPr>
+        <p:spPr>
+          <a:xfrm>
+            <a:off x="8610600" y="6356350"/>
+            <a:ext cx="2743200" cy="365125"/>
+          </a:xfrm>
+          <a:prstGeom prst="rect">
+            <a:avLst/>
+          </a:prstGeom>
+        </p:spPr>
+        <p:txBody>
+          <a:bodyPr/>
+          <a:lstStyle/>
+          <a:p>
+            <a:fld id="{6C0014F0-3D1D-4459-A530-32E6C19AE461}" type="slidenum">
+              <a:rPr lang="en-US" smtClean="0"/>
+              <a:t>‹#›</a:t>
+            </a:fld>
+            <a:endParaRPr lang="en-US"/>
+          </a:p>
+        </p:txBody>
+      </p:sp>
+    </p:spTree>
+    <p:extLst>
+      <p:ext uri="{BB962C8B-B14F-4D97-AF65-F5344CB8AC3E}">
+        <p14:creationId xmlns:p14="http://schemas.microsoft.com/office/powerpoint/2010/main" val="4080666653"/>
+      </p:ext>
+    </p:extLst>
+  </p:cSld>
+  <p:clrMapOvr>
+    <a:masterClrMapping/>
+  </p:clrMapOvr>
+</p:sldLayout>
+</file>
+
+<file path=ppt/slideLayouts/slideLayout12.xml><?xml version="1.0" encoding="utf-8"?>
+<p:sldLayout xmlns:a="http://schemas.openxmlformats.org/drawingml/2006/main" xmlns:r="http://schemas.openxmlformats.org/officeDocument/2006/relationships" xmlns:p="http://schemas.openxmlformats.org/presentationml/2006/main" type="title" preserve="1">
+  <p:cSld name="Title Slide">
+    <p:spTree>
+      <p:nvGrpSpPr>
+        <p:cNvPr id="1" name=""/>
+        <p:cNvGrpSpPr/>
+        <p:nvPr/>
+      </p:nvGrpSpPr>
+      <p:grpSpPr>
+        <a:xfrm>
+          <a:off x="0" y="0"/>
+          <a:ext cx="0" cy="0"/>
+          <a:chOff x="0" y="0"/>
+          <a:chExt cx="0" cy="0"/>
+        </a:xfrm>
+      </p:grpSpPr>
+      <p:sp>
+        <p:nvSpPr>
+          <p:cNvPr id="2" name="Title 1">
+            <a:extLst>
+              <a:ext uri="{FF2B5EF4-FFF2-40B4-BE49-F238E27FC236}">
+                <a16:creationId xmlns:a16="http://schemas.microsoft.com/office/drawing/2014/main" id="{DD581941-0C9F-2373-780E-9153E7306EE0}"/>
+              </a:ext>
+            </a:extLst>
+          </p:cNvPr>
+          <p:cNvSpPr>
+            <a:spLocks noGrp="1"/>
+          </p:cNvSpPr>
+          <p:nvPr>
+            <p:ph type="ctrTitle"/>
+          </p:nvPr>
+        </p:nvSpPr>
+        <p:spPr>
+          <a:xfrm>
+            <a:off x="1524000" y="1122363"/>
+            <a:ext cx="9144000" cy="2387600"/>
+          </a:xfrm>
+        </p:spPr>
+        <p:txBody>
+          <a:bodyPr anchor="b"/>
+          <a:lstStyle>
+            <a:lvl1pPr algn="ctr">
+              <a:defRPr sz="6000"/>
+            </a:lvl1pPr>
+          </a:lstStyle>
+          <a:p>
+            <a:r>
+              <a:rPr lang="en-US"/>
+              <a:t>Click to edit Master title style</a:t>
+            </a:r>
+          </a:p>
+        </p:txBody>
+      </p:sp>
+      <p:sp>
+        <p:nvSpPr>
+          <p:cNvPr id="3" name="Subtitle 2">
+            <a:extLst>
+              <a:ext uri="{FF2B5EF4-FFF2-40B4-BE49-F238E27FC236}">
+                <a16:creationId xmlns:a16="http://schemas.microsoft.com/office/drawing/2014/main" id="{FC927A9A-3EED-7C12-0FFF-384113480AA1}"/>
+              </a:ext>
+            </a:extLst>
+          </p:cNvPr>
+          <p:cNvSpPr>
+            <a:spLocks noGrp="1"/>
+          </p:cNvSpPr>
+          <p:nvPr>
+            <p:ph type="subTitle" idx="1"/>
+          </p:nvPr>
+        </p:nvSpPr>
+        <p:spPr>
+          <a:xfrm>
+            <a:off x="1524000" y="3602038"/>
+            <a:ext cx="9144000" cy="1655762"/>
+          </a:xfrm>
+        </p:spPr>
+        <p:txBody>
+          <a:bodyPr/>
+          <a:lstStyle>
+            <a:lvl1pPr marL="0" indent="0" algn="ctr">
+              <a:buNone/>
+              <a:defRPr sz="2400"/>
+            </a:lvl1pPr>
+            <a:lvl2pPr marL="457200" indent="0" algn="ctr">
+              <a:buNone/>
+              <a:defRPr sz="2000"/>
+            </a:lvl2pPr>
+            <a:lvl3pPr marL="914400" indent="0" algn="ctr">
+              <a:buNone/>
+              <a:defRPr sz="1800"/>
+            </a:lvl3pPr>
+            <a:lvl4pPr marL="1371600" indent="0" algn="ctr">
+              <a:buNone/>
+              <a:defRPr sz="1600"/>
+            </a:lvl4pPr>
+            <a:lvl5pPr marL="1828800" indent="0" algn="ctr">
+              <a:buNone/>
+              <a:defRPr sz="1600"/>
+            </a:lvl5pPr>
+            <a:lvl6pPr marL="2286000" indent="0" algn="ctr">
+              <a:buNone/>
+              <a:defRPr sz="1600"/>
+            </a:lvl6pPr>
+            <a:lvl7pPr marL="2743200" indent="0" algn="ctr">
+              <a:buNone/>
+              <a:defRPr sz="1600"/>
+            </a:lvl7pPr>
+            <a:lvl8pPr marL="3200400" indent="0" algn="ctr">
+              <a:buNone/>
+              <a:defRPr sz="1600"/>
+            </a:lvl8pPr>
+            <a:lvl9pPr marL="3657600" indent="0" algn="ctr">
+              <a:buNone/>
+              <a:defRPr sz="1600"/>
+            </a:lvl9pPr>
+          </a:lstStyle>
+          <a:p>
+            <a:r>
+              <a:rPr lang="en-US"/>
+              <a:t>Click to edit Master subtitle style</a:t>
+            </a:r>
+          </a:p>
+        </p:txBody>
+      </p:sp>
+      <p:sp>
+        <p:nvSpPr>
+          <p:cNvPr id="4" name="Date Placeholder 3">
+            <a:extLst>
+              <a:ext uri="{FF2B5EF4-FFF2-40B4-BE49-F238E27FC236}">
+                <a16:creationId xmlns:a16="http://schemas.microsoft.com/office/drawing/2014/main" id="{E43FE0D7-D5FB-3326-9483-F15495075853}"/>
               </a:ext>
             </a:extLst>
           </p:cNvPr>
@@ -4916,9 +1169,9 @@
           <a:bodyPr/>
           <a:lstStyle/>
           <a:p>
-            <a:fld id="{AFAC11C6-1708-41BC-9474-3D7842023D96}" type="datetime1">
+            <a:fld id="{421996D4-4A1C-4BBC-AA2B-FD5B7FC395A0}" type="datetime1">
               <a:rPr lang="en-US" smtClean="0"/>
-              <a:t>10/10/2024</a:t>
+              <a:t>11/21/2024</a:t>
             </a:fld>
             <a:endParaRPr lang="en-US"/>
           </a:p>
@@ -4929,7 +1182,7 @@
           <p:cNvPr id="5" name="Footer Placeholder 4">
             <a:extLst>
               <a:ext uri="{FF2B5EF4-FFF2-40B4-BE49-F238E27FC236}">
-                <a16:creationId xmlns:a16="http://schemas.microsoft.com/office/drawing/2014/main" id="{4CD22109-0E78-0957-7BBE-F0B6D89EFBB0}"/>
+                <a16:creationId xmlns:a16="http://schemas.microsoft.com/office/drawing/2014/main" id="{AAEBCD6E-6B69-E7FF-A8EA-F8E294BDA7E7}"/>
               </a:ext>
             </a:extLst>
           </p:cNvPr>
@@ -4954,7 +1207,7 @@
           <p:cNvPr id="6" name="Slide Number Placeholder 5">
             <a:extLst>
               <a:ext uri="{FF2B5EF4-FFF2-40B4-BE49-F238E27FC236}">
-                <a16:creationId xmlns:a16="http://schemas.microsoft.com/office/drawing/2014/main" id="{292DE250-FF35-6AD5-3A95-9CDBFE6C2373}"/>
+                <a16:creationId xmlns:a16="http://schemas.microsoft.com/office/drawing/2014/main" id="{FF22DB5A-E75D-49DD-123C-37B6BC85E903}"/>
               </a:ext>
             </a:extLst>
           </p:cNvPr>
@@ -4981,7 +1234,7 @@
     </p:spTree>
     <p:extLst>
       <p:ext uri="{BB962C8B-B14F-4D97-AF65-F5344CB8AC3E}">
-        <p14:creationId xmlns:p14="http://schemas.microsoft.com/office/powerpoint/2010/main" val="3295637468"/>
+        <p14:creationId xmlns:p14="http://schemas.microsoft.com/office/powerpoint/2010/main" val="1551152669"/>
       </p:ext>
     </p:extLst>
   </p:cSld>
@@ -4991,7 +1244,7 @@
 </p:sldLayout>
 </file>
 
-<file path=ppt/slideLayouts/slideLayout12.xml><?xml version="1.0" encoding="utf-8"?>
+<file path=ppt/slideLayouts/slideLayout13.xml><?xml version="1.0" encoding="utf-8"?>
 <p:sldLayout xmlns:a="http://schemas.openxmlformats.org/drawingml/2006/main" xmlns:r="http://schemas.openxmlformats.org/officeDocument/2006/relationships" xmlns:p="http://schemas.openxmlformats.org/presentationml/2006/main">
   <p:cSld name="Contents slide layout">
     <p:spTree>
@@ -5062,7 +1315,7 @@
     </p:spTree>
     <p:extLst>
       <p:ext uri="{BB962C8B-B14F-4D97-AF65-F5344CB8AC3E}">
-        <p14:creationId xmlns:p14="http://schemas.microsoft.com/office/powerpoint/2010/main" val="2488198393"/>
+        <p14:creationId xmlns:p14="http://schemas.microsoft.com/office/powerpoint/2010/main" val="3457807075"/>
       </p:ext>
     </p:extLst>
   </p:cSld>
@@ -5094,7 +1347,7 @@
           <p:cNvPr id="2" name="Title 1">
             <a:extLst>
               <a:ext uri="{FF2B5EF4-FFF2-40B4-BE49-F238E27FC236}">
-                <a16:creationId xmlns:a16="http://schemas.microsoft.com/office/drawing/2014/main" id="{9B53F3F8-E052-488D-90D0-D947B99C4AE2}"/>
+                <a16:creationId xmlns:a16="http://schemas.microsoft.com/office/drawing/2014/main" id="{6A54579A-6906-4E6D-591C-C727DF060739}"/>
               </a:ext>
             </a:extLst>
           </p:cNvPr>
@@ -5105,7 +1358,15 @@
             <p:ph type="title"/>
           </p:nvPr>
         </p:nvSpPr>
-        <p:spPr/>
+        <p:spPr>
+          <a:xfrm>
+            <a:off x="602787" y="1498382"/>
+            <a:ext cx="10515600" cy="1325563"/>
+          </a:xfrm>
+          <a:prstGeom prst="rect">
+            <a:avLst/>
+          </a:prstGeom>
+        </p:spPr>
         <p:txBody>
           <a:bodyPr/>
           <a:lstStyle/>
@@ -5122,7 +1383,7 @@
           <p:cNvPr id="3" name="Content Placeholder 2">
             <a:extLst>
               <a:ext uri="{FF2B5EF4-FFF2-40B4-BE49-F238E27FC236}">
-                <a16:creationId xmlns:a16="http://schemas.microsoft.com/office/drawing/2014/main" id="{EDD73720-466D-068E-61C9-BDF9BF686AF3}"/>
+                <a16:creationId xmlns:a16="http://schemas.microsoft.com/office/drawing/2014/main" id="{9C426EAA-227D-5ECA-282E-3A3B3C8AE97C}"/>
               </a:ext>
             </a:extLst>
           </p:cNvPr>
@@ -5133,7 +1394,15 @@
             <p:ph idx="1"/>
           </p:nvPr>
         </p:nvSpPr>
-        <p:spPr/>
+        <p:spPr>
+          <a:xfrm>
+            <a:off x="838200" y="1825625"/>
+            <a:ext cx="10515600" cy="4351338"/>
+          </a:xfrm>
+          <a:prstGeom prst="rect">
+            <a:avLst/>
+          </a:prstGeom>
+        </p:spPr>
         <p:txBody>
           <a:bodyPr/>
           <a:lstStyle/>
@@ -5179,7 +1448,7 @@
           <p:cNvPr id="4" name="Date Placeholder 3">
             <a:extLst>
               <a:ext uri="{FF2B5EF4-FFF2-40B4-BE49-F238E27FC236}">
-                <a16:creationId xmlns:a16="http://schemas.microsoft.com/office/drawing/2014/main" id="{86D8B675-57D5-D89F-01F5-209268AB9E4B}"/>
+                <a16:creationId xmlns:a16="http://schemas.microsoft.com/office/drawing/2014/main" id="{7F651069-7D1F-49B9-3F01-D52A9F3A60B7}"/>
               </a:ext>
             </a:extLst>
           </p:cNvPr>
@@ -5190,14 +1459,22 @@
             <p:ph type="dt" sz="half" idx="10"/>
           </p:nvPr>
         </p:nvSpPr>
-        <p:spPr/>
+        <p:spPr>
+          <a:xfrm>
+            <a:off x="838200" y="6445249"/>
+            <a:ext cx="2743200" cy="365125"/>
+          </a:xfrm>
+          <a:prstGeom prst="rect">
+            <a:avLst/>
+          </a:prstGeom>
+        </p:spPr>
         <p:txBody>
           <a:bodyPr/>
           <a:lstStyle/>
           <a:p>
-            <a:fld id="{490605F8-8C86-41F5-9F5E-04EDB8C2540B}" type="datetime1">
+            <a:fld id="{71087A05-F855-4434-8DDE-39A8542098A6}" type="datetimeFigureOut">
               <a:rPr lang="en-US" smtClean="0"/>
-              <a:t>10/10/2024</a:t>
+              <a:t>11/21/2024</a:t>
             </a:fld>
             <a:endParaRPr lang="en-US"/>
           </a:p>
@@ -5208,7 +1485,7 @@
           <p:cNvPr id="5" name="Footer Placeholder 4">
             <a:extLst>
               <a:ext uri="{FF2B5EF4-FFF2-40B4-BE49-F238E27FC236}">
-                <a16:creationId xmlns:a16="http://schemas.microsoft.com/office/drawing/2014/main" id="{7053F998-E2CB-02E4-49BF-97696F865F45}"/>
+                <a16:creationId xmlns:a16="http://schemas.microsoft.com/office/drawing/2014/main" id="{5756067D-C727-84C7-612B-F665F36170EE}"/>
               </a:ext>
             </a:extLst>
           </p:cNvPr>
@@ -5219,7 +1496,15 @@
             <p:ph type="ftr" sz="quarter" idx="11"/>
           </p:nvPr>
         </p:nvSpPr>
-        <p:spPr/>
+        <p:spPr>
+          <a:xfrm>
+            <a:off x="4038600" y="6356350"/>
+            <a:ext cx="4114800" cy="365125"/>
+          </a:xfrm>
+          <a:prstGeom prst="rect">
+            <a:avLst/>
+          </a:prstGeom>
+        </p:spPr>
         <p:txBody>
           <a:bodyPr/>
           <a:lstStyle/>
@@ -5233,7 +1518,7 @@
           <p:cNvPr id="6" name="Slide Number Placeholder 5">
             <a:extLst>
               <a:ext uri="{FF2B5EF4-FFF2-40B4-BE49-F238E27FC236}">
-                <a16:creationId xmlns:a16="http://schemas.microsoft.com/office/drawing/2014/main" id="{FED59867-B8CC-A6E9-DDC7-43729DA70B76}"/>
+                <a16:creationId xmlns:a16="http://schemas.microsoft.com/office/drawing/2014/main" id="{A3C64F88-1C59-3F79-931F-4F91F22F14D3}"/>
               </a:ext>
             </a:extLst>
           </p:cNvPr>
@@ -5244,12 +1529,20 @@
             <p:ph type="sldNum" sz="quarter" idx="12"/>
           </p:nvPr>
         </p:nvSpPr>
-        <p:spPr/>
+        <p:spPr>
+          <a:xfrm>
+            <a:off x="8610600" y="6356350"/>
+            <a:ext cx="2743200" cy="365125"/>
+          </a:xfrm>
+          <a:prstGeom prst="rect">
+            <a:avLst/>
+          </a:prstGeom>
+        </p:spPr>
         <p:txBody>
           <a:bodyPr/>
           <a:lstStyle/>
           <a:p>
-            <a:fld id="{B46E5E13-EE34-439C-B49B-F0CB75B28E1B}" type="slidenum">
+            <a:fld id="{6C0014F0-3D1D-4459-A530-32E6C19AE461}" type="slidenum">
               <a:rPr lang="en-US" smtClean="0"/>
               <a:t>‹#›</a:t>
             </a:fld>
@@ -5260,7 +1553,7 @@
     </p:spTree>
     <p:extLst>
       <p:ext uri="{BB962C8B-B14F-4D97-AF65-F5344CB8AC3E}">
-        <p14:creationId xmlns:p14="http://schemas.microsoft.com/office/powerpoint/2010/main" val="810322467"/>
+        <p14:creationId xmlns:p14="http://schemas.microsoft.com/office/powerpoint/2010/main" val="3412372441"/>
       </p:ext>
     </p:extLst>
   </p:cSld>
@@ -5292,7 +1585,7 @@
           <p:cNvPr id="2" name="Title 1">
             <a:extLst>
               <a:ext uri="{FF2B5EF4-FFF2-40B4-BE49-F238E27FC236}">
-                <a16:creationId xmlns:a16="http://schemas.microsoft.com/office/drawing/2014/main" id="{24562E59-A35F-2B41-2BE7-EC4592347134}"/>
+                <a16:creationId xmlns:a16="http://schemas.microsoft.com/office/drawing/2014/main" id="{C2E67B73-4EBE-86E7-DEDC-379A7358D71A}"/>
               </a:ext>
             </a:extLst>
           </p:cNvPr>
@@ -5308,6 +1601,9 @@
             <a:off x="831850" y="1709738"/>
             <a:ext cx="10515600" cy="2852737"/>
           </a:xfrm>
+          <a:prstGeom prst="rect">
+            <a:avLst/>
+          </a:prstGeom>
         </p:spPr>
         <p:txBody>
           <a:bodyPr anchor="b"/>
@@ -5329,7 +1625,7 @@
           <p:cNvPr id="3" name="Text Placeholder 2">
             <a:extLst>
               <a:ext uri="{FF2B5EF4-FFF2-40B4-BE49-F238E27FC236}">
-                <a16:creationId xmlns:a16="http://schemas.microsoft.com/office/drawing/2014/main" id="{6CB88CFD-8D25-CDFD-1F9A-6A5BAFD86DD9}"/>
+                <a16:creationId xmlns:a16="http://schemas.microsoft.com/office/drawing/2014/main" id="{39DC486F-4B2F-BAA7-822D-AF77A301C3EF}"/>
               </a:ext>
             </a:extLst>
           </p:cNvPr>
@@ -5345,6 +1641,9 @@
             <a:off x="831850" y="4589463"/>
             <a:ext cx="10515600" cy="1500187"/>
           </a:xfrm>
+          <a:prstGeom prst="rect">
+            <a:avLst/>
+          </a:prstGeom>
         </p:spPr>
         <p:txBody>
           <a:bodyPr/>
@@ -5354,7 +1653,7 @@
               <a:defRPr sz="2400">
                 <a:solidFill>
                   <a:schemeClr val="tx1">
-                    <a:tint val="75000"/>
+                    <a:tint val="82000"/>
                   </a:schemeClr>
                 </a:solidFill>
               </a:defRPr>
@@ -5364,7 +1663,7 @@
               <a:defRPr sz="2000">
                 <a:solidFill>
                   <a:schemeClr val="tx1">
-                    <a:tint val="75000"/>
+                    <a:tint val="82000"/>
                   </a:schemeClr>
                 </a:solidFill>
               </a:defRPr>
@@ -5374,7 +1673,7 @@
               <a:defRPr sz="1800">
                 <a:solidFill>
                   <a:schemeClr val="tx1">
-                    <a:tint val="75000"/>
+                    <a:tint val="82000"/>
                   </a:schemeClr>
                 </a:solidFill>
               </a:defRPr>
@@ -5384,7 +1683,7 @@
               <a:defRPr sz="1600">
                 <a:solidFill>
                   <a:schemeClr val="tx1">
-                    <a:tint val="75000"/>
+                    <a:tint val="82000"/>
                   </a:schemeClr>
                 </a:solidFill>
               </a:defRPr>
@@ -5394,7 +1693,7 @@
               <a:defRPr sz="1600">
                 <a:solidFill>
                   <a:schemeClr val="tx1">
-                    <a:tint val="75000"/>
+                    <a:tint val="82000"/>
                   </a:schemeClr>
                 </a:solidFill>
               </a:defRPr>
@@ -5404,7 +1703,7 @@
               <a:defRPr sz="1600">
                 <a:solidFill>
                   <a:schemeClr val="tx1">
-                    <a:tint val="75000"/>
+                    <a:tint val="82000"/>
                   </a:schemeClr>
                 </a:solidFill>
               </a:defRPr>
@@ -5414,7 +1713,7 @@
               <a:defRPr sz="1600">
                 <a:solidFill>
                   <a:schemeClr val="tx1">
-                    <a:tint val="75000"/>
+                    <a:tint val="82000"/>
                   </a:schemeClr>
                 </a:solidFill>
               </a:defRPr>
@@ -5424,7 +1723,7 @@
               <a:defRPr sz="1600">
                 <a:solidFill>
                   <a:schemeClr val="tx1">
-                    <a:tint val="75000"/>
+                    <a:tint val="82000"/>
                   </a:schemeClr>
                 </a:solidFill>
               </a:defRPr>
@@ -5434,7 +1733,7 @@
               <a:defRPr sz="1600">
                 <a:solidFill>
                   <a:schemeClr val="tx1">
-                    <a:tint val="75000"/>
+                    <a:tint val="82000"/>
                   </a:schemeClr>
                 </a:solidFill>
               </a:defRPr>
@@ -5454,7 +1753,7 @@
           <p:cNvPr id="4" name="Date Placeholder 3">
             <a:extLst>
               <a:ext uri="{FF2B5EF4-FFF2-40B4-BE49-F238E27FC236}">
-                <a16:creationId xmlns:a16="http://schemas.microsoft.com/office/drawing/2014/main" id="{5DC2235C-EA94-C1E9-D4DB-83056BF4C68F}"/>
+                <a16:creationId xmlns:a16="http://schemas.microsoft.com/office/drawing/2014/main" id="{AC1AB7C3-5E85-3B9F-4177-A1AF2AB486D8}"/>
               </a:ext>
             </a:extLst>
           </p:cNvPr>
@@ -5465,14 +1764,22 @@
             <p:ph type="dt" sz="half" idx="10"/>
           </p:nvPr>
         </p:nvSpPr>
-        <p:spPr/>
+        <p:spPr>
+          <a:xfrm>
+            <a:off x="838200" y="6445249"/>
+            <a:ext cx="2743200" cy="365125"/>
+          </a:xfrm>
+          <a:prstGeom prst="rect">
+            <a:avLst/>
+          </a:prstGeom>
+        </p:spPr>
         <p:txBody>
           <a:bodyPr/>
           <a:lstStyle/>
           <a:p>
-            <a:fld id="{CA355DA2-1E89-41CC-B722-CBFC08F260AE}" type="datetime1">
+            <a:fld id="{71087A05-F855-4434-8DDE-39A8542098A6}" type="datetimeFigureOut">
               <a:rPr lang="en-US" smtClean="0"/>
-              <a:t>10/10/2024</a:t>
+              <a:t>11/21/2024</a:t>
             </a:fld>
             <a:endParaRPr lang="en-US"/>
           </a:p>
@@ -5483,7 +1790,7 @@
           <p:cNvPr id="5" name="Footer Placeholder 4">
             <a:extLst>
               <a:ext uri="{FF2B5EF4-FFF2-40B4-BE49-F238E27FC236}">
-                <a16:creationId xmlns:a16="http://schemas.microsoft.com/office/drawing/2014/main" id="{E178E07A-E8A4-2767-2911-D824C588F20D}"/>
+                <a16:creationId xmlns:a16="http://schemas.microsoft.com/office/drawing/2014/main" id="{8950E3CD-02DB-7A08-79DC-74CA926DE70F}"/>
               </a:ext>
             </a:extLst>
           </p:cNvPr>
@@ -5494,7 +1801,15 @@
             <p:ph type="ftr" sz="quarter" idx="11"/>
           </p:nvPr>
         </p:nvSpPr>
-        <p:spPr/>
+        <p:spPr>
+          <a:xfrm>
+            <a:off x="4038600" y="6356350"/>
+            <a:ext cx="4114800" cy="365125"/>
+          </a:xfrm>
+          <a:prstGeom prst="rect">
+            <a:avLst/>
+          </a:prstGeom>
+        </p:spPr>
         <p:txBody>
           <a:bodyPr/>
           <a:lstStyle/>
@@ -5508,7 +1823,7 @@
           <p:cNvPr id="6" name="Slide Number Placeholder 5">
             <a:extLst>
               <a:ext uri="{FF2B5EF4-FFF2-40B4-BE49-F238E27FC236}">
-                <a16:creationId xmlns:a16="http://schemas.microsoft.com/office/drawing/2014/main" id="{6D865987-67F3-82BA-9FFE-7A512551887E}"/>
+                <a16:creationId xmlns:a16="http://schemas.microsoft.com/office/drawing/2014/main" id="{78D6A67F-8469-E8AB-D35D-DEC64EA01BF9}"/>
               </a:ext>
             </a:extLst>
           </p:cNvPr>
@@ -5519,12 +1834,20 @@
             <p:ph type="sldNum" sz="quarter" idx="12"/>
           </p:nvPr>
         </p:nvSpPr>
-        <p:spPr/>
+        <p:spPr>
+          <a:xfrm>
+            <a:off x="8610600" y="6356350"/>
+            <a:ext cx="2743200" cy="365125"/>
+          </a:xfrm>
+          <a:prstGeom prst="rect">
+            <a:avLst/>
+          </a:prstGeom>
+        </p:spPr>
         <p:txBody>
           <a:bodyPr/>
           <a:lstStyle/>
           <a:p>
-            <a:fld id="{B46E5E13-EE34-439C-B49B-F0CB75B28E1B}" type="slidenum">
+            <a:fld id="{6C0014F0-3D1D-4459-A530-32E6C19AE461}" type="slidenum">
               <a:rPr lang="en-US" smtClean="0"/>
               <a:t>‹#›</a:t>
             </a:fld>
@@ -5535,7 +1858,7 @@
     </p:spTree>
     <p:extLst>
       <p:ext uri="{BB962C8B-B14F-4D97-AF65-F5344CB8AC3E}">
-        <p14:creationId xmlns:p14="http://schemas.microsoft.com/office/powerpoint/2010/main" val="3397068280"/>
+        <p14:creationId xmlns:p14="http://schemas.microsoft.com/office/powerpoint/2010/main" val="2389875780"/>
       </p:ext>
     </p:extLst>
   </p:cSld>
@@ -5567,7 +1890,7 @@
           <p:cNvPr id="2" name="Title 1">
             <a:extLst>
               <a:ext uri="{FF2B5EF4-FFF2-40B4-BE49-F238E27FC236}">
-                <a16:creationId xmlns:a16="http://schemas.microsoft.com/office/drawing/2014/main" id="{D7417273-9D16-5639-8844-46262C7A214A}"/>
+                <a16:creationId xmlns:a16="http://schemas.microsoft.com/office/drawing/2014/main" id="{BFB01EF5-6F0D-8686-CDD5-7DB43C9F613E}"/>
               </a:ext>
             </a:extLst>
           </p:cNvPr>
@@ -5578,7 +1901,15 @@
             <p:ph type="title"/>
           </p:nvPr>
         </p:nvSpPr>
-        <p:spPr/>
+        <p:spPr>
+          <a:xfrm>
+            <a:off x="602787" y="1498382"/>
+            <a:ext cx="10515600" cy="1325563"/>
+          </a:xfrm>
+          <a:prstGeom prst="rect">
+            <a:avLst/>
+          </a:prstGeom>
+        </p:spPr>
         <p:txBody>
           <a:bodyPr/>
           <a:lstStyle/>
@@ -5595,7 +1926,7 @@
           <p:cNvPr id="3" name="Content Placeholder 2">
             <a:extLst>
               <a:ext uri="{FF2B5EF4-FFF2-40B4-BE49-F238E27FC236}">
-                <a16:creationId xmlns:a16="http://schemas.microsoft.com/office/drawing/2014/main" id="{B0CB97D0-5920-4A0C-455B-784B34D523CD}"/>
+                <a16:creationId xmlns:a16="http://schemas.microsoft.com/office/drawing/2014/main" id="{2ED595E2-3C65-7E01-6223-574BF8FB8119}"/>
               </a:ext>
             </a:extLst>
           </p:cNvPr>
@@ -5611,6 +1942,9 @@
             <a:off x="838200" y="1825625"/>
             <a:ext cx="5181600" cy="4351338"/>
           </a:xfrm>
+          <a:prstGeom prst="rect">
+            <a:avLst/>
+          </a:prstGeom>
         </p:spPr>
         <p:txBody>
           <a:bodyPr/>
@@ -5657,7 +1991,7 @@
           <p:cNvPr id="4" name="Content Placeholder 3">
             <a:extLst>
               <a:ext uri="{FF2B5EF4-FFF2-40B4-BE49-F238E27FC236}">
-                <a16:creationId xmlns:a16="http://schemas.microsoft.com/office/drawing/2014/main" id="{49C5FDBC-D200-7F14-85E8-2B208477DAF9}"/>
+                <a16:creationId xmlns:a16="http://schemas.microsoft.com/office/drawing/2014/main" id="{DFDA5243-FD59-824D-9801-C6A7FC40AD32}"/>
               </a:ext>
             </a:extLst>
           </p:cNvPr>
@@ -5673,6 +2007,9 @@
             <a:off x="6172200" y="1825625"/>
             <a:ext cx="5181600" cy="4351338"/>
           </a:xfrm>
+          <a:prstGeom prst="rect">
+            <a:avLst/>
+          </a:prstGeom>
         </p:spPr>
         <p:txBody>
           <a:bodyPr/>
@@ -5719,7 +2056,7 @@
           <p:cNvPr id="5" name="Date Placeholder 4">
             <a:extLst>
               <a:ext uri="{FF2B5EF4-FFF2-40B4-BE49-F238E27FC236}">
-                <a16:creationId xmlns:a16="http://schemas.microsoft.com/office/drawing/2014/main" id="{9C0A7D34-EDD4-2B7C-7597-31E5AE2E8BD6}"/>
+                <a16:creationId xmlns:a16="http://schemas.microsoft.com/office/drawing/2014/main" id="{BB0B0631-5586-E8EE-C280-1DC0A64D54C9}"/>
               </a:ext>
             </a:extLst>
           </p:cNvPr>
@@ -5730,14 +2067,22 @@
             <p:ph type="dt" sz="half" idx="10"/>
           </p:nvPr>
         </p:nvSpPr>
-        <p:spPr/>
+        <p:spPr>
+          <a:xfrm>
+            <a:off x="838200" y="6445249"/>
+            <a:ext cx="2743200" cy="365125"/>
+          </a:xfrm>
+          <a:prstGeom prst="rect">
+            <a:avLst/>
+          </a:prstGeom>
+        </p:spPr>
         <p:txBody>
           <a:bodyPr/>
           <a:lstStyle/>
           <a:p>
-            <a:fld id="{7F6AFD48-C472-404E-B7B5-BA44CCF2F55D}" type="datetime1">
+            <a:fld id="{71087A05-F855-4434-8DDE-39A8542098A6}" type="datetimeFigureOut">
               <a:rPr lang="en-US" smtClean="0"/>
-              <a:t>10/10/2024</a:t>
+              <a:t>11/21/2024</a:t>
             </a:fld>
             <a:endParaRPr lang="en-US"/>
           </a:p>
@@ -5748,7 +2093,7 @@
           <p:cNvPr id="6" name="Footer Placeholder 5">
             <a:extLst>
               <a:ext uri="{FF2B5EF4-FFF2-40B4-BE49-F238E27FC236}">
-                <a16:creationId xmlns:a16="http://schemas.microsoft.com/office/drawing/2014/main" id="{001C50E6-D64B-52FC-1719-552ED73B243D}"/>
+                <a16:creationId xmlns:a16="http://schemas.microsoft.com/office/drawing/2014/main" id="{4C7022BC-4356-2E12-5FFC-95893C9539C6}"/>
               </a:ext>
             </a:extLst>
           </p:cNvPr>
@@ -5759,7 +2104,15 @@
             <p:ph type="ftr" sz="quarter" idx="11"/>
           </p:nvPr>
         </p:nvSpPr>
-        <p:spPr/>
+        <p:spPr>
+          <a:xfrm>
+            <a:off x="4038600" y="6356350"/>
+            <a:ext cx="4114800" cy="365125"/>
+          </a:xfrm>
+          <a:prstGeom prst="rect">
+            <a:avLst/>
+          </a:prstGeom>
+        </p:spPr>
         <p:txBody>
           <a:bodyPr/>
           <a:lstStyle/>
@@ -5773,7 +2126,7 @@
           <p:cNvPr id="7" name="Slide Number Placeholder 6">
             <a:extLst>
               <a:ext uri="{FF2B5EF4-FFF2-40B4-BE49-F238E27FC236}">
-                <a16:creationId xmlns:a16="http://schemas.microsoft.com/office/drawing/2014/main" id="{159CBFED-25BE-7153-12B4-D0E8588920D3}"/>
+                <a16:creationId xmlns:a16="http://schemas.microsoft.com/office/drawing/2014/main" id="{2F6F0616-5185-D339-BFDE-0E16B9960312}"/>
               </a:ext>
             </a:extLst>
           </p:cNvPr>
@@ -5784,12 +2137,20 @@
             <p:ph type="sldNum" sz="quarter" idx="12"/>
           </p:nvPr>
         </p:nvSpPr>
-        <p:spPr/>
+        <p:spPr>
+          <a:xfrm>
+            <a:off x="8610600" y="6356350"/>
+            <a:ext cx="2743200" cy="365125"/>
+          </a:xfrm>
+          <a:prstGeom prst="rect">
+            <a:avLst/>
+          </a:prstGeom>
+        </p:spPr>
         <p:txBody>
           <a:bodyPr/>
           <a:lstStyle/>
           <a:p>
-            <a:fld id="{B46E5E13-EE34-439C-B49B-F0CB75B28E1B}" type="slidenum">
+            <a:fld id="{6C0014F0-3D1D-4459-A530-32E6C19AE461}" type="slidenum">
               <a:rPr lang="en-US" smtClean="0"/>
               <a:t>‹#›</a:t>
             </a:fld>
@@ -5800,7 +2161,7 @@
     </p:spTree>
     <p:extLst>
       <p:ext uri="{BB962C8B-B14F-4D97-AF65-F5344CB8AC3E}">
-        <p14:creationId xmlns:p14="http://schemas.microsoft.com/office/powerpoint/2010/main" val="239742289"/>
+        <p14:creationId xmlns:p14="http://schemas.microsoft.com/office/powerpoint/2010/main" val="1597145891"/>
       </p:ext>
     </p:extLst>
   </p:cSld>
@@ -5832,7 +2193,7 @@
           <p:cNvPr id="2" name="Title 1">
             <a:extLst>
               <a:ext uri="{FF2B5EF4-FFF2-40B4-BE49-F238E27FC236}">
-                <a16:creationId xmlns:a16="http://schemas.microsoft.com/office/drawing/2014/main" id="{4EC51817-320C-EB58-D57C-AAA586C0053E}"/>
+                <a16:creationId xmlns:a16="http://schemas.microsoft.com/office/drawing/2014/main" id="{0AADFFED-E59B-6D4E-6B64-0F5B746DEB96}"/>
               </a:ext>
             </a:extLst>
           </p:cNvPr>
@@ -5848,6 +2209,9 @@
             <a:off x="839788" y="365125"/>
             <a:ext cx="10515600" cy="1325563"/>
           </a:xfrm>
+          <a:prstGeom prst="rect">
+            <a:avLst/>
+          </a:prstGeom>
         </p:spPr>
         <p:txBody>
           <a:bodyPr/>
@@ -5865,7 +2229,7 @@
           <p:cNvPr id="3" name="Text Placeholder 2">
             <a:extLst>
               <a:ext uri="{FF2B5EF4-FFF2-40B4-BE49-F238E27FC236}">
-                <a16:creationId xmlns:a16="http://schemas.microsoft.com/office/drawing/2014/main" id="{21FF1CDE-5ED1-45BC-1BBF-82DBA76868F4}"/>
+                <a16:creationId xmlns:a16="http://schemas.microsoft.com/office/drawing/2014/main" id="{1D25BBE6-1C38-6614-EF63-AF608E55C235}"/>
               </a:ext>
             </a:extLst>
           </p:cNvPr>
@@ -5881,6 +2245,9 @@
             <a:off x="839788" y="1681163"/>
             <a:ext cx="5157787" cy="823912"/>
           </a:xfrm>
+          <a:prstGeom prst="rect">
+            <a:avLst/>
+          </a:prstGeom>
         </p:spPr>
         <p:txBody>
           <a:bodyPr anchor="b"/>
@@ -5936,7 +2303,7 @@
           <p:cNvPr id="4" name="Content Placeholder 3">
             <a:extLst>
               <a:ext uri="{FF2B5EF4-FFF2-40B4-BE49-F238E27FC236}">
-                <a16:creationId xmlns:a16="http://schemas.microsoft.com/office/drawing/2014/main" id="{CB45744E-8CC8-1B85-F492-6648EB8A9996}"/>
+                <a16:creationId xmlns:a16="http://schemas.microsoft.com/office/drawing/2014/main" id="{D639AC2E-A378-9E93-69F7-FF92F43FC3A8}"/>
               </a:ext>
             </a:extLst>
           </p:cNvPr>
@@ -5952,6 +2319,9 @@
             <a:off x="839788" y="2505075"/>
             <a:ext cx="5157787" cy="3684588"/>
           </a:xfrm>
+          <a:prstGeom prst="rect">
+            <a:avLst/>
+          </a:prstGeom>
         </p:spPr>
         <p:txBody>
           <a:bodyPr/>
@@ -5998,7 +2368,7 @@
           <p:cNvPr id="5" name="Text Placeholder 4">
             <a:extLst>
               <a:ext uri="{FF2B5EF4-FFF2-40B4-BE49-F238E27FC236}">
-                <a16:creationId xmlns:a16="http://schemas.microsoft.com/office/drawing/2014/main" id="{E073266C-0D92-527A-30E1-7ECDD28C0F91}"/>
+                <a16:creationId xmlns:a16="http://schemas.microsoft.com/office/drawing/2014/main" id="{E57BF240-C80B-E670-B12B-8BCBA850E04F}"/>
               </a:ext>
             </a:extLst>
           </p:cNvPr>
@@ -6014,6 +2384,9 @@
             <a:off x="6172200" y="1681163"/>
             <a:ext cx="5183188" cy="823912"/>
           </a:xfrm>
+          <a:prstGeom prst="rect">
+            <a:avLst/>
+          </a:prstGeom>
         </p:spPr>
         <p:txBody>
           <a:bodyPr anchor="b"/>
@@ -6069,7 +2442,7 @@
           <p:cNvPr id="6" name="Content Placeholder 5">
             <a:extLst>
               <a:ext uri="{FF2B5EF4-FFF2-40B4-BE49-F238E27FC236}">
-                <a16:creationId xmlns:a16="http://schemas.microsoft.com/office/drawing/2014/main" id="{1E10B574-E76B-4DE3-3CFA-1190E252BA61}"/>
+                <a16:creationId xmlns:a16="http://schemas.microsoft.com/office/drawing/2014/main" id="{6AB0FB7E-A75F-AB8B-3217-710BBB592FB3}"/>
               </a:ext>
             </a:extLst>
           </p:cNvPr>
@@ -6085,6 +2458,9 @@
             <a:off x="6172200" y="2505075"/>
             <a:ext cx="5183188" cy="3684588"/>
           </a:xfrm>
+          <a:prstGeom prst="rect">
+            <a:avLst/>
+          </a:prstGeom>
         </p:spPr>
         <p:txBody>
           <a:bodyPr/>
@@ -6131,7 +2507,7 @@
           <p:cNvPr id="7" name="Date Placeholder 6">
             <a:extLst>
               <a:ext uri="{FF2B5EF4-FFF2-40B4-BE49-F238E27FC236}">
-                <a16:creationId xmlns:a16="http://schemas.microsoft.com/office/drawing/2014/main" id="{B22F13C7-15CB-D0AD-592A-4574F62CF3CA}"/>
+                <a16:creationId xmlns:a16="http://schemas.microsoft.com/office/drawing/2014/main" id="{BBAC691C-E8A1-E4A4-391E-3EA19AE5DF7A}"/>
               </a:ext>
             </a:extLst>
           </p:cNvPr>
@@ -6142,14 +2518,22 @@
             <p:ph type="dt" sz="half" idx="10"/>
           </p:nvPr>
         </p:nvSpPr>
-        <p:spPr/>
+        <p:spPr>
+          <a:xfrm>
+            <a:off x="838200" y="6445249"/>
+            <a:ext cx="2743200" cy="365125"/>
+          </a:xfrm>
+          <a:prstGeom prst="rect">
+            <a:avLst/>
+          </a:prstGeom>
+        </p:spPr>
         <p:txBody>
           <a:bodyPr/>
           <a:lstStyle/>
           <a:p>
-            <a:fld id="{B33F52E9-9255-4CAF-909C-660126F1B079}" type="datetime1">
+            <a:fld id="{71087A05-F855-4434-8DDE-39A8542098A6}" type="datetimeFigureOut">
               <a:rPr lang="en-US" smtClean="0"/>
-              <a:t>10/10/2024</a:t>
+              <a:t>11/21/2024</a:t>
             </a:fld>
             <a:endParaRPr lang="en-US"/>
           </a:p>
@@ -6160,7 +2544,7 @@
           <p:cNvPr id="8" name="Footer Placeholder 7">
             <a:extLst>
               <a:ext uri="{FF2B5EF4-FFF2-40B4-BE49-F238E27FC236}">
-                <a16:creationId xmlns:a16="http://schemas.microsoft.com/office/drawing/2014/main" id="{2F5F3798-7B61-5530-4CE3-C6CC264D0CAB}"/>
+                <a16:creationId xmlns:a16="http://schemas.microsoft.com/office/drawing/2014/main" id="{A5742DC8-1560-8BC0-2128-ACBD57240165}"/>
               </a:ext>
             </a:extLst>
           </p:cNvPr>
@@ -6171,7 +2555,15 @@
             <p:ph type="ftr" sz="quarter" idx="11"/>
           </p:nvPr>
         </p:nvSpPr>
-        <p:spPr/>
+        <p:spPr>
+          <a:xfrm>
+            <a:off x="4038600" y="6356350"/>
+            <a:ext cx="4114800" cy="365125"/>
+          </a:xfrm>
+          <a:prstGeom prst="rect">
+            <a:avLst/>
+          </a:prstGeom>
+        </p:spPr>
         <p:txBody>
           <a:bodyPr/>
           <a:lstStyle/>
@@ -6185,7 +2577,7 @@
           <p:cNvPr id="9" name="Slide Number Placeholder 8">
             <a:extLst>
               <a:ext uri="{FF2B5EF4-FFF2-40B4-BE49-F238E27FC236}">
-                <a16:creationId xmlns:a16="http://schemas.microsoft.com/office/drawing/2014/main" id="{DEA57831-0ADE-7493-7182-6249F4413808}"/>
+                <a16:creationId xmlns:a16="http://schemas.microsoft.com/office/drawing/2014/main" id="{589CBA34-0EA5-98FC-EEAA-0C1A44BA1CB5}"/>
               </a:ext>
             </a:extLst>
           </p:cNvPr>
@@ -6196,12 +2588,20 @@
             <p:ph type="sldNum" sz="quarter" idx="12"/>
           </p:nvPr>
         </p:nvSpPr>
-        <p:spPr/>
+        <p:spPr>
+          <a:xfrm>
+            <a:off x="8610600" y="6356350"/>
+            <a:ext cx="2743200" cy="365125"/>
+          </a:xfrm>
+          <a:prstGeom prst="rect">
+            <a:avLst/>
+          </a:prstGeom>
+        </p:spPr>
         <p:txBody>
           <a:bodyPr/>
           <a:lstStyle/>
           <a:p>
-            <a:fld id="{B46E5E13-EE34-439C-B49B-F0CB75B28E1B}" type="slidenum">
+            <a:fld id="{6C0014F0-3D1D-4459-A530-32E6C19AE461}" type="slidenum">
               <a:rPr lang="en-US" smtClean="0"/>
               <a:t>‹#›</a:t>
             </a:fld>
@@ -6212,7 +2612,7 @@
     </p:spTree>
     <p:extLst>
       <p:ext uri="{BB962C8B-B14F-4D97-AF65-F5344CB8AC3E}">
-        <p14:creationId xmlns:p14="http://schemas.microsoft.com/office/powerpoint/2010/main" val="847567891"/>
+        <p14:creationId xmlns:p14="http://schemas.microsoft.com/office/powerpoint/2010/main" val="205957926"/>
       </p:ext>
     </p:extLst>
   </p:cSld>
@@ -6244,7 +2644,7 @@
           <p:cNvPr id="2" name="Title 1">
             <a:extLst>
               <a:ext uri="{FF2B5EF4-FFF2-40B4-BE49-F238E27FC236}">
-                <a16:creationId xmlns:a16="http://schemas.microsoft.com/office/drawing/2014/main" id="{C51D6B86-2F64-08CA-8DAC-2D6D1CA3880D}"/>
+                <a16:creationId xmlns:a16="http://schemas.microsoft.com/office/drawing/2014/main" id="{DB1F5818-3C7C-015C-2483-1875C395B0BF}"/>
               </a:ext>
             </a:extLst>
           </p:cNvPr>
@@ -6255,7 +2655,15 @@
             <p:ph type="title"/>
           </p:nvPr>
         </p:nvSpPr>
-        <p:spPr/>
+        <p:spPr>
+          <a:xfrm>
+            <a:off x="602787" y="1498382"/>
+            <a:ext cx="10515600" cy="1325563"/>
+          </a:xfrm>
+          <a:prstGeom prst="rect">
+            <a:avLst/>
+          </a:prstGeom>
+        </p:spPr>
         <p:txBody>
           <a:bodyPr/>
           <a:lstStyle/>
@@ -6272,7 +2680,7 @@
           <p:cNvPr id="3" name="Date Placeholder 2">
             <a:extLst>
               <a:ext uri="{FF2B5EF4-FFF2-40B4-BE49-F238E27FC236}">
-                <a16:creationId xmlns:a16="http://schemas.microsoft.com/office/drawing/2014/main" id="{03C4A398-4A9D-A2A3-6474-1E420261434B}"/>
+                <a16:creationId xmlns:a16="http://schemas.microsoft.com/office/drawing/2014/main" id="{F223477C-97F9-76B1-065E-300F62DDCF99}"/>
               </a:ext>
             </a:extLst>
           </p:cNvPr>
@@ -6283,14 +2691,22 @@
             <p:ph type="dt" sz="half" idx="10"/>
           </p:nvPr>
         </p:nvSpPr>
-        <p:spPr/>
+        <p:spPr>
+          <a:xfrm>
+            <a:off x="838200" y="6445249"/>
+            <a:ext cx="2743200" cy="365125"/>
+          </a:xfrm>
+          <a:prstGeom prst="rect">
+            <a:avLst/>
+          </a:prstGeom>
+        </p:spPr>
         <p:txBody>
           <a:bodyPr/>
           <a:lstStyle/>
           <a:p>
-            <a:fld id="{67F9F019-D13C-4797-8A9F-7B02D5B8121E}" type="datetime1">
+            <a:fld id="{71087A05-F855-4434-8DDE-39A8542098A6}" type="datetimeFigureOut">
               <a:rPr lang="en-US" smtClean="0"/>
-              <a:t>10/10/2024</a:t>
+              <a:t>11/21/2024</a:t>
             </a:fld>
             <a:endParaRPr lang="en-US"/>
           </a:p>
@@ -6301,7 +2717,7 @@
           <p:cNvPr id="4" name="Footer Placeholder 3">
             <a:extLst>
               <a:ext uri="{FF2B5EF4-FFF2-40B4-BE49-F238E27FC236}">
-                <a16:creationId xmlns:a16="http://schemas.microsoft.com/office/drawing/2014/main" id="{1B329954-395E-06FF-D638-EC31477B4B60}"/>
+                <a16:creationId xmlns:a16="http://schemas.microsoft.com/office/drawing/2014/main" id="{725CCAE4-3361-9867-C2CA-9F8A178ED41C}"/>
               </a:ext>
             </a:extLst>
           </p:cNvPr>
@@ -6312,7 +2728,15 @@
             <p:ph type="ftr" sz="quarter" idx="11"/>
           </p:nvPr>
         </p:nvSpPr>
-        <p:spPr/>
+        <p:spPr>
+          <a:xfrm>
+            <a:off x="4038600" y="6356350"/>
+            <a:ext cx="4114800" cy="365125"/>
+          </a:xfrm>
+          <a:prstGeom prst="rect">
+            <a:avLst/>
+          </a:prstGeom>
+        </p:spPr>
         <p:txBody>
           <a:bodyPr/>
           <a:lstStyle/>
@@ -6326,7 +2750,7 @@
           <p:cNvPr id="5" name="Slide Number Placeholder 4">
             <a:extLst>
               <a:ext uri="{FF2B5EF4-FFF2-40B4-BE49-F238E27FC236}">
-                <a16:creationId xmlns:a16="http://schemas.microsoft.com/office/drawing/2014/main" id="{26A16BE0-3CF4-0FFF-42E9-C2ABCD5E1AB3}"/>
+                <a16:creationId xmlns:a16="http://schemas.microsoft.com/office/drawing/2014/main" id="{E42ECABF-B7A6-37FC-1091-0A6AE97D6725}"/>
               </a:ext>
             </a:extLst>
           </p:cNvPr>
@@ -6337,12 +2761,20 @@
             <p:ph type="sldNum" sz="quarter" idx="12"/>
           </p:nvPr>
         </p:nvSpPr>
-        <p:spPr/>
+        <p:spPr>
+          <a:xfrm>
+            <a:off x="8610600" y="6356350"/>
+            <a:ext cx="2743200" cy="365125"/>
+          </a:xfrm>
+          <a:prstGeom prst="rect">
+            <a:avLst/>
+          </a:prstGeom>
+        </p:spPr>
         <p:txBody>
           <a:bodyPr/>
           <a:lstStyle/>
           <a:p>
-            <a:fld id="{B46E5E13-EE34-439C-B49B-F0CB75B28E1B}" type="slidenum">
+            <a:fld id="{6C0014F0-3D1D-4459-A530-32E6C19AE461}" type="slidenum">
               <a:rPr lang="en-US" smtClean="0"/>
               <a:t>‹#›</a:t>
             </a:fld>
@@ -6353,7 +2785,7 @@
     </p:spTree>
     <p:extLst>
       <p:ext uri="{BB962C8B-B14F-4D97-AF65-F5344CB8AC3E}">
-        <p14:creationId xmlns:p14="http://schemas.microsoft.com/office/powerpoint/2010/main" val="2594811457"/>
+        <p14:creationId xmlns:p14="http://schemas.microsoft.com/office/powerpoint/2010/main" val="2477561557"/>
       </p:ext>
     </p:extLst>
   </p:cSld>
@@ -6385,7 +2817,7 @@
           <p:cNvPr id="2" name="Date Placeholder 1">
             <a:extLst>
               <a:ext uri="{FF2B5EF4-FFF2-40B4-BE49-F238E27FC236}">
-                <a16:creationId xmlns:a16="http://schemas.microsoft.com/office/drawing/2014/main" id="{AA5B9B0A-FA71-5C03-A207-2398589F58E9}"/>
+                <a16:creationId xmlns:a16="http://schemas.microsoft.com/office/drawing/2014/main" id="{E2C2A218-2D68-399E-5303-823F32D18A0A}"/>
               </a:ext>
             </a:extLst>
           </p:cNvPr>
@@ -6396,14 +2828,22 @@
             <p:ph type="dt" sz="half" idx="10"/>
           </p:nvPr>
         </p:nvSpPr>
-        <p:spPr/>
+        <p:spPr>
+          <a:xfrm>
+            <a:off x="838200" y="6445249"/>
+            <a:ext cx="2743200" cy="365125"/>
+          </a:xfrm>
+          <a:prstGeom prst="rect">
+            <a:avLst/>
+          </a:prstGeom>
+        </p:spPr>
         <p:txBody>
           <a:bodyPr/>
           <a:lstStyle/>
           <a:p>
-            <a:fld id="{FDA143B9-A6C4-436D-945A-FF5B3EA2EF39}" type="datetime1">
+            <a:fld id="{71087A05-F855-4434-8DDE-39A8542098A6}" type="datetimeFigureOut">
               <a:rPr lang="en-US" smtClean="0"/>
-              <a:t>10/10/2024</a:t>
+              <a:t>11/21/2024</a:t>
             </a:fld>
             <a:endParaRPr lang="en-US"/>
           </a:p>
@@ -6414,7 +2854,7 @@
           <p:cNvPr id="3" name="Footer Placeholder 2">
             <a:extLst>
               <a:ext uri="{FF2B5EF4-FFF2-40B4-BE49-F238E27FC236}">
-                <a16:creationId xmlns:a16="http://schemas.microsoft.com/office/drawing/2014/main" id="{5EEC7B99-A534-1835-A5BF-8993DDBD237D}"/>
+                <a16:creationId xmlns:a16="http://schemas.microsoft.com/office/drawing/2014/main" id="{41BB3505-96AE-D8F2-469A-F36E9DD155D5}"/>
               </a:ext>
             </a:extLst>
           </p:cNvPr>
@@ -6425,7 +2865,15 @@
             <p:ph type="ftr" sz="quarter" idx="11"/>
           </p:nvPr>
         </p:nvSpPr>
-        <p:spPr/>
+        <p:spPr>
+          <a:xfrm>
+            <a:off x="4038600" y="6356350"/>
+            <a:ext cx="4114800" cy="365125"/>
+          </a:xfrm>
+          <a:prstGeom prst="rect">
+            <a:avLst/>
+          </a:prstGeom>
+        </p:spPr>
         <p:txBody>
           <a:bodyPr/>
           <a:lstStyle/>
@@ -6439,7 +2887,7 @@
           <p:cNvPr id="4" name="Slide Number Placeholder 3">
             <a:extLst>
               <a:ext uri="{FF2B5EF4-FFF2-40B4-BE49-F238E27FC236}">
-                <a16:creationId xmlns:a16="http://schemas.microsoft.com/office/drawing/2014/main" id="{6E001977-30BB-D5A2-E565-94C0467FE0FD}"/>
+                <a16:creationId xmlns:a16="http://schemas.microsoft.com/office/drawing/2014/main" id="{47BA2558-EB65-5F2B-4DEB-5E332CDDC572}"/>
               </a:ext>
             </a:extLst>
           </p:cNvPr>
@@ -6450,12 +2898,20 @@
             <p:ph type="sldNum" sz="quarter" idx="12"/>
           </p:nvPr>
         </p:nvSpPr>
-        <p:spPr/>
+        <p:spPr>
+          <a:xfrm>
+            <a:off x="8610600" y="6356350"/>
+            <a:ext cx="2743200" cy="365125"/>
+          </a:xfrm>
+          <a:prstGeom prst="rect">
+            <a:avLst/>
+          </a:prstGeom>
+        </p:spPr>
         <p:txBody>
           <a:bodyPr/>
           <a:lstStyle/>
           <a:p>
-            <a:fld id="{B46E5E13-EE34-439C-B49B-F0CB75B28E1B}" type="slidenum">
+            <a:fld id="{6C0014F0-3D1D-4459-A530-32E6C19AE461}" type="slidenum">
               <a:rPr lang="en-US" smtClean="0"/>
               <a:t>‹#›</a:t>
             </a:fld>
@@ -6466,7 +2922,7 @@
     </p:spTree>
     <p:extLst>
       <p:ext uri="{BB962C8B-B14F-4D97-AF65-F5344CB8AC3E}">
-        <p14:creationId xmlns:p14="http://schemas.microsoft.com/office/powerpoint/2010/main" val="3457119493"/>
+        <p14:creationId xmlns:p14="http://schemas.microsoft.com/office/powerpoint/2010/main" val="632191323"/>
       </p:ext>
     </p:extLst>
   </p:cSld>
@@ -6498,7 +2954,7 @@
           <p:cNvPr id="2" name="Title 1">
             <a:extLst>
               <a:ext uri="{FF2B5EF4-FFF2-40B4-BE49-F238E27FC236}">
-                <a16:creationId xmlns:a16="http://schemas.microsoft.com/office/drawing/2014/main" id="{AC38A989-6857-707E-A17F-8A83A6144698}"/>
+                <a16:creationId xmlns:a16="http://schemas.microsoft.com/office/drawing/2014/main" id="{E731290A-4FEE-1487-F6FC-152481239225}"/>
               </a:ext>
             </a:extLst>
           </p:cNvPr>
@@ -6514,6 +2970,9 @@
             <a:off x="839788" y="457200"/>
             <a:ext cx="3932237" cy="1600200"/>
           </a:xfrm>
+          <a:prstGeom prst="rect">
+            <a:avLst/>
+          </a:prstGeom>
         </p:spPr>
         <p:txBody>
           <a:bodyPr anchor="b"/>
@@ -6535,7 +2994,7 @@
           <p:cNvPr id="3" name="Content Placeholder 2">
             <a:extLst>
               <a:ext uri="{FF2B5EF4-FFF2-40B4-BE49-F238E27FC236}">
-                <a16:creationId xmlns:a16="http://schemas.microsoft.com/office/drawing/2014/main" id="{D3A3E0C8-FA9B-6F55-E988-D7B8ADBC9C21}"/>
+                <a16:creationId xmlns:a16="http://schemas.microsoft.com/office/drawing/2014/main" id="{3FD49862-968E-6027-1E22-A84213937FC4}"/>
               </a:ext>
             </a:extLst>
           </p:cNvPr>
@@ -6551,6 +3010,9 @@
             <a:off x="5183188" y="987425"/>
             <a:ext cx="6172200" cy="4873625"/>
           </a:xfrm>
+          <a:prstGeom prst="rect">
+            <a:avLst/>
+          </a:prstGeom>
         </p:spPr>
         <p:txBody>
           <a:bodyPr/>
@@ -6625,7 +3087,7 @@
           <p:cNvPr id="4" name="Text Placeholder 3">
             <a:extLst>
               <a:ext uri="{FF2B5EF4-FFF2-40B4-BE49-F238E27FC236}">
-                <a16:creationId xmlns:a16="http://schemas.microsoft.com/office/drawing/2014/main" id="{FC649A31-16E4-3C58-CFAF-870BE9A231C8}"/>
+                <a16:creationId xmlns:a16="http://schemas.microsoft.com/office/drawing/2014/main" id="{DDD75452-B3CD-E4D7-2EEB-4D8E7A55BA47}"/>
               </a:ext>
             </a:extLst>
           </p:cNvPr>
@@ -6641,6 +3103,9 @@
             <a:off x="839788" y="2057400"/>
             <a:ext cx="3932237" cy="3811588"/>
           </a:xfrm>
+          <a:prstGeom prst="rect">
+            <a:avLst/>
+          </a:prstGeom>
         </p:spPr>
         <p:txBody>
           <a:bodyPr/>
@@ -6696,7 +3161,7 @@
           <p:cNvPr id="5" name="Date Placeholder 4">
             <a:extLst>
               <a:ext uri="{FF2B5EF4-FFF2-40B4-BE49-F238E27FC236}">
-                <a16:creationId xmlns:a16="http://schemas.microsoft.com/office/drawing/2014/main" id="{5999608F-F9E6-C047-FAFD-5BD962E36788}"/>
+                <a16:creationId xmlns:a16="http://schemas.microsoft.com/office/drawing/2014/main" id="{E910F3D6-85F4-16D5-02EC-B52A50D1363C}"/>
               </a:ext>
             </a:extLst>
           </p:cNvPr>
@@ -6707,14 +3172,22 @@
             <p:ph type="dt" sz="half" idx="10"/>
           </p:nvPr>
         </p:nvSpPr>
-        <p:spPr/>
+        <p:spPr>
+          <a:xfrm>
+            <a:off x="838200" y="6445249"/>
+            <a:ext cx="2743200" cy="365125"/>
+          </a:xfrm>
+          <a:prstGeom prst="rect">
+            <a:avLst/>
+          </a:prstGeom>
+        </p:spPr>
         <p:txBody>
           <a:bodyPr/>
           <a:lstStyle/>
           <a:p>
-            <a:fld id="{457E18FE-B6F9-4F6A-835B-8251F04458A0}" type="datetime1">
+            <a:fld id="{71087A05-F855-4434-8DDE-39A8542098A6}" type="datetimeFigureOut">
               <a:rPr lang="en-US" smtClean="0"/>
-              <a:t>10/10/2024</a:t>
+              <a:t>11/21/2024</a:t>
             </a:fld>
             <a:endParaRPr lang="en-US"/>
           </a:p>
@@ -6725,7 +3198,7 @@
           <p:cNvPr id="6" name="Footer Placeholder 5">
             <a:extLst>
               <a:ext uri="{FF2B5EF4-FFF2-40B4-BE49-F238E27FC236}">
-                <a16:creationId xmlns:a16="http://schemas.microsoft.com/office/drawing/2014/main" id="{E1D5DC43-2068-E43E-0C96-6105FF141340}"/>
+                <a16:creationId xmlns:a16="http://schemas.microsoft.com/office/drawing/2014/main" id="{FA7DC6C8-71E8-B7D5-9A82-0FA963F35B00}"/>
               </a:ext>
             </a:extLst>
           </p:cNvPr>
@@ -6736,7 +3209,15 @@
             <p:ph type="ftr" sz="quarter" idx="11"/>
           </p:nvPr>
         </p:nvSpPr>
-        <p:spPr/>
+        <p:spPr>
+          <a:xfrm>
+            <a:off x="4038600" y="6356350"/>
+            <a:ext cx="4114800" cy="365125"/>
+          </a:xfrm>
+          <a:prstGeom prst="rect">
+            <a:avLst/>
+          </a:prstGeom>
+        </p:spPr>
         <p:txBody>
           <a:bodyPr/>
           <a:lstStyle/>
@@ -6750,7 +3231,7 @@
           <p:cNvPr id="7" name="Slide Number Placeholder 6">
             <a:extLst>
               <a:ext uri="{FF2B5EF4-FFF2-40B4-BE49-F238E27FC236}">
-                <a16:creationId xmlns:a16="http://schemas.microsoft.com/office/drawing/2014/main" id="{07714F4E-989B-09B5-9809-BA4CDB940F1A}"/>
+                <a16:creationId xmlns:a16="http://schemas.microsoft.com/office/drawing/2014/main" id="{33AEBF5B-81ED-5FC8-76EE-E85F459B2D2B}"/>
               </a:ext>
             </a:extLst>
           </p:cNvPr>
@@ -6761,12 +3242,20 @@
             <p:ph type="sldNum" sz="quarter" idx="12"/>
           </p:nvPr>
         </p:nvSpPr>
-        <p:spPr/>
+        <p:spPr>
+          <a:xfrm>
+            <a:off x="8610600" y="6356350"/>
+            <a:ext cx="2743200" cy="365125"/>
+          </a:xfrm>
+          <a:prstGeom prst="rect">
+            <a:avLst/>
+          </a:prstGeom>
+        </p:spPr>
         <p:txBody>
           <a:bodyPr/>
           <a:lstStyle/>
           <a:p>
-            <a:fld id="{B46E5E13-EE34-439C-B49B-F0CB75B28E1B}" type="slidenum">
+            <a:fld id="{6C0014F0-3D1D-4459-A530-32E6C19AE461}" type="slidenum">
               <a:rPr lang="en-US" smtClean="0"/>
               <a:t>‹#›</a:t>
             </a:fld>
@@ -6777,7 +3266,7 @@
     </p:spTree>
     <p:extLst>
       <p:ext uri="{BB962C8B-B14F-4D97-AF65-F5344CB8AC3E}">
-        <p14:creationId xmlns:p14="http://schemas.microsoft.com/office/powerpoint/2010/main" val="3331387570"/>
+        <p14:creationId xmlns:p14="http://schemas.microsoft.com/office/powerpoint/2010/main" val="740176455"/>
       </p:ext>
     </p:extLst>
   </p:cSld>
@@ -6809,7 +3298,7 @@
           <p:cNvPr id="2" name="Title 1">
             <a:extLst>
               <a:ext uri="{FF2B5EF4-FFF2-40B4-BE49-F238E27FC236}">
-                <a16:creationId xmlns:a16="http://schemas.microsoft.com/office/drawing/2014/main" id="{3355A176-7BDB-BCDB-D1C0-7943D50F9B44}"/>
+                <a16:creationId xmlns:a16="http://schemas.microsoft.com/office/drawing/2014/main" id="{640090C6-958A-8F1E-AAA5-6F70ABB1D9F3}"/>
               </a:ext>
             </a:extLst>
           </p:cNvPr>
@@ -6825,6 +3314,9 @@
             <a:off x="839788" y="457200"/>
             <a:ext cx="3932237" cy="1600200"/>
           </a:xfrm>
+          <a:prstGeom prst="rect">
+            <a:avLst/>
+          </a:prstGeom>
         </p:spPr>
         <p:txBody>
           <a:bodyPr anchor="b"/>
@@ -6846,7 +3338,7 @@
           <p:cNvPr id="3" name="Picture Placeholder 2">
             <a:extLst>
               <a:ext uri="{FF2B5EF4-FFF2-40B4-BE49-F238E27FC236}">
-                <a16:creationId xmlns:a16="http://schemas.microsoft.com/office/drawing/2014/main" id="{B68408D7-61D1-185C-72B8-001F411FC6F7}"/>
+                <a16:creationId xmlns:a16="http://schemas.microsoft.com/office/drawing/2014/main" id="{3302DF14-CA9B-4C85-16D1-AE914D7EB7E7}"/>
               </a:ext>
             </a:extLst>
           </p:cNvPr>
@@ -6862,6 +3354,9 @@
             <a:off x="5183188" y="987425"/>
             <a:ext cx="6172200" cy="4873625"/>
           </a:xfrm>
+          <a:prstGeom prst="rect">
+            <a:avLst/>
+          </a:prstGeom>
         </p:spPr>
         <p:txBody>
           <a:bodyPr/>
@@ -6904,7 +3399,10 @@
             </a:lvl9pPr>
           </a:lstStyle>
           <a:p>
-            <a:endParaRPr lang="en-US"/>
+            <a:r>
+              <a:rPr lang="en-US"/>
+              <a:t>Click icon to add picture</a:t>
+            </a:r>
           </a:p>
         </p:txBody>
       </p:sp>
@@ -6913,7 +3411,7 @@
           <p:cNvPr id="4" name="Text Placeholder 3">
             <a:extLst>
               <a:ext uri="{FF2B5EF4-FFF2-40B4-BE49-F238E27FC236}">
-                <a16:creationId xmlns:a16="http://schemas.microsoft.com/office/drawing/2014/main" id="{390B86E7-BC7A-324F-5231-BB8844695F10}"/>
+                <a16:creationId xmlns:a16="http://schemas.microsoft.com/office/drawing/2014/main" id="{449386B6-C485-3496-A8CD-9C25B60A4255}"/>
               </a:ext>
             </a:extLst>
           </p:cNvPr>
@@ -6929,6 +3427,9 @@
             <a:off x="839788" y="2057400"/>
             <a:ext cx="3932237" cy="3811588"/>
           </a:xfrm>
+          <a:prstGeom prst="rect">
+            <a:avLst/>
+          </a:prstGeom>
         </p:spPr>
         <p:txBody>
           <a:bodyPr/>
@@ -6984,7 +3485,7 @@
           <p:cNvPr id="5" name="Date Placeholder 4">
             <a:extLst>
               <a:ext uri="{FF2B5EF4-FFF2-40B4-BE49-F238E27FC236}">
-                <a16:creationId xmlns:a16="http://schemas.microsoft.com/office/drawing/2014/main" id="{CA9F4411-F5FF-7DD9-8280-4EAE80811D9F}"/>
+                <a16:creationId xmlns:a16="http://schemas.microsoft.com/office/drawing/2014/main" id="{DBD5F565-8080-7E82-246E-1EDDAAC2C236}"/>
               </a:ext>
             </a:extLst>
           </p:cNvPr>
@@ -6995,14 +3496,22 @@
             <p:ph type="dt" sz="half" idx="10"/>
           </p:nvPr>
         </p:nvSpPr>
-        <p:spPr/>
+        <p:spPr>
+          <a:xfrm>
+            <a:off x="838200" y="6445249"/>
+            <a:ext cx="2743200" cy="365125"/>
+          </a:xfrm>
+          <a:prstGeom prst="rect">
+            <a:avLst/>
+          </a:prstGeom>
+        </p:spPr>
         <p:txBody>
           <a:bodyPr/>
           <a:lstStyle/>
           <a:p>
-            <a:fld id="{5F2690CE-112A-455B-AD5F-E26CEA6A5331}" type="datetime1">
+            <a:fld id="{71087A05-F855-4434-8DDE-39A8542098A6}" type="datetimeFigureOut">
               <a:rPr lang="en-US" smtClean="0"/>
-              <a:t>10/10/2024</a:t>
+              <a:t>11/21/2024</a:t>
             </a:fld>
             <a:endParaRPr lang="en-US"/>
           </a:p>
@@ -7013,7 +3522,7 @@
           <p:cNvPr id="6" name="Footer Placeholder 5">
             <a:extLst>
               <a:ext uri="{FF2B5EF4-FFF2-40B4-BE49-F238E27FC236}">
-                <a16:creationId xmlns:a16="http://schemas.microsoft.com/office/drawing/2014/main" id="{BD00158C-2DC0-C40D-E476-8D815E2210E6}"/>
+                <a16:creationId xmlns:a16="http://schemas.microsoft.com/office/drawing/2014/main" id="{C9E12A3F-827C-0539-3AFC-062DDE283567}"/>
               </a:ext>
             </a:extLst>
           </p:cNvPr>
@@ -7024,7 +3533,15 @@
             <p:ph type="ftr" sz="quarter" idx="11"/>
           </p:nvPr>
         </p:nvSpPr>
-        <p:spPr/>
+        <p:spPr>
+          <a:xfrm>
+            <a:off x="4038600" y="6356350"/>
+            <a:ext cx="4114800" cy="365125"/>
+          </a:xfrm>
+          <a:prstGeom prst="rect">
+            <a:avLst/>
+          </a:prstGeom>
+        </p:spPr>
         <p:txBody>
           <a:bodyPr/>
           <a:lstStyle/>
@@ -7038,7 +3555,7 @@
           <p:cNvPr id="7" name="Slide Number Placeholder 6">
             <a:extLst>
               <a:ext uri="{FF2B5EF4-FFF2-40B4-BE49-F238E27FC236}">
-                <a16:creationId xmlns:a16="http://schemas.microsoft.com/office/drawing/2014/main" id="{E47CEA17-958B-3F11-0DD0-F3DB57410690}"/>
+                <a16:creationId xmlns:a16="http://schemas.microsoft.com/office/drawing/2014/main" id="{516B4C84-F522-0893-1790-EF8E720A114E}"/>
               </a:ext>
             </a:extLst>
           </p:cNvPr>
@@ -7049,12 +3566,20 @@
             <p:ph type="sldNum" sz="quarter" idx="12"/>
           </p:nvPr>
         </p:nvSpPr>
-        <p:spPr/>
+        <p:spPr>
+          <a:xfrm>
+            <a:off x="8610600" y="6356350"/>
+            <a:ext cx="2743200" cy="365125"/>
+          </a:xfrm>
+          <a:prstGeom prst="rect">
+            <a:avLst/>
+          </a:prstGeom>
+        </p:spPr>
         <p:txBody>
           <a:bodyPr/>
           <a:lstStyle/>
           <a:p>
-            <a:fld id="{B46E5E13-EE34-439C-B49B-F0CB75B28E1B}" type="slidenum">
+            <a:fld id="{6C0014F0-3D1D-4459-A530-32E6C19AE461}" type="slidenum">
               <a:rPr lang="en-US" smtClean="0"/>
               <a:t>‹#›</a:t>
             </a:fld>
@@ -7065,7 +3590,7 @@
     </p:spTree>
     <p:extLst>
       <p:ext uri="{BB962C8B-B14F-4D97-AF65-F5344CB8AC3E}">
-        <p14:creationId xmlns:p14="http://schemas.microsoft.com/office/powerpoint/2010/main" val="1744603036"/>
+        <p14:creationId xmlns:p14="http://schemas.microsoft.com/office/powerpoint/2010/main" val="2266235175"/>
       </p:ext>
     </p:extLst>
   </p:cSld>
@@ -7097,244 +3622,131 @@
           <a:chExt cx="0" cy="0"/>
         </a:xfrm>
       </p:grpSpPr>
-      <p:sp>
-        <p:nvSpPr>
-          <p:cNvPr id="2" name="Title Placeholder 1">
-            <a:extLst>
-              <a:ext uri="{FF2B5EF4-FFF2-40B4-BE49-F238E27FC236}">
-                <a16:creationId xmlns:a16="http://schemas.microsoft.com/office/drawing/2014/main" id="{DADBBF7B-0A87-603A-6F96-ED995D2876BC}"/>
-              </a:ext>
-            </a:extLst>
-          </p:cNvPr>
-          <p:cNvSpPr>
-            <a:spLocks noGrp="1"/>
-          </p:cNvSpPr>
-          <p:nvPr>
-            <p:ph type="title"/>
-          </p:nvPr>
-        </p:nvSpPr>
+      <p:pic>
+        <p:nvPicPr>
+          <p:cNvPr id="7" name="Picture 6">
+            <a:extLst>
+              <a:ext uri="{FF2B5EF4-FFF2-40B4-BE49-F238E27FC236}">
+                <a16:creationId xmlns:a16="http://schemas.microsoft.com/office/drawing/2014/main" id="{AEB2CF3C-8982-A5D5-05DB-5BF3F09E24AE}"/>
+              </a:ext>
+              <a:ext uri="{C183D7F6-B498-43B3-948B-1728B52AA6E4}">
+                <adec:decorative xmlns:adec="http://schemas.microsoft.com/office/drawing/2017/decorative" val="1"/>
+              </a:ext>
+            </a:extLst>
+          </p:cNvPr>
+          <p:cNvPicPr>
+            <a:picLocks noChangeAspect="1"/>
+          </p:cNvPicPr>
+          <p:nvPr userDrawn="1"/>
+        </p:nvPicPr>
+        <p:blipFill>
+          <a:blip r:embed="rId15">
+            <a:extLst>
+              <a:ext uri="{28A0092B-C50C-407E-A947-70E740481C1C}">
+                <a14:useLocalDpi xmlns:a14="http://schemas.microsoft.com/office/drawing/2010/main" val="0"/>
+              </a:ext>
+            </a:extLst>
+          </a:blip>
+          <a:stretch>
+            <a:fillRect/>
+          </a:stretch>
+        </p:blipFill>
         <p:spPr>
           <a:xfrm>
-            <a:off x="838200" y="365125"/>
-            <a:ext cx="10515600" cy="1325563"/>
+            <a:off x="212436" y="236453"/>
+            <a:ext cx="11767127" cy="787737"/>
           </a:xfrm>
           <a:prstGeom prst="rect">
             <a:avLst/>
           </a:prstGeom>
         </p:spPr>
-        <p:txBody>
-          <a:bodyPr vert="horz" lIns="91440" tIns="45720" rIns="91440" bIns="45720" rtlCol="0" anchor="ctr">
-            <a:normAutofit/>
-          </a:bodyPr>
-          <a:lstStyle/>
-          <a:p>
-            <a:r>
-              <a:rPr lang="en-US"/>
-              <a:t>Click to edit Master title style</a:t>
-            </a:r>
-          </a:p>
-        </p:txBody>
-      </p:sp>
+      </p:pic>
+      <p:cxnSp>
+        <p:nvCxnSpPr>
+          <p:cNvPr id="9" name="Straight Connector 8">
+            <a:extLst>
+              <a:ext uri="{FF2B5EF4-FFF2-40B4-BE49-F238E27FC236}">
+                <a16:creationId xmlns:a16="http://schemas.microsoft.com/office/drawing/2014/main" id="{DE7FEFD9-5638-352F-A6ED-06F1FDE322D4}"/>
+              </a:ext>
+            </a:extLst>
+          </p:cNvPr>
+          <p:cNvCxnSpPr>
+            <a:cxnSpLocks/>
+          </p:cNvCxnSpPr>
+          <p:nvPr userDrawn="1"/>
+        </p:nvCxnSpPr>
+        <p:spPr>
+          <a:xfrm>
+            <a:off x="175490" y="1099127"/>
+            <a:ext cx="11841020" cy="0"/>
+          </a:xfrm>
+          <a:prstGeom prst="line">
+            <a:avLst/>
+          </a:prstGeom>
+          <a:ln w="38100">
+            <a:solidFill>
+              <a:srgbClr val="A13C39"/>
+            </a:solidFill>
+          </a:ln>
+        </p:spPr>
+        <p:style>
+          <a:lnRef idx="2">
+            <a:schemeClr val="accent1"/>
+          </a:lnRef>
+          <a:fillRef idx="0">
+            <a:schemeClr val="accent1"/>
+          </a:fillRef>
+          <a:effectRef idx="1">
+            <a:schemeClr val="accent1"/>
+          </a:effectRef>
+          <a:fontRef idx="minor">
+            <a:schemeClr val="tx1"/>
+          </a:fontRef>
+        </p:style>
+      </p:cxnSp>
       <p:sp>
         <p:nvSpPr>
-          <p:cNvPr id="3" name="Text Placeholder 2">
-            <a:extLst>
-              <a:ext uri="{FF2B5EF4-FFF2-40B4-BE49-F238E27FC236}">
-                <a16:creationId xmlns:a16="http://schemas.microsoft.com/office/drawing/2014/main" id="{1EBB9990-0CBB-2977-C631-37F97EB6D7A7}"/>
-              </a:ext>
-            </a:extLst>
-          </p:cNvPr>
-          <p:cNvSpPr>
-            <a:spLocks noGrp="1"/>
-          </p:cNvSpPr>
-          <p:nvPr>
-            <p:ph type="body" idx="1"/>
-          </p:nvPr>
+          <p:cNvPr id="11" name="Rectangle 10">
+            <a:extLst>
+              <a:ext uri="{FF2B5EF4-FFF2-40B4-BE49-F238E27FC236}">
+                <a16:creationId xmlns:a16="http://schemas.microsoft.com/office/drawing/2014/main" id="{910C5C32-408D-8072-82C8-297384424B54}"/>
+              </a:ext>
+            </a:extLst>
+          </p:cNvPr>
+          <p:cNvSpPr/>
+          <p:nvPr userDrawn="1"/>
         </p:nvSpPr>
         <p:spPr>
           <a:xfrm>
-            <a:off x="838200" y="1825625"/>
-            <a:ext cx="10515600" cy="4351338"/>
+            <a:off x="175492" y="184727"/>
+            <a:ext cx="11841018" cy="6493164"/>
           </a:xfrm>
           <a:prstGeom prst="rect">
             <a:avLst/>
           </a:prstGeom>
+          <a:noFill/>
         </p:spPr>
+        <p:style>
+          <a:lnRef idx="2">
+            <a:schemeClr val="accent1">
+              <a:shade val="15000"/>
+            </a:schemeClr>
+          </a:lnRef>
+          <a:fillRef idx="1">
+            <a:schemeClr val="accent1"/>
+          </a:fillRef>
+          <a:effectRef idx="0">
+            <a:schemeClr val="accent1"/>
+          </a:effectRef>
+          <a:fontRef idx="minor">
+            <a:schemeClr val="lt1"/>
+          </a:fontRef>
+        </p:style>
         <p:txBody>
-          <a:bodyPr vert="horz" lIns="91440" tIns="45720" rIns="91440" bIns="45720" rtlCol="0">
-            <a:normAutofit/>
-          </a:bodyPr>
+          <a:bodyPr rtlCol="0" anchor="ctr"/>
           <a:lstStyle/>
           <a:p>
-            <a:pPr lvl="0"/>
-            <a:r>
-              <a:rPr lang="en-US"/>
-              <a:t>Click to edit Master text styles</a:t>
-            </a:r>
-          </a:p>
-          <a:p>
-            <a:pPr lvl="1"/>
-            <a:r>
-              <a:rPr lang="en-US"/>
-              <a:t>Second level</a:t>
-            </a:r>
-          </a:p>
-          <a:p>
-            <a:pPr lvl="2"/>
-            <a:r>
-              <a:rPr lang="en-US"/>
-              <a:t>Third level</a:t>
-            </a:r>
-          </a:p>
-          <a:p>
-            <a:pPr lvl="3"/>
-            <a:r>
-              <a:rPr lang="en-US"/>
-              <a:t>Fourth level</a:t>
-            </a:r>
-          </a:p>
-          <a:p>
-            <a:pPr lvl="4"/>
-            <a:r>
-              <a:rPr lang="en-US"/>
-              <a:t>Fifth level</a:t>
-            </a:r>
-          </a:p>
-        </p:txBody>
-      </p:sp>
-      <p:sp>
-        <p:nvSpPr>
-          <p:cNvPr id="4" name="Date Placeholder 3">
-            <a:extLst>
-              <a:ext uri="{FF2B5EF4-FFF2-40B4-BE49-F238E27FC236}">
-                <a16:creationId xmlns:a16="http://schemas.microsoft.com/office/drawing/2014/main" id="{F336638E-F817-1BC9-ECB7-18071DC44D12}"/>
-              </a:ext>
-            </a:extLst>
-          </p:cNvPr>
-          <p:cNvSpPr>
-            <a:spLocks noGrp="1"/>
-          </p:cNvSpPr>
-          <p:nvPr>
-            <p:ph type="dt" sz="half" idx="2"/>
-          </p:nvPr>
-        </p:nvSpPr>
-        <p:spPr>
-          <a:xfrm>
-            <a:off x="838200" y="6356350"/>
-            <a:ext cx="2743200" cy="365125"/>
-          </a:xfrm>
-          <a:prstGeom prst="rect">
-            <a:avLst/>
-          </a:prstGeom>
-        </p:spPr>
-        <p:txBody>
-          <a:bodyPr vert="horz" lIns="91440" tIns="45720" rIns="91440" bIns="45720" rtlCol="0" anchor="ctr"/>
-          <a:lstStyle>
-            <a:lvl1pPr algn="l">
-              <a:defRPr sz="1200">
-                <a:solidFill>
-                  <a:schemeClr val="tx1">
-                    <a:tint val="75000"/>
-                  </a:schemeClr>
-                </a:solidFill>
-              </a:defRPr>
-            </a:lvl1pPr>
-          </a:lstStyle>
-          <a:p>
-            <a:fld id="{9C4E342D-98AB-407C-88D4-A20ED0F70E1C}" type="datetime1">
-              <a:rPr lang="en-US" smtClean="0"/>
-              <a:t>10/10/2024</a:t>
-            </a:fld>
-            <a:endParaRPr lang="en-US"/>
-          </a:p>
-        </p:txBody>
-      </p:sp>
-      <p:sp>
-        <p:nvSpPr>
-          <p:cNvPr id="5" name="Footer Placeholder 4">
-            <a:extLst>
-              <a:ext uri="{FF2B5EF4-FFF2-40B4-BE49-F238E27FC236}">
-                <a16:creationId xmlns:a16="http://schemas.microsoft.com/office/drawing/2014/main" id="{60C57151-F515-08FA-FD9F-F59EDF1B6581}"/>
-              </a:ext>
-            </a:extLst>
-          </p:cNvPr>
-          <p:cNvSpPr>
-            <a:spLocks noGrp="1"/>
-          </p:cNvSpPr>
-          <p:nvPr>
-            <p:ph type="ftr" sz="quarter" idx="3"/>
-          </p:nvPr>
-        </p:nvSpPr>
-        <p:spPr>
-          <a:xfrm>
-            <a:off x="4038600" y="6356350"/>
-            <a:ext cx="4114800" cy="365125"/>
-          </a:xfrm>
-          <a:prstGeom prst="rect">
-            <a:avLst/>
-          </a:prstGeom>
-        </p:spPr>
-        <p:txBody>
-          <a:bodyPr vert="horz" lIns="91440" tIns="45720" rIns="91440" bIns="45720" rtlCol="0" anchor="ctr"/>
-          <a:lstStyle>
-            <a:lvl1pPr algn="ctr">
-              <a:defRPr sz="1200">
-                <a:solidFill>
-                  <a:schemeClr val="tx1">
-                    <a:tint val="75000"/>
-                  </a:schemeClr>
-                </a:solidFill>
-              </a:defRPr>
-            </a:lvl1pPr>
-          </a:lstStyle>
-          <a:p>
-            <a:endParaRPr lang="en-US"/>
-          </a:p>
-        </p:txBody>
-      </p:sp>
-      <p:sp>
-        <p:nvSpPr>
-          <p:cNvPr id="6" name="Slide Number Placeholder 5">
-            <a:extLst>
-              <a:ext uri="{FF2B5EF4-FFF2-40B4-BE49-F238E27FC236}">
-                <a16:creationId xmlns:a16="http://schemas.microsoft.com/office/drawing/2014/main" id="{F7D361D9-183D-9DF9-C01C-5B530B1CB880}"/>
-              </a:ext>
-            </a:extLst>
-          </p:cNvPr>
-          <p:cNvSpPr>
-            <a:spLocks noGrp="1"/>
-          </p:cNvSpPr>
-          <p:nvPr>
-            <p:ph type="sldNum" sz="quarter" idx="4"/>
-          </p:nvPr>
-        </p:nvSpPr>
-        <p:spPr>
-          <a:xfrm>
-            <a:off x="8610600" y="6356350"/>
-            <a:ext cx="2743200" cy="365125"/>
-          </a:xfrm>
-          <a:prstGeom prst="rect">
-            <a:avLst/>
-          </a:prstGeom>
-        </p:spPr>
-        <p:txBody>
-          <a:bodyPr vert="horz" lIns="91440" tIns="45720" rIns="91440" bIns="45720" rtlCol="0" anchor="ctr"/>
-          <a:lstStyle>
-            <a:lvl1pPr algn="r">
-              <a:defRPr sz="1200">
-                <a:solidFill>
-                  <a:schemeClr val="tx1">
-                    <a:tint val="75000"/>
-                  </a:schemeClr>
-                </a:solidFill>
-              </a:defRPr>
-            </a:lvl1pPr>
-          </a:lstStyle>
-          <a:p>
-            <a:fld id="{B46E5E13-EE34-439C-B49B-F0CB75B28E1B}" type="slidenum">
-              <a:rPr lang="en-US" smtClean="0"/>
-              <a:t>‹#›</a:t>
-            </a:fld>
+            <a:pPr algn="ctr"/>
             <a:endParaRPr lang="en-US"/>
           </a:p>
         </p:txBody>
@@ -7342,29 +3754,29 @@
     </p:spTree>
     <p:extLst>
       <p:ext uri="{BB962C8B-B14F-4D97-AF65-F5344CB8AC3E}">
-        <p14:creationId xmlns:p14="http://schemas.microsoft.com/office/powerpoint/2010/main" val="3616380004"/>
+        <p14:creationId xmlns:p14="http://schemas.microsoft.com/office/powerpoint/2010/main" val="466850387"/>
       </p:ext>
     </p:extLst>
   </p:cSld>
   <p:clrMap bg1="lt1" tx1="dk1" bg2="lt2" tx2="dk2" accent1="accent1" accent2="accent2" accent3="accent3" accent4="accent4" accent5="accent5" accent6="accent6" hlink="hlink" folHlink="folHlink"/>
   <p:sldLayoutIdLst>
-    <p:sldLayoutId id="2147483713" r:id="rId1"/>
-    <p:sldLayoutId id="2147483714" r:id="rId2"/>
-    <p:sldLayoutId id="2147483715" r:id="rId3"/>
-    <p:sldLayoutId id="2147483716" r:id="rId4"/>
-    <p:sldLayoutId id="2147483717" r:id="rId5"/>
-    <p:sldLayoutId id="2147483718" r:id="rId6"/>
-    <p:sldLayoutId id="2147483719" r:id="rId7"/>
-    <p:sldLayoutId id="2147483720" r:id="rId8"/>
-    <p:sldLayoutId id="2147483721" r:id="rId9"/>
-    <p:sldLayoutId id="2147483722" r:id="rId10"/>
-    <p:sldLayoutId id="2147483723" r:id="rId11"/>
-    <p:sldLayoutId id="2147483724" r:id="rId12"/>
+    <p:sldLayoutId id="2147483649" r:id="rId1"/>
+    <p:sldLayoutId id="2147483650" r:id="rId2"/>
+    <p:sldLayoutId id="2147483651" r:id="rId3"/>
+    <p:sldLayoutId id="2147483652" r:id="rId4"/>
+    <p:sldLayoutId id="2147483653" r:id="rId5"/>
+    <p:sldLayoutId id="2147483654" r:id="rId6"/>
+    <p:sldLayoutId id="2147483655" r:id="rId7"/>
+    <p:sldLayoutId id="2147483656" r:id="rId8"/>
+    <p:sldLayoutId id="2147483657" r:id="rId9"/>
+    <p:sldLayoutId id="2147483658" r:id="rId10"/>
+    <p:sldLayoutId id="2147483659" r:id="rId11"/>
+    <p:sldLayoutId id="2147483660" r:id="rId12"/>
+    <p:sldLayoutId id="2147483661" r:id="rId13"/>
   </p:sldLayoutIdLst>
-  <p:hf hdr="0" ftr="0" dt="0"/>
   <p:txStyles>
     <p:titleStyle>
-      <a:lvl1pPr algn="l" defTabSz="914400" rtl="0" eaLnBrk="1" latinLnBrk="0" hangingPunct="1">
+      <a:lvl1pPr algn="ctr" defTabSz="914400" rtl="0" eaLnBrk="1" latinLnBrk="0" hangingPunct="1">
         <a:lnSpc>
           <a:spcPct val="90000"/>
         </a:lnSpc>
@@ -7799,7 +4211,12 @@
             <p:ph type="body" sz="quarter" idx="10"/>
           </p:nvPr>
         </p:nvSpPr>
-        <p:spPr/>
+        <p:spPr>
+          <a:xfrm>
+            <a:off x="323529" y="1301534"/>
+            <a:ext cx="11573197" cy="724247"/>
+          </a:xfrm>
+        </p:spPr>
         <p:txBody>
           <a:bodyPr>
             <a:normAutofit/>
@@ -7827,7 +4244,7 @@
         </p:nvSpPr>
         <p:spPr>
           <a:xfrm>
-            <a:off x="1706811" y="1305341"/>
+            <a:off x="1720939" y="2543591"/>
             <a:ext cx="8778377" cy="4247317"/>
           </a:xfrm>
           <a:prstGeom prst="rect">
@@ -8081,7 +4498,12 @@
             <p:ph type="body" sz="quarter" idx="10"/>
           </p:nvPr>
         </p:nvSpPr>
-        <p:spPr/>
+        <p:spPr>
+          <a:xfrm>
+            <a:off x="323529" y="1320584"/>
+            <a:ext cx="11573197" cy="724247"/>
+          </a:xfrm>
+        </p:spPr>
         <p:txBody>
           <a:bodyPr>
             <a:normAutofit/>
@@ -8109,7 +4531,7 @@
         </p:nvSpPr>
         <p:spPr>
           <a:xfrm>
-            <a:off x="1706811" y="1305341"/>
+            <a:off x="1720939" y="2715041"/>
             <a:ext cx="8778377" cy="3416320"/>
           </a:xfrm>
           <a:prstGeom prst="rect">
@@ -8371,8 +4793,8 @@
         </p:nvSpPr>
         <p:spPr>
           <a:xfrm>
-            <a:off x="323529" y="339508"/>
-            <a:ext cx="11573197" cy="1368521"/>
+            <a:off x="514351" y="1091983"/>
+            <a:ext cx="11191554" cy="1368521"/>
           </a:xfrm>
         </p:spPr>
         <p:txBody>
@@ -8409,7 +4831,7 @@
         </p:nvSpPr>
         <p:spPr>
           <a:xfrm>
-            <a:off x="1706811" y="1708029"/>
+            <a:off x="1720940" y="2412879"/>
             <a:ext cx="8778377" cy="4247317"/>
           </a:xfrm>
           <a:prstGeom prst="rect">
@@ -8816,7 +5238,12 @@
             <p:ph type="body" sz="quarter" idx="10"/>
           </p:nvPr>
         </p:nvSpPr>
-        <p:spPr/>
+        <p:spPr>
+          <a:xfrm>
+            <a:off x="323529" y="1196759"/>
+            <a:ext cx="11573197" cy="724247"/>
+          </a:xfrm>
+        </p:spPr>
         <p:txBody>
           <a:bodyPr>
             <a:normAutofit/>
@@ -8844,7 +5271,7 @@
         </p:nvSpPr>
         <p:spPr>
           <a:xfrm>
-            <a:off x="1706811" y="1305341"/>
+            <a:off x="1720939" y="2143541"/>
             <a:ext cx="8778377" cy="4247317"/>
           </a:xfrm>
           <a:prstGeom prst="rect">
@@ -9122,7 +5549,12 @@
             <p:ph type="body" sz="quarter" idx="10"/>
           </p:nvPr>
         </p:nvSpPr>
-        <p:spPr/>
+        <p:spPr>
+          <a:xfrm>
+            <a:off x="323529" y="1187234"/>
+            <a:ext cx="11573197" cy="724247"/>
+          </a:xfrm>
+        </p:spPr>
         <p:txBody>
           <a:bodyPr>
             <a:normAutofit/>
@@ -9150,7 +5582,7 @@
         </p:nvSpPr>
         <p:spPr>
           <a:xfrm>
-            <a:off x="1226389" y="1305341"/>
+            <a:off x="1240516" y="2134016"/>
             <a:ext cx="9739222" cy="4247317"/>
           </a:xfrm>
           <a:prstGeom prst="rect">
@@ -9577,7 +6009,12 @@
             <p:ph type="body" sz="quarter" idx="10"/>
           </p:nvPr>
         </p:nvSpPr>
-        <p:spPr/>
+        <p:spPr>
+          <a:xfrm>
+            <a:off x="323529" y="1244384"/>
+            <a:ext cx="11573197" cy="724247"/>
+          </a:xfrm>
+        </p:spPr>
         <p:txBody>
           <a:bodyPr>
             <a:normAutofit/>
@@ -9605,7 +6042,7 @@
         </p:nvSpPr>
         <p:spPr>
           <a:xfrm>
-            <a:off x="1240516" y="1720840"/>
+            <a:off x="1240516" y="2378065"/>
             <a:ext cx="9739222" cy="3970318"/>
           </a:xfrm>
           <a:prstGeom prst="rect">
@@ -10149,7 +6586,12 @@
             <p:ph type="body" sz="quarter" idx="10"/>
           </p:nvPr>
         </p:nvSpPr>
-        <p:spPr/>
+        <p:spPr>
+          <a:xfrm>
+            <a:off x="323529" y="1482509"/>
+            <a:ext cx="11573197" cy="724247"/>
+          </a:xfrm>
+        </p:spPr>
         <p:txBody>
           <a:bodyPr>
             <a:normAutofit/>
@@ -10177,7 +6619,7 @@
         </p:nvSpPr>
         <p:spPr>
           <a:xfrm>
-            <a:off x="1706811" y="1305341"/>
+            <a:off x="1720939" y="3353216"/>
             <a:ext cx="8778377" cy="2308324"/>
           </a:xfrm>
           <a:prstGeom prst="rect">
@@ -10308,7 +6750,12 @@
             <p:ph type="body" sz="quarter" idx="10"/>
           </p:nvPr>
         </p:nvSpPr>
-        <p:spPr/>
+        <p:spPr>
+          <a:xfrm>
+            <a:off x="323529" y="1139609"/>
+            <a:ext cx="11573197" cy="724247"/>
+          </a:xfrm>
+        </p:spPr>
         <p:txBody>
           <a:bodyPr>
             <a:normAutofit/>
@@ -10336,7 +6783,7 @@
         </p:nvSpPr>
         <p:spPr>
           <a:xfrm>
-            <a:off x="1260764" y="1054728"/>
+            <a:off x="1278710" y="1854828"/>
             <a:ext cx="9662835" cy="923330"/>
           </a:xfrm>
           <a:prstGeom prst="rect">
@@ -10363,15 +6810,7 @@
             </a:pPr>
             <a:r>
               <a:rPr lang="en-US" dirty="0"/>
-              <a:t>The psfiles.zip archive contains a prepared Microsoft Access database. Using a Windows platform version of PowerShell, you will use .NET and ODBC </a:t>
-            </a:r>
-            <a:r>
-              <a:rPr lang="en-US"/>
-              <a:t>to access and query </a:t>
-            </a:r>
-            <a:r>
-              <a:rPr lang="en-US" dirty="0"/>
-              <a:t>it.</a:t>
+              <a:t>The psfiles.zip archive contains a prepared Microsoft Access database. Using a Windows platform version of PowerShell, you will use .NET and ODBC to access and query it.</a:t>
             </a:r>
           </a:p>
         </p:txBody>
@@ -10428,7 +6867,12 @@
             <p:ph type="body" sz="quarter" idx="10"/>
           </p:nvPr>
         </p:nvSpPr>
-        <p:spPr/>
+        <p:spPr>
+          <a:xfrm>
+            <a:off x="323529" y="1101509"/>
+            <a:ext cx="11573197" cy="724247"/>
+          </a:xfrm>
+        </p:spPr>
         <p:txBody>
           <a:bodyPr>
             <a:normAutofit/>
@@ -10436,290 +6880,307 @@
           <a:lstStyle/>
           <a:p>
             <a:r>
-              <a:rPr lang="en-US" sz="4000"/>
-              <a:t>Review again: </a:t>
-            </a:r>
-            <a:r>
               <a:rPr lang="en-US" sz="4000" dirty="0"/>
-              <a:t>CRUD!</a:t>
+              <a:t>Review again: CRUD!</a:t>
             </a:r>
           </a:p>
         </p:txBody>
       </p:sp>
-      <p:sp>
-        <p:nvSpPr>
-          <p:cNvPr id="7" name="TextBox 6">
-            <a:extLst>
-              <a:ext uri="{FF2B5EF4-FFF2-40B4-BE49-F238E27FC236}">
-                <a16:creationId xmlns:a16="http://schemas.microsoft.com/office/drawing/2014/main" id="{4247D23F-F3F9-676F-BDEB-E69E1F0AB32C}"/>
-              </a:ext>
-            </a:extLst>
-          </p:cNvPr>
-          <p:cNvSpPr txBox="1"/>
+      <p:grpSp>
+        <p:nvGrpSpPr>
+          <p:cNvPr id="5" name="Group 4">
+            <a:extLst>
+              <a:ext uri="{FF2B5EF4-FFF2-40B4-BE49-F238E27FC236}">
+                <a16:creationId xmlns:a16="http://schemas.microsoft.com/office/drawing/2014/main" id="{8EFE2659-D148-0FAD-81DF-42A8C4166530}"/>
+              </a:ext>
+            </a:extLst>
+          </p:cNvPr>
+          <p:cNvGrpSpPr/>
           <p:nvPr/>
-        </p:nvSpPr>
-        <p:spPr>
+        </p:nvGrpSpPr>
+        <p:grpSpPr>
           <a:xfrm>
-            <a:off x="1768416" y="1305340"/>
-            <a:ext cx="2863970" cy="1477328"/>
+            <a:off x="1343173" y="1857790"/>
+            <a:ext cx="9533908" cy="4893648"/>
+            <a:chOff x="1768416" y="1305340"/>
+            <a:chExt cx="8778377" cy="4893648"/>
           </a:xfrm>
-          <a:prstGeom prst="rect">
-            <a:avLst/>
-          </a:prstGeom>
-        </p:spPr>
-        <p:style>
-          <a:lnRef idx="2">
-            <a:schemeClr val="accent1"/>
-          </a:lnRef>
-          <a:fillRef idx="1">
-            <a:schemeClr val="lt1"/>
-          </a:fillRef>
-          <a:effectRef idx="0">
-            <a:schemeClr val="accent1"/>
-          </a:effectRef>
-          <a:fontRef idx="minor">
-            <a:schemeClr val="dk1"/>
-          </a:fontRef>
-        </p:style>
-        <p:txBody>
-          <a:bodyPr wrap="square" rtlCol="0">
-            <a:spAutoFit/>
-          </a:bodyPr>
-          <a:lstStyle/>
-          <a:p>
-            <a:r>
-              <a:rPr lang="en-US" dirty="0"/>
-              <a:t>Elementary data operations:</a:t>
-            </a:r>
-          </a:p>
-          <a:p>
-            <a:pPr marL="742950" lvl="1" indent="-285750">
-              <a:buFont typeface="Arial" panose="020B0604020202020204" pitchFamily="34" charset="0"/>
-              <a:buChar char="•"/>
-            </a:pPr>
-            <a:r>
-              <a:rPr lang="en-US" dirty="0"/>
-              <a:t>Create</a:t>
-            </a:r>
-          </a:p>
-          <a:p>
-            <a:pPr marL="742950" lvl="1" indent="-285750">
-              <a:buFont typeface="Arial" panose="020B0604020202020204" pitchFamily="34" charset="0"/>
-              <a:buChar char="•"/>
-            </a:pPr>
-            <a:r>
-              <a:rPr lang="en-US" dirty="0"/>
-              <a:t>Read</a:t>
-            </a:r>
-          </a:p>
-          <a:p>
-            <a:pPr marL="742950" lvl="1" indent="-285750">
-              <a:buFont typeface="Arial" panose="020B0604020202020204" pitchFamily="34" charset="0"/>
-              <a:buChar char="•"/>
-            </a:pPr>
-            <a:r>
-              <a:rPr lang="en-US" dirty="0"/>
-              <a:t>Update</a:t>
-            </a:r>
-          </a:p>
-          <a:p>
-            <a:pPr marL="742950" lvl="1" indent="-285750">
-              <a:buFont typeface="Arial" panose="020B0604020202020204" pitchFamily="34" charset="0"/>
-              <a:buChar char="•"/>
-            </a:pPr>
-            <a:r>
-              <a:rPr lang="en-US" dirty="0"/>
-              <a:t>Delete</a:t>
-            </a:r>
-          </a:p>
-        </p:txBody>
-      </p:sp>
-      <p:sp>
-        <p:nvSpPr>
-          <p:cNvPr id="3" name="TextBox 2">
-            <a:extLst>
-              <a:ext uri="{FF2B5EF4-FFF2-40B4-BE49-F238E27FC236}">
-                <a16:creationId xmlns:a16="http://schemas.microsoft.com/office/drawing/2014/main" id="{6DB565A6-DDA9-BD81-B7C7-3069323CA90A}"/>
-              </a:ext>
-            </a:extLst>
-          </p:cNvPr>
-          <p:cNvSpPr txBox="1"/>
-          <p:nvPr/>
-        </p:nvSpPr>
-        <p:spPr>
-          <a:xfrm>
-            <a:off x="4632386" y="1305340"/>
-            <a:ext cx="5852803" cy="1477328"/>
-          </a:xfrm>
-          <a:prstGeom prst="rect">
-            <a:avLst/>
-          </a:prstGeom>
-        </p:spPr>
-        <p:style>
-          <a:lnRef idx="2">
-            <a:schemeClr val="accent1"/>
-          </a:lnRef>
-          <a:fillRef idx="1">
-            <a:schemeClr val="lt1"/>
-          </a:fillRef>
-          <a:effectRef idx="0">
-            <a:schemeClr val="accent1"/>
-          </a:effectRef>
-          <a:fontRef idx="minor">
-            <a:schemeClr val="dk1"/>
-          </a:fontRef>
-        </p:style>
-        <p:txBody>
-          <a:bodyPr wrap="square" rtlCol="0">
-            <a:spAutoFit/>
-          </a:bodyPr>
-          <a:lstStyle/>
-          <a:p>
-            <a:r>
-              <a:rPr lang="en-US" dirty="0"/>
-              <a:t>Corresponding SQL (Structured Query Language) commands:</a:t>
-            </a:r>
-          </a:p>
-          <a:p>
-            <a:pPr marL="742950" lvl="1" indent="-285750">
-              <a:buFont typeface="Arial" panose="020B0604020202020204" pitchFamily="34" charset="0"/>
-              <a:buChar char="•"/>
-            </a:pPr>
-            <a:r>
-              <a:rPr lang="en-US" dirty="0"/>
-              <a:t>INSERT</a:t>
-            </a:r>
-          </a:p>
-          <a:p>
-            <a:pPr marL="742950" lvl="1" indent="-285750">
-              <a:buFont typeface="Arial" panose="020B0604020202020204" pitchFamily="34" charset="0"/>
-              <a:buChar char="•"/>
-            </a:pPr>
-            <a:r>
-              <a:rPr lang="en-US" dirty="0"/>
-              <a:t>SELECT</a:t>
-            </a:r>
-          </a:p>
-          <a:p>
-            <a:pPr marL="742950" lvl="1" indent="-285750">
-              <a:buFont typeface="Arial" panose="020B0604020202020204" pitchFamily="34" charset="0"/>
-              <a:buChar char="•"/>
-            </a:pPr>
-            <a:r>
-              <a:rPr lang="en-US" dirty="0"/>
-              <a:t>UPDATE</a:t>
-            </a:r>
-          </a:p>
-          <a:p>
-            <a:pPr marL="742950" lvl="1" indent="-285750">
-              <a:buFont typeface="Arial" panose="020B0604020202020204" pitchFamily="34" charset="0"/>
-              <a:buChar char="•"/>
-            </a:pPr>
-            <a:r>
-              <a:rPr lang="en-US" dirty="0"/>
-              <a:t>DELETE</a:t>
-            </a:r>
-          </a:p>
-        </p:txBody>
-      </p:sp>
-      <p:sp>
-        <p:nvSpPr>
-          <p:cNvPr id="4" name="TextBox 3">
-            <a:extLst>
-              <a:ext uri="{FF2B5EF4-FFF2-40B4-BE49-F238E27FC236}">
-                <a16:creationId xmlns:a16="http://schemas.microsoft.com/office/drawing/2014/main" id="{5F95AB98-4F6F-01E3-47E3-C88B1F1E9664}"/>
-              </a:ext>
-            </a:extLst>
-          </p:cNvPr>
-          <p:cNvSpPr txBox="1"/>
-          <p:nvPr/>
-        </p:nvSpPr>
-        <p:spPr>
-          <a:xfrm>
-            <a:off x="1768416" y="2782668"/>
-            <a:ext cx="8778377" cy="3416320"/>
-          </a:xfrm>
-          <a:prstGeom prst="rect">
-            <a:avLst/>
-          </a:prstGeom>
-          <a:noFill/>
-        </p:spPr>
-        <p:txBody>
-          <a:bodyPr wrap="square" rtlCol="0">
-            <a:spAutoFit/>
-          </a:bodyPr>
-          <a:lstStyle/>
-          <a:p>
-            <a:r>
-              <a:rPr lang="en-US" dirty="0"/>
-              <a:t>Example SQL statements, for a data table named “ROSTER:”</a:t>
-            </a:r>
-          </a:p>
-          <a:p>
-            <a:endParaRPr lang="en-US" dirty="0"/>
-          </a:p>
-          <a:p>
-            <a:pPr lvl="1"/>
-            <a:r>
-              <a:rPr lang="en-US" dirty="0">
-                <a:latin typeface="Lucida Console" panose="020B0609040504020204" pitchFamily="49" charset="0"/>
-              </a:rPr>
-              <a:t>INSERT INTO ROSTER (ID, NAME) VALUES (2, 'Robin’);</a:t>
-            </a:r>
-          </a:p>
-          <a:p>
-            <a:endParaRPr lang="en-US" dirty="0">
-              <a:latin typeface="Lucida Console" panose="020B0609040504020204" pitchFamily="49" charset="0"/>
-            </a:endParaRPr>
-          </a:p>
-          <a:p>
-            <a:pPr lvl="1"/>
-            <a:r>
-              <a:rPr lang="en-US" dirty="0">
-                <a:latin typeface="Lucida Console" panose="020B0609040504020204" pitchFamily="49" charset="0"/>
-              </a:rPr>
-              <a:t>SELECT ID, NAME FROM ROSTER WHERE ID = 2;</a:t>
-            </a:r>
-          </a:p>
-          <a:p>
-            <a:endParaRPr lang="en-US" dirty="0">
-              <a:latin typeface="Lucida Console" panose="020B0609040504020204" pitchFamily="49" charset="0"/>
-            </a:endParaRPr>
-          </a:p>
-          <a:p>
-            <a:pPr lvl="1"/>
-            <a:r>
-              <a:rPr lang="en-US" dirty="0">
-                <a:latin typeface="Lucida Console" panose="020B0609040504020204" pitchFamily="49" charset="0"/>
-              </a:rPr>
-              <a:t>UPDATE ROSTER SET NAME = 'Batman' WHERE ID = 2;</a:t>
-            </a:r>
-          </a:p>
-          <a:p>
-            <a:endParaRPr lang="en-US" dirty="0">
-              <a:latin typeface="Lucida Console" panose="020B0609040504020204" pitchFamily="49" charset="0"/>
-            </a:endParaRPr>
-          </a:p>
-          <a:p>
-            <a:pPr lvl="1"/>
-            <a:r>
-              <a:rPr lang="en-US" dirty="0">
-                <a:latin typeface="Lucida Console" panose="020B0609040504020204" pitchFamily="49" charset="0"/>
-              </a:rPr>
-              <a:t>DELETE FROM ROSTER WHERE ID = 2;</a:t>
-            </a:r>
-          </a:p>
-          <a:p>
-            <a:endParaRPr lang="en-US" dirty="0"/>
-          </a:p>
-          <a:p>
-            <a:r>
-              <a:rPr lang="en-US" i="1" dirty="0"/>
-              <a:t>Note: if any of this is new to you, don’t worry. No prior database experience is necessary to complete the upcoming exercises, and regardless, they won’t be too difficult to figure out.</a:t>
-            </a:r>
-          </a:p>
-        </p:txBody>
-      </p:sp>
+        </p:grpSpPr>
+        <p:sp>
+          <p:nvSpPr>
+            <p:cNvPr id="7" name="TextBox 6">
+              <a:extLst>
+                <a:ext uri="{FF2B5EF4-FFF2-40B4-BE49-F238E27FC236}">
+                  <a16:creationId xmlns:a16="http://schemas.microsoft.com/office/drawing/2014/main" id="{4247D23F-F3F9-676F-BDEB-E69E1F0AB32C}"/>
+                </a:ext>
+              </a:extLst>
+            </p:cNvPr>
+            <p:cNvSpPr txBox="1"/>
+            <p:nvPr/>
+          </p:nvSpPr>
+          <p:spPr>
+            <a:xfrm>
+              <a:off x="1768416" y="1305340"/>
+              <a:ext cx="2863970" cy="1477328"/>
+            </a:xfrm>
+            <a:prstGeom prst="rect">
+              <a:avLst/>
+            </a:prstGeom>
+          </p:spPr>
+          <p:style>
+            <a:lnRef idx="2">
+              <a:schemeClr val="accent1"/>
+            </a:lnRef>
+            <a:fillRef idx="1">
+              <a:schemeClr val="lt1"/>
+            </a:fillRef>
+            <a:effectRef idx="0">
+              <a:schemeClr val="accent1"/>
+            </a:effectRef>
+            <a:fontRef idx="minor">
+              <a:schemeClr val="dk1"/>
+            </a:fontRef>
+          </p:style>
+          <p:txBody>
+            <a:bodyPr wrap="square" rtlCol="0">
+              <a:spAutoFit/>
+            </a:bodyPr>
+            <a:lstStyle/>
+            <a:p>
+              <a:r>
+                <a:rPr lang="en-US" dirty="0"/>
+                <a:t>Elementary data operations:</a:t>
+              </a:r>
+            </a:p>
+            <a:p>
+              <a:pPr marL="742950" lvl="1" indent="-285750">
+                <a:buFont typeface="Arial" panose="020B0604020202020204" pitchFamily="34" charset="0"/>
+                <a:buChar char="•"/>
+              </a:pPr>
+              <a:r>
+                <a:rPr lang="en-US" dirty="0"/>
+                <a:t>Create</a:t>
+              </a:r>
+            </a:p>
+            <a:p>
+              <a:pPr marL="742950" lvl="1" indent="-285750">
+                <a:buFont typeface="Arial" panose="020B0604020202020204" pitchFamily="34" charset="0"/>
+                <a:buChar char="•"/>
+              </a:pPr>
+              <a:r>
+                <a:rPr lang="en-US" dirty="0"/>
+                <a:t>Read</a:t>
+              </a:r>
+            </a:p>
+            <a:p>
+              <a:pPr marL="742950" lvl="1" indent="-285750">
+                <a:buFont typeface="Arial" panose="020B0604020202020204" pitchFamily="34" charset="0"/>
+                <a:buChar char="•"/>
+              </a:pPr>
+              <a:r>
+                <a:rPr lang="en-US" dirty="0"/>
+                <a:t>Update</a:t>
+              </a:r>
+            </a:p>
+            <a:p>
+              <a:pPr marL="742950" lvl="1" indent="-285750">
+                <a:buFont typeface="Arial" panose="020B0604020202020204" pitchFamily="34" charset="0"/>
+                <a:buChar char="•"/>
+              </a:pPr>
+              <a:r>
+                <a:rPr lang="en-US" dirty="0"/>
+                <a:t>Delete</a:t>
+              </a:r>
+            </a:p>
+          </p:txBody>
+        </p:sp>
+        <p:sp>
+          <p:nvSpPr>
+            <p:cNvPr id="3" name="TextBox 2">
+              <a:extLst>
+                <a:ext uri="{FF2B5EF4-FFF2-40B4-BE49-F238E27FC236}">
+                  <a16:creationId xmlns:a16="http://schemas.microsoft.com/office/drawing/2014/main" id="{6DB565A6-DDA9-BD81-B7C7-3069323CA90A}"/>
+                </a:ext>
+              </a:extLst>
+            </p:cNvPr>
+            <p:cNvSpPr txBox="1"/>
+            <p:nvPr/>
+          </p:nvSpPr>
+          <p:spPr>
+            <a:xfrm>
+              <a:off x="4632386" y="1305340"/>
+              <a:ext cx="5852803" cy="1477328"/>
+            </a:xfrm>
+            <a:prstGeom prst="rect">
+              <a:avLst/>
+            </a:prstGeom>
+          </p:spPr>
+          <p:style>
+            <a:lnRef idx="2">
+              <a:schemeClr val="accent1"/>
+            </a:lnRef>
+            <a:fillRef idx="1">
+              <a:schemeClr val="lt1"/>
+            </a:fillRef>
+            <a:effectRef idx="0">
+              <a:schemeClr val="accent1"/>
+            </a:effectRef>
+            <a:fontRef idx="minor">
+              <a:schemeClr val="dk1"/>
+            </a:fontRef>
+          </p:style>
+          <p:txBody>
+            <a:bodyPr wrap="square" rtlCol="0">
+              <a:spAutoFit/>
+            </a:bodyPr>
+            <a:lstStyle/>
+            <a:p>
+              <a:r>
+                <a:rPr lang="en-US" dirty="0"/>
+                <a:t>Corresponding SQL (Structured Query Language) commands:</a:t>
+              </a:r>
+            </a:p>
+            <a:p>
+              <a:pPr marL="742950" lvl="1" indent="-285750">
+                <a:buFont typeface="Arial" panose="020B0604020202020204" pitchFamily="34" charset="0"/>
+                <a:buChar char="•"/>
+              </a:pPr>
+              <a:r>
+                <a:rPr lang="en-US" dirty="0"/>
+                <a:t>INSERT</a:t>
+              </a:r>
+            </a:p>
+            <a:p>
+              <a:pPr marL="742950" lvl="1" indent="-285750">
+                <a:buFont typeface="Arial" panose="020B0604020202020204" pitchFamily="34" charset="0"/>
+                <a:buChar char="•"/>
+              </a:pPr>
+              <a:r>
+                <a:rPr lang="en-US" dirty="0"/>
+                <a:t>SELECT</a:t>
+              </a:r>
+            </a:p>
+            <a:p>
+              <a:pPr marL="742950" lvl="1" indent="-285750">
+                <a:buFont typeface="Arial" panose="020B0604020202020204" pitchFamily="34" charset="0"/>
+                <a:buChar char="•"/>
+              </a:pPr>
+              <a:r>
+                <a:rPr lang="en-US" dirty="0"/>
+                <a:t>UPDATE</a:t>
+              </a:r>
+            </a:p>
+            <a:p>
+              <a:pPr marL="742950" lvl="1" indent="-285750">
+                <a:buFont typeface="Arial" panose="020B0604020202020204" pitchFamily="34" charset="0"/>
+                <a:buChar char="•"/>
+              </a:pPr>
+              <a:r>
+                <a:rPr lang="en-US" dirty="0"/>
+                <a:t>DELETE</a:t>
+              </a:r>
+            </a:p>
+          </p:txBody>
+        </p:sp>
+        <p:sp>
+          <p:nvSpPr>
+            <p:cNvPr id="4" name="TextBox 3">
+              <a:extLst>
+                <a:ext uri="{FF2B5EF4-FFF2-40B4-BE49-F238E27FC236}">
+                  <a16:creationId xmlns:a16="http://schemas.microsoft.com/office/drawing/2014/main" id="{5F95AB98-4F6F-01E3-47E3-C88B1F1E9664}"/>
+                </a:ext>
+              </a:extLst>
+            </p:cNvPr>
+            <p:cNvSpPr txBox="1"/>
+            <p:nvPr/>
+          </p:nvSpPr>
+          <p:spPr>
+            <a:xfrm>
+              <a:off x="1768416" y="2782668"/>
+              <a:ext cx="8778377" cy="3416320"/>
+            </a:xfrm>
+            <a:prstGeom prst="rect">
+              <a:avLst/>
+            </a:prstGeom>
+            <a:noFill/>
+          </p:spPr>
+          <p:txBody>
+            <a:bodyPr wrap="square" rtlCol="0">
+              <a:spAutoFit/>
+            </a:bodyPr>
+            <a:lstStyle/>
+            <a:p>
+              <a:r>
+                <a:rPr lang="en-US" dirty="0"/>
+                <a:t>Example SQL statements, for a data table named “ROSTER:”</a:t>
+              </a:r>
+            </a:p>
+            <a:p>
+              <a:endParaRPr lang="en-US" dirty="0"/>
+            </a:p>
+            <a:p>
+              <a:pPr lvl="1"/>
+              <a:r>
+                <a:rPr lang="en-US" dirty="0">
+                  <a:latin typeface="Lucida Console" panose="020B0609040504020204" pitchFamily="49" charset="0"/>
+                </a:rPr>
+                <a:t>INSERT INTO ROSTER (ID, NAME) VALUES (2, 'Robin’);</a:t>
+              </a:r>
+            </a:p>
+            <a:p>
+              <a:endParaRPr lang="en-US" dirty="0">
+                <a:latin typeface="Lucida Console" panose="020B0609040504020204" pitchFamily="49" charset="0"/>
+              </a:endParaRPr>
+            </a:p>
+            <a:p>
+              <a:pPr lvl="1"/>
+              <a:r>
+                <a:rPr lang="en-US" dirty="0">
+                  <a:latin typeface="Lucida Console" panose="020B0609040504020204" pitchFamily="49" charset="0"/>
+                </a:rPr>
+                <a:t>SELECT ID, NAME FROM ROSTER WHERE ID = 2;</a:t>
+              </a:r>
+            </a:p>
+            <a:p>
+              <a:endParaRPr lang="en-US" dirty="0">
+                <a:latin typeface="Lucida Console" panose="020B0609040504020204" pitchFamily="49" charset="0"/>
+              </a:endParaRPr>
+            </a:p>
+            <a:p>
+              <a:pPr lvl="1"/>
+              <a:r>
+                <a:rPr lang="en-US" dirty="0">
+                  <a:latin typeface="Lucida Console" panose="020B0609040504020204" pitchFamily="49" charset="0"/>
+                </a:rPr>
+                <a:t>UPDATE ROSTER SET NAME = 'Batman' WHERE ID = 2;</a:t>
+              </a:r>
+            </a:p>
+            <a:p>
+              <a:endParaRPr lang="en-US" dirty="0">
+                <a:latin typeface="Lucida Console" panose="020B0609040504020204" pitchFamily="49" charset="0"/>
+              </a:endParaRPr>
+            </a:p>
+            <a:p>
+              <a:pPr lvl="1"/>
+              <a:r>
+                <a:rPr lang="en-US" dirty="0">
+                  <a:latin typeface="Lucida Console" panose="020B0609040504020204" pitchFamily="49" charset="0"/>
+                </a:rPr>
+                <a:t>DELETE FROM ROSTER WHERE ID = 2;</a:t>
+              </a:r>
+            </a:p>
+            <a:p>
+              <a:endParaRPr lang="en-US" dirty="0"/>
+            </a:p>
+            <a:p>
+              <a:r>
+                <a:rPr lang="en-US" i="1" dirty="0"/>
+                <a:t>Note: if any of this is new to you, don’t worry. No prior database experience is necessary to complete the upcoming exercises, and regardless, they won’t be too difficult to figure out.</a:t>
+              </a:r>
+            </a:p>
+          </p:txBody>
+        </p:sp>
+      </p:grpSp>
     </p:spTree>
     <p:extLst>
       <p:ext uri="{BB962C8B-B14F-4D97-AF65-F5344CB8AC3E}">
@@ -10772,7 +7233,12 @@
             <p:ph type="body" sz="quarter" idx="10"/>
           </p:nvPr>
         </p:nvSpPr>
-        <p:spPr/>
+        <p:spPr>
+          <a:xfrm>
+            <a:off x="323529" y="1130084"/>
+            <a:ext cx="11573197" cy="724247"/>
+          </a:xfrm>
+        </p:spPr>
         <p:txBody>
           <a:bodyPr>
             <a:normAutofit/>
@@ -10800,8 +7266,8 @@
         </p:nvSpPr>
         <p:spPr>
           <a:xfrm>
-            <a:off x="1706811" y="1305341"/>
-            <a:ext cx="8778377" cy="4524315"/>
+            <a:off x="1519078" y="2095916"/>
+            <a:ext cx="9182098" cy="4524315"/>
           </a:xfrm>
           <a:prstGeom prst="rect">
             <a:avLst/>
@@ -11047,7 +7513,12 @@
             <p:ph type="body" sz="quarter" idx="10"/>
           </p:nvPr>
         </p:nvSpPr>
-        <p:spPr/>
+        <p:spPr>
+          <a:xfrm>
+            <a:off x="323529" y="1301534"/>
+            <a:ext cx="11573197" cy="724247"/>
+          </a:xfrm>
+        </p:spPr>
         <p:txBody>
           <a:bodyPr>
             <a:normAutofit/>
@@ -11075,7 +7546,7 @@
         </p:nvSpPr>
         <p:spPr>
           <a:xfrm>
-            <a:off x="1155059" y="1166842"/>
+            <a:off x="1169187" y="2624167"/>
             <a:ext cx="9881881" cy="3416320"/>
           </a:xfrm>
           <a:prstGeom prst="rect">
@@ -11272,7 +7743,12 @@
             <p:ph type="body" sz="quarter" idx="10"/>
           </p:nvPr>
         </p:nvSpPr>
-        <p:spPr/>
+        <p:spPr>
+          <a:xfrm>
+            <a:off x="323529" y="1120559"/>
+            <a:ext cx="11573197" cy="724247"/>
+          </a:xfrm>
+        </p:spPr>
         <p:txBody>
           <a:bodyPr>
             <a:normAutofit/>
@@ -11315,7 +7791,7 @@
         </p:blipFill>
         <p:spPr bwMode="auto">
           <a:xfrm>
-            <a:off x="3576477" y="1128712"/>
+            <a:off x="3576477" y="1909762"/>
             <a:ext cx="5067300" cy="4600575"/>
           </a:xfrm>
           <a:prstGeom prst="rect">
@@ -11385,7 +7861,12 @@
             <p:ph type="body" sz="quarter" idx="10"/>
           </p:nvPr>
         </p:nvSpPr>
-        <p:spPr/>
+        <p:spPr>
+          <a:xfrm>
+            <a:off x="323529" y="1187234"/>
+            <a:ext cx="11573197" cy="724247"/>
+          </a:xfrm>
+        </p:spPr>
         <p:txBody>
           <a:bodyPr>
             <a:normAutofit/>
@@ -11413,7 +7894,7 @@
         </p:nvSpPr>
         <p:spPr>
           <a:xfrm>
-            <a:off x="1155059" y="1166842"/>
+            <a:off x="1169187" y="2071717"/>
             <a:ext cx="9881881" cy="4247317"/>
           </a:xfrm>
           <a:prstGeom prst="rect">
@@ -11585,7 +8066,12 @@
             <p:ph type="body" sz="quarter" idx="10"/>
           </p:nvPr>
         </p:nvSpPr>
-        <p:spPr/>
+        <p:spPr>
+          <a:xfrm>
+            <a:off x="323529" y="1158659"/>
+            <a:ext cx="11573197" cy="724247"/>
+          </a:xfrm>
+        </p:spPr>
         <p:txBody>
           <a:bodyPr>
             <a:normAutofit/>
@@ -11613,8 +8099,8 @@
         </p:nvSpPr>
         <p:spPr>
           <a:xfrm>
-            <a:off x="1706811" y="1305341"/>
-            <a:ext cx="8778377" cy="4832092"/>
+            <a:off x="995203" y="1819691"/>
+            <a:ext cx="10229848" cy="4832092"/>
           </a:xfrm>
           <a:prstGeom prst="rect">
             <a:avLst/>
@@ -11729,16 +8215,12 @@
               <a:t>System.Data.Odbc</a:t>
             </a:r>
             <a:r>
-              <a:rPr lang="en-US" b="1"/>
+              <a:rPr lang="en-US" b="1" dirty="0"/>
               <a:t>]</a:t>
             </a:r>
             <a:r>
-              <a:rPr lang="en-US"/>
-              <a:t> assemblies </a:t>
-            </a:r>
-            <a:r>
-              <a:rPr lang="en-US" dirty="0"/>
-              <a:t>in .NET with PowerShell.</a:t>
+              <a:rPr lang="en-US" dirty="0"/>
+              <a:t> assemblies in .NET with PowerShell.</a:t>
             </a:r>
           </a:p>
           <a:p>
@@ -12002,7 +8484,12 @@
             <p:ph type="body" sz="quarter" idx="10"/>
           </p:nvPr>
         </p:nvSpPr>
-        <p:spPr/>
+        <p:spPr>
+          <a:xfrm>
+            <a:off x="323529" y="1206284"/>
+            <a:ext cx="11573197" cy="724247"/>
+          </a:xfrm>
+        </p:spPr>
         <p:txBody>
           <a:bodyPr>
             <a:normAutofit/>
@@ -12030,8 +8517,8 @@
         </p:nvSpPr>
         <p:spPr>
           <a:xfrm>
-            <a:off x="1720938" y="1166842"/>
-            <a:ext cx="8778377" cy="5078313"/>
+            <a:off x="1323975" y="2252692"/>
+            <a:ext cx="9572304" cy="4524315"/>
           </a:xfrm>
           <a:prstGeom prst="rect">
             <a:avLst/>
@@ -12218,7 +8705,12 @@
             <p:ph type="body" sz="quarter" idx="10"/>
           </p:nvPr>
         </p:nvSpPr>
-        <p:spPr/>
+        <p:spPr>
+          <a:xfrm>
+            <a:off x="323529" y="1330109"/>
+            <a:ext cx="11573197" cy="724247"/>
+          </a:xfrm>
+        </p:spPr>
         <p:txBody>
           <a:bodyPr>
             <a:normAutofit/>
@@ -12246,7 +8738,7 @@
         </p:nvSpPr>
         <p:spPr>
           <a:xfrm>
-            <a:off x="1706811" y="1305341"/>
+            <a:off x="1720939" y="3019841"/>
             <a:ext cx="8778377" cy="3139321"/>
           </a:xfrm>
           <a:prstGeom prst="rect">
@@ -12453,39 +8945,39 @@
         <a:sysClr val="window" lastClr="FFFFFF"/>
       </a:lt1>
       <a:dk2>
-        <a:srgbClr val="44546A"/>
+        <a:srgbClr val="0E2841"/>
       </a:dk2>
       <a:lt2>
-        <a:srgbClr val="E7E6E6"/>
+        <a:srgbClr val="E8E8E8"/>
       </a:lt2>
       <a:accent1>
-        <a:srgbClr val="4472C4"/>
+        <a:srgbClr val="156082"/>
       </a:accent1>
       <a:accent2>
-        <a:srgbClr val="ED7D31"/>
+        <a:srgbClr val="E97132"/>
       </a:accent2>
       <a:accent3>
-        <a:srgbClr val="A5A5A5"/>
+        <a:srgbClr val="196B24"/>
       </a:accent3>
       <a:accent4>
-        <a:srgbClr val="FFC000"/>
+        <a:srgbClr val="0F9ED5"/>
       </a:accent4>
       <a:accent5>
-        <a:srgbClr val="5B9BD5"/>
+        <a:srgbClr val="A02B93"/>
       </a:accent5>
       <a:accent6>
-        <a:srgbClr val="70AD47"/>
+        <a:srgbClr val="4EA72E"/>
       </a:accent6>
       <a:hlink>
-        <a:srgbClr val="0563C1"/>
+        <a:srgbClr val="467886"/>
       </a:hlink>
       <a:folHlink>
-        <a:srgbClr val="954F72"/>
+        <a:srgbClr val="96607D"/>
       </a:folHlink>
     </a:clrScheme>
     <a:fontScheme name="Office">
       <a:majorFont>
-        <a:latin typeface="Calibri Light" panose="020F0302020204030204"/>
+        <a:latin typeface="Aptos Display" panose="02110004020202020204"/>
         <a:ea typeface=""/>
         <a:cs typeface=""/>
         <a:font script="Jpan" typeface="游ゴシック Light"/>
@@ -12537,7 +9029,7 @@
         <a:font script="Tfng" typeface="Ebrima"/>
       </a:majorFont>
       <a:minorFont>
-        <a:latin typeface="Calibri" panose="020F0502020204030204"/>
+        <a:latin typeface="Aptos" panose="02110004020202020204"/>
         <a:ea typeface=""/>
         <a:cs typeface=""/>
         <a:font script="Jpan" typeface="游ゴシック"/>
@@ -12648,13 +9140,6 @@
         </a:gradFill>
       </a:fillStyleLst>
       <a:lnStyleLst>
-        <a:ln w="6350" cap="flat" cmpd="sng" algn="ctr">
-          <a:solidFill>
-            <a:schemeClr val="phClr"/>
-          </a:solidFill>
-          <a:prstDash val="solid"/>
-          <a:miter lim="800000"/>
-        </a:ln>
         <a:ln w="12700" cap="flat" cmpd="sng" algn="ctr">
           <a:solidFill>
             <a:schemeClr val="phClr"/>
@@ -12663,6 +9148,13 @@
           <a:miter lim="800000"/>
         </a:ln>
         <a:ln w="19050" cap="flat" cmpd="sng" algn="ctr">
+          <a:solidFill>
+            <a:schemeClr val="phClr"/>
+          </a:solidFill>
+          <a:prstDash val="solid"/>
+          <a:miter lim="800000"/>
+        </a:ln>
+        <a:ln w="25400" cap="flat" cmpd="sng" algn="ctr">
           <a:solidFill>
             <a:schemeClr val="phClr"/>
           </a:solidFill>
@@ -12727,11 +9219,31 @@
       </a:bgFillStyleLst>
     </a:fmtScheme>
   </a:themeElements>
-  <a:objectDefaults/>
+  <a:objectDefaults>
+    <a:lnDef>
+      <a:spPr/>
+      <a:bodyPr/>
+      <a:lstStyle/>
+      <a:style>
+        <a:lnRef idx="2">
+          <a:schemeClr val="accent1"/>
+        </a:lnRef>
+        <a:fillRef idx="0">
+          <a:schemeClr val="accent1"/>
+        </a:fillRef>
+        <a:effectRef idx="1">
+          <a:schemeClr val="accent1"/>
+        </a:effectRef>
+        <a:fontRef idx="minor">
+          <a:schemeClr val="tx1"/>
+        </a:fontRef>
+      </a:style>
+    </a:lnDef>
+  </a:objectDefaults>
   <a:extraClrSchemeLst/>
   <a:extLst>
     <a:ext uri="{05A4C25C-085E-4340-85A3-A5531E510DB2}">
-      <thm15:themeFamily xmlns:thm15="http://schemas.microsoft.com/office/thememl/2012/main" name="Office Theme" id="{62F939B6-93AF-4DB8-9C6B-D6C7DFDC589F}" vid="{4A3C46E8-61CC-4603-A589-7422A47A8E4A}"/>
+      <thm15:themeFamily xmlns:thm15="http://schemas.microsoft.com/office/thememl/2012/main" name="Presentation1" id="{DAD0D162-FE0C-45E1-B287-70A400F0FB2D}" vid="{0F85589E-3A92-4CE5-8C4F-6CD4A008415E}"/>
     </a:ext>
   </a:extLst>
 </a:theme>

--- a/CYBER360-6.2-ODBC.pptx
+++ b/CYBER360-6.2-ODBC.pptx
@@ -697,7 +697,7 @@
           <a:p>
             <a:fld id="{71087A05-F855-4434-8DDE-39A8542098A6}" type="datetimeFigureOut">
               <a:rPr lang="en-US" smtClean="0"/>
-              <a:t>11/21/2024</a:t>
+              <a:t>3/19/2025</a:t>
             </a:fld>
             <a:endParaRPr lang="en-US"/>
           </a:p>
@@ -935,7 +935,7 @@
           <a:p>
             <a:fld id="{71087A05-F855-4434-8DDE-39A8542098A6}" type="datetimeFigureOut">
               <a:rPr lang="en-US" smtClean="0"/>
-              <a:t>11/21/2024</a:t>
+              <a:t>3/19/2025</a:t>
             </a:fld>
             <a:endParaRPr lang="en-US"/>
           </a:p>
@@ -1171,7 +1171,7 @@
           <a:p>
             <a:fld id="{421996D4-4A1C-4BBC-AA2B-FD5B7FC395A0}" type="datetime1">
               <a:rPr lang="en-US" smtClean="0"/>
-              <a:t>11/21/2024</a:t>
+              <a:t>3/19/2025</a:t>
             </a:fld>
             <a:endParaRPr lang="en-US"/>
           </a:p>
@@ -1474,7 +1474,7 @@
           <a:p>
             <a:fld id="{71087A05-F855-4434-8DDE-39A8542098A6}" type="datetimeFigureOut">
               <a:rPr lang="en-US" smtClean="0"/>
-              <a:t>11/21/2024</a:t>
+              <a:t>3/19/2025</a:t>
             </a:fld>
             <a:endParaRPr lang="en-US"/>
           </a:p>
@@ -1779,7 +1779,7 @@
           <a:p>
             <a:fld id="{71087A05-F855-4434-8DDE-39A8542098A6}" type="datetimeFigureOut">
               <a:rPr lang="en-US" smtClean="0"/>
-              <a:t>11/21/2024</a:t>
+              <a:t>3/19/2025</a:t>
             </a:fld>
             <a:endParaRPr lang="en-US"/>
           </a:p>
@@ -2082,7 +2082,7 @@
           <a:p>
             <a:fld id="{71087A05-F855-4434-8DDE-39A8542098A6}" type="datetimeFigureOut">
               <a:rPr lang="en-US" smtClean="0"/>
-              <a:t>11/21/2024</a:t>
+              <a:t>3/19/2025</a:t>
             </a:fld>
             <a:endParaRPr lang="en-US"/>
           </a:p>
@@ -2533,7 +2533,7 @@
           <a:p>
             <a:fld id="{71087A05-F855-4434-8DDE-39A8542098A6}" type="datetimeFigureOut">
               <a:rPr lang="en-US" smtClean="0"/>
-              <a:t>11/21/2024</a:t>
+              <a:t>3/19/2025</a:t>
             </a:fld>
             <a:endParaRPr lang="en-US"/>
           </a:p>
@@ -2706,7 +2706,7 @@
           <a:p>
             <a:fld id="{71087A05-F855-4434-8DDE-39A8542098A6}" type="datetimeFigureOut">
               <a:rPr lang="en-US" smtClean="0"/>
-              <a:t>11/21/2024</a:t>
+              <a:t>3/19/2025</a:t>
             </a:fld>
             <a:endParaRPr lang="en-US"/>
           </a:p>
@@ -2843,7 +2843,7 @@
           <a:p>
             <a:fld id="{71087A05-F855-4434-8DDE-39A8542098A6}" type="datetimeFigureOut">
               <a:rPr lang="en-US" smtClean="0"/>
-              <a:t>11/21/2024</a:t>
+              <a:t>3/19/2025</a:t>
             </a:fld>
             <a:endParaRPr lang="en-US"/>
           </a:p>
@@ -3187,7 +3187,7 @@
           <a:p>
             <a:fld id="{71087A05-F855-4434-8DDE-39A8542098A6}" type="datetimeFigureOut">
               <a:rPr lang="en-US" smtClean="0"/>
-              <a:t>11/21/2024</a:t>
+              <a:t>3/19/2025</a:t>
             </a:fld>
             <a:endParaRPr lang="en-US"/>
           </a:p>
@@ -3511,7 +3511,7 @@
           <a:p>
             <a:fld id="{71087A05-F855-4434-8DDE-39A8542098A6}" type="datetimeFigureOut">
               <a:rPr lang="en-US" smtClean="0"/>
-              <a:t>11/21/2024</a:t>
+              <a:t>3/19/2025</a:t>
             </a:fld>
             <a:endParaRPr lang="en-US"/>
           </a:p>
@@ -4097,7 +4097,14 @@
           <a:p>
             <a:r>
               <a:rPr lang="en-US" dirty="0"/>
-              <a:t>CIT 361/CYBER 360: Advanced Scripting</a:t>
+              <a:t>CYBER 360: </a:t>
+            </a:r>
+            <a:br>
+              <a:rPr lang="en-US" dirty="0"/>
+            </a:br>
+            <a:r>
+              <a:rPr lang="en-US" dirty="0"/>
+              <a:t>Advanced Scripting</a:t>
             </a:r>
           </a:p>
         </p:txBody>
